--- a/Presintaions and Reports/Final presntaion VLSI.pptx
+++ b/Presintaions and Reports/Final presntaion VLSI.pptx
@@ -14,9 +14,11 @@
     <p:sldId id="300" r:id="rId8"/>
     <p:sldId id="298" r:id="rId9"/>
     <p:sldId id="299" r:id="rId10"/>
-    <p:sldId id="301" r:id="rId11"/>
-    <p:sldId id="302" r:id="rId12"/>
-    <p:sldId id="303" r:id="rId13"/>
+    <p:sldId id="304" r:id="rId11"/>
+    <p:sldId id="305" r:id="rId12"/>
+    <p:sldId id="301" r:id="rId13"/>
+    <p:sldId id="302" r:id="rId14"/>
+    <p:sldId id="303" r:id="rId15"/>
   </p:sldIdLst>
   <p:sldSz cx="12192000" cy="6858000"/>
   <p:notesSz cx="6858000" cy="9144000"/>
@@ -115,6 +117,11 @@
       </a:defRPr>
     </a:lvl9pPr>
   </p:defaultTextStyle>
+  <p:extLst>
+    <p:ext uri="{EFAFB233-063F-42B5-8137-9DF3F51BA10A}">
+      <p15:sldGuideLst xmlns:p15="http://schemas.microsoft.com/office/powerpoint/2012/main"/>
+    </p:ext>
+  </p:extLst>
 </p:presentation>
 </file>
 
@@ -3444,7 +3451,7 @@
           <a:p>
             <a:fld id="{4C1E25F6-6904-4FC1-8C19-2CBB5B46E60E}" type="datetimeFigureOut">
               <a:rPr lang="en-IL" smtClean="0"/>
-              <a:t>19/06/2025</a:t>
+              <a:t>21/06/2025</a:t>
             </a:fld>
             <a:endParaRPr lang="en-IL"/>
           </a:p>
@@ -3644,7 +3651,7 @@
           <a:p>
             <a:fld id="{4C1E25F6-6904-4FC1-8C19-2CBB5B46E60E}" type="datetimeFigureOut">
               <a:rPr lang="en-IL" smtClean="0"/>
-              <a:t>19/06/2025</a:t>
+              <a:t>21/06/2025</a:t>
             </a:fld>
             <a:endParaRPr lang="en-IL"/>
           </a:p>
@@ -3854,7 +3861,7 @@
           <a:p>
             <a:fld id="{4C1E25F6-6904-4FC1-8C19-2CBB5B46E60E}" type="datetimeFigureOut">
               <a:rPr lang="en-IL" smtClean="0"/>
-              <a:t>19/06/2025</a:t>
+              <a:t>21/06/2025</a:t>
             </a:fld>
             <a:endParaRPr lang="en-IL"/>
           </a:p>
@@ -4054,7 +4061,7 @@
           <a:p>
             <a:fld id="{4C1E25F6-6904-4FC1-8C19-2CBB5B46E60E}" type="datetimeFigureOut">
               <a:rPr lang="en-IL" smtClean="0"/>
-              <a:t>19/06/2025</a:t>
+              <a:t>21/06/2025</a:t>
             </a:fld>
             <a:endParaRPr lang="en-IL"/>
           </a:p>
@@ -4330,7 +4337,7 @@
           <a:p>
             <a:fld id="{4C1E25F6-6904-4FC1-8C19-2CBB5B46E60E}" type="datetimeFigureOut">
               <a:rPr lang="en-IL" smtClean="0"/>
-              <a:t>19/06/2025</a:t>
+              <a:t>21/06/2025</a:t>
             </a:fld>
             <a:endParaRPr lang="en-IL"/>
           </a:p>
@@ -4598,7 +4605,7 @@
           <a:p>
             <a:fld id="{4C1E25F6-6904-4FC1-8C19-2CBB5B46E60E}" type="datetimeFigureOut">
               <a:rPr lang="en-IL" smtClean="0"/>
-              <a:t>19/06/2025</a:t>
+              <a:t>21/06/2025</a:t>
             </a:fld>
             <a:endParaRPr lang="en-IL"/>
           </a:p>
@@ -5013,7 +5020,7 @@
           <a:p>
             <a:fld id="{4C1E25F6-6904-4FC1-8C19-2CBB5B46E60E}" type="datetimeFigureOut">
               <a:rPr lang="en-IL" smtClean="0"/>
-              <a:t>19/06/2025</a:t>
+              <a:t>21/06/2025</a:t>
             </a:fld>
             <a:endParaRPr lang="en-IL"/>
           </a:p>
@@ -5155,7 +5162,7 @@
           <a:p>
             <a:fld id="{4C1E25F6-6904-4FC1-8C19-2CBB5B46E60E}" type="datetimeFigureOut">
               <a:rPr lang="en-IL" smtClean="0"/>
-              <a:t>19/06/2025</a:t>
+              <a:t>21/06/2025</a:t>
             </a:fld>
             <a:endParaRPr lang="en-IL"/>
           </a:p>
@@ -5268,7 +5275,7 @@
           <a:p>
             <a:fld id="{4C1E25F6-6904-4FC1-8C19-2CBB5B46E60E}" type="datetimeFigureOut">
               <a:rPr lang="en-IL" smtClean="0"/>
-              <a:t>19/06/2025</a:t>
+              <a:t>21/06/2025</a:t>
             </a:fld>
             <a:endParaRPr lang="en-IL"/>
           </a:p>
@@ -5581,7 +5588,7 @@
           <a:p>
             <a:fld id="{4C1E25F6-6904-4FC1-8C19-2CBB5B46E60E}" type="datetimeFigureOut">
               <a:rPr lang="en-IL" smtClean="0"/>
-              <a:t>19/06/2025</a:t>
+              <a:t>21/06/2025</a:t>
             </a:fld>
             <a:endParaRPr lang="en-IL"/>
           </a:p>
@@ -5870,7 +5877,7 @@
           <a:p>
             <a:fld id="{4C1E25F6-6904-4FC1-8C19-2CBB5B46E60E}" type="datetimeFigureOut">
               <a:rPr lang="en-IL" smtClean="0"/>
-              <a:t>19/06/2025</a:t>
+              <a:t>21/06/2025</a:t>
             </a:fld>
             <a:endParaRPr lang="en-IL"/>
           </a:p>
@@ -6113,7 +6120,7 @@
           <a:p>
             <a:fld id="{4C1E25F6-6904-4FC1-8C19-2CBB5B46E60E}" type="datetimeFigureOut">
               <a:rPr lang="en-IL" smtClean="0"/>
-              <a:t>19/06/2025</a:t>
+              <a:t>21/06/2025</a:t>
             </a:fld>
             <a:endParaRPr lang="en-IL"/>
           </a:p>
@@ -6867,6 +6874,3337 @@
         <p:cNvPr id="1" name="">
           <a:extLst>
             <a:ext uri="{FF2B5EF4-FFF2-40B4-BE49-F238E27FC236}">
+              <a16:creationId xmlns:a16="http://schemas.microsoft.com/office/drawing/2014/main" id="{38F78A77-F07C-FB08-CC5C-CBC7D0034E50}"/>
+            </a:ext>
+          </a:extLst>
+        </p:cNvPr>
+        <p:cNvGrpSpPr/>
+        <p:nvPr/>
+      </p:nvGrpSpPr>
+      <p:grpSpPr>
+        <a:xfrm>
+          <a:off x="0" y="0"/>
+          <a:ext cx="0" cy="0"/>
+          <a:chOff x="0" y="0"/>
+          <a:chExt cx="0" cy="0"/>
+        </a:xfrm>
+      </p:grpSpPr>
+      <p:sp>
+        <p:nvSpPr>
+          <p:cNvPr id="19" name="Rectangle 18">
+            <a:extLst>
+              <a:ext uri="{FF2B5EF4-FFF2-40B4-BE49-F238E27FC236}">
+                <a16:creationId xmlns:a16="http://schemas.microsoft.com/office/drawing/2014/main" id="{A312919A-8A9C-3ED7-0321-8F572757E2AA}"/>
+              </a:ext>
+            </a:extLst>
+          </p:cNvPr>
+          <p:cNvSpPr/>
+          <p:nvPr/>
+        </p:nvSpPr>
+        <p:spPr>
+          <a:xfrm>
+            <a:off x="1462167" y="1195602"/>
+            <a:ext cx="10729833" cy="1053885"/>
+          </a:xfrm>
+          <a:prstGeom prst="rect">
+            <a:avLst/>
+          </a:prstGeom>
+        </p:spPr>
+        <p:style>
+          <a:lnRef idx="0">
+            <a:schemeClr val="dk1">
+              <a:alpha val="0"/>
+              <a:hueOff val="0"/>
+              <a:satOff val="0"/>
+              <a:lumOff val="0"/>
+              <a:alphaOff val="0"/>
+            </a:schemeClr>
+          </a:lnRef>
+          <a:fillRef idx="0">
+            <a:schemeClr val="lt1">
+              <a:alpha val="0"/>
+              <a:hueOff val="0"/>
+              <a:satOff val="0"/>
+              <a:lumOff val="0"/>
+              <a:alphaOff val="0"/>
+            </a:schemeClr>
+          </a:fillRef>
+          <a:effectRef idx="0">
+            <a:schemeClr val="lt1">
+              <a:alpha val="0"/>
+              <a:hueOff val="0"/>
+              <a:satOff val="0"/>
+              <a:lumOff val="0"/>
+              <a:alphaOff val="0"/>
+            </a:schemeClr>
+          </a:effectRef>
+          <a:fontRef idx="minor">
+            <a:schemeClr val="tx1">
+              <a:hueOff val="0"/>
+              <a:satOff val="0"/>
+              <a:lumOff val="0"/>
+              <a:alphaOff val="0"/>
+            </a:schemeClr>
+          </a:fontRef>
+        </p:style>
+        <p:txBody>
+          <a:bodyPr/>
+          <a:lstStyle/>
+          <a:p>
+            <a:endParaRPr lang="en-IL"/>
+          </a:p>
+        </p:txBody>
+      </p:sp>
+      <p:sp>
+        <p:nvSpPr>
+          <p:cNvPr id="7" name="כותרת 1">
+            <a:extLst>
+              <a:ext uri="{FF2B5EF4-FFF2-40B4-BE49-F238E27FC236}">
+                <a16:creationId xmlns:a16="http://schemas.microsoft.com/office/drawing/2014/main" id="{10B28AE1-3F7C-7702-972F-A1F7B3336FB7}"/>
+              </a:ext>
+            </a:extLst>
+          </p:cNvPr>
+          <p:cNvSpPr>
+            <a:spLocks noGrp="1"/>
+          </p:cNvSpPr>
+          <p:nvPr>
+            <p:ph type="title"/>
+          </p:nvPr>
+        </p:nvSpPr>
+        <p:spPr>
+          <a:xfrm>
+            <a:off x="305349" y="603066"/>
+            <a:ext cx="10319512" cy="592536"/>
+          </a:xfrm>
+        </p:spPr>
+        <p:txBody>
+          <a:bodyPr vert="horz" lIns="91440" tIns="45720" rIns="91440" bIns="45720" rtlCol="0" anchor="b">
+            <a:normAutofit fontScale="90000"/>
+          </a:bodyPr>
+          <a:lstStyle/>
+          <a:p>
+            <a:pPr algn="ctr" rtl="0"/>
+            <a:r>
+              <a:rPr lang="en-US" sz="3200" b="1" i="0" kern="1200" dirty="0">
+                <a:solidFill>
+                  <a:schemeClr val="tx1"/>
+                </a:solidFill>
+                <a:effectLst/>
+                <a:latin typeface="+mj-lt"/>
+                <a:ea typeface="+mj-ea"/>
+                <a:cs typeface="+mj-cs"/>
+              </a:rPr>
+              <a:t>Architectural design of the selected solution </a:t>
+            </a:r>
+            <a:br>
+              <a:rPr lang="en-US" sz="3200" b="1" i="0" kern="1200" dirty="0">
+                <a:solidFill>
+                  <a:schemeClr val="tx1"/>
+                </a:solidFill>
+                <a:effectLst/>
+                <a:latin typeface="+mj-lt"/>
+                <a:ea typeface="+mj-ea"/>
+                <a:cs typeface="+mj-cs"/>
+              </a:rPr>
+            </a:br>
+            <a:r>
+              <a:rPr lang="en-US" sz="3200" b="1" i="0" kern="1200" dirty="0">
+                <a:solidFill>
+                  <a:schemeClr val="tx1"/>
+                </a:solidFill>
+                <a:effectLst/>
+                <a:latin typeface="+mj-lt"/>
+                <a:ea typeface="+mj-ea"/>
+                <a:cs typeface="+mj-cs"/>
+              </a:rPr>
+              <a:t>Debug unit</a:t>
+            </a:r>
+            <a:endParaRPr lang="en-US" sz="3200" b="1" kern="1200" dirty="0">
+              <a:solidFill>
+                <a:schemeClr val="tx1"/>
+              </a:solidFill>
+              <a:latin typeface="+mj-lt"/>
+              <a:ea typeface="+mj-ea"/>
+              <a:cs typeface="+mj-cs"/>
+            </a:endParaRPr>
+          </a:p>
+        </p:txBody>
+      </p:sp>
+      <p:graphicFrame>
+        <p:nvGraphicFramePr>
+          <p:cNvPr id="3" name="Content Placeholder 2">
+            <a:extLst>
+              <a:ext uri="{FF2B5EF4-FFF2-40B4-BE49-F238E27FC236}">
+                <a16:creationId xmlns:a16="http://schemas.microsoft.com/office/drawing/2014/main" id="{6A5C7A67-DEF0-6D19-7A80-2AF5F3831DC8}"/>
+              </a:ext>
+            </a:extLst>
+          </p:cNvPr>
+          <p:cNvGraphicFramePr>
+            <a:graphicFrameLocks noGrp="1"/>
+          </p:cNvGraphicFramePr>
+          <p:nvPr>
+            <p:ph idx="1"/>
+            <p:extLst>
+              <p:ext uri="{D42A27DB-BD31-4B8C-83A1-F6EECF244321}">
+                <p14:modId xmlns:p14="http://schemas.microsoft.com/office/powerpoint/2010/main" val="3187440825"/>
+              </p:ext>
+            </p:extLst>
+          </p:nvPr>
+        </p:nvGraphicFramePr>
+        <p:xfrm>
+          <a:off x="0" y="1195602"/>
+          <a:ext cx="12192001" cy="5662397"/>
+        </p:xfrm>
+        <a:graphic>
+          <a:graphicData uri="http://schemas.openxmlformats.org/drawingml/2006/table">
+            <a:tbl>
+              <a:tblPr firstRow="1" firstCol="1" bandRow="1">
+                <a:tableStyleId>{5C22544A-7EE6-4342-B048-85BDC9FD1C3A}</a:tableStyleId>
+              </a:tblPr>
+              <a:tblGrid>
+                <a:gridCol w="582804">
+                  <a:extLst>
+                    <a:ext uri="{9D8B030D-6E8A-4147-A177-3AD203B41FA5}">
+                      <a16:colId xmlns:a16="http://schemas.microsoft.com/office/drawing/2014/main" val="3077749885"/>
+                    </a:ext>
+                  </a:extLst>
+                </a:gridCol>
+                <a:gridCol w="2914022">
+                  <a:extLst>
+                    <a:ext uri="{9D8B030D-6E8A-4147-A177-3AD203B41FA5}">
+                      <a16:colId xmlns:a16="http://schemas.microsoft.com/office/drawing/2014/main" val="2445671152"/>
+                    </a:ext>
+                  </a:extLst>
+                </a:gridCol>
+                <a:gridCol w="8695175">
+                  <a:extLst>
+                    <a:ext uri="{9D8B030D-6E8A-4147-A177-3AD203B41FA5}">
+                      <a16:colId xmlns:a16="http://schemas.microsoft.com/office/drawing/2014/main" val="251754406"/>
+                    </a:ext>
+                  </a:extLst>
+                </a:gridCol>
+              </a:tblGrid>
+              <a:tr h="357727">
+                <a:tc>
+                  <a:txBody>
+                    <a:bodyPr/>
+                    <a:lstStyle/>
+                    <a:p>
+                      <a:pPr>
+                        <a:lnSpc>
+                          <a:spcPct val="115000"/>
+                        </a:lnSpc>
+                        <a:spcAft>
+                          <a:spcPts val="800"/>
+                        </a:spcAft>
+                        <a:buNone/>
+                      </a:pPr>
+                      <a:r>
+                        <a:rPr lang="en-IL" sz="1200" kern="100" dirty="0">
+                          <a:effectLst/>
+                        </a:rPr>
+                        <a:t>0</a:t>
+                      </a:r>
+                      <a:endParaRPr lang="en-IL" sz="1200" kern="100" dirty="0">
+                        <a:effectLst/>
+                        <a:latin typeface="Aptos" panose="020B0004020202020204" pitchFamily="34" charset="0"/>
+                        <a:ea typeface="Aptos" panose="020B0004020202020204" pitchFamily="34" charset="0"/>
+                        <a:cs typeface="Arial" panose="020B0604020202020204" pitchFamily="34" charset="0"/>
+                      </a:endParaRPr>
+                    </a:p>
+                  </a:txBody>
+                  <a:tcPr marL="67744" marR="67744" marT="0" marB="0"/>
+                </a:tc>
+                <a:tc>
+                  <a:txBody>
+                    <a:bodyPr/>
+                    <a:lstStyle/>
+                    <a:p>
+                      <a:pPr>
+                        <a:lnSpc>
+                          <a:spcPct val="115000"/>
+                        </a:lnSpc>
+                        <a:spcAft>
+                          <a:spcPts val="800"/>
+                        </a:spcAft>
+                        <a:buNone/>
+                      </a:pPr>
+                      <a:r>
+                        <a:rPr lang="en-IL" sz="1200" kern="100">
+                          <a:effectLst/>
+                        </a:rPr>
+                        <a:t>        {25'b0, opcodeFetch}</a:t>
+                      </a:r>
+                      <a:endParaRPr lang="en-IL" sz="1200" kern="100">
+                        <a:effectLst/>
+                        <a:latin typeface="Aptos" panose="020B0004020202020204" pitchFamily="34" charset="0"/>
+                        <a:ea typeface="Aptos" panose="020B0004020202020204" pitchFamily="34" charset="0"/>
+                        <a:cs typeface="Arial" panose="020B0604020202020204" pitchFamily="34" charset="0"/>
+                      </a:endParaRPr>
+                    </a:p>
+                  </a:txBody>
+                  <a:tcPr marL="67744" marR="67744" marT="0" marB="0"/>
+                </a:tc>
+                <a:tc>
+                  <a:txBody>
+                    <a:bodyPr/>
+                    <a:lstStyle/>
+                    <a:p>
+                      <a:pPr>
+                        <a:lnSpc>
+                          <a:spcPct val="115000"/>
+                        </a:lnSpc>
+                        <a:spcAft>
+                          <a:spcPts val="800"/>
+                        </a:spcAft>
+                        <a:buNone/>
+                      </a:pPr>
+                      <a:r>
+                        <a:rPr lang="en-IL" sz="1200" kern="100" dirty="0">
+                          <a:effectLst/>
+                        </a:rPr>
+                        <a:t>Opcode from Fetch stage (padded to 32 bits)</a:t>
+                      </a:r>
+                      <a:endParaRPr lang="en-IL" sz="1200" kern="100" dirty="0">
+                        <a:effectLst/>
+                        <a:latin typeface="Aptos" panose="020B0004020202020204" pitchFamily="34" charset="0"/>
+                        <a:ea typeface="Aptos" panose="020B0004020202020204" pitchFamily="34" charset="0"/>
+                        <a:cs typeface="Arial" panose="020B0604020202020204" pitchFamily="34" charset="0"/>
+                      </a:endParaRPr>
+                    </a:p>
+                  </a:txBody>
+                  <a:tcPr marL="67744" marR="67744" marT="0" marB="0"/>
+                </a:tc>
+                <a:extLst>
+                  <a:ext uri="{0D108BD9-81ED-4DB2-BD59-A6C34878D82A}">
+                    <a16:rowId xmlns:a16="http://schemas.microsoft.com/office/drawing/2014/main" val="695007286"/>
+                  </a:ext>
+                </a:extLst>
+              </a:tr>
+              <a:tr h="400055">
+                <a:tc>
+                  <a:txBody>
+                    <a:bodyPr/>
+                    <a:lstStyle/>
+                    <a:p>
+                      <a:pPr>
+                        <a:lnSpc>
+                          <a:spcPct val="115000"/>
+                        </a:lnSpc>
+                        <a:spcAft>
+                          <a:spcPts val="800"/>
+                        </a:spcAft>
+                        <a:buNone/>
+                      </a:pPr>
+                      <a:r>
+                        <a:rPr lang="en-IL" sz="1200" kern="100">
+                          <a:effectLst/>
+                        </a:rPr>
+                        <a:t>1</a:t>
+                      </a:r>
+                      <a:endParaRPr lang="en-IL" sz="1200" kern="100">
+                        <a:effectLst/>
+                        <a:latin typeface="Aptos" panose="020B0004020202020204" pitchFamily="34" charset="0"/>
+                        <a:ea typeface="Aptos" panose="020B0004020202020204" pitchFamily="34" charset="0"/>
+                        <a:cs typeface="Arial" panose="020B0604020202020204" pitchFamily="34" charset="0"/>
+                      </a:endParaRPr>
+                    </a:p>
+                  </a:txBody>
+                  <a:tcPr marL="67744" marR="67744" marT="0" marB="0"/>
+                </a:tc>
+                <a:tc>
+                  <a:txBody>
+                    <a:bodyPr/>
+                    <a:lstStyle/>
+                    <a:p>
+                      <a:pPr>
+                        <a:lnSpc>
+                          <a:spcPct val="115000"/>
+                        </a:lnSpc>
+                        <a:spcAft>
+                          <a:spcPts val="800"/>
+                        </a:spcAft>
+                        <a:buNone/>
+                      </a:pPr>
+                      <a:r>
+                        <a:rPr lang="en-IL" sz="1200" kern="100" dirty="0">
+                          <a:effectLst/>
+                        </a:rPr>
+                        <a:t>        {25'b0, </a:t>
+                      </a:r>
+                      <a:r>
+                        <a:rPr lang="en-IL" sz="1200" kern="100" dirty="0" err="1">
+                          <a:effectLst/>
+                        </a:rPr>
+                        <a:t>opcodeDecode</a:t>
+                      </a:r>
+                      <a:r>
+                        <a:rPr lang="en-IL" sz="1200" kern="100" dirty="0">
+                          <a:effectLst/>
+                        </a:rPr>
+                        <a:t>}</a:t>
+                      </a:r>
+                      <a:endParaRPr lang="en-IL" sz="1200" kern="100" dirty="0">
+                        <a:effectLst/>
+                        <a:latin typeface="Aptos" panose="020B0004020202020204" pitchFamily="34" charset="0"/>
+                        <a:ea typeface="Aptos" panose="020B0004020202020204" pitchFamily="34" charset="0"/>
+                        <a:cs typeface="Arial" panose="020B0604020202020204" pitchFamily="34" charset="0"/>
+                      </a:endParaRPr>
+                    </a:p>
+                  </a:txBody>
+                  <a:tcPr marL="67744" marR="67744" marT="0" marB="0"/>
+                </a:tc>
+                <a:tc>
+                  <a:txBody>
+                    <a:bodyPr/>
+                    <a:lstStyle/>
+                    <a:p>
+                      <a:pPr>
+                        <a:lnSpc>
+                          <a:spcPct val="115000"/>
+                        </a:lnSpc>
+                        <a:spcAft>
+                          <a:spcPts val="800"/>
+                        </a:spcAft>
+                        <a:buNone/>
+                      </a:pPr>
+                      <a:r>
+                        <a:rPr lang="en-IL" sz="1200" kern="100" dirty="0">
+                          <a:effectLst/>
+                        </a:rPr>
+                        <a:t>Opcode form the operation in Decode stage (padded to 32 bits)</a:t>
+                      </a:r>
+                      <a:endParaRPr lang="en-IL" sz="1200" kern="100" dirty="0">
+                        <a:effectLst/>
+                        <a:latin typeface="Aptos" panose="020B0004020202020204" pitchFamily="34" charset="0"/>
+                        <a:ea typeface="Aptos" panose="020B0004020202020204" pitchFamily="34" charset="0"/>
+                        <a:cs typeface="Arial" panose="020B0604020202020204" pitchFamily="34" charset="0"/>
+                      </a:endParaRPr>
+                    </a:p>
+                  </a:txBody>
+                  <a:tcPr marL="67744" marR="67744" marT="0" marB="0"/>
+                </a:tc>
+                <a:extLst>
+                  <a:ext uri="{0D108BD9-81ED-4DB2-BD59-A6C34878D82A}">
+                    <a16:rowId xmlns:a16="http://schemas.microsoft.com/office/drawing/2014/main" val="62836912"/>
+                  </a:ext>
+                </a:extLst>
+              </a:tr>
+              <a:tr h="400055">
+                <a:tc>
+                  <a:txBody>
+                    <a:bodyPr/>
+                    <a:lstStyle/>
+                    <a:p>
+                      <a:pPr>
+                        <a:lnSpc>
+                          <a:spcPct val="115000"/>
+                        </a:lnSpc>
+                        <a:spcAft>
+                          <a:spcPts val="800"/>
+                        </a:spcAft>
+                        <a:buNone/>
+                      </a:pPr>
+                      <a:r>
+                        <a:rPr lang="en-IL" sz="1200" kern="100">
+                          <a:effectLst/>
+                        </a:rPr>
+                        <a:t>2</a:t>
+                      </a:r>
+                      <a:endParaRPr lang="en-IL" sz="1200" kern="100">
+                        <a:effectLst/>
+                        <a:latin typeface="Aptos" panose="020B0004020202020204" pitchFamily="34" charset="0"/>
+                        <a:ea typeface="Aptos" panose="020B0004020202020204" pitchFamily="34" charset="0"/>
+                        <a:cs typeface="Arial" panose="020B0604020202020204" pitchFamily="34" charset="0"/>
+                      </a:endParaRPr>
+                    </a:p>
+                  </a:txBody>
+                  <a:tcPr marL="67744" marR="67744" marT="0" marB="0"/>
+                </a:tc>
+                <a:tc>
+                  <a:txBody>
+                    <a:bodyPr/>
+                    <a:lstStyle/>
+                    <a:p>
+                      <a:pPr>
+                        <a:lnSpc>
+                          <a:spcPct val="115000"/>
+                        </a:lnSpc>
+                        <a:spcAft>
+                          <a:spcPts val="800"/>
+                        </a:spcAft>
+                        <a:buNone/>
+                      </a:pPr>
+                      <a:r>
+                        <a:rPr lang="en-IL" sz="1200" kern="100">
+                          <a:effectLst/>
+                        </a:rPr>
+                        <a:t>        {25'b0, opcodeExecute}</a:t>
+                      </a:r>
+                      <a:endParaRPr lang="en-IL" sz="1200" kern="100">
+                        <a:effectLst/>
+                        <a:latin typeface="Aptos" panose="020B0004020202020204" pitchFamily="34" charset="0"/>
+                        <a:ea typeface="Aptos" panose="020B0004020202020204" pitchFamily="34" charset="0"/>
+                        <a:cs typeface="Arial" panose="020B0604020202020204" pitchFamily="34" charset="0"/>
+                      </a:endParaRPr>
+                    </a:p>
+                  </a:txBody>
+                  <a:tcPr marL="67744" marR="67744" marT="0" marB="0"/>
+                </a:tc>
+                <a:tc>
+                  <a:txBody>
+                    <a:bodyPr/>
+                    <a:lstStyle/>
+                    <a:p>
+                      <a:pPr>
+                        <a:lnSpc>
+                          <a:spcPct val="115000"/>
+                        </a:lnSpc>
+                        <a:spcAft>
+                          <a:spcPts val="800"/>
+                        </a:spcAft>
+                        <a:buNone/>
+                      </a:pPr>
+                      <a:r>
+                        <a:rPr lang="en-IL" sz="1200" kern="100">
+                          <a:effectLst/>
+                        </a:rPr>
+                        <a:t>Opcode form the operation in Execute stage (padded to 32 bits)</a:t>
+                      </a:r>
+                      <a:endParaRPr lang="en-IL" sz="1200" kern="100">
+                        <a:effectLst/>
+                        <a:latin typeface="Aptos" panose="020B0004020202020204" pitchFamily="34" charset="0"/>
+                        <a:ea typeface="Aptos" panose="020B0004020202020204" pitchFamily="34" charset="0"/>
+                        <a:cs typeface="Arial" panose="020B0604020202020204" pitchFamily="34" charset="0"/>
+                      </a:endParaRPr>
+                    </a:p>
+                  </a:txBody>
+                  <a:tcPr marL="67744" marR="67744" marT="0" marB="0"/>
+                </a:tc>
+                <a:extLst>
+                  <a:ext uri="{0D108BD9-81ED-4DB2-BD59-A6C34878D82A}">
+                    <a16:rowId xmlns:a16="http://schemas.microsoft.com/office/drawing/2014/main" val="641854708"/>
+                  </a:ext>
+                </a:extLst>
+              </a:tr>
+              <a:tr h="400055">
+                <a:tc>
+                  <a:txBody>
+                    <a:bodyPr/>
+                    <a:lstStyle/>
+                    <a:p>
+                      <a:pPr>
+                        <a:lnSpc>
+                          <a:spcPct val="115000"/>
+                        </a:lnSpc>
+                        <a:spcAft>
+                          <a:spcPts val="800"/>
+                        </a:spcAft>
+                        <a:buNone/>
+                      </a:pPr>
+                      <a:r>
+                        <a:rPr lang="en-IL" sz="1200" kern="100">
+                          <a:effectLst/>
+                        </a:rPr>
+                        <a:t>3</a:t>
+                      </a:r>
+                      <a:endParaRPr lang="en-IL" sz="1200" kern="100">
+                        <a:effectLst/>
+                        <a:latin typeface="Aptos" panose="020B0004020202020204" pitchFamily="34" charset="0"/>
+                        <a:ea typeface="Aptos" panose="020B0004020202020204" pitchFamily="34" charset="0"/>
+                        <a:cs typeface="Arial" panose="020B0604020202020204" pitchFamily="34" charset="0"/>
+                      </a:endParaRPr>
+                    </a:p>
+                  </a:txBody>
+                  <a:tcPr marL="67744" marR="67744" marT="0" marB="0"/>
+                </a:tc>
+                <a:tc>
+                  <a:txBody>
+                    <a:bodyPr/>
+                    <a:lstStyle/>
+                    <a:p>
+                      <a:pPr>
+                        <a:lnSpc>
+                          <a:spcPct val="115000"/>
+                        </a:lnSpc>
+                        <a:spcAft>
+                          <a:spcPts val="800"/>
+                        </a:spcAft>
+                        <a:buNone/>
+                      </a:pPr>
+                      <a:r>
+                        <a:rPr lang="en-IL" sz="1200" kern="100">
+                          <a:effectLst/>
+                        </a:rPr>
+                        <a:t>        {25'b0, opcodeMem}</a:t>
+                      </a:r>
+                      <a:endParaRPr lang="en-IL" sz="1200" kern="100">
+                        <a:effectLst/>
+                        <a:latin typeface="Aptos" panose="020B0004020202020204" pitchFamily="34" charset="0"/>
+                        <a:ea typeface="Aptos" panose="020B0004020202020204" pitchFamily="34" charset="0"/>
+                        <a:cs typeface="Arial" panose="020B0604020202020204" pitchFamily="34" charset="0"/>
+                      </a:endParaRPr>
+                    </a:p>
+                  </a:txBody>
+                  <a:tcPr marL="67744" marR="67744" marT="0" marB="0"/>
+                </a:tc>
+                <a:tc>
+                  <a:txBody>
+                    <a:bodyPr/>
+                    <a:lstStyle/>
+                    <a:p>
+                      <a:pPr>
+                        <a:lnSpc>
+                          <a:spcPct val="115000"/>
+                        </a:lnSpc>
+                        <a:spcAft>
+                          <a:spcPts val="800"/>
+                        </a:spcAft>
+                        <a:buNone/>
+                      </a:pPr>
+                      <a:r>
+                        <a:rPr lang="en-IL" sz="1200" kern="100">
+                          <a:effectLst/>
+                        </a:rPr>
+                        <a:t>Opcode form the operation in Memory stage (padded to 32 bits)</a:t>
+                      </a:r>
+                      <a:endParaRPr lang="en-IL" sz="1200" kern="100">
+                        <a:effectLst/>
+                        <a:latin typeface="Aptos" panose="020B0004020202020204" pitchFamily="34" charset="0"/>
+                        <a:ea typeface="Aptos" panose="020B0004020202020204" pitchFamily="34" charset="0"/>
+                        <a:cs typeface="Arial" panose="020B0604020202020204" pitchFamily="34" charset="0"/>
+                      </a:endParaRPr>
+                    </a:p>
+                  </a:txBody>
+                  <a:tcPr marL="67744" marR="67744" marT="0" marB="0"/>
+                </a:tc>
+                <a:extLst>
+                  <a:ext uri="{0D108BD9-81ED-4DB2-BD59-A6C34878D82A}">
+                    <a16:rowId xmlns:a16="http://schemas.microsoft.com/office/drawing/2014/main" val="380594605"/>
+                  </a:ext>
+                </a:extLst>
+              </a:tr>
+              <a:tr h="400055">
+                <a:tc>
+                  <a:txBody>
+                    <a:bodyPr/>
+                    <a:lstStyle/>
+                    <a:p>
+                      <a:pPr>
+                        <a:lnSpc>
+                          <a:spcPct val="115000"/>
+                        </a:lnSpc>
+                        <a:spcAft>
+                          <a:spcPts val="800"/>
+                        </a:spcAft>
+                        <a:buNone/>
+                      </a:pPr>
+                      <a:r>
+                        <a:rPr lang="en-IL" sz="1200" kern="100">
+                          <a:effectLst/>
+                        </a:rPr>
+                        <a:t>4</a:t>
+                      </a:r>
+                      <a:endParaRPr lang="en-IL" sz="1200" kern="100">
+                        <a:effectLst/>
+                        <a:latin typeface="Aptos" panose="020B0004020202020204" pitchFamily="34" charset="0"/>
+                        <a:ea typeface="Aptos" panose="020B0004020202020204" pitchFamily="34" charset="0"/>
+                        <a:cs typeface="Arial" panose="020B0604020202020204" pitchFamily="34" charset="0"/>
+                      </a:endParaRPr>
+                    </a:p>
+                  </a:txBody>
+                  <a:tcPr marL="67744" marR="67744" marT="0" marB="0"/>
+                </a:tc>
+                <a:tc>
+                  <a:txBody>
+                    <a:bodyPr/>
+                    <a:lstStyle/>
+                    <a:p>
+                      <a:pPr>
+                        <a:lnSpc>
+                          <a:spcPct val="115000"/>
+                        </a:lnSpc>
+                        <a:spcAft>
+                          <a:spcPts val="800"/>
+                        </a:spcAft>
+                        <a:buNone/>
+                      </a:pPr>
+                      <a:r>
+                        <a:rPr lang="en-IL" sz="1200" kern="100" dirty="0">
+                          <a:effectLst/>
+                        </a:rPr>
+                        <a:t>        {25'b0, </a:t>
+                      </a:r>
+                      <a:r>
+                        <a:rPr lang="en-IL" sz="1200" kern="100" dirty="0" err="1">
+                          <a:effectLst/>
+                        </a:rPr>
+                        <a:t>opcodeWb</a:t>
+                      </a:r>
+                      <a:r>
+                        <a:rPr lang="en-IL" sz="1200" kern="100" dirty="0">
+                          <a:effectLst/>
+                        </a:rPr>
+                        <a:t>}</a:t>
+                      </a:r>
+                      <a:endParaRPr lang="en-IL" sz="1200" kern="100" dirty="0">
+                        <a:effectLst/>
+                        <a:latin typeface="Aptos" panose="020B0004020202020204" pitchFamily="34" charset="0"/>
+                        <a:ea typeface="Aptos" panose="020B0004020202020204" pitchFamily="34" charset="0"/>
+                        <a:cs typeface="Arial" panose="020B0604020202020204" pitchFamily="34" charset="0"/>
+                      </a:endParaRPr>
+                    </a:p>
+                  </a:txBody>
+                  <a:tcPr marL="67744" marR="67744" marT="0" marB="0"/>
+                </a:tc>
+                <a:tc>
+                  <a:txBody>
+                    <a:bodyPr/>
+                    <a:lstStyle/>
+                    <a:p>
+                      <a:pPr>
+                        <a:lnSpc>
+                          <a:spcPct val="115000"/>
+                        </a:lnSpc>
+                        <a:spcAft>
+                          <a:spcPts val="800"/>
+                        </a:spcAft>
+                        <a:buNone/>
+                      </a:pPr>
+                      <a:r>
+                        <a:rPr lang="en-IL" sz="1200" kern="100" dirty="0">
+                          <a:effectLst/>
+                        </a:rPr>
+                        <a:t>Opcode form the operation in Writeback stage (padded to 32 bits)</a:t>
+                      </a:r>
+                      <a:endParaRPr lang="en-IL" sz="1200" kern="100" dirty="0">
+                        <a:effectLst/>
+                        <a:latin typeface="Aptos" panose="020B0004020202020204" pitchFamily="34" charset="0"/>
+                        <a:ea typeface="Aptos" panose="020B0004020202020204" pitchFamily="34" charset="0"/>
+                        <a:cs typeface="Arial" panose="020B0604020202020204" pitchFamily="34" charset="0"/>
+                      </a:endParaRPr>
+                    </a:p>
+                  </a:txBody>
+                  <a:tcPr marL="67744" marR="67744" marT="0" marB="0"/>
+                </a:tc>
+                <a:extLst>
+                  <a:ext uri="{0D108BD9-81ED-4DB2-BD59-A6C34878D82A}">
+                    <a16:rowId xmlns:a16="http://schemas.microsoft.com/office/drawing/2014/main" val="638985610"/>
+                  </a:ext>
+                </a:extLst>
+              </a:tr>
+              <a:tr h="400055">
+                <a:tc>
+                  <a:txBody>
+                    <a:bodyPr/>
+                    <a:lstStyle/>
+                    <a:p>
+                      <a:pPr>
+                        <a:lnSpc>
+                          <a:spcPct val="115000"/>
+                        </a:lnSpc>
+                        <a:spcAft>
+                          <a:spcPts val="800"/>
+                        </a:spcAft>
+                        <a:buNone/>
+                      </a:pPr>
+                      <a:r>
+                        <a:rPr lang="en-IL" sz="1200" kern="100">
+                          <a:effectLst/>
+                        </a:rPr>
+                        <a:t>5</a:t>
+                      </a:r>
+                      <a:endParaRPr lang="en-IL" sz="1200" kern="100">
+                        <a:effectLst/>
+                        <a:latin typeface="Aptos" panose="020B0004020202020204" pitchFamily="34" charset="0"/>
+                        <a:ea typeface="Aptos" panose="020B0004020202020204" pitchFamily="34" charset="0"/>
+                        <a:cs typeface="Arial" panose="020B0604020202020204" pitchFamily="34" charset="0"/>
+                      </a:endParaRPr>
+                    </a:p>
+                  </a:txBody>
+                  <a:tcPr marL="67744" marR="67744" marT="0" marB="0"/>
+                </a:tc>
+                <a:tc>
+                  <a:txBody>
+                    <a:bodyPr/>
+                    <a:lstStyle/>
+                    <a:p>
+                      <a:pPr>
+                        <a:lnSpc>
+                          <a:spcPct val="115000"/>
+                        </a:lnSpc>
+                        <a:spcAft>
+                          <a:spcPts val="800"/>
+                        </a:spcAft>
+                        <a:buNone/>
+                      </a:pPr>
+                      <a:r>
+                        <a:rPr lang="en-IL" sz="1200" kern="100">
+                          <a:effectLst/>
+                        </a:rPr>
+                        <a:t>        {25'b0, Funct7Decode_Dout}</a:t>
+                      </a:r>
+                      <a:endParaRPr lang="en-IL" sz="1200" kern="100">
+                        <a:effectLst/>
+                        <a:latin typeface="Aptos" panose="020B0004020202020204" pitchFamily="34" charset="0"/>
+                        <a:ea typeface="Aptos" panose="020B0004020202020204" pitchFamily="34" charset="0"/>
+                        <a:cs typeface="Arial" panose="020B0604020202020204" pitchFamily="34" charset="0"/>
+                      </a:endParaRPr>
+                    </a:p>
+                  </a:txBody>
+                  <a:tcPr marL="67744" marR="67744" marT="0" marB="0"/>
+                </a:tc>
+                <a:tc>
+                  <a:txBody>
+                    <a:bodyPr/>
+                    <a:lstStyle/>
+                    <a:p>
+                      <a:pPr>
+                        <a:lnSpc>
+                          <a:spcPct val="115000"/>
+                        </a:lnSpc>
+                        <a:spcAft>
+                          <a:spcPts val="800"/>
+                        </a:spcAft>
+                        <a:buNone/>
+                      </a:pPr>
+                      <a:r>
+                        <a:rPr lang="en-IL" sz="1200" kern="100">
+                          <a:effectLst/>
+                        </a:rPr>
+                        <a:t>Funct7 form the operation in Decode stage (padded to 32 bits)</a:t>
+                      </a:r>
+                      <a:endParaRPr lang="en-IL" sz="1200" kern="100">
+                        <a:effectLst/>
+                        <a:latin typeface="Aptos" panose="020B0004020202020204" pitchFamily="34" charset="0"/>
+                        <a:ea typeface="Aptos" panose="020B0004020202020204" pitchFamily="34" charset="0"/>
+                        <a:cs typeface="Arial" panose="020B0604020202020204" pitchFamily="34" charset="0"/>
+                      </a:endParaRPr>
+                    </a:p>
+                  </a:txBody>
+                  <a:tcPr marL="67744" marR="67744" marT="0" marB="0"/>
+                </a:tc>
+                <a:extLst>
+                  <a:ext uri="{0D108BD9-81ED-4DB2-BD59-A6C34878D82A}">
+                    <a16:rowId xmlns:a16="http://schemas.microsoft.com/office/drawing/2014/main" val="450847136"/>
+                  </a:ext>
+                </a:extLst>
+              </a:tr>
+              <a:tr h="400055">
+                <a:tc>
+                  <a:txBody>
+                    <a:bodyPr/>
+                    <a:lstStyle/>
+                    <a:p>
+                      <a:pPr>
+                        <a:lnSpc>
+                          <a:spcPct val="115000"/>
+                        </a:lnSpc>
+                        <a:spcAft>
+                          <a:spcPts val="800"/>
+                        </a:spcAft>
+                        <a:buNone/>
+                      </a:pPr>
+                      <a:r>
+                        <a:rPr lang="en-IL" sz="1200" kern="100">
+                          <a:effectLst/>
+                        </a:rPr>
+                        <a:t>6</a:t>
+                      </a:r>
+                      <a:endParaRPr lang="en-IL" sz="1200" kern="100">
+                        <a:effectLst/>
+                        <a:latin typeface="Aptos" panose="020B0004020202020204" pitchFamily="34" charset="0"/>
+                        <a:ea typeface="Aptos" panose="020B0004020202020204" pitchFamily="34" charset="0"/>
+                        <a:cs typeface="Arial" panose="020B0604020202020204" pitchFamily="34" charset="0"/>
+                      </a:endParaRPr>
+                    </a:p>
+                  </a:txBody>
+                  <a:tcPr marL="67744" marR="67744" marT="0" marB="0"/>
+                </a:tc>
+                <a:tc>
+                  <a:txBody>
+                    <a:bodyPr/>
+                    <a:lstStyle/>
+                    <a:p>
+                      <a:pPr>
+                        <a:lnSpc>
+                          <a:spcPct val="115000"/>
+                        </a:lnSpc>
+                        <a:spcAft>
+                          <a:spcPts val="800"/>
+                        </a:spcAft>
+                        <a:buNone/>
+                      </a:pPr>
+                      <a:r>
+                        <a:rPr lang="en-IL" sz="1200" kern="100">
+                          <a:effectLst/>
+                        </a:rPr>
+                        <a:t>        {29'b0, Funct3Decode_Dout}</a:t>
+                      </a:r>
+                      <a:endParaRPr lang="en-IL" sz="1200" kern="100">
+                        <a:effectLst/>
+                        <a:latin typeface="Aptos" panose="020B0004020202020204" pitchFamily="34" charset="0"/>
+                        <a:ea typeface="Aptos" panose="020B0004020202020204" pitchFamily="34" charset="0"/>
+                        <a:cs typeface="Arial" panose="020B0604020202020204" pitchFamily="34" charset="0"/>
+                      </a:endParaRPr>
+                    </a:p>
+                  </a:txBody>
+                  <a:tcPr marL="67744" marR="67744" marT="0" marB="0"/>
+                </a:tc>
+                <a:tc>
+                  <a:txBody>
+                    <a:bodyPr/>
+                    <a:lstStyle/>
+                    <a:p>
+                      <a:pPr>
+                        <a:lnSpc>
+                          <a:spcPct val="115000"/>
+                        </a:lnSpc>
+                        <a:spcAft>
+                          <a:spcPts val="800"/>
+                        </a:spcAft>
+                        <a:buNone/>
+                      </a:pPr>
+                      <a:r>
+                        <a:rPr lang="en-IL" sz="1200" kern="100">
+                          <a:effectLst/>
+                        </a:rPr>
+                        <a:t>Funct3 form the operation in Decode stage (padded to 32 bits)</a:t>
+                      </a:r>
+                      <a:endParaRPr lang="en-IL" sz="1200" kern="100">
+                        <a:effectLst/>
+                        <a:latin typeface="Aptos" panose="020B0004020202020204" pitchFamily="34" charset="0"/>
+                        <a:ea typeface="Aptos" panose="020B0004020202020204" pitchFamily="34" charset="0"/>
+                        <a:cs typeface="Arial" panose="020B0604020202020204" pitchFamily="34" charset="0"/>
+                      </a:endParaRPr>
+                    </a:p>
+                  </a:txBody>
+                  <a:tcPr marL="67744" marR="67744" marT="0" marB="0"/>
+                </a:tc>
+                <a:extLst>
+                  <a:ext uri="{0D108BD9-81ED-4DB2-BD59-A6C34878D82A}">
+                    <a16:rowId xmlns:a16="http://schemas.microsoft.com/office/drawing/2014/main" val="3752264911"/>
+                  </a:ext>
+                </a:extLst>
+              </a:tr>
+              <a:tr h="400055">
+                <a:tc>
+                  <a:txBody>
+                    <a:bodyPr/>
+                    <a:lstStyle/>
+                    <a:p>
+                      <a:pPr>
+                        <a:lnSpc>
+                          <a:spcPct val="115000"/>
+                        </a:lnSpc>
+                        <a:spcAft>
+                          <a:spcPts val="800"/>
+                        </a:spcAft>
+                        <a:buNone/>
+                      </a:pPr>
+                      <a:r>
+                        <a:rPr lang="en-IL" sz="1200" kern="100">
+                          <a:effectLst/>
+                        </a:rPr>
+                        <a:t>7</a:t>
+                      </a:r>
+                      <a:endParaRPr lang="en-IL" sz="1200" kern="100">
+                        <a:effectLst/>
+                        <a:latin typeface="Aptos" panose="020B0004020202020204" pitchFamily="34" charset="0"/>
+                        <a:ea typeface="Aptos" panose="020B0004020202020204" pitchFamily="34" charset="0"/>
+                        <a:cs typeface="Arial" panose="020B0604020202020204" pitchFamily="34" charset="0"/>
+                      </a:endParaRPr>
+                    </a:p>
+                  </a:txBody>
+                  <a:tcPr marL="67744" marR="67744" marT="0" marB="0"/>
+                </a:tc>
+                <a:tc>
+                  <a:txBody>
+                    <a:bodyPr/>
+                    <a:lstStyle/>
+                    <a:p>
+                      <a:pPr>
+                        <a:lnSpc>
+                          <a:spcPct val="115000"/>
+                        </a:lnSpc>
+                        <a:spcAft>
+                          <a:spcPts val="800"/>
+                        </a:spcAft>
+                        <a:buNone/>
+                      </a:pPr>
+                      <a:r>
+                        <a:rPr lang="en-IL" sz="1200" kern="100">
+                          <a:effectLst/>
+                        </a:rPr>
+                        <a:t>        {25'b0, Funct7Execute_Dout}</a:t>
+                      </a:r>
+                      <a:endParaRPr lang="en-IL" sz="1200" kern="100">
+                        <a:effectLst/>
+                        <a:latin typeface="Aptos" panose="020B0004020202020204" pitchFamily="34" charset="0"/>
+                        <a:ea typeface="Aptos" panose="020B0004020202020204" pitchFamily="34" charset="0"/>
+                        <a:cs typeface="Arial" panose="020B0604020202020204" pitchFamily="34" charset="0"/>
+                      </a:endParaRPr>
+                    </a:p>
+                  </a:txBody>
+                  <a:tcPr marL="67744" marR="67744" marT="0" marB="0"/>
+                </a:tc>
+                <a:tc>
+                  <a:txBody>
+                    <a:bodyPr/>
+                    <a:lstStyle/>
+                    <a:p>
+                      <a:pPr>
+                        <a:lnSpc>
+                          <a:spcPct val="115000"/>
+                        </a:lnSpc>
+                        <a:spcAft>
+                          <a:spcPts val="800"/>
+                        </a:spcAft>
+                        <a:buNone/>
+                      </a:pPr>
+                      <a:r>
+                        <a:rPr lang="en-IL" sz="1200" kern="100">
+                          <a:effectLst/>
+                        </a:rPr>
+                        <a:t>Funct7 form the operation in Execute stage (padded to 32 bits)</a:t>
+                      </a:r>
+                      <a:endParaRPr lang="en-IL" sz="1200" kern="100">
+                        <a:effectLst/>
+                        <a:latin typeface="Aptos" panose="020B0004020202020204" pitchFamily="34" charset="0"/>
+                        <a:ea typeface="Aptos" panose="020B0004020202020204" pitchFamily="34" charset="0"/>
+                        <a:cs typeface="Arial" panose="020B0604020202020204" pitchFamily="34" charset="0"/>
+                      </a:endParaRPr>
+                    </a:p>
+                  </a:txBody>
+                  <a:tcPr marL="67744" marR="67744" marT="0" marB="0"/>
+                </a:tc>
+                <a:extLst>
+                  <a:ext uri="{0D108BD9-81ED-4DB2-BD59-A6C34878D82A}">
+                    <a16:rowId xmlns:a16="http://schemas.microsoft.com/office/drawing/2014/main" val="3771358217"/>
+                  </a:ext>
+                </a:extLst>
+              </a:tr>
+              <a:tr h="400055">
+                <a:tc>
+                  <a:txBody>
+                    <a:bodyPr/>
+                    <a:lstStyle/>
+                    <a:p>
+                      <a:pPr>
+                        <a:lnSpc>
+                          <a:spcPct val="115000"/>
+                        </a:lnSpc>
+                        <a:spcAft>
+                          <a:spcPts val="800"/>
+                        </a:spcAft>
+                        <a:buNone/>
+                      </a:pPr>
+                      <a:r>
+                        <a:rPr lang="en-IL" sz="1200" kern="100">
+                          <a:effectLst/>
+                        </a:rPr>
+                        <a:t>8</a:t>
+                      </a:r>
+                      <a:endParaRPr lang="en-IL" sz="1200" kern="100">
+                        <a:effectLst/>
+                        <a:latin typeface="Aptos" panose="020B0004020202020204" pitchFamily="34" charset="0"/>
+                        <a:ea typeface="Aptos" panose="020B0004020202020204" pitchFamily="34" charset="0"/>
+                        <a:cs typeface="Arial" panose="020B0604020202020204" pitchFamily="34" charset="0"/>
+                      </a:endParaRPr>
+                    </a:p>
+                  </a:txBody>
+                  <a:tcPr marL="67744" marR="67744" marT="0" marB="0"/>
+                </a:tc>
+                <a:tc>
+                  <a:txBody>
+                    <a:bodyPr/>
+                    <a:lstStyle/>
+                    <a:p>
+                      <a:pPr>
+                        <a:lnSpc>
+                          <a:spcPct val="115000"/>
+                        </a:lnSpc>
+                        <a:spcAft>
+                          <a:spcPts val="800"/>
+                        </a:spcAft>
+                        <a:buNone/>
+                      </a:pPr>
+                      <a:r>
+                        <a:rPr lang="en-IL" sz="1200" kern="100">
+                          <a:effectLst/>
+                        </a:rPr>
+                        <a:t>        {29'b0, Funct3Execute_Dout}</a:t>
+                      </a:r>
+                      <a:endParaRPr lang="en-IL" sz="1200" kern="100">
+                        <a:effectLst/>
+                        <a:latin typeface="Aptos" panose="020B0004020202020204" pitchFamily="34" charset="0"/>
+                        <a:ea typeface="Aptos" panose="020B0004020202020204" pitchFamily="34" charset="0"/>
+                        <a:cs typeface="Arial" panose="020B0604020202020204" pitchFamily="34" charset="0"/>
+                      </a:endParaRPr>
+                    </a:p>
+                  </a:txBody>
+                  <a:tcPr marL="67744" marR="67744" marT="0" marB="0"/>
+                </a:tc>
+                <a:tc>
+                  <a:txBody>
+                    <a:bodyPr/>
+                    <a:lstStyle/>
+                    <a:p>
+                      <a:pPr>
+                        <a:lnSpc>
+                          <a:spcPct val="115000"/>
+                        </a:lnSpc>
+                        <a:spcAft>
+                          <a:spcPts val="800"/>
+                        </a:spcAft>
+                        <a:buNone/>
+                      </a:pPr>
+                      <a:r>
+                        <a:rPr lang="en-IL" sz="1200" kern="100">
+                          <a:effectLst/>
+                        </a:rPr>
+                        <a:t>Funct3 form the operation in Execute stage (padded to 32 bits)</a:t>
+                      </a:r>
+                      <a:endParaRPr lang="en-IL" sz="1200" kern="100">
+                        <a:effectLst/>
+                        <a:latin typeface="Aptos" panose="020B0004020202020204" pitchFamily="34" charset="0"/>
+                        <a:ea typeface="Aptos" panose="020B0004020202020204" pitchFamily="34" charset="0"/>
+                        <a:cs typeface="Arial" panose="020B0604020202020204" pitchFamily="34" charset="0"/>
+                      </a:endParaRPr>
+                    </a:p>
+                  </a:txBody>
+                  <a:tcPr marL="67744" marR="67744" marT="0" marB="0"/>
+                </a:tc>
+                <a:extLst>
+                  <a:ext uri="{0D108BD9-81ED-4DB2-BD59-A6C34878D82A}">
+                    <a16:rowId xmlns:a16="http://schemas.microsoft.com/office/drawing/2014/main" val="3441526153"/>
+                  </a:ext>
+                </a:extLst>
+              </a:tr>
+              <a:tr h="400055">
+                <a:tc>
+                  <a:txBody>
+                    <a:bodyPr/>
+                    <a:lstStyle/>
+                    <a:p>
+                      <a:pPr>
+                        <a:lnSpc>
+                          <a:spcPct val="115000"/>
+                        </a:lnSpc>
+                        <a:spcAft>
+                          <a:spcPts val="800"/>
+                        </a:spcAft>
+                        <a:buNone/>
+                      </a:pPr>
+                      <a:r>
+                        <a:rPr lang="en-IL" sz="1200" kern="100">
+                          <a:effectLst/>
+                        </a:rPr>
+                        <a:t>9</a:t>
+                      </a:r>
+                      <a:endParaRPr lang="en-IL" sz="1200" kern="100">
+                        <a:effectLst/>
+                        <a:latin typeface="Aptos" panose="020B0004020202020204" pitchFamily="34" charset="0"/>
+                        <a:ea typeface="Aptos" panose="020B0004020202020204" pitchFamily="34" charset="0"/>
+                        <a:cs typeface="Arial" panose="020B0604020202020204" pitchFamily="34" charset="0"/>
+                      </a:endParaRPr>
+                    </a:p>
+                  </a:txBody>
+                  <a:tcPr marL="67744" marR="67744" marT="0" marB="0"/>
+                </a:tc>
+                <a:tc>
+                  <a:txBody>
+                    <a:bodyPr/>
+                    <a:lstStyle/>
+                    <a:p>
+                      <a:pPr>
+                        <a:lnSpc>
+                          <a:spcPct val="115000"/>
+                        </a:lnSpc>
+                        <a:spcAft>
+                          <a:spcPts val="800"/>
+                        </a:spcAft>
+                        <a:buNone/>
+                      </a:pPr>
+                      <a:r>
+                        <a:rPr lang="en-IL" sz="1200" kern="100">
+                          <a:effectLst/>
+                        </a:rPr>
+                        <a:t>        {25'b0, Funct7Mem_Dout}</a:t>
+                      </a:r>
+                      <a:endParaRPr lang="en-IL" sz="1200" kern="100">
+                        <a:effectLst/>
+                        <a:latin typeface="Aptos" panose="020B0004020202020204" pitchFamily="34" charset="0"/>
+                        <a:ea typeface="Aptos" panose="020B0004020202020204" pitchFamily="34" charset="0"/>
+                        <a:cs typeface="Arial" panose="020B0604020202020204" pitchFamily="34" charset="0"/>
+                      </a:endParaRPr>
+                    </a:p>
+                  </a:txBody>
+                  <a:tcPr marL="67744" marR="67744" marT="0" marB="0"/>
+                </a:tc>
+                <a:tc>
+                  <a:txBody>
+                    <a:bodyPr/>
+                    <a:lstStyle/>
+                    <a:p>
+                      <a:pPr>
+                        <a:lnSpc>
+                          <a:spcPct val="115000"/>
+                        </a:lnSpc>
+                        <a:spcAft>
+                          <a:spcPts val="800"/>
+                        </a:spcAft>
+                        <a:buNone/>
+                      </a:pPr>
+                      <a:r>
+                        <a:rPr lang="en-IL" sz="1200" kern="100" dirty="0">
+                          <a:effectLst/>
+                        </a:rPr>
+                        <a:t>Funct7 form the operation in Memory stage (padded to 32 bits)</a:t>
+                      </a:r>
+                      <a:endParaRPr lang="en-IL" sz="1200" kern="100" dirty="0">
+                        <a:effectLst/>
+                        <a:latin typeface="Aptos" panose="020B0004020202020204" pitchFamily="34" charset="0"/>
+                        <a:ea typeface="Aptos" panose="020B0004020202020204" pitchFamily="34" charset="0"/>
+                        <a:cs typeface="Arial" panose="020B0604020202020204" pitchFamily="34" charset="0"/>
+                      </a:endParaRPr>
+                    </a:p>
+                  </a:txBody>
+                  <a:tcPr marL="67744" marR="67744" marT="0" marB="0"/>
+                </a:tc>
+                <a:extLst>
+                  <a:ext uri="{0D108BD9-81ED-4DB2-BD59-A6C34878D82A}">
+                    <a16:rowId xmlns:a16="http://schemas.microsoft.com/office/drawing/2014/main" val="1684641981"/>
+                  </a:ext>
+                </a:extLst>
+              </a:tr>
+              <a:tr h="400055">
+                <a:tc>
+                  <a:txBody>
+                    <a:bodyPr/>
+                    <a:lstStyle/>
+                    <a:p>
+                      <a:pPr>
+                        <a:lnSpc>
+                          <a:spcPct val="115000"/>
+                        </a:lnSpc>
+                        <a:spcAft>
+                          <a:spcPts val="800"/>
+                        </a:spcAft>
+                        <a:buNone/>
+                      </a:pPr>
+                      <a:r>
+                        <a:rPr lang="en-IL" sz="1200" kern="100">
+                          <a:effectLst/>
+                        </a:rPr>
+                        <a:t>10</a:t>
+                      </a:r>
+                      <a:endParaRPr lang="en-IL" sz="1200" kern="100">
+                        <a:effectLst/>
+                        <a:latin typeface="Aptos" panose="020B0004020202020204" pitchFamily="34" charset="0"/>
+                        <a:ea typeface="Aptos" panose="020B0004020202020204" pitchFamily="34" charset="0"/>
+                        <a:cs typeface="Arial" panose="020B0604020202020204" pitchFamily="34" charset="0"/>
+                      </a:endParaRPr>
+                    </a:p>
+                  </a:txBody>
+                  <a:tcPr marL="67744" marR="67744" marT="0" marB="0"/>
+                </a:tc>
+                <a:tc>
+                  <a:txBody>
+                    <a:bodyPr/>
+                    <a:lstStyle/>
+                    <a:p>
+                      <a:pPr>
+                        <a:lnSpc>
+                          <a:spcPct val="115000"/>
+                        </a:lnSpc>
+                        <a:spcAft>
+                          <a:spcPts val="800"/>
+                        </a:spcAft>
+                        <a:buNone/>
+                      </a:pPr>
+                      <a:r>
+                        <a:rPr lang="en-IL" sz="1200" kern="100">
+                          <a:effectLst/>
+                        </a:rPr>
+                        <a:t>        {29'b0, Funct3Mem_Dout}</a:t>
+                      </a:r>
+                      <a:endParaRPr lang="en-IL" sz="1200" kern="100">
+                        <a:effectLst/>
+                        <a:latin typeface="Aptos" panose="020B0004020202020204" pitchFamily="34" charset="0"/>
+                        <a:ea typeface="Aptos" panose="020B0004020202020204" pitchFamily="34" charset="0"/>
+                        <a:cs typeface="Arial" panose="020B0604020202020204" pitchFamily="34" charset="0"/>
+                      </a:endParaRPr>
+                    </a:p>
+                  </a:txBody>
+                  <a:tcPr marL="67744" marR="67744" marT="0" marB="0"/>
+                </a:tc>
+                <a:tc>
+                  <a:txBody>
+                    <a:bodyPr/>
+                    <a:lstStyle/>
+                    <a:p>
+                      <a:pPr>
+                        <a:lnSpc>
+                          <a:spcPct val="115000"/>
+                        </a:lnSpc>
+                        <a:spcAft>
+                          <a:spcPts val="800"/>
+                        </a:spcAft>
+                        <a:buNone/>
+                      </a:pPr>
+                      <a:r>
+                        <a:rPr lang="en-IL" sz="1200" kern="100">
+                          <a:effectLst/>
+                        </a:rPr>
+                        <a:t>Funct3 form the operation in Memory stage (padded to 32 bits)</a:t>
+                      </a:r>
+                      <a:endParaRPr lang="en-IL" sz="1200" kern="100">
+                        <a:effectLst/>
+                        <a:latin typeface="Aptos" panose="020B0004020202020204" pitchFamily="34" charset="0"/>
+                        <a:ea typeface="Aptos" panose="020B0004020202020204" pitchFamily="34" charset="0"/>
+                        <a:cs typeface="Arial" panose="020B0604020202020204" pitchFamily="34" charset="0"/>
+                      </a:endParaRPr>
+                    </a:p>
+                  </a:txBody>
+                  <a:tcPr marL="67744" marR="67744" marT="0" marB="0"/>
+                </a:tc>
+                <a:extLst>
+                  <a:ext uri="{0D108BD9-81ED-4DB2-BD59-A6C34878D82A}">
+                    <a16:rowId xmlns:a16="http://schemas.microsoft.com/office/drawing/2014/main" val="4005919814"/>
+                  </a:ext>
+                </a:extLst>
+              </a:tr>
+              <a:tr h="400055">
+                <a:tc>
+                  <a:txBody>
+                    <a:bodyPr/>
+                    <a:lstStyle/>
+                    <a:p>
+                      <a:pPr>
+                        <a:lnSpc>
+                          <a:spcPct val="115000"/>
+                        </a:lnSpc>
+                        <a:spcAft>
+                          <a:spcPts val="800"/>
+                        </a:spcAft>
+                        <a:buNone/>
+                      </a:pPr>
+                      <a:r>
+                        <a:rPr lang="en-IL" sz="1200" kern="100">
+                          <a:effectLst/>
+                        </a:rPr>
+                        <a:t>11</a:t>
+                      </a:r>
+                      <a:endParaRPr lang="en-IL" sz="1200" kern="100">
+                        <a:effectLst/>
+                        <a:latin typeface="Aptos" panose="020B0004020202020204" pitchFamily="34" charset="0"/>
+                        <a:ea typeface="Aptos" panose="020B0004020202020204" pitchFamily="34" charset="0"/>
+                        <a:cs typeface="Arial" panose="020B0604020202020204" pitchFamily="34" charset="0"/>
+                      </a:endParaRPr>
+                    </a:p>
+                  </a:txBody>
+                  <a:tcPr marL="67744" marR="67744" marT="0" marB="0"/>
+                </a:tc>
+                <a:tc>
+                  <a:txBody>
+                    <a:bodyPr/>
+                    <a:lstStyle/>
+                    <a:p>
+                      <a:pPr>
+                        <a:lnSpc>
+                          <a:spcPct val="115000"/>
+                        </a:lnSpc>
+                        <a:spcAft>
+                          <a:spcPts val="800"/>
+                        </a:spcAft>
+                        <a:buNone/>
+                      </a:pPr>
+                      <a:r>
+                        <a:rPr lang="en-IL" sz="1200" kern="100">
+                          <a:effectLst/>
+                        </a:rPr>
+                        <a:t>        {25'b0, Funct7Wb_Dout}</a:t>
+                      </a:r>
+                      <a:endParaRPr lang="en-IL" sz="1200" kern="100">
+                        <a:effectLst/>
+                        <a:latin typeface="Aptos" panose="020B0004020202020204" pitchFamily="34" charset="0"/>
+                        <a:ea typeface="Aptos" panose="020B0004020202020204" pitchFamily="34" charset="0"/>
+                        <a:cs typeface="Arial" panose="020B0604020202020204" pitchFamily="34" charset="0"/>
+                      </a:endParaRPr>
+                    </a:p>
+                  </a:txBody>
+                  <a:tcPr marL="67744" marR="67744" marT="0" marB="0"/>
+                </a:tc>
+                <a:tc>
+                  <a:txBody>
+                    <a:bodyPr/>
+                    <a:lstStyle/>
+                    <a:p>
+                      <a:pPr>
+                        <a:lnSpc>
+                          <a:spcPct val="115000"/>
+                        </a:lnSpc>
+                        <a:spcAft>
+                          <a:spcPts val="800"/>
+                        </a:spcAft>
+                        <a:buNone/>
+                      </a:pPr>
+                      <a:r>
+                        <a:rPr lang="en-IL" sz="1200" kern="100">
+                          <a:effectLst/>
+                        </a:rPr>
+                        <a:t>Funct7 form the operation in Writeback stage (padded to 32 bits)</a:t>
+                      </a:r>
+                      <a:endParaRPr lang="en-IL" sz="1200" kern="100">
+                        <a:effectLst/>
+                        <a:latin typeface="Aptos" panose="020B0004020202020204" pitchFamily="34" charset="0"/>
+                        <a:ea typeface="Aptos" panose="020B0004020202020204" pitchFamily="34" charset="0"/>
+                        <a:cs typeface="Arial" panose="020B0604020202020204" pitchFamily="34" charset="0"/>
+                      </a:endParaRPr>
+                    </a:p>
+                  </a:txBody>
+                  <a:tcPr marL="67744" marR="67744" marT="0" marB="0"/>
+                </a:tc>
+                <a:extLst>
+                  <a:ext uri="{0D108BD9-81ED-4DB2-BD59-A6C34878D82A}">
+                    <a16:rowId xmlns:a16="http://schemas.microsoft.com/office/drawing/2014/main" val="120394810"/>
+                  </a:ext>
+                </a:extLst>
+              </a:tr>
+              <a:tr h="400055">
+                <a:tc>
+                  <a:txBody>
+                    <a:bodyPr/>
+                    <a:lstStyle/>
+                    <a:p>
+                      <a:pPr>
+                        <a:lnSpc>
+                          <a:spcPct val="115000"/>
+                        </a:lnSpc>
+                        <a:spcAft>
+                          <a:spcPts val="800"/>
+                        </a:spcAft>
+                        <a:buNone/>
+                      </a:pPr>
+                      <a:r>
+                        <a:rPr lang="en-IL" sz="1200" kern="100">
+                          <a:effectLst/>
+                        </a:rPr>
+                        <a:t>12</a:t>
+                      </a:r>
+                      <a:endParaRPr lang="en-IL" sz="1200" kern="100">
+                        <a:effectLst/>
+                        <a:latin typeface="Aptos" panose="020B0004020202020204" pitchFamily="34" charset="0"/>
+                        <a:ea typeface="Aptos" panose="020B0004020202020204" pitchFamily="34" charset="0"/>
+                        <a:cs typeface="Arial" panose="020B0604020202020204" pitchFamily="34" charset="0"/>
+                      </a:endParaRPr>
+                    </a:p>
+                  </a:txBody>
+                  <a:tcPr marL="67744" marR="67744" marT="0" marB="0"/>
+                </a:tc>
+                <a:tc>
+                  <a:txBody>
+                    <a:bodyPr/>
+                    <a:lstStyle/>
+                    <a:p>
+                      <a:pPr>
+                        <a:lnSpc>
+                          <a:spcPct val="115000"/>
+                        </a:lnSpc>
+                        <a:spcAft>
+                          <a:spcPts val="800"/>
+                        </a:spcAft>
+                        <a:buNone/>
+                      </a:pPr>
+                      <a:r>
+                        <a:rPr lang="en-IL" sz="1200" kern="100">
+                          <a:effectLst/>
+                        </a:rPr>
+                        <a:t>        {29'b0, Funct3Wb_Dout}</a:t>
+                      </a:r>
+                      <a:endParaRPr lang="en-IL" sz="1200" kern="100">
+                        <a:effectLst/>
+                        <a:latin typeface="Aptos" panose="020B0004020202020204" pitchFamily="34" charset="0"/>
+                        <a:ea typeface="Aptos" panose="020B0004020202020204" pitchFamily="34" charset="0"/>
+                        <a:cs typeface="Arial" panose="020B0604020202020204" pitchFamily="34" charset="0"/>
+                      </a:endParaRPr>
+                    </a:p>
+                  </a:txBody>
+                  <a:tcPr marL="67744" marR="67744" marT="0" marB="0"/>
+                </a:tc>
+                <a:tc>
+                  <a:txBody>
+                    <a:bodyPr/>
+                    <a:lstStyle/>
+                    <a:p>
+                      <a:pPr>
+                        <a:lnSpc>
+                          <a:spcPct val="115000"/>
+                        </a:lnSpc>
+                        <a:spcAft>
+                          <a:spcPts val="800"/>
+                        </a:spcAft>
+                        <a:buNone/>
+                      </a:pPr>
+                      <a:r>
+                        <a:rPr lang="en-IL" sz="1200" kern="100">
+                          <a:effectLst/>
+                        </a:rPr>
+                        <a:t>Funct3 form the operation in Writeback stage (padded to 32 bits)</a:t>
+                      </a:r>
+                      <a:endParaRPr lang="en-IL" sz="1200" kern="100">
+                        <a:effectLst/>
+                        <a:latin typeface="Aptos" panose="020B0004020202020204" pitchFamily="34" charset="0"/>
+                        <a:ea typeface="Aptos" panose="020B0004020202020204" pitchFamily="34" charset="0"/>
+                        <a:cs typeface="Arial" panose="020B0604020202020204" pitchFamily="34" charset="0"/>
+                      </a:endParaRPr>
+                    </a:p>
+                  </a:txBody>
+                  <a:tcPr marL="67744" marR="67744" marT="0" marB="0"/>
+                </a:tc>
+                <a:extLst>
+                  <a:ext uri="{0D108BD9-81ED-4DB2-BD59-A6C34878D82A}">
+                    <a16:rowId xmlns:a16="http://schemas.microsoft.com/office/drawing/2014/main" val="606544536"/>
+                  </a:ext>
+                </a:extLst>
+              </a:tr>
+              <a:tr h="264467">
+                <a:tc>
+                  <a:txBody>
+                    <a:bodyPr/>
+                    <a:lstStyle/>
+                    <a:p>
+                      <a:pPr>
+                        <a:lnSpc>
+                          <a:spcPct val="115000"/>
+                        </a:lnSpc>
+                        <a:spcAft>
+                          <a:spcPts val="800"/>
+                        </a:spcAft>
+                        <a:buNone/>
+                      </a:pPr>
+                      <a:r>
+                        <a:rPr lang="en-IL" sz="1200" kern="100">
+                          <a:effectLst/>
+                        </a:rPr>
+                        <a:t>13</a:t>
+                      </a:r>
+                      <a:endParaRPr lang="en-IL" sz="1200" kern="100">
+                        <a:effectLst/>
+                        <a:latin typeface="Aptos" panose="020B0004020202020204" pitchFamily="34" charset="0"/>
+                        <a:ea typeface="Aptos" panose="020B0004020202020204" pitchFamily="34" charset="0"/>
+                        <a:cs typeface="Arial" panose="020B0604020202020204" pitchFamily="34" charset="0"/>
+                      </a:endParaRPr>
+                    </a:p>
+                  </a:txBody>
+                  <a:tcPr marL="67744" marR="67744" marT="0" marB="0"/>
+                </a:tc>
+                <a:tc>
+                  <a:txBody>
+                    <a:bodyPr/>
+                    <a:lstStyle/>
+                    <a:p>
+                      <a:pPr>
+                        <a:lnSpc>
+                          <a:spcPct val="115000"/>
+                        </a:lnSpc>
+                        <a:spcAft>
+                          <a:spcPts val="800"/>
+                        </a:spcAft>
+                        <a:buNone/>
+                      </a:pPr>
+                      <a:r>
+                        <a:rPr lang="en-IL" sz="1200" kern="100" dirty="0">
+                          <a:effectLst/>
+                        </a:rPr>
+                        <a:t>        {23'b0, </a:t>
+                      </a:r>
+                      <a:r>
+                        <a:rPr lang="en-IL" sz="1200" kern="100" dirty="0" err="1">
+                          <a:effectLst/>
+                        </a:rPr>
+                        <a:t>PC_debug</a:t>
+                      </a:r>
+                      <a:r>
+                        <a:rPr lang="en-IL" sz="1200" kern="100" dirty="0">
+                          <a:effectLst/>
+                        </a:rPr>
+                        <a:t>}</a:t>
+                      </a:r>
+                      <a:endParaRPr lang="en-IL" sz="1200" kern="100" dirty="0">
+                        <a:effectLst/>
+                        <a:latin typeface="Aptos" panose="020B0004020202020204" pitchFamily="34" charset="0"/>
+                        <a:ea typeface="Aptos" panose="020B0004020202020204" pitchFamily="34" charset="0"/>
+                        <a:cs typeface="Arial" panose="020B0604020202020204" pitchFamily="34" charset="0"/>
+                      </a:endParaRPr>
+                    </a:p>
+                  </a:txBody>
+                  <a:tcPr marL="67744" marR="67744" marT="0" marB="0"/>
+                </a:tc>
+                <a:tc>
+                  <a:txBody>
+                    <a:bodyPr/>
+                    <a:lstStyle/>
+                    <a:p>
+                      <a:pPr>
+                        <a:lnSpc>
+                          <a:spcPct val="115000"/>
+                        </a:lnSpc>
+                        <a:spcAft>
+                          <a:spcPts val="800"/>
+                        </a:spcAft>
+                        <a:buNone/>
+                      </a:pPr>
+                      <a:r>
+                        <a:rPr lang="en-IL" sz="1200" kern="100">
+                          <a:effectLst/>
+                        </a:rPr>
+                        <a:t>Program Counter (padded to 32 bits)</a:t>
+                      </a:r>
+                      <a:endParaRPr lang="en-IL" sz="1200" kern="100">
+                        <a:effectLst/>
+                        <a:latin typeface="Aptos" panose="020B0004020202020204" pitchFamily="34" charset="0"/>
+                        <a:ea typeface="Aptos" panose="020B0004020202020204" pitchFamily="34" charset="0"/>
+                        <a:cs typeface="Arial" panose="020B0604020202020204" pitchFamily="34" charset="0"/>
+                      </a:endParaRPr>
+                    </a:p>
+                  </a:txBody>
+                  <a:tcPr marL="67744" marR="67744" marT="0" marB="0"/>
+                </a:tc>
+                <a:extLst>
+                  <a:ext uri="{0D108BD9-81ED-4DB2-BD59-A6C34878D82A}">
+                    <a16:rowId xmlns:a16="http://schemas.microsoft.com/office/drawing/2014/main" val="3427536868"/>
+                  </a:ext>
+                </a:extLst>
+              </a:tr>
+              <a:tr h="239543">
+                <a:tc>
+                  <a:txBody>
+                    <a:bodyPr/>
+                    <a:lstStyle/>
+                    <a:p>
+                      <a:pPr>
+                        <a:lnSpc>
+                          <a:spcPct val="115000"/>
+                        </a:lnSpc>
+                        <a:spcAft>
+                          <a:spcPts val="800"/>
+                        </a:spcAft>
+                        <a:buNone/>
+                      </a:pPr>
+                      <a:r>
+                        <a:rPr lang="en-IL" sz="1200" kern="100">
+                          <a:effectLst/>
+                        </a:rPr>
+                        <a:t>14</a:t>
+                      </a:r>
+                      <a:endParaRPr lang="en-IL" sz="1200" kern="100">
+                        <a:effectLst/>
+                        <a:latin typeface="Aptos" panose="020B0004020202020204" pitchFamily="34" charset="0"/>
+                        <a:ea typeface="Aptos" panose="020B0004020202020204" pitchFamily="34" charset="0"/>
+                        <a:cs typeface="Arial" panose="020B0604020202020204" pitchFamily="34" charset="0"/>
+                      </a:endParaRPr>
+                    </a:p>
+                  </a:txBody>
+                  <a:tcPr marL="67744" marR="67744" marT="0" marB="0"/>
+                </a:tc>
+                <a:tc>
+                  <a:txBody>
+                    <a:bodyPr/>
+                    <a:lstStyle/>
+                    <a:p>
+                      <a:pPr>
+                        <a:lnSpc>
+                          <a:spcPct val="115000"/>
+                        </a:lnSpc>
+                        <a:spcAft>
+                          <a:spcPts val="800"/>
+                        </a:spcAft>
+                        <a:buNone/>
+                      </a:pPr>
+                      <a:r>
+                        <a:rPr lang="en-IL" sz="1200" kern="100">
+                          <a:effectLst/>
+                        </a:rPr>
+                        <a:t>        FAmux_Result_debug</a:t>
+                      </a:r>
+                      <a:endParaRPr lang="en-IL" sz="1200" kern="100">
+                        <a:effectLst/>
+                        <a:latin typeface="Aptos" panose="020B0004020202020204" pitchFamily="34" charset="0"/>
+                        <a:ea typeface="Aptos" panose="020B0004020202020204" pitchFamily="34" charset="0"/>
+                        <a:cs typeface="Arial" panose="020B0604020202020204" pitchFamily="34" charset="0"/>
+                      </a:endParaRPr>
+                    </a:p>
+                  </a:txBody>
+                  <a:tcPr marL="67744" marR="67744" marT="0" marB="0"/>
+                </a:tc>
+                <a:tc>
+                  <a:txBody>
+                    <a:bodyPr/>
+                    <a:lstStyle/>
+                    <a:p>
+                      <a:pPr>
+                        <a:lnSpc>
+                          <a:spcPct val="115000"/>
+                        </a:lnSpc>
+                        <a:spcAft>
+                          <a:spcPts val="800"/>
+                        </a:spcAft>
+                        <a:buNone/>
+                      </a:pPr>
+                      <a:r>
+                        <a:rPr lang="en-IL" sz="1200" kern="100" dirty="0">
+                          <a:effectLst/>
+                        </a:rPr>
+                        <a:t>Forwarding A MUX result</a:t>
+                      </a:r>
+                      <a:endParaRPr lang="en-IL" sz="1200" kern="100" dirty="0">
+                        <a:effectLst/>
+                        <a:latin typeface="Aptos" panose="020B0004020202020204" pitchFamily="34" charset="0"/>
+                        <a:ea typeface="Aptos" panose="020B0004020202020204" pitchFamily="34" charset="0"/>
+                        <a:cs typeface="Arial" panose="020B0604020202020204" pitchFamily="34" charset="0"/>
+                      </a:endParaRPr>
+                    </a:p>
+                  </a:txBody>
+                  <a:tcPr marL="67744" marR="67744" marT="0" marB="0"/>
+                </a:tc>
+                <a:extLst>
+                  <a:ext uri="{0D108BD9-81ED-4DB2-BD59-A6C34878D82A}">
+                    <a16:rowId xmlns:a16="http://schemas.microsoft.com/office/drawing/2014/main" val="2373910422"/>
+                  </a:ext>
+                </a:extLst>
+              </a:tr>
+            </a:tbl>
+          </a:graphicData>
+        </a:graphic>
+      </p:graphicFrame>
+    </p:spTree>
+    <p:extLst>
+      <p:ext uri="{BB962C8B-B14F-4D97-AF65-F5344CB8AC3E}">
+        <p14:creationId xmlns:p14="http://schemas.microsoft.com/office/powerpoint/2010/main" val="2802876541"/>
+      </p:ext>
+    </p:extLst>
+  </p:cSld>
+  <p:clrMapOvr>
+    <a:masterClrMapping/>
+  </p:clrMapOvr>
+</p:sld>
+</file>
+
+<file path=ppt/slides/slide11.xml><?xml version="1.0" encoding="utf-8"?>
+<p:sld xmlns:a="http://schemas.openxmlformats.org/drawingml/2006/main" xmlns:r="http://schemas.openxmlformats.org/officeDocument/2006/relationships" xmlns:p="http://schemas.openxmlformats.org/presentationml/2006/main">
+  <p:cSld>
+    <p:spTree>
+      <p:nvGrpSpPr>
+        <p:cNvPr id="1" name="">
+          <a:extLst>
+            <a:ext uri="{FF2B5EF4-FFF2-40B4-BE49-F238E27FC236}">
+              <a16:creationId xmlns:a16="http://schemas.microsoft.com/office/drawing/2014/main" id="{781AA9EA-E9F9-A326-3F16-EB8153A4F31E}"/>
+            </a:ext>
+          </a:extLst>
+        </p:cNvPr>
+        <p:cNvGrpSpPr/>
+        <p:nvPr/>
+      </p:nvGrpSpPr>
+      <p:grpSpPr>
+        <a:xfrm>
+          <a:off x="0" y="0"/>
+          <a:ext cx="0" cy="0"/>
+          <a:chOff x="0" y="0"/>
+          <a:chExt cx="0" cy="0"/>
+        </a:xfrm>
+      </p:grpSpPr>
+      <p:sp>
+        <p:nvSpPr>
+          <p:cNvPr id="19" name="Rectangle 18">
+            <a:extLst>
+              <a:ext uri="{FF2B5EF4-FFF2-40B4-BE49-F238E27FC236}">
+                <a16:creationId xmlns:a16="http://schemas.microsoft.com/office/drawing/2014/main" id="{3D61C9F6-4617-CF28-E1DD-E09CC9F06F8D}"/>
+              </a:ext>
+            </a:extLst>
+          </p:cNvPr>
+          <p:cNvSpPr/>
+          <p:nvPr/>
+        </p:nvSpPr>
+        <p:spPr>
+          <a:xfrm>
+            <a:off x="1462167" y="1195602"/>
+            <a:ext cx="10729833" cy="1053885"/>
+          </a:xfrm>
+          <a:prstGeom prst="rect">
+            <a:avLst/>
+          </a:prstGeom>
+        </p:spPr>
+        <p:style>
+          <a:lnRef idx="0">
+            <a:schemeClr val="dk1">
+              <a:alpha val="0"/>
+              <a:hueOff val="0"/>
+              <a:satOff val="0"/>
+              <a:lumOff val="0"/>
+              <a:alphaOff val="0"/>
+            </a:schemeClr>
+          </a:lnRef>
+          <a:fillRef idx="0">
+            <a:schemeClr val="lt1">
+              <a:alpha val="0"/>
+              <a:hueOff val="0"/>
+              <a:satOff val="0"/>
+              <a:lumOff val="0"/>
+              <a:alphaOff val="0"/>
+            </a:schemeClr>
+          </a:fillRef>
+          <a:effectRef idx="0">
+            <a:schemeClr val="lt1">
+              <a:alpha val="0"/>
+              <a:hueOff val="0"/>
+              <a:satOff val="0"/>
+              <a:lumOff val="0"/>
+              <a:alphaOff val="0"/>
+            </a:schemeClr>
+          </a:effectRef>
+          <a:fontRef idx="minor">
+            <a:schemeClr val="tx1">
+              <a:hueOff val="0"/>
+              <a:satOff val="0"/>
+              <a:lumOff val="0"/>
+              <a:alphaOff val="0"/>
+            </a:schemeClr>
+          </a:fontRef>
+        </p:style>
+        <p:txBody>
+          <a:bodyPr/>
+          <a:lstStyle/>
+          <a:p>
+            <a:endParaRPr lang="en-IL"/>
+          </a:p>
+        </p:txBody>
+      </p:sp>
+      <p:sp>
+        <p:nvSpPr>
+          <p:cNvPr id="7" name="כותרת 1">
+            <a:extLst>
+              <a:ext uri="{FF2B5EF4-FFF2-40B4-BE49-F238E27FC236}">
+                <a16:creationId xmlns:a16="http://schemas.microsoft.com/office/drawing/2014/main" id="{88B65038-0ADF-F966-41C8-B846679D6009}"/>
+              </a:ext>
+            </a:extLst>
+          </p:cNvPr>
+          <p:cNvSpPr>
+            <a:spLocks noGrp="1"/>
+          </p:cNvSpPr>
+          <p:nvPr>
+            <p:ph type="title"/>
+          </p:nvPr>
+        </p:nvSpPr>
+        <p:spPr>
+          <a:xfrm>
+            <a:off x="305349" y="603066"/>
+            <a:ext cx="10319512" cy="592536"/>
+          </a:xfrm>
+        </p:spPr>
+        <p:txBody>
+          <a:bodyPr vert="horz" lIns="91440" tIns="45720" rIns="91440" bIns="45720" rtlCol="0" anchor="b">
+            <a:normAutofit fontScale="90000"/>
+          </a:bodyPr>
+          <a:lstStyle/>
+          <a:p>
+            <a:pPr algn="ctr" rtl="0"/>
+            <a:r>
+              <a:rPr lang="en-US" sz="3200" b="1" i="0" kern="1200" dirty="0">
+                <a:solidFill>
+                  <a:schemeClr val="tx1"/>
+                </a:solidFill>
+                <a:effectLst/>
+                <a:latin typeface="+mj-lt"/>
+                <a:ea typeface="+mj-ea"/>
+                <a:cs typeface="+mj-cs"/>
+              </a:rPr>
+              <a:t>Architectural design of the selected solution </a:t>
+            </a:r>
+            <a:br>
+              <a:rPr lang="en-US" sz="3200" b="1" i="0" kern="1200" dirty="0">
+                <a:solidFill>
+                  <a:schemeClr val="tx1"/>
+                </a:solidFill>
+                <a:effectLst/>
+                <a:latin typeface="+mj-lt"/>
+                <a:ea typeface="+mj-ea"/>
+                <a:cs typeface="+mj-cs"/>
+              </a:rPr>
+            </a:br>
+            <a:r>
+              <a:rPr lang="en-US" sz="3200" b="1" i="0" kern="1200" dirty="0">
+                <a:solidFill>
+                  <a:schemeClr val="tx1"/>
+                </a:solidFill>
+                <a:effectLst/>
+                <a:latin typeface="+mj-lt"/>
+                <a:ea typeface="+mj-ea"/>
+                <a:cs typeface="+mj-cs"/>
+              </a:rPr>
+              <a:t>Debug unit</a:t>
+            </a:r>
+            <a:endParaRPr lang="en-US" sz="3200" b="1" kern="1200" dirty="0">
+              <a:solidFill>
+                <a:schemeClr val="tx1"/>
+              </a:solidFill>
+              <a:latin typeface="+mj-lt"/>
+              <a:ea typeface="+mj-ea"/>
+              <a:cs typeface="+mj-cs"/>
+            </a:endParaRPr>
+          </a:p>
+        </p:txBody>
+      </p:sp>
+      <p:graphicFrame>
+        <p:nvGraphicFramePr>
+          <p:cNvPr id="5" name="Content Placeholder 4">
+            <a:extLst>
+              <a:ext uri="{FF2B5EF4-FFF2-40B4-BE49-F238E27FC236}">
+                <a16:creationId xmlns:a16="http://schemas.microsoft.com/office/drawing/2014/main" id="{23C28224-D79A-EA2C-C5D2-51DCF839AD1C}"/>
+              </a:ext>
+            </a:extLst>
+          </p:cNvPr>
+          <p:cNvGraphicFramePr>
+            <a:graphicFrameLocks noGrp="1"/>
+          </p:cNvGraphicFramePr>
+          <p:nvPr>
+            <p:ph idx="1"/>
+            <p:extLst>
+              <p:ext uri="{D42A27DB-BD31-4B8C-83A1-F6EECF244321}">
+                <p14:modId xmlns:p14="http://schemas.microsoft.com/office/powerpoint/2010/main" val="2381226379"/>
+              </p:ext>
+            </p:extLst>
+          </p:nvPr>
+        </p:nvGraphicFramePr>
+        <p:xfrm>
+          <a:off x="1" y="1396721"/>
+          <a:ext cx="12192000" cy="5461274"/>
+        </p:xfrm>
+        <a:graphic>
+          <a:graphicData uri="http://schemas.openxmlformats.org/drawingml/2006/table">
+            <a:tbl>
+              <a:tblPr firstRow="1" firstCol="1" bandRow="1">
+                <a:tableStyleId>{5C22544A-7EE6-4342-B048-85BDC9FD1C3A}</a:tableStyleId>
+              </a:tblPr>
+              <a:tblGrid>
+                <a:gridCol w="598206">
+                  <a:extLst>
+                    <a:ext uri="{9D8B030D-6E8A-4147-A177-3AD203B41FA5}">
+                      <a16:colId xmlns:a16="http://schemas.microsoft.com/office/drawing/2014/main" val="1480150233"/>
+                    </a:ext>
+                  </a:extLst>
+                </a:gridCol>
+                <a:gridCol w="2144993">
+                  <a:extLst>
+                    <a:ext uri="{9D8B030D-6E8A-4147-A177-3AD203B41FA5}">
+                      <a16:colId xmlns:a16="http://schemas.microsoft.com/office/drawing/2014/main" val="1601913796"/>
+                    </a:ext>
+                  </a:extLst>
+                </a:gridCol>
+                <a:gridCol w="9448801">
+                  <a:extLst>
+                    <a:ext uri="{9D8B030D-6E8A-4147-A177-3AD203B41FA5}">
+                      <a16:colId xmlns:a16="http://schemas.microsoft.com/office/drawing/2014/main" val="663607051"/>
+                    </a:ext>
+                  </a:extLst>
+                </a:gridCol>
+              </a:tblGrid>
+              <a:tr h="318325">
+                <a:tc>
+                  <a:txBody>
+                    <a:bodyPr/>
+                    <a:lstStyle/>
+                    <a:p>
+                      <a:pPr>
+                        <a:lnSpc>
+                          <a:spcPct val="115000"/>
+                        </a:lnSpc>
+                        <a:spcAft>
+                          <a:spcPts val="800"/>
+                        </a:spcAft>
+                        <a:buNone/>
+                      </a:pPr>
+                      <a:r>
+                        <a:rPr lang="en-IL" sz="1200" kern="100">
+                          <a:effectLst/>
+                        </a:rPr>
+                        <a:t>15</a:t>
+                      </a:r>
+                      <a:endParaRPr lang="en-IL" sz="1200" kern="100">
+                        <a:effectLst/>
+                        <a:latin typeface="Aptos" panose="020B0004020202020204" pitchFamily="34" charset="0"/>
+                        <a:ea typeface="Aptos" panose="020B0004020202020204" pitchFamily="34" charset="0"/>
+                        <a:cs typeface="Arial" panose="020B0604020202020204" pitchFamily="34" charset="0"/>
+                      </a:endParaRPr>
+                    </a:p>
+                  </a:txBody>
+                  <a:tcPr marL="68580" marR="68580" marT="0" marB="0"/>
+                </a:tc>
+                <a:tc>
+                  <a:txBody>
+                    <a:bodyPr/>
+                    <a:lstStyle/>
+                    <a:p>
+                      <a:pPr>
+                        <a:lnSpc>
+                          <a:spcPct val="115000"/>
+                        </a:lnSpc>
+                        <a:spcAft>
+                          <a:spcPts val="800"/>
+                        </a:spcAft>
+                        <a:buNone/>
+                      </a:pPr>
+                      <a:r>
+                        <a:rPr lang="en-IL" sz="1200" kern="100" dirty="0">
+                          <a:effectLst/>
+                        </a:rPr>
+                        <a:t>        </a:t>
+                      </a:r>
+                      <a:r>
+                        <a:rPr lang="en-IL" sz="1200" kern="100" dirty="0" err="1">
+                          <a:effectLst/>
+                        </a:rPr>
+                        <a:t>SrcB_debug</a:t>
+                      </a:r>
+                      <a:endParaRPr lang="en-IL" sz="1200" kern="100" dirty="0">
+                        <a:effectLst/>
+                        <a:latin typeface="Aptos" panose="020B0004020202020204" pitchFamily="34" charset="0"/>
+                        <a:ea typeface="Aptos" panose="020B0004020202020204" pitchFamily="34" charset="0"/>
+                        <a:cs typeface="Arial" panose="020B0604020202020204" pitchFamily="34" charset="0"/>
+                      </a:endParaRPr>
+                    </a:p>
+                  </a:txBody>
+                  <a:tcPr marL="68580" marR="68580" marT="0" marB="0"/>
+                </a:tc>
+                <a:tc>
+                  <a:txBody>
+                    <a:bodyPr/>
+                    <a:lstStyle/>
+                    <a:p>
+                      <a:pPr>
+                        <a:lnSpc>
+                          <a:spcPct val="115000"/>
+                        </a:lnSpc>
+                        <a:spcAft>
+                          <a:spcPts val="800"/>
+                        </a:spcAft>
+                        <a:buNone/>
+                      </a:pPr>
+                      <a:r>
+                        <a:rPr lang="en-IL" sz="1200" kern="100" dirty="0">
+                          <a:effectLst/>
+                        </a:rPr>
+                        <a:t>Source B debug</a:t>
+                      </a:r>
+                      <a:endParaRPr lang="en-IL" sz="1200" kern="100" dirty="0">
+                        <a:effectLst/>
+                        <a:latin typeface="Aptos" panose="020B0004020202020204" pitchFamily="34" charset="0"/>
+                        <a:ea typeface="Aptos" panose="020B0004020202020204" pitchFamily="34" charset="0"/>
+                        <a:cs typeface="Arial" panose="020B0604020202020204" pitchFamily="34" charset="0"/>
+                      </a:endParaRPr>
+                    </a:p>
+                  </a:txBody>
+                  <a:tcPr marL="68580" marR="68580" marT="0" marB="0"/>
+                </a:tc>
+                <a:extLst>
+                  <a:ext uri="{0D108BD9-81ED-4DB2-BD59-A6C34878D82A}">
+                    <a16:rowId xmlns:a16="http://schemas.microsoft.com/office/drawing/2014/main" val="619800027"/>
+                  </a:ext>
+                </a:extLst>
+              </a:tr>
+              <a:tr h="318325">
+                <a:tc>
+                  <a:txBody>
+                    <a:bodyPr/>
+                    <a:lstStyle/>
+                    <a:p>
+                      <a:pPr>
+                        <a:lnSpc>
+                          <a:spcPct val="115000"/>
+                        </a:lnSpc>
+                        <a:spcAft>
+                          <a:spcPts val="800"/>
+                        </a:spcAft>
+                        <a:buNone/>
+                      </a:pPr>
+                      <a:r>
+                        <a:rPr lang="en-IL" sz="1200" kern="100">
+                          <a:effectLst/>
+                        </a:rPr>
+                        <a:t>16</a:t>
+                      </a:r>
+                      <a:endParaRPr lang="en-IL" sz="1200" kern="100">
+                        <a:effectLst/>
+                        <a:latin typeface="Aptos" panose="020B0004020202020204" pitchFamily="34" charset="0"/>
+                        <a:ea typeface="Aptos" panose="020B0004020202020204" pitchFamily="34" charset="0"/>
+                        <a:cs typeface="Arial" panose="020B0604020202020204" pitchFamily="34" charset="0"/>
+                      </a:endParaRPr>
+                    </a:p>
+                  </a:txBody>
+                  <a:tcPr marL="68580" marR="68580" marT="0" marB="0"/>
+                </a:tc>
+                <a:tc>
+                  <a:txBody>
+                    <a:bodyPr/>
+                    <a:lstStyle/>
+                    <a:p>
+                      <a:pPr>
+                        <a:lnSpc>
+                          <a:spcPct val="115000"/>
+                        </a:lnSpc>
+                        <a:spcAft>
+                          <a:spcPts val="800"/>
+                        </a:spcAft>
+                        <a:buNone/>
+                      </a:pPr>
+                      <a:r>
+                        <a:rPr lang="en-IL" sz="1200" kern="100">
+                          <a:effectLst/>
+                        </a:rPr>
+                        <a:t>        {31'b0, PcSel_debug}</a:t>
+                      </a:r>
+                      <a:endParaRPr lang="en-IL" sz="1200" kern="100">
+                        <a:effectLst/>
+                        <a:latin typeface="Aptos" panose="020B0004020202020204" pitchFamily="34" charset="0"/>
+                        <a:ea typeface="Aptos" panose="020B0004020202020204" pitchFamily="34" charset="0"/>
+                        <a:cs typeface="Arial" panose="020B0604020202020204" pitchFamily="34" charset="0"/>
+                      </a:endParaRPr>
+                    </a:p>
+                  </a:txBody>
+                  <a:tcPr marL="68580" marR="68580" marT="0" marB="0"/>
+                </a:tc>
+                <a:tc>
+                  <a:txBody>
+                    <a:bodyPr/>
+                    <a:lstStyle/>
+                    <a:p>
+                      <a:pPr>
+                        <a:lnSpc>
+                          <a:spcPct val="115000"/>
+                        </a:lnSpc>
+                        <a:spcAft>
+                          <a:spcPts val="800"/>
+                        </a:spcAft>
+                        <a:buNone/>
+                      </a:pPr>
+                      <a:r>
+                        <a:rPr lang="en-IL" sz="1200" kern="100">
+                          <a:effectLst/>
+                        </a:rPr>
+                        <a:t>PC select signal (padded to 32 bits)</a:t>
+                      </a:r>
+                      <a:endParaRPr lang="en-IL" sz="1200" kern="100">
+                        <a:effectLst/>
+                        <a:latin typeface="Aptos" panose="020B0004020202020204" pitchFamily="34" charset="0"/>
+                        <a:ea typeface="Aptos" panose="020B0004020202020204" pitchFamily="34" charset="0"/>
+                        <a:cs typeface="Arial" panose="020B0604020202020204" pitchFamily="34" charset="0"/>
+                      </a:endParaRPr>
+                    </a:p>
+                  </a:txBody>
+                  <a:tcPr marL="68580" marR="68580" marT="0" marB="0"/>
+                </a:tc>
+                <a:extLst>
+                  <a:ext uri="{0D108BD9-81ED-4DB2-BD59-A6C34878D82A}">
+                    <a16:rowId xmlns:a16="http://schemas.microsoft.com/office/drawing/2014/main" val="1355159200"/>
+                  </a:ext>
+                </a:extLst>
+              </a:tr>
+              <a:tr h="318325">
+                <a:tc>
+                  <a:txBody>
+                    <a:bodyPr/>
+                    <a:lstStyle/>
+                    <a:p>
+                      <a:pPr>
+                        <a:lnSpc>
+                          <a:spcPct val="115000"/>
+                        </a:lnSpc>
+                        <a:spcAft>
+                          <a:spcPts val="800"/>
+                        </a:spcAft>
+                        <a:buNone/>
+                      </a:pPr>
+                      <a:r>
+                        <a:rPr lang="en-IL" sz="1200" kern="100">
+                          <a:effectLst/>
+                        </a:rPr>
+                        <a:t>17</a:t>
+                      </a:r>
+                      <a:endParaRPr lang="en-IL" sz="1200" kern="100">
+                        <a:effectLst/>
+                        <a:latin typeface="Aptos" panose="020B0004020202020204" pitchFamily="34" charset="0"/>
+                        <a:ea typeface="Aptos" panose="020B0004020202020204" pitchFamily="34" charset="0"/>
+                        <a:cs typeface="Arial" panose="020B0604020202020204" pitchFamily="34" charset="0"/>
+                      </a:endParaRPr>
+                    </a:p>
+                  </a:txBody>
+                  <a:tcPr marL="68580" marR="68580" marT="0" marB="0"/>
+                </a:tc>
+                <a:tc>
+                  <a:txBody>
+                    <a:bodyPr/>
+                    <a:lstStyle/>
+                    <a:p>
+                      <a:pPr>
+                        <a:lnSpc>
+                          <a:spcPct val="115000"/>
+                        </a:lnSpc>
+                        <a:spcAft>
+                          <a:spcPts val="800"/>
+                        </a:spcAft>
+                        <a:buNone/>
+                      </a:pPr>
+                      <a:r>
+                        <a:rPr lang="en-IL" sz="1200" kern="100">
+                          <a:effectLst/>
+                        </a:rPr>
+                        <a:t>        {23'b0, BrPC_debug}</a:t>
+                      </a:r>
+                      <a:endParaRPr lang="en-IL" sz="1200" kern="100">
+                        <a:effectLst/>
+                        <a:latin typeface="Aptos" panose="020B0004020202020204" pitchFamily="34" charset="0"/>
+                        <a:ea typeface="Aptos" panose="020B0004020202020204" pitchFamily="34" charset="0"/>
+                        <a:cs typeface="Arial" panose="020B0604020202020204" pitchFamily="34" charset="0"/>
+                      </a:endParaRPr>
+                    </a:p>
+                  </a:txBody>
+                  <a:tcPr marL="68580" marR="68580" marT="0" marB="0"/>
+                </a:tc>
+                <a:tc>
+                  <a:txBody>
+                    <a:bodyPr/>
+                    <a:lstStyle/>
+                    <a:p>
+                      <a:pPr>
+                        <a:lnSpc>
+                          <a:spcPct val="115000"/>
+                        </a:lnSpc>
+                        <a:spcAft>
+                          <a:spcPts val="800"/>
+                        </a:spcAft>
+                        <a:buNone/>
+                      </a:pPr>
+                      <a:r>
+                        <a:rPr lang="en-IL" sz="1200" kern="100">
+                          <a:effectLst/>
+                        </a:rPr>
+                        <a:t>Branch PC (padded to 32 bits)</a:t>
+                      </a:r>
+                      <a:endParaRPr lang="en-IL" sz="1200" kern="100">
+                        <a:effectLst/>
+                        <a:latin typeface="Aptos" panose="020B0004020202020204" pitchFamily="34" charset="0"/>
+                        <a:ea typeface="Aptos" panose="020B0004020202020204" pitchFamily="34" charset="0"/>
+                        <a:cs typeface="Arial" panose="020B0604020202020204" pitchFamily="34" charset="0"/>
+                      </a:endParaRPr>
+                    </a:p>
+                  </a:txBody>
+                  <a:tcPr marL="68580" marR="68580" marT="0" marB="0"/>
+                </a:tc>
+                <a:extLst>
+                  <a:ext uri="{0D108BD9-81ED-4DB2-BD59-A6C34878D82A}">
+                    <a16:rowId xmlns:a16="http://schemas.microsoft.com/office/drawing/2014/main" val="127196094"/>
+                  </a:ext>
+                </a:extLst>
+              </a:tr>
+              <a:tr h="318325">
+                <a:tc>
+                  <a:txBody>
+                    <a:bodyPr/>
+                    <a:lstStyle/>
+                    <a:p>
+                      <a:pPr>
+                        <a:lnSpc>
+                          <a:spcPct val="115000"/>
+                        </a:lnSpc>
+                        <a:spcAft>
+                          <a:spcPts val="800"/>
+                        </a:spcAft>
+                        <a:buNone/>
+                      </a:pPr>
+                      <a:r>
+                        <a:rPr lang="en-IL" sz="1200" kern="100">
+                          <a:effectLst/>
+                        </a:rPr>
+                        <a:t>18</a:t>
+                      </a:r>
+                      <a:endParaRPr lang="en-IL" sz="1200" kern="100">
+                        <a:effectLst/>
+                        <a:latin typeface="Aptos" panose="020B0004020202020204" pitchFamily="34" charset="0"/>
+                        <a:ea typeface="Aptos" panose="020B0004020202020204" pitchFamily="34" charset="0"/>
+                        <a:cs typeface="Arial" panose="020B0604020202020204" pitchFamily="34" charset="0"/>
+                      </a:endParaRPr>
+                    </a:p>
+                  </a:txBody>
+                  <a:tcPr marL="68580" marR="68580" marT="0" marB="0"/>
+                </a:tc>
+                <a:tc>
+                  <a:txBody>
+                    <a:bodyPr/>
+                    <a:lstStyle/>
+                    <a:p>
+                      <a:pPr>
+                        <a:lnSpc>
+                          <a:spcPct val="115000"/>
+                        </a:lnSpc>
+                        <a:spcAft>
+                          <a:spcPts val="800"/>
+                        </a:spcAft>
+                        <a:buNone/>
+                      </a:pPr>
+                      <a:r>
+                        <a:rPr lang="en-IL" sz="1200" kern="100">
+                          <a:effectLst/>
+                        </a:rPr>
+                        <a:t>        ALUResult_debug</a:t>
+                      </a:r>
+                      <a:endParaRPr lang="en-IL" sz="1200" kern="100">
+                        <a:effectLst/>
+                        <a:latin typeface="Aptos" panose="020B0004020202020204" pitchFamily="34" charset="0"/>
+                        <a:ea typeface="Aptos" panose="020B0004020202020204" pitchFamily="34" charset="0"/>
+                        <a:cs typeface="Arial" panose="020B0604020202020204" pitchFamily="34" charset="0"/>
+                      </a:endParaRPr>
+                    </a:p>
+                  </a:txBody>
+                  <a:tcPr marL="68580" marR="68580" marT="0" marB="0"/>
+                </a:tc>
+                <a:tc>
+                  <a:txBody>
+                    <a:bodyPr/>
+                    <a:lstStyle/>
+                    <a:p>
+                      <a:pPr>
+                        <a:lnSpc>
+                          <a:spcPct val="115000"/>
+                        </a:lnSpc>
+                        <a:spcAft>
+                          <a:spcPts val="800"/>
+                        </a:spcAft>
+                        <a:buNone/>
+                      </a:pPr>
+                      <a:r>
+                        <a:rPr lang="en-IL" sz="1200" kern="100">
+                          <a:effectLst/>
+                        </a:rPr>
+                        <a:t>ALU result</a:t>
+                      </a:r>
+                      <a:endParaRPr lang="en-IL" sz="1200" kern="100">
+                        <a:effectLst/>
+                        <a:latin typeface="Aptos" panose="020B0004020202020204" pitchFamily="34" charset="0"/>
+                        <a:ea typeface="Aptos" panose="020B0004020202020204" pitchFamily="34" charset="0"/>
+                        <a:cs typeface="Arial" panose="020B0604020202020204" pitchFamily="34" charset="0"/>
+                      </a:endParaRPr>
+                    </a:p>
+                  </a:txBody>
+                  <a:tcPr marL="68580" marR="68580" marT="0" marB="0"/>
+                </a:tc>
+                <a:extLst>
+                  <a:ext uri="{0D108BD9-81ED-4DB2-BD59-A6C34878D82A}">
+                    <a16:rowId xmlns:a16="http://schemas.microsoft.com/office/drawing/2014/main" val="341708794"/>
+                  </a:ext>
+                </a:extLst>
+              </a:tr>
+              <a:tr h="318325">
+                <a:tc>
+                  <a:txBody>
+                    <a:bodyPr/>
+                    <a:lstStyle/>
+                    <a:p>
+                      <a:pPr>
+                        <a:lnSpc>
+                          <a:spcPct val="115000"/>
+                        </a:lnSpc>
+                        <a:spcAft>
+                          <a:spcPts val="800"/>
+                        </a:spcAft>
+                        <a:buNone/>
+                      </a:pPr>
+                      <a:r>
+                        <a:rPr lang="en-IL" sz="1200" kern="100">
+                          <a:effectLst/>
+                        </a:rPr>
+                        <a:t>19</a:t>
+                      </a:r>
+                      <a:endParaRPr lang="en-IL" sz="1200" kern="100">
+                        <a:effectLst/>
+                        <a:latin typeface="Aptos" panose="020B0004020202020204" pitchFamily="34" charset="0"/>
+                        <a:ea typeface="Aptos" panose="020B0004020202020204" pitchFamily="34" charset="0"/>
+                        <a:cs typeface="Arial" panose="020B0604020202020204" pitchFamily="34" charset="0"/>
+                      </a:endParaRPr>
+                    </a:p>
+                  </a:txBody>
+                  <a:tcPr marL="68580" marR="68580" marT="0" marB="0"/>
+                </a:tc>
+                <a:tc>
+                  <a:txBody>
+                    <a:bodyPr/>
+                    <a:lstStyle/>
+                    <a:p>
+                      <a:pPr>
+                        <a:lnSpc>
+                          <a:spcPct val="115000"/>
+                        </a:lnSpc>
+                        <a:spcAft>
+                          <a:spcPts val="800"/>
+                        </a:spcAft>
+                        <a:buNone/>
+                      </a:pPr>
+                      <a:r>
+                        <a:rPr lang="en-IL" sz="1200" kern="100">
+                          <a:effectLst/>
+                        </a:rPr>
+                        <a:t>        {28'b0, Operation}</a:t>
+                      </a:r>
+                      <a:endParaRPr lang="en-IL" sz="1200" kern="100">
+                        <a:effectLst/>
+                        <a:latin typeface="Aptos" panose="020B0004020202020204" pitchFamily="34" charset="0"/>
+                        <a:ea typeface="Aptos" panose="020B0004020202020204" pitchFamily="34" charset="0"/>
+                        <a:cs typeface="Arial" panose="020B0604020202020204" pitchFamily="34" charset="0"/>
+                      </a:endParaRPr>
+                    </a:p>
+                  </a:txBody>
+                  <a:tcPr marL="68580" marR="68580" marT="0" marB="0"/>
+                </a:tc>
+                <a:tc>
+                  <a:txBody>
+                    <a:bodyPr/>
+                    <a:lstStyle/>
+                    <a:p>
+                      <a:pPr>
+                        <a:lnSpc>
+                          <a:spcPct val="115000"/>
+                        </a:lnSpc>
+                        <a:spcAft>
+                          <a:spcPts val="800"/>
+                        </a:spcAft>
+                        <a:buNone/>
+                      </a:pPr>
+                      <a:r>
+                        <a:rPr lang="en-IL" sz="1200" kern="100">
+                          <a:effectLst/>
+                        </a:rPr>
+                        <a:t>ALU operation code (padded to 32 bits)</a:t>
+                      </a:r>
+                      <a:endParaRPr lang="en-IL" sz="1200" kern="100">
+                        <a:effectLst/>
+                        <a:latin typeface="Aptos" panose="020B0004020202020204" pitchFamily="34" charset="0"/>
+                        <a:ea typeface="Aptos" panose="020B0004020202020204" pitchFamily="34" charset="0"/>
+                        <a:cs typeface="Arial" panose="020B0604020202020204" pitchFamily="34" charset="0"/>
+                      </a:endParaRPr>
+                    </a:p>
+                  </a:txBody>
+                  <a:tcPr marL="68580" marR="68580" marT="0" marB="0"/>
+                </a:tc>
+                <a:extLst>
+                  <a:ext uri="{0D108BD9-81ED-4DB2-BD59-A6C34878D82A}">
+                    <a16:rowId xmlns:a16="http://schemas.microsoft.com/office/drawing/2014/main" val="3833009289"/>
+                  </a:ext>
+                </a:extLst>
+              </a:tr>
+              <a:tr h="318325">
+                <a:tc>
+                  <a:txBody>
+                    <a:bodyPr/>
+                    <a:lstStyle/>
+                    <a:p>
+                      <a:pPr>
+                        <a:lnSpc>
+                          <a:spcPct val="115000"/>
+                        </a:lnSpc>
+                        <a:spcAft>
+                          <a:spcPts val="800"/>
+                        </a:spcAft>
+                        <a:buNone/>
+                      </a:pPr>
+                      <a:r>
+                        <a:rPr lang="en-IL" sz="1200" kern="100">
+                          <a:effectLst/>
+                        </a:rPr>
+                        <a:t>20</a:t>
+                      </a:r>
+                      <a:endParaRPr lang="en-IL" sz="1200" kern="100">
+                        <a:effectLst/>
+                        <a:latin typeface="Aptos" panose="020B0004020202020204" pitchFamily="34" charset="0"/>
+                        <a:ea typeface="Aptos" panose="020B0004020202020204" pitchFamily="34" charset="0"/>
+                        <a:cs typeface="Arial" panose="020B0604020202020204" pitchFamily="34" charset="0"/>
+                      </a:endParaRPr>
+                    </a:p>
+                  </a:txBody>
+                  <a:tcPr marL="68580" marR="68580" marT="0" marB="0"/>
+                </a:tc>
+                <a:tc>
+                  <a:txBody>
+                    <a:bodyPr/>
+                    <a:lstStyle/>
+                    <a:p>
+                      <a:pPr>
+                        <a:lnSpc>
+                          <a:spcPct val="115000"/>
+                        </a:lnSpc>
+                        <a:spcAft>
+                          <a:spcPts val="800"/>
+                        </a:spcAft>
+                        <a:buNone/>
+                      </a:pPr>
+                      <a:r>
+                        <a:rPr lang="en-IL" sz="1200" kern="100">
+                          <a:effectLst/>
+                        </a:rPr>
+                        <a:t>        {23'b0, addr}</a:t>
+                      </a:r>
+                      <a:endParaRPr lang="en-IL" sz="1200" kern="100">
+                        <a:effectLst/>
+                        <a:latin typeface="Aptos" panose="020B0004020202020204" pitchFamily="34" charset="0"/>
+                        <a:ea typeface="Aptos" panose="020B0004020202020204" pitchFamily="34" charset="0"/>
+                        <a:cs typeface="Arial" panose="020B0604020202020204" pitchFamily="34" charset="0"/>
+                      </a:endParaRPr>
+                    </a:p>
+                  </a:txBody>
+                  <a:tcPr marL="68580" marR="68580" marT="0" marB="0"/>
+                </a:tc>
+                <a:tc>
+                  <a:txBody>
+                    <a:bodyPr/>
+                    <a:lstStyle/>
+                    <a:p>
+                      <a:pPr>
+                        <a:lnSpc>
+                          <a:spcPct val="115000"/>
+                        </a:lnSpc>
+                        <a:spcAft>
+                          <a:spcPts val="800"/>
+                        </a:spcAft>
+                        <a:buNone/>
+                      </a:pPr>
+                      <a:r>
+                        <a:rPr lang="en-IL" sz="1200" kern="100">
+                          <a:effectLst/>
+                        </a:rPr>
+                        <a:t>Memory address (padded to 32 bits)</a:t>
+                      </a:r>
+                      <a:endParaRPr lang="en-IL" sz="1200" kern="100">
+                        <a:effectLst/>
+                        <a:latin typeface="Aptos" panose="020B0004020202020204" pitchFamily="34" charset="0"/>
+                        <a:ea typeface="Aptos" panose="020B0004020202020204" pitchFamily="34" charset="0"/>
+                        <a:cs typeface="Arial" panose="020B0604020202020204" pitchFamily="34" charset="0"/>
+                      </a:endParaRPr>
+                    </a:p>
+                  </a:txBody>
+                  <a:tcPr marL="68580" marR="68580" marT="0" marB="0"/>
+                </a:tc>
+                <a:extLst>
+                  <a:ext uri="{0D108BD9-81ED-4DB2-BD59-A6C34878D82A}">
+                    <a16:rowId xmlns:a16="http://schemas.microsoft.com/office/drawing/2014/main" val="253475164"/>
+                  </a:ext>
+                </a:extLst>
+              </a:tr>
+              <a:tr h="318325">
+                <a:tc>
+                  <a:txBody>
+                    <a:bodyPr/>
+                    <a:lstStyle/>
+                    <a:p>
+                      <a:pPr>
+                        <a:lnSpc>
+                          <a:spcPct val="115000"/>
+                        </a:lnSpc>
+                        <a:spcAft>
+                          <a:spcPts val="800"/>
+                        </a:spcAft>
+                        <a:buNone/>
+                      </a:pPr>
+                      <a:r>
+                        <a:rPr lang="en-IL" sz="1200" kern="100">
+                          <a:effectLst/>
+                        </a:rPr>
+                        <a:t>21</a:t>
+                      </a:r>
+                      <a:endParaRPr lang="en-IL" sz="1200" kern="100">
+                        <a:effectLst/>
+                        <a:latin typeface="Aptos" panose="020B0004020202020204" pitchFamily="34" charset="0"/>
+                        <a:ea typeface="Aptos" panose="020B0004020202020204" pitchFamily="34" charset="0"/>
+                        <a:cs typeface="Arial" panose="020B0604020202020204" pitchFamily="34" charset="0"/>
+                      </a:endParaRPr>
+                    </a:p>
+                  </a:txBody>
+                  <a:tcPr marL="68580" marR="68580" marT="0" marB="0"/>
+                </a:tc>
+                <a:tc>
+                  <a:txBody>
+                    <a:bodyPr/>
+                    <a:lstStyle/>
+                    <a:p>
+                      <a:pPr>
+                        <a:lnSpc>
+                          <a:spcPct val="115000"/>
+                        </a:lnSpc>
+                        <a:spcAft>
+                          <a:spcPts val="800"/>
+                        </a:spcAft>
+                        <a:buNone/>
+                      </a:pPr>
+                      <a:r>
+                        <a:rPr lang="en-IL" sz="1200" kern="100">
+                          <a:effectLst/>
+                        </a:rPr>
+                        <a:t>        wr_data</a:t>
+                      </a:r>
+                      <a:endParaRPr lang="en-IL" sz="1200" kern="100">
+                        <a:effectLst/>
+                        <a:latin typeface="Aptos" panose="020B0004020202020204" pitchFamily="34" charset="0"/>
+                        <a:ea typeface="Aptos" panose="020B0004020202020204" pitchFamily="34" charset="0"/>
+                        <a:cs typeface="Arial" panose="020B0604020202020204" pitchFamily="34" charset="0"/>
+                      </a:endParaRPr>
+                    </a:p>
+                  </a:txBody>
+                  <a:tcPr marL="68580" marR="68580" marT="0" marB="0"/>
+                </a:tc>
+                <a:tc>
+                  <a:txBody>
+                    <a:bodyPr/>
+                    <a:lstStyle/>
+                    <a:p>
+                      <a:pPr>
+                        <a:lnSpc>
+                          <a:spcPct val="115000"/>
+                        </a:lnSpc>
+                        <a:spcAft>
+                          <a:spcPts val="800"/>
+                        </a:spcAft>
+                        <a:buNone/>
+                      </a:pPr>
+                      <a:r>
+                        <a:rPr lang="en-IL" sz="1200" kern="100">
+                          <a:effectLst/>
+                        </a:rPr>
+                        <a:t>Data written to memory</a:t>
+                      </a:r>
+                      <a:endParaRPr lang="en-IL" sz="1200" kern="100">
+                        <a:effectLst/>
+                        <a:latin typeface="Aptos" panose="020B0004020202020204" pitchFamily="34" charset="0"/>
+                        <a:ea typeface="Aptos" panose="020B0004020202020204" pitchFamily="34" charset="0"/>
+                        <a:cs typeface="Arial" panose="020B0604020202020204" pitchFamily="34" charset="0"/>
+                      </a:endParaRPr>
+                    </a:p>
+                  </a:txBody>
+                  <a:tcPr marL="68580" marR="68580" marT="0" marB="0"/>
+                </a:tc>
+                <a:extLst>
+                  <a:ext uri="{0D108BD9-81ED-4DB2-BD59-A6C34878D82A}">
+                    <a16:rowId xmlns:a16="http://schemas.microsoft.com/office/drawing/2014/main" val="3850429458"/>
+                  </a:ext>
+                </a:extLst>
+              </a:tr>
+              <a:tr h="318325">
+                <a:tc>
+                  <a:txBody>
+                    <a:bodyPr/>
+                    <a:lstStyle/>
+                    <a:p>
+                      <a:pPr>
+                        <a:lnSpc>
+                          <a:spcPct val="115000"/>
+                        </a:lnSpc>
+                        <a:spcAft>
+                          <a:spcPts val="800"/>
+                        </a:spcAft>
+                        <a:buNone/>
+                      </a:pPr>
+                      <a:r>
+                        <a:rPr lang="en-IL" sz="1200" kern="100">
+                          <a:effectLst/>
+                        </a:rPr>
+                        <a:t>22</a:t>
+                      </a:r>
+                      <a:endParaRPr lang="en-IL" sz="1200" kern="100">
+                        <a:effectLst/>
+                        <a:latin typeface="Aptos" panose="020B0004020202020204" pitchFamily="34" charset="0"/>
+                        <a:ea typeface="Aptos" panose="020B0004020202020204" pitchFamily="34" charset="0"/>
+                        <a:cs typeface="Arial" panose="020B0604020202020204" pitchFamily="34" charset="0"/>
+                      </a:endParaRPr>
+                    </a:p>
+                  </a:txBody>
+                  <a:tcPr marL="68580" marR="68580" marT="0" marB="0"/>
+                </a:tc>
+                <a:tc>
+                  <a:txBody>
+                    <a:bodyPr/>
+                    <a:lstStyle/>
+                    <a:p>
+                      <a:pPr>
+                        <a:lnSpc>
+                          <a:spcPct val="115000"/>
+                        </a:lnSpc>
+                        <a:spcAft>
+                          <a:spcPts val="800"/>
+                        </a:spcAft>
+                        <a:buNone/>
+                      </a:pPr>
+                      <a:r>
+                        <a:rPr lang="en-IL" sz="1200" kern="100">
+                          <a:effectLst/>
+                        </a:rPr>
+                        <a:t>        rd_data</a:t>
+                      </a:r>
+                      <a:endParaRPr lang="en-IL" sz="1200" kern="100">
+                        <a:effectLst/>
+                        <a:latin typeface="Aptos" panose="020B0004020202020204" pitchFamily="34" charset="0"/>
+                        <a:ea typeface="Aptos" panose="020B0004020202020204" pitchFamily="34" charset="0"/>
+                        <a:cs typeface="Arial" panose="020B0604020202020204" pitchFamily="34" charset="0"/>
+                      </a:endParaRPr>
+                    </a:p>
+                  </a:txBody>
+                  <a:tcPr marL="68580" marR="68580" marT="0" marB="0"/>
+                </a:tc>
+                <a:tc>
+                  <a:txBody>
+                    <a:bodyPr/>
+                    <a:lstStyle/>
+                    <a:p>
+                      <a:pPr>
+                        <a:lnSpc>
+                          <a:spcPct val="115000"/>
+                        </a:lnSpc>
+                        <a:spcAft>
+                          <a:spcPts val="800"/>
+                        </a:spcAft>
+                        <a:buNone/>
+                      </a:pPr>
+                      <a:r>
+                        <a:rPr lang="en-IL" sz="1200" kern="100">
+                          <a:effectLst/>
+                        </a:rPr>
+                        <a:t>Data read from memory</a:t>
+                      </a:r>
+                      <a:endParaRPr lang="en-IL" sz="1200" kern="100">
+                        <a:effectLst/>
+                        <a:latin typeface="Aptos" panose="020B0004020202020204" pitchFamily="34" charset="0"/>
+                        <a:ea typeface="Aptos" panose="020B0004020202020204" pitchFamily="34" charset="0"/>
+                        <a:cs typeface="Arial" panose="020B0604020202020204" pitchFamily="34" charset="0"/>
+                      </a:endParaRPr>
+                    </a:p>
+                  </a:txBody>
+                  <a:tcPr marL="68580" marR="68580" marT="0" marB="0"/>
+                </a:tc>
+                <a:extLst>
+                  <a:ext uri="{0D108BD9-81ED-4DB2-BD59-A6C34878D82A}">
+                    <a16:rowId xmlns:a16="http://schemas.microsoft.com/office/drawing/2014/main" val="1536025911"/>
+                  </a:ext>
+                </a:extLst>
+              </a:tr>
+              <a:tr h="653233">
+                <a:tc>
+                  <a:txBody>
+                    <a:bodyPr/>
+                    <a:lstStyle/>
+                    <a:p>
+                      <a:pPr>
+                        <a:lnSpc>
+                          <a:spcPct val="115000"/>
+                        </a:lnSpc>
+                        <a:spcAft>
+                          <a:spcPts val="800"/>
+                        </a:spcAft>
+                        <a:buNone/>
+                      </a:pPr>
+                      <a:r>
+                        <a:rPr lang="en-IL" sz="1200" kern="100">
+                          <a:effectLst/>
+                        </a:rPr>
+                        <a:t>23</a:t>
+                      </a:r>
+                      <a:endParaRPr lang="en-IL" sz="1200" kern="100">
+                        <a:effectLst/>
+                        <a:latin typeface="Aptos" panose="020B0004020202020204" pitchFamily="34" charset="0"/>
+                        <a:ea typeface="Aptos" panose="020B0004020202020204" pitchFamily="34" charset="0"/>
+                        <a:cs typeface="Arial" panose="020B0604020202020204" pitchFamily="34" charset="0"/>
+                      </a:endParaRPr>
+                    </a:p>
+                  </a:txBody>
+                  <a:tcPr marL="68580" marR="68580" marT="0" marB="0"/>
+                </a:tc>
+                <a:tc>
+                  <a:txBody>
+                    <a:bodyPr/>
+                    <a:lstStyle/>
+                    <a:p>
+                      <a:pPr>
+                        <a:lnSpc>
+                          <a:spcPct val="115000"/>
+                        </a:lnSpc>
+                        <a:spcAft>
+                          <a:spcPts val="800"/>
+                        </a:spcAft>
+                        <a:buNone/>
+                      </a:pPr>
+                      <a:r>
+                        <a:rPr lang="en-IL" sz="1200" kern="100">
+                          <a:effectLst/>
+                        </a:rPr>
+                        <a:t>        {31'b0, wr}</a:t>
+                      </a:r>
+                      <a:endParaRPr lang="en-IL" sz="1200" kern="100">
+                        <a:effectLst/>
+                        <a:latin typeface="Aptos" panose="020B0004020202020204" pitchFamily="34" charset="0"/>
+                        <a:ea typeface="Aptos" panose="020B0004020202020204" pitchFamily="34" charset="0"/>
+                        <a:cs typeface="Arial" panose="020B0604020202020204" pitchFamily="34" charset="0"/>
+                      </a:endParaRPr>
+                    </a:p>
+                  </a:txBody>
+                  <a:tcPr marL="68580" marR="68580" marT="0" marB="0"/>
+                </a:tc>
+                <a:tc>
+                  <a:txBody>
+                    <a:bodyPr/>
+                    <a:lstStyle/>
+                    <a:p>
+                      <a:pPr>
+                        <a:lnSpc>
+                          <a:spcPct val="115000"/>
+                        </a:lnSpc>
+                        <a:spcAft>
+                          <a:spcPts val="800"/>
+                        </a:spcAft>
+                        <a:buNone/>
+                      </a:pPr>
+                      <a:r>
+                        <a:rPr lang="en-IL" sz="1200" kern="100">
+                          <a:effectLst/>
+                        </a:rPr>
+                        <a:t>Register written to number (padded to 32 bits)</a:t>
+                      </a:r>
+                      <a:endParaRPr lang="en-IL" sz="1200" kern="100">
+                        <a:effectLst/>
+                        <a:latin typeface="Aptos" panose="020B0004020202020204" pitchFamily="34" charset="0"/>
+                        <a:ea typeface="Aptos" panose="020B0004020202020204" pitchFamily="34" charset="0"/>
+                        <a:cs typeface="Arial" panose="020B0604020202020204" pitchFamily="34" charset="0"/>
+                      </a:endParaRPr>
+                    </a:p>
+                  </a:txBody>
+                  <a:tcPr marL="68580" marR="68580" marT="0" marB="0"/>
+                </a:tc>
+                <a:extLst>
+                  <a:ext uri="{0D108BD9-81ED-4DB2-BD59-A6C34878D82A}">
+                    <a16:rowId xmlns:a16="http://schemas.microsoft.com/office/drawing/2014/main" val="2287667421"/>
+                  </a:ext>
+                </a:extLst>
+              </a:tr>
+              <a:tr h="653233">
+                <a:tc>
+                  <a:txBody>
+                    <a:bodyPr/>
+                    <a:lstStyle/>
+                    <a:p>
+                      <a:pPr>
+                        <a:lnSpc>
+                          <a:spcPct val="115000"/>
+                        </a:lnSpc>
+                        <a:spcAft>
+                          <a:spcPts val="800"/>
+                        </a:spcAft>
+                        <a:buNone/>
+                      </a:pPr>
+                      <a:r>
+                        <a:rPr lang="en-IL" sz="1200" kern="100">
+                          <a:effectLst/>
+                        </a:rPr>
+                        <a:t>24</a:t>
+                      </a:r>
+                      <a:endParaRPr lang="en-IL" sz="1200" kern="100">
+                        <a:effectLst/>
+                        <a:latin typeface="Aptos" panose="020B0004020202020204" pitchFamily="34" charset="0"/>
+                        <a:ea typeface="Aptos" panose="020B0004020202020204" pitchFamily="34" charset="0"/>
+                        <a:cs typeface="Arial" panose="020B0604020202020204" pitchFamily="34" charset="0"/>
+                      </a:endParaRPr>
+                    </a:p>
+                  </a:txBody>
+                  <a:tcPr marL="68580" marR="68580" marT="0" marB="0"/>
+                </a:tc>
+                <a:tc>
+                  <a:txBody>
+                    <a:bodyPr/>
+                    <a:lstStyle/>
+                    <a:p>
+                      <a:pPr>
+                        <a:lnSpc>
+                          <a:spcPct val="115000"/>
+                        </a:lnSpc>
+                        <a:spcAft>
+                          <a:spcPts val="800"/>
+                        </a:spcAft>
+                        <a:buNone/>
+                      </a:pPr>
+                      <a:r>
+                        <a:rPr lang="en-IL" sz="1200" kern="100">
+                          <a:effectLst/>
+                        </a:rPr>
+                        <a:t>        {31'b0, rd}</a:t>
+                      </a:r>
+                      <a:endParaRPr lang="en-IL" sz="1200" kern="100">
+                        <a:effectLst/>
+                        <a:latin typeface="Aptos" panose="020B0004020202020204" pitchFamily="34" charset="0"/>
+                        <a:ea typeface="Aptos" panose="020B0004020202020204" pitchFamily="34" charset="0"/>
+                        <a:cs typeface="Arial" panose="020B0604020202020204" pitchFamily="34" charset="0"/>
+                      </a:endParaRPr>
+                    </a:p>
+                  </a:txBody>
+                  <a:tcPr marL="68580" marR="68580" marT="0" marB="0"/>
+                </a:tc>
+                <a:tc>
+                  <a:txBody>
+                    <a:bodyPr/>
+                    <a:lstStyle/>
+                    <a:p>
+                      <a:pPr>
+                        <a:lnSpc>
+                          <a:spcPct val="115000"/>
+                        </a:lnSpc>
+                        <a:spcAft>
+                          <a:spcPts val="800"/>
+                        </a:spcAft>
+                        <a:buNone/>
+                      </a:pPr>
+                      <a:r>
+                        <a:rPr lang="en-IL" sz="1200" kern="100">
+                          <a:effectLst/>
+                        </a:rPr>
+                        <a:t>Register read from number (padded to 32 bits)</a:t>
+                      </a:r>
+                      <a:endParaRPr lang="en-IL" sz="1200" kern="100">
+                        <a:effectLst/>
+                        <a:latin typeface="Aptos" panose="020B0004020202020204" pitchFamily="34" charset="0"/>
+                        <a:ea typeface="Aptos" panose="020B0004020202020204" pitchFamily="34" charset="0"/>
+                        <a:cs typeface="Arial" panose="020B0604020202020204" pitchFamily="34" charset="0"/>
+                      </a:endParaRPr>
+                    </a:p>
+                  </a:txBody>
+                  <a:tcPr marL="68580" marR="68580" marT="0" marB="0"/>
+                </a:tc>
+                <a:extLst>
+                  <a:ext uri="{0D108BD9-81ED-4DB2-BD59-A6C34878D82A}">
+                    <a16:rowId xmlns:a16="http://schemas.microsoft.com/office/drawing/2014/main" val="2589831575"/>
+                  </a:ext>
+                </a:extLst>
+              </a:tr>
+              <a:tr h="318325">
+                <a:tc>
+                  <a:txBody>
+                    <a:bodyPr/>
+                    <a:lstStyle/>
+                    <a:p>
+                      <a:pPr>
+                        <a:lnSpc>
+                          <a:spcPct val="115000"/>
+                        </a:lnSpc>
+                        <a:spcAft>
+                          <a:spcPts val="800"/>
+                        </a:spcAft>
+                        <a:buNone/>
+                      </a:pPr>
+                      <a:r>
+                        <a:rPr lang="en-IL" sz="1200" kern="100">
+                          <a:effectLst/>
+                        </a:rPr>
+                        <a:t>25</a:t>
+                      </a:r>
+                      <a:endParaRPr lang="en-IL" sz="1200" kern="100">
+                        <a:effectLst/>
+                        <a:latin typeface="Aptos" panose="020B0004020202020204" pitchFamily="34" charset="0"/>
+                        <a:ea typeface="Aptos" panose="020B0004020202020204" pitchFamily="34" charset="0"/>
+                        <a:cs typeface="Arial" panose="020B0604020202020204" pitchFamily="34" charset="0"/>
+                      </a:endParaRPr>
+                    </a:p>
+                  </a:txBody>
+                  <a:tcPr marL="68580" marR="68580" marT="0" marB="0"/>
+                </a:tc>
+                <a:tc>
+                  <a:txBody>
+                    <a:bodyPr/>
+                    <a:lstStyle/>
+                    <a:p>
+                      <a:pPr>
+                        <a:lnSpc>
+                          <a:spcPct val="115000"/>
+                        </a:lnSpc>
+                        <a:spcAft>
+                          <a:spcPts val="800"/>
+                        </a:spcAft>
+                        <a:buNone/>
+                      </a:pPr>
+                      <a:r>
+                        <a:rPr lang="en-IL" sz="1200" kern="100">
+                          <a:effectLst/>
+                        </a:rPr>
+                        <a:t>        {27'b0, reg_num}</a:t>
+                      </a:r>
+                      <a:endParaRPr lang="en-IL" sz="1200" kern="100">
+                        <a:effectLst/>
+                        <a:latin typeface="Aptos" panose="020B0004020202020204" pitchFamily="34" charset="0"/>
+                        <a:ea typeface="Aptos" panose="020B0004020202020204" pitchFamily="34" charset="0"/>
+                        <a:cs typeface="Arial" panose="020B0604020202020204" pitchFamily="34" charset="0"/>
+                      </a:endParaRPr>
+                    </a:p>
+                  </a:txBody>
+                  <a:tcPr marL="68580" marR="68580" marT="0" marB="0"/>
+                </a:tc>
+                <a:tc>
+                  <a:txBody>
+                    <a:bodyPr/>
+                    <a:lstStyle/>
+                    <a:p>
+                      <a:pPr>
+                        <a:lnSpc>
+                          <a:spcPct val="115000"/>
+                        </a:lnSpc>
+                        <a:spcAft>
+                          <a:spcPts val="800"/>
+                        </a:spcAft>
+                        <a:buNone/>
+                      </a:pPr>
+                      <a:r>
+                        <a:rPr lang="en-IL" sz="1200" kern="100">
+                          <a:effectLst/>
+                        </a:rPr>
+                        <a:t>Register number (padded to 32 bits)</a:t>
+                      </a:r>
+                      <a:endParaRPr lang="en-IL" sz="1200" kern="100">
+                        <a:effectLst/>
+                        <a:latin typeface="Aptos" panose="020B0004020202020204" pitchFamily="34" charset="0"/>
+                        <a:ea typeface="Aptos" panose="020B0004020202020204" pitchFamily="34" charset="0"/>
+                        <a:cs typeface="Arial" panose="020B0604020202020204" pitchFamily="34" charset="0"/>
+                      </a:endParaRPr>
+                    </a:p>
+                  </a:txBody>
+                  <a:tcPr marL="68580" marR="68580" marT="0" marB="0"/>
+                </a:tc>
+                <a:extLst>
+                  <a:ext uri="{0D108BD9-81ED-4DB2-BD59-A6C34878D82A}">
+                    <a16:rowId xmlns:a16="http://schemas.microsoft.com/office/drawing/2014/main" val="1035189743"/>
+                  </a:ext>
+                </a:extLst>
+              </a:tr>
+              <a:tr h="318325">
+                <a:tc>
+                  <a:txBody>
+                    <a:bodyPr/>
+                    <a:lstStyle/>
+                    <a:p>
+                      <a:pPr>
+                        <a:lnSpc>
+                          <a:spcPct val="115000"/>
+                        </a:lnSpc>
+                        <a:spcAft>
+                          <a:spcPts val="800"/>
+                        </a:spcAft>
+                        <a:buNone/>
+                      </a:pPr>
+                      <a:r>
+                        <a:rPr lang="en-IL" sz="1200" kern="100">
+                          <a:effectLst/>
+                        </a:rPr>
+                        <a:t>26</a:t>
+                      </a:r>
+                      <a:endParaRPr lang="en-IL" sz="1200" kern="100">
+                        <a:effectLst/>
+                        <a:latin typeface="Aptos" panose="020B0004020202020204" pitchFamily="34" charset="0"/>
+                        <a:ea typeface="Aptos" panose="020B0004020202020204" pitchFamily="34" charset="0"/>
+                        <a:cs typeface="Arial" panose="020B0604020202020204" pitchFamily="34" charset="0"/>
+                      </a:endParaRPr>
+                    </a:p>
+                  </a:txBody>
+                  <a:tcPr marL="68580" marR="68580" marT="0" marB="0"/>
+                </a:tc>
+                <a:tc>
+                  <a:txBody>
+                    <a:bodyPr/>
+                    <a:lstStyle/>
+                    <a:p>
+                      <a:pPr>
+                        <a:lnSpc>
+                          <a:spcPct val="115000"/>
+                        </a:lnSpc>
+                        <a:spcAft>
+                          <a:spcPts val="800"/>
+                        </a:spcAft>
+                        <a:buNone/>
+                      </a:pPr>
+                      <a:r>
+                        <a:rPr lang="en-IL" sz="1200" kern="100">
+                          <a:effectLst/>
+                        </a:rPr>
+                        <a:t>        reg_data</a:t>
+                      </a:r>
+                      <a:endParaRPr lang="en-IL" sz="1200" kern="100">
+                        <a:effectLst/>
+                        <a:latin typeface="Aptos" panose="020B0004020202020204" pitchFamily="34" charset="0"/>
+                        <a:ea typeface="Aptos" panose="020B0004020202020204" pitchFamily="34" charset="0"/>
+                        <a:cs typeface="Arial" panose="020B0604020202020204" pitchFamily="34" charset="0"/>
+                      </a:endParaRPr>
+                    </a:p>
+                  </a:txBody>
+                  <a:tcPr marL="68580" marR="68580" marT="0" marB="0"/>
+                </a:tc>
+                <a:tc>
+                  <a:txBody>
+                    <a:bodyPr/>
+                    <a:lstStyle/>
+                    <a:p>
+                      <a:pPr>
+                        <a:lnSpc>
+                          <a:spcPct val="115000"/>
+                        </a:lnSpc>
+                        <a:spcAft>
+                          <a:spcPts val="800"/>
+                        </a:spcAft>
+                        <a:buNone/>
+                      </a:pPr>
+                      <a:r>
+                        <a:rPr lang="en-IL" sz="1200" kern="100">
+                          <a:effectLst/>
+                        </a:rPr>
+                        <a:t>Data read from register</a:t>
+                      </a:r>
+                      <a:endParaRPr lang="en-IL" sz="1200" kern="100">
+                        <a:effectLst/>
+                        <a:latin typeface="Aptos" panose="020B0004020202020204" pitchFamily="34" charset="0"/>
+                        <a:ea typeface="Aptos" panose="020B0004020202020204" pitchFamily="34" charset="0"/>
+                        <a:cs typeface="Arial" panose="020B0604020202020204" pitchFamily="34" charset="0"/>
+                      </a:endParaRPr>
+                    </a:p>
+                  </a:txBody>
+                  <a:tcPr marL="68580" marR="68580" marT="0" marB="0"/>
+                </a:tc>
+                <a:extLst>
+                  <a:ext uri="{0D108BD9-81ED-4DB2-BD59-A6C34878D82A}">
+                    <a16:rowId xmlns:a16="http://schemas.microsoft.com/office/drawing/2014/main" val="3211054036"/>
+                  </a:ext>
+                </a:extLst>
+              </a:tr>
+              <a:tr h="653233">
+                <a:tc>
+                  <a:txBody>
+                    <a:bodyPr/>
+                    <a:lstStyle/>
+                    <a:p>
+                      <a:pPr>
+                        <a:lnSpc>
+                          <a:spcPct val="115000"/>
+                        </a:lnSpc>
+                        <a:spcAft>
+                          <a:spcPts val="800"/>
+                        </a:spcAft>
+                        <a:buNone/>
+                      </a:pPr>
+                      <a:r>
+                        <a:rPr lang="en-IL" sz="1200" kern="100">
+                          <a:effectLst/>
+                        </a:rPr>
+                        <a:t>27</a:t>
+                      </a:r>
+                      <a:endParaRPr lang="en-IL" sz="1200" kern="100">
+                        <a:effectLst/>
+                        <a:latin typeface="Aptos" panose="020B0004020202020204" pitchFamily="34" charset="0"/>
+                        <a:ea typeface="Aptos" panose="020B0004020202020204" pitchFamily="34" charset="0"/>
+                        <a:cs typeface="Arial" panose="020B0604020202020204" pitchFamily="34" charset="0"/>
+                      </a:endParaRPr>
+                    </a:p>
+                  </a:txBody>
+                  <a:tcPr marL="68580" marR="68580" marT="0" marB="0"/>
+                </a:tc>
+                <a:tc>
+                  <a:txBody>
+                    <a:bodyPr/>
+                    <a:lstStyle/>
+                    <a:p>
+                      <a:pPr>
+                        <a:lnSpc>
+                          <a:spcPct val="115000"/>
+                        </a:lnSpc>
+                        <a:spcAft>
+                          <a:spcPts val="800"/>
+                        </a:spcAft>
+                        <a:buNone/>
+                      </a:pPr>
+                      <a:r>
+                        <a:rPr lang="en-IL" sz="1200" kern="100">
+                          <a:effectLst/>
+                        </a:rPr>
+                        <a:t>        {31'b0, reg_write_sig}</a:t>
+                      </a:r>
+                      <a:endParaRPr lang="en-IL" sz="1200" kern="100">
+                        <a:effectLst/>
+                        <a:latin typeface="Aptos" panose="020B0004020202020204" pitchFamily="34" charset="0"/>
+                        <a:ea typeface="Aptos" panose="020B0004020202020204" pitchFamily="34" charset="0"/>
+                        <a:cs typeface="Arial" panose="020B0604020202020204" pitchFamily="34" charset="0"/>
+                      </a:endParaRPr>
+                    </a:p>
+                  </a:txBody>
+                  <a:tcPr marL="68580" marR="68580" marT="0" marB="0"/>
+                </a:tc>
+                <a:tc>
+                  <a:txBody>
+                    <a:bodyPr/>
+                    <a:lstStyle/>
+                    <a:p>
+                      <a:pPr>
+                        <a:lnSpc>
+                          <a:spcPct val="115000"/>
+                        </a:lnSpc>
+                        <a:spcAft>
+                          <a:spcPts val="800"/>
+                        </a:spcAft>
+                        <a:buNone/>
+                      </a:pPr>
+                      <a:r>
+                        <a:rPr lang="en-IL" sz="1200" kern="100">
+                          <a:effectLst/>
+                        </a:rPr>
+                        <a:t>Register writes enable signal (padded to 32 bits)</a:t>
+                      </a:r>
+                      <a:endParaRPr lang="en-IL" sz="1200" kern="100">
+                        <a:effectLst/>
+                        <a:latin typeface="Aptos" panose="020B0004020202020204" pitchFamily="34" charset="0"/>
+                        <a:ea typeface="Aptos" panose="020B0004020202020204" pitchFamily="34" charset="0"/>
+                        <a:cs typeface="Arial" panose="020B0604020202020204" pitchFamily="34" charset="0"/>
+                      </a:endParaRPr>
+                    </a:p>
+                  </a:txBody>
+                  <a:tcPr marL="68580" marR="68580" marT="0" marB="0"/>
+                </a:tc>
+                <a:extLst>
+                  <a:ext uri="{0D108BD9-81ED-4DB2-BD59-A6C34878D82A}">
+                    <a16:rowId xmlns:a16="http://schemas.microsoft.com/office/drawing/2014/main" val="2189144247"/>
+                  </a:ext>
+                </a:extLst>
+              </a:tr>
+              <a:tr h="318325">
+                <a:tc>
+                  <a:txBody>
+                    <a:bodyPr/>
+                    <a:lstStyle/>
+                    <a:p>
+                      <a:pPr>
+                        <a:lnSpc>
+                          <a:spcPct val="115000"/>
+                        </a:lnSpc>
+                        <a:spcAft>
+                          <a:spcPts val="800"/>
+                        </a:spcAft>
+                        <a:buNone/>
+                      </a:pPr>
+                      <a:r>
+                        <a:rPr lang="en-IL" sz="1200" kern="100">
+                          <a:effectLst/>
+                        </a:rPr>
+                        <a:t>28</a:t>
+                      </a:r>
+                      <a:endParaRPr lang="en-IL" sz="1200" kern="100">
+                        <a:effectLst/>
+                        <a:latin typeface="Aptos" panose="020B0004020202020204" pitchFamily="34" charset="0"/>
+                        <a:ea typeface="Aptos" panose="020B0004020202020204" pitchFamily="34" charset="0"/>
+                        <a:cs typeface="Arial" panose="020B0604020202020204" pitchFamily="34" charset="0"/>
+                      </a:endParaRPr>
+                    </a:p>
+                  </a:txBody>
+                  <a:tcPr marL="68580" marR="68580" marT="0" marB="0"/>
+                </a:tc>
+                <a:tc>
+                  <a:txBody>
+                    <a:bodyPr/>
+                    <a:lstStyle/>
+                    <a:p>
+                      <a:pPr>
+                        <a:lnSpc>
+                          <a:spcPct val="115000"/>
+                        </a:lnSpc>
+                        <a:spcAft>
+                          <a:spcPts val="800"/>
+                        </a:spcAft>
+                        <a:buNone/>
+                      </a:pPr>
+                      <a:r>
+                        <a:rPr lang="en-IL" sz="1200" kern="100" dirty="0">
+                          <a:effectLst/>
+                        </a:rPr>
+                        <a:t>        </a:t>
+                      </a:r>
+                      <a:r>
+                        <a:rPr lang="en-IL" sz="1200" kern="100" dirty="0" err="1">
+                          <a:effectLst/>
+                        </a:rPr>
+                        <a:t>WB_Data</a:t>
+                      </a:r>
+                      <a:endParaRPr lang="en-IL" sz="1200" kern="100" dirty="0">
+                        <a:effectLst/>
+                        <a:latin typeface="Aptos" panose="020B0004020202020204" pitchFamily="34" charset="0"/>
+                        <a:ea typeface="Aptos" panose="020B0004020202020204" pitchFamily="34" charset="0"/>
+                        <a:cs typeface="Arial" panose="020B0604020202020204" pitchFamily="34" charset="0"/>
+                      </a:endParaRPr>
+                    </a:p>
+                  </a:txBody>
+                  <a:tcPr marL="68580" marR="68580" marT="0" marB="0"/>
+                </a:tc>
+                <a:tc>
+                  <a:txBody>
+                    <a:bodyPr/>
+                    <a:lstStyle/>
+                    <a:p>
+                      <a:pPr>
+                        <a:lnSpc>
+                          <a:spcPct val="115000"/>
+                        </a:lnSpc>
+                        <a:spcAft>
+                          <a:spcPts val="800"/>
+                        </a:spcAft>
+                        <a:buNone/>
+                      </a:pPr>
+                      <a:r>
+                        <a:rPr lang="en-IL" sz="1200" kern="100" dirty="0">
+                          <a:effectLst/>
+                        </a:rPr>
+                        <a:t>Write-back data</a:t>
+                      </a:r>
+                      <a:endParaRPr lang="en-IL" sz="1200" kern="100" dirty="0">
+                        <a:effectLst/>
+                        <a:latin typeface="Aptos" panose="020B0004020202020204" pitchFamily="34" charset="0"/>
+                        <a:ea typeface="Aptos" panose="020B0004020202020204" pitchFamily="34" charset="0"/>
+                        <a:cs typeface="Arial" panose="020B0604020202020204" pitchFamily="34" charset="0"/>
+                      </a:endParaRPr>
+                    </a:p>
+                  </a:txBody>
+                  <a:tcPr marL="68580" marR="68580" marT="0" marB="0"/>
+                </a:tc>
+                <a:extLst>
+                  <a:ext uri="{0D108BD9-81ED-4DB2-BD59-A6C34878D82A}">
+                    <a16:rowId xmlns:a16="http://schemas.microsoft.com/office/drawing/2014/main" val="3697683012"/>
+                  </a:ext>
+                </a:extLst>
+              </a:tr>
+            </a:tbl>
+          </a:graphicData>
+        </a:graphic>
+      </p:graphicFrame>
+    </p:spTree>
+    <p:extLst>
+      <p:ext uri="{BB962C8B-B14F-4D97-AF65-F5344CB8AC3E}">
+        <p14:creationId xmlns:p14="http://schemas.microsoft.com/office/powerpoint/2010/main" val="926961068"/>
+      </p:ext>
+    </p:extLst>
+  </p:cSld>
+  <p:clrMapOvr>
+    <a:masterClrMapping/>
+  </p:clrMapOvr>
+</p:sld>
+</file>
+
+<file path=ppt/slides/slide12.xml><?xml version="1.0" encoding="utf-8"?>
+<p:sld xmlns:a="http://schemas.openxmlformats.org/drawingml/2006/main" xmlns:r="http://schemas.openxmlformats.org/officeDocument/2006/relationships" xmlns:p="http://schemas.openxmlformats.org/presentationml/2006/main">
+  <p:cSld>
+    <p:spTree>
+      <p:nvGrpSpPr>
+        <p:cNvPr id="1" name="">
+          <a:extLst>
+            <a:ext uri="{FF2B5EF4-FFF2-40B4-BE49-F238E27FC236}">
               <a16:creationId xmlns:a16="http://schemas.microsoft.com/office/drawing/2014/main" id="{8C85286A-8A90-83D4-4BB0-D4D5DBB9A24C}"/>
             </a:ext>
           </a:extLst>
@@ -7123,7 +10461,7 @@
 </p:sld>
 </file>
 
-<file path=ppt/slides/slide11.xml><?xml version="1.0" encoding="utf-8"?>
+<file path=ppt/slides/slide13.xml><?xml version="1.0" encoding="utf-8"?>
 <p:sld xmlns:a="http://schemas.openxmlformats.org/drawingml/2006/main" xmlns:r="http://schemas.openxmlformats.org/officeDocument/2006/relationships" xmlns:p="http://schemas.openxmlformats.org/presentationml/2006/main">
   <p:cSld>
     <p:spTree>
@@ -7283,7 +10621,7 @@
 </p:sld>
 </file>
 
-<file path=ppt/slides/slide12.xml><?xml version="1.0" encoding="utf-8"?>
+<file path=ppt/slides/slide14.xml><?xml version="1.0" encoding="utf-8"?>
 <p:sld xmlns:a="http://schemas.openxmlformats.org/drawingml/2006/main" xmlns:r="http://schemas.openxmlformats.org/officeDocument/2006/relationships" xmlns:p="http://schemas.openxmlformats.org/presentationml/2006/main">
   <p:cSld>
     <p:spTree>
@@ -9424,8 +12762,8 @@
         </p:nvSpPr>
         <p:spPr>
           <a:xfrm>
-            <a:off x="111206" y="1673352"/>
-            <a:ext cx="11026186" cy="4864608"/>
+            <a:off x="0" y="1195602"/>
+            <a:ext cx="12283440" cy="5662398"/>
           </a:xfrm>
         </p:spPr>
         <p:txBody>
@@ -9434,100 +12772,33 @@
           </a:bodyPr>
           <a:lstStyle/>
           <a:p>
-            <a:pPr rtl="0"/>
-            <a:r>
-              <a:rPr lang="ar-JO" sz="2400" dirty="0">
+            <a:r>
+              <a:rPr lang="en-US" sz="2400" dirty="0">
                 <a:effectLst/>
                 <a:latin typeface="Arial" panose="020B0604020202020204" pitchFamily="34" charset="0"/>
                 <a:ea typeface="Times New Roman" panose="02020603050405020304" pitchFamily="18" charset="0"/>
                 <a:cs typeface="Arial" panose="020B0604020202020204" pitchFamily="34" charset="0"/>
               </a:rPr>
-              <a:t>ح</a:t>
-            </a:r>
-            <a:r>
-              <a:rPr lang="ar-JO" sz="2400" dirty="0">
-                <a:latin typeface="Arial" panose="020B0604020202020204" pitchFamily="34" charset="0"/>
-                <a:ea typeface="Times New Roman" panose="02020603050405020304" pitchFamily="18" charset="0"/>
-                <a:cs typeface="Arial" panose="020B0604020202020204" pitchFamily="34" charset="0"/>
-              </a:rPr>
-              <a:t>ط جدول ال</a:t>
-            </a:r>
-            <a:r>
-              <a:rPr lang="he-IL" sz="2400" dirty="0">
-                <a:latin typeface="Arial" panose="020B0604020202020204" pitchFamily="34" charset="0"/>
-                <a:ea typeface="Times New Roman" panose="02020603050405020304" pitchFamily="18" charset="0"/>
-                <a:cs typeface="Arial" panose="020B0604020202020204" pitchFamily="34" charset="0"/>
-              </a:rPr>
-              <a:t>כניסות וחיבורים</a:t>
-            </a:r>
-            <a:endParaRPr lang="ar-JO" sz="2400" dirty="0">
-              <a:latin typeface="Arial" panose="020B0604020202020204" pitchFamily="34" charset="0"/>
-              <a:ea typeface="Times New Roman" panose="02020603050405020304" pitchFamily="18" charset="0"/>
-              <a:cs typeface="Arial" panose="020B0604020202020204" pitchFamily="34" charset="0"/>
-            </a:endParaRPr>
-          </a:p>
-          <a:p>
-            <a:pPr rtl="0"/>
-            <a:r>
-              <a:rPr lang="ar-JO" sz="2400" dirty="0">
-                <a:effectLst/>
-                <a:latin typeface="Arial" panose="020B0604020202020204" pitchFamily="34" charset="0"/>
-                <a:ea typeface="Times New Roman" panose="02020603050405020304" pitchFamily="18" charset="0"/>
-                <a:cs typeface="Arial" panose="020B0604020202020204" pitchFamily="34" charset="0"/>
-              </a:rPr>
-              <a:t>احكي عن </a:t>
-            </a:r>
-            <a:r>
-              <a:rPr lang="ar-JO" sz="2400" dirty="0" err="1">
-                <a:effectLst/>
-                <a:latin typeface="Arial" panose="020B0604020202020204" pitchFamily="34" charset="0"/>
-                <a:ea typeface="Times New Roman" panose="02020603050405020304" pitchFamily="18" charset="0"/>
-                <a:cs typeface="Arial" panose="020B0604020202020204" pitchFamily="34" charset="0"/>
-              </a:rPr>
-              <a:t>الموكس</a:t>
-            </a:r>
-            <a:endParaRPr lang="ar-JO" sz="2400" dirty="0">
-              <a:effectLst/>
-              <a:latin typeface="Arial" panose="020B0604020202020204" pitchFamily="34" charset="0"/>
-              <a:ea typeface="Times New Roman" panose="02020603050405020304" pitchFamily="18" charset="0"/>
-              <a:cs typeface="Arial" panose="020B0604020202020204" pitchFamily="34" charset="0"/>
-            </a:endParaRPr>
-          </a:p>
-          <a:p>
-            <a:pPr rtl="0"/>
-            <a:r>
-              <a:rPr lang="ar-JO" sz="2400" dirty="0" err="1">
-                <a:latin typeface="Arial" panose="020B0604020202020204" pitchFamily="34" charset="0"/>
-                <a:ea typeface="Times New Roman" panose="02020603050405020304" pitchFamily="18" charset="0"/>
-                <a:cs typeface="Arial" panose="020B0604020202020204" pitchFamily="34" charset="0"/>
-              </a:rPr>
-              <a:t>ليش</a:t>
-            </a:r>
-            <a:r>
-              <a:rPr lang="ar-JO" sz="2400" dirty="0">
-                <a:latin typeface="Arial" panose="020B0604020202020204" pitchFamily="34" charset="0"/>
-                <a:ea typeface="Times New Roman" panose="02020603050405020304" pitchFamily="18" charset="0"/>
-                <a:cs typeface="Arial" panose="020B0604020202020204" pitchFamily="34" charset="0"/>
-              </a:rPr>
-              <a:t> أصلا رجعنا </a:t>
-            </a:r>
-            <a:r>
-              <a:rPr lang="ar-JO" sz="2400" dirty="0" err="1">
-                <a:latin typeface="Arial" panose="020B0604020202020204" pitchFamily="34" charset="0"/>
-                <a:ea typeface="Times New Roman" panose="02020603050405020304" pitchFamily="18" charset="0"/>
-                <a:cs typeface="Arial" panose="020B0604020202020204" pitchFamily="34" charset="0"/>
-              </a:rPr>
-              <a:t>للموكس</a:t>
-            </a:r>
-            <a:endParaRPr lang="en-US" sz="2400" dirty="0">
-              <a:effectLst/>
-              <a:latin typeface="Arial" panose="020B0604020202020204" pitchFamily="34" charset="0"/>
-              <a:ea typeface="Times New Roman" panose="02020603050405020304" pitchFamily="18" charset="0"/>
-              <a:cs typeface="Arial" panose="020B0604020202020204" pitchFamily="34" charset="0"/>
-            </a:endParaRPr>
-          </a:p>
-          <a:p>
-            <a:pPr rtl="0"/>
+              <a:t>27 circuit points </a:t>
+            </a:r>
+            <a:r>
+              <a:rPr lang="en-US" dirty="0"/>
+              <a:t>across various pipeline stages and control/data paths were connected to a </a:t>
+            </a:r>
+            <a:r>
+              <a:rPr lang="en-US" b="1" dirty="0"/>
+              <a:t>32-input multiplexer system</a:t>
+            </a:r>
+            <a:r>
+              <a:rPr lang="en-US" dirty="0"/>
+              <a:t>.</a:t>
+            </a:r>
+          </a:p>
+          <a:p>
+            <a:r>
+              <a:rPr lang="en-US" dirty="0"/>
+              <a:t> This externally controlled MUX allowed users to select and observe specific signals dynamically, enabling real-time inspection of key Datapath and memory elements such as ALU results, fetched opcodes, register values, memory addresses, and read/write data.</a:t>
+            </a:r>
             <a:endParaRPr lang="en-US" sz="2400" dirty="0">
               <a:effectLst/>
               <a:latin typeface="Arial" panose="020B0604020202020204" pitchFamily="34" charset="0"/>

--- a/Presintaions and Reports/Final presntaion VLSI.pptx
+++ b/Presintaions and Reports/Final presntaion VLSI.pptx
@@ -4,6 +4,9 @@
   <p:sldMasterIdLst>
     <p:sldMasterId id="2147483648" r:id="rId1"/>
   </p:sldMasterIdLst>
+  <p:notesMasterIdLst>
+    <p:notesMasterId r:id="rId19"/>
+  </p:notesMasterIdLst>
   <p:sldIdLst>
     <p:sldId id="257" r:id="rId2"/>
     <p:sldId id="294" r:id="rId3"/>
@@ -15,10 +18,13 @@
     <p:sldId id="298" r:id="rId9"/>
     <p:sldId id="299" r:id="rId10"/>
     <p:sldId id="304" r:id="rId11"/>
-    <p:sldId id="305" r:id="rId12"/>
-    <p:sldId id="301" r:id="rId13"/>
-    <p:sldId id="302" r:id="rId14"/>
-    <p:sldId id="303" r:id="rId15"/>
+    <p:sldId id="301" r:id="rId12"/>
+    <p:sldId id="302" r:id="rId13"/>
+    <p:sldId id="303" r:id="rId14"/>
+    <p:sldId id="305" r:id="rId15"/>
+    <p:sldId id="306" r:id="rId16"/>
+    <p:sldId id="307" r:id="rId17"/>
+    <p:sldId id="308" r:id="rId18"/>
   </p:sldIdLst>
   <p:sldSz cx="12192000" cy="6858000"/>
   <p:notesSz cx="6858000" cy="9144000"/>
@@ -3302,6 +3308,440 @@
 </dgm:styleDef>
 </file>
 
+<file path=ppt/notesMasters/notesMaster1.xml><?xml version="1.0" encoding="utf-8"?>
+<p:notesMaster xmlns:a="http://schemas.openxmlformats.org/drawingml/2006/main" xmlns:r="http://schemas.openxmlformats.org/officeDocument/2006/relationships" xmlns:p="http://schemas.openxmlformats.org/presentationml/2006/main">
+  <p:cSld>
+    <p:bg>
+      <p:bgRef idx="1001">
+        <a:schemeClr val="bg1"/>
+      </p:bgRef>
+    </p:bg>
+    <p:spTree>
+      <p:nvGrpSpPr>
+        <p:cNvPr id="1" name=""/>
+        <p:cNvGrpSpPr/>
+        <p:nvPr/>
+      </p:nvGrpSpPr>
+      <p:grpSpPr>
+        <a:xfrm>
+          <a:off x="0" y="0"/>
+          <a:ext cx="0" cy="0"/>
+          <a:chOff x="0" y="0"/>
+          <a:chExt cx="0" cy="0"/>
+        </a:xfrm>
+      </p:grpSpPr>
+      <p:sp>
+        <p:nvSpPr>
+          <p:cNvPr id="2" name="Header Placeholder 1"/>
+          <p:cNvSpPr>
+            <a:spLocks noGrp="1"/>
+          </p:cNvSpPr>
+          <p:nvPr>
+            <p:ph type="hdr" sz="quarter"/>
+          </p:nvPr>
+        </p:nvSpPr>
+        <p:spPr>
+          <a:xfrm>
+            <a:off x="0" y="0"/>
+            <a:ext cx="2971800" cy="458788"/>
+          </a:xfrm>
+          <a:prstGeom prst="rect">
+            <a:avLst/>
+          </a:prstGeom>
+        </p:spPr>
+        <p:txBody>
+          <a:bodyPr vert="horz" lIns="91440" tIns="45720" rIns="91440" bIns="45720" rtlCol="0"/>
+          <a:lstStyle>
+            <a:lvl1pPr algn="l">
+              <a:defRPr sz="1200"/>
+            </a:lvl1pPr>
+          </a:lstStyle>
+          <a:p>
+            <a:endParaRPr lang="en-IL"/>
+          </a:p>
+        </p:txBody>
+      </p:sp>
+      <p:sp>
+        <p:nvSpPr>
+          <p:cNvPr id="3" name="Date Placeholder 2"/>
+          <p:cNvSpPr>
+            <a:spLocks noGrp="1"/>
+          </p:cNvSpPr>
+          <p:nvPr>
+            <p:ph type="dt" idx="1"/>
+          </p:nvPr>
+        </p:nvSpPr>
+        <p:spPr>
+          <a:xfrm>
+            <a:off x="3884613" y="0"/>
+            <a:ext cx="2971800" cy="458788"/>
+          </a:xfrm>
+          <a:prstGeom prst="rect">
+            <a:avLst/>
+          </a:prstGeom>
+        </p:spPr>
+        <p:txBody>
+          <a:bodyPr vert="horz" lIns="91440" tIns="45720" rIns="91440" bIns="45720" rtlCol="0"/>
+          <a:lstStyle>
+            <a:lvl1pPr algn="r">
+              <a:defRPr sz="1200"/>
+            </a:lvl1pPr>
+          </a:lstStyle>
+          <a:p>
+            <a:fld id="{00968C3E-619B-4AA5-B3D1-45D581164E23}" type="datetimeFigureOut">
+              <a:rPr lang="en-IL" smtClean="0"/>
+              <a:t>26/06/2025</a:t>
+            </a:fld>
+            <a:endParaRPr lang="en-IL"/>
+          </a:p>
+        </p:txBody>
+      </p:sp>
+      <p:sp>
+        <p:nvSpPr>
+          <p:cNvPr id="4" name="Slide Image Placeholder 3"/>
+          <p:cNvSpPr>
+            <a:spLocks noGrp="1" noRot="1" noChangeAspect="1"/>
+          </p:cNvSpPr>
+          <p:nvPr>
+            <p:ph type="sldImg" idx="2"/>
+          </p:nvPr>
+        </p:nvSpPr>
+        <p:spPr>
+          <a:xfrm>
+            <a:off x="685800" y="1143000"/>
+            <a:ext cx="5486400" cy="3086100"/>
+          </a:xfrm>
+          <a:prstGeom prst="rect">
+            <a:avLst/>
+          </a:prstGeom>
+          <a:noFill/>
+          <a:ln w="12700">
+            <a:solidFill>
+              <a:prstClr val="black"/>
+            </a:solidFill>
+          </a:ln>
+        </p:spPr>
+        <p:txBody>
+          <a:bodyPr vert="horz" lIns="91440" tIns="45720" rIns="91440" bIns="45720" rtlCol="0" anchor="ctr"/>
+          <a:lstStyle/>
+          <a:p>
+            <a:endParaRPr lang="en-IL"/>
+          </a:p>
+        </p:txBody>
+      </p:sp>
+      <p:sp>
+        <p:nvSpPr>
+          <p:cNvPr id="5" name="Notes Placeholder 4"/>
+          <p:cNvSpPr>
+            <a:spLocks noGrp="1"/>
+          </p:cNvSpPr>
+          <p:nvPr>
+            <p:ph type="body" sz="quarter" idx="3"/>
+          </p:nvPr>
+        </p:nvSpPr>
+        <p:spPr>
+          <a:xfrm>
+            <a:off x="685800" y="4400550"/>
+            <a:ext cx="5486400" cy="3600450"/>
+          </a:xfrm>
+          <a:prstGeom prst="rect">
+            <a:avLst/>
+          </a:prstGeom>
+        </p:spPr>
+        <p:txBody>
+          <a:bodyPr vert="horz" lIns="91440" tIns="45720" rIns="91440" bIns="45720" rtlCol="0"/>
+          <a:lstStyle/>
+          <a:p>
+            <a:pPr lvl="0"/>
+            <a:r>
+              <a:rPr lang="en-US"/>
+              <a:t>Click to edit Master text styles</a:t>
+            </a:r>
+          </a:p>
+          <a:p>
+            <a:pPr lvl="1"/>
+            <a:r>
+              <a:rPr lang="en-US"/>
+              <a:t>Second level</a:t>
+            </a:r>
+          </a:p>
+          <a:p>
+            <a:pPr lvl="2"/>
+            <a:r>
+              <a:rPr lang="en-US"/>
+              <a:t>Third level</a:t>
+            </a:r>
+          </a:p>
+          <a:p>
+            <a:pPr lvl="3"/>
+            <a:r>
+              <a:rPr lang="en-US"/>
+              <a:t>Fourth level</a:t>
+            </a:r>
+          </a:p>
+          <a:p>
+            <a:pPr lvl="4"/>
+            <a:r>
+              <a:rPr lang="en-US"/>
+              <a:t>Fifth level</a:t>
+            </a:r>
+            <a:endParaRPr lang="en-IL"/>
+          </a:p>
+        </p:txBody>
+      </p:sp>
+      <p:sp>
+        <p:nvSpPr>
+          <p:cNvPr id="6" name="Footer Placeholder 5"/>
+          <p:cNvSpPr>
+            <a:spLocks noGrp="1"/>
+          </p:cNvSpPr>
+          <p:nvPr>
+            <p:ph type="ftr" sz="quarter" idx="4"/>
+          </p:nvPr>
+        </p:nvSpPr>
+        <p:spPr>
+          <a:xfrm>
+            <a:off x="0" y="8685213"/>
+            <a:ext cx="2971800" cy="458787"/>
+          </a:xfrm>
+          <a:prstGeom prst="rect">
+            <a:avLst/>
+          </a:prstGeom>
+        </p:spPr>
+        <p:txBody>
+          <a:bodyPr vert="horz" lIns="91440" tIns="45720" rIns="91440" bIns="45720" rtlCol="0" anchor="b"/>
+          <a:lstStyle>
+            <a:lvl1pPr algn="l">
+              <a:defRPr sz="1200"/>
+            </a:lvl1pPr>
+          </a:lstStyle>
+          <a:p>
+            <a:endParaRPr lang="en-IL"/>
+          </a:p>
+        </p:txBody>
+      </p:sp>
+      <p:sp>
+        <p:nvSpPr>
+          <p:cNvPr id="7" name="Slide Number Placeholder 6"/>
+          <p:cNvSpPr>
+            <a:spLocks noGrp="1"/>
+          </p:cNvSpPr>
+          <p:nvPr>
+            <p:ph type="sldNum" sz="quarter" idx="5"/>
+          </p:nvPr>
+        </p:nvSpPr>
+        <p:spPr>
+          <a:xfrm>
+            <a:off x="3884613" y="8685213"/>
+            <a:ext cx="2971800" cy="458787"/>
+          </a:xfrm>
+          <a:prstGeom prst="rect">
+            <a:avLst/>
+          </a:prstGeom>
+        </p:spPr>
+        <p:txBody>
+          <a:bodyPr vert="horz" lIns="91440" tIns="45720" rIns="91440" bIns="45720" rtlCol="0" anchor="b"/>
+          <a:lstStyle>
+            <a:lvl1pPr algn="r">
+              <a:defRPr sz="1200"/>
+            </a:lvl1pPr>
+          </a:lstStyle>
+          <a:p>
+            <a:fld id="{DBE48960-B9A4-412F-A6E0-8A918D6AEC5C}" type="slidenum">
+              <a:rPr lang="en-IL" smtClean="0"/>
+              <a:t>‹#›</a:t>
+            </a:fld>
+            <a:endParaRPr lang="en-IL"/>
+          </a:p>
+        </p:txBody>
+      </p:sp>
+    </p:spTree>
+    <p:extLst>
+      <p:ext uri="{BB962C8B-B14F-4D97-AF65-F5344CB8AC3E}">
+        <p14:creationId xmlns:p14="http://schemas.microsoft.com/office/powerpoint/2010/main" val="1311000136"/>
+      </p:ext>
+    </p:extLst>
+  </p:cSld>
+  <p:clrMap bg1="lt1" tx1="dk1" bg2="lt2" tx2="dk2" accent1="accent1" accent2="accent2" accent3="accent3" accent4="accent4" accent5="accent5" accent6="accent6" hlink="hlink" folHlink="folHlink"/>
+  <p:notesStyle>
+    <a:lvl1pPr marL="0" algn="l" defTabSz="914400" rtl="0" eaLnBrk="1" latinLnBrk="0" hangingPunct="1">
+      <a:defRPr sz="1200" kern="1200">
+        <a:solidFill>
+          <a:schemeClr val="tx1"/>
+        </a:solidFill>
+        <a:latin typeface="+mn-lt"/>
+        <a:ea typeface="+mn-ea"/>
+        <a:cs typeface="+mn-cs"/>
+      </a:defRPr>
+    </a:lvl1pPr>
+    <a:lvl2pPr marL="457200" algn="l" defTabSz="914400" rtl="0" eaLnBrk="1" latinLnBrk="0" hangingPunct="1">
+      <a:defRPr sz="1200" kern="1200">
+        <a:solidFill>
+          <a:schemeClr val="tx1"/>
+        </a:solidFill>
+        <a:latin typeface="+mn-lt"/>
+        <a:ea typeface="+mn-ea"/>
+        <a:cs typeface="+mn-cs"/>
+      </a:defRPr>
+    </a:lvl2pPr>
+    <a:lvl3pPr marL="914400" algn="l" defTabSz="914400" rtl="0" eaLnBrk="1" latinLnBrk="0" hangingPunct="1">
+      <a:defRPr sz="1200" kern="1200">
+        <a:solidFill>
+          <a:schemeClr val="tx1"/>
+        </a:solidFill>
+        <a:latin typeface="+mn-lt"/>
+        <a:ea typeface="+mn-ea"/>
+        <a:cs typeface="+mn-cs"/>
+      </a:defRPr>
+    </a:lvl3pPr>
+    <a:lvl4pPr marL="1371600" algn="l" defTabSz="914400" rtl="0" eaLnBrk="1" latinLnBrk="0" hangingPunct="1">
+      <a:defRPr sz="1200" kern="1200">
+        <a:solidFill>
+          <a:schemeClr val="tx1"/>
+        </a:solidFill>
+        <a:latin typeface="+mn-lt"/>
+        <a:ea typeface="+mn-ea"/>
+        <a:cs typeface="+mn-cs"/>
+      </a:defRPr>
+    </a:lvl4pPr>
+    <a:lvl5pPr marL="1828800" algn="l" defTabSz="914400" rtl="0" eaLnBrk="1" latinLnBrk="0" hangingPunct="1">
+      <a:defRPr sz="1200" kern="1200">
+        <a:solidFill>
+          <a:schemeClr val="tx1"/>
+        </a:solidFill>
+        <a:latin typeface="+mn-lt"/>
+        <a:ea typeface="+mn-ea"/>
+        <a:cs typeface="+mn-cs"/>
+      </a:defRPr>
+    </a:lvl5pPr>
+    <a:lvl6pPr marL="2286000" algn="l" defTabSz="914400" rtl="0" eaLnBrk="1" latinLnBrk="0" hangingPunct="1">
+      <a:defRPr sz="1200" kern="1200">
+        <a:solidFill>
+          <a:schemeClr val="tx1"/>
+        </a:solidFill>
+        <a:latin typeface="+mn-lt"/>
+        <a:ea typeface="+mn-ea"/>
+        <a:cs typeface="+mn-cs"/>
+      </a:defRPr>
+    </a:lvl6pPr>
+    <a:lvl7pPr marL="2743200" algn="l" defTabSz="914400" rtl="0" eaLnBrk="1" latinLnBrk="0" hangingPunct="1">
+      <a:defRPr sz="1200" kern="1200">
+        <a:solidFill>
+          <a:schemeClr val="tx1"/>
+        </a:solidFill>
+        <a:latin typeface="+mn-lt"/>
+        <a:ea typeface="+mn-ea"/>
+        <a:cs typeface="+mn-cs"/>
+      </a:defRPr>
+    </a:lvl7pPr>
+    <a:lvl8pPr marL="3200400" algn="l" defTabSz="914400" rtl="0" eaLnBrk="1" latinLnBrk="0" hangingPunct="1">
+      <a:defRPr sz="1200" kern="1200">
+        <a:solidFill>
+          <a:schemeClr val="tx1"/>
+        </a:solidFill>
+        <a:latin typeface="+mn-lt"/>
+        <a:ea typeface="+mn-ea"/>
+        <a:cs typeface="+mn-cs"/>
+      </a:defRPr>
+    </a:lvl8pPr>
+    <a:lvl9pPr marL="3657600" algn="l" defTabSz="914400" rtl="0" eaLnBrk="1" latinLnBrk="0" hangingPunct="1">
+      <a:defRPr sz="1200" kern="1200">
+        <a:solidFill>
+          <a:schemeClr val="tx1"/>
+        </a:solidFill>
+        <a:latin typeface="+mn-lt"/>
+        <a:ea typeface="+mn-ea"/>
+        <a:cs typeface="+mn-cs"/>
+      </a:defRPr>
+    </a:lvl9pPr>
+  </p:notesStyle>
+</p:notesMaster>
+</file>
+
+<file path=ppt/notesSlides/notesSlide1.xml><?xml version="1.0" encoding="utf-8"?>
+<p:notes xmlns:a="http://schemas.openxmlformats.org/drawingml/2006/main" xmlns:r="http://schemas.openxmlformats.org/officeDocument/2006/relationships" xmlns:p="http://schemas.openxmlformats.org/presentationml/2006/main">
+  <p:cSld>
+    <p:spTree>
+      <p:nvGrpSpPr>
+        <p:cNvPr id="1" name=""/>
+        <p:cNvGrpSpPr/>
+        <p:nvPr/>
+      </p:nvGrpSpPr>
+      <p:grpSpPr>
+        <a:xfrm>
+          <a:off x="0" y="0"/>
+          <a:ext cx="0" cy="0"/>
+          <a:chOff x="0" y="0"/>
+          <a:chExt cx="0" cy="0"/>
+        </a:xfrm>
+      </p:grpSpPr>
+      <p:sp>
+        <p:nvSpPr>
+          <p:cNvPr id="2" name="Slide Image Placeholder 1"/>
+          <p:cNvSpPr>
+            <a:spLocks noGrp="1" noRot="1" noChangeAspect="1"/>
+          </p:cNvSpPr>
+          <p:nvPr>
+            <p:ph type="sldImg"/>
+          </p:nvPr>
+        </p:nvSpPr>
+        <p:spPr/>
+      </p:sp>
+      <p:sp>
+        <p:nvSpPr>
+          <p:cNvPr id="3" name="Notes Placeholder 2"/>
+          <p:cNvSpPr>
+            <a:spLocks noGrp="1"/>
+          </p:cNvSpPr>
+          <p:nvPr>
+            <p:ph type="body" idx="1"/>
+          </p:nvPr>
+        </p:nvSpPr>
+        <p:spPr/>
+        <p:txBody>
+          <a:bodyPr/>
+          <a:lstStyle/>
+          <a:p>
+            <a:endParaRPr lang="en-IL" dirty="0"/>
+          </a:p>
+        </p:txBody>
+      </p:sp>
+      <p:sp>
+        <p:nvSpPr>
+          <p:cNvPr id="4" name="Slide Number Placeholder 3"/>
+          <p:cNvSpPr>
+            <a:spLocks noGrp="1"/>
+          </p:cNvSpPr>
+          <p:nvPr>
+            <p:ph type="sldNum" sz="quarter" idx="5"/>
+          </p:nvPr>
+        </p:nvSpPr>
+        <p:spPr/>
+        <p:txBody>
+          <a:bodyPr/>
+          <a:lstStyle/>
+          <a:p>
+            <a:fld id="{DBE48960-B9A4-412F-A6E0-8A918D6AEC5C}" type="slidenum">
+              <a:rPr lang="en-IL" smtClean="0"/>
+              <a:t>10</a:t>
+            </a:fld>
+            <a:endParaRPr lang="en-IL"/>
+          </a:p>
+        </p:txBody>
+      </p:sp>
+    </p:spTree>
+    <p:extLst>
+      <p:ext uri="{BB962C8B-B14F-4D97-AF65-F5344CB8AC3E}">
+        <p14:creationId xmlns:p14="http://schemas.microsoft.com/office/powerpoint/2010/main" val="1376693991"/>
+      </p:ext>
+    </p:extLst>
+  </p:cSld>
+  <p:clrMapOvr>
+    <a:masterClrMapping/>
+  </p:clrMapOvr>
+</p:notes>
+</file>
+
 <file path=ppt/slideLayouts/slideLayout1.xml><?xml version="1.0" encoding="utf-8"?>
 <p:sldLayout xmlns:a="http://schemas.openxmlformats.org/drawingml/2006/main" xmlns:r="http://schemas.openxmlformats.org/officeDocument/2006/relationships" xmlns:p="http://schemas.openxmlformats.org/presentationml/2006/main" type="title" preserve="1">
   <p:cSld name="Title Slide">
@@ -3451,7 +3891,7 @@
           <a:p>
             <a:fld id="{4C1E25F6-6904-4FC1-8C19-2CBB5B46E60E}" type="datetimeFigureOut">
               <a:rPr lang="en-IL" smtClean="0"/>
-              <a:t>21/06/2025</a:t>
+              <a:t>26/06/2025</a:t>
             </a:fld>
             <a:endParaRPr lang="en-IL"/>
           </a:p>
@@ -3651,7 +4091,7 @@
           <a:p>
             <a:fld id="{4C1E25F6-6904-4FC1-8C19-2CBB5B46E60E}" type="datetimeFigureOut">
               <a:rPr lang="en-IL" smtClean="0"/>
-              <a:t>21/06/2025</a:t>
+              <a:t>26/06/2025</a:t>
             </a:fld>
             <a:endParaRPr lang="en-IL"/>
           </a:p>
@@ -3861,7 +4301,7 @@
           <a:p>
             <a:fld id="{4C1E25F6-6904-4FC1-8C19-2CBB5B46E60E}" type="datetimeFigureOut">
               <a:rPr lang="en-IL" smtClean="0"/>
-              <a:t>21/06/2025</a:t>
+              <a:t>26/06/2025</a:t>
             </a:fld>
             <a:endParaRPr lang="en-IL"/>
           </a:p>
@@ -4061,7 +4501,7 @@
           <a:p>
             <a:fld id="{4C1E25F6-6904-4FC1-8C19-2CBB5B46E60E}" type="datetimeFigureOut">
               <a:rPr lang="en-IL" smtClean="0"/>
-              <a:t>21/06/2025</a:t>
+              <a:t>26/06/2025</a:t>
             </a:fld>
             <a:endParaRPr lang="en-IL"/>
           </a:p>
@@ -4337,7 +4777,7 @@
           <a:p>
             <a:fld id="{4C1E25F6-6904-4FC1-8C19-2CBB5B46E60E}" type="datetimeFigureOut">
               <a:rPr lang="en-IL" smtClean="0"/>
-              <a:t>21/06/2025</a:t>
+              <a:t>26/06/2025</a:t>
             </a:fld>
             <a:endParaRPr lang="en-IL"/>
           </a:p>
@@ -4605,7 +5045,7 @@
           <a:p>
             <a:fld id="{4C1E25F6-6904-4FC1-8C19-2CBB5B46E60E}" type="datetimeFigureOut">
               <a:rPr lang="en-IL" smtClean="0"/>
-              <a:t>21/06/2025</a:t>
+              <a:t>26/06/2025</a:t>
             </a:fld>
             <a:endParaRPr lang="en-IL"/>
           </a:p>
@@ -5020,7 +5460,7 @@
           <a:p>
             <a:fld id="{4C1E25F6-6904-4FC1-8C19-2CBB5B46E60E}" type="datetimeFigureOut">
               <a:rPr lang="en-IL" smtClean="0"/>
-              <a:t>21/06/2025</a:t>
+              <a:t>26/06/2025</a:t>
             </a:fld>
             <a:endParaRPr lang="en-IL"/>
           </a:p>
@@ -5162,7 +5602,7 @@
           <a:p>
             <a:fld id="{4C1E25F6-6904-4FC1-8C19-2CBB5B46E60E}" type="datetimeFigureOut">
               <a:rPr lang="en-IL" smtClean="0"/>
-              <a:t>21/06/2025</a:t>
+              <a:t>26/06/2025</a:t>
             </a:fld>
             <a:endParaRPr lang="en-IL"/>
           </a:p>
@@ -5275,7 +5715,7 @@
           <a:p>
             <a:fld id="{4C1E25F6-6904-4FC1-8C19-2CBB5B46E60E}" type="datetimeFigureOut">
               <a:rPr lang="en-IL" smtClean="0"/>
-              <a:t>21/06/2025</a:t>
+              <a:t>26/06/2025</a:t>
             </a:fld>
             <a:endParaRPr lang="en-IL"/>
           </a:p>
@@ -5588,7 +6028,7 @@
           <a:p>
             <a:fld id="{4C1E25F6-6904-4FC1-8C19-2CBB5B46E60E}" type="datetimeFigureOut">
               <a:rPr lang="en-IL" smtClean="0"/>
-              <a:t>21/06/2025</a:t>
+              <a:t>26/06/2025</a:t>
             </a:fld>
             <a:endParaRPr lang="en-IL"/>
           </a:p>
@@ -5877,7 +6317,7 @@
           <a:p>
             <a:fld id="{4C1E25F6-6904-4FC1-8C19-2CBB5B46E60E}" type="datetimeFigureOut">
               <a:rPr lang="en-IL" smtClean="0"/>
-              <a:t>21/06/2025</a:t>
+              <a:t>26/06/2025</a:t>
             </a:fld>
             <a:endParaRPr lang="en-IL"/>
           </a:p>
@@ -6120,7 +6560,7 @@
           <a:p>
             <a:fld id="{4C1E25F6-6904-4FC1-8C19-2CBB5B46E60E}" type="datetimeFigureOut">
               <a:rPr lang="en-IL" smtClean="0"/>
-              <a:t>21/06/2025</a:t>
+              <a:t>26/06/2025</a:t>
             </a:fld>
             <a:endParaRPr lang="en-IL"/>
           </a:p>
@@ -6973,13 +7413,13 @@
         </p:nvSpPr>
         <p:spPr>
           <a:xfrm>
-            <a:off x="305349" y="603066"/>
-            <a:ext cx="10319512" cy="592536"/>
+            <a:off x="579669" y="10153"/>
+            <a:ext cx="10319512" cy="1003578"/>
           </a:xfrm>
         </p:spPr>
         <p:txBody>
           <a:bodyPr vert="horz" lIns="91440" tIns="45720" rIns="91440" bIns="45720" rtlCol="0" anchor="b">
-            <a:normAutofit fontScale="90000"/>
+            <a:normAutofit/>
           </a:bodyPr>
           <a:lstStyle/>
           <a:p>
@@ -7046,14 +7486,14 @@
             <p:ph idx="1"/>
             <p:extLst>
               <p:ext uri="{D42A27DB-BD31-4B8C-83A1-F6EECF244321}">
-                <p14:modId xmlns:p14="http://schemas.microsoft.com/office/powerpoint/2010/main" val="3187440825"/>
+                <p14:modId xmlns:p14="http://schemas.microsoft.com/office/powerpoint/2010/main" val="2252473926"/>
               </p:ext>
             </p:extLst>
           </p:nvPr>
         </p:nvGraphicFramePr>
         <p:xfrm>
-          <a:off x="0" y="1195602"/>
-          <a:ext cx="12192001" cy="5662397"/>
+          <a:off x="0" y="1143379"/>
+          <a:ext cx="7059167" cy="5704466"/>
         </p:xfrm>
         <a:graphic>
           <a:graphicData uri="http://schemas.openxmlformats.org/drawingml/2006/table">
@@ -7062,21 +7502,21 @@
                 <a:tableStyleId>{5C22544A-7EE6-4342-B048-85BDC9FD1C3A}</a:tableStyleId>
               </a:tblPr>
               <a:tblGrid>
-                <a:gridCol w="582804">
+                <a:gridCol w="357542">
                   <a:extLst>
                     <a:ext uri="{9D8B030D-6E8A-4147-A177-3AD203B41FA5}">
                       <a16:colId xmlns:a16="http://schemas.microsoft.com/office/drawing/2014/main" val="3077749885"/>
                     </a:ext>
                   </a:extLst>
                 </a:gridCol>
-                <a:gridCol w="2914022">
+                <a:gridCol w="2040765">
                   <a:extLst>
                     <a:ext uri="{9D8B030D-6E8A-4147-A177-3AD203B41FA5}">
                       <a16:colId xmlns:a16="http://schemas.microsoft.com/office/drawing/2014/main" val="2445671152"/>
                     </a:ext>
                   </a:extLst>
                 </a:gridCol>
-                <a:gridCol w="8695175">
+                <a:gridCol w="4660860">
                   <a:extLst>
                     <a:ext uri="{9D8B030D-6E8A-4147-A177-3AD203B41FA5}">
                       <a16:colId xmlns:a16="http://schemas.microsoft.com/office/drawing/2014/main" val="251754406"/>
@@ -7084,13 +7524,13 @@
                   </a:extLst>
                 </a:gridCol>
               </a:tblGrid>
-              <a:tr h="357727">
+              <a:tr h="178864">
                 <a:tc>
                   <a:txBody>
                     <a:bodyPr/>
                     <a:lstStyle/>
                     <a:p>
-                      <a:pPr>
+                      <a:pPr algn="ctr">
                         <a:lnSpc>
                           <a:spcPct val="115000"/>
                         </a:lnSpc>
@@ -7100,8 +7540,117 @@
                         <a:buNone/>
                       </a:pPr>
                       <a:r>
-                        <a:rPr lang="en-IL" sz="1200" kern="100" dirty="0">
+                        <a:rPr lang="en-US" sz="1200" kern="100" dirty="0">
                           <a:effectLst/>
+                          <a:latin typeface="Aptos" panose="020B0004020202020204" pitchFamily="34" charset="0"/>
+                          <a:ea typeface="Aptos" panose="020B0004020202020204" pitchFamily="34" charset="0"/>
+                          <a:cs typeface="Arial" panose="020B0604020202020204" pitchFamily="34" charset="0"/>
+                        </a:rPr>
+                        <a:t>Sel</a:t>
+                      </a:r>
+                      <a:endParaRPr lang="en-IL" sz="1200" kern="100" dirty="0">
+                        <a:effectLst/>
+                        <a:latin typeface="Aptos" panose="020B0004020202020204" pitchFamily="34" charset="0"/>
+                        <a:ea typeface="Aptos" panose="020B0004020202020204" pitchFamily="34" charset="0"/>
+                        <a:cs typeface="Arial" panose="020B0604020202020204" pitchFamily="34" charset="0"/>
+                      </a:endParaRPr>
+                    </a:p>
+                  </a:txBody>
+                  <a:tcPr marL="67744" marR="67744" marT="0" marB="0"/>
+                </a:tc>
+                <a:tc>
+                  <a:txBody>
+                    <a:bodyPr/>
+                    <a:lstStyle/>
+                    <a:p>
+                      <a:pPr algn="ctr">
+                        <a:lnSpc>
+                          <a:spcPct val="115000"/>
+                        </a:lnSpc>
+                        <a:spcAft>
+                          <a:spcPts val="800"/>
+                        </a:spcAft>
+                        <a:buNone/>
+                      </a:pPr>
+                      <a:r>
+                        <a:rPr lang="en-US" sz="1200" kern="100" dirty="0">
+                          <a:effectLst/>
+                          <a:latin typeface="Aptos" panose="020B0004020202020204" pitchFamily="34" charset="0"/>
+                          <a:ea typeface="Aptos" panose="020B0004020202020204" pitchFamily="34" charset="0"/>
+                          <a:cs typeface="Arial" panose="020B0604020202020204" pitchFamily="34" charset="0"/>
+                        </a:rPr>
+                        <a:t>Output</a:t>
+                      </a:r>
+                      <a:endParaRPr lang="en-IL" sz="1200" kern="100" dirty="0">
+                        <a:effectLst/>
+                        <a:latin typeface="Aptos" panose="020B0004020202020204" pitchFamily="34" charset="0"/>
+                        <a:ea typeface="Aptos" panose="020B0004020202020204" pitchFamily="34" charset="0"/>
+                        <a:cs typeface="Arial" panose="020B0604020202020204" pitchFamily="34" charset="0"/>
+                      </a:endParaRPr>
+                    </a:p>
+                  </a:txBody>
+                  <a:tcPr marL="67744" marR="67744" marT="0" marB="0"/>
+                </a:tc>
+                <a:tc>
+                  <a:txBody>
+                    <a:bodyPr/>
+                    <a:lstStyle/>
+                    <a:p>
+                      <a:pPr algn="ctr">
+                        <a:lnSpc>
+                          <a:spcPct val="115000"/>
+                        </a:lnSpc>
+                        <a:spcAft>
+                          <a:spcPts val="800"/>
+                        </a:spcAft>
+                        <a:buNone/>
+                      </a:pPr>
+                      <a:r>
+                        <a:rPr lang="en-US" sz="1200" kern="100" dirty="0">
+                          <a:effectLst/>
+                          <a:latin typeface="Aptos" panose="020B0004020202020204" pitchFamily="34" charset="0"/>
+                          <a:ea typeface="Aptos" panose="020B0004020202020204" pitchFamily="34" charset="0"/>
+                          <a:cs typeface="Arial" panose="020B0604020202020204" pitchFamily="34" charset="0"/>
+                        </a:rPr>
+                        <a:t>Description</a:t>
+                      </a:r>
+                      <a:endParaRPr lang="en-IL" sz="1200" kern="100" dirty="0">
+                        <a:effectLst/>
+                        <a:latin typeface="Aptos" panose="020B0004020202020204" pitchFamily="34" charset="0"/>
+                        <a:ea typeface="Aptos" panose="020B0004020202020204" pitchFamily="34" charset="0"/>
+                        <a:cs typeface="Arial" panose="020B0604020202020204" pitchFamily="34" charset="0"/>
+                      </a:endParaRPr>
+                    </a:p>
+                  </a:txBody>
+                  <a:tcPr marL="67744" marR="67744" marT="0" marB="0"/>
+                </a:tc>
+                <a:extLst>
+                  <a:ext uri="{0D108BD9-81ED-4DB2-BD59-A6C34878D82A}">
+                    <a16:rowId xmlns:a16="http://schemas.microsoft.com/office/drawing/2014/main" val="695007286"/>
+                  </a:ext>
+                </a:extLst>
+              </a:tr>
+              <a:tr h="178864">
+                <a:tc>
+                  <a:txBody>
+                    <a:bodyPr/>
+                    <a:lstStyle/>
+                    <a:p>
+                      <a:pPr algn="ctr">
+                        <a:lnSpc>
+                          <a:spcPct val="115000"/>
+                        </a:lnSpc>
+                        <a:spcAft>
+                          <a:spcPts val="800"/>
+                        </a:spcAft>
+                        <a:buNone/>
+                      </a:pPr>
+                      <a:r>
+                        <a:rPr lang="en-US" sz="1200" kern="100" dirty="0">
+                          <a:effectLst/>
+                          <a:latin typeface="Aptos" panose="020B0004020202020204" pitchFamily="34" charset="0"/>
+                          <a:ea typeface="Aptos" panose="020B0004020202020204" pitchFamily="34" charset="0"/>
+                          <a:cs typeface="Arial" panose="020B0604020202020204" pitchFamily="34" charset="0"/>
                         </a:rPr>
                         <a:t>0</a:t>
                       </a:r>
@@ -7120,7 +7669,7 @@
                     <a:bodyPr/>
                     <a:lstStyle/>
                     <a:p>
-                      <a:pPr>
+                      <a:pPr algn="ctr">
                         <a:lnSpc>
                           <a:spcPct val="115000"/>
                         </a:lnSpc>
@@ -7130,12 +7679,33 @@
                         <a:buNone/>
                       </a:pPr>
                       <a:r>
-                        <a:rPr lang="en-IL" sz="1200" kern="100">
+                        <a:rPr lang="en-US" sz="1200" kern="100" dirty="0">
                           <a:effectLst/>
+                          <a:latin typeface="Aptos" panose="020B0004020202020204" pitchFamily="34" charset="0"/>
+                          <a:ea typeface="Aptos" panose="020B0004020202020204" pitchFamily="34" charset="0"/>
+                          <a:cs typeface="Arial" panose="020B0604020202020204" pitchFamily="34" charset="0"/>
                         </a:rPr>
-                        <a:t>        {25'b0, opcodeFetch}</a:t>
+                        <a:t>{25'b0, </a:t>
                       </a:r>
-                      <a:endParaRPr lang="en-IL" sz="1200" kern="100">
+                      <a:r>
+                        <a:rPr lang="en-US" sz="1200" kern="100" dirty="0" err="1">
+                          <a:effectLst/>
+                          <a:latin typeface="Aptos" panose="020B0004020202020204" pitchFamily="34" charset="0"/>
+                          <a:ea typeface="Aptos" panose="020B0004020202020204" pitchFamily="34" charset="0"/>
+                          <a:cs typeface="Arial" panose="020B0604020202020204" pitchFamily="34" charset="0"/>
+                        </a:rPr>
+                        <a:t>opcodeFetch</a:t>
+                      </a:r>
+                      <a:r>
+                        <a:rPr lang="en-US" sz="1200" kern="100" dirty="0">
+                          <a:effectLst/>
+                          <a:latin typeface="Aptos" panose="020B0004020202020204" pitchFamily="34" charset="0"/>
+                          <a:ea typeface="Aptos" panose="020B0004020202020204" pitchFamily="34" charset="0"/>
+                          <a:cs typeface="Arial" panose="020B0604020202020204" pitchFamily="34" charset="0"/>
+                        </a:rPr>
+                        <a:t>}</a:t>
+                      </a:r>
+                      <a:endParaRPr lang="en-IL" sz="1200" kern="100" dirty="0">
                         <a:effectLst/>
                         <a:latin typeface="Aptos" panose="020B0004020202020204" pitchFamily="34" charset="0"/>
                         <a:ea typeface="Aptos" panose="020B0004020202020204" pitchFamily="34" charset="0"/>
@@ -7150,7 +7720,7 @@
                     <a:bodyPr/>
                     <a:lstStyle/>
                     <a:p>
-                      <a:pPr>
+                      <a:pPr algn="ctr">
                         <a:lnSpc>
                           <a:spcPct val="115000"/>
                         </a:lnSpc>
@@ -7160,24 +7730,21 @@
                         <a:buNone/>
                       </a:pPr>
                       <a:r>
-                        <a:rPr lang="en-IL" sz="1200" kern="100" dirty="0">
+                        <a:rPr lang="en-US" sz="1200" kern="100" dirty="0">
                           <a:effectLst/>
+                          <a:latin typeface="Aptos" panose="020B0004020202020204" pitchFamily="34" charset="0"/>
+                          <a:ea typeface="Aptos" panose="020B0004020202020204" pitchFamily="34" charset="0"/>
+                          <a:cs typeface="Arial" panose="020B0604020202020204" pitchFamily="34" charset="0"/>
                         </a:rPr>
                         <a:t>Opcode from Fetch stage (padded to 32 bits)</a:t>
                       </a:r>
-                      <a:endParaRPr lang="en-IL" sz="1200" kern="100" dirty="0">
-                        <a:effectLst/>
-                        <a:latin typeface="Aptos" panose="020B0004020202020204" pitchFamily="34" charset="0"/>
-                        <a:ea typeface="Aptos" panose="020B0004020202020204" pitchFamily="34" charset="0"/>
-                        <a:cs typeface="Arial" panose="020B0604020202020204" pitchFamily="34" charset="0"/>
-                      </a:endParaRPr>
                     </a:p>
                   </a:txBody>
                   <a:tcPr marL="67744" marR="67744" marT="0" marB="0"/>
                 </a:tc>
                 <a:extLst>
                   <a:ext uri="{0D108BD9-81ED-4DB2-BD59-A6C34878D82A}">
-                    <a16:rowId xmlns:a16="http://schemas.microsoft.com/office/drawing/2014/main" val="695007286"/>
+                    <a16:rowId xmlns:a16="http://schemas.microsoft.com/office/drawing/2014/main" val="2194129227"/>
                   </a:ext>
                 </a:extLst>
               </a:tr>
@@ -7187,7 +7754,7 @@
                     <a:bodyPr/>
                     <a:lstStyle/>
                     <a:p>
-                      <a:pPr>
+                      <a:pPr algn="ctr">
                         <a:lnSpc>
                           <a:spcPct val="115000"/>
                         </a:lnSpc>
@@ -7217,7 +7784,7 @@
                     <a:bodyPr/>
                     <a:lstStyle/>
                     <a:p>
-                      <a:pPr>
+                      <a:pPr algn="ctr">
                         <a:lnSpc>
                           <a:spcPct val="115000"/>
                         </a:lnSpc>
@@ -7230,19 +7797,7 @@
                         <a:rPr lang="en-IL" sz="1200" kern="100" dirty="0">
                           <a:effectLst/>
                         </a:rPr>
-                        <a:t>        {25'b0, </a:t>
-                      </a:r>
-                      <a:r>
-                        <a:rPr lang="en-IL" sz="1200" kern="100" dirty="0" err="1">
-                          <a:effectLst/>
-                        </a:rPr>
-                        <a:t>opcodeDecode</a:t>
-                      </a:r>
-                      <a:r>
-                        <a:rPr lang="en-IL" sz="1200" kern="100" dirty="0">
-                          <a:effectLst/>
-                        </a:rPr>
-                        <a:t>}</a:t>
+                        <a:t>{25'b0, opcodeDecode}</a:t>
                       </a:r>
                       <a:endParaRPr lang="en-IL" sz="1200" kern="100" dirty="0">
                         <a:effectLst/>
@@ -7259,7 +7814,7 @@
                     <a:bodyPr/>
                     <a:lstStyle/>
                     <a:p>
-                      <a:pPr>
+                      <a:pPr algn="ctr">
                         <a:lnSpc>
                           <a:spcPct val="115000"/>
                         </a:lnSpc>
@@ -7296,7 +7851,7 @@
                     <a:bodyPr/>
                     <a:lstStyle/>
                     <a:p>
-                      <a:pPr>
+                      <a:pPr algn="ctr">
                         <a:lnSpc>
                           <a:spcPct val="115000"/>
                         </a:lnSpc>
@@ -7326,7 +7881,7 @@
                     <a:bodyPr/>
                     <a:lstStyle/>
                     <a:p>
-                      <a:pPr>
+                      <a:pPr algn="ctr">
                         <a:lnSpc>
                           <a:spcPct val="115000"/>
                         </a:lnSpc>
@@ -7336,12 +7891,12 @@
                         <a:buNone/>
                       </a:pPr>
                       <a:r>
-                        <a:rPr lang="en-IL" sz="1200" kern="100">
+                        <a:rPr lang="en-IL" sz="1200" kern="100" dirty="0">
                           <a:effectLst/>
                         </a:rPr>
-                        <a:t>        {25'b0, opcodeExecute}</a:t>
+                        <a:t>{25'b0, opcodeExecute}</a:t>
                       </a:r>
-                      <a:endParaRPr lang="en-IL" sz="1200" kern="100">
+                      <a:endParaRPr lang="en-IL" sz="1200" kern="100" dirty="0">
                         <a:effectLst/>
                         <a:latin typeface="Aptos" panose="020B0004020202020204" pitchFamily="34" charset="0"/>
                         <a:ea typeface="Aptos" panose="020B0004020202020204" pitchFamily="34" charset="0"/>
@@ -7356,7 +7911,7 @@
                     <a:bodyPr/>
                     <a:lstStyle/>
                     <a:p>
-                      <a:pPr>
+                      <a:pPr algn="ctr">
                         <a:lnSpc>
                           <a:spcPct val="115000"/>
                         </a:lnSpc>
@@ -7366,12 +7921,12 @@
                         <a:buNone/>
                       </a:pPr>
                       <a:r>
-                        <a:rPr lang="en-IL" sz="1200" kern="100">
+                        <a:rPr lang="en-IL" sz="1200" kern="100" dirty="0">
                           <a:effectLst/>
                         </a:rPr>
                         <a:t>Opcode form the operation in Execute stage (padded to 32 bits)</a:t>
                       </a:r>
-                      <a:endParaRPr lang="en-IL" sz="1200" kern="100">
+                      <a:endParaRPr lang="en-IL" sz="1200" kern="100" dirty="0">
                         <a:effectLst/>
                         <a:latin typeface="Aptos" panose="020B0004020202020204" pitchFamily="34" charset="0"/>
                         <a:ea typeface="Aptos" panose="020B0004020202020204" pitchFamily="34" charset="0"/>
@@ -7393,7 +7948,7 @@
                     <a:bodyPr/>
                     <a:lstStyle/>
                     <a:p>
-                      <a:pPr>
+                      <a:pPr algn="ctr">
                         <a:lnSpc>
                           <a:spcPct val="115000"/>
                         </a:lnSpc>
@@ -7423,7 +7978,7 @@
                     <a:bodyPr/>
                     <a:lstStyle/>
                     <a:p>
-                      <a:pPr>
+                      <a:pPr algn="ctr">
                         <a:lnSpc>
                           <a:spcPct val="115000"/>
                         </a:lnSpc>
@@ -7433,12 +7988,12 @@
                         <a:buNone/>
                       </a:pPr>
                       <a:r>
-                        <a:rPr lang="en-IL" sz="1200" kern="100">
+                        <a:rPr lang="en-IL" sz="1200" kern="100" dirty="0">
                           <a:effectLst/>
                         </a:rPr>
-                        <a:t>        {25'b0, opcodeMem}</a:t>
+                        <a:t>{25'b0, opcodeMem}</a:t>
                       </a:r>
-                      <a:endParaRPr lang="en-IL" sz="1200" kern="100">
+                      <a:endParaRPr lang="en-IL" sz="1200" kern="100" dirty="0">
                         <a:effectLst/>
                         <a:latin typeface="Aptos" panose="020B0004020202020204" pitchFamily="34" charset="0"/>
                         <a:ea typeface="Aptos" panose="020B0004020202020204" pitchFamily="34" charset="0"/>
@@ -7453,7 +8008,7 @@
                     <a:bodyPr/>
                     <a:lstStyle/>
                     <a:p>
-                      <a:pPr>
+                      <a:pPr algn="ctr">
                         <a:lnSpc>
                           <a:spcPct val="115000"/>
                         </a:lnSpc>
@@ -7463,12 +8018,12 @@
                         <a:buNone/>
                       </a:pPr>
                       <a:r>
-                        <a:rPr lang="en-IL" sz="1200" kern="100">
+                        <a:rPr lang="en-IL" sz="1200" kern="100" dirty="0">
                           <a:effectLst/>
                         </a:rPr>
                         <a:t>Opcode form the operation in Memory stage (padded to 32 bits)</a:t>
                       </a:r>
-                      <a:endParaRPr lang="en-IL" sz="1200" kern="100">
+                      <a:endParaRPr lang="en-IL" sz="1200" kern="100" dirty="0">
                         <a:effectLst/>
                         <a:latin typeface="Aptos" panose="020B0004020202020204" pitchFamily="34" charset="0"/>
                         <a:ea typeface="Aptos" panose="020B0004020202020204" pitchFamily="34" charset="0"/>
@@ -7490,7 +8045,7 @@
                     <a:bodyPr/>
                     <a:lstStyle/>
                     <a:p>
-                      <a:pPr>
+                      <a:pPr algn="ctr">
                         <a:lnSpc>
                           <a:spcPct val="115000"/>
                         </a:lnSpc>
@@ -7520,7 +8075,7 @@
                     <a:bodyPr/>
                     <a:lstStyle/>
                     <a:p>
-                      <a:pPr>
+                      <a:pPr algn="ctr">
                         <a:lnSpc>
                           <a:spcPct val="115000"/>
                         </a:lnSpc>
@@ -7533,19 +8088,7 @@
                         <a:rPr lang="en-IL" sz="1200" kern="100" dirty="0">
                           <a:effectLst/>
                         </a:rPr>
-                        <a:t>        {25'b0, </a:t>
-                      </a:r>
-                      <a:r>
-                        <a:rPr lang="en-IL" sz="1200" kern="100" dirty="0" err="1">
-                          <a:effectLst/>
-                        </a:rPr>
-                        <a:t>opcodeWb</a:t>
-                      </a:r>
-                      <a:r>
-                        <a:rPr lang="en-IL" sz="1200" kern="100" dirty="0">
-                          <a:effectLst/>
-                        </a:rPr>
-                        <a:t>}</a:t>
+                        <a:t>{25'b0, opcodeWb}</a:t>
                       </a:r>
                       <a:endParaRPr lang="en-IL" sz="1200" kern="100" dirty="0">
                         <a:effectLst/>
@@ -7562,7 +8105,7 @@
                     <a:bodyPr/>
                     <a:lstStyle/>
                     <a:p>
-                      <a:pPr>
+                      <a:pPr algn="ctr">
                         <a:lnSpc>
                           <a:spcPct val="115000"/>
                         </a:lnSpc>
@@ -7599,7 +8142,7 @@
                     <a:bodyPr/>
                     <a:lstStyle/>
                     <a:p>
-                      <a:pPr>
+                      <a:pPr algn="ctr">
                         <a:lnSpc>
                           <a:spcPct val="115000"/>
                         </a:lnSpc>
@@ -7629,7 +8172,7 @@
                     <a:bodyPr/>
                     <a:lstStyle/>
                     <a:p>
-                      <a:pPr>
+                      <a:pPr algn="ctr">
                         <a:lnSpc>
                           <a:spcPct val="115000"/>
                         </a:lnSpc>
@@ -7639,12 +8182,12 @@
                         <a:buNone/>
                       </a:pPr>
                       <a:r>
-                        <a:rPr lang="en-IL" sz="1200" kern="100">
+                        <a:rPr lang="en-IL" sz="1200" kern="100" dirty="0">
                           <a:effectLst/>
                         </a:rPr>
-                        <a:t>        {25'b0, Funct7Decode_Dout}</a:t>
+                        <a:t>{25'b0, Funct7Decode_Dout}</a:t>
                       </a:r>
-                      <a:endParaRPr lang="en-IL" sz="1200" kern="100">
+                      <a:endParaRPr lang="en-IL" sz="1200" kern="100" dirty="0">
                         <a:effectLst/>
                         <a:latin typeface="Aptos" panose="020B0004020202020204" pitchFamily="34" charset="0"/>
                         <a:ea typeface="Aptos" panose="020B0004020202020204" pitchFamily="34" charset="0"/>
@@ -7659,7 +8202,7 @@
                     <a:bodyPr/>
                     <a:lstStyle/>
                     <a:p>
-                      <a:pPr>
+                      <a:pPr algn="ctr">
                         <a:lnSpc>
                           <a:spcPct val="115000"/>
                         </a:lnSpc>
@@ -7669,12 +8212,12 @@
                         <a:buNone/>
                       </a:pPr>
                       <a:r>
-                        <a:rPr lang="en-IL" sz="1200" kern="100">
+                        <a:rPr lang="en-IL" sz="1200" kern="100" dirty="0">
                           <a:effectLst/>
                         </a:rPr>
                         <a:t>Funct7 form the operation in Decode stage (padded to 32 bits)</a:t>
                       </a:r>
-                      <a:endParaRPr lang="en-IL" sz="1200" kern="100">
+                      <a:endParaRPr lang="en-IL" sz="1200" kern="100" dirty="0">
                         <a:effectLst/>
                         <a:latin typeface="Aptos" panose="020B0004020202020204" pitchFamily="34" charset="0"/>
                         <a:ea typeface="Aptos" panose="020B0004020202020204" pitchFamily="34" charset="0"/>
@@ -7696,7 +8239,7 @@
                     <a:bodyPr/>
                     <a:lstStyle/>
                     <a:p>
-                      <a:pPr>
+                      <a:pPr algn="ctr">
                         <a:lnSpc>
                           <a:spcPct val="115000"/>
                         </a:lnSpc>
@@ -7726,7 +8269,7 @@
                     <a:bodyPr/>
                     <a:lstStyle/>
                     <a:p>
-                      <a:pPr>
+                      <a:pPr algn="ctr">
                         <a:lnSpc>
                           <a:spcPct val="115000"/>
                         </a:lnSpc>
@@ -7736,12 +8279,12 @@
                         <a:buNone/>
                       </a:pPr>
                       <a:r>
-                        <a:rPr lang="en-IL" sz="1200" kern="100">
+                        <a:rPr lang="en-IL" sz="1200" kern="100" dirty="0">
                           <a:effectLst/>
                         </a:rPr>
-                        <a:t>        {29'b0, Funct3Decode_Dout}</a:t>
+                        <a:t>{29'b0, Funct3Decode_Dout}</a:t>
                       </a:r>
-                      <a:endParaRPr lang="en-IL" sz="1200" kern="100">
+                      <a:endParaRPr lang="en-IL" sz="1200" kern="100" dirty="0">
                         <a:effectLst/>
                         <a:latin typeface="Aptos" panose="020B0004020202020204" pitchFamily="34" charset="0"/>
                         <a:ea typeface="Aptos" panose="020B0004020202020204" pitchFamily="34" charset="0"/>
@@ -7756,7 +8299,7 @@
                     <a:bodyPr/>
                     <a:lstStyle/>
                     <a:p>
-                      <a:pPr>
+                      <a:pPr algn="ctr">
                         <a:lnSpc>
                           <a:spcPct val="115000"/>
                         </a:lnSpc>
@@ -7766,12 +8309,12 @@
                         <a:buNone/>
                       </a:pPr>
                       <a:r>
-                        <a:rPr lang="en-IL" sz="1200" kern="100">
+                        <a:rPr lang="en-IL" sz="1200" kern="100" dirty="0">
                           <a:effectLst/>
                         </a:rPr>
                         <a:t>Funct3 form the operation in Decode stage (padded to 32 bits)</a:t>
                       </a:r>
-                      <a:endParaRPr lang="en-IL" sz="1200" kern="100">
+                      <a:endParaRPr lang="en-IL" sz="1200" kern="100" dirty="0">
                         <a:effectLst/>
                         <a:latin typeface="Aptos" panose="020B0004020202020204" pitchFamily="34" charset="0"/>
                         <a:ea typeface="Aptos" panose="020B0004020202020204" pitchFamily="34" charset="0"/>
@@ -7793,7 +8336,7 @@
                     <a:bodyPr/>
                     <a:lstStyle/>
                     <a:p>
-                      <a:pPr>
+                      <a:pPr algn="ctr">
                         <a:lnSpc>
                           <a:spcPct val="115000"/>
                         </a:lnSpc>
@@ -7823,7 +8366,7 @@
                     <a:bodyPr/>
                     <a:lstStyle/>
                     <a:p>
-                      <a:pPr>
+                      <a:pPr algn="ctr">
                         <a:lnSpc>
                           <a:spcPct val="115000"/>
                         </a:lnSpc>
@@ -7833,12 +8376,12 @@
                         <a:buNone/>
                       </a:pPr>
                       <a:r>
-                        <a:rPr lang="en-IL" sz="1200" kern="100">
+                        <a:rPr lang="en-IL" sz="1200" kern="100" dirty="0">
                           <a:effectLst/>
                         </a:rPr>
-                        <a:t>        {25'b0, Funct7Execute_Dout}</a:t>
+                        <a:t>{25'b0, Funct7Execute_Dout}</a:t>
                       </a:r>
-                      <a:endParaRPr lang="en-IL" sz="1200" kern="100">
+                      <a:endParaRPr lang="en-IL" sz="1200" kern="100" dirty="0">
                         <a:effectLst/>
                         <a:latin typeface="Aptos" panose="020B0004020202020204" pitchFamily="34" charset="0"/>
                         <a:ea typeface="Aptos" panose="020B0004020202020204" pitchFamily="34" charset="0"/>
@@ -7853,7 +8396,7 @@
                     <a:bodyPr/>
                     <a:lstStyle/>
                     <a:p>
-                      <a:pPr>
+                      <a:pPr algn="ctr">
                         <a:lnSpc>
                           <a:spcPct val="115000"/>
                         </a:lnSpc>
@@ -7863,12 +8406,12 @@
                         <a:buNone/>
                       </a:pPr>
                       <a:r>
-                        <a:rPr lang="en-IL" sz="1200" kern="100">
+                        <a:rPr lang="en-IL" sz="1200" kern="100" dirty="0">
                           <a:effectLst/>
                         </a:rPr>
                         <a:t>Funct7 form the operation in Execute stage (padded to 32 bits)</a:t>
                       </a:r>
-                      <a:endParaRPr lang="en-IL" sz="1200" kern="100">
+                      <a:endParaRPr lang="en-IL" sz="1200" kern="100" dirty="0">
                         <a:effectLst/>
                         <a:latin typeface="Aptos" panose="020B0004020202020204" pitchFamily="34" charset="0"/>
                         <a:ea typeface="Aptos" panose="020B0004020202020204" pitchFamily="34" charset="0"/>
@@ -7890,7 +8433,7 @@
                     <a:bodyPr/>
                     <a:lstStyle/>
                     <a:p>
-                      <a:pPr>
+                      <a:pPr algn="ctr">
                         <a:lnSpc>
                           <a:spcPct val="115000"/>
                         </a:lnSpc>
@@ -7920,7 +8463,7 @@
                     <a:bodyPr/>
                     <a:lstStyle/>
                     <a:p>
-                      <a:pPr>
+                      <a:pPr algn="ctr">
                         <a:lnSpc>
                           <a:spcPct val="115000"/>
                         </a:lnSpc>
@@ -7930,12 +8473,12 @@
                         <a:buNone/>
                       </a:pPr>
                       <a:r>
-                        <a:rPr lang="en-IL" sz="1200" kern="100">
+                        <a:rPr lang="en-IL" sz="1200" kern="100" dirty="0">
                           <a:effectLst/>
                         </a:rPr>
-                        <a:t>        {29'b0, Funct3Execute_Dout}</a:t>
+                        <a:t>{29'b0, Funct3Execute_Dout}</a:t>
                       </a:r>
-                      <a:endParaRPr lang="en-IL" sz="1200" kern="100">
+                      <a:endParaRPr lang="en-IL" sz="1200" kern="100" dirty="0">
                         <a:effectLst/>
                         <a:latin typeface="Aptos" panose="020B0004020202020204" pitchFamily="34" charset="0"/>
                         <a:ea typeface="Aptos" panose="020B0004020202020204" pitchFamily="34" charset="0"/>
@@ -7950,7 +8493,7 @@
                     <a:bodyPr/>
                     <a:lstStyle/>
                     <a:p>
-                      <a:pPr>
+                      <a:pPr algn="ctr">
                         <a:lnSpc>
                           <a:spcPct val="115000"/>
                         </a:lnSpc>
@@ -7960,12 +8503,12 @@
                         <a:buNone/>
                       </a:pPr>
                       <a:r>
-                        <a:rPr lang="en-IL" sz="1200" kern="100">
+                        <a:rPr lang="en-IL" sz="1200" kern="100" dirty="0">
                           <a:effectLst/>
                         </a:rPr>
                         <a:t>Funct3 form the operation in Execute stage (padded to 32 bits)</a:t>
                       </a:r>
-                      <a:endParaRPr lang="en-IL" sz="1200" kern="100">
+                      <a:endParaRPr lang="en-IL" sz="1200" kern="100" dirty="0">
                         <a:effectLst/>
                         <a:latin typeface="Aptos" panose="020B0004020202020204" pitchFamily="34" charset="0"/>
                         <a:ea typeface="Aptos" panose="020B0004020202020204" pitchFamily="34" charset="0"/>
@@ -7987,7 +8530,7 @@
                     <a:bodyPr/>
                     <a:lstStyle/>
                     <a:p>
-                      <a:pPr>
+                      <a:pPr algn="ctr">
                         <a:lnSpc>
                           <a:spcPct val="115000"/>
                         </a:lnSpc>
@@ -8017,7 +8560,7 @@
                     <a:bodyPr/>
                     <a:lstStyle/>
                     <a:p>
-                      <a:pPr>
+                      <a:pPr algn="ctr">
                         <a:lnSpc>
                           <a:spcPct val="115000"/>
                         </a:lnSpc>
@@ -8027,12 +8570,12 @@
                         <a:buNone/>
                       </a:pPr>
                       <a:r>
-                        <a:rPr lang="en-IL" sz="1200" kern="100">
+                        <a:rPr lang="en-IL" sz="1200" kern="100" dirty="0">
                           <a:effectLst/>
                         </a:rPr>
-                        <a:t>        {25'b0, Funct7Mem_Dout}</a:t>
+                        <a:t>{25'b0, Funct7Mem_Dout}</a:t>
                       </a:r>
-                      <a:endParaRPr lang="en-IL" sz="1200" kern="100">
+                      <a:endParaRPr lang="en-IL" sz="1200" kern="100" dirty="0">
                         <a:effectLst/>
                         <a:latin typeface="Aptos" panose="020B0004020202020204" pitchFamily="34" charset="0"/>
                         <a:ea typeface="Aptos" panose="020B0004020202020204" pitchFamily="34" charset="0"/>
@@ -8047,7 +8590,7 @@
                     <a:bodyPr/>
                     <a:lstStyle/>
                     <a:p>
-                      <a:pPr>
+                      <a:pPr algn="ctr">
                         <a:lnSpc>
                           <a:spcPct val="115000"/>
                         </a:lnSpc>
@@ -8084,7 +8627,7 @@
                     <a:bodyPr/>
                     <a:lstStyle/>
                     <a:p>
-                      <a:pPr>
+                      <a:pPr algn="ctr">
                         <a:lnSpc>
                           <a:spcPct val="115000"/>
                         </a:lnSpc>
@@ -8114,7 +8657,7 @@
                     <a:bodyPr/>
                     <a:lstStyle/>
                     <a:p>
-                      <a:pPr>
+                      <a:pPr algn="ctr">
                         <a:lnSpc>
                           <a:spcPct val="115000"/>
                         </a:lnSpc>
@@ -8124,12 +8667,12 @@
                         <a:buNone/>
                       </a:pPr>
                       <a:r>
-                        <a:rPr lang="en-IL" sz="1200" kern="100">
+                        <a:rPr lang="en-IL" sz="1200" kern="100" dirty="0">
                           <a:effectLst/>
                         </a:rPr>
-                        <a:t>        {29'b0, Funct3Mem_Dout}</a:t>
+                        <a:t>{29'b0, Funct3Mem_Dout}</a:t>
                       </a:r>
-                      <a:endParaRPr lang="en-IL" sz="1200" kern="100">
+                      <a:endParaRPr lang="en-IL" sz="1200" kern="100" dirty="0">
                         <a:effectLst/>
                         <a:latin typeface="Aptos" panose="020B0004020202020204" pitchFamily="34" charset="0"/>
                         <a:ea typeface="Aptos" panose="020B0004020202020204" pitchFamily="34" charset="0"/>
@@ -8144,7 +8687,7 @@
                     <a:bodyPr/>
                     <a:lstStyle/>
                     <a:p>
-                      <a:pPr>
+                      <a:pPr algn="ctr">
                         <a:lnSpc>
                           <a:spcPct val="115000"/>
                         </a:lnSpc>
@@ -8154,12 +8697,12 @@
                         <a:buNone/>
                       </a:pPr>
                       <a:r>
-                        <a:rPr lang="en-IL" sz="1200" kern="100">
+                        <a:rPr lang="en-IL" sz="1200" kern="100" dirty="0">
                           <a:effectLst/>
                         </a:rPr>
                         <a:t>Funct3 form the operation in Memory stage (padded to 32 bits)</a:t>
                       </a:r>
-                      <a:endParaRPr lang="en-IL" sz="1200" kern="100">
+                      <a:endParaRPr lang="en-IL" sz="1200" kern="100" dirty="0">
                         <a:effectLst/>
                         <a:latin typeface="Aptos" panose="020B0004020202020204" pitchFamily="34" charset="0"/>
                         <a:ea typeface="Aptos" panose="020B0004020202020204" pitchFamily="34" charset="0"/>
@@ -8181,7 +8724,7 @@
                     <a:bodyPr/>
                     <a:lstStyle/>
                     <a:p>
-                      <a:pPr>
+                      <a:pPr algn="ctr">
                         <a:lnSpc>
                           <a:spcPct val="115000"/>
                         </a:lnSpc>
@@ -8211,7 +8754,7 @@
                     <a:bodyPr/>
                     <a:lstStyle/>
                     <a:p>
-                      <a:pPr>
+                      <a:pPr algn="ctr">
                         <a:lnSpc>
                           <a:spcPct val="115000"/>
                         </a:lnSpc>
@@ -8221,12 +8764,12 @@
                         <a:buNone/>
                       </a:pPr>
                       <a:r>
-                        <a:rPr lang="en-IL" sz="1200" kern="100">
+                        <a:rPr lang="en-IL" sz="1200" kern="100" dirty="0">
                           <a:effectLst/>
                         </a:rPr>
-                        <a:t>        {25'b0, Funct7Wb_Dout}</a:t>
+                        <a:t>{25'b0, Funct7Wb_Dout}</a:t>
                       </a:r>
-                      <a:endParaRPr lang="en-IL" sz="1200" kern="100">
+                      <a:endParaRPr lang="en-IL" sz="1200" kern="100" dirty="0">
                         <a:effectLst/>
                         <a:latin typeface="Aptos" panose="020B0004020202020204" pitchFamily="34" charset="0"/>
                         <a:ea typeface="Aptos" panose="020B0004020202020204" pitchFamily="34" charset="0"/>
@@ -8241,7 +8784,7 @@
                     <a:bodyPr/>
                     <a:lstStyle/>
                     <a:p>
-                      <a:pPr>
+                      <a:pPr algn="ctr">
                         <a:lnSpc>
                           <a:spcPct val="115000"/>
                         </a:lnSpc>
@@ -8251,12 +8794,12 @@
                         <a:buNone/>
                       </a:pPr>
                       <a:r>
-                        <a:rPr lang="en-IL" sz="1200" kern="100">
+                        <a:rPr lang="en-IL" sz="1200" kern="100" dirty="0">
                           <a:effectLst/>
                         </a:rPr>
                         <a:t>Funct7 form the operation in Writeback stage (padded to 32 bits)</a:t>
                       </a:r>
-                      <a:endParaRPr lang="en-IL" sz="1200" kern="100">
+                      <a:endParaRPr lang="en-IL" sz="1200" kern="100" dirty="0">
                         <a:effectLst/>
                         <a:latin typeface="Aptos" panose="020B0004020202020204" pitchFamily="34" charset="0"/>
                         <a:ea typeface="Aptos" panose="020B0004020202020204" pitchFamily="34" charset="0"/>
@@ -8278,7 +8821,7 @@
                     <a:bodyPr/>
                     <a:lstStyle/>
                     <a:p>
-                      <a:pPr>
+                      <a:pPr algn="ctr">
                         <a:lnSpc>
                           <a:spcPct val="115000"/>
                         </a:lnSpc>
@@ -8308,7 +8851,7 @@
                     <a:bodyPr/>
                     <a:lstStyle/>
                     <a:p>
-                      <a:pPr>
+                      <a:pPr algn="ctr">
                         <a:lnSpc>
                           <a:spcPct val="115000"/>
                         </a:lnSpc>
@@ -8318,12 +8861,12 @@
                         <a:buNone/>
                       </a:pPr>
                       <a:r>
-                        <a:rPr lang="en-IL" sz="1200" kern="100">
+                        <a:rPr lang="en-IL" sz="1200" kern="100" dirty="0">
                           <a:effectLst/>
                         </a:rPr>
-                        <a:t>        {29'b0, Funct3Wb_Dout}</a:t>
+                        <a:t>{29'b0, Funct3Wb_Dout}</a:t>
                       </a:r>
-                      <a:endParaRPr lang="en-IL" sz="1200" kern="100">
+                      <a:endParaRPr lang="en-IL" sz="1200" kern="100" dirty="0">
                         <a:effectLst/>
                         <a:latin typeface="Aptos" panose="020B0004020202020204" pitchFamily="34" charset="0"/>
                         <a:ea typeface="Aptos" panose="020B0004020202020204" pitchFamily="34" charset="0"/>
@@ -8338,7 +8881,7 @@
                     <a:bodyPr/>
                     <a:lstStyle/>
                     <a:p>
-                      <a:pPr>
+                      <a:pPr algn="ctr">
                         <a:lnSpc>
                           <a:spcPct val="115000"/>
                         </a:lnSpc>
@@ -8348,12 +8891,12 @@
                         <a:buNone/>
                       </a:pPr>
                       <a:r>
-                        <a:rPr lang="en-IL" sz="1200" kern="100">
+                        <a:rPr lang="en-IL" sz="1200" kern="100" dirty="0">
                           <a:effectLst/>
                         </a:rPr>
                         <a:t>Funct3 form the operation in Writeback stage (padded to 32 bits)</a:t>
                       </a:r>
-                      <a:endParaRPr lang="en-IL" sz="1200" kern="100">
+                      <a:endParaRPr lang="en-IL" sz="1200" kern="100" dirty="0">
                         <a:effectLst/>
                         <a:latin typeface="Aptos" panose="020B0004020202020204" pitchFamily="34" charset="0"/>
                         <a:ea typeface="Aptos" panose="020B0004020202020204" pitchFamily="34" charset="0"/>
@@ -8375,7 +8918,7 @@
                     <a:bodyPr/>
                     <a:lstStyle/>
                     <a:p>
-                      <a:pPr>
+                      <a:pPr algn="ctr">
                         <a:lnSpc>
                           <a:spcPct val="115000"/>
                         </a:lnSpc>
@@ -8405,7 +8948,7 @@
                     <a:bodyPr/>
                     <a:lstStyle/>
                     <a:p>
-                      <a:pPr>
+                      <a:pPr algn="ctr">
                         <a:lnSpc>
                           <a:spcPct val="115000"/>
                         </a:lnSpc>
@@ -8418,7 +8961,7 @@
                         <a:rPr lang="en-IL" sz="1200" kern="100" dirty="0">
                           <a:effectLst/>
                         </a:rPr>
-                        <a:t>        {23'b0, </a:t>
+                        <a:t>{23'b0, </a:t>
                       </a:r>
                       <a:r>
                         <a:rPr lang="en-IL" sz="1200" kern="100" dirty="0" err="1">
@@ -8447,7 +8990,7 @@
                     <a:bodyPr/>
                     <a:lstStyle/>
                     <a:p>
-                      <a:pPr>
+                      <a:pPr algn="ctr">
                         <a:lnSpc>
                           <a:spcPct val="115000"/>
                         </a:lnSpc>
@@ -8457,12 +9000,12 @@
                         <a:buNone/>
                       </a:pPr>
                       <a:r>
-                        <a:rPr lang="en-IL" sz="1200" kern="100">
+                        <a:rPr lang="en-IL" sz="1200" kern="100" dirty="0">
                           <a:effectLst/>
                         </a:rPr>
                         <a:t>Program Counter (padded to 32 bits)</a:t>
                       </a:r>
-                      <a:endParaRPr lang="en-IL" sz="1200" kern="100">
+                      <a:endParaRPr lang="en-IL" sz="1200" kern="100" dirty="0">
                         <a:effectLst/>
                         <a:latin typeface="Aptos" panose="020B0004020202020204" pitchFamily="34" charset="0"/>
                         <a:ea typeface="Aptos" panose="020B0004020202020204" pitchFamily="34" charset="0"/>
@@ -8484,7 +9027,7 @@
                     <a:bodyPr/>
                     <a:lstStyle/>
                     <a:p>
-                      <a:pPr>
+                      <a:pPr algn="ctr">
                         <a:lnSpc>
                           <a:spcPct val="115000"/>
                         </a:lnSpc>
@@ -8514,7 +9057,7 @@
                     <a:bodyPr/>
                     <a:lstStyle/>
                     <a:p>
-                      <a:pPr>
+                      <a:pPr algn="ctr">
                         <a:lnSpc>
                           <a:spcPct val="115000"/>
                         </a:lnSpc>
@@ -8524,12 +9067,12 @@
                         <a:buNone/>
                       </a:pPr>
                       <a:r>
-                        <a:rPr lang="en-IL" sz="1200" kern="100">
+                        <a:rPr lang="en-IL" sz="1200" kern="100" dirty="0" err="1">
                           <a:effectLst/>
                         </a:rPr>
-                        <a:t>        FAmux_Result_debug</a:t>
+                        <a:t>FAmux_Result_debug</a:t>
                       </a:r>
-                      <a:endParaRPr lang="en-IL" sz="1200" kern="100">
+                      <a:endParaRPr lang="en-IL" sz="1200" kern="100" dirty="0">
                         <a:effectLst/>
                         <a:latin typeface="Aptos" panose="020B0004020202020204" pitchFamily="34" charset="0"/>
                         <a:ea typeface="Aptos" panose="020B0004020202020204" pitchFamily="34" charset="0"/>
@@ -8544,7 +9087,7 @@
                     <a:bodyPr/>
                     <a:lstStyle/>
                     <a:p>
-                      <a:pPr>
+                      <a:pPr algn="ctr">
                         <a:lnSpc>
                           <a:spcPct val="115000"/>
                         </a:lnSpc>
@@ -8579,207 +9122,29 @@
           </a:graphicData>
         </a:graphic>
       </p:graphicFrame>
-    </p:spTree>
-    <p:extLst>
-      <p:ext uri="{BB962C8B-B14F-4D97-AF65-F5344CB8AC3E}">
-        <p14:creationId xmlns:p14="http://schemas.microsoft.com/office/powerpoint/2010/main" val="2802876541"/>
-      </p:ext>
-    </p:extLst>
-  </p:cSld>
-  <p:clrMapOvr>
-    <a:masterClrMapping/>
-  </p:clrMapOvr>
-</p:sld>
-</file>
-
-<file path=ppt/slides/slide11.xml><?xml version="1.0" encoding="utf-8"?>
-<p:sld xmlns:a="http://schemas.openxmlformats.org/drawingml/2006/main" xmlns:r="http://schemas.openxmlformats.org/officeDocument/2006/relationships" xmlns:p="http://schemas.openxmlformats.org/presentationml/2006/main">
-  <p:cSld>
-    <p:spTree>
-      <p:nvGrpSpPr>
-        <p:cNvPr id="1" name="">
-          <a:extLst>
-            <a:ext uri="{FF2B5EF4-FFF2-40B4-BE49-F238E27FC236}">
-              <a16:creationId xmlns:a16="http://schemas.microsoft.com/office/drawing/2014/main" id="{781AA9EA-E9F9-A326-3F16-EB8153A4F31E}"/>
-            </a:ext>
-          </a:extLst>
-        </p:cNvPr>
-        <p:cNvGrpSpPr/>
-        <p:nvPr/>
-      </p:nvGrpSpPr>
-      <p:grpSpPr>
-        <a:xfrm>
-          <a:off x="0" y="0"/>
-          <a:ext cx="0" cy="0"/>
-          <a:chOff x="0" y="0"/>
-          <a:chExt cx="0" cy="0"/>
-        </a:xfrm>
-      </p:grpSpPr>
-      <p:sp>
-        <p:nvSpPr>
-          <p:cNvPr id="19" name="Rectangle 18">
+      <p:graphicFrame>
+        <p:nvGraphicFramePr>
+          <p:cNvPr id="2" name="Content Placeholder 4">
             <a:extLst>
               <a:ext uri="{FF2B5EF4-FFF2-40B4-BE49-F238E27FC236}">
-                <a16:creationId xmlns:a16="http://schemas.microsoft.com/office/drawing/2014/main" id="{3D61C9F6-4617-CF28-E1DD-E09CC9F06F8D}"/>
-              </a:ext>
-            </a:extLst>
-          </p:cNvPr>
-          <p:cNvSpPr/>
-          <p:nvPr/>
-        </p:nvSpPr>
-        <p:spPr>
-          <a:xfrm>
-            <a:off x="1462167" y="1195602"/>
-            <a:ext cx="10729833" cy="1053885"/>
-          </a:xfrm>
-          <a:prstGeom prst="rect">
-            <a:avLst/>
-          </a:prstGeom>
-        </p:spPr>
-        <p:style>
-          <a:lnRef idx="0">
-            <a:schemeClr val="dk1">
-              <a:alpha val="0"/>
-              <a:hueOff val="0"/>
-              <a:satOff val="0"/>
-              <a:lumOff val="0"/>
-              <a:alphaOff val="0"/>
-            </a:schemeClr>
-          </a:lnRef>
-          <a:fillRef idx="0">
-            <a:schemeClr val="lt1">
-              <a:alpha val="0"/>
-              <a:hueOff val="0"/>
-              <a:satOff val="0"/>
-              <a:lumOff val="0"/>
-              <a:alphaOff val="0"/>
-            </a:schemeClr>
-          </a:fillRef>
-          <a:effectRef idx="0">
-            <a:schemeClr val="lt1">
-              <a:alpha val="0"/>
-              <a:hueOff val="0"/>
-              <a:satOff val="0"/>
-              <a:lumOff val="0"/>
-              <a:alphaOff val="0"/>
-            </a:schemeClr>
-          </a:effectRef>
-          <a:fontRef idx="minor">
-            <a:schemeClr val="tx1">
-              <a:hueOff val="0"/>
-              <a:satOff val="0"/>
-              <a:lumOff val="0"/>
-              <a:alphaOff val="0"/>
-            </a:schemeClr>
-          </a:fontRef>
-        </p:style>
-        <p:txBody>
-          <a:bodyPr/>
-          <a:lstStyle/>
-          <a:p>
-            <a:endParaRPr lang="en-IL"/>
-          </a:p>
-        </p:txBody>
-      </p:sp>
-      <p:sp>
-        <p:nvSpPr>
-          <p:cNvPr id="7" name="כותרת 1">
-            <a:extLst>
-              <a:ext uri="{FF2B5EF4-FFF2-40B4-BE49-F238E27FC236}">
-                <a16:creationId xmlns:a16="http://schemas.microsoft.com/office/drawing/2014/main" id="{88B65038-0ADF-F966-41C8-B846679D6009}"/>
-              </a:ext>
-            </a:extLst>
-          </p:cNvPr>
-          <p:cNvSpPr>
-            <a:spLocks noGrp="1"/>
-          </p:cNvSpPr>
-          <p:nvPr>
-            <p:ph type="title"/>
-          </p:nvPr>
-        </p:nvSpPr>
-        <p:spPr>
-          <a:xfrm>
-            <a:off x="305349" y="603066"/>
-            <a:ext cx="10319512" cy="592536"/>
-          </a:xfrm>
-        </p:spPr>
-        <p:txBody>
-          <a:bodyPr vert="horz" lIns="91440" tIns="45720" rIns="91440" bIns="45720" rtlCol="0" anchor="b">
-            <a:normAutofit fontScale="90000"/>
-          </a:bodyPr>
-          <a:lstStyle/>
-          <a:p>
-            <a:pPr algn="ctr" rtl="0"/>
-            <a:r>
-              <a:rPr lang="en-US" sz="3200" b="1" i="0" kern="1200" dirty="0">
-                <a:solidFill>
-                  <a:schemeClr val="tx1"/>
-                </a:solidFill>
-                <a:effectLst/>
-                <a:latin typeface="+mj-lt"/>
-                <a:ea typeface="+mj-ea"/>
-                <a:cs typeface="+mj-cs"/>
-              </a:rPr>
-              <a:t>Architectural design of the selected solution </a:t>
-            </a:r>
-            <a:br>
-              <a:rPr lang="en-US" sz="3200" b="1" i="0" kern="1200" dirty="0">
-                <a:solidFill>
-                  <a:schemeClr val="tx1"/>
-                </a:solidFill>
-                <a:effectLst/>
-                <a:latin typeface="+mj-lt"/>
-                <a:ea typeface="+mj-ea"/>
-                <a:cs typeface="+mj-cs"/>
-              </a:rPr>
-            </a:br>
-            <a:r>
-              <a:rPr lang="en-US" sz="3200" b="1" i="0" kern="1200" dirty="0">
-                <a:solidFill>
-                  <a:schemeClr val="tx1"/>
-                </a:solidFill>
-                <a:effectLst/>
-                <a:latin typeface="+mj-lt"/>
-                <a:ea typeface="+mj-ea"/>
-                <a:cs typeface="+mj-cs"/>
-              </a:rPr>
-              <a:t>Debug unit</a:t>
-            </a:r>
-            <a:endParaRPr lang="en-US" sz="3200" b="1" kern="1200" dirty="0">
-              <a:solidFill>
-                <a:schemeClr val="tx1"/>
-              </a:solidFill>
-              <a:latin typeface="+mj-lt"/>
-              <a:ea typeface="+mj-ea"/>
-              <a:cs typeface="+mj-cs"/>
-            </a:endParaRPr>
-          </a:p>
-        </p:txBody>
-      </p:sp>
-      <p:graphicFrame>
-        <p:nvGraphicFramePr>
-          <p:cNvPr id="5" name="Content Placeholder 4">
-            <a:extLst>
-              <a:ext uri="{FF2B5EF4-FFF2-40B4-BE49-F238E27FC236}">
-                <a16:creationId xmlns:a16="http://schemas.microsoft.com/office/drawing/2014/main" id="{23C28224-D79A-EA2C-C5D2-51DCF839AD1C}"/>
+                <a16:creationId xmlns:a16="http://schemas.microsoft.com/office/drawing/2014/main" id="{2634EE20-72FF-FCAC-299F-F301FDE62D20}"/>
               </a:ext>
             </a:extLst>
           </p:cNvPr>
           <p:cNvGraphicFramePr>
-            <a:graphicFrameLocks noGrp="1"/>
+            <a:graphicFrameLocks/>
           </p:cNvGraphicFramePr>
           <p:nvPr>
-            <p:ph idx="1"/>
             <p:extLst>
               <p:ext uri="{D42A27DB-BD31-4B8C-83A1-F6EECF244321}">
-                <p14:modId xmlns:p14="http://schemas.microsoft.com/office/powerpoint/2010/main" val="2381226379"/>
+                <p14:modId xmlns:p14="http://schemas.microsoft.com/office/powerpoint/2010/main" val="1780487609"/>
               </p:ext>
             </p:extLst>
           </p:nvPr>
         </p:nvGraphicFramePr>
         <p:xfrm>
-          <a:off x="1" y="1396721"/>
-          <a:ext cx="12192000" cy="5461274"/>
+          <a:off x="7059167" y="1143378"/>
+          <a:ext cx="5132833" cy="5704469"/>
         </p:xfrm>
         <a:graphic>
           <a:graphicData uri="http://schemas.openxmlformats.org/drawingml/2006/table">
@@ -8788,21 +9153,21 @@
                 <a:tableStyleId>{5C22544A-7EE6-4342-B048-85BDC9FD1C3A}</a:tableStyleId>
               </a:tblPr>
               <a:tblGrid>
-                <a:gridCol w="598206">
+                <a:gridCol w="356617">
                   <a:extLst>
                     <a:ext uri="{9D8B030D-6E8A-4147-A177-3AD203B41FA5}">
                       <a16:colId xmlns:a16="http://schemas.microsoft.com/office/drawing/2014/main" val="1480150233"/>
                     </a:ext>
                   </a:extLst>
                 </a:gridCol>
-                <a:gridCol w="2144993">
+                <a:gridCol w="1490472">
                   <a:extLst>
                     <a:ext uri="{9D8B030D-6E8A-4147-A177-3AD203B41FA5}">
                       <a16:colId xmlns:a16="http://schemas.microsoft.com/office/drawing/2014/main" val="1601913796"/>
                     </a:ext>
                   </a:extLst>
                 </a:gridCol>
-                <a:gridCol w="9448801">
+                <a:gridCol w="3285744">
                   <a:extLst>
                     <a:ext uri="{9D8B030D-6E8A-4147-A177-3AD203B41FA5}">
                       <a16:colId xmlns:a16="http://schemas.microsoft.com/office/drawing/2014/main" val="663607051"/>
@@ -8810,13 +9175,13 @@
                   </a:extLst>
                 </a:gridCol>
               </a:tblGrid>
-              <a:tr h="318325">
+              <a:tr h="206661">
                 <a:tc>
                   <a:txBody>
                     <a:bodyPr/>
                     <a:lstStyle/>
                     <a:p>
-                      <a:pPr>
+                      <a:pPr algn="ctr">
                         <a:lnSpc>
                           <a:spcPct val="115000"/>
                         </a:lnSpc>
@@ -8826,12 +9191,15 @@
                         <a:buNone/>
                       </a:pPr>
                       <a:r>
-                        <a:rPr lang="en-IL" sz="1200" kern="100">
+                        <a:rPr lang="en-US" sz="1200" kern="100" dirty="0">
                           <a:effectLst/>
+                          <a:latin typeface="Aptos" panose="020B0004020202020204" pitchFamily="34" charset="0"/>
+                          <a:ea typeface="Aptos" panose="020B0004020202020204" pitchFamily="34" charset="0"/>
+                          <a:cs typeface="Arial" panose="020B0604020202020204" pitchFamily="34" charset="0"/>
                         </a:rPr>
-                        <a:t>15</a:t>
+                        <a:t>Sel</a:t>
                       </a:r>
-                      <a:endParaRPr lang="en-IL" sz="1200" kern="100">
+                      <a:endParaRPr lang="en-IL" sz="1200" kern="100" dirty="0">
                         <a:effectLst/>
                         <a:latin typeface="Aptos" panose="020B0004020202020204" pitchFamily="34" charset="0"/>
                         <a:ea typeface="Aptos" panose="020B0004020202020204" pitchFamily="34" charset="0"/>
@@ -8846,7 +9214,7 @@
                     <a:bodyPr/>
                     <a:lstStyle/>
                     <a:p>
-                      <a:pPr>
+                      <a:pPr algn="ctr">
                         <a:lnSpc>
                           <a:spcPct val="115000"/>
                         </a:lnSpc>
@@ -8856,14 +9224,117 @@
                         <a:buNone/>
                       </a:pPr>
                       <a:r>
-                        <a:rPr lang="en-IL" sz="1200" kern="100" dirty="0">
+                        <a:rPr lang="en-US" sz="1200" kern="100" dirty="0">
                           <a:effectLst/>
+                          <a:latin typeface="Aptos" panose="020B0004020202020204" pitchFamily="34" charset="0"/>
+                          <a:ea typeface="Aptos" panose="020B0004020202020204" pitchFamily="34" charset="0"/>
+                          <a:cs typeface="Arial" panose="020B0604020202020204" pitchFamily="34" charset="0"/>
                         </a:rPr>
-                        <a:t>        </a:t>
+                        <a:t>Output</a:t>
                       </a:r>
+                      <a:endParaRPr lang="en-IL" sz="1200" kern="100" dirty="0">
+                        <a:effectLst/>
+                        <a:latin typeface="Aptos" panose="020B0004020202020204" pitchFamily="34" charset="0"/>
+                        <a:ea typeface="Aptos" panose="020B0004020202020204" pitchFamily="34" charset="0"/>
+                        <a:cs typeface="Arial" panose="020B0604020202020204" pitchFamily="34" charset="0"/>
+                      </a:endParaRPr>
+                    </a:p>
+                  </a:txBody>
+                  <a:tcPr marL="68580" marR="68580" marT="0" marB="0"/>
+                </a:tc>
+                <a:tc>
+                  <a:txBody>
+                    <a:bodyPr/>
+                    <a:lstStyle/>
+                    <a:p>
+                      <a:pPr algn="ctr">
+                        <a:lnSpc>
+                          <a:spcPct val="115000"/>
+                        </a:lnSpc>
+                        <a:spcAft>
+                          <a:spcPts val="800"/>
+                        </a:spcAft>
+                        <a:buNone/>
+                      </a:pPr>
                       <a:r>
-                        <a:rPr lang="en-IL" sz="1200" kern="100" dirty="0" err="1">
+                        <a:rPr lang="en-US" sz="1200" kern="100" dirty="0">
                           <a:effectLst/>
+                          <a:latin typeface="Aptos" panose="020B0004020202020204" pitchFamily="34" charset="0"/>
+                          <a:ea typeface="Aptos" panose="020B0004020202020204" pitchFamily="34" charset="0"/>
+                          <a:cs typeface="Arial" panose="020B0604020202020204" pitchFamily="34" charset="0"/>
+                        </a:rPr>
+                        <a:t>Description</a:t>
+                      </a:r>
+                      <a:endParaRPr lang="en-IL" sz="1200" kern="100" dirty="0">
+                        <a:effectLst/>
+                        <a:latin typeface="Aptos" panose="020B0004020202020204" pitchFamily="34" charset="0"/>
+                        <a:ea typeface="Aptos" panose="020B0004020202020204" pitchFamily="34" charset="0"/>
+                        <a:cs typeface="Arial" panose="020B0604020202020204" pitchFamily="34" charset="0"/>
+                      </a:endParaRPr>
+                    </a:p>
+                  </a:txBody>
+                  <a:tcPr marL="68580" marR="68580" marT="0" marB="0"/>
+                </a:tc>
+                <a:extLst>
+                  <a:ext uri="{0D108BD9-81ED-4DB2-BD59-A6C34878D82A}">
+                    <a16:rowId xmlns:a16="http://schemas.microsoft.com/office/drawing/2014/main" val="619800027"/>
+                  </a:ext>
+                </a:extLst>
+              </a:tr>
+              <a:tr h="206661">
+                <a:tc>
+                  <a:txBody>
+                    <a:bodyPr/>
+                    <a:lstStyle/>
+                    <a:p>
+                      <a:pPr algn="ctr">
+                        <a:lnSpc>
+                          <a:spcPct val="115000"/>
+                        </a:lnSpc>
+                        <a:spcAft>
+                          <a:spcPts val="800"/>
+                        </a:spcAft>
+                        <a:buNone/>
+                      </a:pPr>
+                      <a:r>
+                        <a:rPr lang="en-US" sz="1200" kern="100" dirty="0">
+                          <a:effectLst/>
+                          <a:latin typeface="Aptos" panose="020B0004020202020204" pitchFamily="34" charset="0"/>
+                          <a:ea typeface="Aptos" panose="020B0004020202020204" pitchFamily="34" charset="0"/>
+                          <a:cs typeface="Arial" panose="020B0604020202020204" pitchFamily="34" charset="0"/>
+                        </a:rPr>
+                        <a:t>15</a:t>
+                      </a:r>
+                      <a:endParaRPr lang="en-IL" sz="1200" kern="100" dirty="0">
+                        <a:effectLst/>
+                        <a:latin typeface="Aptos" panose="020B0004020202020204" pitchFamily="34" charset="0"/>
+                        <a:ea typeface="Aptos" panose="020B0004020202020204" pitchFamily="34" charset="0"/>
+                        <a:cs typeface="Arial" panose="020B0604020202020204" pitchFamily="34" charset="0"/>
+                      </a:endParaRPr>
+                    </a:p>
+                  </a:txBody>
+                  <a:tcPr marL="68580" marR="68580" marT="0" marB="0"/>
+                </a:tc>
+                <a:tc>
+                  <a:txBody>
+                    <a:bodyPr/>
+                    <a:lstStyle/>
+                    <a:p>
+                      <a:pPr algn="ctr">
+                        <a:lnSpc>
+                          <a:spcPct val="115000"/>
+                        </a:lnSpc>
+                        <a:spcAft>
+                          <a:spcPts val="800"/>
+                        </a:spcAft>
+                        <a:buNone/>
+                      </a:pPr>
+                      <a:r>
+                        <a:rPr lang="en-US" sz="1200" kern="100" dirty="0" err="1">
+                          <a:effectLst/>
+                          <a:latin typeface="Aptos" panose="020B0004020202020204" pitchFamily="34" charset="0"/>
+                          <a:ea typeface="Aptos" panose="020B0004020202020204" pitchFamily="34" charset="0"/>
+                          <a:cs typeface="Arial" panose="020B0604020202020204" pitchFamily="34" charset="0"/>
                         </a:rPr>
                         <a:t>SrcB_debug</a:t>
                       </a:r>
@@ -8882,7 +9353,7 @@
                     <a:bodyPr/>
                     <a:lstStyle/>
                     <a:p>
-                      <a:pPr>
+                      <a:pPr algn="ctr">
                         <a:lnSpc>
                           <a:spcPct val="115000"/>
                         </a:lnSpc>
@@ -8892,34 +9363,31 @@
                         <a:buNone/>
                       </a:pPr>
                       <a:r>
-                        <a:rPr lang="en-IL" sz="1200" kern="100" dirty="0">
+                        <a:rPr lang="en-US" sz="1200" kern="100" dirty="0">
                           <a:effectLst/>
+                          <a:latin typeface="Aptos" panose="020B0004020202020204" pitchFamily="34" charset="0"/>
+                          <a:ea typeface="Aptos" panose="020B0004020202020204" pitchFamily="34" charset="0"/>
+                          <a:cs typeface="Arial" panose="020B0604020202020204" pitchFamily="34" charset="0"/>
                         </a:rPr>
                         <a:t>Source B debug</a:t>
                       </a:r>
-                      <a:endParaRPr lang="en-IL" sz="1200" kern="100" dirty="0">
-                        <a:effectLst/>
-                        <a:latin typeface="Aptos" panose="020B0004020202020204" pitchFamily="34" charset="0"/>
-                        <a:ea typeface="Aptos" panose="020B0004020202020204" pitchFamily="34" charset="0"/>
-                        <a:cs typeface="Arial" panose="020B0604020202020204" pitchFamily="34" charset="0"/>
-                      </a:endParaRPr>
                     </a:p>
                   </a:txBody>
                   <a:tcPr marL="68580" marR="68580" marT="0" marB="0"/>
                 </a:tc>
                 <a:extLst>
                   <a:ext uri="{0D108BD9-81ED-4DB2-BD59-A6C34878D82A}">
-                    <a16:rowId xmlns:a16="http://schemas.microsoft.com/office/drawing/2014/main" val="619800027"/>
+                    <a16:rowId xmlns:a16="http://schemas.microsoft.com/office/drawing/2014/main" val="2121893194"/>
                   </a:ext>
                 </a:extLst>
               </a:tr>
-              <a:tr h="318325">
+              <a:tr h="417560">
                 <a:tc>
                   <a:txBody>
                     <a:bodyPr/>
                     <a:lstStyle/>
                     <a:p>
-                      <a:pPr>
+                      <a:pPr algn="ctr">
                         <a:lnSpc>
                           <a:spcPct val="115000"/>
                         </a:lnSpc>
@@ -8949,7 +9417,7 @@
                     <a:bodyPr/>
                     <a:lstStyle/>
                     <a:p>
-                      <a:pPr>
+                      <a:pPr algn="ctr">
                         <a:lnSpc>
                           <a:spcPct val="115000"/>
                         </a:lnSpc>
@@ -8959,12 +9427,24 @@
                         <a:buNone/>
                       </a:pPr>
                       <a:r>
-                        <a:rPr lang="en-IL" sz="1200" kern="100">
+                        <a:rPr lang="en-IL" sz="1200" kern="100" dirty="0">
                           <a:effectLst/>
                         </a:rPr>
-                        <a:t>        {31'b0, PcSel_debug}</a:t>
+                        <a:t>{31'b0, </a:t>
                       </a:r>
-                      <a:endParaRPr lang="en-IL" sz="1200" kern="100">
+                      <a:r>
+                        <a:rPr lang="en-IL" sz="1200" kern="100" dirty="0" err="1">
+                          <a:effectLst/>
+                        </a:rPr>
+                        <a:t>PcSel_debug</a:t>
+                      </a:r>
+                      <a:r>
+                        <a:rPr lang="en-IL" sz="1200" kern="100" dirty="0">
+                          <a:effectLst/>
+                        </a:rPr>
+                        <a:t>}</a:t>
+                      </a:r>
+                      <a:endParaRPr lang="en-IL" sz="1200" kern="100" dirty="0">
                         <a:effectLst/>
                         <a:latin typeface="Aptos" panose="020B0004020202020204" pitchFamily="34" charset="0"/>
                         <a:ea typeface="Aptos" panose="020B0004020202020204" pitchFamily="34" charset="0"/>
@@ -8979,7 +9459,7 @@
                     <a:bodyPr/>
                     <a:lstStyle/>
                     <a:p>
-                      <a:pPr>
+                      <a:pPr algn="ctr">
                         <a:lnSpc>
                           <a:spcPct val="115000"/>
                         </a:lnSpc>
@@ -8989,12 +9469,12 @@
                         <a:buNone/>
                       </a:pPr>
                       <a:r>
-                        <a:rPr lang="en-IL" sz="1200" kern="100">
+                        <a:rPr lang="en-IL" sz="1200" kern="100" dirty="0">
                           <a:effectLst/>
                         </a:rPr>
                         <a:t>PC select signal (padded to 32 bits)</a:t>
                       </a:r>
-                      <a:endParaRPr lang="en-IL" sz="1200" kern="100">
+                      <a:endParaRPr lang="en-IL" sz="1200" kern="100" dirty="0">
                         <a:effectLst/>
                         <a:latin typeface="Aptos" panose="020B0004020202020204" pitchFamily="34" charset="0"/>
                         <a:ea typeface="Aptos" panose="020B0004020202020204" pitchFamily="34" charset="0"/>
@@ -9010,13 +9490,13 @@
                   </a:ext>
                 </a:extLst>
               </a:tr>
-              <a:tr h="318325">
+              <a:tr h="417560">
                 <a:tc>
                   <a:txBody>
                     <a:bodyPr/>
                     <a:lstStyle/>
                     <a:p>
-                      <a:pPr>
+                      <a:pPr algn="ctr">
                         <a:lnSpc>
                           <a:spcPct val="115000"/>
                         </a:lnSpc>
@@ -9046,7 +9526,7 @@
                     <a:bodyPr/>
                     <a:lstStyle/>
                     <a:p>
-                      <a:pPr>
+                      <a:pPr algn="ctr">
                         <a:lnSpc>
                           <a:spcPct val="115000"/>
                         </a:lnSpc>
@@ -9056,12 +9536,24 @@
                         <a:buNone/>
                       </a:pPr>
                       <a:r>
-                        <a:rPr lang="en-IL" sz="1200" kern="100">
+                        <a:rPr lang="en-IL" sz="1200" kern="100" dirty="0">
                           <a:effectLst/>
                         </a:rPr>
-                        <a:t>        {23'b0, BrPC_debug}</a:t>
+                        <a:t>{23'b0, </a:t>
                       </a:r>
-                      <a:endParaRPr lang="en-IL" sz="1200" kern="100">
+                      <a:r>
+                        <a:rPr lang="en-IL" sz="1200" kern="100" dirty="0" err="1">
+                          <a:effectLst/>
+                        </a:rPr>
+                        <a:t>BrPC_debug</a:t>
+                      </a:r>
+                      <a:r>
+                        <a:rPr lang="en-IL" sz="1200" kern="100" dirty="0">
+                          <a:effectLst/>
+                        </a:rPr>
+                        <a:t>}</a:t>
+                      </a:r>
+                      <a:endParaRPr lang="en-IL" sz="1200" kern="100" dirty="0">
                         <a:effectLst/>
                         <a:latin typeface="Aptos" panose="020B0004020202020204" pitchFamily="34" charset="0"/>
                         <a:ea typeface="Aptos" panose="020B0004020202020204" pitchFamily="34" charset="0"/>
@@ -9076,7 +9568,7 @@
                     <a:bodyPr/>
                     <a:lstStyle/>
                     <a:p>
-                      <a:pPr>
+                      <a:pPr algn="ctr">
                         <a:lnSpc>
                           <a:spcPct val="115000"/>
                         </a:lnSpc>
@@ -9086,12 +9578,12 @@
                         <a:buNone/>
                       </a:pPr>
                       <a:r>
-                        <a:rPr lang="en-IL" sz="1200" kern="100">
+                        <a:rPr lang="en-IL" sz="1200" kern="100" dirty="0">
                           <a:effectLst/>
                         </a:rPr>
                         <a:t>Branch PC (padded to 32 bits)</a:t>
                       </a:r>
-                      <a:endParaRPr lang="en-IL" sz="1200" kern="100">
+                      <a:endParaRPr lang="en-IL" sz="1200" kern="100" dirty="0">
                         <a:effectLst/>
                         <a:latin typeface="Aptos" panose="020B0004020202020204" pitchFamily="34" charset="0"/>
                         <a:ea typeface="Aptos" panose="020B0004020202020204" pitchFamily="34" charset="0"/>
@@ -9107,13 +9599,13 @@
                   </a:ext>
                 </a:extLst>
               </a:tr>
-              <a:tr h="318325">
+              <a:tr h="325054">
                 <a:tc>
                   <a:txBody>
                     <a:bodyPr/>
                     <a:lstStyle/>
                     <a:p>
-                      <a:pPr>
+                      <a:pPr algn="ctr">
                         <a:lnSpc>
                           <a:spcPct val="115000"/>
                         </a:lnSpc>
@@ -9143,7 +9635,7 @@
                     <a:bodyPr/>
                     <a:lstStyle/>
                     <a:p>
-                      <a:pPr>
+                      <a:pPr algn="ctr">
                         <a:lnSpc>
                           <a:spcPct val="115000"/>
                         </a:lnSpc>
@@ -9153,12 +9645,12 @@
                         <a:buNone/>
                       </a:pPr>
                       <a:r>
-                        <a:rPr lang="en-IL" sz="1200" kern="100">
+                        <a:rPr lang="en-IL" sz="1200" kern="100" dirty="0" err="1">
                           <a:effectLst/>
                         </a:rPr>
-                        <a:t>        ALUResult_debug</a:t>
+                        <a:t>ALUResult_debug</a:t>
                       </a:r>
-                      <a:endParaRPr lang="en-IL" sz="1200" kern="100">
+                      <a:endParaRPr lang="en-IL" sz="1200" kern="100" dirty="0">
                         <a:effectLst/>
                         <a:latin typeface="Aptos" panose="020B0004020202020204" pitchFamily="34" charset="0"/>
                         <a:ea typeface="Aptos" panose="020B0004020202020204" pitchFamily="34" charset="0"/>
@@ -9173,7 +9665,7 @@
                     <a:bodyPr/>
                     <a:lstStyle/>
                     <a:p>
-                      <a:pPr>
+                      <a:pPr algn="ctr">
                         <a:lnSpc>
                           <a:spcPct val="115000"/>
                         </a:lnSpc>
@@ -9183,12 +9675,12 @@
                         <a:buNone/>
                       </a:pPr>
                       <a:r>
-                        <a:rPr lang="en-IL" sz="1200" kern="100">
+                        <a:rPr lang="en-IL" sz="1200" kern="100" dirty="0">
                           <a:effectLst/>
                         </a:rPr>
                         <a:t>ALU result</a:t>
                       </a:r>
-                      <a:endParaRPr lang="en-IL" sz="1200" kern="100">
+                      <a:endParaRPr lang="en-IL" sz="1200" kern="100" dirty="0">
                         <a:effectLst/>
                         <a:latin typeface="Aptos" panose="020B0004020202020204" pitchFamily="34" charset="0"/>
                         <a:ea typeface="Aptos" panose="020B0004020202020204" pitchFamily="34" charset="0"/>
@@ -9204,13 +9696,13 @@
                   </a:ext>
                 </a:extLst>
               </a:tr>
-              <a:tr h="318325">
+              <a:tr h="325054">
                 <a:tc>
                   <a:txBody>
                     <a:bodyPr/>
                     <a:lstStyle/>
                     <a:p>
-                      <a:pPr>
+                      <a:pPr algn="ctr">
                         <a:lnSpc>
                           <a:spcPct val="115000"/>
                         </a:lnSpc>
@@ -9240,7 +9732,7 @@
                     <a:bodyPr/>
                     <a:lstStyle/>
                     <a:p>
-                      <a:pPr>
+                      <a:pPr algn="ctr">
                         <a:lnSpc>
                           <a:spcPct val="115000"/>
                         </a:lnSpc>
@@ -9250,12 +9742,12 @@
                         <a:buNone/>
                       </a:pPr>
                       <a:r>
-                        <a:rPr lang="en-IL" sz="1200" kern="100">
+                        <a:rPr lang="en-IL" sz="1200" kern="100" dirty="0">
                           <a:effectLst/>
                         </a:rPr>
-                        <a:t>        {28'b0, Operation}</a:t>
+                        <a:t>{28'b0, Operation}</a:t>
                       </a:r>
-                      <a:endParaRPr lang="en-IL" sz="1200" kern="100">
+                      <a:endParaRPr lang="en-IL" sz="1200" kern="100" dirty="0">
                         <a:effectLst/>
                         <a:latin typeface="Aptos" panose="020B0004020202020204" pitchFamily="34" charset="0"/>
                         <a:ea typeface="Aptos" panose="020B0004020202020204" pitchFamily="34" charset="0"/>
@@ -9270,7 +9762,7 @@
                     <a:bodyPr/>
                     <a:lstStyle/>
                     <a:p>
-                      <a:pPr>
+                      <a:pPr algn="ctr">
                         <a:lnSpc>
                           <a:spcPct val="115000"/>
                         </a:lnSpc>
@@ -9280,12 +9772,12 @@
                         <a:buNone/>
                       </a:pPr>
                       <a:r>
-                        <a:rPr lang="en-IL" sz="1200" kern="100">
+                        <a:rPr lang="en-IL" sz="1200" kern="100" dirty="0">
                           <a:effectLst/>
                         </a:rPr>
                         <a:t>ALU operation code (padded to 32 bits)</a:t>
                       </a:r>
-                      <a:endParaRPr lang="en-IL" sz="1200" kern="100">
+                      <a:endParaRPr lang="en-IL" sz="1200" kern="100" dirty="0">
                         <a:effectLst/>
                         <a:latin typeface="Aptos" panose="020B0004020202020204" pitchFamily="34" charset="0"/>
                         <a:ea typeface="Aptos" panose="020B0004020202020204" pitchFamily="34" charset="0"/>
@@ -9301,13 +9793,13 @@
                   </a:ext>
                 </a:extLst>
               </a:tr>
-              <a:tr h="318325">
+              <a:tr h="325054">
                 <a:tc>
                   <a:txBody>
                     <a:bodyPr/>
                     <a:lstStyle/>
                     <a:p>
-                      <a:pPr>
+                      <a:pPr algn="ctr">
                         <a:lnSpc>
                           <a:spcPct val="115000"/>
                         </a:lnSpc>
@@ -9337,7 +9829,7 @@
                     <a:bodyPr/>
                     <a:lstStyle/>
                     <a:p>
-                      <a:pPr>
+                      <a:pPr algn="ctr">
                         <a:lnSpc>
                           <a:spcPct val="115000"/>
                         </a:lnSpc>
@@ -9347,12 +9839,24 @@
                         <a:buNone/>
                       </a:pPr>
                       <a:r>
-                        <a:rPr lang="en-IL" sz="1200" kern="100">
+                        <a:rPr lang="en-IL" sz="1200" kern="100" dirty="0">
                           <a:effectLst/>
                         </a:rPr>
-                        <a:t>        {23'b0, addr}</a:t>
+                        <a:t>{23'b0, </a:t>
                       </a:r>
-                      <a:endParaRPr lang="en-IL" sz="1200" kern="100">
+                      <a:r>
+                        <a:rPr lang="en-IL" sz="1200" kern="100" dirty="0" err="1">
+                          <a:effectLst/>
+                        </a:rPr>
+                        <a:t>addr</a:t>
+                      </a:r>
+                      <a:r>
+                        <a:rPr lang="en-IL" sz="1200" kern="100" dirty="0">
+                          <a:effectLst/>
+                        </a:rPr>
+                        <a:t>}</a:t>
+                      </a:r>
+                      <a:endParaRPr lang="en-IL" sz="1200" kern="100" dirty="0">
                         <a:effectLst/>
                         <a:latin typeface="Aptos" panose="020B0004020202020204" pitchFamily="34" charset="0"/>
                         <a:ea typeface="Aptos" panose="020B0004020202020204" pitchFamily="34" charset="0"/>
@@ -9367,7 +9871,7 @@
                     <a:bodyPr/>
                     <a:lstStyle/>
                     <a:p>
-                      <a:pPr>
+                      <a:pPr algn="ctr">
                         <a:lnSpc>
                           <a:spcPct val="115000"/>
                         </a:lnSpc>
@@ -9377,12 +9881,12 @@
                         <a:buNone/>
                       </a:pPr>
                       <a:r>
-                        <a:rPr lang="en-IL" sz="1200" kern="100">
+                        <a:rPr lang="en-IL" sz="1200" kern="100" dirty="0">
                           <a:effectLst/>
                         </a:rPr>
                         <a:t>Memory address (padded to 32 bits)</a:t>
                       </a:r>
-                      <a:endParaRPr lang="en-IL" sz="1200" kern="100">
+                      <a:endParaRPr lang="en-IL" sz="1200" kern="100" dirty="0">
                         <a:effectLst/>
                         <a:latin typeface="Aptos" panose="020B0004020202020204" pitchFamily="34" charset="0"/>
                         <a:ea typeface="Aptos" panose="020B0004020202020204" pitchFamily="34" charset="0"/>
@@ -9398,13 +9902,13 @@
                   </a:ext>
                 </a:extLst>
               </a:tr>
-              <a:tr h="318325">
+              <a:tr h="325054">
                 <a:tc>
                   <a:txBody>
                     <a:bodyPr/>
                     <a:lstStyle/>
                     <a:p>
-                      <a:pPr>
+                      <a:pPr algn="ctr">
                         <a:lnSpc>
                           <a:spcPct val="115000"/>
                         </a:lnSpc>
@@ -9434,7 +9938,7 @@
                     <a:bodyPr/>
                     <a:lstStyle/>
                     <a:p>
-                      <a:pPr>
+                      <a:pPr algn="ctr">
                         <a:lnSpc>
                           <a:spcPct val="115000"/>
                         </a:lnSpc>
@@ -9444,12 +9948,12 @@
                         <a:buNone/>
                       </a:pPr>
                       <a:r>
-                        <a:rPr lang="en-IL" sz="1200" kern="100">
+                        <a:rPr lang="en-IL" sz="1200" kern="100" dirty="0" err="1">
                           <a:effectLst/>
                         </a:rPr>
-                        <a:t>        wr_data</a:t>
+                        <a:t>wr_data</a:t>
                       </a:r>
-                      <a:endParaRPr lang="en-IL" sz="1200" kern="100">
+                      <a:endParaRPr lang="en-IL" sz="1200" kern="100" dirty="0">
                         <a:effectLst/>
                         <a:latin typeface="Aptos" panose="020B0004020202020204" pitchFamily="34" charset="0"/>
                         <a:ea typeface="Aptos" panose="020B0004020202020204" pitchFamily="34" charset="0"/>
@@ -9464,7 +9968,7 @@
                     <a:bodyPr/>
                     <a:lstStyle/>
                     <a:p>
-                      <a:pPr>
+                      <a:pPr algn="ctr">
                         <a:lnSpc>
                           <a:spcPct val="115000"/>
                         </a:lnSpc>
@@ -9474,12 +9978,12 @@
                         <a:buNone/>
                       </a:pPr>
                       <a:r>
-                        <a:rPr lang="en-IL" sz="1200" kern="100">
+                        <a:rPr lang="en-IL" sz="1200" kern="100" dirty="0">
                           <a:effectLst/>
                         </a:rPr>
                         <a:t>Data written to memory</a:t>
                       </a:r>
-                      <a:endParaRPr lang="en-IL" sz="1200" kern="100">
+                      <a:endParaRPr lang="en-IL" sz="1200" kern="100" dirty="0">
                         <a:effectLst/>
                         <a:latin typeface="Aptos" panose="020B0004020202020204" pitchFamily="34" charset="0"/>
                         <a:ea typeface="Aptos" panose="020B0004020202020204" pitchFamily="34" charset="0"/>
@@ -9495,13 +9999,13 @@
                   </a:ext>
                 </a:extLst>
               </a:tr>
-              <a:tr h="318325">
+              <a:tr h="325054">
                 <a:tc>
                   <a:txBody>
                     <a:bodyPr/>
                     <a:lstStyle/>
                     <a:p>
-                      <a:pPr>
+                      <a:pPr algn="ctr">
                         <a:lnSpc>
                           <a:spcPct val="115000"/>
                         </a:lnSpc>
@@ -9531,7 +10035,7 @@
                     <a:bodyPr/>
                     <a:lstStyle/>
                     <a:p>
-                      <a:pPr>
+                      <a:pPr algn="ctr">
                         <a:lnSpc>
                           <a:spcPct val="115000"/>
                         </a:lnSpc>
@@ -9541,12 +10045,12 @@
                         <a:buNone/>
                       </a:pPr>
                       <a:r>
-                        <a:rPr lang="en-IL" sz="1200" kern="100">
+                        <a:rPr lang="en-IL" sz="1200" kern="100" dirty="0" err="1">
                           <a:effectLst/>
                         </a:rPr>
-                        <a:t>        rd_data</a:t>
+                        <a:t>rd_data</a:t>
                       </a:r>
-                      <a:endParaRPr lang="en-IL" sz="1200" kern="100">
+                      <a:endParaRPr lang="en-IL" sz="1200" kern="100" dirty="0">
                         <a:effectLst/>
                         <a:latin typeface="Aptos" panose="020B0004020202020204" pitchFamily="34" charset="0"/>
                         <a:ea typeface="Aptos" panose="020B0004020202020204" pitchFamily="34" charset="0"/>
@@ -9561,7 +10065,7 @@
                     <a:bodyPr/>
                     <a:lstStyle/>
                     <a:p>
-                      <a:pPr>
+                      <a:pPr algn="ctr">
                         <a:lnSpc>
                           <a:spcPct val="115000"/>
                         </a:lnSpc>
@@ -9571,12 +10075,12 @@
                         <a:buNone/>
                       </a:pPr>
                       <a:r>
-                        <a:rPr lang="en-IL" sz="1200" kern="100">
+                        <a:rPr lang="en-IL" sz="1200" kern="100" dirty="0">
                           <a:effectLst/>
                         </a:rPr>
                         <a:t>Data read from memory</a:t>
                       </a:r>
-                      <a:endParaRPr lang="en-IL" sz="1200" kern="100">
+                      <a:endParaRPr lang="en-IL" sz="1200" kern="100" dirty="0">
                         <a:effectLst/>
                         <a:latin typeface="Aptos" panose="020B0004020202020204" pitchFamily="34" charset="0"/>
                         <a:ea typeface="Aptos" panose="020B0004020202020204" pitchFamily="34" charset="0"/>
@@ -9592,13 +10096,13 @@
                   </a:ext>
                 </a:extLst>
               </a:tr>
-              <a:tr h="653233">
+              <a:tr h="667042">
                 <a:tc>
                   <a:txBody>
                     <a:bodyPr/>
                     <a:lstStyle/>
                     <a:p>
-                      <a:pPr>
+                      <a:pPr algn="ctr">
                         <a:lnSpc>
                           <a:spcPct val="115000"/>
                         </a:lnSpc>
@@ -9628,7 +10132,7 @@
                     <a:bodyPr/>
                     <a:lstStyle/>
                     <a:p>
-                      <a:pPr>
+                      <a:pPr algn="ctr">
                         <a:lnSpc>
                           <a:spcPct val="115000"/>
                         </a:lnSpc>
@@ -9638,12 +10142,24 @@
                         <a:buNone/>
                       </a:pPr>
                       <a:r>
-                        <a:rPr lang="en-IL" sz="1200" kern="100">
+                        <a:rPr lang="en-IL" sz="1200" kern="100" dirty="0">
                           <a:effectLst/>
                         </a:rPr>
-                        <a:t>        {31'b0, wr}</a:t>
+                        <a:t>{31'b0, </a:t>
                       </a:r>
-                      <a:endParaRPr lang="en-IL" sz="1200" kern="100">
+                      <a:r>
+                        <a:rPr lang="en-IL" sz="1200" kern="100" dirty="0" err="1">
+                          <a:effectLst/>
+                        </a:rPr>
+                        <a:t>wr</a:t>
+                      </a:r>
+                      <a:r>
+                        <a:rPr lang="en-IL" sz="1200" kern="100" dirty="0">
+                          <a:effectLst/>
+                        </a:rPr>
+                        <a:t>}</a:t>
+                      </a:r>
+                      <a:endParaRPr lang="en-IL" sz="1200" kern="100" dirty="0">
                         <a:effectLst/>
                         <a:latin typeface="Aptos" panose="020B0004020202020204" pitchFamily="34" charset="0"/>
                         <a:ea typeface="Aptos" panose="020B0004020202020204" pitchFamily="34" charset="0"/>
@@ -9658,7 +10174,7 @@
                     <a:bodyPr/>
                     <a:lstStyle/>
                     <a:p>
-                      <a:pPr>
+                      <a:pPr algn="ctr">
                         <a:lnSpc>
                           <a:spcPct val="115000"/>
                         </a:lnSpc>
@@ -9668,12 +10184,12 @@
                         <a:buNone/>
                       </a:pPr>
                       <a:r>
-                        <a:rPr lang="en-IL" sz="1200" kern="100">
+                        <a:rPr lang="en-IL" sz="1200" kern="100" dirty="0">
                           <a:effectLst/>
                         </a:rPr>
                         <a:t>Register written to number (padded to 32 bits)</a:t>
                       </a:r>
-                      <a:endParaRPr lang="en-IL" sz="1200" kern="100">
+                      <a:endParaRPr lang="en-IL" sz="1200" kern="100" dirty="0">
                         <a:effectLst/>
                         <a:latin typeface="Aptos" panose="020B0004020202020204" pitchFamily="34" charset="0"/>
                         <a:ea typeface="Aptos" panose="020B0004020202020204" pitchFamily="34" charset="0"/>
@@ -9689,13 +10205,13 @@
                   </a:ext>
                 </a:extLst>
               </a:tr>
-              <a:tr h="653233">
+              <a:tr h="521511">
                 <a:tc>
                   <a:txBody>
                     <a:bodyPr/>
                     <a:lstStyle/>
                     <a:p>
-                      <a:pPr>
+                      <a:pPr algn="ctr">
                         <a:lnSpc>
                           <a:spcPct val="115000"/>
                         </a:lnSpc>
@@ -9725,7 +10241,7 @@
                     <a:bodyPr/>
                     <a:lstStyle/>
                     <a:p>
-                      <a:pPr>
+                      <a:pPr algn="ctr">
                         <a:lnSpc>
                           <a:spcPct val="115000"/>
                         </a:lnSpc>
@@ -9735,12 +10251,24 @@
                         <a:buNone/>
                       </a:pPr>
                       <a:r>
-                        <a:rPr lang="en-IL" sz="1200" kern="100">
+                        <a:rPr lang="en-IL" sz="1200" kern="100" dirty="0">
                           <a:effectLst/>
                         </a:rPr>
-                        <a:t>        {31'b0, rd}</a:t>
+                        <a:t>{31'b0, </a:t>
                       </a:r>
-                      <a:endParaRPr lang="en-IL" sz="1200" kern="100">
+                      <a:r>
+                        <a:rPr lang="en-IL" sz="1200" kern="100" dirty="0" err="1">
+                          <a:effectLst/>
+                        </a:rPr>
+                        <a:t>rd</a:t>
+                      </a:r>
+                      <a:r>
+                        <a:rPr lang="en-IL" sz="1200" kern="100" dirty="0">
+                          <a:effectLst/>
+                        </a:rPr>
+                        <a:t>}</a:t>
+                      </a:r>
+                      <a:endParaRPr lang="en-IL" sz="1200" kern="100" dirty="0">
                         <a:effectLst/>
                         <a:latin typeface="Aptos" panose="020B0004020202020204" pitchFamily="34" charset="0"/>
                         <a:ea typeface="Aptos" panose="020B0004020202020204" pitchFamily="34" charset="0"/>
@@ -9755,7 +10283,7 @@
                     <a:bodyPr/>
                     <a:lstStyle/>
                     <a:p>
-                      <a:pPr>
+                      <a:pPr algn="ctr">
                         <a:lnSpc>
                           <a:spcPct val="115000"/>
                         </a:lnSpc>
@@ -9765,12 +10293,12 @@
                         <a:buNone/>
                       </a:pPr>
                       <a:r>
-                        <a:rPr lang="en-IL" sz="1200" kern="100">
+                        <a:rPr lang="en-IL" sz="1200" kern="100" dirty="0">
                           <a:effectLst/>
                         </a:rPr>
                         <a:t>Register read from number (padded to 32 bits)</a:t>
                       </a:r>
-                      <a:endParaRPr lang="en-IL" sz="1200" kern="100">
+                      <a:endParaRPr lang="en-IL" sz="1200" kern="100" dirty="0">
                         <a:effectLst/>
                         <a:latin typeface="Aptos" panose="020B0004020202020204" pitchFamily="34" charset="0"/>
                         <a:ea typeface="Aptos" panose="020B0004020202020204" pitchFamily="34" charset="0"/>
@@ -9786,13 +10314,13 @@
                   </a:ext>
                 </a:extLst>
               </a:tr>
-              <a:tr h="318325">
+              <a:tr h="325054">
                 <a:tc>
                   <a:txBody>
                     <a:bodyPr/>
                     <a:lstStyle/>
                     <a:p>
-                      <a:pPr>
+                      <a:pPr algn="ctr">
                         <a:lnSpc>
                           <a:spcPct val="115000"/>
                         </a:lnSpc>
@@ -9822,7 +10350,7 @@
                     <a:bodyPr/>
                     <a:lstStyle/>
                     <a:p>
-                      <a:pPr>
+                      <a:pPr algn="ctr">
                         <a:lnSpc>
                           <a:spcPct val="115000"/>
                         </a:lnSpc>
@@ -9832,12 +10360,24 @@
                         <a:buNone/>
                       </a:pPr>
                       <a:r>
-                        <a:rPr lang="en-IL" sz="1200" kern="100">
+                        <a:rPr lang="en-IL" sz="1200" kern="100" dirty="0">
                           <a:effectLst/>
                         </a:rPr>
-                        <a:t>        {27'b0, reg_num}</a:t>
+                        <a:t>{27'b0, </a:t>
                       </a:r>
-                      <a:endParaRPr lang="en-IL" sz="1200" kern="100">
+                      <a:r>
+                        <a:rPr lang="en-IL" sz="1200" kern="100" dirty="0" err="1">
+                          <a:effectLst/>
+                        </a:rPr>
+                        <a:t>reg_num</a:t>
+                      </a:r>
+                      <a:r>
+                        <a:rPr lang="en-IL" sz="1200" kern="100" dirty="0">
+                          <a:effectLst/>
+                        </a:rPr>
+                        <a:t>}</a:t>
+                      </a:r>
+                      <a:endParaRPr lang="en-IL" sz="1200" kern="100" dirty="0">
                         <a:effectLst/>
                         <a:latin typeface="Aptos" panose="020B0004020202020204" pitchFamily="34" charset="0"/>
                         <a:ea typeface="Aptos" panose="020B0004020202020204" pitchFamily="34" charset="0"/>
@@ -9852,7 +10392,7 @@
                     <a:bodyPr/>
                     <a:lstStyle/>
                     <a:p>
-                      <a:pPr>
+                      <a:pPr algn="ctr">
                         <a:lnSpc>
                           <a:spcPct val="115000"/>
                         </a:lnSpc>
@@ -9862,12 +10402,12 @@
                         <a:buNone/>
                       </a:pPr>
                       <a:r>
-                        <a:rPr lang="en-IL" sz="1200" kern="100">
+                        <a:rPr lang="en-IL" sz="1200" kern="100" dirty="0">
                           <a:effectLst/>
                         </a:rPr>
                         <a:t>Register number (padded to 32 bits)</a:t>
                       </a:r>
-                      <a:endParaRPr lang="en-IL" sz="1200" kern="100">
+                      <a:endParaRPr lang="en-IL" sz="1200" kern="100" dirty="0">
                         <a:effectLst/>
                         <a:latin typeface="Aptos" panose="020B0004020202020204" pitchFamily="34" charset="0"/>
                         <a:ea typeface="Aptos" panose="020B0004020202020204" pitchFamily="34" charset="0"/>
@@ -9883,13 +10423,13 @@
                   </a:ext>
                 </a:extLst>
               </a:tr>
-              <a:tr h="318325">
+              <a:tr h="325054">
                 <a:tc>
                   <a:txBody>
                     <a:bodyPr/>
                     <a:lstStyle/>
                     <a:p>
-                      <a:pPr>
+                      <a:pPr algn="ctr">
                         <a:lnSpc>
                           <a:spcPct val="115000"/>
                         </a:lnSpc>
@@ -9919,7 +10459,7 @@
                     <a:bodyPr/>
                     <a:lstStyle/>
                     <a:p>
-                      <a:pPr>
+                      <a:pPr algn="ctr">
                         <a:lnSpc>
                           <a:spcPct val="115000"/>
                         </a:lnSpc>
@@ -9929,12 +10469,12 @@
                         <a:buNone/>
                       </a:pPr>
                       <a:r>
-                        <a:rPr lang="en-IL" sz="1200" kern="100">
+                        <a:rPr lang="en-IL" sz="1200" kern="100" dirty="0" err="1">
                           <a:effectLst/>
                         </a:rPr>
-                        <a:t>        reg_data</a:t>
+                        <a:t>reg_data</a:t>
                       </a:r>
-                      <a:endParaRPr lang="en-IL" sz="1200" kern="100">
+                      <a:endParaRPr lang="en-IL" sz="1200" kern="100" dirty="0">
                         <a:effectLst/>
                         <a:latin typeface="Aptos" panose="020B0004020202020204" pitchFamily="34" charset="0"/>
                         <a:ea typeface="Aptos" panose="020B0004020202020204" pitchFamily="34" charset="0"/>
@@ -9949,7 +10489,7 @@
                     <a:bodyPr/>
                     <a:lstStyle/>
                     <a:p>
-                      <a:pPr>
+                      <a:pPr algn="ctr">
                         <a:lnSpc>
                           <a:spcPct val="115000"/>
                         </a:lnSpc>
@@ -9959,12 +10499,12 @@
                         <a:buNone/>
                       </a:pPr>
                       <a:r>
-                        <a:rPr lang="en-IL" sz="1200" kern="100">
+                        <a:rPr lang="en-IL" sz="1200" kern="100" dirty="0">
                           <a:effectLst/>
                         </a:rPr>
                         <a:t>Data read from register</a:t>
                       </a:r>
-                      <a:endParaRPr lang="en-IL" sz="1200" kern="100">
+                      <a:endParaRPr lang="en-IL" sz="1200" kern="100" dirty="0">
                         <a:effectLst/>
                         <a:latin typeface="Aptos" panose="020B0004020202020204" pitchFamily="34" charset="0"/>
                         <a:ea typeface="Aptos" panose="020B0004020202020204" pitchFamily="34" charset="0"/>
@@ -9980,13 +10520,13 @@
                   </a:ext>
                 </a:extLst>
               </a:tr>
-              <a:tr h="653233">
+              <a:tr h="667042">
                 <a:tc>
                   <a:txBody>
                     <a:bodyPr/>
                     <a:lstStyle/>
                     <a:p>
-                      <a:pPr>
+                      <a:pPr algn="ctr">
                         <a:lnSpc>
                           <a:spcPct val="115000"/>
                         </a:lnSpc>
@@ -9996,12 +10536,12 @@
                         <a:buNone/>
                       </a:pPr>
                       <a:r>
-                        <a:rPr lang="en-IL" sz="1200" kern="100">
+                        <a:rPr lang="en-IL" sz="1200" kern="100" dirty="0">
                           <a:effectLst/>
                         </a:rPr>
                         <a:t>27</a:t>
                       </a:r>
-                      <a:endParaRPr lang="en-IL" sz="1200" kern="100">
+                      <a:endParaRPr lang="en-IL" sz="1200" kern="100" dirty="0">
                         <a:effectLst/>
                         <a:latin typeface="Aptos" panose="020B0004020202020204" pitchFamily="34" charset="0"/>
                         <a:ea typeface="Aptos" panose="020B0004020202020204" pitchFamily="34" charset="0"/>
@@ -10016,7 +10556,7 @@
                     <a:bodyPr/>
                     <a:lstStyle/>
                     <a:p>
-                      <a:pPr>
+                      <a:pPr algn="ctr">
                         <a:lnSpc>
                           <a:spcPct val="115000"/>
                         </a:lnSpc>
@@ -10026,12 +10566,24 @@
                         <a:buNone/>
                       </a:pPr>
                       <a:r>
-                        <a:rPr lang="en-IL" sz="1200" kern="100">
+                        <a:rPr lang="en-IL" sz="1200" kern="100" dirty="0">
                           <a:effectLst/>
                         </a:rPr>
-                        <a:t>        {31'b0, reg_write_sig}</a:t>
+                        <a:t>{31'b0, </a:t>
                       </a:r>
-                      <a:endParaRPr lang="en-IL" sz="1200" kern="100">
+                      <a:r>
+                        <a:rPr lang="en-IL" sz="1200" kern="100" dirty="0" err="1">
+                          <a:effectLst/>
+                        </a:rPr>
+                        <a:t>reg_write_sig</a:t>
+                      </a:r>
+                      <a:r>
+                        <a:rPr lang="en-IL" sz="1200" kern="100" dirty="0">
+                          <a:effectLst/>
+                        </a:rPr>
+                        <a:t>}</a:t>
+                      </a:r>
+                      <a:endParaRPr lang="en-IL" sz="1200" kern="100" dirty="0">
                         <a:effectLst/>
                         <a:latin typeface="Aptos" panose="020B0004020202020204" pitchFamily="34" charset="0"/>
                         <a:ea typeface="Aptos" panose="020B0004020202020204" pitchFamily="34" charset="0"/>
@@ -10046,7 +10598,7 @@
                     <a:bodyPr/>
                     <a:lstStyle/>
                     <a:p>
-                      <a:pPr>
+                      <a:pPr algn="ctr">
                         <a:lnSpc>
                           <a:spcPct val="115000"/>
                         </a:lnSpc>
@@ -10056,12 +10608,12 @@
                         <a:buNone/>
                       </a:pPr>
                       <a:r>
-                        <a:rPr lang="en-IL" sz="1200" kern="100">
+                        <a:rPr lang="en-IL" sz="1200" kern="100" dirty="0">
                           <a:effectLst/>
                         </a:rPr>
                         <a:t>Register writes enable signal (padded to 32 bits)</a:t>
                       </a:r>
-                      <a:endParaRPr lang="en-IL" sz="1200" kern="100">
+                      <a:endParaRPr lang="en-IL" sz="1200" kern="100" dirty="0">
                         <a:effectLst/>
                         <a:latin typeface="Aptos" panose="020B0004020202020204" pitchFamily="34" charset="0"/>
                         <a:ea typeface="Aptos" panose="020B0004020202020204" pitchFamily="34" charset="0"/>
@@ -10077,13 +10629,13 @@
                   </a:ext>
                 </a:extLst>
               </a:tr>
-              <a:tr h="318325">
+              <a:tr h="325054">
                 <a:tc>
                   <a:txBody>
                     <a:bodyPr/>
                     <a:lstStyle/>
                     <a:p>
-                      <a:pPr>
+                      <a:pPr algn="ctr">
                         <a:lnSpc>
                           <a:spcPct val="115000"/>
                         </a:lnSpc>
@@ -10113,7 +10665,7 @@
                     <a:bodyPr/>
                     <a:lstStyle/>
                     <a:p>
-                      <a:pPr>
+                      <a:pPr algn="ctr">
                         <a:lnSpc>
                           <a:spcPct val="115000"/>
                         </a:lnSpc>
@@ -10122,12 +10674,6 @@
                         </a:spcAft>
                         <a:buNone/>
                       </a:pPr>
-                      <a:r>
-                        <a:rPr lang="en-IL" sz="1200" kern="100" dirty="0">
-                          <a:effectLst/>
-                        </a:rPr>
-                        <a:t>        </a:t>
-                      </a:r>
                       <a:r>
                         <a:rPr lang="en-IL" sz="1200" kern="100" dirty="0" err="1">
                           <a:effectLst/>
@@ -10149,7 +10695,7 @@
                     <a:bodyPr/>
                     <a:lstStyle/>
                     <a:p>
-                      <a:pPr>
+                      <a:pPr algn="ctr">
                         <a:lnSpc>
                           <a:spcPct val="115000"/>
                         </a:lnSpc>
@@ -10187,7 +10733,7 @@
     </p:spTree>
     <p:extLst>
       <p:ext uri="{BB962C8B-B14F-4D97-AF65-F5344CB8AC3E}">
-        <p14:creationId xmlns:p14="http://schemas.microsoft.com/office/powerpoint/2010/main" val="926961068"/>
+        <p14:creationId xmlns:p14="http://schemas.microsoft.com/office/powerpoint/2010/main" val="2802876541"/>
       </p:ext>
     </p:extLst>
   </p:cSld>
@@ -10197,7 +10743,7 @@
 </p:sld>
 </file>
 
-<file path=ppt/slides/slide12.xml><?xml version="1.0" encoding="utf-8"?>
+<file path=ppt/slides/slide11.xml><?xml version="1.0" encoding="utf-8"?>
 <p:sld xmlns:a="http://schemas.openxmlformats.org/drawingml/2006/main" xmlns:r="http://schemas.openxmlformats.org/officeDocument/2006/relationships" xmlns:p="http://schemas.openxmlformats.org/presentationml/2006/main">
   <p:cSld>
     <p:spTree>
@@ -10393,11 +10939,7 @@
             </a:r>
             <a:r>
               <a:rPr lang="en-IL" dirty="0"/>
-              <a:t>Cadence </a:t>
-            </a:r>
-            <a:r>
-              <a:rPr lang="en-IL" dirty="0" err="1"/>
-              <a:t>Innovus</a:t>
+              <a:t>Cadence Innovus</a:t>
             </a:r>
             <a:r>
               <a:rPr lang="en-US" dirty="0"/>
@@ -10418,12 +10960,8 @@
               <a:t>Using </a:t>
             </a:r>
             <a:r>
-              <a:rPr lang="en-IL" dirty="0" err="1"/>
-              <a:t>PrimeTime</a:t>
-            </a:r>
-            <a:r>
               <a:rPr lang="en-IL" dirty="0"/>
-              <a:t> </a:t>
+              <a:t>PrimeTime </a:t>
             </a:r>
             <a:r>
               <a:rPr lang="en-US" dirty="0"/>
@@ -10461,7 +10999,7 @@
 </p:sld>
 </file>
 
-<file path=ppt/slides/slide13.xml><?xml version="1.0" encoding="utf-8"?>
+<file path=ppt/slides/slide12.xml><?xml version="1.0" encoding="utf-8"?>
 <p:sld xmlns:a="http://schemas.openxmlformats.org/drawingml/2006/main" xmlns:r="http://schemas.openxmlformats.org/officeDocument/2006/relationships" xmlns:p="http://schemas.openxmlformats.org/presentationml/2006/main">
   <p:cSld>
     <p:spTree>
@@ -10579,15 +11117,7 @@
             </a:r>
             <a:r>
               <a:rPr lang="en-IL" dirty="0"/>
-              <a:t>This limitation was shown during our attempt to use </a:t>
-            </a:r>
-            <a:r>
-              <a:rPr lang="en-IL" dirty="0" err="1"/>
-              <a:t>PrimeTime</a:t>
-            </a:r>
-            <a:r>
-              <a:rPr lang="en-IL" dirty="0"/>
-              <a:t> (as guided in the long manual) within a project originally structured using the short manual</a:t>
+              <a:t>This limitation was shown during our attempt to use PrimeTime (as guided in the long manual) within a project originally structured using the short manual</a:t>
             </a:r>
             <a:r>
               <a:rPr lang="en-US" dirty="0"/>
@@ -10621,7 +11151,7 @@
 </p:sld>
 </file>
 
-<file path=ppt/slides/slide14.xml><?xml version="1.0" encoding="utf-8"?>
+<file path=ppt/slides/slide13.xml><?xml version="1.0" encoding="utf-8"?>
 <p:sld xmlns:a="http://schemas.openxmlformats.org/drawingml/2006/main" xmlns:r="http://schemas.openxmlformats.org/officeDocument/2006/relationships" xmlns:p="http://schemas.openxmlformats.org/presentationml/2006/main">
   <p:cSld>
     <p:spTree>
@@ -10780,7 +11310,7 @@
             <a:pPr lvl="0"/>
             <a:r>
               <a:rPr lang="en-US" dirty="0"/>
-              <a:t>Maintained Risc-v operations.</a:t>
+              <a:t>Maintained RISC-V operations.</a:t>
             </a:r>
           </a:p>
           <a:p>
@@ -10795,11 +11325,7 @@
             <a:pPr lvl="0"/>
             <a:r>
               <a:rPr lang="en-IL" dirty="0"/>
-              <a:t>A Clock Tree with 1.3ns </a:t>
-            </a:r>
-            <a:r>
-              <a:rPr lang="en-IL" dirty="0" err="1"/>
-              <a:t>slac</a:t>
+              <a:t>A Clock Tree with 1.3ns slac</a:t>
             </a:r>
             <a:r>
               <a:rPr lang="en-US" dirty="0"/>
@@ -10822,14 +11348,9 @@
             </a:r>
           </a:p>
           <a:p>
-            <a:pPr lvl="0"/>
-            <a:r>
-              <a:rPr lang="en-US" dirty="0"/>
-              <a:t>Add a critical memory path ( both here and in report)</a:t>
-            </a:r>
-          </a:p>
-          <a:p>
-            <a:pPr lvl="0"/>
+            <a:pPr marL="0" lvl="0" indent="0">
+              <a:buNone/>
+            </a:pPr>
             <a:endParaRPr lang="en-US" dirty="0"/>
           </a:p>
           <a:p>
@@ -10852,6 +11373,1379 @@
     <p:extLst>
       <p:ext uri="{BB962C8B-B14F-4D97-AF65-F5344CB8AC3E}">
         <p14:creationId xmlns:p14="http://schemas.microsoft.com/office/powerpoint/2010/main" val="1545165814"/>
+      </p:ext>
+    </p:extLst>
+  </p:cSld>
+  <p:clrMapOvr>
+    <a:masterClrMapping/>
+  </p:clrMapOvr>
+</p:sld>
+</file>
+
+<file path=ppt/slides/slide14.xml><?xml version="1.0" encoding="utf-8"?>
+<p:sld xmlns:a="http://schemas.openxmlformats.org/drawingml/2006/main" xmlns:r="http://schemas.openxmlformats.org/officeDocument/2006/relationships" xmlns:p="http://schemas.openxmlformats.org/presentationml/2006/main">
+  <p:cSld>
+    <p:spTree>
+      <p:nvGrpSpPr>
+        <p:cNvPr id="1" name=""/>
+        <p:cNvGrpSpPr/>
+        <p:nvPr/>
+      </p:nvGrpSpPr>
+      <p:grpSpPr>
+        <a:xfrm>
+          <a:off x="0" y="0"/>
+          <a:ext cx="0" cy="0"/>
+          <a:chOff x="0" y="0"/>
+          <a:chExt cx="0" cy="0"/>
+        </a:xfrm>
+      </p:grpSpPr>
+      <p:sp>
+        <p:nvSpPr>
+          <p:cNvPr id="2" name="Title 1">
+            <a:extLst>
+              <a:ext uri="{FF2B5EF4-FFF2-40B4-BE49-F238E27FC236}">
+                <a16:creationId xmlns:a16="http://schemas.microsoft.com/office/drawing/2014/main" id="{DA96EC0D-84AC-0E13-9445-D82F61C14121}"/>
+              </a:ext>
+            </a:extLst>
+          </p:cNvPr>
+          <p:cNvSpPr>
+            <a:spLocks noGrp="1"/>
+          </p:cNvSpPr>
+          <p:nvPr>
+            <p:ph type="title"/>
+          </p:nvPr>
+        </p:nvSpPr>
+        <p:spPr/>
+        <p:txBody>
+          <a:bodyPr/>
+          <a:lstStyle/>
+          <a:p>
+            <a:r>
+              <a:rPr lang="en-US" b="1" dirty="0"/>
+              <a:t>Results</a:t>
+            </a:r>
+            <a:endParaRPr lang="en-IL" dirty="0"/>
+          </a:p>
+        </p:txBody>
+      </p:sp>
+      <p:pic>
+        <p:nvPicPr>
+          <p:cNvPr id="5" name="Content Placeholder 4">
+            <a:extLst>
+              <a:ext uri="{FF2B5EF4-FFF2-40B4-BE49-F238E27FC236}">
+                <a16:creationId xmlns:a16="http://schemas.microsoft.com/office/drawing/2014/main" id="{01A37459-4EEC-A60D-FF87-8D44E302F4AD}"/>
+              </a:ext>
+            </a:extLst>
+          </p:cNvPr>
+          <p:cNvPicPr>
+            <a:picLocks noGrp="1" noChangeAspect="1"/>
+          </p:cNvPicPr>
+          <p:nvPr>
+            <p:ph idx="1"/>
+          </p:nvPr>
+        </p:nvPicPr>
+        <p:blipFill>
+          <a:blip r:embed="rId2"/>
+          <a:stretch>
+            <a:fillRect/>
+          </a:stretch>
+        </p:blipFill>
+        <p:spPr>
+          <a:xfrm>
+            <a:off x="1982772" y="3026664"/>
+            <a:ext cx="7988711" cy="3607816"/>
+          </a:xfrm>
+        </p:spPr>
+      </p:pic>
+      <p:sp>
+        <p:nvSpPr>
+          <p:cNvPr id="7" name="מציין מיקום תוכן 2">
+            <a:extLst>
+              <a:ext uri="{FF2B5EF4-FFF2-40B4-BE49-F238E27FC236}">
+                <a16:creationId xmlns:a16="http://schemas.microsoft.com/office/drawing/2014/main" id="{B1B6DD4D-3ED2-40BD-FDC8-9E8D7B44BFF1}"/>
+              </a:ext>
+            </a:extLst>
+          </p:cNvPr>
+          <p:cNvSpPr txBox="1">
+            <a:spLocks/>
+          </p:cNvSpPr>
+          <p:nvPr/>
+        </p:nvSpPr>
+        <p:spPr>
+          <a:xfrm>
+            <a:off x="234696" y="1782128"/>
+            <a:ext cx="11479784" cy="4760912"/>
+          </a:xfrm>
+          <a:prstGeom prst="rect">
+            <a:avLst/>
+          </a:prstGeom>
+        </p:spPr>
+        <p:txBody>
+          <a:bodyPr vert="horz" lIns="91440" tIns="45720" rIns="91440" bIns="45720" rtlCol="0">
+            <a:normAutofit/>
+          </a:bodyPr>
+          <a:lstStyle>
+            <a:lvl1pPr marL="228600" indent="-228600" algn="l" defTabSz="914400" rtl="0" eaLnBrk="1" latinLnBrk="0" hangingPunct="1">
+              <a:lnSpc>
+                <a:spcPct val="90000"/>
+              </a:lnSpc>
+              <a:spcBef>
+                <a:spcPts val="1000"/>
+              </a:spcBef>
+              <a:buFont typeface="Arial" panose="020B0604020202020204" pitchFamily="34" charset="0"/>
+              <a:buChar char="•"/>
+              <a:defRPr sz="2800" kern="1200">
+                <a:solidFill>
+                  <a:schemeClr val="tx1"/>
+                </a:solidFill>
+                <a:latin typeface="+mn-lt"/>
+                <a:ea typeface="+mn-ea"/>
+                <a:cs typeface="+mn-cs"/>
+              </a:defRPr>
+            </a:lvl1pPr>
+            <a:lvl2pPr marL="685800" indent="-228600" algn="l" defTabSz="914400" rtl="0" eaLnBrk="1" latinLnBrk="0" hangingPunct="1">
+              <a:lnSpc>
+                <a:spcPct val="90000"/>
+              </a:lnSpc>
+              <a:spcBef>
+                <a:spcPts val="500"/>
+              </a:spcBef>
+              <a:buFont typeface="Arial" panose="020B0604020202020204" pitchFamily="34" charset="0"/>
+              <a:buChar char="•"/>
+              <a:defRPr sz="2400" kern="1200">
+                <a:solidFill>
+                  <a:schemeClr val="tx1"/>
+                </a:solidFill>
+                <a:latin typeface="+mn-lt"/>
+                <a:ea typeface="+mn-ea"/>
+                <a:cs typeface="+mn-cs"/>
+              </a:defRPr>
+            </a:lvl2pPr>
+            <a:lvl3pPr marL="1143000" indent="-228600" algn="l" defTabSz="914400" rtl="0" eaLnBrk="1" latinLnBrk="0" hangingPunct="1">
+              <a:lnSpc>
+                <a:spcPct val="90000"/>
+              </a:lnSpc>
+              <a:spcBef>
+                <a:spcPts val="500"/>
+              </a:spcBef>
+              <a:buFont typeface="Arial" panose="020B0604020202020204" pitchFamily="34" charset="0"/>
+              <a:buChar char="•"/>
+              <a:defRPr sz="2000" kern="1200">
+                <a:solidFill>
+                  <a:schemeClr val="tx1"/>
+                </a:solidFill>
+                <a:latin typeface="+mn-lt"/>
+                <a:ea typeface="+mn-ea"/>
+                <a:cs typeface="+mn-cs"/>
+              </a:defRPr>
+            </a:lvl3pPr>
+            <a:lvl4pPr marL="1600200" indent="-228600" algn="l" defTabSz="914400" rtl="0" eaLnBrk="1" latinLnBrk="0" hangingPunct="1">
+              <a:lnSpc>
+                <a:spcPct val="90000"/>
+              </a:lnSpc>
+              <a:spcBef>
+                <a:spcPts val="500"/>
+              </a:spcBef>
+              <a:buFont typeface="Arial" panose="020B0604020202020204" pitchFamily="34" charset="0"/>
+              <a:buChar char="•"/>
+              <a:defRPr sz="1800" kern="1200">
+                <a:solidFill>
+                  <a:schemeClr val="tx1"/>
+                </a:solidFill>
+                <a:latin typeface="+mn-lt"/>
+                <a:ea typeface="+mn-ea"/>
+                <a:cs typeface="+mn-cs"/>
+              </a:defRPr>
+            </a:lvl4pPr>
+            <a:lvl5pPr marL="2057400" indent="-228600" algn="l" defTabSz="914400" rtl="0" eaLnBrk="1" latinLnBrk="0" hangingPunct="1">
+              <a:lnSpc>
+                <a:spcPct val="90000"/>
+              </a:lnSpc>
+              <a:spcBef>
+                <a:spcPts val="500"/>
+              </a:spcBef>
+              <a:buFont typeface="Arial" panose="020B0604020202020204" pitchFamily="34" charset="0"/>
+              <a:buChar char="•"/>
+              <a:defRPr sz="1800" kern="1200">
+                <a:solidFill>
+                  <a:schemeClr val="tx1"/>
+                </a:solidFill>
+                <a:latin typeface="+mn-lt"/>
+                <a:ea typeface="+mn-ea"/>
+                <a:cs typeface="+mn-cs"/>
+              </a:defRPr>
+            </a:lvl5pPr>
+            <a:lvl6pPr marL="2514600" indent="-228600" algn="l" defTabSz="914400" rtl="0" eaLnBrk="1" latinLnBrk="0" hangingPunct="1">
+              <a:lnSpc>
+                <a:spcPct val="90000"/>
+              </a:lnSpc>
+              <a:spcBef>
+                <a:spcPts val="500"/>
+              </a:spcBef>
+              <a:buFont typeface="Arial" panose="020B0604020202020204" pitchFamily="34" charset="0"/>
+              <a:buChar char="•"/>
+              <a:defRPr sz="1800" kern="1200">
+                <a:solidFill>
+                  <a:schemeClr val="tx1"/>
+                </a:solidFill>
+                <a:latin typeface="+mn-lt"/>
+                <a:ea typeface="+mn-ea"/>
+                <a:cs typeface="+mn-cs"/>
+              </a:defRPr>
+            </a:lvl6pPr>
+            <a:lvl7pPr marL="2971800" indent="-228600" algn="l" defTabSz="914400" rtl="0" eaLnBrk="1" latinLnBrk="0" hangingPunct="1">
+              <a:lnSpc>
+                <a:spcPct val="90000"/>
+              </a:lnSpc>
+              <a:spcBef>
+                <a:spcPts val="500"/>
+              </a:spcBef>
+              <a:buFont typeface="Arial" panose="020B0604020202020204" pitchFamily="34" charset="0"/>
+              <a:buChar char="•"/>
+              <a:defRPr sz="1800" kern="1200">
+                <a:solidFill>
+                  <a:schemeClr val="tx1"/>
+                </a:solidFill>
+                <a:latin typeface="+mn-lt"/>
+                <a:ea typeface="+mn-ea"/>
+                <a:cs typeface="+mn-cs"/>
+              </a:defRPr>
+            </a:lvl7pPr>
+            <a:lvl8pPr marL="3429000" indent="-228600" algn="l" defTabSz="914400" rtl="0" eaLnBrk="1" latinLnBrk="0" hangingPunct="1">
+              <a:lnSpc>
+                <a:spcPct val="90000"/>
+              </a:lnSpc>
+              <a:spcBef>
+                <a:spcPts val="500"/>
+              </a:spcBef>
+              <a:buFont typeface="Arial" panose="020B0604020202020204" pitchFamily="34" charset="0"/>
+              <a:buChar char="•"/>
+              <a:defRPr sz="1800" kern="1200">
+                <a:solidFill>
+                  <a:schemeClr val="tx1"/>
+                </a:solidFill>
+                <a:latin typeface="+mn-lt"/>
+                <a:ea typeface="+mn-ea"/>
+                <a:cs typeface="+mn-cs"/>
+              </a:defRPr>
+            </a:lvl8pPr>
+            <a:lvl9pPr marL="3886200" indent="-228600" algn="l" defTabSz="914400" rtl="0" eaLnBrk="1" latinLnBrk="0" hangingPunct="1">
+              <a:lnSpc>
+                <a:spcPct val="90000"/>
+              </a:lnSpc>
+              <a:spcBef>
+                <a:spcPts val="500"/>
+              </a:spcBef>
+              <a:buFont typeface="Arial" panose="020B0604020202020204" pitchFamily="34" charset="0"/>
+              <a:buChar char="•"/>
+              <a:defRPr sz="1800" kern="1200">
+                <a:solidFill>
+                  <a:schemeClr val="tx1"/>
+                </a:solidFill>
+                <a:latin typeface="+mn-lt"/>
+                <a:ea typeface="+mn-ea"/>
+                <a:cs typeface="+mn-cs"/>
+              </a:defRPr>
+            </a:lvl9pPr>
+          </a:lstStyle>
+          <a:p>
+            <a:r>
+              <a:rPr lang="en-US" dirty="0"/>
+              <a:t>The critical path starts at the ALU and ends at memblock3, which is the furthest from the RISC-V core in the physical layout.</a:t>
+            </a:r>
+          </a:p>
+          <a:p>
+            <a:pPr marL="0" indent="0">
+              <a:buFont typeface="Arial" panose="020B0604020202020204" pitchFamily="34" charset="0"/>
+              <a:buNone/>
+            </a:pPr>
+            <a:endParaRPr lang="en-US" dirty="0"/>
+          </a:p>
+          <a:p>
+            <a:endParaRPr lang="he-IL" dirty="0"/>
+          </a:p>
+        </p:txBody>
+      </p:sp>
+      <p:sp>
+        <p:nvSpPr>
+          <p:cNvPr id="8" name="Rectangle 7">
+            <a:extLst>
+              <a:ext uri="{FF2B5EF4-FFF2-40B4-BE49-F238E27FC236}">
+                <a16:creationId xmlns:a16="http://schemas.microsoft.com/office/drawing/2014/main" id="{EE1AE5CB-4A56-6F4C-5EA7-83137618832A}"/>
+              </a:ext>
+            </a:extLst>
+          </p:cNvPr>
+          <p:cNvSpPr/>
+          <p:nvPr/>
+        </p:nvSpPr>
+        <p:spPr>
+          <a:xfrm>
+            <a:off x="2359152" y="6376035"/>
+            <a:ext cx="7476744" cy="167005"/>
+          </a:xfrm>
+          <a:prstGeom prst="rect">
+            <a:avLst/>
+          </a:prstGeom>
+          <a:noFill/>
+          <a:ln w="28575" cap="flat" cmpd="sng" algn="ctr">
+            <a:solidFill>
+              <a:srgbClr val="FF0000"/>
+            </a:solidFill>
+            <a:prstDash val="solid"/>
+            <a:round/>
+            <a:headEnd type="none" w="med" len="med"/>
+            <a:tailEnd type="none" w="med" len="med"/>
+          </a:ln>
+        </p:spPr>
+        <p:style>
+          <a:lnRef idx="0">
+            <a:scrgbClr r="0" g="0" b="0"/>
+          </a:lnRef>
+          <a:fillRef idx="0">
+            <a:scrgbClr r="0" g="0" b="0"/>
+          </a:fillRef>
+          <a:effectRef idx="0">
+            <a:scrgbClr r="0" g="0" b="0"/>
+          </a:effectRef>
+          <a:fontRef idx="minor">
+            <a:schemeClr val="dk1"/>
+          </a:fontRef>
+        </p:style>
+        <p:txBody>
+          <a:bodyPr rtlCol="0" anchor="ctr"/>
+          <a:lstStyle/>
+          <a:p>
+            <a:pPr algn="ctr"/>
+            <a:endParaRPr lang="en-IL" dirty="0"/>
+          </a:p>
+        </p:txBody>
+      </p:sp>
+    </p:spTree>
+    <p:extLst>
+      <p:ext uri="{BB962C8B-B14F-4D97-AF65-F5344CB8AC3E}">
+        <p14:creationId xmlns:p14="http://schemas.microsoft.com/office/powerpoint/2010/main" val="233565378"/>
+      </p:ext>
+    </p:extLst>
+  </p:cSld>
+  <p:clrMapOvr>
+    <a:masterClrMapping/>
+  </p:clrMapOvr>
+</p:sld>
+</file>
+
+<file path=ppt/slides/slide15.xml><?xml version="1.0" encoding="utf-8"?>
+<p:sld xmlns:a="http://schemas.openxmlformats.org/drawingml/2006/main" xmlns:r="http://schemas.openxmlformats.org/officeDocument/2006/relationships" xmlns:p="http://schemas.openxmlformats.org/presentationml/2006/main">
+  <p:cSld>
+    <p:spTree>
+      <p:nvGrpSpPr>
+        <p:cNvPr id="1" name=""/>
+        <p:cNvGrpSpPr/>
+        <p:nvPr/>
+      </p:nvGrpSpPr>
+      <p:grpSpPr>
+        <a:xfrm>
+          <a:off x="0" y="0"/>
+          <a:ext cx="0" cy="0"/>
+          <a:chOff x="0" y="0"/>
+          <a:chExt cx="0" cy="0"/>
+        </a:xfrm>
+      </p:grpSpPr>
+      <p:sp>
+        <p:nvSpPr>
+          <p:cNvPr id="2" name="Title 1">
+            <a:extLst>
+              <a:ext uri="{FF2B5EF4-FFF2-40B4-BE49-F238E27FC236}">
+                <a16:creationId xmlns:a16="http://schemas.microsoft.com/office/drawing/2014/main" id="{62B8C7F1-B055-7983-4738-7A393363024D}"/>
+              </a:ext>
+            </a:extLst>
+          </p:cNvPr>
+          <p:cNvSpPr>
+            <a:spLocks noGrp="1"/>
+          </p:cNvSpPr>
+          <p:nvPr>
+            <p:ph type="title"/>
+          </p:nvPr>
+        </p:nvSpPr>
+        <p:spPr/>
+        <p:txBody>
+          <a:bodyPr/>
+          <a:lstStyle/>
+          <a:p>
+            <a:r>
+              <a:rPr lang="en-US" b="1" dirty="0"/>
+              <a:t>	Simulation – memory write/read</a:t>
+            </a:r>
+            <a:endParaRPr lang="en-IL" b="1" dirty="0"/>
+          </a:p>
+        </p:txBody>
+      </p:sp>
+      <p:pic>
+        <p:nvPicPr>
+          <p:cNvPr id="5" name="Content Placeholder 4" descr="A screenshot of a computer code&#10;&#10;AI-generated content may be incorrect.">
+            <a:extLst>
+              <a:ext uri="{FF2B5EF4-FFF2-40B4-BE49-F238E27FC236}">
+                <a16:creationId xmlns:a16="http://schemas.microsoft.com/office/drawing/2014/main" id="{16354EE9-8512-E031-7778-3B041ADFD15C}"/>
+              </a:ext>
+            </a:extLst>
+          </p:cNvPr>
+          <p:cNvPicPr>
+            <a:picLocks noGrp="1" noChangeAspect="1"/>
+          </p:cNvPicPr>
+          <p:nvPr>
+            <p:ph idx="1"/>
+          </p:nvPr>
+        </p:nvPicPr>
+        <p:blipFill>
+          <a:blip r:embed="rId2">
+            <a:extLst>
+              <a:ext uri="{28A0092B-C50C-407E-A947-70E740481C1C}">
+                <a14:useLocalDpi xmlns:a14="http://schemas.microsoft.com/office/drawing/2010/main" val="0"/>
+              </a:ext>
+            </a:extLst>
+          </a:blip>
+          <a:stretch>
+            <a:fillRect/>
+          </a:stretch>
+        </p:blipFill>
+        <p:spPr>
+          <a:xfrm>
+            <a:off x="10210523" y="0"/>
+            <a:ext cx="1981477" cy="1983439"/>
+          </a:xfrm>
+        </p:spPr>
+      </p:pic>
+      <p:pic>
+        <p:nvPicPr>
+          <p:cNvPr id="6" name="Picture 5">
+            <a:extLst>
+              <a:ext uri="{FF2B5EF4-FFF2-40B4-BE49-F238E27FC236}">
+                <a16:creationId xmlns:a16="http://schemas.microsoft.com/office/drawing/2014/main" id="{194E9DDD-48D1-FE61-AA08-685ACA7E9338}"/>
+              </a:ext>
+            </a:extLst>
+          </p:cNvPr>
+          <p:cNvPicPr>
+            <a:picLocks noChangeAspect="1"/>
+          </p:cNvPicPr>
+          <p:nvPr/>
+        </p:nvPicPr>
+        <p:blipFill>
+          <a:blip r:embed="rId3"/>
+          <a:stretch>
+            <a:fillRect/>
+          </a:stretch>
+        </p:blipFill>
+        <p:spPr>
+          <a:xfrm>
+            <a:off x="0" y="1983438"/>
+            <a:ext cx="12192000" cy="4874561"/>
+          </a:xfrm>
+          <a:prstGeom prst="rect">
+            <a:avLst/>
+          </a:prstGeom>
+        </p:spPr>
+      </p:pic>
+      <p:sp>
+        <p:nvSpPr>
+          <p:cNvPr id="7" name="TextBox 6">
+            <a:extLst>
+              <a:ext uri="{FF2B5EF4-FFF2-40B4-BE49-F238E27FC236}">
+                <a16:creationId xmlns:a16="http://schemas.microsoft.com/office/drawing/2014/main" id="{2EE0D274-BE27-F0E9-7D8F-4E39BA889CDD}"/>
+              </a:ext>
+            </a:extLst>
+          </p:cNvPr>
+          <p:cNvSpPr txBox="1"/>
+          <p:nvPr/>
+        </p:nvSpPr>
+        <p:spPr>
+          <a:xfrm>
+            <a:off x="2334861" y="3980372"/>
+            <a:ext cx="2066223" cy="261610"/>
+          </a:xfrm>
+          <a:prstGeom prst="rect">
+            <a:avLst/>
+          </a:prstGeom>
+          <a:noFill/>
+        </p:spPr>
+        <p:txBody>
+          <a:bodyPr wrap="square" rtlCol="0">
+            <a:spAutoFit/>
+          </a:bodyPr>
+          <a:lstStyle/>
+          <a:p>
+            <a:r>
+              <a:rPr lang="en-US" sz="1100" b="1" dirty="0" err="1">
+                <a:solidFill>
+                  <a:srgbClr val="FF0000"/>
+                </a:solidFill>
+              </a:rPr>
+              <a:t>Regdata</a:t>
+            </a:r>
+            <a:r>
+              <a:rPr lang="en-US" sz="1100" b="1" dirty="0">
+                <a:solidFill>
+                  <a:srgbClr val="FF0000"/>
+                </a:solidFill>
+              </a:rPr>
+              <a:t>== 5b’11010</a:t>
+            </a:r>
+            <a:endParaRPr lang="en-IL" sz="1100" b="1" dirty="0">
+              <a:solidFill>
+                <a:srgbClr val="FF0000"/>
+              </a:solidFill>
+            </a:endParaRPr>
+          </a:p>
+        </p:txBody>
+      </p:sp>
+    </p:spTree>
+    <p:extLst>
+      <p:ext uri="{BB962C8B-B14F-4D97-AF65-F5344CB8AC3E}">
+        <p14:creationId xmlns:p14="http://schemas.microsoft.com/office/powerpoint/2010/main" val="3778233650"/>
+      </p:ext>
+    </p:extLst>
+  </p:cSld>
+  <p:clrMapOvr>
+    <a:masterClrMapping/>
+  </p:clrMapOvr>
+</p:sld>
+</file>
+
+<file path=ppt/slides/slide16.xml><?xml version="1.0" encoding="utf-8"?>
+<p:sld xmlns:a="http://schemas.openxmlformats.org/drawingml/2006/main" xmlns:r="http://schemas.openxmlformats.org/officeDocument/2006/relationships" xmlns:p="http://schemas.openxmlformats.org/presentationml/2006/main">
+  <p:cSld>
+    <p:spTree>
+      <p:nvGrpSpPr>
+        <p:cNvPr id="1" name=""/>
+        <p:cNvGrpSpPr/>
+        <p:nvPr/>
+      </p:nvGrpSpPr>
+      <p:grpSpPr>
+        <a:xfrm>
+          <a:off x="0" y="0"/>
+          <a:ext cx="0" cy="0"/>
+          <a:chOff x="0" y="0"/>
+          <a:chExt cx="0" cy="0"/>
+        </a:xfrm>
+      </p:grpSpPr>
+      <p:sp>
+        <p:nvSpPr>
+          <p:cNvPr id="2" name="Title 1">
+            <a:extLst>
+              <a:ext uri="{FF2B5EF4-FFF2-40B4-BE49-F238E27FC236}">
+                <a16:creationId xmlns:a16="http://schemas.microsoft.com/office/drawing/2014/main" id="{133E0215-6E4E-6DC9-228C-762C846380F3}"/>
+              </a:ext>
+            </a:extLst>
+          </p:cNvPr>
+          <p:cNvSpPr>
+            <a:spLocks noGrp="1"/>
+          </p:cNvSpPr>
+          <p:nvPr>
+            <p:ph type="title"/>
+          </p:nvPr>
+        </p:nvSpPr>
+        <p:spPr/>
+        <p:txBody>
+          <a:bodyPr/>
+          <a:lstStyle/>
+          <a:p>
+            <a:r>
+              <a:rPr lang="en-US" b="1" dirty="0"/>
+              <a:t>Simulation instruction load &amp; debug select </a:t>
+            </a:r>
+            <a:endParaRPr lang="en-IL" b="1" dirty="0"/>
+          </a:p>
+        </p:txBody>
+      </p:sp>
+      <p:pic>
+        <p:nvPicPr>
+          <p:cNvPr id="4" name="Content Placeholder 3">
+            <a:extLst>
+              <a:ext uri="{FF2B5EF4-FFF2-40B4-BE49-F238E27FC236}">
+                <a16:creationId xmlns:a16="http://schemas.microsoft.com/office/drawing/2014/main" id="{329A0A13-9CD2-057B-DA34-1E99DC25B4CB}"/>
+              </a:ext>
+            </a:extLst>
+          </p:cNvPr>
+          <p:cNvPicPr>
+            <a:picLocks noGrp="1" noChangeAspect="1"/>
+          </p:cNvPicPr>
+          <p:nvPr>
+            <p:ph idx="1"/>
+          </p:nvPr>
+        </p:nvPicPr>
+        <p:blipFill>
+          <a:blip r:embed="rId2"/>
+          <a:stretch>
+            <a:fillRect/>
+          </a:stretch>
+        </p:blipFill>
+        <p:spPr>
+          <a:xfrm>
+            <a:off x="0" y="2858687"/>
+            <a:ext cx="12192000" cy="3999313"/>
+          </a:xfrm>
+          <a:prstGeom prst="rect">
+            <a:avLst/>
+          </a:prstGeom>
+        </p:spPr>
+      </p:pic>
+      <p:pic>
+        <p:nvPicPr>
+          <p:cNvPr id="6" name="Picture 5">
+            <a:extLst>
+              <a:ext uri="{FF2B5EF4-FFF2-40B4-BE49-F238E27FC236}">
+                <a16:creationId xmlns:a16="http://schemas.microsoft.com/office/drawing/2014/main" id="{F2EEA111-2A4D-65F3-3676-9ECD2D112C92}"/>
+              </a:ext>
+            </a:extLst>
+          </p:cNvPr>
+          <p:cNvPicPr>
+            <a:picLocks noChangeAspect="1"/>
+          </p:cNvPicPr>
+          <p:nvPr/>
+        </p:nvPicPr>
+        <p:blipFill>
+          <a:blip r:embed="rId3"/>
+          <a:stretch>
+            <a:fillRect/>
+          </a:stretch>
+        </p:blipFill>
+        <p:spPr>
+          <a:xfrm>
+            <a:off x="0" y="1477562"/>
+            <a:ext cx="8162223" cy="1381125"/>
+          </a:xfrm>
+          <a:prstGeom prst="rect">
+            <a:avLst/>
+          </a:prstGeom>
+        </p:spPr>
+      </p:pic>
+      <p:sp>
+        <p:nvSpPr>
+          <p:cNvPr id="7" name="Rectangle 6">
+            <a:extLst>
+              <a:ext uri="{FF2B5EF4-FFF2-40B4-BE49-F238E27FC236}">
+                <a16:creationId xmlns:a16="http://schemas.microsoft.com/office/drawing/2014/main" id="{E648D437-080F-BDB2-8BC6-A85843BB78AF}"/>
+              </a:ext>
+            </a:extLst>
+          </p:cNvPr>
+          <p:cNvSpPr/>
+          <p:nvPr/>
+        </p:nvSpPr>
+        <p:spPr>
+          <a:xfrm>
+            <a:off x="2176180" y="4821382"/>
+            <a:ext cx="1353312" cy="448441"/>
+          </a:xfrm>
+          <a:prstGeom prst="rect">
+            <a:avLst/>
+          </a:prstGeom>
+          <a:noFill/>
+          <a:ln w="19050" cap="flat" cmpd="sng" algn="ctr">
+            <a:solidFill>
+              <a:srgbClr val="00B0F0"/>
+            </a:solidFill>
+            <a:prstDash val="solid"/>
+            <a:round/>
+            <a:headEnd type="none" w="med" len="med"/>
+            <a:tailEnd type="none" w="med" len="med"/>
+          </a:ln>
+        </p:spPr>
+        <p:style>
+          <a:lnRef idx="0">
+            <a:scrgbClr r="0" g="0" b="0"/>
+          </a:lnRef>
+          <a:fillRef idx="0">
+            <a:scrgbClr r="0" g="0" b="0"/>
+          </a:fillRef>
+          <a:effectRef idx="0">
+            <a:scrgbClr r="0" g="0" b="0"/>
+          </a:effectRef>
+          <a:fontRef idx="minor">
+            <a:schemeClr val="dk1"/>
+          </a:fontRef>
+        </p:style>
+        <p:txBody>
+          <a:bodyPr rtlCol="0" anchor="ctr"/>
+          <a:lstStyle/>
+          <a:p>
+            <a:pPr algn="ctr"/>
+            <a:endParaRPr lang="en-IL"/>
+          </a:p>
+        </p:txBody>
+      </p:sp>
+      <p:sp>
+        <p:nvSpPr>
+          <p:cNvPr id="11" name="TextBox 10">
+            <a:extLst>
+              <a:ext uri="{FF2B5EF4-FFF2-40B4-BE49-F238E27FC236}">
+                <a16:creationId xmlns:a16="http://schemas.microsoft.com/office/drawing/2014/main" id="{61C893A6-DEC6-6644-EB11-C2682051E8BB}"/>
+              </a:ext>
+            </a:extLst>
+          </p:cNvPr>
+          <p:cNvSpPr txBox="1"/>
+          <p:nvPr/>
+        </p:nvSpPr>
+        <p:spPr>
+          <a:xfrm>
+            <a:off x="6096000" y="4373564"/>
+            <a:ext cx="2066223" cy="261610"/>
+          </a:xfrm>
+          <a:prstGeom prst="rect">
+            <a:avLst/>
+          </a:prstGeom>
+          <a:noFill/>
+        </p:spPr>
+        <p:txBody>
+          <a:bodyPr wrap="square" rtlCol="0">
+            <a:spAutoFit/>
+          </a:bodyPr>
+          <a:lstStyle/>
+          <a:p>
+            <a:r>
+              <a:rPr lang="en-US" sz="1100" b="1" dirty="0">
+                <a:solidFill>
+                  <a:srgbClr val="FF0000"/>
+                </a:solidFill>
+              </a:rPr>
+              <a:t>Opcode fetch == 5b’00000</a:t>
+            </a:r>
+            <a:endParaRPr lang="en-IL" sz="1100" b="1" dirty="0">
+              <a:solidFill>
+                <a:srgbClr val="FF0000"/>
+              </a:solidFill>
+            </a:endParaRPr>
+          </a:p>
+        </p:txBody>
+      </p:sp>
+      <p:sp>
+        <p:nvSpPr>
+          <p:cNvPr id="13" name="TextBox 12">
+            <a:extLst>
+              <a:ext uri="{FF2B5EF4-FFF2-40B4-BE49-F238E27FC236}">
+                <a16:creationId xmlns:a16="http://schemas.microsoft.com/office/drawing/2014/main" id="{00DE9B21-66E2-C6A6-1B0A-705FE03F665C}"/>
+              </a:ext>
+            </a:extLst>
+          </p:cNvPr>
+          <p:cNvSpPr txBox="1"/>
+          <p:nvPr/>
+        </p:nvSpPr>
+        <p:spPr>
+          <a:xfrm>
+            <a:off x="9000837" y="4373564"/>
+            <a:ext cx="2066223" cy="261610"/>
+          </a:xfrm>
+          <a:prstGeom prst="rect">
+            <a:avLst/>
+          </a:prstGeom>
+          <a:noFill/>
+        </p:spPr>
+        <p:txBody>
+          <a:bodyPr wrap="square" rtlCol="0">
+            <a:spAutoFit/>
+          </a:bodyPr>
+          <a:lstStyle/>
+          <a:p>
+            <a:r>
+              <a:rPr lang="en-US" sz="1100" b="1" dirty="0" err="1">
+                <a:solidFill>
+                  <a:srgbClr val="FF0000"/>
+                </a:solidFill>
+              </a:rPr>
+              <a:t>Regdata</a:t>
+            </a:r>
+            <a:r>
+              <a:rPr lang="en-US" sz="1100" b="1" dirty="0">
+                <a:solidFill>
+                  <a:srgbClr val="FF0000"/>
+                </a:solidFill>
+              </a:rPr>
+              <a:t>== 5b’11010</a:t>
+            </a:r>
+            <a:endParaRPr lang="en-IL" sz="1100" b="1" dirty="0">
+              <a:solidFill>
+                <a:srgbClr val="FF0000"/>
+              </a:solidFill>
+            </a:endParaRPr>
+          </a:p>
+        </p:txBody>
+      </p:sp>
+      <p:sp>
+        <p:nvSpPr>
+          <p:cNvPr id="15" name="Rectangle 14">
+            <a:extLst>
+              <a:ext uri="{FF2B5EF4-FFF2-40B4-BE49-F238E27FC236}">
+                <a16:creationId xmlns:a16="http://schemas.microsoft.com/office/drawing/2014/main" id="{A858B776-93FA-85FA-5F46-7A5C30480451}"/>
+              </a:ext>
+            </a:extLst>
+          </p:cNvPr>
+          <p:cNvSpPr/>
+          <p:nvPr/>
+        </p:nvSpPr>
+        <p:spPr>
+          <a:xfrm>
+            <a:off x="5929459" y="1792238"/>
+            <a:ext cx="1093509" cy="964898"/>
+          </a:xfrm>
+          <a:prstGeom prst="rect">
+            <a:avLst/>
+          </a:prstGeom>
+          <a:noFill/>
+          <a:ln w="19050" cap="flat" cmpd="sng" algn="ctr">
+            <a:solidFill>
+              <a:srgbClr val="00B0F0"/>
+            </a:solidFill>
+            <a:prstDash val="solid"/>
+            <a:round/>
+            <a:headEnd type="none" w="med" len="med"/>
+            <a:tailEnd type="none" w="med" len="med"/>
+          </a:ln>
+        </p:spPr>
+        <p:style>
+          <a:lnRef idx="0">
+            <a:scrgbClr r="0" g="0" b="0"/>
+          </a:lnRef>
+          <a:fillRef idx="0">
+            <a:scrgbClr r="0" g="0" b="0"/>
+          </a:fillRef>
+          <a:effectRef idx="0">
+            <a:scrgbClr r="0" g="0" b="0"/>
+          </a:effectRef>
+          <a:fontRef idx="minor">
+            <a:schemeClr val="dk1"/>
+          </a:fontRef>
+        </p:style>
+        <p:txBody>
+          <a:bodyPr rtlCol="0" anchor="ctr"/>
+          <a:lstStyle/>
+          <a:p>
+            <a:pPr algn="ctr"/>
+            <a:endParaRPr lang="en-IL"/>
+          </a:p>
+        </p:txBody>
+      </p:sp>
+    </p:spTree>
+    <p:extLst>
+      <p:ext uri="{BB962C8B-B14F-4D97-AF65-F5344CB8AC3E}">
+        <p14:creationId xmlns:p14="http://schemas.microsoft.com/office/powerpoint/2010/main" val="2081706317"/>
+      </p:ext>
+    </p:extLst>
+  </p:cSld>
+  <p:clrMapOvr>
+    <a:masterClrMapping/>
+  </p:clrMapOvr>
+</p:sld>
+</file>
+
+<file path=ppt/slides/slide17.xml><?xml version="1.0" encoding="utf-8"?>
+<p:sld xmlns:a="http://schemas.openxmlformats.org/drawingml/2006/main" xmlns:r="http://schemas.openxmlformats.org/officeDocument/2006/relationships" xmlns:p="http://schemas.openxmlformats.org/presentationml/2006/main">
+  <p:cSld>
+    <p:bg>
+      <p:bgPr>
+        <a:solidFill>
+          <a:schemeClr val="bg1"/>
+        </a:solidFill>
+        <a:effectLst/>
+      </p:bgPr>
+    </p:bg>
+    <p:spTree>
+      <p:nvGrpSpPr>
+        <p:cNvPr id="1" name=""/>
+        <p:cNvGrpSpPr/>
+        <p:nvPr/>
+      </p:nvGrpSpPr>
+      <p:grpSpPr>
+        <a:xfrm>
+          <a:off x="0" y="0"/>
+          <a:ext cx="0" cy="0"/>
+          <a:chOff x="0" y="0"/>
+          <a:chExt cx="0" cy="0"/>
+        </a:xfrm>
+      </p:grpSpPr>
+      <p:sp useBgFill="1">
+        <p:nvSpPr>
+          <p:cNvPr id="10" name="Rectangle 9">
+            <a:extLst>
+              <a:ext uri="{FF2B5EF4-FFF2-40B4-BE49-F238E27FC236}">
+                <a16:creationId xmlns:a16="http://schemas.microsoft.com/office/drawing/2014/main" id="{20D5D19D-0789-4518-B5DC-D47ADF69D25A}"/>
+              </a:ext>
+              <a:ext uri="{C183D7F6-B498-43B3-948B-1728B52AA6E4}">
+                <adec:decorative xmlns:adec="http://schemas.microsoft.com/office/drawing/2017/decorative" val="1"/>
+              </a:ext>
+            </a:extLst>
+          </p:cNvPr>
+          <p:cNvSpPr>
+            <a:spLocks noGrp="1" noRot="1" noChangeAspect="1" noMove="1" noResize="1" noEditPoints="1" noAdjustHandles="1" noChangeArrowheads="1" noChangeShapeType="1" noTextEdit="1"/>
+          </p:cNvSpPr>
+          <p:nvPr>
+            <p:extLst>
+              <p:ext uri="{386F3935-93C4-4BCD-93E2-E3B085C9AB24}">
+                <p16:designElem xmlns:p16="http://schemas.microsoft.com/office/powerpoint/2015/main" val="1"/>
+              </p:ext>
+            </p:extLst>
+          </p:nvPr>
+        </p:nvSpPr>
+        <p:spPr>
+          <a:xfrm>
+            <a:off x="0" y="0"/>
+            <a:ext cx="12191999" cy="6857365"/>
+          </a:xfrm>
+          <a:prstGeom prst="rect">
+            <a:avLst/>
+          </a:prstGeom>
+          <a:ln>
+            <a:noFill/>
+          </a:ln>
+        </p:spPr>
+        <p:style>
+          <a:lnRef idx="2">
+            <a:schemeClr val="accent1">
+              <a:shade val="50000"/>
+            </a:schemeClr>
+          </a:lnRef>
+          <a:fillRef idx="1">
+            <a:schemeClr val="accent1"/>
+          </a:fillRef>
+          <a:effectRef idx="0">
+            <a:schemeClr val="accent1"/>
+          </a:effectRef>
+          <a:fontRef idx="minor">
+            <a:schemeClr val="lt1"/>
+          </a:fontRef>
+        </p:style>
+        <p:txBody>
+          <a:bodyPr rtlCol="0" anchor="ctr"/>
+          <a:lstStyle/>
+          <a:p>
+            <a:pPr algn="ctr"/>
+            <a:endParaRPr lang="en-US"/>
+          </a:p>
+        </p:txBody>
+      </p:sp>
+      <p:sp>
+        <p:nvSpPr>
+          <p:cNvPr id="2" name="Title 1">
+            <a:extLst>
+              <a:ext uri="{FF2B5EF4-FFF2-40B4-BE49-F238E27FC236}">
+                <a16:creationId xmlns:a16="http://schemas.microsoft.com/office/drawing/2014/main" id="{BE7E7B91-7D8D-B769-7004-1DCA4E464B2C}"/>
+              </a:ext>
+            </a:extLst>
+          </p:cNvPr>
+          <p:cNvSpPr>
+            <a:spLocks noGrp="1"/>
+          </p:cNvSpPr>
+          <p:nvPr>
+            <p:ph type="title"/>
+          </p:nvPr>
+        </p:nvSpPr>
+        <p:spPr>
+          <a:xfrm>
+            <a:off x="1113810" y="3130041"/>
+            <a:ext cx="4036334" cy="2387600"/>
+          </a:xfrm>
+        </p:spPr>
+        <p:txBody>
+          <a:bodyPr vert="horz" lIns="91440" tIns="45720" rIns="91440" bIns="45720" rtlCol="0" anchor="t">
+            <a:normAutofit/>
+          </a:bodyPr>
+          <a:lstStyle/>
+          <a:p>
+            <a:r>
+              <a:rPr lang="en-US" sz="5400" b="1"/>
+              <a:t>Thank You!</a:t>
+            </a:r>
+          </a:p>
+        </p:txBody>
+      </p:sp>
+      <p:grpSp>
+        <p:nvGrpSpPr>
+          <p:cNvPr id="38" name="Group 37">
+            <a:extLst>
+              <a:ext uri="{FF2B5EF4-FFF2-40B4-BE49-F238E27FC236}">
+                <a16:creationId xmlns:a16="http://schemas.microsoft.com/office/drawing/2014/main" id="{032D8612-31EB-44CF-A1D0-14FD4C705424}"/>
+              </a:ext>
+              <a:ext uri="{C183D7F6-B498-43B3-948B-1728B52AA6E4}">
+                <adec:decorative xmlns:adec="http://schemas.microsoft.com/office/drawing/2017/decorative" val="1"/>
+              </a:ext>
+            </a:extLst>
+          </p:cNvPr>
+          <p:cNvGrpSpPr>
+            <a:grpSpLocks noGrp="1" noUngrp="1" noRot="1" noChangeAspect="1" noMove="1" noResize="1"/>
+          </p:cNvGrpSpPr>
+          <p:nvPr>
+            <p:extLst>
+              <p:ext uri="{386F3935-93C4-4BCD-93E2-E3B085C9AB24}">
+                <p16:designElem xmlns:p16="http://schemas.microsoft.com/office/powerpoint/2015/main" val="1"/>
+              </p:ext>
+            </p:extLst>
+          </p:nvPr>
+        </p:nvGrpSpPr>
+        <p:grpSpPr>
+          <a:xfrm>
+            <a:off x="0" y="3154317"/>
+            <a:ext cx="731521" cy="673460"/>
+            <a:chOff x="3940602" y="308034"/>
+            <a:chExt cx="2116791" cy="3428999"/>
+          </a:xfrm>
+          <a:solidFill>
+            <a:schemeClr val="accent4"/>
+          </a:solidFill>
+        </p:grpSpPr>
+        <p:sp>
+          <p:nvSpPr>
+            <p:cNvPr id="13" name="Rectangle 12">
+              <a:extLst>
+                <a:ext uri="{FF2B5EF4-FFF2-40B4-BE49-F238E27FC236}">
+                  <a16:creationId xmlns:a16="http://schemas.microsoft.com/office/drawing/2014/main" id="{F19A4A0F-1B59-4DB0-9764-D10936E98770}"/>
+                </a:ext>
+                <a:ext uri="{C183D7F6-B498-43B3-948B-1728B52AA6E4}">
+                  <adec:decorative xmlns:adec="http://schemas.microsoft.com/office/drawing/2017/decorative" val="1"/>
+                </a:ext>
+              </a:extLst>
+            </p:cNvPr>
+            <p:cNvSpPr/>
+            <p:nvPr>
+              <p:extLst>
+                <p:ext uri="{386F3935-93C4-4BCD-93E2-E3B085C9AB24}">
+                  <p16:designElem xmlns:p16="http://schemas.microsoft.com/office/powerpoint/2015/main" val="1"/>
+                </p:ext>
+              </p:extLst>
+            </p:nvPr>
+          </p:nvSpPr>
+          <p:spPr>
+            <a:xfrm>
+              <a:off x="3940602" y="308034"/>
+              <a:ext cx="566743" cy="3428999"/>
+            </a:xfrm>
+            <a:prstGeom prst="rect">
+              <a:avLst/>
+            </a:prstGeom>
+            <a:grpFill/>
+            <a:ln>
+              <a:noFill/>
+            </a:ln>
+          </p:spPr>
+          <p:style>
+            <a:lnRef idx="2">
+              <a:schemeClr val="accent1">
+                <a:shade val="50000"/>
+              </a:schemeClr>
+            </a:lnRef>
+            <a:fillRef idx="1">
+              <a:schemeClr val="accent1"/>
+            </a:fillRef>
+            <a:effectRef idx="0">
+              <a:schemeClr val="accent1"/>
+            </a:effectRef>
+            <a:fontRef idx="minor">
+              <a:schemeClr val="lt1"/>
+            </a:fontRef>
+          </p:style>
+          <p:txBody>
+            <a:bodyPr rtlCol="0" anchor="ctr"/>
+            <a:lstStyle/>
+            <a:p>
+              <a:pPr algn="ctr"/>
+              <a:endParaRPr lang="en-US"/>
+            </a:p>
+          </p:txBody>
+        </p:sp>
+        <p:sp>
+          <p:nvSpPr>
+            <p:cNvPr id="14" name="Rectangle 13">
+              <a:extLst>
+                <a:ext uri="{FF2B5EF4-FFF2-40B4-BE49-F238E27FC236}">
+                  <a16:creationId xmlns:a16="http://schemas.microsoft.com/office/drawing/2014/main" id="{F399A70F-F8CD-4992-9EF5-6CF15472E73F}"/>
+                </a:ext>
+                <a:ext uri="{C183D7F6-B498-43B3-948B-1728B52AA6E4}">
+                  <adec:decorative xmlns:adec="http://schemas.microsoft.com/office/drawing/2017/decorative" val="1"/>
+                </a:ext>
+              </a:extLst>
+            </p:cNvPr>
+            <p:cNvSpPr/>
+            <p:nvPr>
+              <p:extLst>
+                <p:ext uri="{386F3935-93C4-4BCD-93E2-E3B085C9AB24}">
+                  <p16:designElem xmlns:p16="http://schemas.microsoft.com/office/powerpoint/2015/main" val="1"/>
+                </p:ext>
+              </p:extLst>
+            </p:nvPr>
+          </p:nvSpPr>
+          <p:spPr>
+            <a:xfrm>
+              <a:off x="4715626" y="308034"/>
+              <a:ext cx="566743" cy="3428999"/>
+            </a:xfrm>
+            <a:prstGeom prst="rect">
+              <a:avLst/>
+            </a:prstGeom>
+            <a:grpFill/>
+            <a:ln>
+              <a:noFill/>
+            </a:ln>
+          </p:spPr>
+          <p:style>
+            <a:lnRef idx="2">
+              <a:schemeClr val="accent1">
+                <a:shade val="50000"/>
+              </a:schemeClr>
+            </a:lnRef>
+            <a:fillRef idx="1">
+              <a:schemeClr val="accent1"/>
+            </a:fillRef>
+            <a:effectRef idx="0">
+              <a:schemeClr val="accent1"/>
+            </a:effectRef>
+            <a:fontRef idx="minor">
+              <a:schemeClr val="lt1"/>
+            </a:fontRef>
+          </p:style>
+          <p:txBody>
+            <a:bodyPr rtlCol="0" anchor="ctr"/>
+            <a:lstStyle/>
+            <a:p>
+              <a:pPr algn="ctr"/>
+              <a:endParaRPr lang="en-US"/>
+            </a:p>
+          </p:txBody>
+        </p:sp>
+        <p:sp>
+          <p:nvSpPr>
+            <p:cNvPr id="15" name="Rectangle 14">
+              <a:extLst>
+                <a:ext uri="{FF2B5EF4-FFF2-40B4-BE49-F238E27FC236}">
+                  <a16:creationId xmlns:a16="http://schemas.microsoft.com/office/drawing/2014/main" id="{48F4FEDC-6D80-458C-A665-075D9B9500FD}"/>
+                </a:ext>
+                <a:ext uri="{C183D7F6-B498-43B3-948B-1728B52AA6E4}">
+                  <adec:decorative xmlns:adec="http://schemas.microsoft.com/office/drawing/2017/decorative" val="1"/>
+                </a:ext>
+              </a:extLst>
+            </p:cNvPr>
+            <p:cNvSpPr/>
+            <p:nvPr>
+              <p:extLst>
+                <p:ext uri="{386F3935-93C4-4BCD-93E2-E3B085C9AB24}">
+                  <p16:designElem xmlns:p16="http://schemas.microsoft.com/office/powerpoint/2015/main" val="1"/>
+                </p:ext>
+              </p:extLst>
+            </p:nvPr>
+          </p:nvSpPr>
+          <p:spPr>
+            <a:xfrm>
+              <a:off x="5490650" y="308034"/>
+              <a:ext cx="566743" cy="3428999"/>
+            </a:xfrm>
+            <a:prstGeom prst="rect">
+              <a:avLst/>
+            </a:prstGeom>
+            <a:grpFill/>
+            <a:ln>
+              <a:noFill/>
+            </a:ln>
+          </p:spPr>
+          <p:style>
+            <a:lnRef idx="2">
+              <a:schemeClr val="accent1">
+                <a:shade val="50000"/>
+              </a:schemeClr>
+            </a:lnRef>
+            <a:fillRef idx="1">
+              <a:schemeClr val="accent1"/>
+            </a:fillRef>
+            <a:effectRef idx="0">
+              <a:schemeClr val="accent1"/>
+            </a:effectRef>
+            <a:fontRef idx="minor">
+              <a:schemeClr val="lt1"/>
+            </a:fontRef>
+          </p:style>
+          <p:txBody>
+            <a:bodyPr rtlCol="0" anchor="ctr"/>
+            <a:lstStyle/>
+            <a:p>
+              <a:pPr algn="ctr"/>
+              <a:endParaRPr lang="en-US"/>
+            </a:p>
+          </p:txBody>
+        </p:sp>
+      </p:grpSp>
+      <p:sp>
+        <p:nvSpPr>
+          <p:cNvPr id="17" name="Rectangle 16">
+            <a:extLst>
+              <a:ext uri="{FF2B5EF4-FFF2-40B4-BE49-F238E27FC236}">
+                <a16:creationId xmlns:a16="http://schemas.microsoft.com/office/drawing/2014/main" id="{B81933D1-5615-42C7-9C0B-4EB7105CCE2D}"/>
+              </a:ext>
+              <a:ext uri="{C183D7F6-B498-43B3-948B-1728B52AA6E4}">
+                <adec:decorative xmlns:adec="http://schemas.microsoft.com/office/drawing/2017/decorative" val="1"/>
+              </a:ext>
+            </a:extLst>
+          </p:cNvPr>
+          <p:cNvSpPr>
+            <a:spLocks noGrp="1" noRot="1" noChangeAspect="1" noMove="1" noResize="1" noEditPoints="1" noAdjustHandles="1" noChangeArrowheads="1" noChangeShapeType="1" noTextEdit="1"/>
+          </p:cNvSpPr>
+          <p:nvPr>
+            <p:extLst>
+              <p:ext uri="{386F3935-93C4-4BCD-93E2-E3B085C9AB24}">
+                <p16:designElem xmlns:p16="http://schemas.microsoft.com/office/powerpoint/2015/main" val="1"/>
+              </p:ext>
+            </p:extLst>
+          </p:nvPr>
+        </p:nvSpPr>
+        <p:spPr>
+          <a:xfrm flipH="1">
+            <a:off x="10697670" y="0"/>
+            <a:ext cx="1494330" cy="6858000"/>
+          </a:xfrm>
+          <a:prstGeom prst="rect">
+            <a:avLst/>
+          </a:prstGeom>
+          <a:solidFill>
+            <a:schemeClr val="accent4"/>
+          </a:solidFill>
+          <a:ln>
+            <a:noFill/>
+          </a:ln>
+        </p:spPr>
+        <p:style>
+          <a:lnRef idx="2">
+            <a:schemeClr val="accent1">
+              <a:shade val="50000"/>
+            </a:schemeClr>
+          </a:lnRef>
+          <a:fillRef idx="1">
+            <a:schemeClr val="accent1"/>
+          </a:fillRef>
+          <a:effectRef idx="0">
+            <a:schemeClr val="accent1"/>
+          </a:effectRef>
+          <a:fontRef idx="minor">
+            <a:schemeClr val="lt1"/>
+          </a:fontRef>
+        </p:style>
+        <p:txBody>
+          <a:bodyPr rtlCol="0" anchor="ctr"/>
+          <a:lstStyle/>
+          <a:p>
+            <a:pPr algn="ctr"/>
+            <a:endParaRPr lang="en-US"/>
+          </a:p>
+        </p:txBody>
+      </p:sp>
+      <p:sp>
+        <p:nvSpPr>
+          <p:cNvPr id="19" name="Rectangle 18">
+            <a:extLst>
+              <a:ext uri="{FF2B5EF4-FFF2-40B4-BE49-F238E27FC236}">
+                <a16:creationId xmlns:a16="http://schemas.microsoft.com/office/drawing/2014/main" id="{19C9EAEA-39D0-4B0E-A0EB-51E7B26740B1}"/>
+              </a:ext>
+              <a:ext uri="{C183D7F6-B498-43B3-948B-1728B52AA6E4}">
+                <adec:decorative xmlns:adec="http://schemas.microsoft.com/office/drawing/2017/decorative" val="1"/>
+              </a:ext>
+            </a:extLst>
+          </p:cNvPr>
+          <p:cNvSpPr>
+            <a:spLocks noGrp="1" noRot="1" noChangeAspect="1" noMove="1" noResize="1" noEditPoints="1" noAdjustHandles="1" noChangeArrowheads="1" noChangeShapeType="1" noTextEdit="1"/>
+          </p:cNvSpPr>
+          <p:nvPr>
+            <p:extLst>
+              <p:ext uri="{386F3935-93C4-4BCD-93E2-E3B085C9AB24}">
+                <p16:designElem xmlns:p16="http://schemas.microsoft.com/office/powerpoint/2015/main" val="1"/>
+              </p:ext>
+            </p:extLst>
+          </p:nvPr>
+        </p:nvSpPr>
+        <p:spPr>
+          <a:xfrm>
+            <a:off x="5685810" y="391886"/>
+            <a:ext cx="6009366" cy="6017078"/>
+          </a:xfrm>
+          <a:prstGeom prst="rect">
+            <a:avLst/>
+          </a:prstGeom>
+          <a:solidFill>
+            <a:schemeClr val="bg1"/>
+          </a:solidFill>
+          <a:ln>
+            <a:noFill/>
+          </a:ln>
+          <a:effectLst>
+            <a:outerShdw blurRad="139700" dist="127000" dir="5400000" algn="t" rotWithShape="0">
+              <a:prstClr val="black">
+                <a:alpha val="15000"/>
+              </a:prstClr>
+            </a:outerShdw>
+          </a:effectLst>
+        </p:spPr>
+        <p:style>
+          <a:lnRef idx="2">
+            <a:schemeClr val="accent1">
+              <a:shade val="50000"/>
+            </a:schemeClr>
+          </a:lnRef>
+          <a:fillRef idx="1">
+            <a:schemeClr val="accent1"/>
+          </a:fillRef>
+          <a:effectRef idx="0">
+            <a:schemeClr val="accent1"/>
+          </a:effectRef>
+          <a:fontRef idx="minor">
+            <a:schemeClr val="lt1"/>
+          </a:fontRef>
+        </p:style>
+        <p:txBody>
+          <a:bodyPr rtlCol="0" anchor="ctr"/>
+          <a:lstStyle/>
+          <a:p>
+            <a:pPr algn="ctr"/>
+            <a:endParaRPr lang="en-US"/>
+          </a:p>
+        </p:txBody>
+      </p:sp>
+      <p:pic>
+        <p:nvPicPr>
+          <p:cNvPr id="5" name="Picture 4" descr="A screen shot of a computer screen&#10;&#10;AI-generated content may be incorrect.">
+            <a:extLst>
+              <a:ext uri="{FF2B5EF4-FFF2-40B4-BE49-F238E27FC236}">
+                <a16:creationId xmlns:a16="http://schemas.microsoft.com/office/drawing/2014/main" id="{5F4C5A23-189E-7406-34EA-852B2B0E4DC4}"/>
+              </a:ext>
+            </a:extLst>
+          </p:cNvPr>
+          <p:cNvPicPr>
+            <a:picLocks noChangeAspect="1"/>
+          </p:cNvPicPr>
+          <p:nvPr/>
+        </p:nvPicPr>
+        <p:blipFill>
+          <a:blip r:embed="rId2">
+            <a:extLst>
+              <a:ext uri="{28A0092B-C50C-407E-A947-70E740481C1C}">
+                <a14:useLocalDpi xmlns:a14="http://schemas.microsoft.com/office/drawing/2010/main" val="0"/>
+              </a:ext>
+            </a:extLst>
+          </a:blip>
+          <a:srcRect l="618" r="-3" b="-3"/>
+          <a:stretch>
+            <a:fillRect/>
+          </a:stretch>
+        </p:blipFill>
+        <p:spPr>
+          <a:xfrm>
+            <a:off x="5922492" y="666728"/>
+            <a:ext cx="5536001" cy="5465791"/>
+          </a:xfrm>
+          <a:prstGeom prst="rect">
+            <a:avLst/>
+          </a:prstGeom>
+          <a:ln>
+            <a:noFill/>
+          </a:ln>
+          <a:effectLst>
+            <a:softEdge rad="112500"/>
+          </a:effectLst>
+        </p:spPr>
+      </p:pic>
+    </p:spTree>
+    <p:extLst>
+      <p:ext uri="{BB962C8B-B14F-4D97-AF65-F5344CB8AC3E}">
+        <p14:creationId xmlns:p14="http://schemas.microsoft.com/office/powerpoint/2010/main" val="614273468"/>
       </p:ext>
     </p:extLst>
   </p:cSld>
@@ -11960,8 +13854,8 @@
         </p:blipFill>
         <p:spPr>
           <a:xfrm>
-            <a:off x="5268116" y="2070028"/>
-            <a:ext cx="4349454" cy="2260194"/>
+            <a:off x="6191111" y="1208218"/>
+            <a:ext cx="5695540" cy="2458526"/>
           </a:xfrm>
           <a:prstGeom prst="rect">
             <a:avLst/>
@@ -11996,8 +13890,8 @@
         </p:blipFill>
         <p:spPr>
           <a:xfrm>
-            <a:off x="5268116" y="4526946"/>
-            <a:ext cx="4085294" cy="2122923"/>
+            <a:off x="6191111" y="3824374"/>
+            <a:ext cx="5695540" cy="2825496"/>
           </a:xfrm>
           <a:prstGeom prst="rect">
             <a:avLst/>
@@ -12032,8 +13926,8 @@
         </p:blipFill>
         <p:spPr>
           <a:xfrm>
-            <a:off x="177643" y="2762912"/>
-            <a:ext cx="5090473" cy="2825496"/>
+            <a:off x="305350" y="2437481"/>
+            <a:ext cx="5695540" cy="2825496"/>
           </a:xfrm>
           <a:prstGeom prst="rect">
             <a:avLst/>
@@ -12505,7 +14399,7 @@
         </p:blipFill>
         <p:spPr>
           <a:xfrm>
-            <a:off x="5624299" y="2727236"/>
+            <a:off x="2679931" y="2407196"/>
             <a:ext cx="6638821" cy="4130764"/>
           </a:xfrm>
           <a:prstGeom prst="rect">
@@ -13138,4 +15032,319 @@
     </a:ext>
   </a:extLst>
 </a:theme>
+</file>
+
+<file path=ppt/theme/theme2.xml><?xml version="1.0" encoding="utf-8"?>
+<a:theme xmlns:a="http://schemas.openxmlformats.org/drawingml/2006/main" name="Office Theme">
+  <a:themeElements>
+    <a:clrScheme name="Office">
+      <a:dk1>
+        <a:sysClr val="windowText" lastClr="000000"/>
+      </a:dk1>
+      <a:lt1>
+        <a:sysClr val="window" lastClr="FFFFFF"/>
+      </a:lt1>
+      <a:dk2>
+        <a:srgbClr val="0E2841"/>
+      </a:dk2>
+      <a:lt2>
+        <a:srgbClr val="E8E8E8"/>
+      </a:lt2>
+      <a:accent1>
+        <a:srgbClr val="156082"/>
+      </a:accent1>
+      <a:accent2>
+        <a:srgbClr val="E97132"/>
+      </a:accent2>
+      <a:accent3>
+        <a:srgbClr val="196B24"/>
+      </a:accent3>
+      <a:accent4>
+        <a:srgbClr val="0F9ED5"/>
+      </a:accent4>
+      <a:accent5>
+        <a:srgbClr val="A02B93"/>
+      </a:accent5>
+      <a:accent6>
+        <a:srgbClr val="4EA72E"/>
+      </a:accent6>
+      <a:hlink>
+        <a:srgbClr val="467886"/>
+      </a:hlink>
+      <a:folHlink>
+        <a:srgbClr val="96607D"/>
+      </a:folHlink>
+    </a:clrScheme>
+    <a:fontScheme name="Office">
+      <a:majorFont>
+        <a:latin typeface="Aptos Display" panose="02110004020202020204"/>
+        <a:ea typeface=""/>
+        <a:cs typeface=""/>
+        <a:font script="Jpan" typeface="游ゴシック Light"/>
+        <a:font script="Hang" typeface="맑은 고딕"/>
+        <a:font script="Hans" typeface="等线 Light"/>
+        <a:font script="Hant" typeface="新細明體"/>
+        <a:font script="Arab" typeface="Times New Roman"/>
+        <a:font script="Hebr" typeface="Times New Roman"/>
+        <a:font script="Thai" typeface="Angsana New"/>
+        <a:font script="Ethi" typeface="Nyala"/>
+        <a:font script="Beng" typeface="Vrinda"/>
+        <a:font script="Gujr" typeface="Shruti"/>
+        <a:font script="Khmr" typeface="MoolBoran"/>
+        <a:font script="Knda" typeface="Tunga"/>
+        <a:font script="Guru" typeface="Raavi"/>
+        <a:font script="Cans" typeface="Euphemia"/>
+        <a:font script="Cher" typeface="Plantagenet Cherokee"/>
+        <a:font script="Yiii" typeface="Microsoft Yi Baiti"/>
+        <a:font script="Tibt" typeface="Microsoft Himalaya"/>
+        <a:font script="Thaa" typeface="MV Boli"/>
+        <a:font script="Deva" typeface="Mangal"/>
+        <a:font script="Telu" typeface="Gautami"/>
+        <a:font script="Taml" typeface="Latha"/>
+        <a:font script="Syrc" typeface="Estrangelo Edessa"/>
+        <a:font script="Orya" typeface="Kalinga"/>
+        <a:font script="Mlym" typeface="Kartika"/>
+        <a:font script="Laoo" typeface="DokChampa"/>
+        <a:font script="Sinh" typeface="Iskoola Pota"/>
+        <a:font script="Mong" typeface="Mongolian Baiti"/>
+        <a:font script="Viet" typeface="Times New Roman"/>
+        <a:font script="Uigh" typeface="Microsoft Uighur"/>
+        <a:font script="Geor" typeface="Sylfaen"/>
+        <a:font script="Armn" typeface="Arial"/>
+        <a:font script="Bugi" typeface="Leelawadee UI"/>
+        <a:font script="Bopo" typeface="Microsoft JhengHei"/>
+        <a:font script="Java" typeface="Javanese Text"/>
+        <a:font script="Lisu" typeface="Segoe UI"/>
+        <a:font script="Mymr" typeface="Myanmar Text"/>
+        <a:font script="Nkoo" typeface="Ebrima"/>
+        <a:font script="Olck" typeface="Nirmala UI"/>
+        <a:font script="Osma" typeface="Ebrima"/>
+        <a:font script="Phag" typeface="Phagspa"/>
+        <a:font script="Syrn" typeface="Estrangelo Edessa"/>
+        <a:font script="Syrj" typeface="Estrangelo Edessa"/>
+        <a:font script="Syre" typeface="Estrangelo Edessa"/>
+        <a:font script="Sora" typeface="Nirmala UI"/>
+        <a:font script="Tale" typeface="Microsoft Tai Le"/>
+        <a:font script="Talu" typeface="Microsoft New Tai Lue"/>
+        <a:font script="Tfng" typeface="Ebrima"/>
+      </a:majorFont>
+      <a:minorFont>
+        <a:latin typeface="Aptos" panose="02110004020202020204"/>
+        <a:ea typeface=""/>
+        <a:cs typeface=""/>
+        <a:font script="Jpan" typeface="游ゴシック"/>
+        <a:font script="Hang" typeface="맑은 고딕"/>
+        <a:font script="Hans" typeface="等线"/>
+        <a:font script="Hant" typeface="新細明體"/>
+        <a:font script="Arab" typeface="Arial"/>
+        <a:font script="Hebr" typeface="Arial"/>
+        <a:font script="Thai" typeface="Cordia New"/>
+        <a:font script="Ethi" typeface="Nyala"/>
+        <a:font script="Beng" typeface="Vrinda"/>
+        <a:font script="Gujr" typeface="Shruti"/>
+        <a:font script="Khmr" typeface="DaunPenh"/>
+        <a:font script="Knda" typeface="Tunga"/>
+        <a:font script="Guru" typeface="Raavi"/>
+        <a:font script="Cans" typeface="Euphemia"/>
+        <a:font script="Cher" typeface="Plantagenet Cherokee"/>
+        <a:font script="Yiii" typeface="Microsoft Yi Baiti"/>
+        <a:font script="Tibt" typeface="Microsoft Himalaya"/>
+        <a:font script="Thaa" typeface="MV Boli"/>
+        <a:font script="Deva" typeface="Mangal"/>
+        <a:font script="Telu" typeface="Gautami"/>
+        <a:font script="Taml" typeface="Latha"/>
+        <a:font script="Syrc" typeface="Estrangelo Edessa"/>
+        <a:font script="Orya" typeface="Kalinga"/>
+        <a:font script="Mlym" typeface="Kartika"/>
+        <a:font script="Laoo" typeface="DokChampa"/>
+        <a:font script="Sinh" typeface="Iskoola Pota"/>
+        <a:font script="Mong" typeface="Mongolian Baiti"/>
+        <a:font script="Viet" typeface="Arial"/>
+        <a:font script="Uigh" typeface="Microsoft Uighur"/>
+        <a:font script="Geor" typeface="Sylfaen"/>
+        <a:font script="Armn" typeface="Arial"/>
+        <a:font script="Bugi" typeface="Leelawadee UI"/>
+        <a:font script="Bopo" typeface="Microsoft JhengHei"/>
+        <a:font script="Java" typeface="Javanese Text"/>
+        <a:font script="Lisu" typeface="Segoe UI"/>
+        <a:font script="Mymr" typeface="Myanmar Text"/>
+        <a:font script="Nkoo" typeface="Ebrima"/>
+        <a:font script="Olck" typeface="Nirmala UI"/>
+        <a:font script="Osma" typeface="Ebrima"/>
+        <a:font script="Phag" typeface="Phagspa"/>
+        <a:font script="Syrn" typeface="Estrangelo Edessa"/>
+        <a:font script="Syrj" typeface="Estrangelo Edessa"/>
+        <a:font script="Syre" typeface="Estrangelo Edessa"/>
+        <a:font script="Sora" typeface="Nirmala UI"/>
+        <a:font script="Tale" typeface="Microsoft Tai Le"/>
+        <a:font script="Talu" typeface="Microsoft New Tai Lue"/>
+        <a:font script="Tfng" typeface="Ebrima"/>
+      </a:minorFont>
+    </a:fontScheme>
+    <a:fmtScheme name="Office">
+      <a:fillStyleLst>
+        <a:solidFill>
+          <a:schemeClr val="phClr"/>
+        </a:solidFill>
+        <a:gradFill rotWithShape="1">
+          <a:gsLst>
+            <a:gs pos="0">
+              <a:schemeClr val="phClr">
+                <a:lumMod val="110000"/>
+                <a:satMod val="105000"/>
+                <a:tint val="67000"/>
+              </a:schemeClr>
+            </a:gs>
+            <a:gs pos="50000">
+              <a:schemeClr val="phClr">
+                <a:lumMod val="105000"/>
+                <a:satMod val="103000"/>
+                <a:tint val="73000"/>
+              </a:schemeClr>
+            </a:gs>
+            <a:gs pos="100000">
+              <a:schemeClr val="phClr">
+                <a:lumMod val="105000"/>
+                <a:satMod val="109000"/>
+                <a:tint val="81000"/>
+              </a:schemeClr>
+            </a:gs>
+          </a:gsLst>
+          <a:lin ang="5400000" scaled="0"/>
+        </a:gradFill>
+        <a:gradFill rotWithShape="1">
+          <a:gsLst>
+            <a:gs pos="0">
+              <a:schemeClr val="phClr">
+                <a:satMod val="103000"/>
+                <a:lumMod val="102000"/>
+                <a:tint val="94000"/>
+              </a:schemeClr>
+            </a:gs>
+            <a:gs pos="50000">
+              <a:schemeClr val="phClr">
+                <a:satMod val="110000"/>
+                <a:lumMod val="100000"/>
+                <a:shade val="100000"/>
+              </a:schemeClr>
+            </a:gs>
+            <a:gs pos="100000">
+              <a:schemeClr val="phClr">
+                <a:lumMod val="99000"/>
+                <a:satMod val="120000"/>
+                <a:shade val="78000"/>
+              </a:schemeClr>
+            </a:gs>
+          </a:gsLst>
+          <a:lin ang="5400000" scaled="0"/>
+        </a:gradFill>
+      </a:fillStyleLst>
+      <a:lnStyleLst>
+        <a:ln w="12700" cap="flat" cmpd="sng" algn="ctr">
+          <a:solidFill>
+            <a:schemeClr val="phClr"/>
+          </a:solidFill>
+          <a:prstDash val="solid"/>
+          <a:miter lim="800000"/>
+        </a:ln>
+        <a:ln w="19050" cap="flat" cmpd="sng" algn="ctr">
+          <a:solidFill>
+            <a:schemeClr val="phClr"/>
+          </a:solidFill>
+          <a:prstDash val="solid"/>
+          <a:miter lim="800000"/>
+        </a:ln>
+        <a:ln w="25400" cap="flat" cmpd="sng" algn="ctr">
+          <a:solidFill>
+            <a:schemeClr val="phClr"/>
+          </a:solidFill>
+          <a:prstDash val="solid"/>
+          <a:miter lim="800000"/>
+        </a:ln>
+      </a:lnStyleLst>
+      <a:effectStyleLst>
+        <a:effectStyle>
+          <a:effectLst/>
+        </a:effectStyle>
+        <a:effectStyle>
+          <a:effectLst/>
+        </a:effectStyle>
+        <a:effectStyle>
+          <a:effectLst>
+            <a:outerShdw blurRad="57150" dist="19050" dir="5400000" algn="ctr" rotWithShape="0">
+              <a:srgbClr val="000000">
+                <a:alpha val="63000"/>
+              </a:srgbClr>
+            </a:outerShdw>
+          </a:effectLst>
+        </a:effectStyle>
+      </a:effectStyleLst>
+      <a:bgFillStyleLst>
+        <a:solidFill>
+          <a:schemeClr val="phClr"/>
+        </a:solidFill>
+        <a:solidFill>
+          <a:schemeClr val="phClr">
+            <a:tint val="95000"/>
+            <a:satMod val="170000"/>
+          </a:schemeClr>
+        </a:solidFill>
+        <a:gradFill rotWithShape="1">
+          <a:gsLst>
+            <a:gs pos="0">
+              <a:schemeClr val="phClr">
+                <a:tint val="93000"/>
+                <a:satMod val="150000"/>
+                <a:shade val="98000"/>
+                <a:lumMod val="102000"/>
+              </a:schemeClr>
+            </a:gs>
+            <a:gs pos="50000">
+              <a:schemeClr val="phClr">
+                <a:tint val="98000"/>
+                <a:satMod val="130000"/>
+                <a:shade val="90000"/>
+                <a:lumMod val="103000"/>
+              </a:schemeClr>
+            </a:gs>
+            <a:gs pos="100000">
+              <a:schemeClr val="phClr">
+                <a:shade val="63000"/>
+                <a:satMod val="120000"/>
+              </a:schemeClr>
+            </a:gs>
+          </a:gsLst>
+          <a:lin ang="5400000" scaled="0"/>
+        </a:gradFill>
+      </a:bgFillStyleLst>
+    </a:fmtScheme>
+  </a:themeElements>
+  <a:objectDefaults>
+    <a:lnDef>
+      <a:spPr/>
+      <a:bodyPr/>
+      <a:lstStyle/>
+      <a:style>
+        <a:lnRef idx="2">
+          <a:schemeClr val="accent1"/>
+        </a:lnRef>
+        <a:fillRef idx="0">
+          <a:schemeClr val="accent1"/>
+        </a:fillRef>
+        <a:effectRef idx="1">
+          <a:schemeClr val="accent1"/>
+        </a:effectRef>
+        <a:fontRef idx="minor">
+          <a:schemeClr val="tx1"/>
+        </a:fontRef>
+      </a:style>
+    </a:lnDef>
+  </a:objectDefaults>
+  <a:extraClrSchemeLst/>
+  <a:extLst>
+    <a:ext uri="{05A4C25C-085E-4340-85A3-A5531E510DB2}">
+      <thm15:themeFamily xmlns:thm15="http://schemas.microsoft.com/office/thememl/2012/main" name="Office Theme" id="{2E142A2C-CD16-42D6-873A-C26D2A0506FA}" vid="{1BDDFF52-6CD6-40A5-AB3C-68EB2F1E4D0A}"/>
+    </a:ext>
+  </a:extLst>
+</a:theme>
 </file>
--- a/Presintaions and Reports/Final presntaion VLSI.pptx
+++ b/Presintaions and Reports/Final presntaion VLSI.pptx
@@ -5,7 +5,7 @@
     <p:sldMasterId id="2147483648" r:id="rId1"/>
   </p:sldMasterIdLst>
   <p:notesMasterIdLst>
-    <p:notesMasterId r:id="rId19"/>
+    <p:notesMasterId r:id="rId23"/>
   </p:notesMasterIdLst>
   <p:sldIdLst>
     <p:sldId id="257" r:id="rId2"/>
@@ -18,13 +18,17 @@
     <p:sldId id="298" r:id="rId9"/>
     <p:sldId id="299" r:id="rId10"/>
     <p:sldId id="304" r:id="rId11"/>
-    <p:sldId id="301" r:id="rId12"/>
-    <p:sldId id="302" r:id="rId13"/>
-    <p:sldId id="303" r:id="rId14"/>
-    <p:sldId id="305" r:id="rId15"/>
-    <p:sldId id="306" r:id="rId16"/>
-    <p:sldId id="307" r:id="rId17"/>
-    <p:sldId id="308" r:id="rId18"/>
+    <p:sldId id="309" r:id="rId12"/>
+    <p:sldId id="301" r:id="rId13"/>
+    <p:sldId id="310" r:id="rId14"/>
+    <p:sldId id="311" r:id="rId15"/>
+    <p:sldId id="312" r:id="rId16"/>
+    <p:sldId id="302" r:id="rId17"/>
+    <p:sldId id="303" r:id="rId18"/>
+    <p:sldId id="305" r:id="rId19"/>
+    <p:sldId id="306" r:id="rId20"/>
+    <p:sldId id="307" r:id="rId21"/>
+    <p:sldId id="308" r:id="rId22"/>
   </p:sldIdLst>
   <p:sldSz cx="12192000" cy="6858000"/>
   <p:notesSz cx="6858000" cy="9144000"/>
@@ -3390,7 +3394,7 @@
           <a:p>
             <a:fld id="{00968C3E-619B-4AA5-B3D1-45D581164E23}" type="datetimeFigureOut">
               <a:rPr lang="en-IL" smtClean="0"/>
-              <a:t>26/06/2025</a:t>
+              <a:t>27/06/2025</a:t>
             </a:fld>
             <a:endParaRPr lang="en-IL"/>
           </a:p>
@@ -3891,7 +3895,7 @@
           <a:p>
             <a:fld id="{4C1E25F6-6904-4FC1-8C19-2CBB5B46E60E}" type="datetimeFigureOut">
               <a:rPr lang="en-IL" smtClean="0"/>
-              <a:t>26/06/2025</a:t>
+              <a:t>27/06/2025</a:t>
             </a:fld>
             <a:endParaRPr lang="en-IL"/>
           </a:p>
@@ -4091,7 +4095,7 @@
           <a:p>
             <a:fld id="{4C1E25F6-6904-4FC1-8C19-2CBB5B46E60E}" type="datetimeFigureOut">
               <a:rPr lang="en-IL" smtClean="0"/>
-              <a:t>26/06/2025</a:t>
+              <a:t>27/06/2025</a:t>
             </a:fld>
             <a:endParaRPr lang="en-IL"/>
           </a:p>
@@ -4301,7 +4305,7 @@
           <a:p>
             <a:fld id="{4C1E25F6-6904-4FC1-8C19-2CBB5B46E60E}" type="datetimeFigureOut">
               <a:rPr lang="en-IL" smtClean="0"/>
-              <a:t>26/06/2025</a:t>
+              <a:t>27/06/2025</a:t>
             </a:fld>
             <a:endParaRPr lang="en-IL"/>
           </a:p>
@@ -4501,7 +4505,7 @@
           <a:p>
             <a:fld id="{4C1E25F6-6904-4FC1-8C19-2CBB5B46E60E}" type="datetimeFigureOut">
               <a:rPr lang="en-IL" smtClean="0"/>
-              <a:t>26/06/2025</a:t>
+              <a:t>27/06/2025</a:t>
             </a:fld>
             <a:endParaRPr lang="en-IL"/>
           </a:p>
@@ -4777,7 +4781,7 @@
           <a:p>
             <a:fld id="{4C1E25F6-6904-4FC1-8C19-2CBB5B46E60E}" type="datetimeFigureOut">
               <a:rPr lang="en-IL" smtClean="0"/>
-              <a:t>26/06/2025</a:t>
+              <a:t>27/06/2025</a:t>
             </a:fld>
             <a:endParaRPr lang="en-IL"/>
           </a:p>
@@ -5045,7 +5049,7 @@
           <a:p>
             <a:fld id="{4C1E25F6-6904-4FC1-8C19-2CBB5B46E60E}" type="datetimeFigureOut">
               <a:rPr lang="en-IL" smtClean="0"/>
-              <a:t>26/06/2025</a:t>
+              <a:t>27/06/2025</a:t>
             </a:fld>
             <a:endParaRPr lang="en-IL"/>
           </a:p>
@@ -5460,7 +5464,7 @@
           <a:p>
             <a:fld id="{4C1E25F6-6904-4FC1-8C19-2CBB5B46E60E}" type="datetimeFigureOut">
               <a:rPr lang="en-IL" smtClean="0"/>
-              <a:t>26/06/2025</a:t>
+              <a:t>27/06/2025</a:t>
             </a:fld>
             <a:endParaRPr lang="en-IL"/>
           </a:p>
@@ -5602,7 +5606,7 @@
           <a:p>
             <a:fld id="{4C1E25F6-6904-4FC1-8C19-2CBB5B46E60E}" type="datetimeFigureOut">
               <a:rPr lang="en-IL" smtClean="0"/>
-              <a:t>26/06/2025</a:t>
+              <a:t>27/06/2025</a:t>
             </a:fld>
             <a:endParaRPr lang="en-IL"/>
           </a:p>
@@ -5715,7 +5719,7 @@
           <a:p>
             <a:fld id="{4C1E25F6-6904-4FC1-8C19-2CBB5B46E60E}" type="datetimeFigureOut">
               <a:rPr lang="en-IL" smtClean="0"/>
-              <a:t>26/06/2025</a:t>
+              <a:t>27/06/2025</a:t>
             </a:fld>
             <a:endParaRPr lang="en-IL"/>
           </a:p>
@@ -6028,7 +6032,7 @@
           <a:p>
             <a:fld id="{4C1E25F6-6904-4FC1-8C19-2CBB5B46E60E}" type="datetimeFigureOut">
               <a:rPr lang="en-IL" smtClean="0"/>
-              <a:t>26/06/2025</a:t>
+              <a:t>27/06/2025</a:t>
             </a:fld>
             <a:endParaRPr lang="en-IL"/>
           </a:p>
@@ -6317,7 +6321,7 @@
           <a:p>
             <a:fld id="{4C1E25F6-6904-4FC1-8C19-2CBB5B46E60E}" type="datetimeFigureOut">
               <a:rPr lang="en-IL" smtClean="0"/>
-              <a:t>26/06/2025</a:t>
+              <a:t>27/06/2025</a:t>
             </a:fld>
             <a:endParaRPr lang="en-IL"/>
           </a:p>
@@ -6560,7 +6564,7 @@
           <a:p>
             <a:fld id="{4C1E25F6-6904-4FC1-8C19-2CBB5B46E60E}" type="datetimeFigureOut">
               <a:rPr lang="en-IL" smtClean="0"/>
-              <a:t>26/06/2025</a:t>
+              <a:t>27/06/2025</a:t>
             </a:fld>
             <a:endParaRPr lang="en-IL"/>
           </a:p>
@@ -10751,6 +10755,219 @@
         <p:cNvPr id="1" name="">
           <a:extLst>
             <a:ext uri="{FF2B5EF4-FFF2-40B4-BE49-F238E27FC236}">
+              <a16:creationId xmlns:a16="http://schemas.microsoft.com/office/drawing/2014/main" id="{3B0B5248-019E-9FD0-FD56-13133099C430}"/>
+            </a:ext>
+          </a:extLst>
+        </p:cNvPr>
+        <p:cNvGrpSpPr/>
+        <p:nvPr/>
+      </p:nvGrpSpPr>
+      <p:grpSpPr>
+        <a:xfrm>
+          <a:off x="0" y="0"/>
+          <a:ext cx="0" cy="0"/>
+          <a:chOff x="0" y="0"/>
+          <a:chExt cx="0" cy="0"/>
+        </a:xfrm>
+      </p:grpSpPr>
+      <p:sp>
+        <p:nvSpPr>
+          <p:cNvPr id="19" name="Rectangle 18">
+            <a:extLst>
+              <a:ext uri="{FF2B5EF4-FFF2-40B4-BE49-F238E27FC236}">
+                <a16:creationId xmlns:a16="http://schemas.microsoft.com/office/drawing/2014/main" id="{305737D5-6CD6-4226-3A0D-CFE8D0D709B3}"/>
+              </a:ext>
+            </a:extLst>
+          </p:cNvPr>
+          <p:cNvSpPr/>
+          <p:nvPr/>
+        </p:nvSpPr>
+        <p:spPr>
+          <a:xfrm>
+            <a:off x="1462167" y="1195602"/>
+            <a:ext cx="10729833" cy="1053885"/>
+          </a:xfrm>
+          <a:prstGeom prst="rect">
+            <a:avLst/>
+          </a:prstGeom>
+        </p:spPr>
+        <p:style>
+          <a:lnRef idx="0">
+            <a:schemeClr val="dk1">
+              <a:alpha val="0"/>
+              <a:hueOff val="0"/>
+              <a:satOff val="0"/>
+              <a:lumOff val="0"/>
+              <a:alphaOff val="0"/>
+            </a:schemeClr>
+          </a:lnRef>
+          <a:fillRef idx="0">
+            <a:schemeClr val="lt1">
+              <a:alpha val="0"/>
+              <a:hueOff val="0"/>
+              <a:satOff val="0"/>
+              <a:lumOff val="0"/>
+              <a:alphaOff val="0"/>
+            </a:schemeClr>
+          </a:fillRef>
+          <a:effectRef idx="0">
+            <a:schemeClr val="lt1">
+              <a:alpha val="0"/>
+              <a:hueOff val="0"/>
+              <a:satOff val="0"/>
+              <a:lumOff val="0"/>
+              <a:alphaOff val="0"/>
+            </a:schemeClr>
+          </a:effectRef>
+          <a:fontRef idx="minor">
+            <a:schemeClr val="tx1">
+              <a:hueOff val="0"/>
+              <a:satOff val="0"/>
+              <a:lumOff val="0"/>
+              <a:alphaOff val="0"/>
+            </a:schemeClr>
+          </a:fontRef>
+        </p:style>
+        <p:txBody>
+          <a:bodyPr/>
+          <a:lstStyle/>
+          <a:p>
+            <a:endParaRPr lang="en-IL"/>
+          </a:p>
+        </p:txBody>
+      </p:sp>
+      <p:sp>
+        <p:nvSpPr>
+          <p:cNvPr id="7" name="כותרת 1">
+            <a:extLst>
+              <a:ext uri="{FF2B5EF4-FFF2-40B4-BE49-F238E27FC236}">
+                <a16:creationId xmlns:a16="http://schemas.microsoft.com/office/drawing/2014/main" id="{3630A281-BAE8-8227-1FCC-CA48059ACB8E}"/>
+              </a:ext>
+            </a:extLst>
+          </p:cNvPr>
+          <p:cNvSpPr>
+            <a:spLocks noGrp="1"/>
+          </p:cNvSpPr>
+          <p:nvPr>
+            <p:ph type="title"/>
+          </p:nvPr>
+        </p:nvSpPr>
+        <p:spPr>
+          <a:xfrm>
+            <a:off x="295189" y="338906"/>
+            <a:ext cx="10319512" cy="592536"/>
+          </a:xfrm>
+        </p:spPr>
+        <p:txBody>
+          <a:bodyPr vert="horz" lIns="91440" tIns="45720" rIns="91440" bIns="45720" rtlCol="0" anchor="b">
+            <a:normAutofit/>
+          </a:bodyPr>
+          <a:lstStyle/>
+          <a:p>
+            <a:pPr rtl="0"/>
+            <a:r>
+              <a:rPr lang="en-US" sz="3200" b="1" i="0" kern="1200" dirty="0">
+                <a:solidFill>
+                  <a:schemeClr val="tx1"/>
+                </a:solidFill>
+                <a:effectLst/>
+                <a:latin typeface="+mj-lt"/>
+                <a:ea typeface="+mj-ea"/>
+                <a:cs typeface="+mj-cs"/>
+              </a:rPr>
+              <a:t>Code &amp; design changes </a:t>
+            </a:r>
+            <a:endParaRPr lang="en-US" sz="3200" b="1" kern="1200" dirty="0">
+              <a:solidFill>
+                <a:schemeClr val="tx1"/>
+              </a:solidFill>
+              <a:latin typeface="+mj-lt"/>
+              <a:ea typeface="+mj-ea"/>
+              <a:cs typeface="+mj-cs"/>
+            </a:endParaRPr>
+          </a:p>
+        </p:txBody>
+      </p:sp>
+      <p:sp>
+        <p:nvSpPr>
+          <p:cNvPr id="4" name="מציין מיקום תוכן 6">
+            <a:extLst>
+              <a:ext uri="{FF2B5EF4-FFF2-40B4-BE49-F238E27FC236}">
+                <a16:creationId xmlns:a16="http://schemas.microsoft.com/office/drawing/2014/main" id="{8193E70E-2E0A-98AF-6C2F-27F59098FB9D}"/>
+              </a:ext>
+            </a:extLst>
+          </p:cNvPr>
+          <p:cNvSpPr>
+            <a:spLocks noGrp="1"/>
+          </p:cNvSpPr>
+          <p:nvPr>
+            <p:ph idx="1"/>
+          </p:nvPr>
+        </p:nvSpPr>
+        <p:spPr>
+          <a:xfrm>
+            <a:off x="0" y="1195602"/>
+            <a:ext cx="11765280" cy="5662398"/>
+          </a:xfrm>
+        </p:spPr>
+        <p:txBody>
+          <a:bodyPr>
+            <a:normAutofit/>
+          </a:bodyPr>
+          <a:lstStyle/>
+          <a:p>
+            <a:r>
+              <a:rPr lang="en-US" sz="2000" dirty="0"/>
+              <a:t> The original design had FPGA memories integrated into it as the system memory, which created some challenges. </a:t>
+            </a:r>
+          </a:p>
+          <a:p>
+            <a:r>
+              <a:rPr lang="en-US" sz="2000" dirty="0"/>
+              <a:t> We had to integrate some files from FPGA libraries to compile and run the design.</a:t>
+            </a:r>
+          </a:p>
+          <a:p>
+            <a:r>
+              <a:rPr lang="en-US" sz="2000" dirty="0"/>
+              <a:t>The design provided incorrect results whenever running commands with an undeviable-by-4 address, and the fact that the FPGA memories operated upon the clock falling (not rising).</a:t>
+            </a:r>
+          </a:p>
+          <a:p>
+            <a:r>
+              <a:rPr lang="en-US" sz="2000" dirty="0"/>
+              <a:t>During the process of replacing the original memory blocks with Tower SRAMs, modifications were made to both the logical and timing aspects of the design, among the key updates, flip-flops were strategically inserted at critical points in the data path, and in some instances, sequential logic was restructured into purely combinational logic to better align with the new memory interface timing system.</a:t>
+            </a:r>
+          </a:p>
+          <a:p>
+            <a:r>
+              <a:rPr lang="en-US" sz="2000" dirty="0"/>
+              <a:t>Throughout this transition, careful attention was given to preserve all existing functionalities of the system, ensuring that no other parts of the design were adversely affected by the modifications.</a:t>
+            </a:r>
+          </a:p>
+        </p:txBody>
+      </p:sp>
+    </p:spTree>
+    <p:extLst>
+      <p:ext uri="{BB962C8B-B14F-4D97-AF65-F5344CB8AC3E}">
+        <p14:creationId xmlns:p14="http://schemas.microsoft.com/office/powerpoint/2010/main" val="296654255"/>
+      </p:ext>
+    </p:extLst>
+  </p:cSld>
+  <p:clrMapOvr>
+    <a:masterClrMapping/>
+  </p:clrMapOvr>
+</p:sld>
+</file>
+
+<file path=ppt/slides/slide12.xml><?xml version="1.0" encoding="utf-8"?>
+<p:sld xmlns:a="http://schemas.openxmlformats.org/drawingml/2006/main" xmlns:r="http://schemas.openxmlformats.org/officeDocument/2006/relationships" xmlns:p="http://schemas.openxmlformats.org/presentationml/2006/main">
+  <p:cSld>
+    <p:spTree>
+      <p:nvGrpSpPr>
+        <p:cNvPr id="1" name="">
+          <a:extLst>
+            <a:ext uri="{FF2B5EF4-FFF2-40B4-BE49-F238E27FC236}">
               <a16:creationId xmlns:a16="http://schemas.microsoft.com/office/drawing/2014/main" id="{8C85286A-8A90-83D4-4BB0-D4D5DBB9A24C}"/>
             </a:ext>
           </a:extLst>
@@ -10891,7 +11108,7 @@
         </p:nvSpPr>
         <p:spPr>
           <a:xfrm>
-            <a:off x="234696" y="1782128"/>
+            <a:off x="298704" y="1284288"/>
             <a:ext cx="11479784" cy="4760912"/>
           </a:xfrm>
         </p:spPr>
@@ -10999,7 +11216,786 @@
 </p:sld>
 </file>
 
-<file path=ppt/slides/slide12.xml><?xml version="1.0" encoding="utf-8"?>
+<file path=ppt/slides/slide13.xml><?xml version="1.0" encoding="utf-8"?>
+<p:sld xmlns:a="http://schemas.openxmlformats.org/drawingml/2006/main" xmlns:r="http://schemas.openxmlformats.org/officeDocument/2006/relationships" xmlns:p="http://schemas.openxmlformats.org/presentationml/2006/main">
+  <p:cSld>
+    <p:spTree>
+      <p:nvGrpSpPr>
+        <p:cNvPr id="1" name="">
+          <a:extLst>
+            <a:ext uri="{FF2B5EF4-FFF2-40B4-BE49-F238E27FC236}">
+              <a16:creationId xmlns:a16="http://schemas.microsoft.com/office/drawing/2014/main" id="{43EDF613-BE53-C1DD-D15B-C2A4D2FCECB4}"/>
+            </a:ext>
+          </a:extLst>
+        </p:cNvPr>
+        <p:cNvGrpSpPr/>
+        <p:nvPr/>
+      </p:nvGrpSpPr>
+      <p:grpSpPr>
+        <a:xfrm>
+          <a:off x="0" y="0"/>
+          <a:ext cx="0" cy="0"/>
+          <a:chOff x="0" y="0"/>
+          <a:chExt cx="0" cy="0"/>
+        </a:xfrm>
+      </p:grpSpPr>
+      <p:sp>
+        <p:nvSpPr>
+          <p:cNvPr id="19" name="Rectangle 18">
+            <a:extLst>
+              <a:ext uri="{FF2B5EF4-FFF2-40B4-BE49-F238E27FC236}">
+                <a16:creationId xmlns:a16="http://schemas.microsoft.com/office/drawing/2014/main" id="{24A562B7-CA17-BDF1-4AB6-0B86B5558D83}"/>
+              </a:ext>
+            </a:extLst>
+          </p:cNvPr>
+          <p:cNvSpPr/>
+          <p:nvPr/>
+        </p:nvSpPr>
+        <p:spPr>
+          <a:xfrm>
+            <a:off x="1462167" y="1195602"/>
+            <a:ext cx="10729833" cy="1053885"/>
+          </a:xfrm>
+          <a:prstGeom prst="rect">
+            <a:avLst/>
+          </a:prstGeom>
+        </p:spPr>
+        <p:style>
+          <a:lnRef idx="0">
+            <a:schemeClr val="dk1">
+              <a:alpha val="0"/>
+              <a:hueOff val="0"/>
+              <a:satOff val="0"/>
+              <a:lumOff val="0"/>
+              <a:alphaOff val="0"/>
+            </a:schemeClr>
+          </a:lnRef>
+          <a:fillRef idx="0">
+            <a:schemeClr val="lt1">
+              <a:alpha val="0"/>
+              <a:hueOff val="0"/>
+              <a:satOff val="0"/>
+              <a:lumOff val="0"/>
+              <a:alphaOff val="0"/>
+            </a:schemeClr>
+          </a:fillRef>
+          <a:effectRef idx="0">
+            <a:schemeClr val="lt1">
+              <a:alpha val="0"/>
+              <a:hueOff val="0"/>
+              <a:satOff val="0"/>
+              <a:lumOff val="0"/>
+              <a:alphaOff val="0"/>
+            </a:schemeClr>
+          </a:effectRef>
+          <a:fontRef idx="minor">
+            <a:schemeClr val="tx1">
+              <a:hueOff val="0"/>
+              <a:satOff val="0"/>
+              <a:lumOff val="0"/>
+              <a:alphaOff val="0"/>
+            </a:schemeClr>
+          </a:fontRef>
+        </p:style>
+        <p:txBody>
+          <a:bodyPr/>
+          <a:lstStyle/>
+          <a:p>
+            <a:endParaRPr lang="en-IL"/>
+          </a:p>
+        </p:txBody>
+      </p:sp>
+      <p:sp>
+        <p:nvSpPr>
+          <p:cNvPr id="7" name="כותרת 1">
+            <a:extLst>
+              <a:ext uri="{FF2B5EF4-FFF2-40B4-BE49-F238E27FC236}">
+                <a16:creationId xmlns:a16="http://schemas.microsoft.com/office/drawing/2014/main" id="{A7BABD51-08C1-4016-A7D6-9A537F5BA893}"/>
+              </a:ext>
+            </a:extLst>
+          </p:cNvPr>
+          <p:cNvSpPr>
+            <a:spLocks noGrp="1"/>
+          </p:cNvSpPr>
+          <p:nvPr>
+            <p:ph type="title"/>
+          </p:nvPr>
+        </p:nvSpPr>
+        <p:spPr>
+          <a:xfrm>
+            <a:off x="298704" y="145669"/>
+            <a:ext cx="10515600" cy="1325563"/>
+          </a:xfrm>
+        </p:spPr>
+        <p:txBody>
+          <a:bodyPr/>
+          <a:lstStyle/>
+          <a:p>
+            <a:r>
+              <a:rPr lang="en-US" b="1" dirty="0"/>
+              <a:t>Synthesis flow </a:t>
+            </a:r>
+            <a:r>
+              <a:rPr lang="en-US" sz="4400" b="1" i="0" kern="1200" dirty="0">
+                <a:solidFill>
+                  <a:schemeClr val="tx1"/>
+                </a:solidFill>
+                <a:effectLst/>
+                <a:ea typeface="+mj-ea"/>
+                <a:cs typeface="+mj-cs"/>
+              </a:rPr>
+              <a:t>:</a:t>
+            </a:r>
+            <a:endParaRPr lang="he-IL" b="1" dirty="0"/>
+          </a:p>
+        </p:txBody>
+      </p:sp>
+      <p:sp>
+        <p:nvSpPr>
+          <p:cNvPr id="8" name="מציין מיקום תוכן 2">
+            <a:extLst>
+              <a:ext uri="{FF2B5EF4-FFF2-40B4-BE49-F238E27FC236}">
+                <a16:creationId xmlns:a16="http://schemas.microsoft.com/office/drawing/2014/main" id="{9C7FAD6F-89B0-D133-5B2D-2F177ADF295B}"/>
+              </a:ext>
+            </a:extLst>
+          </p:cNvPr>
+          <p:cNvSpPr>
+            <a:spLocks noGrp="1"/>
+          </p:cNvSpPr>
+          <p:nvPr>
+            <p:ph idx="1"/>
+          </p:nvPr>
+        </p:nvSpPr>
+        <p:spPr>
+          <a:xfrm>
+            <a:off x="298704" y="1284288"/>
+            <a:ext cx="11479784" cy="4760912"/>
+          </a:xfrm>
+        </p:spPr>
+        <p:txBody>
+          <a:bodyPr/>
+          <a:lstStyle/>
+          <a:p>
+            <a:r>
+              <a:rPr lang="en-US" dirty="0"/>
+              <a:t>Using </a:t>
+            </a:r>
+            <a:r>
+              <a:rPr lang="en-IL" dirty="0"/>
+              <a:t>Synopsys Design Vision</a:t>
+            </a:r>
+            <a:r>
+              <a:rPr lang="en-US" dirty="0"/>
+              <a:t> tool &amp; </a:t>
+            </a:r>
+            <a:r>
+              <a:rPr lang="en-IL" dirty="0"/>
+              <a:t>TSMC TSL 108 Tower Design Kit</a:t>
+            </a:r>
+            <a:r>
+              <a:rPr lang="en-US" dirty="0"/>
+              <a:t> for </a:t>
+            </a:r>
+            <a:r>
+              <a:rPr lang="en-US" b="1" u="sng" dirty="0"/>
+              <a:t>Synthesis flow</a:t>
+            </a:r>
+            <a:r>
+              <a:rPr lang="en-US" dirty="0"/>
+              <a:t>, converting </a:t>
+            </a:r>
+            <a:r>
+              <a:rPr lang="en-IL" dirty="0"/>
+              <a:t>the RTL design into a gate-level netlist that matches the target manufacturing process.</a:t>
+            </a:r>
+            <a:endParaRPr lang="en-US" dirty="0"/>
+          </a:p>
+          <a:p>
+            <a:r>
+              <a:rPr lang="en-US" dirty="0"/>
+              <a:t> To create an efficient </a:t>
+            </a:r>
+            <a:r>
+              <a:rPr lang="en-IL" dirty="0"/>
+              <a:t>gate-level netlist</a:t>
+            </a:r>
+            <a:r>
+              <a:rPr lang="en-US" dirty="0"/>
+              <a:t>, we had to parameterize some general-use modules that we integrated into the design (especially muxes), while always checking the design after compile to ensure area and timing efficacy.</a:t>
+            </a:r>
+            <a:endParaRPr lang="en-IL" dirty="0"/>
+          </a:p>
+          <a:p>
+            <a:pPr marL="0" indent="0" algn="l" rtl="0">
+              <a:buNone/>
+            </a:pPr>
+            <a:endParaRPr lang="en-US" dirty="0"/>
+          </a:p>
+          <a:p>
+            <a:pPr marL="0" indent="0" algn="l" rtl="0">
+              <a:buNone/>
+            </a:pPr>
+            <a:endParaRPr lang="en-US" dirty="0"/>
+          </a:p>
+          <a:p>
+            <a:pPr algn="l" rtl="0"/>
+            <a:endParaRPr lang="he-IL" dirty="0"/>
+          </a:p>
+        </p:txBody>
+      </p:sp>
+    </p:spTree>
+    <p:extLst>
+      <p:ext uri="{BB962C8B-B14F-4D97-AF65-F5344CB8AC3E}">
+        <p14:creationId xmlns:p14="http://schemas.microsoft.com/office/powerpoint/2010/main" val="628777326"/>
+      </p:ext>
+    </p:extLst>
+  </p:cSld>
+  <p:clrMapOvr>
+    <a:masterClrMapping/>
+  </p:clrMapOvr>
+</p:sld>
+</file>
+
+<file path=ppt/slides/slide14.xml><?xml version="1.0" encoding="utf-8"?>
+<p:sld xmlns:a="http://schemas.openxmlformats.org/drawingml/2006/main" xmlns:r="http://schemas.openxmlformats.org/officeDocument/2006/relationships" xmlns:p="http://schemas.openxmlformats.org/presentationml/2006/main">
+  <p:cSld>
+    <p:spTree>
+      <p:nvGrpSpPr>
+        <p:cNvPr id="1" name="">
+          <a:extLst>
+            <a:ext uri="{FF2B5EF4-FFF2-40B4-BE49-F238E27FC236}">
+              <a16:creationId xmlns:a16="http://schemas.microsoft.com/office/drawing/2014/main" id="{450FB5D4-46B7-1E78-08E6-793DB8534D9B}"/>
+            </a:ext>
+          </a:extLst>
+        </p:cNvPr>
+        <p:cNvGrpSpPr/>
+        <p:nvPr/>
+      </p:nvGrpSpPr>
+      <p:grpSpPr>
+        <a:xfrm>
+          <a:off x="0" y="0"/>
+          <a:ext cx="0" cy="0"/>
+          <a:chOff x="0" y="0"/>
+          <a:chExt cx="0" cy="0"/>
+        </a:xfrm>
+      </p:grpSpPr>
+      <p:sp>
+        <p:nvSpPr>
+          <p:cNvPr id="19" name="Rectangle 18">
+            <a:extLst>
+              <a:ext uri="{FF2B5EF4-FFF2-40B4-BE49-F238E27FC236}">
+                <a16:creationId xmlns:a16="http://schemas.microsoft.com/office/drawing/2014/main" id="{DE426446-3B2D-285F-DF92-EEF6356656D9}"/>
+              </a:ext>
+            </a:extLst>
+          </p:cNvPr>
+          <p:cNvSpPr/>
+          <p:nvPr/>
+        </p:nvSpPr>
+        <p:spPr>
+          <a:xfrm>
+            <a:off x="1462167" y="1195602"/>
+            <a:ext cx="10729833" cy="1053885"/>
+          </a:xfrm>
+          <a:prstGeom prst="rect">
+            <a:avLst/>
+          </a:prstGeom>
+        </p:spPr>
+        <p:style>
+          <a:lnRef idx="0">
+            <a:schemeClr val="dk1">
+              <a:alpha val="0"/>
+              <a:hueOff val="0"/>
+              <a:satOff val="0"/>
+              <a:lumOff val="0"/>
+              <a:alphaOff val="0"/>
+            </a:schemeClr>
+          </a:lnRef>
+          <a:fillRef idx="0">
+            <a:schemeClr val="lt1">
+              <a:alpha val="0"/>
+              <a:hueOff val="0"/>
+              <a:satOff val="0"/>
+              <a:lumOff val="0"/>
+              <a:alphaOff val="0"/>
+            </a:schemeClr>
+          </a:fillRef>
+          <a:effectRef idx="0">
+            <a:schemeClr val="lt1">
+              <a:alpha val="0"/>
+              <a:hueOff val="0"/>
+              <a:satOff val="0"/>
+              <a:lumOff val="0"/>
+              <a:alphaOff val="0"/>
+            </a:schemeClr>
+          </a:effectRef>
+          <a:fontRef idx="minor">
+            <a:schemeClr val="tx1">
+              <a:hueOff val="0"/>
+              <a:satOff val="0"/>
+              <a:lumOff val="0"/>
+              <a:alphaOff val="0"/>
+            </a:schemeClr>
+          </a:fontRef>
+        </p:style>
+        <p:txBody>
+          <a:bodyPr/>
+          <a:lstStyle/>
+          <a:p>
+            <a:endParaRPr lang="en-IL"/>
+          </a:p>
+        </p:txBody>
+      </p:sp>
+      <p:sp>
+        <p:nvSpPr>
+          <p:cNvPr id="7" name="כותרת 1">
+            <a:extLst>
+              <a:ext uri="{FF2B5EF4-FFF2-40B4-BE49-F238E27FC236}">
+                <a16:creationId xmlns:a16="http://schemas.microsoft.com/office/drawing/2014/main" id="{DF22506C-BA15-E5AB-2BB8-80A50AE5C00C}"/>
+              </a:ext>
+            </a:extLst>
+          </p:cNvPr>
+          <p:cNvSpPr>
+            <a:spLocks noGrp="1"/>
+          </p:cNvSpPr>
+          <p:nvPr>
+            <p:ph type="title"/>
+          </p:nvPr>
+        </p:nvSpPr>
+        <p:spPr>
+          <a:xfrm>
+            <a:off x="288544" y="0"/>
+            <a:ext cx="10515600" cy="1325563"/>
+          </a:xfrm>
+        </p:spPr>
+        <p:txBody>
+          <a:bodyPr/>
+          <a:lstStyle/>
+          <a:p>
+            <a:r>
+              <a:rPr lang="en-US" b="1" dirty="0"/>
+              <a:t>Layout flow </a:t>
+            </a:r>
+            <a:r>
+              <a:rPr lang="en-US" sz="4400" b="1" i="0" kern="1200" dirty="0">
+                <a:solidFill>
+                  <a:schemeClr val="tx1"/>
+                </a:solidFill>
+                <a:effectLst/>
+                <a:ea typeface="+mj-ea"/>
+                <a:cs typeface="+mj-cs"/>
+              </a:rPr>
+              <a:t>:</a:t>
+            </a:r>
+            <a:endParaRPr lang="he-IL" b="1" dirty="0"/>
+          </a:p>
+        </p:txBody>
+      </p:sp>
+      <p:sp>
+        <p:nvSpPr>
+          <p:cNvPr id="8" name="מציין מיקום תוכן 2">
+            <a:extLst>
+              <a:ext uri="{FF2B5EF4-FFF2-40B4-BE49-F238E27FC236}">
+                <a16:creationId xmlns:a16="http://schemas.microsoft.com/office/drawing/2014/main" id="{E031BCFC-307C-1E56-59C2-0616F50851DA}"/>
+              </a:ext>
+            </a:extLst>
+          </p:cNvPr>
+          <p:cNvSpPr>
+            <a:spLocks noGrp="1"/>
+          </p:cNvSpPr>
+          <p:nvPr>
+            <p:ph idx="1"/>
+          </p:nvPr>
+        </p:nvSpPr>
+        <p:spPr>
+          <a:xfrm>
+            <a:off x="71120" y="1195602"/>
+            <a:ext cx="12049760" cy="5573712"/>
+          </a:xfrm>
+        </p:spPr>
+        <p:txBody>
+          <a:bodyPr>
+            <a:normAutofit/>
+          </a:bodyPr>
+          <a:lstStyle/>
+          <a:p>
+            <a:r>
+              <a:rPr lang="en-US" dirty="0"/>
+              <a:t>Using </a:t>
+            </a:r>
+            <a:r>
+              <a:rPr lang="en-IL" dirty="0"/>
+              <a:t>Cadence </a:t>
+            </a:r>
+            <a:r>
+              <a:rPr lang="en-IL" b="1" u="sng" dirty="0" err="1"/>
+              <a:t>Innovus</a:t>
+            </a:r>
+            <a:r>
+              <a:rPr lang="en-US" b="1" u="sng" dirty="0"/>
+              <a:t> tool &amp; </a:t>
+            </a:r>
+            <a:r>
+              <a:rPr lang="en-IL" b="1" u="sng" dirty="0"/>
+              <a:t>TSMC TSL 108 </a:t>
+            </a:r>
+            <a:r>
+              <a:rPr lang="en-IL" dirty="0"/>
+              <a:t>Tower Design Kit</a:t>
+            </a:r>
+            <a:r>
+              <a:rPr lang="en-US" dirty="0"/>
+              <a:t> for a short layout flow, transforming a synthesized Verilog design into a complete physical chip layout, while trying to maximize the working frequency.</a:t>
+            </a:r>
+          </a:p>
+          <a:p>
+            <a:r>
+              <a:rPr lang="en-US" dirty="0"/>
+              <a:t>Floorplan &amp; Power and ground pins  were defined to setup the chip and enable it’s power ring, Standard cells, including Tower SRAMs, were automatically placed with optimization for timing and congestion. </a:t>
+            </a:r>
+          </a:p>
+          <a:p>
+            <a:pPr marL="0" indent="0">
+              <a:buNone/>
+            </a:pPr>
+            <a:endParaRPr lang="en-US" dirty="0"/>
+          </a:p>
+          <a:p>
+            <a:r>
+              <a:rPr lang="en-US" dirty="0"/>
+              <a:t>Clock Tree Synthesis (CTS) followed, creating a balanced network with 1.3 ns skew for proper synchronization (with a test and try to </a:t>
+            </a:r>
+            <a:r>
+              <a:rPr lang="en-US" dirty="0" err="1"/>
+              <a:t>rudce</a:t>
+            </a:r>
+            <a:r>
+              <a:rPr lang="en-US" dirty="0"/>
+              <a:t> </a:t>
+            </a:r>
+            <a:r>
+              <a:rPr lang="en-US" dirty="0" err="1"/>
+              <a:t>clk</a:t>
+            </a:r>
+            <a:r>
+              <a:rPr lang="en-US" dirty="0"/>
+              <a:t> cycle policy).</a:t>
+            </a:r>
+          </a:p>
+          <a:p>
+            <a:endParaRPr lang="en-US" dirty="0"/>
+          </a:p>
+          <a:p>
+            <a:r>
+              <a:rPr lang="en-US" dirty="0"/>
+              <a:t>Finally, after power routing was completed, full signal routing was carried</a:t>
+            </a:r>
+          </a:p>
+          <a:p>
+            <a:pPr marL="0" indent="0" algn="l" rtl="0">
+              <a:buNone/>
+            </a:pPr>
+            <a:endParaRPr lang="en-US" dirty="0"/>
+          </a:p>
+          <a:p>
+            <a:pPr algn="l" rtl="0"/>
+            <a:endParaRPr lang="he-IL" dirty="0"/>
+          </a:p>
+        </p:txBody>
+      </p:sp>
+    </p:spTree>
+    <p:extLst>
+      <p:ext uri="{BB962C8B-B14F-4D97-AF65-F5344CB8AC3E}">
+        <p14:creationId xmlns:p14="http://schemas.microsoft.com/office/powerpoint/2010/main" val="1965035072"/>
+      </p:ext>
+    </p:extLst>
+  </p:cSld>
+  <p:clrMapOvr>
+    <a:masterClrMapping/>
+  </p:clrMapOvr>
+</p:sld>
+</file>
+
+<file path=ppt/slides/slide15.xml><?xml version="1.0" encoding="utf-8"?>
+<p:sld xmlns:a="http://schemas.openxmlformats.org/drawingml/2006/main" xmlns:r="http://schemas.openxmlformats.org/officeDocument/2006/relationships" xmlns:p="http://schemas.openxmlformats.org/presentationml/2006/main">
+  <p:cSld>
+    <p:spTree>
+      <p:nvGrpSpPr>
+        <p:cNvPr id="1" name="">
+          <a:extLst>
+            <a:ext uri="{FF2B5EF4-FFF2-40B4-BE49-F238E27FC236}">
+              <a16:creationId xmlns:a16="http://schemas.microsoft.com/office/drawing/2014/main" id="{5F3D9C39-63B9-0FF5-4A6F-A4FD45A12489}"/>
+            </a:ext>
+          </a:extLst>
+        </p:cNvPr>
+        <p:cNvGrpSpPr/>
+        <p:nvPr/>
+      </p:nvGrpSpPr>
+      <p:grpSpPr>
+        <a:xfrm>
+          <a:off x="0" y="0"/>
+          <a:ext cx="0" cy="0"/>
+          <a:chOff x="0" y="0"/>
+          <a:chExt cx="0" cy="0"/>
+        </a:xfrm>
+      </p:grpSpPr>
+      <p:sp>
+        <p:nvSpPr>
+          <p:cNvPr id="19" name="Rectangle 18">
+            <a:extLst>
+              <a:ext uri="{FF2B5EF4-FFF2-40B4-BE49-F238E27FC236}">
+                <a16:creationId xmlns:a16="http://schemas.microsoft.com/office/drawing/2014/main" id="{5815323F-93A0-E92B-52C2-55C1E42850F2}"/>
+              </a:ext>
+            </a:extLst>
+          </p:cNvPr>
+          <p:cNvSpPr/>
+          <p:nvPr/>
+        </p:nvSpPr>
+        <p:spPr>
+          <a:xfrm>
+            <a:off x="1462167" y="1195602"/>
+            <a:ext cx="10729833" cy="1053885"/>
+          </a:xfrm>
+          <a:prstGeom prst="rect">
+            <a:avLst/>
+          </a:prstGeom>
+        </p:spPr>
+        <p:style>
+          <a:lnRef idx="0">
+            <a:schemeClr val="dk1">
+              <a:alpha val="0"/>
+              <a:hueOff val="0"/>
+              <a:satOff val="0"/>
+              <a:lumOff val="0"/>
+              <a:alphaOff val="0"/>
+            </a:schemeClr>
+          </a:lnRef>
+          <a:fillRef idx="0">
+            <a:schemeClr val="lt1">
+              <a:alpha val="0"/>
+              <a:hueOff val="0"/>
+              <a:satOff val="0"/>
+              <a:lumOff val="0"/>
+              <a:alphaOff val="0"/>
+            </a:schemeClr>
+          </a:fillRef>
+          <a:effectRef idx="0">
+            <a:schemeClr val="lt1">
+              <a:alpha val="0"/>
+              <a:hueOff val="0"/>
+              <a:satOff val="0"/>
+              <a:lumOff val="0"/>
+              <a:alphaOff val="0"/>
+            </a:schemeClr>
+          </a:effectRef>
+          <a:fontRef idx="minor">
+            <a:schemeClr val="tx1">
+              <a:hueOff val="0"/>
+              <a:satOff val="0"/>
+              <a:lumOff val="0"/>
+              <a:alphaOff val="0"/>
+            </a:schemeClr>
+          </a:fontRef>
+        </p:style>
+        <p:txBody>
+          <a:bodyPr/>
+          <a:lstStyle/>
+          <a:p>
+            <a:endParaRPr lang="en-IL"/>
+          </a:p>
+        </p:txBody>
+      </p:sp>
+      <p:sp>
+        <p:nvSpPr>
+          <p:cNvPr id="7" name="כותרת 1">
+            <a:extLst>
+              <a:ext uri="{FF2B5EF4-FFF2-40B4-BE49-F238E27FC236}">
+                <a16:creationId xmlns:a16="http://schemas.microsoft.com/office/drawing/2014/main" id="{81E3FA5E-AC7A-8383-79E5-CAF6A87499E6}"/>
+              </a:ext>
+            </a:extLst>
+          </p:cNvPr>
+          <p:cNvSpPr>
+            <a:spLocks noGrp="1"/>
+          </p:cNvSpPr>
+          <p:nvPr>
+            <p:ph type="title"/>
+          </p:nvPr>
+        </p:nvSpPr>
+        <p:spPr>
+          <a:xfrm>
+            <a:off x="288544" y="0"/>
+            <a:ext cx="10515600" cy="1325563"/>
+          </a:xfrm>
+        </p:spPr>
+        <p:txBody>
+          <a:bodyPr/>
+          <a:lstStyle/>
+          <a:p>
+            <a:r>
+              <a:rPr lang="en-US" b="1" dirty="0"/>
+              <a:t>STA Check:</a:t>
+            </a:r>
+            <a:endParaRPr lang="he-IL" b="1" dirty="0"/>
+          </a:p>
+        </p:txBody>
+      </p:sp>
+      <p:sp>
+        <p:nvSpPr>
+          <p:cNvPr id="8" name="מציין מיקום תוכן 2">
+            <a:extLst>
+              <a:ext uri="{FF2B5EF4-FFF2-40B4-BE49-F238E27FC236}">
+                <a16:creationId xmlns:a16="http://schemas.microsoft.com/office/drawing/2014/main" id="{7A9C9526-C3E4-681C-E07B-146EF2B7BF71}"/>
+              </a:ext>
+            </a:extLst>
+          </p:cNvPr>
+          <p:cNvSpPr>
+            <a:spLocks noGrp="1"/>
+          </p:cNvSpPr>
+          <p:nvPr>
+            <p:ph idx="1"/>
+          </p:nvPr>
+        </p:nvSpPr>
+        <p:spPr>
+          <a:xfrm>
+            <a:off x="71120" y="1195602"/>
+            <a:ext cx="12049760" cy="5573712"/>
+          </a:xfrm>
+        </p:spPr>
+        <p:txBody>
+          <a:bodyPr>
+            <a:normAutofit/>
+          </a:bodyPr>
+          <a:lstStyle/>
+          <a:p>
+            <a:r>
+              <a:rPr lang="en-US" dirty="0"/>
+              <a:t>Using </a:t>
+            </a:r>
+            <a:r>
+              <a:rPr lang="en-IL" b="1" dirty="0" err="1"/>
+              <a:t>PrimeTime</a:t>
+            </a:r>
+            <a:r>
+              <a:rPr lang="en-IL" dirty="0"/>
+              <a:t> tool</a:t>
+            </a:r>
+            <a:r>
+              <a:rPr lang="en-US" dirty="0"/>
+              <a:t> &amp; </a:t>
+            </a:r>
+            <a:r>
+              <a:rPr lang="en-IL" dirty="0"/>
+              <a:t>Tower Design Kit</a:t>
+            </a:r>
+            <a:r>
+              <a:rPr lang="en-US" dirty="0"/>
+              <a:t>, for </a:t>
+            </a:r>
+            <a:r>
+              <a:rPr lang="en-IL" dirty="0"/>
+              <a:t>timing violations in the design</a:t>
+            </a:r>
+            <a:r>
+              <a:rPr lang="en-US" dirty="0"/>
+              <a:t> &amp; trying to achieve maximum working frequency.</a:t>
+            </a:r>
+          </a:p>
+          <a:p>
+            <a:r>
+              <a:rPr lang="en-IL" dirty="0"/>
+              <a:t>By using slightly modified scripts</a:t>
+            </a:r>
+            <a:r>
+              <a:rPr lang="en-US" dirty="0"/>
+              <a:t> (adaptive to our design and </a:t>
+            </a:r>
+            <a:r>
+              <a:rPr lang="en-US" dirty="0" err="1"/>
+              <a:t>libares</a:t>
+            </a:r>
+            <a:r>
+              <a:rPr lang="en-US" dirty="0"/>
+              <a:t>)</a:t>
+            </a:r>
+            <a:r>
+              <a:rPr lang="en-IL" dirty="0"/>
+              <a:t>, </a:t>
+            </a:r>
+            <a:r>
+              <a:rPr lang="en-IL" dirty="0" err="1"/>
+              <a:t>PrimeTime</a:t>
+            </a:r>
+            <a:r>
+              <a:rPr lang="en-IL" dirty="0"/>
+              <a:t> verifies </a:t>
+            </a:r>
+            <a:r>
+              <a:rPr lang="en-IL" b="1" dirty="0"/>
+              <a:t>setup and hold constraints</a:t>
+            </a:r>
+            <a:r>
+              <a:rPr lang="en-IL" dirty="0"/>
+              <a:t>, </a:t>
+            </a:r>
+            <a:r>
+              <a:rPr lang="en-IL" b="1" dirty="0"/>
+              <a:t>path delays</a:t>
+            </a:r>
+            <a:r>
+              <a:rPr lang="en-IL" dirty="0"/>
+              <a:t>, and </a:t>
+            </a:r>
+            <a:r>
+              <a:rPr lang="en-IL" b="1" dirty="0"/>
+              <a:t>critical corner cases</a:t>
+            </a:r>
+            <a:r>
+              <a:rPr lang="en-IL" dirty="0"/>
+              <a:t>.</a:t>
+            </a:r>
+          </a:p>
+          <a:p>
+            <a:r>
+              <a:rPr lang="en-IL" dirty="0"/>
+              <a:t>This process enables us to </a:t>
+            </a:r>
+            <a:r>
+              <a:rPr lang="en-IL" b="1" dirty="0"/>
+              <a:t>debug timing issues</a:t>
+            </a:r>
+            <a:r>
+              <a:rPr lang="en-IL" dirty="0"/>
+              <a:t> and adjust the </a:t>
+            </a:r>
+            <a:r>
+              <a:rPr lang="en-IL" b="1" dirty="0"/>
+              <a:t>operating frequency</a:t>
+            </a:r>
+            <a:r>
+              <a:rPr lang="en-IL" dirty="0"/>
+              <a:t> </a:t>
+            </a:r>
+            <a:r>
+              <a:rPr lang="en-US" dirty="0"/>
+              <a:t>after each design/clock change.</a:t>
+            </a:r>
+            <a:endParaRPr lang="he-IL" dirty="0"/>
+          </a:p>
+        </p:txBody>
+      </p:sp>
+    </p:spTree>
+    <p:extLst>
+      <p:ext uri="{BB962C8B-B14F-4D97-AF65-F5344CB8AC3E}">
+        <p14:creationId xmlns:p14="http://schemas.microsoft.com/office/powerpoint/2010/main" val="182786622"/>
+      </p:ext>
+    </p:extLst>
+  </p:cSld>
+  <p:clrMapOvr>
+    <a:masterClrMapping/>
+  </p:clrMapOvr>
+</p:sld>
+</file>
+
+<file path=ppt/slides/slide16.xml><?xml version="1.0" encoding="utf-8"?>
 <p:sld xmlns:a="http://schemas.openxmlformats.org/drawingml/2006/main" xmlns:r="http://schemas.openxmlformats.org/officeDocument/2006/relationships" xmlns:p="http://schemas.openxmlformats.org/presentationml/2006/main">
   <p:cSld>
     <p:spTree>
@@ -11151,7 +12147,7 @@
 </p:sld>
 </file>
 
-<file path=ppt/slides/slide13.xml><?xml version="1.0" encoding="utf-8"?>
+<file path=ppt/slides/slide17.xml><?xml version="1.0" encoding="utf-8"?>
 <p:sld xmlns:a="http://schemas.openxmlformats.org/drawingml/2006/main" xmlns:r="http://schemas.openxmlformats.org/officeDocument/2006/relationships" xmlns:p="http://schemas.openxmlformats.org/presentationml/2006/main">
   <p:cSld>
     <p:spTree>
@@ -11382,7 +12378,7 @@
 </p:sld>
 </file>
 
-<file path=ppt/slides/slide14.xml><?xml version="1.0" encoding="utf-8"?>
+<file path=ppt/slides/slide18.xml><?xml version="1.0" encoding="utf-8"?>
 <p:sld xmlns:a="http://schemas.openxmlformats.org/drawingml/2006/main" xmlns:r="http://schemas.openxmlformats.org/officeDocument/2006/relationships" xmlns:p="http://schemas.openxmlformats.org/presentationml/2006/main">
   <p:cSld>
     <p:spTree>
@@ -11415,7 +12411,12 @@
             <p:ph type="title"/>
           </p:nvPr>
         </p:nvSpPr>
-        <p:spPr/>
+        <p:spPr>
+          <a:xfrm>
+            <a:off x="712216" y="206216"/>
+            <a:ext cx="10515600" cy="1325563"/>
+          </a:xfrm>
+        </p:spPr>
         <p:txBody>
           <a:bodyPr/>
           <a:lstStyle/>
@@ -11452,7 +12453,7 @@
         </p:blipFill>
         <p:spPr>
           <a:xfrm>
-            <a:off x="1982772" y="3026664"/>
+            <a:off x="3588052" y="3128264"/>
             <a:ext cx="7988711" cy="3607816"/>
           </a:xfrm>
         </p:spPr>
@@ -11473,7 +12474,7 @@
         </p:nvSpPr>
         <p:spPr>
           <a:xfrm>
-            <a:off x="234696" y="1782128"/>
+            <a:off x="0" y="1422083"/>
             <a:ext cx="11479784" cy="4760912"/>
           </a:xfrm>
           <a:prstGeom prst="rect">
@@ -11651,7 +12652,13 @@
           <a:p>
             <a:r>
               <a:rPr lang="en-US" dirty="0"/>
-              <a:t>The critical path starts at the ALU and ends at memblock3, which is the furthest from the RISC-V core in the physical layout.</a:t>
+              <a:t>One of critical paths, that was created due to our memory &amp; design changes.</a:t>
+            </a:r>
+          </a:p>
+          <a:p>
+            <a:r>
+              <a:rPr lang="en-US" dirty="0"/>
+              <a:t> starts at the ALU and ends at memblock3, which is the furthest from the RISC-V core in the physical layout.</a:t>
             </a:r>
           </a:p>
           <a:p>
@@ -11733,7 +12740,7 @@
 </p:sld>
 </file>
 
-<file path=ppt/slides/slide15.xml><?xml version="1.0" encoding="utf-8"?>
+<file path=ppt/slides/slide19.xml><?xml version="1.0" encoding="utf-8"?>
 <p:sld xmlns:a="http://schemas.openxmlformats.org/drawingml/2006/main" xmlns:r="http://schemas.openxmlformats.org/officeDocument/2006/relationships" xmlns:p="http://schemas.openxmlformats.org/presentationml/2006/main">
   <p:cSld>
     <p:spTree>
@@ -11909,7 +12916,241 @@
 </p:sld>
 </file>
 
-<file path=ppt/slides/slide16.xml><?xml version="1.0" encoding="utf-8"?>
+<file path=ppt/slides/slide2.xml><?xml version="1.0" encoding="utf-8"?>
+<p:sld xmlns:a="http://schemas.openxmlformats.org/drawingml/2006/main" xmlns:r="http://schemas.openxmlformats.org/officeDocument/2006/relationships" xmlns:p="http://schemas.openxmlformats.org/presentationml/2006/main">
+  <p:cSld>
+    <p:spTree>
+      <p:nvGrpSpPr>
+        <p:cNvPr id="1" name="">
+          <a:extLst>
+            <a:ext uri="{FF2B5EF4-FFF2-40B4-BE49-F238E27FC236}">
+              <a16:creationId xmlns:a16="http://schemas.microsoft.com/office/drawing/2014/main" id="{67DE582A-B816-B5E2-A91B-C56EDA8821EE}"/>
+            </a:ext>
+          </a:extLst>
+        </p:cNvPr>
+        <p:cNvGrpSpPr/>
+        <p:nvPr/>
+      </p:nvGrpSpPr>
+      <p:grpSpPr>
+        <a:xfrm>
+          <a:off x="0" y="0"/>
+          <a:ext cx="0" cy="0"/>
+          <a:chOff x="0" y="0"/>
+          <a:chExt cx="0" cy="0"/>
+        </a:xfrm>
+      </p:grpSpPr>
+      <p:sp>
+        <p:nvSpPr>
+          <p:cNvPr id="19" name="Rectangle 18">
+            <a:extLst>
+              <a:ext uri="{FF2B5EF4-FFF2-40B4-BE49-F238E27FC236}">
+                <a16:creationId xmlns:a16="http://schemas.microsoft.com/office/drawing/2014/main" id="{7C4C55D4-3308-3EA0-7B77-FC2396C235CC}"/>
+              </a:ext>
+            </a:extLst>
+          </p:cNvPr>
+          <p:cNvSpPr/>
+          <p:nvPr/>
+        </p:nvSpPr>
+        <p:spPr>
+          <a:xfrm>
+            <a:off x="1462167" y="1195602"/>
+            <a:ext cx="10729833" cy="1053885"/>
+          </a:xfrm>
+          <a:prstGeom prst="rect">
+            <a:avLst/>
+          </a:prstGeom>
+        </p:spPr>
+        <p:style>
+          <a:lnRef idx="0">
+            <a:schemeClr val="dk1">
+              <a:alpha val="0"/>
+              <a:hueOff val="0"/>
+              <a:satOff val="0"/>
+              <a:lumOff val="0"/>
+              <a:alphaOff val="0"/>
+            </a:schemeClr>
+          </a:lnRef>
+          <a:fillRef idx="0">
+            <a:schemeClr val="lt1">
+              <a:alpha val="0"/>
+              <a:hueOff val="0"/>
+              <a:satOff val="0"/>
+              <a:lumOff val="0"/>
+              <a:alphaOff val="0"/>
+            </a:schemeClr>
+          </a:fillRef>
+          <a:effectRef idx="0">
+            <a:schemeClr val="lt1">
+              <a:alpha val="0"/>
+              <a:hueOff val="0"/>
+              <a:satOff val="0"/>
+              <a:lumOff val="0"/>
+              <a:alphaOff val="0"/>
+            </a:schemeClr>
+          </a:effectRef>
+          <a:fontRef idx="minor">
+            <a:schemeClr val="tx1">
+              <a:hueOff val="0"/>
+              <a:satOff val="0"/>
+              <a:lumOff val="0"/>
+              <a:alphaOff val="0"/>
+            </a:schemeClr>
+          </a:fontRef>
+        </p:style>
+        <p:txBody>
+          <a:bodyPr/>
+          <a:lstStyle/>
+          <a:p>
+            <a:endParaRPr lang="en-IL"/>
+          </a:p>
+        </p:txBody>
+      </p:sp>
+      <p:sp>
+        <p:nvSpPr>
+          <p:cNvPr id="7" name="כותרת 1">
+            <a:extLst>
+              <a:ext uri="{FF2B5EF4-FFF2-40B4-BE49-F238E27FC236}">
+                <a16:creationId xmlns:a16="http://schemas.microsoft.com/office/drawing/2014/main" id="{79C6818C-99F7-98C5-1B6D-58B48E415932}"/>
+              </a:ext>
+            </a:extLst>
+          </p:cNvPr>
+          <p:cNvSpPr>
+            <a:spLocks noGrp="1"/>
+          </p:cNvSpPr>
+          <p:nvPr>
+            <p:ph type="title"/>
+          </p:nvPr>
+        </p:nvSpPr>
+        <p:spPr>
+          <a:xfrm>
+            <a:off x="591312" y="328549"/>
+            <a:ext cx="10515600" cy="1325563"/>
+          </a:xfrm>
+        </p:spPr>
+        <p:txBody>
+          <a:bodyPr>
+            <a:normAutofit/>
+          </a:bodyPr>
+          <a:lstStyle/>
+          <a:p>
+            <a:pPr rtl="0"/>
+            <a:r>
+              <a:rPr lang="en-US" b="1" dirty="0">
+                <a:cs typeface="Arial" panose="020B0604020202020204" pitchFamily="34" charset="0"/>
+              </a:rPr>
+              <a:t>Agenda</a:t>
+            </a:r>
+            <a:endParaRPr lang="he-IL" b="1" dirty="0">
+              <a:cs typeface="Arial" panose="020B0604020202020204" pitchFamily="34" charset="0"/>
+            </a:endParaRPr>
+          </a:p>
+        </p:txBody>
+      </p:sp>
+      <p:sp>
+        <p:nvSpPr>
+          <p:cNvPr id="8" name="מציין מיקום תוכן 2">
+            <a:extLst>
+              <a:ext uri="{FF2B5EF4-FFF2-40B4-BE49-F238E27FC236}">
+                <a16:creationId xmlns:a16="http://schemas.microsoft.com/office/drawing/2014/main" id="{01CF4E00-C42F-FA9F-F2B6-510A0DD033DD}"/>
+              </a:ext>
+            </a:extLst>
+          </p:cNvPr>
+          <p:cNvSpPr>
+            <a:spLocks noGrp="1"/>
+          </p:cNvSpPr>
+          <p:nvPr>
+            <p:ph idx="1"/>
+          </p:nvPr>
+        </p:nvSpPr>
+        <p:spPr>
+          <a:xfrm>
+            <a:off x="591312" y="1789049"/>
+            <a:ext cx="10515600" cy="4351338"/>
+          </a:xfrm>
+        </p:spPr>
+        <p:txBody>
+          <a:bodyPr>
+            <a:normAutofit/>
+          </a:bodyPr>
+          <a:lstStyle/>
+          <a:p>
+            <a:pPr rtl="0"/>
+            <a:r>
+              <a:rPr lang="en-US" b="0" i="0" dirty="0">
+                <a:effectLst/>
+                <a:cs typeface="Arial" panose="020B0604020202020204" pitchFamily="34" charset="0"/>
+              </a:rPr>
+              <a:t>Background.</a:t>
+            </a:r>
+          </a:p>
+          <a:p>
+            <a:pPr rtl="0"/>
+            <a:r>
+              <a:rPr lang="en-US" b="0" i="0" dirty="0">
+                <a:effectLst/>
+                <a:cs typeface="Arial" panose="020B0604020202020204" pitchFamily="34" charset="0"/>
+              </a:rPr>
+              <a:t> Project definition and goals.</a:t>
+            </a:r>
+          </a:p>
+          <a:p>
+            <a:pPr rtl="0"/>
+            <a:r>
+              <a:rPr lang="en-US" b="0" i="0" dirty="0">
+                <a:effectLst/>
+                <a:cs typeface="Arial" panose="020B0604020202020204" pitchFamily="34" charset="0"/>
+              </a:rPr>
+              <a:t> Alternative solutions.</a:t>
+            </a:r>
+          </a:p>
+          <a:p>
+            <a:pPr rtl="0"/>
+            <a:r>
+              <a:rPr lang="en-US" b="0" i="0" dirty="0">
+                <a:effectLst/>
+                <a:cs typeface="Arial" panose="020B0604020202020204" pitchFamily="34" charset="0"/>
+              </a:rPr>
+              <a:t> Architectural design of the selected solution.</a:t>
+            </a:r>
+          </a:p>
+          <a:p>
+            <a:pPr rtl="0"/>
+            <a:r>
+              <a:rPr lang="en-US" dirty="0">
+                <a:cs typeface="Arial" panose="020B0604020202020204" pitchFamily="34" charset="0"/>
+              </a:rPr>
+              <a:t>Back-end flow.</a:t>
+            </a:r>
+          </a:p>
+          <a:p>
+            <a:pPr rtl="0"/>
+            <a:r>
+              <a:rPr lang="en-US" dirty="0">
+                <a:cs typeface="Arial" panose="020B0604020202020204" pitchFamily="34" charset="0"/>
+              </a:rPr>
+              <a:t>Results</a:t>
+            </a:r>
+            <a:br>
+              <a:rPr lang="en-US" dirty="0"/>
+            </a:br>
+            <a:endParaRPr lang="he-IL" dirty="0"/>
+          </a:p>
+        </p:txBody>
+      </p:sp>
+    </p:spTree>
+    <p:extLst>
+      <p:ext uri="{BB962C8B-B14F-4D97-AF65-F5344CB8AC3E}">
+        <p14:creationId xmlns:p14="http://schemas.microsoft.com/office/powerpoint/2010/main" val="2615003805"/>
+      </p:ext>
+    </p:extLst>
+  </p:cSld>
+  <p:clrMapOvr>
+    <a:masterClrMapping/>
+  </p:clrMapOvr>
+</p:sld>
+</file>
+
+<file path=ppt/slides/slide20.xml><?xml version="1.0" encoding="utf-8"?>
 <p:sld xmlns:a="http://schemas.openxmlformats.org/drawingml/2006/main" xmlns:r="http://schemas.openxmlformats.org/officeDocument/2006/relationships" xmlns:p="http://schemas.openxmlformats.org/presentationml/2006/main">
   <p:cSld>
     <p:spTree>
@@ -12234,7 +13475,7 @@
 </p:sld>
 </file>
 
-<file path=ppt/slides/slide17.xml><?xml version="1.0" encoding="utf-8"?>
+<file path=ppt/slides/slide21.xml><?xml version="1.0" encoding="utf-8"?>
 <p:sld xmlns:a="http://schemas.openxmlformats.org/drawingml/2006/main" xmlns:r="http://schemas.openxmlformats.org/officeDocument/2006/relationships" xmlns:p="http://schemas.openxmlformats.org/presentationml/2006/main">
   <p:cSld>
     <p:bg>
@@ -12746,240 +13987,6 @@
     <p:extLst>
       <p:ext uri="{BB962C8B-B14F-4D97-AF65-F5344CB8AC3E}">
         <p14:creationId xmlns:p14="http://schemas.microsoft.com/office/powerpoint/2010/main" val="614273468"/>
-      </p:ext>
-    </p:extLst>
-  </p:cSld>
-  <p:clrMapOvr>
-    <a:masterClrMapping/>
-  </p:clrMapOvr>
-</p:sld>
-</file>
-
-<file path=ppt/slides/slide2.xml><?xml version="1.0" encoding="utf-8"?>
-<p:sld xmlns:a="http://schemas.openxmlformats.org/drawingml/2006/main" xmlns:r="http://schemas.openxmlformats.org/officeDocument/2006/relationships" xmlns:p="http://schemas.openxmlformats.org/presentationml/2006/main">
-  <p:cSld>
-    <p:spTree>
-      <p:nvGrpSpPr>
-        <p:cNvPr id="1" name="">
-          <a:extLst>
-            <a:ext uri="{FF2B5EF4-FFF2-40B4-BE49-F238E27FC236}">
-              <a16:creationId xmlns:a16="http://schemas.microsoft.com/office/drawing/2014/main" id="{67DE582A-B816-B5E2-A91B-C56EDA8821EE}"/>
-            </a:ext>
-          </a:extLst>
-        </p:cNvPr>
-        <p:cNvGrpSpPr/>
-        <p:nvPr/>
-      </p:nvGrpSpPr>
-      <p:grpSpPr>
-        <a:xfrm>
-          <a:off x="0" y="0"/>
-          <a:ext cx="0" cy="0"/>
-          <a:chOff x="0" y="0"/>
-          <a:chExt cx="0" cy="0"/>
-        </a:xfrm>
-      </p:grpSpPr>
-      <p:sp>
-        <p:nvSpPr>
-          <p:cNvPr id="19" name="Rectangle 18">
-            <a:extLst>
-              <a:ext uri="{FF2B5EF4-FFF2-40B4-BE49-F238E27FC236}">
-                <a16:creationId xmlns:a16="http://schemas.microsoft.com/office/drawing/2014/main" id="{7C4C55D4-3308-3EA0-7B77-FC2396C235CC}"/>
-              </a:ext>
-            </a:extLst>
-          </p:cNvPr>
-          <p:cNvSpPr/>
-          <p:nvPr/>
-        </p:nvSpPr>
-        <p:spPr>
-          <a:xfrm>
-            <a:off x="1462167" y="1195602"/>
-            <a:ext cx="10729833" cy="1053885"/>
-          </a:xfrm>
-          <a:prstGeom prst="rect">
-            <a:avLst/>
-          </a:prstGeom>
-        </p:spPr>
-        <p:style>
-          <a:lnRef idx="0">
-            <a:schemeClr val="dk1">
-              <a:alpha val="0"/>
-              <a:hueOff val="0"/>
-              <a:satOff val="0"/>
-              <a:lumOff val="0"/>
-              <a:alphaOff val="0"/>
-            </a:schemeClr>
-          </a:lnRef>
-          <a:fillRef idx="0">
-            <a:schemeClr val="lt1">
-              <a:alpha val="0"/>
-              <a:hueOff val="0"/>
-              <a:satOff val="0"/>
-              <a:lumOff val="0"/>
-              <a:alphaOff val="0"/>
-            </a:schemeClr>
-          </a:fillRef>
-          <a:effectRef idx="0">
-            <a:schemeClr val="lt1">
-              <a:alpha val="0"/>
-              <a:hueOff val="0"/>
-              <a:satOff val="0"/>
-              <a:lumOff val="0"/>
-              <a:alphaOff val="0"/>
-            </a:schemeClr>
-          </a:effectRef>
-          <a:fontRef idx="minor">
-            <a:schemeClr val="tx1">
-              <a:hueOff val="0"/>
-              <a:satOff val="0"/>
-              <a:lumOff val="0"/>
-              <a:alphaOff val="0"/>
-            </a:schemeClr>
-          </a:fontRef>
-        </p:style>
-        <p:txBody>
-          <a:bodyPr/>
-          <a:lstStyle/>
-          <a:p>
-            <a:endParaRPr lang="en-IL"/>
-          </a:p>
-        </p:txBody>
-      </p:sp>
-      <p:sp>
-        <p:nvSpPr>
-          <p:cNvPr id="7" name="כותרת 1">
-            <a:extLst>
-              <a:ext uri="{FF2B5EF4-FFF2-40B4-BE49-F238E27FC236}">
-                <a16:creationId xmlns:a16="http://schemas.microsoft.com/office/drawing/2014/main" id="{79C6818C-99F7-98C5-1B6D-58B48E415932}"/>
-              </a:ext>
-            </a:extLst>
-          </p:cNvPr>
-          <p:cNvSpPr>
-            <a:spLocks noGrp="1"/>
-          </p:cNvSpPr>
-          <p:nvPr>
-            <p:ph type="title"/>
-          </p:nvPr>
-        </p:nvSpPr>
-        <p:spPr>
-          <a:xfrm>
-            <a:off x="591312" y="328549"/>
-            <a:ext cx="10515600" cy="1325563"/>
-          </a:xfrm>
-        </p:spPr>
-        <p:txBody>
-          <a:bodyPr>
-            <a:normAutofit/>
-          </a:bodyPr>
-          <a:lstStyle/>
-          <a:p>
-            <a:pPr rtl="0"/>
-            <a:r>
-              <a:rPr lang="en-US" b="1" dirty="0">
-                <a:cs typeface="Arial" panose="020B0604020202020204" pitchFamily="34" charset="0"/>
-              </a:rPr>
-              <a:t>Agenda</a:t>
-            </a:r>
-            <a:endParaRPr lang="he-IL" b="1" dirty="0">
-              <a:cs typeface="Arial" panose="020B0604020202020204" pitchFamily="34" charset="0"/>
-            </a:endParaRPr>
-          </a:p>
-        </p:txBody>
-      </p:sp>
-      <p:sp>
-        <p:nvSpPr>
-          <p:cNvPr id="8" name="מציין מיקום תוכן 2">
-            <a:extLst>
-              <a:ext uri="{FF2B5EF4-FFF2-40B4-BE49-F238E27FC236}">
-                <a16:creationId xmlns:a16="http://schemas.microsoft.com/office/drawing/2014/main" id="{01CF4E00-C42F-FA9F-F2B6-510A0DD033DD}"/>
-              </a:ext>
-            </a:extLst>
-          </p:cNvPr>
-          <p:cNvSpPr>
-            <a:spLocks noGrp="1"/>
-          </p:cNvSpPr>
-          <p:nvPr>
-            <p:ph idx="1"/>
-          </p:nvPr>
-        </p:nvSpPr>
-        <p:spPr>
-          <a:xfrm>
-            <a:off x="591312" y="1789049"/>
-            <a:ext cx="10515600" cy="4351338"/>
-          </a:xfrm>
-        </p:spPr>
-        <p:txBody>
-          <a:bodyPr>
-            <a:normAutofit/>
-          </a:bodyPr>
-          <a:lstStyle/>
-          <a:p>
-            <a:pPr rtl="0"/>
-            <a:r>
-              <a:rPr lang="en-US" b="0" i="0" dirty="0">
-                <a:effectLst/>
-                <a:cs typeface="Arial" panose="020B0604020202020204" pitchFamily="34" charset="0"/>
-              </a:rPr>
-              <a:t>Background.</a:t>
-            </a:r>
-          </a:p>
-          <a:p>
-            <a:pPr rtl="0"/>
-            <a:r>
-              <a:rPr lang="en-US" b="0" i="0" dirty="0">
-                <a:effectLst/>
-                <a:cs typeface="Arial" panose="020B0604020202020204" pitchFamily="34" charset="0"/>
-              </a:rPr>
-              <a:t> Project definition and goals.</a:t>
-            </a:r>
-          </a:p>
-          <a:p>
-            <a:pPr rtl="0"/>
-            <a:r>
-              <a:rPr lang="en-US" b="0" i="0" dirty="0">
-                <a:effectLst/>
-                <a:cs typeface="Arial" panose="020B0604020202020204" pitchFamily="34" charset="0"/>
-              </a:rPr>
-              <a:t> Alternative solutions.</a:t>
-            </a:r>
-          </a:p>
-          <a:p>
-            <a:pPr rtl="0"/>
-            <a:r>
-              <a:rPr lang="en-US" b="0" i="0" dirty="0">
-                <a:effectLst/>
-                <a:cs typeface="Arial" panose="020B0604020202020204" pitchFamily="34" charset="0"/>
-              </a:rPr>
-              <a:t> Architectural design of the selected solution.</a:t>
-            </a:r>
-          </a:p>
-          <a:p>
-            <a:pPr rtl="0"/>
-            <a:r>
-              <a:rPr lang="en-US" dirty="0">
-                <a:cs typeface="Arial" panose="020B0604020202020204" pitchFamily="34" charset="0"/>
-              </a:rPr>
-              <a:t>Back-end flow.</a:t>
-            </a:r>
-          </a:p>
-          <a:p>
-            <a:pPr rtl="0"/>
-            <a:r>
-              <a:rPr lang="en-US" dirty="0">
-                <a:cs typeface="Arial" panose="020B0604020202020204" pitchFamily="34" charset="0"/>
-              </a:rPr>
-              <a:t>Results</a:t>
-            </a:r>
-            <a:br>
-              <a:rPr lang="en-US" dirty="0"/>
-            </a:br>
-            <a:endParaRPr lang="he-IL" dirty="0"/>
-          </a:p>
-        </p:txBody>
-      </p:sp>
-    </p:spTree>
-    <p:extLst>
-      <p:ext uri="{BB962C8B-B14F-4D97-AF65-F5344CB8AC3E}">
-        <p14:creationId xmlns:p14="http://schemas.microsoft.com/office/powerpoint/2010/main" val="2615003805"/>
       </p:ext>
     </p:extLst>
   </p:cSld>

--- a/Presintaions and Reports/Final presntaion VLSI.pptx
+++ b/Presintaions and Reports/Final presntaion VLSI.pptx
@@ -5,7 +5,7 @@
     <p:sldMasterId id="2147483648" r:id="rId1"/>
   </p:sldMasterIdLst>
   <p:notesMasterIdLst>
-    <p:notesMasterId r:id="rId23"/>
+    <p:notesMasterId r:id="rId28"/>
   </p:notesMasterIdLst>
   <p:sldIdLst>
     <p:sldId id="257" r:id="rId2"/>
@@ -16,19 +16,24 @@
     <p:sldId id="297" r:id="rId7"/>
     <p:sldId id="300" r:id="rId8"/>
     <p:sldId id="298" r:id="rId9"/>
-    <p:sldId id="299" r:id="rId10"/>
-    <p:sldId id="304" r:id="rId11"/>
-    <p:sldId id="309" r:id="rId12"/>
-    <p:sldId id="301" r:id="rId13"/>
-    <p:sldId id="310" r:id="rId14"/>
-    <p:sldId id="311" r:id="rId15"/>
-    <p:sldId id="312" r:id="rId16"/>
-    <p:sldId id="302" r:id="rId17"/>
-    <p:sldId id="303" r:id="rId18"/>
-    <p:sldId id="305" r:id="rId19"/>
-    <p:sldId id="306" r:id="rId20"/>
-    <p:sldId id="307" r:id="rId21"/>
-    <p:sldId id="308" r:id="rId22"/>
+    <p:sldId id="316" r:id="rId10"/>
+    <p:sldId id="317" r:id="rId11"/>
+    <p:sldId id="315" r:id="rId12"/>
+    <p:sldId id="314" r:id="rId13"/>
+    <p:sldId id="299" r:id="rId14"/>
+    <p:sldId id="313" r:id="rId15"/>
+    <p:sldId id="304" r:id="rId16"/>
+    <p:sldId id="309" r:id="rId17"/>
+    <p:sldId id="301" r:id="rId18"/>
+    <p:sldId id="310" r:id="rId19"/>
+    <p:sldId id="311" r:id="rId20"/>
+    <p:sldId id="312" r:id="rId21"/>
+    <p:sldId id="302" r:id="rId22"/>
+    <p:sldId id="303" r:id="rId23"/>
+    <p:sldId id="305" r:id="rId24"/>
+    <p:sldId id="306" r:id="rId25"/>
+    <p:sldId id="307" r:id="rId26"/>
+    <p:sldId id="308" r:id="rId27"/>
   </p:sldIdLst>
   <p:sldSz cx="12192000" cy="6858000"/>
   <p:notesSz cx="6858000" cy="9144000"/>
@@ -3727,7 +3732,7 @@
           <a:p>
             <a:fld id="{DBE48960-B9A4-412F-A6E0-8A918D6AEC5C}" type="slidenum">
               <a:rPr lang="en-IL" smtClean="0"/>
-              <a:t>10</a:t>
+              <a:t>15</a:t>
             </a:fld>
             <a:endParaRPr lang="en-IL"/>
           </a:p>
@@ -7311,6 +7316,4425 @@
 </file>
 
 <file path=ppt/slides/slide10.xml><?xml version="1.0" encoding="utf-8"?>
+<p:sld xmlns:a="http://schemas.openxmlformats.org/drawingml/2006/main" xmlns:r="http://schemas.openxmlformats.org/officeDocument/2006/relationships" xmlns:p="http://schemas.openxmlformats.org/presentationml/2006/main">
+  <p:cSld>
+    <p:spTree>
+      <p:nvGrpSpPr>
+        <p:cNvPr id="1" name=""/>
+        <p:cNvGrpSpPr/>
+        <p:nvPr/>
+      </p:nvGrpSpPr>
+      <p:grpSpPr>
+        <a:xfrm>
+          <a:off x="0" y="0"/>
+          <a:ext cx="0" cy="0"/>
+          <a:chOff x="0" y="0"/>
+          <a:chExt cx="0" cy="0"/>
+        </a:xfrm>
+      </p:grpSpPr>
+      <p:sp>
+        <p:nvSpPr>
+          <p:cNvPr id="2" name="Title 1">
+            <a:extLst>
+              <a:ext uri="{FF2B5EF4-FFF2-40B4-BE49-F238E27FC236}">
+                <a16:creationId xmlns:a16="http://schemas.microsoft.com/office/drawing/2014/main" id="{8D2FE8EA-F5F7-E2F7-4D1D-F63705B7FDEE}"/>
+              </a:ext>
+            </a:extLst>
+          </p:cNvPr>
+          <p:cNvSpPr>
+            <a:spLocks noGrp="1"/>
+          </p:cNvSpPr>
+          <p:nvPr>
+            <p:ph type="title"/>
+          </p:nvPr>
+        </p:nvSpPr>
+        <p:spPr>
+          <a:xfrm>
+            <a:off x="100584" y="-235174"/>
+            <a:ext cx="11990832" cy="1325563"/>
+          </a:xfrm>
+        </p:spPr>
+        <p:txBody>
+          <a:bodyPr/>
+          <a:lstStyle/>
+          <a:p>
+            <a:pPr algn="ctr"/>
+            <a:r>
+              <a:rPr lang="en-US" dirty="0"/>
+              <a:t>Master design - Simulation with virtual FBJA memory</a:t>
+            </a:r>
+            <a:endParaRPr lang="en-IL" dirty="0"/>
+          </a:p>
+        </p:txBody>
+      </p:sp>
+      <p:pic>
+        <p:nvPicPr>
+          <p:cNvPr id="4" name="Picture 3">
+            <a:extLst>
+              <a:ext uri="{FF2B5EF4-FFF2-40B4-BE49-F238E27FC236}">
+                <a16:creationId xmlns:a16="http://schemas.microsoft.com/office/drawing/2014/main" id="{0B0C38C8-3984-BD0D-C2AD-E997EF03C71B}"/>
+              </a:ext>
+            </a:extLst>
+          </p:cNvPr>
+          <p:cNvPicPr>
+            <a:picLocks noChangeAspect="1"/>
+          </p:cNvPicPr>
+          <p:nvPr/>
+        </p:nvPicPr>
+        <p:blipFill>
+          <a:blip r:embed="rId2"/>
+          <a:stretch>
+            <a:fillRect/>
+          </a:stretch>
+        </p:blipFill>
+        <p:spPr>
+          <a:xfrm>
+            <a:off x="0" y="693019"/>
+            <a:ext cx="12192000" cy="3445843"/>
+          </a:xfrm>
+          <a:prstGeom prst="rect">
+            <a:avLst/>
+          </a:prstGeom>
+        </p:spPr>
+      </p:pic>
+      <p:pic>
+        <p:nvPicPr>
+          <p:cNvPr id="5" name="Picture 4">
+            <a:extLst>
+              <a:ext uri="{FF2B5EF4-FFF2-40B4-BE49-F238E27FC236}">
+                <a16:creationId xmlns:a16="http://schemas.microsoft.com/office/drawing/2014/main" id="{7DA96D5D-0DA8-F545-3184-0E5453DA350F}"/>
+              </a:ext>
+            </a:extLst>
+          </p:cNvPr>
+          <p:cNvPicPr>
+            <a:picLocks noChangeAspect="1"/>
+          </p:cNvPicPr>
+          <p:nvPr/>
+        </p:nvPicPr>
+        <p:blipFill>
+          <a:blip r:embed="rId3"/>
+          <a:stretch>
+            <a:fillRect/>
+          </a:stretch>
+        </p:blipFill>
+        <p:spPr>
+          <a:xfrm>
+            <a:off x="0" y="4138862"/>
+            <a:ext cx="12192000" cy="2719137"/>
+          </a:xfrm>
+          <a:prstGeom prst="rect">
+            <a:avLst/>
+          </a:prstGeom>
+        </p:spPr>
+      </p:pic>
+      <p:sp>
+        <p:nvSpPr>
+          <p:cNvPr id="6" name="TextBox 5">
+            <a:extLst>
+              <a:ext uri="{FF2B5EF4-FFF2-40B4-BE49-F238E27FC236}">
+                <a16:creationId xmlns:a16="http://schemas.microsoft.com/office/drawing/2014/main" id="{C769BD03-D2E7-96F1-6013-9D74C49A485D}"/>
+              </a:ext>
+            </a:extLst>
+          </p:cNvPr>
+          <p:cNvSpPr txBox="1"/>
+          <p:nvPr/>
+        </p:nvSpPr>
+        <p:spPr>
+          <a:xfrm>
+            <a:off x="4732020" y="4944432"/>
+            <a:ext cx="3081528" cy="369332"/>
+          </a:xfrm>
+          <a:prstGeom prst="rect">
+            <a:avLst/>
+          </a:prstGeom>
+          <a:noFill/>
+        </p:spPr>
+        <p:txBody>
+          <a:bodyPr wrap="square" rtlCol="0">
+            <a:spAutoFit/>
+          </a:bodyPr>
+          <a:lstStyle/>
+          <a:p>
+            <a:pPr algn="ctr"/>
+            <a:r>
+              <a:rPr lang="en-US" dirty="0">
+                <a:solidFill>
+                  <a:srgbClr val="FF0000"/>
+                </a:solidFill>
+              </a:rPr>
+              <a:t>Master design simulation </a:t>
+            </a:r>
+            <a:endParaRPr lang="en-IL" dirty="0">
+              <a:solidFill>
+                <a:srgbClr val="FF0000"/>
+              </a:solidFill>
+            </a:endParaRPr>
+          </a:p>
+        </p:txBody>
+      </p:sp>
+      <p:sp>
+        <p:nvSpPr>
+          <p:cNvPr id="7" name="TextBox 6">
+            <a:extLst>
+              <a:ext uri="{FF2B5EF4-FFF2-40B4-BE49-F238E27FC236}">
+                <a16:creationId xmlns:a16="http://schemas.microsoft.com/office/drawing/2014/main" id="{FDA2758A-8B91-AE74-9B90-6903DB025B6F}"/>
+              </a:ext>
+            </a:extLst>
+          </p:cNvPr>
+          <p:cNvSpPr txBox="1"/>
+          <p:nvPr/>
+        </p:nvSpPr>
+        <p:spPr>
+          <a:xfrm>
+            <a:off x="4654296" y="1695416"/>
+            <a:ext cx="3064764" cy="646331"/>
+          </a:xfrm>
+          <a:prstGeom prst="rect">
+            <a:avLst/>
+          </a:prstGeom>
+          <a:noFill/>
+        </p:spPr>
+        <p:txBody>
+          <a:bodyPr wrap="square" rtlCol="0">
+            <a:spAutoFit/>
+          </a:bodyPr>
+          <a:lstStyle/>
+          <a:p>
+            <a:pPr algn="ctr"/>
+            <a:r>
+              <a:rPr lang="en-US" dirty="0">
+                <a:solidFill>
+                  <a:srgbClr val="FF0000"/>
+                </a:solidFill>
+              </a:rPr>
+              <a:t>Our design simulation with  virtual FBJA memory</a:t>
+            </a:r>
+            <a:endParaRPr lang="en-IL" dirty="0">
+              <a:solidFill>
+                <a:srgbClr val="FF0000"/>
+              </a:solidFill>
+            </a:endParaRPr>
+          </a:p>
+        </p:txBody>
+      </p:sp>
+    </p:spTree>
+    <p:extLst>
+      <p:ext uri="{BB962C8B-B14F-4D97-AF65-F5344CB8AC3E}">
+        <p14:creationId xmlns:p14="http://schemas.microsoft.com/office/powerpoint/2010/main" val="2895925358"/>
+      </p:ext>
+    </p:extLst>
+  </p:cSld>
+  <p:clrMapOvr>
+    <a:masterClrMapping/>
+  </p:clrMapOvr>
+</p:sld>
+</file>
+
+<file path=ppt/slides/slide11.xml><?xml version="1.0" encoding="utf-8"?>
+<p:sld xmlns:a="http://schemas.openxmlformats.org/drawingml/2006/main" xmlns:r="http://schemas.openxmlformats.org/officeDocument/2006/relationships" xmlns:p="http://schemas.openxmlformats.org/presentationml/2006/main">
+  <p:cSld>
+    <p:spTree>
+      <p:nvGrpSpPr>
+        <p:cNvPr id="1" name=""/>
+        <p:cNvGrpSpPr/>
+        <p:nvPr/>
+      </p:nvGrpSpPr>
+      <p:grpSpPr>
+        <a:xfrm>
+          <a:off x="0" y="0"/>
+          <a:ext cx="0" cy="0"/>
+          <a:chOff x="0" y="0"/>
+          <a:chExt cx="0" cy="0"/>
+        </a:xfrm>
+      </p:grpSpPr>
+      <p:sp>
+        <p:nvSpPr>
+          <p:cNvPr id="2" name="Title 1">
+            <a:extLst>
+              <a:ext uri="{FF2B5EF4-FFF2-40B4-BE49-F238E27FC236}">
+                <a16:creationId xmlns:a16="http://schemas.microsoft.com/office/drawing/2014/main" id="{3D43D382-BC5B-C62C-F230-01DDFF54044F}"/>
+              </a:ext>
+            </a:extLst>
+          </p:cNvPr>
+          <p:cNvSpPr>
+            <a:spLocks noGrp="1"/>
+          </p:cNvSpPr>
+          <p:nvPr>
+            <p:ph type="title"/>
+          </p:nvPr>
+        </p:nvSpPr>
+        <p:spPr/>
+        <p:txBody>
+          <a:bodyPr>
+            <a:normAutofit fontScale="90000"/>
+          </a:bodyPr>
+          <a:lstStyle/>
+          <a:p>
+            <a:pPr algn="ctr"/>
+            <a:r>
+              <a:rPr lang="en-US" b="1" dirty="0"/>
+              <a:t>Architectural design of the selected solution </a:t>
+            </a:r>
+            <a:br>
+              <a:rPr lang="en-US" b="1" dirty="0"/>
+            </a:br>
+            <a:r>
+              <a:rPr lang="en-US" b="1" dirty="0"/>
+              <a:t>instruction memory</a:t>
+            </a:r>
+            <a:endParaRPr lang="en-IL" b="1" dirty="0"/>
+          </a:p>
+        </p:txBody>
+      </p:sp>
+      <p:sp>
+        <p:nvSpPr>
+          <p:cNvPr id="4" name="Rectangle 3">
+            <a:extLst>
+              <a:ext uri="{FF2B5EF4-FFF2-40B4-BE49-F238E27FC236}">
+                <a16:creationId xmlns:a16="http://schemas.microsoft.com/office/drawing/2014/main" id="{0ECD80A8-4CAF-5FD9-A403-EE833407A210}"/>
+              </a:ext>
+            </a:extLst>
+          </p:cNvPr>
+          <p:cNvSpPr/>
+          <p:nvPr/>
+        </p:nvSpPr>
+        <p:spPr>
+          <a:xfrm>
+            <a:off x="7085457" y="2275713"/>
+            <a:ext cx="781050" cy="542925"/>
+          </a:xfrm>
+          <a:prstGeom prst="rect">
+            <a:avLst/>
+          </a:prstGeom>
+          <a:ln w="60325">
+            <a:solidFill>
+              <a:srgbClr val="FF0000"/>
+            </a:solidFill>
+          </a:ln>
+        </p:spPr>
+        <p:style>
+          <a:lnRef idx="2">
+            <a:schemeClr val="dk1"/>
+          </a:lnRef>
+          <a:fillRef idx="1">
+            <a:schemeClr val="lt1"/>
+          </a:fillRef>
+          <a:effectRef idx="0">
+            <a:schemeClr val="dk1"/>
+          </a:effectRef>
+          <a:fontRef idx="minor">
+            <a:schemeClr val="dk1"/>
+          </a:fontRef>
+        </p:style>
+        <p:txBody>
+          <a:bodyPr rtlCol="0" anchor="ctr"/>
+          <a:lstStyle/>
+          <a:p>
+            <a:pPr algn="ctr"/>
+            <a:endParaRPr lang="en-IL"/>
+          </a:p>
+        </p:txBody>
+      </p:sp>
+      <p:sp>
+        <p:nvSpPr>
+          <p:cNvPr id="5" name="Rectangle 4">
+            <a:extLst>
+              <a:ext uri="{FF2B5EF4-FFF2-40B4-BE49-F238E27FC236}">
+                <a16:creationId xmlns:a16="http://schemas.microsoft.com/office/drawing/2014/main" id="{DE4C520F-699A-96CA-C841-1E20C63B69CD}"/>
+              </a:ext>
+            </a:extLst>
+          </p:cNvPr>
+          <p:cNvSpPr/>
+          <p:nvPr/>
+        </p:nvSpPr>
+        <p:spPr>
+          <a:xfrm>
+            <a:off x="7085457" y="3104769"/>
+            <a:ext cx="781050" cy="542925"/>
+          </a:xfrm>
+          <a:prstGeom prst="rect">
+            <a:avLst/>
+          </a:prstGeom>
+          <a:ln w="60325">
+            <a:solidFill>
+              <a:srgbClr val="FF0000"/>
+            </a:solidFill>
+          </a:ln>
+        </p:spPr>
+        <p:style>
+          <a:lnRef idx="2">
+            <a:schemeClr val="dk1"/>
+          </a:lnRef>
+          <a:fillRef idx="1">
+            <a:schemeClr val="lt1"/>
+          </a:fillRef>
+          <a:effectRef idx="0">
+            <a:schemeClr val="dk1"/>
+          </a:effectRef>
+          <a:fontRef idx="minor">
+            <a:schemeClr val="dk1"/>
+          </a:fontRef>
+        </p:style>
+        <p:txBody>
+          <a:bodyPr rtlCol="0" anchor="ctr"/>
+          <a:lstStyle/>
+          <a:p>
+            <a:pPr algn="ctr"/>
+            <a:endParaRPr lang="en-IL"/>
+          </a:p>
+        </p:txBody>
+      </p:sp>
+      <p:sp>
+        <p:nvSpPr>
+          <p:cNvPr id="6" name="Rectangle 5">
+            <a:extLst>
+              <a:ext uri="{FF2B5EF4-FFF2-40B4-BE49-F238E27FC236}">
+                <a16:creationId xmlns:a16="http://schemas.microsoft.com/office/drawing/2014/main" id="{906293FE-4B8B-2DD5-5AAB-D2B872195144}"/>
+              </a:ext>
+            </a:extLst>
+          </p:cNvPr>
+          <p:cNvSpPr/>
+          <p:nvPr/>
+        </p:nvSpPr>
+        <p:spPr>
+          <a:xfrm>
+            <a:off x="7085457" y="3933825"/>
+            <a:ext cx="781050" cy="542925"/>
+          </a:xfrm>
+          <a:prstGeom prst="rect">
+            <a:avLst/>
+          </a:prstGeom>
+          <a:ln w="60325">
+            <a:solidFill>
+              <a:srgbClr val="FF0000"/>
+            </a:solidFill>
+          </a:ln>
+        </p:spPr>
+        <p:style>
+          <a:lnRef idx="2">
+            <a:schemeClr val="dk1"/>
+          </a:lnRef>
+          <a:fillRef idx="1">
+            <a:schemeClr val="lt1"/>
+          </a:fillRef>
+          <a:effectRef idx="0">
+            <a:schemeClr val="dk1"/>
+          </a:effectRef>
+          <a:fontRef idx="minor">
+            <a:schemeClr val="dk1"/>
+          </a:fontRef>
+        </p:style>
+        <p:txBody>
+          <a:bodyPr rtlCol="0" anchor="ctr"/>
+          <a:lstStyle/>
+          <a:p>
+            <a:pPr algn="ctr"/>
+            <a:endParaRPr lang="en-IL"/>
+          </a:p>
+        </p:txBody>
+      </p:sp>
+      <p:sp>
+        <p:nvSpPr>
+          <p:cNvPr id="7" name="Rectangle 6">
+            <a:extLst>
+              <a:ext uri="{FF2B5EF4-FFF2-40B4-BE49-F238E27FC236}">
+                <a16:creationId xmlns:a16="http://schemas.microsoft.com/office/drawing/2014/main" id="{8EC6F6BE-FEF1-B62D-621E-32440F402D7B}"/>
+              </a:ext>
+            </a:extLst>
+          </p:cNvPr>
+          <p:cNvSpPr/>
+          <p:nvPr/>
+        </p:nvSpPr>
+        <p:spPr>
+          <a:xfrm>
+            <a:off x="7085457" y="4762881"/>
+            <a:ext cx="781050" cy="542925"/>
+          </a:xfrm>
+          <a:prstGeom prst="rect">
+            <a:avLst/>
+          </a:prstGeom>
+          <a:ln w="60325">
+            <a:solidFill>
+              <a:srgbClr val="FF0000"/>
+            </a:solidFill>
+          </a:ln>
+        </p:spPr>
+        <p:style>
+          <a:lnRef idx="2">
+            <a:schemeClr val="dk1"/>
+          </a:lnRef>
+          <a:fillRef idx="1">
+            <a:schemeClr val="lt1"/>
+          </a:fillRef>
+          <a:effectRef idx="0">
+            <a:schemeClr val="dk1"/>
+          </a:effectRef>
+          <a:fontRef idx="minor">
+            <a:schemeClr val="dk1"/>
+          </a:fontRef>
+        </p:style>
+        <p:txBody>
+          <a:bodyPr rtlCol="0" anchor="ctr"/>
+          <a:lstStyle/>
+          <a:p>
+            <a:pPr algn="ctr"/>
+            <a:endParaRPr lang="en-IL"/>
+          </a:p>
+        </p:txBody>
+      </p:sp>
+      <p:cxnSp>
+        <p:nvCxnSpPr>
+          <p:cNvPr id="8" name="Straight Connector 7">
+            <a:extLst>
+              <a:ext uri="{FF2B5EF4-FFF2-40B4-BE49-F238E27FC236}">
+                <a16:creationId xmlns:a16="http://schemas.microsoft.com/office/drawing/2014/main" id="{9692A87E-8EA1-E0AA-7F1F-0D8ADB544943}"/>
+              </a:ext>
+            </a:extLst>
+          </p:cNvPr>
+          <p:cNvCxnSpPr>
+            <a:stCxn id="4" idx="3"/>
+          </p:cNvCxnSpPr>
+          <p:nvPr/>
+        </p:nvCxnSpPr>
+        <p:spPr>
+          <a:xfrm flipV="1">
+            <a:off x="7866507" y="2547175"/>
+            <a:ext cx="664845" cy="1"/>
+          </a:xfrm>
+          <a:prstGeom prst="line">
+            <a:avLst/>
+          </a:prstGeom>
+        </p:spPr>
+        <p:style>
+          <a:lnRef idx="2">
+            <a:schemeClr val="dk1"/>
+          </a:lnRef>
+          <a:fillRef idx="0">
+            <a:schemeClr val="dk1"/>
+          </a:fillRef>
+          <a:effectRef idx="1">
+            <a:schemeClr val="dk1"/>
+          </a:effectRef>
+          <a:fontRef idx="minor">
+            <a:schemeClr val="tx1"/>
+          </a:fontRef>
+        </p:style>
+      </p:cxnSp>
+      <p:cxnSp>
+        <p:nvCxnSpPr>
+          <p:cNvPr id="9" name="Straight Connector 8">
+            <a:extLst>
+              <a:ext uri="{FF2B5EF4-FFF2-40B4-BE49-F238E27FC236}">
+                <a16:creationId xmlns:a16="http://schemas.microsoft.com/office/drawing/2014/main" id="{7A45B93E-2F1E-6CF7-DEDC-B970A398B792}"/>
+              </a:ext>
+            </a:extLst>
+          </p:cNvPr>
+          <p:cNvCxnSpPr/>
+          <p:nvPr/>
+        </p:nvCxnSpPr>
+        <p:spPr>
+          <a:xfrm flipV="1">
+            <a:off x="7866506" y="3376231"/>
+            <a:ext cx="664845" cy="1"/>
+          </a:xfrm>
+          <a:prstGeom prst="line">
+            <a:avLst/>
+          </a:prstGeom>
+        </p:spPr>
+        <p:style>
+          <a:lnRef idx="2">
+            <a:schemeClr val="dk1"/>
+          </a:lnRef>
+          <a:fillRef idx="0">
+            <a:schemeClr val="dk1"/>
+          </a:fillRef>
+          <a:effectRef idx="1">
+            <a:schemeClr val="dk1"/>
+          </a:effectRef>
+          <a:fontRef idx="minor">
+            <a:schemeClr val="tx1"/>
+          </a:fontRef>
+        </p:style>
+      </p:cxnSp>
+      <p:cxnSp>
+        <p:nvCxnSpPr>
+          <p:cNvPr id="10" name="Straight Connector 9">
+            <a:extLst>
+              <a:ext uri="{FF2B5EF4-FFF2-40B4-BE49-F238E27FC236}">
+                <a16:creationId xmlns:a16="http://schemas.microsoft.com/office/drawing/2014/main" id="{4C458ABC-2021-ACE0-00F6-065AE56869C5}"/>
+              </a:ext>
+            </a:extLst>
+          </p:cNvPr>
+          <p:cNvCxnSpPr/>
+          <p:nvPr/>
+        </p:nvCxnSpPr>
+        <p:spPr>
+          <a:xfrm flipV="1">
+            <a:off x="7866506" y="4205287"/>
+            <a:ext cx="664845" cy="1"/>
+          </a:xfrm>
+          <a:prstGeom prst="line">
+            <a:avLst/>
+          </a:prstGeom>
+        </p:spPr>
+        <p:style>
+          <a:lnRef idx="2">
+            <a:schemeClr val="dk1"/>
+          </a:lnRef>
+          <a:fillRef idx="0">
+            <a:schemeClr val="dk1"/>
+          </a:fillRef>
+          <a:effectRef idx="1">
+            <a:schemeClr val="dk1"/>
+          </a:effectRef>
+          <a:fontRef idx="minor">
+            <a:schemeClr val="tx1"/>
+          </a:fontRef>
+        </p:style>
+      </p:cxnSp>
+      <p:cxnSp>
+        <p:nvCxnSpPr>
+          <p:cNvPr id="11" name="Straight Connector 10">
+            <a:extLst>
+              <a:ext uri="{FF2B5EF4-FFF2-40B4-BE49-F238E27FC236}">
+                <a16:creationId xmlns:a16="http://schemas.microsoft.com/office/drawing/2014/main" id="{1456982A-39B4-3DDB-9ACD-BD7E7FEC11D2}"/>
+              </a:ext>
+            </a:extLst>
+          </p:cNvPr>
+          <p:cNvCxnSpPr/>
+          <p:nvPr/>
+        </p:nvCxnSpPr>
+        <p:spPr>
+          <a:xfrm flipV="1">
+            <a:off x="7866506" y="5034343"/>
+            <a:ext cx="664845" cy="1"/>
+          </a:xfrm>
+          <a:prstGeom prst="line">
+            <a:avLst/>
+          </a:prstGeom>
+        </p:spPr>
+        <p:style>
+          <a:lnRef idx="2">
+            <a:schemeClr val="dk1"/>
+          </a:lnRef>
+          <a:fillRef idx="0">
+            <a:schemeClr val="dk1"/>
+          </a:fillRef>
+          <a:effectRef idx="1">
+            <a:schemeClr val="dk1"/>
+          </a:effectRef>
+          <a:fontRef idx="minor">
+            <a:schemeClr val="tx1"/>
+          </a:fontRef>
+        </p:style>
+      </p:cxnSp>
+      <p:cxnSp>
+        <p:nvCxnSpPr>
+          <p:cNvPr id="12" name="Straight Connector 11">
+            <a:extLst>
+              <a:ext uri="{FF2B5EF4-FFF2-40B4-BE49-F238E27FC236}">
+                <a16:creationId xmlns:a16="http://schemas.microsoft.com/office/drawing/2014/main" id="{A047770A-9E7B-6403-A36F-2F4B48477002}"/>
+              </a:ext>
+            </a:extLst>
+          </p:cNvPr>
+          <p:cNvCxnSpPr>
+            <a:cxnSpLocks/>
+          </p:cNvCxnSpPr>
+          <p:nvPr/>
+        </p:nvCxnSpPr>
+        <p:spPr>
+          <a:xfrm>
+            <a:off x="8531351" y="2547175"/>
+            <a:ext cx="0" cy="2487168"/>
+          </a:xfrm>
+          <a:prstGeom prst="line">
+            <a:avLst/>
+          </a:prstGeom>
+        </p:spPr>
+        <p:style>
+          <a:lnRef idx="2">
+            <a:schemeClr val="dk1"/>
+          </a:lnRef>
+          <a:fillRef idx="0">
+            <a:schemeClr val="dk1"/>
+          </a:fillRef>
+          <a:effectRef idx="1">
+            <a:schemeClr val="dk1"/>
+          </a:effectRef>
+          <a:fontRef idx="minor">
+            <a:schemeClr val="tx1"/>
+          </a:fontRef>
+        </p:style>
+      </p:cxnSp>
+      <p:cxnSp>
+        <p:nvCxnSpPr>
+          <p:cNvPr id="13" name="Straight Connector 12">
+            <a:extLst>
+              <a:ext uri="{FF2B5EF4-FFF2-40B4-BE49-F238E27FC236}">
+                <a16:creationId xmlns:a16="http://schemas.microsoft.com/office/drawing/2014/main" id="{4797F37E-5E4D-DE57-1FC2-4A799E94C0BD}"/>
+              </a:ext>
+            </a:extLst>
+          </p:cNvPr>
+          <p:cNvCxnSpPr/>
+          <p:nvPr/>
+        </p:nvCxnSpPr>
+        <p:spPr>
+          <a:xfrm flipV="1">
+            <a:off x="8531351" y="3790759"/>
+            <a:ext cx="664845" cy="1"/>
+          </a:xfrm>
+          <a:prstGeom prst="line">
+            <a:avLst/>
+          </a:prstGeom>
+        </p:spPr>
+        <p:style>
+          <a:lnRef idx="2">
+            <a:schemeClr val="dk1"/>
+          </a:lnRef>
+          <a:fillRef idx="0">
+            <a:schemeClr val="dk1"/>
+          </a:fillRef>
+          <a:effectRef idx="1">
+            <a:schemeClr val="dk1"/>
+          </a:effectRef>
+          <a:fontRef idx="minor">
+            <a:schemeClr val="tx1"/>
+          </a:fontRef>
+        </p:style>
+      </p:cxnSp>
+      <p:cxnSp>
+        <p:nvCxnSpPr>
+          <p:cNvPr id="14" name="Straight Arrow Connector 13">
+            <a:extLst>
+              <a:ext uri="{FF2B5EF4-FFF2-40B4-BE49-F238E27FC236}">
+                <a16:creationId xmlns:a16="http://schemas.microsoft.com/office/drawing/2014/main" id="{2D71289D-07A3-04DF-ADD6-FDDB398FB63A}"/>
+              </a:ext>
+            </a:extLst>
+          </p:cNvPr>
+          <p:cNvCxnSpPr/>
+          <p:nvPr/>
+        </p:nvCxnSpPr>
+        <p:spPr>
+          <a:xfrm>
+            <a:off x="9423215" y="3790758"/>
+            <a:ext cx="777240" cy="0"/>
+          </a:xfrm>
+          <a:prstGeom prst="straightConnector1">
+            <a:avLst/>
+          </a:prstGeom>
+          <a:ln w="53975">
+            <a:solidFill>
+              <a:schemeClr val="accent4"/>
+            </a:solidFill>
+            <a:tailEnd type="triangle"/>
+          </a:ln>
+        </p:spPr>
+        <p:style>
+          <a:lnRef idx="2">
+            <a:schemeClr val="accent1"/>
+          </a:lnRef>
+          <a:fillRef idx="0">
+            <a:schemeClr val="accent1"/>
+          </a:fillRef>
+          <a:effectRef idx="1">
+            <a:schemeClr val="accent1"/>
+          </a:effectRef>
+          <a:fontRef idx="minor">
+            <a:schemeClr val="tx1"/>
+          </a:fontRef>
+        </p:style>
+      </p:cxnSp>
+      <p:sp>
+        <p:nvSpPr>
+          <p:cNvPr id="15" name="Rectangle 14">
+            <a:extLst>
+              <a:ext uri="{FF2B5EF4-FFF2-40B4-BE49-F238E27FC236}">
+                <a16:creationId xmlns:a16="http://schemas.microsoft.com/office/drawing/2014/main" id="{EEDF871E-31B5-D3D9-FAA4-327012C2DCE5}"/>
+              </a:ext>
+            </a:extLst>
+          </p:cNvPr>
+          <p:cNvSpPr/>
+          <p:nvPr/>
+        </p:nvSpPr>
+        <p:spPr>
+          <a:xfrm>
+            <a:off x="10371582" y="3511751"/>
+            <a:ext cx="781050" cy="542925"/>
+          </a:xfrm>
+          <a:prstGeom prst="rect">
+            <a:avLst/>
+          </a:prstGeom>
+          <a:ln w="60325">
+            <a:solidFill>
+              <a:schemeClr val="accent3">
+                <a:lumMod val="60000"/>
+                <a:lumOff val="40000"/>
+              </a:schemeClr>
+            </a:solidFill>
+          </a:ln>
+        </p:spPr>
+        <p:style>
+          <a:lnRef idx="2">
+            <a:schemeClr val="dk1"/>
+          </a:lnRef>
+          <a:fillRef idx="1">
+            <a:schemeClr val="lt1"/>
+          </a:fillRef>
+          <a:effectRef idx="0">
+            <a:schemeClr val="dk1"/>
+          </a:effectRef>
+          <a:fontRef idx="minor">
+            <a:schemeClr val="dk1"/>
+          </a:fontRef>
+        </p:style>
+        <p:txBody>
+          <a:bodyPr rtlCol="0" anchor="ctr"/>
+          <a:lstStyle/>
+          <a:p>
+            <a:pPr algn="ctr"/>
+            <a:endParaRPr lang="en-IL"/>
+          </a:p>
+        </p:txBody>
+      </p:sp>
+      <p:cxnSp>
+        <p:nvCxnSpPr>
+          <p:cNvPr id="16" name="Straight Connector 15">
+            <a:extLst>
+              <a:ext uri="{FF2B5EF4-FFF2-40B4-BE49-F238E27FC236}">
+                <a16:creationId xmlns:a16="http://schemas.microsoft.com/office/drawing/2014/main" id="{B099D348-5663-86BD-892E-4CB501388AFC}"/>
+              </a:ext>
+            </a:extLst>
+          </p:cNvPr>
+          <p:cNvCxnSpPr>
+            <a:stCxn id="15" idx="3"/>
+          </p:cNvCxnSpPr>
+          <p:nvPr/>
+        </p:nvCxnSpPr>
+        <p:spPr>
+          <a:xfrm flipV="1">
+            <a:off x="11152632" y="3783213"/>
+            <a:ext cx="664845" cy="1"/>
+          </a:xfrm>
+          <a:prstGeom prst="line">
+            <a:avLst/>
+          </a:prstGeom>
+        </p:spPr>
+        <p:style>
+          <a:lnRef idx="2">
+            <a:schemeClr val="dk1"/>
+          </a:lnRef>
+          <a:fillRef idx="0">
+            <a:schemeClr val="dk1"/>
+          </a:fillRef>
+          <a:effectRef idx="1">
+            <a:schemeClr val="dk1"/>
+          </a:effectRef>
+          <a:fontRef idx="minor">
+            <a:schemeClr val="tx1"/>
+          </a:fontRef>
+        </p:style>
+      </p:cxnSp>
+      <p:sp>
+        <p:nvSpPr>
+          <p:cNvPr id="17" name="TextBox 16">
+            <a:extLst>
+              <a:ext uri="{FF2B5EF4-FFF2-40B4-BE49-F238E27FC236}">
+                <a16:creationId xmlns:a16="http://schemas.microsoft.com/office/drawing/2014/main" id="{BA83E0E2-EDCB-2508-D9BA-3A6FD1366D2A}"/>
+              </a:ext>
+            </a:extLst>
+          </p:cNvPr>
+          <p:cNvSpPr txBox="1"/>
+          <p:nvPr/>
+        </p:nvSpPr>
+        <p:spPr>
+          <a:xfrm>
+            <a:off x="8055817" y="2183904"/>
+            <a:ext cx="286223" cy="369332"/>
+          </a:xfrm>
+          <a:prstGeom prst="rect">
+            <a:avLst/>
+          </a:prstGeom>
+          <a:noFill/>
+        </p:spPr>
+        <p:txBody>
+          <a:bodyPr wrap="square" rtlCol="0">
+            <a:spAutoFit/>
+          </a:bodyPr>
+          <a:lstStyle/>
+          <a:p>
+            <a:pPr algn="ctr"/>
+            <a:r>
+              <a:rPr lang="en-US" b="1" dirty="0"/>
+              <a:t>8</a:t>
+            </a:r>
+            <a:endParaRPr lang="en-IL" b="1" dirty="0"/>
+          </a:p>
+        </p:txBody>
+      </p:sp>
+      <p:sp>
+        <p:nvSpPr>
+          <p:cNvPr id="18" name="TextBox 17">
+            <a:extLst>
+              <a:ext uri="{FF2B5EF4-FFF2-40B4-BE49-F238E27FC236}">
+                <a16:creationId xmlns:a16="http://schemas.microsoft.com/office/drawing/2014/main" id="{B9128F90-D1D8-46FE-27AE-9E6728F69201}"/>
+              </a:ext>
+            </a:extLst>
+          </p:cNvPr>
+          <p:cNvSpPr txBox="1"/>
+          <p:nvPr/>
+        </p:nvSpPr>
+        <p:spPr>
+          <a:xfrm>
+            <a:off x="8055817" y="3006899"/>
+            <a:ext cx="286223" cy="369332"/>
+          </a:xfrm>
+          <a:prstGeom prst="rect">
+            <a:avLst/>
+          </a:prstGeom>
+          <a:noFill/>
+        </p:spPr>
+        <p:txBody>
+          <a:bodyPr wrap="square" rtlCol="0">
+            <a:spAutoFit/>
+          </a:bodyPr>
+          <a:lstStyle/>
+          <a:p>
+            <a:pPr algn="ctr"/>
+            <a:r>
+              <a:rPr lang="en-US" b="1" dirty="0"/>
+              <a:t>8</a:t>
+            </a:r>
+            <a:endParaRPr lang="en-IL" b="1" dirty="0"/>
+          </a:p>
+        </p:txBody>
+      </p:sp>
+      <p:sp>
+        <p:nvSpPr>
+          <p:cNvPr id="19" name="TextBox 18">
+            <a:extLst>
+              <a:ext uri="{FF2B5EF4-FFF2-40B4-BE49-F238E27FC236}">
+                <a16:creationId xmlns:a16="http://schemas.microsoft.com/office/drawing/2014/main" id="{E8B981DD-19C2-3B78-A602-FEFC48D5965F}"/>
+              </a:ext>
+            </a:extLst>
+          </p:cNvPr>
+          <p:cNvSpPr txBox="1"/>
+          <p:nvPr/>
+        </p:nvSpPr>
+        <p:spPr>
+          <a:xfrm>
+            <a:off x="8055817" y="3864158"/>
+            <a:ext cx="286223" cy="369332"/>
+          </a:xfrm>
+          <a:prstGeom prst="rect">
+            <a:avLst/>
+          </a:prstGeom>
+          <a:noFill/>
+        </p:spPr>
+        <p:txBody>
+          <a:bodyPr wrap="square" rtlCol="0">
+            <a:spAutoFit/>
+          </a:bodyPr>
+          <a:lstStyle/>
+          <a:p>
+            <a:pPr algn="ctr"/>
+            <a:r>
+              <a:rPr lang="en-US" b="1" dirty="0"/>
+              <a:t>8</a:t>
+            </a:r>
+            <a:endParaRPr lang="en-IL" b="1" dirty="0"/>
+          </a:p>
+        </p:txBody>
+      </p:sp>
+      <p:sp>
+        <p:nvSpPr>
+          <p:cNvPr id="20" name="TextBox 19">
+            <a:extLst>
+              <a:ext uri="{FF2B5EF4-FFF2-40B4-BE49-F238E27FC236}">
+                <a16:creationId xmlns:a16="http://schemas.microsoft.com/office/drawing/2014/main" id="{41BDD879-5726-78B5-3287-AEDCD14B7A68}"/>
+              </a:ext>
+            </a:extLst>
+          </p:cNvPr>
+          <p:cNvSpPr txBox="1"/>
+          <p:nvPr/>
+        </p:nvSpPr>
+        <p:spPr>
+          <a:xfrm>
+            <a:off x="8055817" y="4693213"/>
+            <a:ext cx="286223" cy="369332"/>
+          </a:xfrm>
+          <a:prstGeom prst="rect">
+            <a:avLst/>
+          </a:prstGeom>
+          <a:noFill/>
+        </p:spPr>
+        <p:txBody>
+          <a:bodyPr wrap="square" rtlCol="0">
+            <a:spAutoFit/>
+          </a:bodyPr>
+          <a:lstStyle/>
+          <a:p>
+            <a:pPr algn="ctr"/>
+            <a:r>
+              <a:rPr lang="en-US" b="1" dirty="0"/>
+              <a:t>8</a:t>
+            </a:r>
+            <a:endParaRPr lang="en-IL" b="1" dirty="0"/>
+          </a:p>
+        </p:txBody>
+      </p:sp>
+      <p:sp>
+        <p:nvSpPr>
+          <p:cNvPr id="21" name="TextBox 20">
+            <a:extLst>
+              <a:ext uri="{FF2B5EF4-FFF2-40B4-BE49-F238E27FC236}">
+                <a16:creationId xmlns:a16="http://schemas.microsoft.com/office/drawing/2014/main" id="{7D69B603-BF19-92B3-F55B-5950CC212EBC}"/>
+              </a:ext>
+            </a:extLst>
+          </p:cNvPr>
+          <p:cNvSpPr txBox="1"/>
+          <p:nvPr/>
+        </p:nvSpPr>
+        <p:spPr>
+          <a:xfrm>
+            <a:off x="8647557" y="3470343"/>
+            <a:ext cx="475535" cy="369332"/>
+          </a:xfrm>
+          <a:prstGeom prst="rect">
+            <a:avLst/>
+          </a:prstGeom>
+          <a:noFill/>
+        </p:spPr>
+        <p:txBody>
+          <a:bodyPr wrap="square" rtlCol="0">
+            <a:spAutoFit/>
+          </a:bodyPr>
+          <a:lstStyle/>
+          <a:p>
+            <a:pPr algn="ctr"/>
+            <a:r>
+              <a:rPr lang="en-US" b="1" dirty="0"/>
+              <a:t>32</a:t>
+            </a:r>
+            <a:endParaRPr lang="en-IL" b="1" dirty="0"/>
+          </a:p>
+        </p:txBody>
+      </p:sp>
+      <p:sp>
+        <p:nvSpPr>
+          <p:cNvPr id="22" name="TextBox 21">
+            <a:extLst>
+              <a:ext uri="{FF2B5EF4-FFF2-40B4-BE49-F238E27FC236}">
+                <a16:creationId xmlns:a16="http://schemas.microsoft.com/office/drawing/2014/main" id="{93687304-0FC0-9B11-92A6-D069446CCE53}"/>
+              </a:ext>
+            </a:extLst>
+          </p:cNvPr>
+          <p:cNvSpPr txBox="1"/>
+          <p:nvPr/>
+        </p:nvSpPr>
+        <p:spPr>
+          <a:xfrm>
+            <a:off x="11248960" y="3455387"/>
+            <a:ext cx="475535" cy="369332"/>
+          </a:xfrm>
+          <a:prstGeom prst="rect">
+            <a:avLst/>
+          </a:prstGeom>
+          <a:noFill/>
+        </p:spPr>
+        <p:txBody>
+          <a:bodyPr wrap="square" rtlCol="0">
+            <a:spAutoFit/>
+          </a:bodyPr>
+          <a:lstStyle/>
+          <a:p>
+            <a:pPr algn="ctr"/>
+            <a:r>
+              <a:rPr lang="en-US" b="1" dirty="0"/>
+              <a:t>32</a:t>
+            </a:r>
+            <a:endParaRPr lang="en-IL" b="1" dirty="0"/>
+          </a:p>
+        </p:txBody>
+      </p:sp>
+      <p:sp>
+        <p:nvSpPr>
+          <p:cNvPr id="23" name="TextBox 22">
+            <a:extLst>
+              <a:ext uri="{FF2B5EF4-FFF2-40B4-BE49-F238E27FC236}">
+                <a16:creationId xmlns:a16="http://schemas.microsoft.com/office/drawing/2014/main" id="{DF6892E4-80E7-17BA-0D00-D8F246431137}"/>
+              </a:ext>
+            </a:extLst>
+          </p:cNvPr>
+          <p:cNvSpPr txBox="1"/>
+          <p:nvPr/>
+        </p:nvSpPr>
+        <p:spPr>
+          <a:xfrm>
+            <a:off x="448056" y="2183904"/>
+            <a:ext cx="4890150" cy="2308324"/>
+          </a:xfrm>
+          <a:prstGeom prst="rect">
+            <a:avLst/>
+          </a:prstGeom>
+          <a:noFill/>
+        </p:spPr>
+        <p:txBody>
+          <a:bodyPr wrap="square" rtlCol="0">
+            <a:spAutoFit/>
+          </a:bodyPr>
+          <a:lstStyle/>
+          <a:p>
+            <a:pPr marL="285750" indent="-285750">
+              <a:buFont typeface="Arial" panose="020B0604020202020204" pitchFamily="34" charset="0"/>
+              <a:buChar char="•"/>
+            </a:pPr>
+            <a:r>
+              <a:rPr lang="en-US" b="1" dirty="0"/>
+              <a:t>Data Size:</a:t>
+            </a:r>
+            <a:r>
+              <a:rPr lang="en-US" dirty="0"/>
+              <a:t> 2048 bits.</a:t>
+            </a:r>
+          </a:p>
+          <a:p>
+            <a:pPr marL="285750" indent="-285750">
+              <a:buFont typeface="Arial" panose="020B0604020202020204" pitchFamily="34" charset="0"/>
+              <a:buChar char="•"/>
+            </a:pPr>
+            <a:endParaRPr lang="en-US" dirty="0"/>
+          </a:p>
+          <a:p>
+            <a:pPr marL="285750" indent="-285750">
+              <a:buFont typeface="Arial" panose="020B0604020202020204" pitchFamily="34" charset="0"/>
+              <a:buChar char="•"/>
+            </a:pPr>
+            <a:r>
+              <a:rPr lang="en-US" b="1" dirty="0"/>
+              <a:t>I/O Width:</a:t>
+            </a:r>
+            <a:r>
+              <a:rPr lang="en-US" dirty="0"/>
+              <a:t> 32 bits (4 bytes, corresponding to the instruction length).</a:t>
+            </a:r>
+          </a:p>
+          <a:p>
+            <a:pPr marL="285750" indent="-285750">
+              <a:buFont typeface="Arial" panose="020B0604020202020204" pitchFamily="34" charset="0"/>
+              <a:buChar char="•"/>
+            </a:pPr>
+            <a:endParaRPr lang="en-US" dirty="0"/>
+          </a:p>
+          <a:p>
+            <a:pPr marL="285750" indent="-285750">
+              <a:buFont typeface="Arial" panose="020B0604020202020204" pitchFamily="34" charset="0"/>
+              <a:buChar char="•"/>
+            </a:pPr>
+            <a:r>
+              <a:rPr lang="en-US" b="1" dirty="0"/>
+              <a:t>Memory Access:</a:t>
+            </a:r>
+            <a:r>
+              <a:rPr lang="en-US" dirty="0"/>
+              <a:t> Simultaneous read/write operations at two addresses in parallel.</a:t>
+            </a:r>
+          </a:p>
+          <a:p>
+            <a:pPr marL="285750" indent="-285750">
+              <a:buFont typeface="Arial" panose="020B0604020202020204" pitchFamily="34" charset="0"/>
+              <a:buChar char="•"/>
+            </a:pPr>
+            <a:endParaRPr lang="en-IL" dirty="0"/>
+          </a:p>
+        </p:txBody>
+      </p:sp>
+    </p:spTree>
+    <p:extLst>
+      <p:ext uri="{BB962C8B-B14F-4D97-AF65-F5344CB8AC3E}">
+        <p14:creationId xmlns:p14="http://schemas.microsoft.com/office/powerpoint/2010/main" val="1868634386"/>
+      </p:ext>
+    </p:extLst>
+  </p:cSld>
+  <p:clrMapOvr>
+    <a:masterClrMapping/>
+  </p:clrMapOvr>
+</p:sld>
+</file>
+
+<file path=ppt/slides/slide12.xml><?xml version="1.0" encoding="utf-8"?>
+<p:sld xmlns:a="http://schemas.openxmlformats.org/drawingml/2006/main" xmlns:r="http://schemas.openxmlformats.org/officeDocument/2006/relationships" xmlns:p="http://schemas.openxmlformats.org/presentationml/2006/main">
+  <p:cSld>
+    <p:spTree>
+      <p:nvGrpSpPr>
+        <p:cNvPr id="1" name=""/>
+        <p:cNvGrpSpPr/>
+        <p:nvPr/>
+      </p:nvGrpSpPr>
+      <p:grpSpPr>
+        <a:xfrm>
+          <a:off x="0" y="0"/>
+          <a:ext cx="0" cy="0"/>
+          <a:chOff x="0" y="0"/>
+          <a:chExt cx="0" cy="0"/>
+        </a:xfrm>
+      </p:grpSpPr>
+      <p:sp>
+        <p:nvSpPr>
+          <p:cNvPr id="2" name="Title 1">
+            <a:extLst>
+              <a:ext uri="{FF2B5EF4-FFF2-40B4-BE49-F238E27FC236}">
+                <a16:creationId xmlns:a16="http://schemas.microsoft.com/office/drawing/2014/main" id="{12D1F0E2-E905-1905-987B-035BC7503B05}"/>
+              </a:ext>
+            </a:extLst>
+          </p:cNvPr>
+          <p:cNvSpPr>
+            <a:spLocks noGrp="1"/>
+          </p:cNvSpPr>
+          <p:nvPr>
+            <p:ph type="title"/>
+          </p:nvPr>
+        </p:nvSpPr>
+        <p:spPr/>
+        <p:txBody>
+          <a:bodyPr>
+            <a:normAutofit fontScale="90000"/>
+          </a:bodyPr>
+          <a:lstStyle/>
+          <a:p>
+            <a:pPr algn="ctr"/>
+            <a:r>
+              <a:rPr lang="en-US" b="1" dirty="0"/>
+              <a:t>Architectural design of the selected solution </a:t>
+            </a:r>
+            <a:br>
+              <a:rPr lang="en-US" b="1" dirty="0"/>
+            </a:br>
+            <a:r>
+              <a:rPr lang="en-US" b="1" dirty="0"/>
+              <a:t>data memory</a:t>
+            </a:r>
+            <a:endParaRPr lang="en-IL" dirty="0"/>
+          </a:p>
+        </p:txBody>
+      </p:sp>
+      <p:sp>
+        <p:nvSpPr>
+          <p:cNvPr id="4" name="Rectangle 3">
+            <a:extLst>
+              <a:ext uri="{FF2B5EF4-FFF2-40B4-BE49-F238E27FC236}">
+                <a16:creationId xmlns:a16="http://schemas.microsoft.com/office/drawing/2014/main" id="{412F2980-D243-71D4-A418-A412CF59C619}"/>
+              </a:ext>
+            </a:extLst>
+          </p:cNvPr>
+          <p:cNvSpPr/>
+          <p:nvPr/>
+        </p:nvSpPr>
+        <p:spPr>
+          <a:xfrm>
+            <a:off x="5717976" y="2184084"/>
+            <a:ext cx="781050" cy="542925"/>
+          </a:xfrm>
+          <a:prstGeom prst="rect">
+            <a:avLst/>
+          </a:prstGeom>
+          <a:ln w="60325">
+            <a:solidFill>
+              <a:srgbClr val="FF0000"/>
+            </a:solidFill>
+          </a:ln>
+        </p:spPr>
+        <p:style>
+          <a:lnRef idx="2">
+            <a:schemeClr val="dk1"/>
+          </a:lnRef>
+          <a:fillRef idx="1">
+            <a:schemeClr val="lt1"/>
+          </a:fillRef>
+          <a:effectRef idx="0">
+            <a:schemeClr val="dk1"/>
+          </a:effectRef>
+          <a:fontRef idx="minor">
+            <a:schemeClr val="dk1"/>
+          </a:fontRef>
+        </p:style>
+        <p:txBody>
+          <a:bodyPr rtlCol="0" anchor="ctr"/>
+          <a:lstStyle/>
+          <a:p>
+            <a:pPr algn="ctr"/>
+            <a:endParaRPr lang="en-IL"/>
+          </a:p>
+        </p:txBody>
+      </p:sp>
+      <p:sp>
+        <p:nvSpPr>
+          <p:cNvPr id="5" name="Rectangle 4">
+            <a:extLst>
+              <a:ext uri="{FF2B5EF4-FFF2-40B4-BE49-F238E27FC236}">
+                <a16:creationId xmlns:a16="http://schemas.microsoft.com/office/drawing/2014/main" id="{226DEAA0-7310-8705-1E04-6C7B3E7B2CA5}"/>
+              </a:ext>
+            </a:extLst>
+          </p:cNvPr>
+          <p:cNvSpPr/>
+          <p:nvPr/>
+        </p:nvSpPr>
+        <p:spPr>
+          <a:xfrm>
+            <a:off x="5717976" y="3013140"/>
+            <a:ext cx="781050" cy="542925"/>
+          </a:xfrm>
+          <a:prstGeom prst="rect">
+            <a:avLst/>
+          </a:prstGeom>
+          <a:ln w="60325">
+            <a:solidFill>
+              <a:srgbClr val="FF0000"/>
+            </a:solidFill>
+          </a:ln>
+        </p:spPr>
+        <p:style>
+          <a:lnRef idx="2">
+            <a:schemeClr val="dk1"/>
+          </a:lnRef>
+          <a:fillRef idx="1">
+            <a:schemeClr val="lt1"/>
+          </a:fillRef>
+          <a:effectRef idx="0">
+            <a:schemeClr val="dk1"/>
+          </a:effectRef>
+          <a:fontRef idx="minor">
+            <a:schemeClr val="dk1"/>
+          </a:fontRef>
+        </p:style>
+        <p:txBody>
+          <a:bodyPr rtlCol="0" anchor="ctr"/>
+          <a:lstStyle/>
+          <a:p>
+            <a:pPr algn="ctr"/>
+            <a:endParaRPr lang="en-IL"/>
+          </a:p>
+        </p:txBody>
+      </p:sp>
+      <p:sp>
+        <p:nvSpPr>
+          <p:cNvPr id="6" name="Rectangle 5">
+            <a:extLst>
+              <a:ext uri="{FF2B5EF4-FFF2-40B4-BE49-F238E27FC236}">
+                <a16:creationId xmlns:a16="http://schemas.microsoft.com/office/drawing/2014/main" id="{76D812F2-306C-001D-F5FF-D2E2B9BD42DB}"/>
+              </a:ext>
+            </a:extLst>
+          </p:cNvPr>
+          <p:cNvSpPr/>
+          <p:nvPr/>
+        </p:nvSpPr>
+        <p:spPr>
+          <a:xfrm>
+            <a:off x="5717976" y="3842196"/>
+            <a:ext cx="781050" cy="542925"/>
+          </a:xfrm>
+          <a:prstGeom prst="rect">
+            <a:avLst/>
+          </a:prstGeom>
+          <a:ln w="60325">
+            <a:solidFill>
+              <a:srgbClr val="FF0000"/>
+            </a:solidFill>
+          </a:ln>
+        </p:spPr>
+        <p:style>
+          <a:lnRef idx="2">
+            <a:schemeClr val="dk1"/>
+          </a:lnRef>
+          <a:fillRef idx="1">
+            <a:schemeClr val="lt1"/>
+          </a:fillRef>
+          <a:effectRef idx="0">
+            <a:schemeClr val="dk1"/>
+          </a:effectRef>
+          <a:fontRef idx="minor">
+            <a:schemeClr val="dk1"/>
+          </a:fontRef>
+        </p:style>
+        <p:txBody>
+          <a:bodyPr rtlCol="0" anchor="ctr"/>
+          <a:lstStyle/>
+          <a:p>
+            <a:pPr algn="ctr"/>
+            <a:endParaRPr lang="en-IL"/>
+          </a:p>
+        </p:txBody>
+      </p:sp>
+      <p:sp>
+        <p:nvSpPr>
+          <p:cNvPr id="7" name="Rectangle 6">
+            <a:extLst>
+              <a:ext uri="{FF2B5EF4-FFF2-40B4-BE49-F238E27FC236}">
+                <a16:creationId xmlns:a16="http://schemas.microsoft.com/office/drawing/2014/main" id="{DEEF9FE7-95B4-B907-629B-E9A2C1C6ADBE}"/>
+              </a:ext>
+            </a:extLst>
+          </p:cNvPr>
+          <p:cNvSpPr/>
+          <p:nvPr/>
+        </p:nvSpPr>
+        <p:spPr>
+          <a:xfrm>
+            <a:off x="5717976" y="4671252"/>
+            <a:ext cx="781050" cy="542925"/>
+          </a:xfrm>
+          <a:prstGeom prst="rect">
+            <a:avLst/>
+          </a:prstGeom>
+          <a:ln w="60325">
+            <a:solidFill>
+              <a:srgbClr val="FF0000"/>
+            </a:solidFill>
+          </a:ln>
+        </p:spPr>
+        <p:style>
+          <a:lnRef idx="2">
+            <a:schemeClr val="dk1"/>
+          </a:lnRef>
+          <a:fillRef idx="1">
+            <a:schemeClr val="lt1"/>
+          </a:fillRef>
+          <a:effectRef idx="0">
+            <a:schemeClr val="dk1"/>
+          </a:effectRef>
+          <a:fontRef idx="minor">
+            <a:schemeClr val="dk1"/>
+          </a:fontRef>
+        </p:style>
+        <p:txBody>
+          <a:bodyPr rtlCol="0" anchor="ctr"/>
+          <a:lstStyle/>
+          <a:p>
+            <a:pPr algn="ctr"/>
+            <a:endParaRPr lang="en-IL"/>
+          </a:p>
+        </p:txBody>
+      </p:sp>
+      <p:cxnSp>
+        <p:nvCxnSpPr>
+          <p:cNvPr id="8" name="Straight Connector 7">
+            <a:extLst>
+              <a:ext uri="{FF2B5EF4-FFF2-40B4-BE49-F238E27FC236}">
+                <a16:creationId xmlns:a16="http://schemas.microsoft.com/office/drawing/2014/main" id="{0DF33395-F3FC-F7F2-81E4-550C7E190653}"/>
+              </a:ext>
+            </a:extLst>
+          </p:cNvPr>
+          <p:cNvCxnSpPr>
+            <a:stCxn id="4" idx="3"/>
+          </p:cNvCxnSpPr>
+          <p:nvPr/>
+        </p:nvCxnSpPr>
+        <p:spPr>
+          <a:xfrm flipV="1">
+            <a:off x="6499026" y="2455546"/>
+            <a:ext cx="664845" cy="1"/>
+          </a:xfrm>
+          <a:prstGeom prst="line">
+            <a:avLst/>
+          </a:prstGeom>
+          <a:ln w="34925"/>
+        </p:spPr>
+        <p:style>
+          <a:lnRef idx="2">
+            <a:schemeClr val="dk1"/>
+          </a:lnRef>
+          <a:fillRef idx="0">
+            <a:schemeClr val="dk1"/>
+          </a:fillRef>
+          <a:effectRef idx="1">
+            <a:schemeClr val="dk1"/>
+          </a:effectRef>
+          <a:fontRef idx="minor">
+            <a:schemeClr val="tx1"/>
+          </a:fontRef>
+        </p:style>
+      </p:cxnSp>
+      <p:cxnSp>
+        <p:nvCxnSpPr>
+          <p:cNvPr id="9" name="Straight Connector 8">
+            <a:extLst>
+              <a:ext uri="{FF2B5EF4-FFF2-40B4-BE49-F238E27FC236}">
+                <a16:creationId xmlns:a16="http://schemas.microsoft.com/office/drawing/2014/main" id="{7BE67B71-7422-38D3-4CA0-B04C5B43E7BA}"/>
+              </a:ext>
+            </a:extLst>
+          </p:cNvPr>
+          <p:cNvCxnSpPr>
+            <a:cxnSpLocks/>
+          </p:cNvCxnSpPr>
+          <p:nvPr/>
+        </p:nvCxnSpPr>
+        <p:spPr>
+          <a:xfrm flipV="1">
+            <a:off x="6499025" y="3284602"/>
+            <a:ext cx="664845" cy="1"/>
+          </a:xfrm>
+          <a:prstGeom prst="line">
+            <a:avLst/>
+          </a:prstGeom>
+          <a:ln w="38100"/>
+        </p:spPr>
+        <p:style>
+          <a:lnRef idx="2">
+            <a:schemeClr val="dk1"/>
+          </a:lnRef>
+          <a:fillRef idx="0">
+            <a:schemeClr val="dk1"/>
+          </a:fillRef>
+          <a:effectRef idx="1">
+            <a:schemeClr val="dk1"/>
+          </a:effectRef>
+          <a:fontRef idx="minor">
+            <a:schemeClr val="tx1"/>
+          </a:fontRef>
+        </p:style>
+      </p:cxnSp>
+      <p:cxnSp>
+        <p:nvCxnSpPr>
+          <p:cNvPr id="10" name="Straight Connector 9">
+            <a:extLst>
+              <a:ext uri="{FF2B5EF4-FFF2-40B4-BE49-F238E27FC236}">
+                <a16:creationId xmlns:a16="http://schemas.microsoft.com/office/drawing/2014/main" id="{3D5DCAD3-F04F-2686-0ED5-0ECAC0BCB0F4}"/>
+              </a:ext>
+            </a:extLst>
+          </p:cNvPr>
+          <p:cNvCxnSpPr>
+            <a:cxnSpLocks/>
+          </p:cNvCxnSpPr>
+          <p:nvPr/>
+        </p:nvCxnSpPr>
+        <p:spPr>
+          <a:xfrm flipV="1">
+            <a:off x="6499025" y="4113658"/>
+            <a:ext cx="664845" cy="1"/>
+          </a:xfrm>
+          <a:prstGeom prst="line">
+            <a:avLst/>
+          </a:prstGeom>
+          <a:ln w="38100"/>
+        </p:spPr>
+        <p:style>
+          <a:lnRef idx="2">
+            <a:schemeClr val="dk1"/>
+          </a:lnRef>
+          <a:fillRef idx="0">
+            <a:schemeClr val="dk1"/>
+          </a:fillRef>
+          <a:effectRef idx="1">
+            <a:schemeClr val="dk1"/>
+          </a:effectRef>
+          <a:fontRef idx="minor">
+            <a:schemeClr val="tx1"/>
+          </a:fontRef>
+        </p:style>
+      </p:cxnSp>
+      <p:cxnSp>
+        <p:nvCxnSpPr>
+          <p:cNvPr id="11" name="Straight Connector 10">
+            <a:extLst>
+              <a:ext uri="{FF2B5EF4-FFF2-40B4-BE49-F238E27FC236}">
+                <a16:creationId xmlns:a16="http://schemas.microsoft.com/office/drawing/2014/main" id="{A1A44846-5C40-300B-389F-5CA908C78EE4}"/>
+              </a:ext>
+            </a:extLst>
+          </p:cNvPr>
+          <p:cNvCxnSpPr>
+            <a:cxnSpLocks/>
+          </p:cNvCxnSpPr>
+          <p:nvPr/>
+        </p:nvCxnSpPr>
+        <p:spPr>
+          <a:xfrm flipV="1">
+            <a:off x="6499025" y="4942714"/>
+            <a:ext cx="664845" cy="1"/>
+          </a:xfrm>
+          <a:prstGeom prst="line">
+            <a:avLst/>
+          </a:prstGeom>
+          <a:ln w="38100"/>
+        </p:spPr>
+        <p:style>
+          <a:lnRef idx="2">
+            <a:schemeClr val="dk1"/>
+          </a:lnRef>
+          <a:fillRef idx="0">
+            <a:schemeClr val="dk1"/>
+          </a:fillRef>
+          <a:effectRef idx="1">
+            <a:schemeClr val="dk1"/>
+          </a:effectRef>
+          <a:fontRef idx="minor">
+            <a:schemeClr val="tx1"/>
+          </a:fontRef>
+        </p:style>
+      </p:cxnSp>
+      <p:cxnSp>
+        <p:nvCxnSpPr>
+          <p:cNvPr id="12" name="Straight Connector 11">
+            <a:extLst>
+              <a:ext uri="{FF2B5EF4-FFF2-40B4-BE49-F238E27FC236}">
+                <a16:creationId xmlns:a16="http://schemas.microsoft.com/office/drawing/2014/main" id="{0F158360-7CFE-41F9-98A5-9F8A719269AA}"/>
+              </a:ext>
+            </a:extLst>
+          </p:cNvPr>
+          <p:cNvCxnSpPr>
+            <a:cxnSpLocks/>
+          </p:cNvCxnSpPr>
+          <p:nvPr/>
+        </p:nvCxnSpPr>
+        <p:spPr>
+          <a:xfrm>
+            <a:off x="7163870" y="2455546"/>
+            <a:ext cx="0" cy="2487168"/>
+          </a:xfrm>
+          <a:prstGeom prst="line">
+            <a:avLst/>
+          </a:prstGeom>
+          <a:ln w="38100"/>
+        </p:spPr>
+        <p:style>
+          <a:lnRef idx="2">
+            <a:schemeClr val="dk1"/>
+          </a:lnRef>
+          <a:fillRef idx="0">
+            <a:schemeClr val="dk1"/>
+          </a:fillRef>
+          <a:effectRef idx="1">
+            <a:schemeClr val="dk1"/>
+          </a:effectRef>
+          <a:fontRef idx="minor">
+            <a:schemeClr val="tx1"/>
+          </a:fontRef>
+        </p:style>
+      </p:cxnSp>
+      <p:cxnSp>
+        <p:nvCxnSpPr>
+          <p:cNvPr id="13" name="Straight Connector 12">
+            <a:extLst>
+              <a:ext uri="{FF2B5EF4-FFF2-40B4-BE49-F238E27FC236}">
+                <a16:creationId xmlns:a16="http://schemas.microsoft.com/office/drawing/2014/main" id="{0D883CB6-C5A4-75F5-508C-DF2BF91DF85A}"/>
+              </a:ext>
+            </a:extLst>
+          </p:cNvPr>
+          <p:cNvCxnSpPr>
+            <a:cxnSpLocks/>
+          </p:cNvCxnSpPr>
+          <p:nvPr/>
+        </p:nvCxnSpPr>
+        <p:spPr>
+          <a:xfrm>
+            <a:off x="7163870" y="3699131"/>
+            <a:ext cx="839639" cy="7051"/>
+          </a:xfrm>
+          <a:prstGeom prst="line">
+            <a:avLst/>
+          </a:prstGeom>
+          <a:ln w="38100"/>
+        </p:spPr>
+        <p:style>
+          <a:lnRef idx="2">
+            <a:schemeClr val="dk1"/>
+          </a:lnRef>
+          <a:fillRef idx="0">
+            <a:schemeClr val="dk1"/>
+          </a:fillRef>
+          <a:effectRef idx="1">
+            <a:schemeClr val="dk1"/>
+          </a:effectRef>
+          <a:fontRef idx="minor">
+            <a:schemeClr val="tx1"/>
+          </a:fontRef>
+        </p:style>
+      </p:cxnSp>
+      <p:cxnSp>
+        <p:nvCxnSpPr>
+          <p:cNvPr id="14" name="Straight Arrow Connector 13">
+            <a:extLst>
+              <a:ext uri="{FF2B5EF4-FFF2-40B4-BE49-F238E27FC236}">
+                <a16:creationId xmlns:a16="http://schemas.microsoft.com/office/drawing/2014/main" id="{00E49A69-A157-9674-B3A7-6C9F84491D0C}"/>
+              </a:ext>
+            </a:extLst>
+          </p:cNvPr>
+          <p:cNvCxnSpPr>
+            <a:cxnSpLocks/>
+          </p:cNvCxnSpPr>
+          <p:nvPr/>
+        </p:nvCxnSpPr>
+        <p:spPr>
+          <a:xfrm>
+            <a:off x="8079251" y="3671888"/>
+            <a:ext cx="777240" cy="0"/>
+          </a:xfrm>
+          <a:prstGeom prst="straightConnector1">
+            <a:avLst/>
+          </a:prstGeom>
+          <a:ln w="53975">
+            <a:solidFill>
+              <a:schemeClr val="accent4"/>
+            </a:solidFill>
+            <a:tailEnd type="triangle"/>
+          </a:ln>
+        </p:spPr>
+        <p:style>
+          <a:lnRef idx="2">
+            <a:schemeClr val="accent1"/>
+          </a:lnRef>
+          <a:fillRef idx="0">
+            <a:schemeClr val="accent1"/>
+          </a:fillRef>
+          <a:effectRef idx="1">
+            <a:schemeClr val="accent1"/>
+          </a:effectRef>
+          <a:fontRef idx="minor">
+            <a:schemeClr val="tx1"/>
+          </a:fontRef>
+        </p:style>
+      </p:cxnSp>
+      <p:sp>
+        <p:nvSpPr>
+          <p:cNvPr id="15" name="TextBox 14">
+            <a:extLst>
+              <a:ext uri="{FF2B5EF4-FFF2-40B4-BE49-F238E27FC236}">
+                <a16:creationId xmlns:a16="http://schemas.microsoft.com/office/drawing/2014/main" id="{B802D038-A719-845D-3A65-E35183AFBB72}"/>
+              </a:ext>
+            </a:extLst>
+          </p:cNvPr>
+          <p:cNvSpPr txBox="1"/>
+          <p:nvPr/>
+        </p:nvSpPr>
+        <p:spPr>
+          <a:xfrm>
+            <a:off x="6688336" y="2092275"/>
+            <a:ext cx="286223" cy="369332"/>
+          </a:xfrm>
+          <a:prstGeom prst="rect">
+            <a:avLst/>
+          </a:prstGeom>
+          <a:noFill/>
+        </p:spPr>
+        <p:txBody>
+          <a:bodyPr wrap="square" rtlCol="0">
+            <a:spAutoFit/>
+          </a:bodyPr>
+          <a:lstStyle/>
+          <a:p>
+            <a:pPr algn="ctr"/>
+            <a:r>
+              <a:rPr lang="en-US" b="1" dirty="0"/>
+              <a:t>8</a:t>
+            </a:r>
+            <a:endParaRPr lang="en-IL" b="1" dirty="0"/>
+          </a:p>
+        </p:txBody>
+      </p:sp>
+      <p:sp>
+        <p:nvSpPr>
+          <p:cNvPr id="16" name="TextBox 15">
+            <a:extLst>
+              <a:ext uri="{FF2B5EF4-FFF2-40B4-BE49-F238E27FC236}">
+                <a16:creationId xmlns:a16="http://schemas.microsoft.com/office/drawing/2014/main" id="{215F053D-CA5F-4858-5175-09EE51BDC6DE}"/>
+              </a:ext>
+            </a:extLst>
+          </p:cNvPr>
+          <p:cNvSpPr txBox="1"/>
+          <p:nvPr/>
+        </p:nvSpPr>
+        <p:spPr>
+          <a:xfrm>
+            <a:off x="6688336" y="2915270"/>
+            <a:ext cx="286223" cy="369332"/>
+          </a:xfrm>
+          <a:prstGeom prst="rect">
+            <a:avLst/>
+          </a:prstGeom>
+          <a:noFill/>
+        </p:spPr>
+        <p:txBody>
+          <a:bodyPr wrap="square" rtlCol="0">
+            <a:spAutoFit/>
+          </a:bodyPr>
+          <a:lstStyle/>
+          <a:p>
+            <a:pPr algn="ctr"/>
+            <a:r>
+              <a:rPr lang="en-US" b="1" dirty="0"/>
+              <a:t>8</a:t>
+            </a:r>
+            <a:endParaRPr lang="en-IL" b="1" dirty="0"/>
+          </a:p>
+        </p:txBody>
+      </p:sp>
+      <p:sp>
+        <p:nvSpPr>
+          <p:cNvPr id="17" name="TextBox 16">
+            <a:extLst>
+              <a:ext uri="{FF2B5EF4-FFF2-40B4-BE49-F238E27FC236}">
+                <a16:creationId xmlns:a16="http://schemas.microsoft.com/office/drawing/2014/main" id="{F27DB16D-54A0-E9F7-9392-0E17414345C3}"/>
+              </a:ext>
+            </a:extLst>
+          </p:cNvPr>
+          <p:cNvSpPr txBox="1"/>
+          <p:nvPr/>
+        </p:nvSpPr>
+        <p:spPr>
+          <a:xfrm>
+            <a:off x="6688336" y="3772529"/>
+            <a:ext cx="286223" cy="369332"/>
+          </a:xfrm>
+          <a:prstGeom prst="rect">
+            <a:avLst/>
+          </a:prstGeom>
+          <a:noFill/>
+        </p:spPr>
+        <p:txBody>
+          <a:bodyPr wrap="square" rtlCol="0">
+            <a:spAutoFit/>
+          </a:bodyPr>
+          <a:lstStyle/>
+          <a:p>
+            <a:pPr algn="ctr"/>
+            <a:r>
+              <a:rPr lang="en-US" b="1" dirty="0"/>
+              <a:t>8</a:t>
+            </a:r>
+            <a:endParaRPr lang="en-IL" b="1" dirty="0"/>
+          </a:p>
+        </p:txBody>
+      </p:sp>
+      <p:sp>
+        <p:nvSpPr>
+          <p:cNvPr id="18" name="TextBox 17">
+            <a:extLst>
+              <a:ext uri="{FF2B5EF4-FFF2-40B4-BE49-F238E27FC236}">
+                <a16:creationId xmlns:a16="http://schemas.microsoft.com/office/drawing/2014/main" id="{EAA4CC02-C9FA-8561-3DB9-C14CA3390038}"/>
+              </a:ext>
+            </a:extLst>
+          </p:cNvPr>
+          <p:cNvSpPr txBox="1"/>
+          <p:nvPr/>
+        </p:nvSpPr>
+        <p:spPr>
+          <a:xfrm>
+            <a:off x="6688336" y="4601584"/>
+            <a:ext cx="286223" cy="369332"/>
+          </a:xfrm>
+          <a:prstGeom prst="rect">
+            <a:avLst/>
+          </a:prstGeom>
+          <a:noFill/>
+        </p:spPr>
+        <p:txBody>
+          <a:bodyPr wrap="square" rtlCol="0">
+            <a:spAutoFit/>
+          </a:bodyPr>
+          <a:lstStyle/>
+          <a:p>
+            <a:pPr algn="ctr"/>
+            <a:r>
+              <a:rPr lang="en-US" b="1" dirty="0"/>
+              <a:t>8</a:t>
+            </a:r>
+            <a:endParaRPr lang="en-IL" b="1" dirty="0"/>
+          </a:p>
+        </p:txBody>
+      </p:sp>
+      <p:sp>
+        <p:nvSpPr>
+          <p:cNvPr id="19" name="TextBox 18">
+            <a:extLst>
+              <a:ext uri="{FF2B5EF4-FFF2-40B4-BE49-F238E27FC236}">
+                <a16:creationId xmlns:a16="http://schemas.microsoft.com/office/drawing/2014/main" id="{18B327F6-796C-3DA6-8076-293135F5DACF}"/>
+              </a:ext>
+            </a:extLst>
+          </p:cNvPr>
+          <p:cNvSpPr txBox="1"/>
+          <p:nvPr/>
+        </p:nvSpPr>
+        <p:spPr>
+          <a:xfrm>
+            <a:off x="7280076" y="3378714"/>
+            <a:ext cx="475535" cy="369332"/>
+          </a:xfrm>
+          <a:prstGeom prst="rect">
+            <a:avLst/>
+          </a:prstGeom>
+          <a:noFill/>
+        </p:spPr>
+        <p:txBody>
+          <a:bodyPr wrap="square" rtlCol="0">
+            <a:spAutoFit/>
+          </a:bodyPr>
+          <a:lstStyle/>
+          <a:p>
+            <a:pPr algn="ctr"/>
+            <a:r>
+              <a:rPr lang="en-US" b="1" dirty="0"/>
+              <a:t>32</a:t>
+            </a:r>
+            <a:endParaRPr lang="en-IL" b="1" dirty="0"/>
+          </a:p>
+        </p:txBody>
+      </p:sp>
+      <p:cxnSp>
+        <p:nvCxnSpPr>
+          <p:cNvPr id="20" name="Straight Connector 19">
+            <a:extLst>
+              <a:ext uri="{FF2B5EF4-FFF2-40B4-BE49-F238E27FC236}">
+                <a16:creationId xmlns:a16="http://schemas.microsoft.com/office/drawing/2014/main" id="{5B65D80A-134F-EA9F-F8B3-B9FF02DEAA65}"/>
+              </a:ext>
+            </a:extLst>
+          </p:cNvPr>
+          <p:cNvCxnSpPr>
+            <a:cxnSpLocks/>
+          </p:cNvCxnSpPr>
+          <p:nvPr/>
+        </p:nvCxnSpPr>
+        <p:spPr>
+          <a:xfrm flipV="1">
+            <a:off x="5038003" y="2184084"/>
+            <a:ext cx="664845" cy="1"/>
+          </a:xfrm>
+          <a:prstGeom prst="line">
+            <a:avLst/>
+          </a:prstGeom>
+          <a:ln w="38100">
+            <a:solidFill>
+              <a:srgbClr val="00B0F0"/>
+            </a:solidFill>
+          </a:ln>
+        </p:spPr>
+        <p:style>
+          <a:lnRef idx="2">
+            <a:schemeClr val="dk1"/>
+          </a:lnRef>
+          <a:fillRef idx="0">
+            <a:schemeClr val="dk1"/>
+          </a:fillRef>
+          <a:effectRef idx="1">
+            <a:schemeClr val="dk1"/>
+          </a:effectRef>
+          <a:fontRef idx="minor">
+            <a:schemeClr val="tx1"/>
+          </a:fontRef>
+        </p:style>
+      </p:cxnSp>
+      <p:cxnSp>
+        <p:nvCxnSpPr>
+          <p:cNvPr id="21" name="Straight Connector 20">
+            <a:extLst>
+              <a:ext uri="{FF2B5EF4-FFF2-40B4-BE49-F238E27FC236}">
+                <a16:creationId xmlns:a16="http://schemas.microsoft.com/office/drawing/2014/main" id="{A4875EFA-0EC7-99AD-2778-BE9F22491204}"/>
+              </a:ext>
+            </a:extLst>
+          </p:cNvPr>
+          <p:cNvCxnSpPr>
+            <a:cxnSpLocks/>
+          </p:cNvCxnSpPr>
+          <p:nvPr/>
+        </p:nvCxnSpPr>
+        <p:spPr>
+          <a:xfrm flipV="1">
+            <a:off x="5038002" y="3013140"/>
+            <a:ext cx="664845" cy="1"/>
+          </a:xfrm>
+          <a:prstGeom prst="line">
+            <a:avLst/>
+          </a:prstGeom>
+          <a:ln w="38100">
+            <a:solidFill>
+              <a:srgbClr val="00B0F0"/>
+            </a:solidFill>
+          </a:ln>
+        </p:spPr>
+        <p:style>
+          <a:lnRef idx="2">
+            <a:schemeClr val="dk1"/>
+          </a:lnRef>
+          <a:fillRef idx="0">
+            <a:schemeClr val="dk1"/>
+          </a:fillRef>
+          <a:effectRef idx="1">
+            <a:schemeClr val="dk1"/>
+          </a:effectRef>
+          <a:fontRef idx="minor">
+            <a:schemeClr val="tx1"/>
+          </a:fontRef>
+        </p:style>
+      </p:cxnSp>
+      <p:cxnSp>
+        <p:nvCxnSpPr>
+          <p:cNvPr id="22" name="Straight Connector 21">
+            <a:extLst>
+              <a:ext uri="{FF2B5EF4-FFF2-40B4-BE49-F238E27FC236}">
+                <a16:creationId xmlns:a16="http://schemas.microsoft.com/office/drawing/2014/main" id="{3876C47D-F1E8-AA06-3AC6-2C2667624397}"/>
+              </a:ext>
+            </a:extLst>
+          </p:cNvPr>
+          <p:cNvCxnSpPr>
+            <a:cxnSpLocks/>
+          </p:cNvCxnSpPr>
+          <p:nvPr/>
+        </p:nvCxnSpPr>
+        <p:spPr>
+          <a:xfrm flipV="1">
+            <a:off x="5038002" y="3842196"/>
+            <a:ext cx="664845" cy="1"/>
+          </a:xfrm>
+          <a:prstGeom prst="line">
+            <a:avLst/>
+          </a:prstGeom>
+          <a:ln w="38100">
+            <a:solidFill>
+              <a:srgbClr val="00B0F0"/>
+            </a:solidFill>
+          </a:ln>
+        </p:spPr>
+        <p:style>
+          <a:lnRef idx="2">
+            <a:schemeClr val="dk1"/>
+          </a:lnRef>
+          <a:fillRef idx="0">
+            <a:schemeClr val="dk1"/>
+          </a:fillRef>
+          <a:effectRef idx="1">
+            <a:schemeClr val="dk1"/>
+          </a:effectRef>
+          <a:fontRef idx="minor">
+            <a:schemeClr val="tx1"/>
+          </a:fontRef>
+        </p:style>
+      </p:cxnSp>
+      <p:cxnSp>
+        <p:nvCxnSpPr>
+          <p:cNvPr id="23" name="Straight Connector 22">
+            <a:extLst>
+              <a:ext uri="{FF2B5EF4-FFF2-40B4-BE49-F238E27FC236}">
+                <a16:creationId xmlns:a16="http://schemas.microsoft.com/office/drawing/2014/main" id="{6BD0435C-D32A-6FF6-D980-DEC50B4AF127}"/>
+              </a:ext>
+            </a:extLst>
+          </p:cNvPr>
+          <p:cNvCxnSpPr>
+            <a:cxnSpLocks/>
+          </p:cNvCxnSpPr>
+          <p:nvPr/>
+        </p:nvCxnSpPr>
+        <p:spPr>
+          <a:xfrm flipV="1">
+            <a:off x="5038002" y="4671252"/>
+            <a:ext cx="664845" cy="1"/>
+          </a:xfrm>
+          <a:prstGeom prst="line">
+            <a:avLst/>
+          </a:prstGeom>
+          <a:ln w="38100">
+            <a:solidFill>
+              <a:srgbClr val="00B0F0"/>
+            </a:solidFill>
+          </a:ln>
+        </p:spPr>
+        <p:style>
+          <a:lnRef idx="2">
+            <a:schemeClr val="dk1"/>
+          </a:lnRef>
+          <a:fillRef idx="0">
+            <a:schemeClr val="dk1"/>
+          </a:fillRef>
+          <a:effectRef idx="1">
+            <a:schemeClr val="dk1"/>
+          </a:effectRef>
+          <a:fontRef idx="minor">
+            <a:schemeClr val="tx1"/>
+          </a:fontRef>
+        </p:style>
+      </p:cxnSp>
+      <p:cxnSp>
+        <p:nvCxnSpPr>
+          <p:cNvPr id="24" name="Straight Connector 23">
+            <a:extLst>
+              <a:ext uri="{FF2B5EF4-FFF2-40B4-BE49-F238E27FC236}">
+                <a16:creationId xmlns:a16="http://schemas.microsoft.com/office/drawing/2014/main" id="{BE02E0D6-8D4E-7BF1-7949-E6066714EF60}"/>
+              </a:ext>
+            </a:extLst>
+          </p:cNvPr>
+          <p:cNvCxnSpPr>
+            <a:cxnSpLocks/>
+          </p:cNvCxnSpPr>
+          <p:nvPr/>
+        </p:nvCxnSpPr>
+        <p:spPr>
+          <a:xfrm>
+            <a:off x="4641440" y="2727009"/>
+            <a:ext cx="1068971" cy="0"/>
+          </a:xfrm>
+          <a:prstGeom prst="line">
+            <a:avLst/>
+          </a:prstGeom>
+          <a:ln w="38100">
+            <a:solidFill>
+              <a:schemeClr val="accent2"/>
+            </a:solidFill>
+          </a:ln>
+        </p:spPr>
+        <p:style>
+          <a:lnRef idx="2">
+            <a:schemeClr val="dk1"/>
+          </a:lnRef>
+          <a:fillRef idx="0">
+            <a:schemeClr val="dk1"/>
+          </a:fillRef>
+          <a:effectRef idx="1">
+            <a:schemeClr val="dk1"/>
+          </a:effectRef>
+          <a:fontRef idx="minor">
+            <a:schemeClr val="tx1"/>
+          </a:fontRef>
+        </p:style>
+      </p:cxnSp>
+      <p:cxnSp>
+        <p:nvCxnSpPr>
+          <p:cNvPr id="25" name="Straight Connector 24">
+            <a:extLst>
+              <a:ext uri="{FF2B5EF4-FFF2-40B4-BE49-F238E27FC236}">
+                <a16:creationId xmlns:a16="http://schemas.microsoft.com/office/drawing/2014/main" id="{D249C5DF-1184-4447-267F-28F6A85A6595}"/>
+              </a:ext>
+            </a:extLst>
+          </p:cNvPr>
+          <p:cNvCxnSpPr>
+            <a:cxnSpLocks/>
+          </p:cNvCxnSpPr>
+          <p:nvPr/>
+        </p:nvCxnSpPr>
+        <p:spPr>
+          <a:xfrm>
+            <a:off x="4620016" y="3556065"/>
+            <a:ext cx="1090394" cy="0"/>
+          </a:xfrm>
+          <a:prstGeom prst="line">
+            <a:avLst/>
+          </a:prstGeom>
+          <a:ln w="38100">
+            <a:solidFill>
+              <a:schemeClr val="accent2"/>
+            </a:solidFill>
+          </a:ln>
+        </p:spPr>
+        <p:style>
+          <a:lnRef idx="2">
+            <a:schemeClr val="dk1"/>
+          </a:lnRef>
+          <a:fillRef idx="0">
+            <a:schemeClr val="dk1"/>
+          </a:fillRef>
+          <a:effectRef idx="1">
+            <a:schemeClr val="dk1"/>
+          </a:effectRef>
+          <a:fontRef idx="minor">
+            <a:schemeClr val="tx1"/>
+          </a:fontRef>
+        </p:style>
+      </p:cxnSp>
+      <p:cxnSp>
+        <p:nvCxnSpPr>
+          <p:cNvPr id="26" name="Straight Connector 25">
+            <a:extLst>
+              <a:ext uri="{FF2B5EF4-FFF2-40B4-BE49-F238E27FC236}">
+                <a16:creationId xmlns:a16="http://schemas.microsoft.com/office/drawing/2014/main" id="{43B1745D-8C22-B66F-06B1-1F563CAD745D}"/>
+              </a:ext>
+            </a:extLst>
+          </p:cNvPr>
+          <p:cNvCxnSpPr>
+            <a:cxnSpLocks/>
+          </p:cNvCxnSpPr>
+          <p:nvPr/>
+        </p:nvCxnSpPr>
+        <p:spPr>
+          <a:xfrm>
+            <a:off x="4641440" y="4385121"/>
+            <a:ext cx="1068970" cy="0"/>
+          </a:xfrm>
+          <a:prstGeom prst="line">
+            <a:avLst/>
+          </a:prstGeom>
+          <a:ln w="38100">
+            <a:solidFill>
+              <a:schemeClr val="accent2"/>
+            </a:solidFill>
+          </a:ln>
+        </p:spPr>
+        <p:style>
+          <a:lnRef idx="2">
+            <a:schemeClr val="dk1"/>
+          </a:lnRef>
+          <a:fillRef idx="0">
+            <a:schemeClr val="dk1"/>
+          </a:fillRef>
+          <a:effectRef idx="1">
+            <a:schemeClr val="dk1"/>
+          </a:effectRef>
+          <a:fontRef idx="minor">
+            <a:schemeClr val="tx1"/>
+          </a:fontRef>
+        </p:style>
+      </p:cxnSp>
+      <p:cxnSp>
+        <p:nvCxnSpPr>
+          <p:cNvPr id="27" name="Straight Connector 26">
+            <a:extLst>
+              <a:ext uri="{FF2B5EF4-FFF2-40B4-BE49-F238E27FC236}">
+                <a16:creationId xmlns:a16="http://schemas.microsoft.com/office/drawing/2014/main" id="{00FC229F-162A-C87D-11C8-69C9894171D4}"/>
+              </a:ext>
+            </a:extLst>
+          </p:cNvPr>
+          <p:cNvCxnSpPr>
+            <a:cxnSpLocks/>
+          </p:cNvCxnSpPr>
+          <p:nvPr/>
+        </p:nvCxnSpPr>
+        <p:spPr>
+          <a:xfrm>
+            <a:off x="4620016" y="5214177"/>
+            <a:ext cx="1090394" cy="0"/>
+          </a:xfrm>
+          <a:prstGeom prst="line">
+            <a:avLst/>
+          </a:prstGeom>
+          <a:ln w="38100">
+            <a:solidFill>
+              <a:schemeClr val="accent2"/>
+            </a:solidFill>
+          </a:ln>
+        </p:spPr>
+        <p:style>
+          <a:lnRef idx="2">
+            <a:schemeClr val="dk1"/>
+          </a:lnRef>
+          <a:fillRef idx="0">
+            <a:schemeClr val="dk1"/>
+          </a:fillRef>
+          <a:effectRef idx="1">
+            <a:schemeClr val="dk1"/>
+          </a:effectRef>
+          <a:fontRef idx="minor">
+            <a:schemeClr val="tx1"/>
+          </a:fontRef>
+        </p:style>
+      </p:cxnSp>
+      <p:cxnSp>
+        <p:nvCxnSpPr>
+          <p:cNvPr id="28" name="Straight Connector 27">
+            <a:extLst>
+              <a:ext uri="{FF2B5EF4-FFF2-40B4-BE49-F238E27FC236}">
+                <a16:creationId xmlns:a16="http://schemas.microsoft.com/office/drawing/2014/main" id="{CA16B268-04EA-6BA3-5C30-2231AAF24BE5}"/>
+              </a:ext>
+            </a:extLst>
+          </p:cNvPr>
+          <p:cNvCxnSpPr>
+            <a:cxnSpLocks/>
+          </p:cNvCxnSpPr>
+          <p:nvPr/>
+        </p:nvCxnSpPr>
+        <p:spPr>
+          <a:xfrm>
+            <a:off x="4647477" y="1827041"/>
+            <a:ext cx="0" cy="3387136"/>
+          </a:xfrm>
+          <a:prstGeom prst="line">
+            <a:avLst/>
+          </a:prstGeom>
+          <a:ln w="38100">
+            <a:solidFill>
+              <a:schemeClr val="accent2"/>
+            </a:solidFill>
+          </a:ln>
+        </p:spPr>
+        <p:style>
+          <a:lnRef idx="2">
+            <a:schemeClr val="dk1"/>
+          </a:lnRef>
+          <a:fillRef idx="0">
+            <a:schemeClr val="dk1"/>
+          </a:fillRef>
+          <a:effectRef idx="1">
+            <a:schemeClr val="dk1"/>
+          </a:effectRef>
+          <a:fontRef idx="minor">
+            <a:schemeClr val="tx1"/>
+          </a:fontRef>
+        </p:style>
+      </p:cxnSp>
+      <p:cxnSp>
+        <p:nvCxnSpPr>
+          <p:cNvPr id="29" name="Straight Connector 28">
+            <a:extLst>
+              <a:ext uri="{FF2B5EF4-FFF2-40B4-BE49-F238E27FC236}">
+                <a16:creationId xmlns:a16="http://schemas.microsoft.com/office/drawing/2014/main" id="{02CCD79A-E3E2-FB0E-B1D2-E7D79F98E322}"/>
+              </a:ext>
+            </a:extLst>
+          </p:cNvPr>
+          <p:cNvCxnSpPr>
+            <a:cxnSpLocks/>
+          </p:cNvCxnSpPr>
+          <p:nvPr/>
+        </p:nvCxnSpPr>
+        <p:spPr>
+          <a:xfrm flipV="1">
+            <a:off x="5053132" y="2184084"/>
+            <a:ext cx="0" cy="3697720"/>
+          </a:xfrm>
+          <a:prstGeom prst="line">
+            <a:avLst/>
+          </a:prstGeom>
+          <a:ln w="38100">
+            <a:solidFill>
+              <a:srgbClr val="00B0F0"/>
+            </a:solidFill>
+          </a:ln>
+        </p:spPr>
+        <p:style>
+          <a:lnRef idx="2">
+            <a:schemeClr val="dk1"/>
+          </a:lnRef>
+          <a:fillRef idx="0">
+            <a:schemeClr val="dk1"/>
+          </a:fillRef>
+          <a:effectRef idx="1">
+            <a:schemeClr val="dk1"/>
+          </a:effectRef>
+          <a:fontRef idx="minor">
+            <a:schemeClr val="tx1"/>
+          </a:fontRef>
+        </p:style>
+      </p:cxnSp>
+      <p:sp>
+        <p:nvSpPr>
+          <p:cNvPr id="30" name="TextBox 29">
+            <a:extLst>
+              <a:ext uri="{FF2B5EF4-FFF2-40B4-BE49-F238E27FC236}">
+                <a16:creationId xmlns:a16="http://schemas.microsoft.com/office/drawing/2014/main" id="{3AEC2187-B62F-5D22-4F1D-3B96AB385ECA}"/>
+              </a:ext>
+            </a:extLst>
+          </p:cNvPr>
+          <p:cNvSpPr txBox="1"/>
+          <p:nvPr/>
+        </p:nvSpPr>
+        <p:spPr>
+          <a:xfrm>
+            <a:off x="3862625" y="5867802"/>
+            <a:ext cx="2381013" cy="369332"/>
+          </a:xfrm>
+          <a:prstGeom prst="rect">
+            <a:avLst/>
+          </a:prstGeom>
+          <a:noFill/>
+        </p:spPr>
+        <p:txBody>
+          <a:bodyPr wrap="square" rtlCol="0">
+            <a:spAutoFit/>
+          </a:bodyPr>
+          <a:lstStyle/>
+          <a:p>
+            <a:pPr algn="ctr"/>
+            <a:r>
+              <a:rPr lang="en-US" b="1" dirty="0"/>
+              <a:t>Write/Read Address</a:t>
+            </a:r>
+            <a:endParaRPr lang="en-IL" b="1" dirty="0"/>
+          </a:p>
+        </p:txBody>
+      </p:sp>
+      <p:sp>
+        <p:nvSpPr>
+          <p:cNvPr id="31" name="TextBox 30">
+            <a:extLst>
+              <a:ext uri="{FF2B5EF4-FFF2-40B4-BE49-F238E27FC236}">
+                <a16:creationId xmlns:a16="http://schemas.microsoft.com/office/drawing/2014/main" id="{E7C8487E-B1B6-CB8A-03CA-9041574E88E8}"/>
+              </a:ext>
+            </a:extLst>
+          </p:cNvPr>
+          <p:cNvSpPr txBox="1"/>
+          <p:nvPr/>
+        </p:nvSpPr>
+        <p:spPr>
+          <a:xfrm>
+            <a:off x="3736607" y="1543290"/>
+            <a:ext cx="2196980" cy="369332"/>
+          </a:xfrm>
+          <a:prstGeom prst="rect">
+            <a:avLst/>
+          </a:prstGeom>
+          <a:noFill/>
+        </p:spPr>
+        <p:txBody>
+          <a:bodyPr wrap="square" rtlCol="0">
+            <a:spAutoFit/>
+          </a:bodyPr>
+          <a:lstStyle/>
+          <a:p>
+            <a:pPr algn="ctr"/>
+            <a:r>
+              <a:rPr lang="en-US" b="1" dirty="0"/>
+              <a:t>Write/Read Logic</a:t>
+            </a:r>
+            <a:endParaRPr lang="en-IL" b="1" dirty="0"/>
+          </a:p>
+        </p:txBody>
+      </p:sp>
+      <p:sp>
+        <p:nvSpPr>
+          <p:cNvPr id="32" name="Rectangle 31">
+            <a:extLst>
+              <a:ext uri="{FF2B5EF4-FFF2-40B4-BE49-F238E27FC236}">
+                <a16:creationId xmlns:a16="http://schemas.microsoft.com/office/drawing/2014/main" id="{26F9F7F1-5A4B-6453-DEDD-27F5B1AB371D}"/>
+              </a:ext>
+            </a:extLst>
+          </p:cNvPr>
+          <p:cNvSpPr/>
+          <p:nvPr/>
+        </p:nvSpPr>
+        <p:spPr>
+          <a:xfrm>
+            <a:off x="10188105" y="2228354"/>
+            <a:ext cx="781050" cy="542925"/>
+          </a:xfrm>
+          <a:prstGeom prst="rect">
+            <a:avLst/>
+          </a:prstGeom>
+          <a:ln w="60325">
+            <a:solidFill>
+              <a:srgbClr val="00B050"/>
+            </a:solidFill>
+          </a:ln>
+        </p:spPr>
+        <p:style>
+          <a:lnRef idx="2">
+            <a:schemeClr val="dk1"/>
+          </a:lnRef>
+          <a:fillRef idx="1">
+            <a:schemeClr val="lt1"/>
+          </a:fillRef>
+          <a:effectRef idx="0">
+            <a:schemeClr val="dk1"/>
+          </a:effectRef>
+          <a:fontRef idx="minor">
+            <a:schemeClr val="dk1"/>
+          </a:fontRef>
+        </p:style>
+        <p:txBody>
+          <a:bodyPr rtlCol="0" anchor="ctr"/>
+          <a:lstStyle/>
+          <a:p>
+            <a:pPr algn="ctr"/>
+            <a:endParaRPr lang="en-IL"/>
+          </a:p>
+        </p:txBody>
+      </p:sp>
+      <p:sp>
+        <p:nvSpPr>
+          <p:cNvPr id="33" name="Rectangle 32">
+            <a:extLst>
+              <a:ext uri="{FF2B5EF4-FFF2-40B4-BE49-F238E27FC236}">
+                <a16:creationId xmlns:a16="http://schemas.microsoft.com/office/drawing/2014/main" id="{EBDF14CA-54E8-02B6-48C9-9A9FD77AFEED}"/>
+              </a:ext>
+            </a:extLst>
+          </p:cNvPr>
+          <p:cNvSpPr/>
+          <p:nvPr/>
+        </p:nvSpPr>
+        <p:spPr>
+          <a:xfrm>
+            <a:off x="10188105" y="3057410"/>
+            <a:ext cx="781050" cy="542925"/>
+          </a:xfrm>
+          <a:prstGeom prst="rect">
+            <a:avLst/>
+          </a:prstGeom>
+          <a:ln w="60325">
+            <a:solidFill>
+              <a:srgbClr val="00B050"/>
+            </a:solidFill>
+          </a:ln>
+        </p:spPr>
+        <p:style>
+          <a:lnRef idx="2">
+            <a:schemeClr val="dk1"/>
+          </a:lnRef>
+          <a:fillRef idx="1">
+            <a:schemeClr val="lt1"/>
+          </a:fillRef>
+          <a:effectRef idx="0">
+            <a:schemeClr val="dk1"/>
+          </a:effectRef>
+          <a:fontRef idx="minor">
+            <a:schemeClr val="dk1"/>
+          </a:fontRef>
+        </p:style>
+        <p:txBody>
+          <a:bodyPr rtlCol="0" anchor="ctr"/>
+          <a:lstStyle/>
+          <a:p>
+            <a:pPr algn="ctr"/>
+            <a:endParaRPr lang="en-IL"/>
+          </a:p>
+        </p:txBody>
+      </p:sp>
+      <p:sp>
+        <p:nvSpPr>
+          <p:cNvPr id="34" name="Rectangle 33">
+            <a:extLst>
+              <a:ext uri="{FF2B5EF4-FFF2-40B4-BE49-F238E27FC236}">
+                <a16:creationId xmlns:a16="http://schemas.microsoft.com/office/drawing/2014/main" id="{9B804AF6-EC68-6642-4CAB-905597B86C1A}"/>
+              </a:ext>
+            </a:extLst>
+          </p:cNvPr>
+          <p:cNvSpPr/>
+          <p:nvPr/>
+        </p:nvSpPr>
+        <p:spPr>
+          <a:xfrm>
+            <a:off x="10188105" y="3886466"/>
+            <a:ext cx="781050" cy="542925"/>
+          </a:xfrm>
+          <a:prstGeom prst="rect">
+            <a:avLst/>
+          </a:prstGeom>
+          <a:ln w="60325">
+            <a:solidFill>
+              <a:srgbClr val="00B050"/>
+            </a:solidFill>
+          </a:ln>
+        </p:spPr>
+        <p:style>
+          <a:lnRef idx="2">
+            <a:schemeClr val="dk1"/>
+          </a:lnRef>
+          <a:fillRef idx="1">
+            <a:schemeClr val="lt1"/>
+          </a:fillRef>
+          <a:effectRef idx="0">
+            <a:schemeClr val="dk1"/>
+          </a:effectRef>
+          <a:fontRef idx="minor">
+            <a:schemeClr val="dk1"/>
+          </a:fontRef>
+        </p:style>
+        <p:txBody>
+          <a:bodyPr rtlCol="0" anchor="ctr"/>
+          <a:lstStyle/>
+          <a:p>
+            <a:pPr algn="ctr"/>
+            <a:endParaRPr lang="en-IL"/>
+          </a:p>
+        </p:txBody>
+      </p:sp>
+      <p:sp>
+        <p:nvSpPr>
+          <p:cNvPr id="35" name="Rectangle 34">
+            <a:extLst>
+              <a:ext uri="{FF2B5EF4-FFF2-40B4-BE49-F238E27FC236}">
+                <a16:creationId xmlns:a16="http://schemas.microsoft.com/office/drawing/2014/main" id="{890A7F4F-87FA-6A3E-6F0C-48EFEAAE82B5}"/>
+              </a:ext>
+            </a:extLst>
+          </p:cNvPr>
+          <p:cNvSpPr/>
+          <p:nvPr/>
+        </p:nvSpPr>
+        <p:spPr>
+          <a:xfrm>
+            <a:off x="10188105" y="4715522"/>
+            <a:ext cx="781050" cy="542925"/>
+          </a:xfrm>
+          <a:prstGeom prst="rect">
+            <a:avLst/>
+          </a:prstGeom>
+          <a:ln w="60325">
+            <a:solidFill>
+              <a:srgbClr val="00B050"/>
+            </a:solidFill>
+          </a:ln>
+        </p:spPr>
+        <p:style>
+          <a:lnRef idx="2">
+            <a:schemeClr val="dk1"/>
+          </a:lnRef>
+          <a:fillRef idx="1">
+            <a:schemeClr val="lt1"/>
+          </a:fillRef>
+          <a:effectRef idx="0">
+            <a:schemeClr val="dk1"/>
+          </a:effectRef>
+          <a:fontRef idx="minor">
+            <a:schemeClr val="dk1"/>
+          </a:fontRef>
+        </p:style>
+        <p:txBody>
+          <a:bodyPr rtlCol="0" anchor="ctr"/>
+          <a:lstStyle/>
+          <a:p>
+            <a:pPr algn="ctr"/>
+            <a:endParaRPr lang="en-IL"/>
+          </a:p>
+        </p:txBody>
+      </p:sp>
+      <p:cxnSp>
+        <p:nvCxnSpPr>
+          <p:cNvPr id="36" name="Straight Connector 35">
+            <a:extLst>
+              <a:ext uri="{FF2B5EF4-FFF2-40B4-BE49-F238E27FC236}">
+                <a16:creationId xmlns:a16="http://schemas.microsoft.com/office/drawing/2014/main" id="{70EE3750-AD2E-4718-DE2B-81803A5D6C5F}"/>
+              </a:ext>
+            </a:extLst>
+          </p:cNvPr>
+          <p:cNvCxnSpPr>
+            <a:stCxn id="32" idx="3"/>
+          </p:cNvCxnSpPr>
+          <p:nvPr/>
+        </p:nvCxnSpPr>
+        <p:spPr>
+          <a:xfrm flipV="1">
+            <a:off x="10969155" y="2499816"/>
+            <a:ext cx="664845" cy="1"/>
+          </a:xfrm>
+          <a:prstGeom prst="line">
+            <a:avLst/>
+          </a:prstGeom>
+          <a:ln w="34925"/>
+        </p:spPr>
+        <p:style>
+          <a:lnRef idx="2">
+            <a:schemeClr val="dk1"/>
+          </a:lnRef>
+          <a:fillRef idx="0">
+            <a:schemeClr val="dk1"/>
+          </a:fillRef>
+          <a:effectRef idx="1">
+            <a:schemeClr val="dk1"/>
+          </a:effectRef>
+          <a:fontRef idx="minor">
+            <a:schemeClr val="tx1"/>
+          </a:fontRef>
+        </p:style>
+      </p:cxnSp>
+      <p:cxnSp>
+        <p:nvCxnSpPr>
+          <p:cNvPr id="37" name="Straight Connector 36">
+            <a:extLst>
+              <a:ext uri="{FF2B5EF4-FFF2-40B4-BE49-F238E27FC236}">
+                <a16:creationId xmlns:a16="http://schemas.microsoft.com/office/drawing/2014/main" id="{85B9C0CD-4162-CF0F-A6F7-9C6A621D546D}"/>
+              </a:ext>
+            </a:extLst>
+          </p:cNvPr>
+          <p:cNvCxnSpPr>
+            <a:cxnSpLocks/>
+          </p:cNvCxnSpPr>
+          <p:nvPr/>
+        </p:nvCxnSpPr>
+        <p:spPr>
+          <a:xfrm flipV="1">
+            <a:off x="10969154" y="3328872"/>
+            <a:ext cx="664845" cy="1"/>
+          </a:xfrm>
+          <a:prstGeom prst="line">
+            <a:avLst/>
+          </a:prstGeom>
+          <a:ln w="38100"/>
+        </p:spPr>
+        <p:style>
+          <a:lnRef idx="2">
+            <a:schemeClr val="dk1"/>
+          </a:lnRef>
+          <a:fillRef idx="0">
+            <a:schemeClr val="dk1"/>
+          </a:fillRef>
+          <a:effectRef idx="1">
+            <a:schemeClr val="dk1"/>
+          </a:effectRef>
+          <a:fontRef idx="minor">
+            <a:schemeClr val="tx1"/>
+          </a:fontRef>
+        </p:style>
+      </p:cxnSp>
+      <p:cxnSp>
+        <p:nvCxnSpPr>
+          <p:cNvPr id="38" name="Straight Connector 37">
+            <a:extLst>
+              <a:ext uri="{FF2B5EF4-FFF2-40B4-BE49-F238E27FC236}">
+                <a16:creationId xmlns:a16="http://schemas.microsoft.com/office/drawing/2014/main" id="{C6826F0D-FE2A-E3AC-74E3-B6067546B299}"/>
+              </a:ext>
+            </a:extLst>
+          </p:cNvPr>
+          <p:cNvCxnSpPr>
+            <a:cxnSpLocks/>
+          </p:cNvCxnSpPr>
+          <p:nvPr/>
+        </p:nvCxnSpPr>
+        <p:spPr>
+          <a:xfrm flipV="1">
+            <a:off x="10969154" y="4157928"/>
+            <a:ext cx="664845" cy="1"/>
+          </a:xfrm>
+          <a:prstGeom prst="line">
+            <a:avLst/>
+          </a:prstGeom>
+          <a:ln w="38100"/>
+        </p:spPr>
+        <p:style>
+          <a:lnRef idx="2">
+            <a:schemeClr val="dk1"/>
+          </a:lnRef>
+          <a:fillRef idx="0">
+            <a:schemeClr val="dk1"/>
+          </a:fillRef>
+          <a:effectRef idx="1">
+            <a:schemeClr val="dk1"/>
+          </a:effectRef>
+          <a:fontRef idx="minor">
+            <a:schemeClr val="tx1"/>
+          </a:fontRef>
+        </p:style>
+      </p:cxnSp>
+      <p:cxnSp>
+        <p:nvCxnSpPr>
+          <p:cNvPr id="39" name="Straight Connector 38">
+            <a:extLst>
+              <a:ext uri="{FF2B5EF4-FFF2-40B4-BE49-F238E27FC236}">
+                <a16:creationId xmlns:a16="http://schemas.microsoft.com/office/drawing/2014/main" id="{A8BD2990-588F-7AC6-54D2-B8700E1D0B85}"/>
+              </a:ext>
+            </a:extLst>
+          </p:cNvPr>
+          <p:cNvCxnSpPr>
+            <a:cxnSpLocks/>
+          </p:cNvCxnSpPr>
+          <p:nvPr/>
+        </p:nvCxnSpPr>
+        <p:spPr>
+          <a:xfrm flipV="1">
+            <a:off x="10969154" y="4986984"/>
+            <a:ext cx="664845" cy="1"/>
+          </a:xfrm>
+          <a:prstGeom prst="line">
+            <a:avLst/>
+          </a:prstGeom>
+          <a:ln w="38100"/>
+        </p:spPr>
+        <p:style>
+          <a:lnRef idx="2">
+            <a:schemeClr val="dk1"/>
+          </a:lnRef>
+          <a:fillRef idx="0">
+            <a:schemeClr val="dk1"/>
+          </a:fillRef>
+          <a:effectRef idx="1">
+            <a:schemeClr val="dk1"/>
+          </a:effectRef>
+          <a:fontRef idx="minor">
+            <a:schemeClr val="tx1"/>
+          </a:fontRef>
+        </p:style>
+      </p:cxnSp>
+      <p:cxnSp>
+        <p:nvCxnSpPr>
+          <p:cNvPr id="40" name="Straight Connector 39">
+            <a:extLst>
+              <a:ext uri="{FF2B5EF4-FFF2-40B4-BE49-F238E27FC236}">
+                <a16:creationId xmlns:a16="http://schemas.microsoft.com/office/drawing/2014/main" id="{E5D0F7E6-ED56-8DAB-D02F-BB4D52388BDD}"/>
+              </a:ext>
+            </a:extLst>
+          </p:cNvPr>
+          <p:cNvCxnSpPr>
+            <a:cxnSpLocks/>
+          </p:cNvCxnSpPr>
+          <p:nvPr/>
+        </p:nvCxnSpPr>
+        <p:spPr>
+          <a:xfrm>
+            <a:off x="11633999" y="2499816"/>
+            <a:ext cx="0" cy="2487168"/>
+          </a:xfrm>
+          <a:prstGeom prst="line">
+            <a:avLst/>
+          </a:prstGeom>
+          <a:ln w="38100"/>
+        </p:spPr>
+        <p:style>
+          <a:lnRef idx="2">
+            <a:schemeClr val="dk1"/>
+          </a:lnRef>
+          <a:fillRef idx="0">
+            <a:schemeClr val="dk1"/>
+          </a:fillRef>
+          <a:effectRef idx="1">
+            <a:schemeClr val="dk1"/>
+          </a:effectRef>
+          <a:fontRef idx="minor">
+            <a:schemeClr val="tx1"/>
+          </a:fontRef>
+        </p:style>
+      </p:cxnSp>
+      <p:cxnSp>
+        <p:nvCxnSpPr>
+          <p:cNvPr id="41" name="Straight Connector 40">
+            <a:extLst>
+              <a:ext uri="{FF2B5EF4-FFF2-40B4-BE49-F238E27FC236}">
+                <a16:creationId xmlns:a16="http://schemas.microsoft.com/office/drawing/2014/main" id="{190432A8-96F3-4A0F-2ED1-0904936C54F1}"/>
+              </a:ext>
+            </a:extLst>
+          </p:cNvPr>
+          <p:cNvCxnSpPr>
+            <a:cxnSpLocks/>
+          </p:cNvCxnSpPr>
+          <p:nvPr/>
+        </p:nvCxnSpPr>
+        <p:spPr>
+          <a:xfrm>
+            <a:off x="11633998" y="3761246"/>
+            <a:ext cx="487681" cy="0"/>
+          </a:xfrm>
+          <a:prstGeom prst="line">
+            <a:avLst/>
+          </a:prstGeom>
+          <a:ln w="38100"/>
+        </p:spPr>
+        <p:style>
+          <a:lnRef idx="2">
+            <a:schemeClr val="dk1"/>
+          </a:lnRef>
+          <a:fillRef idx="0">
+            <a:schemeClr val="dk1"/>
+          </a:fillRef>
+          <a:effectRef idx="1">
+            <a:schemeClr val="dk1"/>
+          </a:effectRef>
+          <a:fontRef idx="minor">
+            <a:schemeClr val="tx1"/>
+          </a:fontRef>
+        </p:style>
+      </p:cxnSp>
+      <p:sp>
+        <p:nvSpPr>
+          <p:cNvPr id="42" name="TextBox 41">
+            <a:extLst>
+              <a:ext uri="{FF2B5EF4-FFF2-40B4-BE49-F238E27FC236}">
+                <a16:creationId xmlns:a16="http://schemas.microsoft.com/office/drawing/2014/main" id="{9308292C-67DB-B961-EE22-3A30B183A372}"/>
+              </a:ext>
+            </a:extLst>
+          </p:cNvPr>
+          <p:cNvSpPr txBox="1"/>
+          <p:nvPr/>
+        </p:nvSpPr>
+        <p:spPr>
+          <a:xfrm>
+            <a:off x="11158465" y="2136545"/>
+            <a:ext cx="286223" cy="369332"/>
+          </a:xfrm>
+          <a:prstGeom prst="rect">
+            <a:avLst/>
+          </a:prstGeom>
+          <a:noFill/>
+        </p:spPr>
+        <p:txBody>
+          <a:bodyPr wrap="square" rtlCol="0">
+            <a:spAutoFit/>
+          </a:bodyPr>
+          <a:lstStyle/>
+          <a:p>
+            <a:pPr algn="ctr"/>
+            <a:r>
+              <a:rPr lang="en-US" b="1" dirty="0"/>
+              <a:t>8</a:t>
+            </a:r>
+            <a:endParaRPr lang="en-IL" b="1" dirty="0"/>
+          </a:p>
+        </p:txBody>
+      </p:sp>
+      <p:sp>
+        <p:nvSpPr>
+          <p:cNvPr id="43" name="TextBox 42">
+            <a:extLst>
+              <a:ext uri="{FF2B5EF4-FFF2-40B4-BE49-F238E27FC236}">
+                <a16:creationId xmlns:a16="http://schemas.microsoft.com/office/drawing/2014/main" id="{DF5F2F1B-2CCC-D20D-6DD0-10C39E05B273}"/>
+              </a:ext>
+            </a:extLst>
+          </p:cNvPr>
+          <p:cNvSpPr txBox="1"/>
+          <p:nvPr/>
+        </p:nvSpPr>
+        <p:spPr>
+          <a:xfrm>
+            <a:off x="11158465" y="2959540"/>
+            <a:ext cx="286223" cy="369332"/>
+          </a:xfrm>
+          <a:prstGeom prst="rect">
+            <a:avLst/>
+          </a:prstGeom>
+          <a:noFill/>
+        </p:spPr>
+        <p:txBody>
+          <a:bodyPr wrap="square" rtlCol="0">
+            <a:spAutoFit/>
+          </a:bodyPr>
+          <a:lstStyle/>
+          <a:p>
+            <a:pPr algn="ctr"/>
+            <a:r>
+              <a:rPr lang="en-US" b="1" dirty="0"/>
+              <a:t>8</a:t>
+            </a:r>
+            <a:endParaRPr lang="en-IL" b="1" dirty="0"/>
+          </a:p>
+        </p:txBody>
+      </p:sp>
+      <p:sp>
+        <p:nvSpPr>
+          <p:cNvPr id="44" name="TextBox 43">
+            <a:extLst>
+              <a:ext uri="{FF2B5EF4-FFF2-40B4-BE49-F238E27FC236}">
+                <a16:creationId xmlns:a16="http://schemas.microsoft.com/office/drawing/2014/main" id="{9B384D20-C328-2B4E-7AB2-48A357EB37B0}"/>
+              </a:ext>
+            </a:extLst>
+          </p:cNvPr>
+          <p:cNvSpPr txBox="1"/>
+          <p:nvPr/>
+        </p:nvSpPr>
+        <p:spPr>
+          <a:xfrm>
+            <a:off x="11158465" y="3816799"/>
+            <a:ext cx="286223" cy="369332"/>
+          </a:xfrm>
+          <a:prstGeom prst="rect">
+            <a:avLst/>
+          </a:prstGeom>
+          <a:noFill/>
+        </p:spPr>
+        <p:txBody>
+          <a:bodyPr wrap="square" rtlCol="0">
+            <a:spAutoFit/>
+          </a:bodyPr>
+          <a:lstStyle/>
+          <a:p>
+            <a:pPr algn="ctr"/>
+            <a:r>
+              <a:rPr lang="en-US" b="1" dirty="0"/>
+              <a:t>8</a:t>
+            </a:r>
+            <a:endParaRPr lang="en-IL" b="1" dirty="0"/>
+          </a:p>
+        </p:txBody>
+      </p:sp>
+      <p:sp>
+        <p:nvSpPr>
+          <p:cNvPr id="45" name="TextBox 44">
+            <a:extLst>
+              <a:ext uri="{FF2B5EF4-FFF2-40B4-BE49-F238E27FC236}">
+                <a16:creationId xmlns:a16="http://schemas.microsoft.com/office/drawing/2014/main" id="{B9635747-C86F-A63F-D40C-F8F5E1D6616E}"/>
+              </a:ext>
+            </a:extLst>
+          </p:cNvPr>
+          <p:cNvSpPr txBox="1"/>
+          <p:nvPr/>
+        </p:nvSpPr>
+        <p:spPr>
+          <a:xfrm>
+            <a:off x="11158465" y="4645854"/>
+            <a:ext cx="286223" cy="369332"/>
+          </a:xfrm>
+          <a:prstGeom prst="rect">
+            <a:avLst/>
+          </a:prstGeom>
+          <a:noFill/>
+        </p:spPr>
+        <p:txBody>
+          <a:bodyPr wrap="square" rtlCol="0">
+            <a:spAutoFit/>
+          </a:bodyPr>
+          <a:lstStyle/>
+          <a:p>
+            <a:pPr algn="ctr"/>
+            <a:r>
+              <a:rPr lang="en-US" b="1" dirty="0"/>
+              <a:t>8</a:t>
+            </a:r>
+            <a:endParaRPr lang="en-IL" b="1" dirty="0"/>
+          </a:p>
+        </p:txBody>
+      </p:sp>
+      <p:sp>
+        <p:nvSpPr>
+          <p:cNvPr id="46" name="TextBox 45">
+            <a:extLst>
+              <a:ext uri="{FF2B5EF4-FFF2-40B4-BE49-F238E27FC236}">
+                <a16:creationId xmlns:a16="http://schemas.microsoft.com/office/drawing/2014/main" id="{6C2C1B97-0E0D-28C3-EDC4-5B90EA4E4BF6}"/>
+              </a:ext>
+            </a:extLst>
+          </p:cNvPr>
+          <p:cNvSpPr txBox="1"/>
+          <p:nvPr/>
+        </p:nvSpPr>
+        <p:spPr>
+          <a:xfrm>
+            <a:off x="11633998" y="3429179"/>
+            <a:ext cx="475535" cy="369332"/>
+          </a:xfrm>
+          <a:prstGeom prst="rect">
+            <a:avLst/>
+          </a:prstGeom>
+          <a:noFill/>
+        </p:spPr>
+        <p:txBody>
+          <a:bodyPr wrap="square" rtlCol="0">
+            <a:spAutoFit/>
+          </a:bodyPr>
+          <a:lstStyle/>
+          <a:p>
+            <a:pPr algn="ctr"/>
+            <a:r>
+              <a:rPr lang="en-US" b="1" dirty="0"/>
+              <a:t>32</a:t>
+            </a:r>
+            <a:endParaRPr lang="en-IL" b="1" dirty="0"/>
+          </a:p>
+        </p:txBody>
+      </p:sp>
+      <p:cxnSp>
+        <p:nvCxnSpPr>
+          <p:cNvPr id="47" name="Straight Connector 46">
+            <a:extLst>
+              <a:ext uri="{FF2B5EF4-FFF2-40B4-BE49-F238E27FC236}">
+                <a16:creationId xmlns:a16="http://schemas.microsoft.com/office/drawing/2014/main" id="{C2952083-EAB5-4857-0675-74F4E13DCD2E}"/>
+              </a:ext>
+            </a:extLst>
+          </p:cNvPr>
+          <p:cNvCxnSpPr>
+            <a:cxnSpLocks/>
+          </p:cNvCxnSpPr>
+          <p:nvPr/>
+        </p:nvCxnSpPr>
+        <p:spPr>
+          <a:xfrm flipV="1">
+            <a:off x="9508132" y="2228354"/>
+            <a:ext cx="664845" cy="1"/>
+          </a:xfrm>
+          <a:prstGeom prst="line">
+            <a:avLst/>
+          </a:prstGeom>
+          <a:ln w="38100">
+            <a:solidFill>
+              <a:srgbClr val="00B0F0"/>
+            </a:solidFill>
+          </a:ln>
+        </p:spPr>
+        <p:style>
+          <a:lnRef idx="2">
+            <a:schemeClr val="dk1"/>
+          </a:lnRef>
+          <a:fillRef idx="0">
+            <a:schemeClr val="dk1"/>
+          </a:fillRef>
+          <a:effectRef idx="1">
+            <a:schemeClr val="dk1"/>
+          </a:effectRef>
+          <a:fontRef idx="minor">
+            <a:schemeClr val="tx1"/>
+          </a:fontRef>
+        </p:style>
+      </p:cxnSp>
+      <p:cxnSp>
+        <p:nvCxnSpPr>
+          <p:cNvPr id="48" name="Straight Connector 47">
+            <a:extLst>
+              <a:ext uri="{FF2B5EF4-FFF2-40B4-BE49-F238E27FC236}">
+                <a16:creationId xmlns:a16="http://schemas.microsoft.com/office/drawing/2014/main" id="{12E4CDB9-F048-7B97-C92C-FD5805A4852B}"/>
+              </a:ext>
+            </a:extLst>
+          </p:cNvPr>
+          <p:cNvCxnSpPr>
+            <a:cxnSpLocks/>
+          </p:cNvCxnSpPr>
+          <p:nvPr/>
+        </p:nvCxnSpPr>
+        <p:spPr>
+          <a:xfrm flipV="1">
+            <a:off x="9508131" y="3057410"/>
+            <a:ext cx="664845" cy="1"/>
+          </a:xfrm>
+          <a:prstGeom prst="line">
+            <a:avLst/>
+          </a:prstGeom>
+          <a:ln w="38100">
+            <a:solidFill>
+              <a:srgbClr val="00B0F0"/>
+            </a:solidFill>
+          </a:ln>
+        </p:spPr>
+        <p:style>
+          <a:lnRef idx="2">
+            <a:schemeClr val="dk1"/>
+          </a:lnRef>
+          <a:fillRef idx="0">
+            <a:schemeClr val="dk1"/>
+          </a:fillRef>
+          <a:effectRef idx="1">
+            <a:schemeClr val="dk1"/>
+          </a:effectRef>
+          <a:fontRef idx="minor">
+            <a:schemeClr val="tx1"/>
+          </a:fontRef>
+        </p:style>
+      </p:cxnSp>
+      <p:cxnSp>
+        <p:nvCxnSpPr>
+          <p:cNvPr id="49" name="Straight Connector 48">
+            <a:extLst>
+              <a:ext uri="{FF2B5EF4-FFF2-40B4-BE49-F238E27FC236}">
+                <a16:creationId xmlns:a16="http://schemas.microsoft.com/office/drawing/2014/main" id="{8E08D432-28A1-4B6C-0F66-99DAC7D99D75}"/>
+              </a:ext>
+            </a:extLst>
+          </p:cNvPr>
+          <p:cNvCxnSpPr>
+            <a:cxnSpLocks/>
+          </p:cNvCxnSpPr>
+          <p:nvPr/>
+        </p:nvCxnSpPr>
+        <p:spPr>
+          <a:xfrm flipV="1">
+            <a:off x="9508131" y="3886466"/>
+            <a:ext cx="664845" cy="1"/>
+          </a:xfrm>
+          <a:prstGeom prst="line">
+            <a:avLst/>
+          </a:prstGeom>
+          <a:ln w="38100">
+            <a:solidFill>
+              <a:srgbClr val="00B0F0"/>
+            </a:solidFill>
+          </a:ln>
+        </p:spPr>
+        <p:style>
+          <a:lnRef idx="2">
+            <a:schemeClr val="dk1"/>
+          </a:lnRef>
+          <a:fillRef idx="0">
+            <a:schemeClr val="dk1"/>
+          </a:fillRef>
+          <a:effectRef idx="1">
+            <a:schemeClr val="dk1"/>
+          </a:effectRef>
+          <a:fontRef idx="minor">
+            <a:schemeClr val="tx1"/>
+          </a:fontRef>
+        </p:style>
+      </p:cxnSp>
+      <p:cxnSp>
+        <p:nvCxnSpPr>
+          <p:cNvPr id="50" name="Straight Connector 49">
+            <a:extLst>
+              <a:ext uri="{FF2B5EF4-FFF2-40B4-BE49-F238E27FC236}">
+                <a16:creationId xmlns:a16="http://schemas.microsoft.com/office/drawing/2014/main" id="{D8B9B223-B203-CE0F-30B9-4C5176519ADE}"/>
+              </a:ext>
+            </a:extLst>
+          </p:cNvPr>
+          <p:cNvCxnSpPr>
+            <a:cxnSpLocks/>
+          </p:cNvCxnSpPr>
+          <p:nvPr/>
+        </p:nvCxnSpPr>
+        <p:spPr>
+          <a:xfrm flipV="1">
+            <a:off x="9508131" y="4715522"/>
+            <a:ext cx="664845" cy="1"/>
+          </a:xfrm>
+          <a:prstGeom prst="line">
+            <a:avLst/>
+          </a:prstGeom>
+          <a:ln w="38100">
+            <a:solidFill>
+              <a:srgbClr val="00B0F0"/>
+            </a:solidFill>
+          </a:ln>
+        </p:spPr>
+        <p:style>
+          <a:lnRef idx="2">
+            <a:schemeClr val="dk1"/>
+          </a:lnRef>
+          <a:fillRef idx="0">
+            <a:schemeClr val="dk1"/>
+          </a:fillRef>
+          <a:effectRef idx="1">
+            <a:schemeClr val="dk1"/>
+          </a:effectRef>
+          <a:fontRef idx="minor">
+            <a:schemeClr val="tx1"/>
+          </a:fontRef>
+        </p:style>
+      </p:cxnSp>
+      <p:cxnSp>
+        <p:nvCxnSpPr>
+          <p:cNvPr id="51" name="Straight Connector 50">
+            <a:extLst>
+              <a:ext uri="{FF2B5EF4-FFF2-40B4-BE49-F238E27FC236}">
+                <a16:creationId xmlns:a16="http://schemas.microsoft.com/office/drawing/2014/main" id="{ED4F0986-06FB-A2C8-4BF9-EAA8FF454879}"/>
+              </a:ext>
+            </a:extLst>
+          </p:cNvPr>
+          <p:cNvCxnSpPr>
+            <a:cxnSpLocks/>
+          </p:cNvCxnSpPr>
+          <p:nvPr/>
+        </p:nvCxnSpPr>
+        <p:spPr>
+          <a:xfrm>
+            <a:off x="9111569" y="2771279"/>
+            <a:ext cx="1068971" cy="0"/>
+          </a:xfrm>
+          <a:prstGeom prst="line">
+            <a:avLst/>
+          </a:prstGeom>
+          <a:ln w="38100">
+            <a:solidFill>
+              <a:schemeClr val="accent2"/>
+            </a:solidFill>
+          </a:ln>
+        </p:spPr>
+        <p:style>
+          <a:lnRef idx="2">
+            <a:schemeClr val="dk1"/>
+          </a:lnRef>
+          <a:fillRef idx="0">
+            <a:schemeClr val="dk1"/>
+          </a:fillRef>
+          <a:effectRef idx="1">
+            <a:schemeClr val="dk1"/>
+          </a:effectRef>
+          <a:fontRef idx="minor">
+            <a:schemeClr val="tx1"/>
+          </a:fontRef>
+        </p:style>
+      </p:cxnSp>
+      <p:cxnSp>
+        <p:nvCxnSpPr>
+          <p:cNvPr id="52" name="Straight Connector 51">
+            <a:extLst>
+              <a:ext uri="{FF2B5EF4-FFF2-40B4-BE49-F238E27FC236}">
+                <a16:creationId xmlns:a16="http://schemas.microsoft.com/office/drawing/2014/main" id="{8AB7EF8B-C076-1712-3082-79115AB84FFC}"/>
+              </a:ext>
+            </a:extLst>
+          </p:cNvPr>
+          <p:cNvCxnSpPr>
+            <a:cxnSpLocks/>
+          </p:cNvCxnSpPr>
+          <p:nvPr/>
+        </p:nvCxnSpPr>
+        <p:spPr>
+          <a:xfrm>
+            <a:off x="9090145" y="3600335"/>
+            <a:ext cx="1090394" cy="0"/>
+          </a:xfrm>
+          <a:prstGeom prst="line">
+            <a:avLst/>
+          </a:prstGeom>
+          <a:ln w="38100">
+            <a:solidFill>
+              <a:schemeClr val="accent2"/>
+            </a:solidFill>
+          </a:ln>
+        </p:spPr>
+        <p:style>
+          <a:lnRef idx="2">
+            <a:schemeClr val="dk1"/>
+          </a:lnRef>
+          <a:fillRef idx="0">
+            <a:schemeClr val="dk1"/>
+          </a:fillRef>
+          <a:effectRef idx="1">
+            <a:schemeClr val="dk1"/>
+          </a:effectRef>
+          <a:fontRef idx="minor">
+            <a:schemeClr val="tx1"/>
+          </a:fontRef>
+        </p:style>
+      </p:cxnSp>
+      <p:cxnSp>
+        <p:nvCxnSpPr>
+          <p:cNvPr id="53" name="Straight Connector 52">
+            <a:extLst>
+              <a:ext uri="{FF2B5EF4-FFF2-40B4-BE49-F238E27FC236}">
+                <a16:creationId xmlns:a16="http://schemas.microsoft.com/office/drawing/2014/main" id="{E30FC069-D4CD-CDA4-6FF3-062E8BC0D59E}"/>
+              </a:ext>
+            </a:extLst>
+          </p:cNvPr>
+          <p:cNvCxnSpPr>
+            <a:cxnSpLocks/>
+          </p:cNvCxnSpPr>
+          <p:nvPr/>
+        </p:nvCxnSpPr>
+        <p:spPr>
+          <a:xfrm>
+            <a:off x="9111569" y="4429391"/>
+            <a:ext cx="1068970" cy="0"/>
+          </a:xfrm>
+          <a:prstGeom prst="line">
+            <a:avLst/>
+          </a:prstGeom>
+          <a:ln w="38100">
+            <a:solidFill>
+              <a:schemeClr val="accent2"/>
+            </a:solidFill>
+          </a:ln>
+        </p:spPr>
+        <p:style>
+          <a:lnRef idx="2">
+            <a:schemeClr val="dk1"/>
+          </a:lnRef>
+          <a:fillRef idx="0">
+            <a:schemeClr val="dk1"/>
+          </a:fillRef>
+          <a:effectRef idx="1">
+            <a:schemeClr val="dk1"/>
+          </a:effectRef>
+          <a:fontRef idx="minor">
+            <a:schemeClr val="tx1"/>
+          </a:fontRef>
+        </p:style>
+      </p:cxnSp>
+      <p:cxnSp>
+        <p:nvCxnSpPr>
+          <p:cNvPr id="54" name="Straight Connector 53">
+            <a:extLst>
+              <a:ext uri="{FF2B5EF4-FFF2-40B4-BE49-F238E27FC236}">
+                <a16:creationId xmlns:a16="http://schemas.microsoft.com/office/drawing/2014/main" id="{09BB36E6-F256-EBAB-960E-5D09B8A9D902}"/>
+              </a:ext>
+            </a:extLst>
+          </p:cNvPr>
+          <p:cNvCxnSpPr>
+            <a:cxnSpLocks/>
+          </p:cNvCxnSpPr>
+          <p:nvPr/>
+        </p:nvCxnSpPr>
+        <p:spPr>
+          <a:xfrm>
+            <a:off x="9090145" y="5258447"/>
+            <a:ext cx="1090394" cy="0"/>
+          </a:xfrm>
+          <a:prstGeom prst="line">
+            <a:avLst/>
+          </a:prstGeom>
+          <a:ln w="38100">
+            <a:solidFill>
+              <a:schemeClr val="accent2"/>
+            </a:solidFill>
+          </a:ln>
+        </p:spPr>
+        <p:style>
+          <a:lnRef idx="2">
+            <a:schemeClr val="dk1"/>
+          </a:lnRef>
+          <a:fillRef idx="0">
+            <a:schemeClr val="dk1"/>
+          </a:fillRef>
+          <a:effectRef idx="1">
+            <a:schemeClr val="dk1"/>
+          </a:effectRef>
+          <a:fontRef idx="minor">
+            <a:schemeClr val="tx1"/>
+          </a:fontRef>
+        </p:style>
+      </p:cxnSp>
+      <p:cxnSp>
+        <p:nvCxnSpPr>
+          <p:cNvPr id="55" name="Straight Connector 54">
+            <a:extLst>
+              <a:ext uri="{FF2B5EF4-FFF2-40B4-BE49-F238E27FC236}">
+                <a16:creationId xmlns:a16="http://schemas.microsoft.com/office/drawing/2014/main" id="{7E8BABE3-203C-6AB8-E659-BEA8D66BE923}"/>
+              </a:ext>
+            </a:extLst>
+          </p:cNvPr>
+          <p:cNvCxnSpPr>
+            <a:cxnSpLocks/>
+          </p:cNvCxnSpPr>
+          <p:nvPr/>
+        </p:nvCxnSpPr>
+        <p:spPr>
+          <a:xfrm>
+            <a:off x="9117606" y="1871311"/>
+            <a:ext cx="0" cy="3387136"/>
+          </a:xfrm>
+          <a:prstGeom prst="line">
+            <a:avLst/>
+          </a:prstGeom>
+          <a:ln w="38100">
+            <a:solidFill>
+              <a:schemeClr val="accent2"/>
+            </a:solidFill>
+          </a:ln>
+        </p:spPr>
+        <p:style>
+          <a:lnRef idx="2">
+            <a:schemeClr val="dk1"/>
+          </a:lnRef>
+          <a:fillRef idx="0">
+            <a:schemeClr val="dk1"/>
+          </a:fillRef>
+          <a:effectRef idx="1">
+            <a:schemeClr val="dk1"/>
+          </a:effectRef>
+          <a:fontRef idx="minor">
+            <a:schemeClr val="tx1"/>
+          </a:fontRef>
+        </p:style>
+      </p:cxnSp>
+      <p:cxnSp>
+        <p:nvCxnSpPr>
+          <p:cNvPr id="56" name="Straight Connector 55">
+            <a:extLst>
+              <a:ext uri="{FF2B5EF4-FFF2-40B4-BE49-F238E27FC236}">
+                <a16:creationId xmlns:a16="http://schemas.microsoft.com/office/drawing/2014/main" id="{73C6F46F-6495-F3D9-B86C-0AFC67BDC6F8}"/>
+              </a:ext>
+            </a:extLst>
+          </p:cNvPr>
+          <p:cNvCxnSpPr>
+            <a:cxnSpLocks/>
+            <a:stCxn id="59" idx="0"/>
+          </p:cNvCxnSpPr>
+          <p:nvPr/>
+        </p:nvCxnSpPr>
+        <p:spPr>
+          <a:xfrm flipH="1" flipV="1">
+            <a:off x="9523261" y="2228354"/>
+            <a:ext cx="11075" cy="3338607"/>
+          </a:xfrm>
+          <a:prstGeom prst="line">
+            <a:avLst/>
+          </a:prstGeom>
+          <a:ln w="38100">
+            <a:solidFill>
+              <a:srgbClr val="00B0F0"/>
+            </a:solidFill>
+          </a:ln>
+        </p:spPr>
+        <p:style>
+          <a:lnRef idx="2">
+            <a:schemeClr val="dk1"/>
+          </a:lnRef>
+          <a:fillRef idx="0">
+            <a:schemeClr val="dk1"/>
+          </a:fillRef>
+          <a:effectRef idx="1">
+            <a:schemeClr val="dk1"/>
+          </a:effectRef>
+          <a:fontRef idx="minor">
+            <a:schemeClr val="tx1"/>
+          </a:fontRef>
+        </p:style>
+      </p:cxnSp>
+      <p:sp>
+        <p:nvSpPr>
+          <p:cNvPr id="57" name="TextBox 56">
+            <a:extLst>
+              <a:ext uri="{FF2B5EF4-FFF2-40B4-BE49-F238E27FC236}">
+                <a16:creationId xmlns:a16="http://schemas.microsoft.com/office/drawing/2014/main" id="{C51092C2-59C4-1A09-4FEB-374BD04E24C5}"/>
+              </a:ext>
+            </a:extLst>
+          </p:cNvPr>
+          <p:cNvSpPr txBox="1"/>
+          <p:nvPr/>
+        </p:nvSpPr>
+        <p:spPr>
+          <a:xfrm>
+            <a:off x="7352585" y="6009956"/>
+            <a:ext cx="1503906" cy="646331"/>
+          </a:xfrm>
+          <a:prstGeom prst="rect">
+            <a:avLst/>
+          </a:prstGeom>
+          <a:noFill/>
+        </p:spPr>
+        <p:txBody>
+          <a:bodyPr wrap="square" rtlCol="0">
+            <a:spAutoFit/>
+          </a:bodyPr>
+          <a:lstStyle/>
+          <a:p>
+            <a:pPr algn="ctr"/>
+            <a:r>
+              <a:rPr lang="en-US" b="1" dirty="0"/>
+              <a:t>Write/Read Address</a:t>
+            </a:r>
+            <a:endParaRPr lang="en-IL" b="1" dirty="0"/>
+          </a:p>
+        </p:txBody>
+      </p:sp>
+      <p:sp>
+        <p:nvSpPr>
+          <p:cNvPr id="58" name="TextBox 57">
+            <a:extLst>
+              <a:ext uri="{FF2B5EF4-FFF2-40B4-BE49-F238E27FC236}">
+                <a16:creationId xmlns:a16="http://schemas.microsoft.com/office/drawing/2014/main" id="{B5FB5B0F-843C-C574-9D0A-EC73026AD3DF}"/>
+              </a:ext>
+            </a:extLst>
+          </p:cNvPr>
+          <p:cNvSpPr txBox="1"/>
+          <p:nvPr/>
+        </p:nvSpPr>
+        <p:spPr>
+          <a:xfrm>
+            <a:off x="8206736" y="1587560"/>
+            <a:ext cx="2196980" cy="369332"/>
+          </a:xfrm>
+          <a:prstGeom prst="rect">
+            <a:avLst/>
+          </a:prstGeom>
+          <a:noFill/>
+        </p:spPr>
+        <p:txBody>
+          <a:bodyPr wrap="square" rtlCol="0">
+            <a:spAutoFit/>
+          </a:bodyPr>
+          <a:lstStyle/>
+          <a:p>
+            <a:pPr algn="ctr"/>
+            <a:r>
+              <a:rPr lang="en-US" b="1" dirty="0"/>
+              <a:t>Write/Read control</a:t>
+            </a:r>
+            <a:endParaRPr lang="en-IL" b="1" dirty="0"/>
+          </a:p>
+        </p:txBody>
+      </p:sp>
+      <p:sp>
+        <p:nvSpPr>
+          <p:cNvPr id="59" name="Rectangle 58">
+            <a:extLst>
+              <a:ext uri="{FF2B5EF4-FFF2-40B4-BE49-F238E27FC236}">
+                <a16:creationId xmlns:a16="http://schemas.microsoft.com/office/drawing/2014/main" id="{060F33E2-6E01-8BAB-2254-2849148E5E28}"/>
+              </a:ext>
+            </a:extLst>
+          </p:cNvPr>
+          <p:cNvSpPr/>
+          <p:nvPr/>
+        </p:nvSpPr>
+        <p:spPr>
+          <a:xfrm>
+            <a:off x="8782384" y="5566961"/>
+            <a:ext cx="1503904" cy="802134"/>
+          </a:xfrm>
+          <a:prstGeom prst="rect">
+            <a:avLst/>
+          </a:prstGeom>
+          <a:ln w="60325">
+            <a:solidFill>
+              <a:srgbClr val="00B050"/>
+            </a:solidFill>
+          </a:ln>
+        </p:spPr>
+        <p:style>
+          <a:lnRef idx="2">
+            <a:schemeClr val="dk1"/>
+          </a:lnRef>
+          <a:fillRef idx="1">
+            <a:schemeClr val="lt1"/>
+          </a:fillRef>
+          <a:effectRef idx="0">
+            <a:schemeClr val="dk1"/>
+          </a:effectRef>
+          <a:fontRef idx="minor">
+            <a:schemeClr val="dk1"/>
+          </a:fontRef>
+        </p:style>
+        <p:txBody>
+          <a:bodyPr rtlCol="0" anchor="ctr"/>
+          <a:lstStyle/>
+          <a:p>
+            <a:pPr algn="ctr"/>
+            <a:endParaRPr lang="en-IL" dirty="0"/>
+          </a:p>
+        </p:txBody>
+      </p:sp>
+      <p:cxnSp>
+        <p:nvCxnSpPr>
+          <p:cNvPr id="60" name="Straight Connector 59">
+            <a:extLst>
+              <a:ext uri="{FF2B5EF4-FFF2-40B4-BE49-F238E27FC236}">
+                <a16:creationId xmlns:a16="http://schemas.microsoft.com/office/drawing/2014/main" id="{9772FB9A-1CB1-FB84-F4D4-2DF386876C59}"/>
+              </a:ext>
+            </a:extLst>
+          </p:cNvPr>
+          <p:cNvCxnSpPr>
+            <a:cxnSpLocks/>
+            <a:endCxn id="61" idx="1"/>
+          </p:cNvCxnSpPr>
+          <p:nvPr/>
+        </p:nvCxnSpPr>
+        <p:spPr>
+          <a:xfrm>
+            <a:off x="7600483" y="6009956"/>
+            <a:ext cx="1181901" cy="1"/>
+          </a:xfrm>
+          <a:prstGeom prst="line">
+            <a:avLst/>
+          </a:prstGeom>
+          <a:ln w="38100">
+            <a:solidFill>
+              <a:schemeClr val="accent2"/>
+            </a:solidFill>
+          </a:ln>
+        </p:spPr>
+        <p:style>
+          <a:lnRef idx="2">
+            <a:schemeClr val="dk1"/>
+          </a:lnRef>
+          <a:fillRef idx="0">
+            <a:schemeClr val="dk1"/>
+          </a:fillRef>
+          <a:effectRef idx="1">
+            <a:schemeClr val="dk1"/>
+          </a:effectRef>
+          <a:fontRef idx="minor">
+            <a:schemeClr val="tx1"/>
+          </a:fontRef>
+        </p:style>
+      </p:cxnSp>
+      <p:sp>
+        <p:nvSpPr>
+          <p:cNvPr id="61" name="TextBox 60">
+            <a:extLst>
+              <a:ext uri="{FF2B5EF4-FFF2-40B4-BE49-F238E27FC236}">
+                <a16:creationId xmlns:a16="http://schemas.microsoft.com/office/drawing/2014/main" id="{5042BAB1-5E1D-B46A-4EB8-D24C266AE2F8}"/>
+              </a:ext>
+            </a:extLst>
+          </p:cNvPr>
+          <p:cNvSpPr txBox="1"/>
+          <p:nvPr/>
+        </p:nvSpPr>
+        <p:spPr>
+          <a:xfrm>
+            <a:off x="8782384" y="5686791"/>
+            <a:ext cx="1503906" cy="646331"/>
+          </a:xfrm>
+          <a:prstGeom prst="rect">
+            <a:avLst/>
+          </a:prstGeom>
+          <a:noFill/>
+        </p:spPr>
+        <p:txBody>
+          <a:bodyPr wrap="square" rtlCol="0">
+            <a:spAutoFit/>
+          </a:bodyPr>
+          <a:lstStyle/>
+          <a:p>
+            <a:pPr algn="ctr"/>
+            <a:r>
+              <a:rPr lang="en-US" b="1" dirty="0"/>
+              <a:t>Reorder Adress logic</a:t>
+            </a:r>
+            <a:endParaRPr lang="en-IL" b="1" dirty="0"/>
+          </a:p>
+        </p:txBody>
+      </p:sp>
+      <p:sp>
+        <p:nvSpPr>
+          <p:cNvPr id="100" name="TextBox 99">
+            <a:extLst>
+              <a:ext uri="{FF2B5EF4-FFF2-40B4-BE49-F238E27FC236}">
+                <a16:creationId xmlns:a16="http://schemas.microsoft.com/office/drawing/2014/main" id="{A2D16924-487A-6CF9-4FC6-F2C5190F339B}"/>
+              </a:ext>
+            </a:extLst>
+          </p:cNvPr>
+          <p:cNvSpPr txBox="1"/>
+          <p:nvPr/>
+        </p:nvSpPr>
+        <p:spPr>
+          <a:xfrm>
+            <a:off x="98882" y="2092275"/>
+            <a:ext cx="4064473" cy="2862322"/>
+          </a:xfrm>
+          <a:prstGeom prst="rect">
+            <a:avLst/>
+          </a:prstGeom>
+          <a:noFill/>
+        </p:spPr>
+        <p:txBody>
+          <a:bodyPr wrap="square" rtlCol="0">
+            <a:spAutoFit/>
+          </a:bodyPr>
+          <a:lstStyle/>
+          <a:p>
+            <a:pPr marL="285750" indent="-285750">
+              <a:buFont typeface="Arial" panose="020B0604020202020204" pitchFamily="34" charset="0"/>
+              <a:buChar char="•"/>
+            </a:pPr>
+            <a:r>
+              <a:rPr lang="en-US" b="1" dirty="0"/>
+              <a:t>Data Size:</a:t>
+            </a:r>
+            <a:r>
+              <a:rPr lang="en-US" dirty="0"/>
+              <a:t> 4096 bits X 4(16,384 bits total).</a:t>
+            </a:r>
+          </a:p>
+          <a:p>
+            <a:pPr marL="285750" indent="-285750">
+              <a:buFont typeface="Arial" panose="020B0604020202020204" pitchFamily="34" charset="0"/>
+              <a:buChar char="•"/>
+            </a:pPr>
+            <a:endParaRPr lang="en-US" dirty="0"/>
+          </a:p>
+          <a:p>
+            <a:pPr marL="285750" indent="-285750">
+              <a:buFont typeface="Arial" panose="020B0604020202020204" pitchFamily="34" charset="0"/>
+              <a:buChar char="•"/>
+            </a:pPr>
+            <a:r>
+              <a:rPr lang="en-US" b="1" dirty="0"/>
+              <a:t>I/O Width:</a:t>
+            </a:r>
+            <a:r>
+              <a:rPr lang="en-US" dirty="0"/>
+              <a:t> 8 bits (1byte, RISC-V reads/writes in bytes).</a:t>
+            </a:r>
+          </a:p>
+          <a:p>
+            <a:pPr marL="285750" indent="-285750">
+              <a:buFont typeface="Arial" panose="020B0604020202020204" pitchFamily="34" charset="0"/>
+              <a:buChar char="•"/>
+            </a:pPr>
+            <a:endParaRPr lang="en-US" dirty="0"/>
+          </a:p>
+          <a:p>
+            <a:pPr marL="285750" indent="-285750">
+              <a:buFont typeface="Arial" panose="020B0604020202020204" pitchFamily="34" charset="0"/>
+              <a:buChar char="•"/>
+            </a:pPr>
+            <a:r>
+              <a:rPr lang="en-US" b="1" dirty="0"/>
+              <a:t>Memory Access:</a:t>
+            </a:r>
+            <a:r>
+              <a:rPr lang="en-US" dirty="0"/>
+              <a:t> Simultaneous read/write operations at two addresses in parallel.</a:t>
+            </a:r>
+          </a:p>
+          <a:p>
+            <a:pPr marL="285750" indent="-285750">
+              <a:buFont typeface="Arial" panose="020B0604020202020204" pitchFamily="34" charset="0"/>
+              <a:buChar char="•"/>
+            </a:pPr>
+            <a:endParaRPr lang="en-IL" dirty="0"/>
+          </a:p>
+        </p:txBody>
+      </p:sp>
+    </p:spTree>
+    <p:extLst>
+      <p:ext uri="{BB962C8B-B14F-4D97-AF65-F5344CB8AC3E}">
+        <p14:creationId xmlns:p14="http://schemas.microsoft.com/office/powerpoint/2010/main" val="155719208"/>
+      </p:ext>
+    </p:extLst>
+  </p:cSld>
+  <p:clrMapOvr>
+    <a:masterClrMapping/>
+  </p:clrMapOvr>
+</p:sld>
+</file>
+
+<file path=ppt/slides/slide13.xml><?xml version="1.0" encoding="utf-8"?>
+<p:sld xmlns:a="http://schemas.openxmlformats.org/drawingml/2006/main" xmlns:r="http://schemas.openxmlformats.org/officeDocument/2006/relationships" xmlns:p="http://schemas.openxmlformats.org/presentationml/2006/main">
+  <p:cSld>
+    <p:bg>
+      <p:bgPr>
+        <a:solidFill>
+          <a:schemeClr val="bg1"/>
+        </a:solidFill>
+        <a:effectLst/>
+      </p:bgPr>
+    </p:bg>
+    <p:spTree>
+      <p:nvGrpSpPr>
+        <p:cNvPr id="1" name="">
+          <a:extLst>
+            <a:ext uri="{FF2B5EF4-FFF2-40B4-BE49-F238E27FC236}">
+              <a16:creationId xmlns:a16="http://schemas.microsoft.com/office/drawing/2014/main" id="{D2C61F88-3BAB-58EE-9FAB-8F01F5D91652}"/>
+            </a:ext>
+          </a:extLst>
+        </p:cNvPr>
+        <p:cNvGrpSpPr/>
+        <p:nvPr/>
+      </p:nvGrpSpPr>
+      <p:grpSpPr>
+        <a:xfrm>
+          <a:off x="0" y="0"/>
+          <a:ext cx="0" cy="0"/>
+          <a:chOff x="0" y="0"/>
+          <a:chExt cx="0" cy="0"/>
+        </a:xfrm>
+      </p:grpSpPr>
+      <p:sp useBgFill="1">
+        <p:nvSpPr>
+          <p:cNvPr id="24" name="Rectangle 23">
+            <a:extLst>
+              <a:ext uri="{FF2B5EF4-FFF2-40B4-BE49-F238E27FC236}">
+                <a16:creationId xmlns:a16="http://schemas.microsoft.com/office/drawing/2014/main" id="{37B65277-82C6-6D08-6DCA-4A7DCC3B7136}"/>
+              </a:ext>
+              <a:ext uri="{C183D7F6-B498-43B3-948B-1728B52AA6E4}">
+                <adec:decorative xmlns:adec="http://schemas.microsoft.com/office/drawing/2017/decorative" val="1"/>
+              </a:ext>
+            </a:extLst>
+          </p:cNvPr>
+          <p:cNvSpPr>
+            <a:spLocks noGrp="1" noRot="1" noChangeAspect="1" noMove="1" noResize="1" noEditPoints="1" noAdjustHandles="1" noChangeArrowheads="1" noChangeShapeType="1" noTextEdit="1"/>
+          </p:cNvSpPr>
+          <p:nvPr>
+            <p:extLst>
+              <p:ext uri="{386F3935-93C4-4BCD-93E2-E3B085C9AB24}">
+                <p16:designElem xmlns:p16="http://schemas.microsoft.com/office/powerpoint/2015/main" val="1"/>
+              </p:ext>
+            </p:extLst>
+          </p:nvPr>
+        </p:nvSpPr>
+        <p:spPr>
+          <a:xfrm>
+            <a:off x="0" y="0"/>
+            <a:ext cx="12192000" cy="6858000"/>
+          </a:xfrm>
+          <a:prstGeom prst="rect">
+            <a:avLst/>
+          </a:prstGeom>
+          <a:ln w="12700" cap="flat" cmpd="sng" algn="ctr">
+            <a:noFill/>
+            <a:prstDash val="solid"/>
+            <a:miter lim="800000"/>
+          </a:ln>
+          <a:effectLst/>
+          <a:extLst>
+            <a:ext uri="{91240B29-F687-4F45-9708-019B960494DF}">
+              <a14:hiddenLine xmlns:a14="http://schemas.microsoft.com/office/drawing/2010/main" w="12700" cap="flat" cmpd="sng" algn="ctr">
+                <a:solidFill>
+                  <a:schemeClr val="accent1">
+                    <a:shade val="15000"/>
+                  </a:schemeClr>
+                </a:solidFill>
+                <a:prstDash val="solid"/>
+                <a:miter lim="800000"/>
+              </a14:hiddenLine>
+            </a:ext>
+          </a:extLst>
+        </p:spPr>
+        <p:style>
+          <a:lnRef idx="2">
+            <a:schemeClr val="accent1">
+              <a:shade val="15000"/>
+            </a:schemeClr>
+          </a:lnRef>
+          <a:fillRef idx="1">
+            <a:schemeClr val="accent1"/>
+          </a:fillRef>
+          <a:effectRef idx="0">
+            <a:schemeClr val="accent1"/>
+          </a:effectRef>
+          <a:fontRef idx="minor">
+            <a:schemeClr val="lt1"/>
+          </a:fontRef>
+        </p:style>
+        <p:txBody>
+          <a:bodyPr rtlCol="0" anchor="ctr"/>
+          <a:lstStyle/>
+          <a:p>
+            <a:pPr algn="ctr"/>
+            <a:endParaRPr lang="en-US"/>
+          </a:p>
+        </p:txBody>
+      </p:sp>
+      <p:sp>
+        <p:nvSpPr>
+          <p:cNvPr id="7" name="כותרת 1">
+            <a:extLst>
+              <a:ext uri="{FF2B5EF4-FFF2-40B4-BE49-F238E27FC236}">
+                <a16:creationId xmlns:a16="http://schemas.microsoft.com/office/drawing/2014/main" id="{730E07F0-C612-DC2C-9D3E-354DB3D6D052}"/>
+              </a:ext>
+            </a:extLst>
+          </p:cNvPr>
+          <p:cNvSpPr>
+            <a:spLocks noGrp="1"/>
+          </p:cNvSpPr>
+          <p:nvPr>
+            <p:ph type="title"/>
+          </p:nvPr>
+        </p:nvSpPr>
+        <p:spPr>
+          <a:xfrm>
+            <a:off x="466344" y="7872"/>
+            <a:ext cx="10729832" cy="1527048"/>
+          </a:xfrm>
+        </p:spPr>
+        <p:txBody>
+          <a:bodyPr vert="horz" lIns="91440" tIns="45720" rIns="91440" bIns="45720" rtlCol="0" anchor="b">
+            <a:normAutofit/>
+          </a:bodyPr>
+          <a:lstStyle/>
+          <a:p>
+            <a:pPr algn="ctr" rtl="0"/>
+            <a:r>
+              <a:rPr lang="en-US" sz="3400" b="1" i="0" kern="1200" dirty="0">
+                <a:effectLst/>
+                <a:latin typeface="+mj-lt"/>
+                <a:ea typeface="+mj-ea"/>
+                <a:cs typeface="+mj-cs"/>
+              </a:rPr>
+              <a:t>Architectural design of the first solution </a:t>
+            </a:r>
+            <a:br>
+              <a:rPr lang="en-US" sz="3400" b="1" i="0" kern="1200" dirty="0">
+                <a:effectLst/>
+                <a:latin typeface="+mj-lt"/>
+                <a:ea typeface="+mj-ea"/>
+                <a:cs typeface="+mj-cs"/>
+              </a:rPr>
+            </a:br>
+            <a:r>
+              <a:rPr lang="en-US" sz="3400" b="1" i="0" kern="1200" dirty="0">
+                <a:effectLst/>
+                <a:latin typeface="+mj-lt"/>
+                <a:ea typeface="+mj-ea"/>
+                <a:cs typeface="+mj-cs"/>
+              </a:rPr>
+              <a:t>Debug unit</a:t>
+            </a:r>
+            <a:endParaRPr lang="en-US" sz="3400" b="1" kern="1200" dirty="0">
+              <a:latin typeface="+mj-lt"/>
+              <a:ea typeface="+mj-ea"/>
+              <a:cs typeface="+mj-cs"/>
+            </a:endParaRPr>
+          </a:p>
+        </p:txBody>
+      </p:sp>
+      <p:sp>
+        <p:nvSpPr>
+          <p:cNvPr id="4" name="מציין מיקום תוכן 6">
+            <a:extLst>
+              <a:ext uri="{FF2B5EF4-FFF2-40B4-BE49-F238E27FC236}">
+                <a16:creationId xmlns:a16="http://schemas.microsoft.com/office/drawing/2014/main" id="{4BC64C74-4EC7-1C8B-6DC3-E240DEE7BF71}"/>
+              </a:ext>
+            </a:extLst>
+          </p:cNvPr>
+          <p:cNvSpPr>
+            <a:spLocks noGrp="1"/>
+          </p:cNvSpPr>
+          <p:nvPr>
+            <p:ph idx="1"/>
+          </p:nvPr>
+        </p:nvSpPr>
+        <p:spPr>
+          <a:xfrm>
+            <a:off x="402336" y="2002536"/>
+            <a:ext cx="5862396" cy="4096512"/>
+          </a:xfrm>
+        </p:spPr>
+        <p:txBody>
+          <a:bodyPr>
+            <a:normAutofit/>
+          </a:bodyPr>
+          <a:lstStyle/>
+          <a:p>
+            <a:r>
+              <a:rPr lang="en-US" sz="1800" dirty="0"/>
+              <a:t>All relevant debug outputs were connected directly to the RISC-V module.</a:t>
+            </a:r>
+          </a:p>
+          <a:p>
+            <a:r>
+              <a:rPr lang="en-US" sz="1800" dirty="0"/>
+              <a:t>Resulting physical design layout included numerous I/</a:t>
+            </a:r>
+            <a:r>
+              <a:rPr lang="en-US" sz="1800" dirty="0" err="1"/>
+              <a:t>Os</a:t>
+            </a:r>
+            <a:r>
+              <a:rPr lang="en-US" sz="1800" dirty="0"/>
+              <a:t> &amp; big design.</a:t>
+            </a:r>
+            <a:endParaRPr lang="he-IL" sz="1800" dirty="0"/>
+          </a:p>
+        </p:txBody>
+      </p:sp>
+      <p:pic>
+        <p:nvPicPr>
+          <p:cNvPr id="2" name="Picture 1">
+            <a:extLst>
+              <a:ext uri="{FF2B5EF4-FFF2-40B4-BE49-F238E27FC236}">
+                <a16:creationId xmlns:a16="http://schemas.microsoft.com/office/drawing/2014/main" id="{24ECFCB0-4212-4FF4-C1DF-4BCDBD028315}"/>
+              </a:ext>
+            </a:extLst>
+          </p:cNvPr>
+          <p:cNvPicPr>
+            <a:picLocks noChangeAspect="1"/>
+          </p:cNvPicPr>
+          <p:nvPr/>
+        </p:nvPicPr>
+        <p:blipFill>
+          <a:blip r:embed="rId2"/>
+          <a:stretch>
+            <a:fillRect/>
+          </a:stretch>
+        </p:blipFill>
+        <p:spPr>
+          <a:xfrm>
+            <a:off x="7418654" y="2347400"/>
+            <a:ext cx="4681506" cy="4412687"/>
+          </a:xfrm>
+          <a:prstGeom prst="rect">
+            <a:avLst/>
+          </a:prstGeom>
+        </p:spPr>
+      </p:pic>
+      <p:sp>
+        <p:nvSpPr>
+          <p:cNvPr id="19" name="Rectangle 18">
+            <a:extLst>
+              <a:ext uri="{FF2B5EF4-FFF2-40B4-BE49-F238E27FC236}">
+                <a16:creationId xmlns:a16="http://schemas.microsoft.com/office/drawing/2014/main" id="{6BAFA957-C9B3-68A9-AADE-16914AA10ED0}"/>
+              </a:ext>
+            </a:extLst>
+          </p:cNvPr>
+          <p:cNvSpPr/>
+          <p:nvPr/>
+        </p:nvSpPr>
+        <p:spPr>
+          <a:xfrm>
+            <a:off x="1462167" y="1195602"/>
+            <a:ext cx="10729833" cy="1053885"/>
+          </a:xfrm>
+          <a:prstGeom prst="rect">
+            <a:avLst/>
+          </a:prstGeom>
+        </p:spPr>
+        <p:style>
+          <a:lnRef idx="0">
+            <a:schemeClr val="dk1">
+              <a:alpha val="0"/>
+              <a:hueOff val="0"/>
+              <a:satOff val="0"/>
+              <a:lumOff val="0"/>
+              <a:alphaOff val="0"/>
+            </a:schemeClr>
+          </a:lnRef>
+          <a:fillRef idx="0">
+            <a:schemeClr val="lt1">
+              <a:alpha val="0"/>
+              <a:hueOff val="0"/>
+              <a:satOff val="0"/>
+              <a:lumOff val="0"/>
+              <a:alphaOff val="0"/>
+            </a:schemeClr>
+          </a:fillRef>
+          <a:effectRef idx="0">
+            <a:schemeClr val="lt1">
+              <a:alpha val="0"/>
+              <a:hueOff val="0"/>
+              <a:satOff val="0"/>
+              <a:lumOff val="0"/>
+              <a:alphaOff val="0"/>
+            </a:schemeClr>
+          </a:effectRef>
+          <a:fontRef idx="minor">
+            <a:schemeClr val="tx1">
+              <a:hueOff val="0"/>
+              <a:satOff val="0"/>
+              <a:lumOff val="0"/>
+              <a:alphaOff val="0"/>
+            </a:schemeClr>
+          </a:fontRef>
+        </p:style>
+        <p:txBody>
+          <a:bodyPr/>
+          <a:lstStyle/>
+          <a:p>
+            <a:pPr algn="ctr"/>
+            <a:endParaRPr lang="en-IL" dirty="0"/>
+          </a:p>
+        </p:txBody>
+      </p:sp>
+    </p:spTree>
+    <p:extLst>
+      <p:ext uri="{BB962C8B-B14F-4D97-AF65-F5344CB8AC3E}">
+        <p14:creationId xmlns:p14="http://schemas.microsoft.com/office/powerpoint/2010/main" val="1144604091"/>
+      </p:ext>
+    </p:extLst>
+  </p:cSld>
+  <p:clrMapOvr>
+    <a:masterClrMapping/>
+  </p:clrMapOvr>
+</p:sld>
+</file>
+
+<file path=ppt/slides/slide14.xml><?xml version="1.0" encoding="utf-8"?>
+<p:sld xmlns:a="http://schemas.openxmlformats.org/drawingml/2006/main" xmlns:r="http://schemas.openxmlformats.org/officeDocument/2006/relationships" xmlns:p="http://schemas.openxmlformats.org/presentationml/2006/main">
+  <p:cSld>
+    <p:bg>
+      <p:bgPr>
+        <a:solidFill>
+          <a:schemeClr val="bg1"/>
+        </a:solidFill>
+        <a:effectLst/>
+      </p:bgPr>
+    </p:bg>
+    <p:spTree>
+      <p:nvGrpSpPr>
+        <p:cNvPr id="1" name="">
+          <a:extLst>
+            <a:ext uri="{FF2B5EF4-FFF2-40B4-BE49-F238E27FC236}">
+              <a16:creationId xmlns:a16="http://schemas.microsoft.com/office/drawing/2014/main" id="{B0B9B981-B382-7F65-4466-53FD536A33C2}"/>
+            </a:ext>
+          </a:extLst>
+        </p:cNvPr>
+        <p:cNvGrpSpPr/>
+        <p:nvPr/>
+      </p:nvGrpSpPr>
+      <p:grpSpPr>
+        <a:xfrm>
+          <a:off x="0" y="0"/>
+          <a:ext cx="0" cy="0"/>
+          <a:chOff x="0" y="0"/>
+          <a:chExt cx="0" cy="0"/>
+        </a:xfrm>
+      </p:grpSpPr>
+      <p:sp useBgFill="1">
+        <p:nvSpPr>
+          <p:cNvPr id="24" name="Rectangle 23">
+            <a:extLst>
+              <a:ext uri="{FF2B5EF4-FFF2-40B4-BE49-F238E27FC236}">
+                <a16:creationId xmlns:a16="http://schemas.microsoft.com/office/drawing/2014/main" id="{37B65277-82C6-6D08-6DCA-4A7DCC3B7136}"/>
+              </a:ext>
+              <a:ext uri="{C183D7F6-B498-43B3-948B-1728B52AA6E4}">
+                <adec:decorative xmlns:adec="http://schemas.microsoft.com/office/drawing/2017/decorative" val="1"/>
+              </a:ext>
+            </a:extLst>
+          </p:cNvPr>
+          <p:cNvSpPr>
+            <a:spLocks noGrp="1" noRot="1" noChangeAspect="1" noMove="1" noResize="1" noEditPoints="1" noAdjustHandles="1" noChangeArrowheads="1" noChangeShapeType="1" noTextEdit="1"/>
+          </p:cNvSpPr>
+          <p:nvPr>
+            <p:extLst>
+              <p:ext uri="{386F3935-93C4-4BCD-93E2-E3B085C9AB24}">
+                <p16:designElem xmlns:p16="http://schemas.microsoft.com/office/powerpoint/2015/main" val="1"/>
+              </p:ext>
+            </p:extLst>
+          </p:nvPr>
+        </p:nvSpPr>
+        <p:spPr>
+          <a:xfrm>
+            <a:off x="0" y="0"/>
+            <a:ext cx="12192000" cy="6858000"/>
+          </a:xfrm>
+          <a:prstGeom prst="rect">
+            <a:avLst/>
+          </a:prstGeom>
+          <a:ln w="12700" cap="flat" cmpd="sng" algn="ctr">
+            <a:noFill/>
+            <a:prstDash val="solid"/>
+            <a:miter lim="800000"/>
+          </a:ln>
+          <a:effectLst/>
+          <a:extLst>
+            <a:ext uri="{91240B29-F687-4F45-9708-019B960494DF}">
+              <a14:hiddenLine xmlns:a14="http://schemas.microsoft.com/office/drawing/2010/main" w="12700" cap="flat" cmpd="sng" algn="ctr">
+                <a:solidFill>
+                  <a:schemeClr val="accent1">
+                    <a:shade val="15000"/>
+                  </a:schemeClr>
+                </a:solidFill>
+                <a:prstDash val="solid"/>
+                <a:miter lim="800000"/>
+              </a14:hiddenLine>
+            </a:ext>
+          </a:extLst>
+        </p:spPr>
+        <p:style>
+          <a:lnRef idx="2">
+            <a:schemeClr val="accent1">
+              <a:shade val="15000"/>
+            </a:schemeClr>
+          </a:lnRef>
+          <a:fillRef idx="1">
+            <a:schemeClr val="accent1"/>
+          </a:fillRef>
+          <a:effectRef idx="0">
+            <a:schemeClr val="accent1"/>
+          </a:effectRef>
+          <a:fontRef idx="minor">
+            <a:schemeClr val="lt1"/>
+          </a:fontRef>
+        </p:style>
+        <p:txBody>
+          <a:bodyPr rtlCol="0" anchor="ctr"/>
+          <a:lstStyle/>
+          <a:p>
+            <a:pPr algn="ctr"/>
+            <a:endParaRPr lang="en-US"/>
+          </a:p>
+        </p:txBody>
+      </p:sp>
+      <p:sp>
+        <p:nvSpPr>
+          <p:cNvPr id="7" name="כותרת 1">
+            <a:extLst>
+              <a:ext uri="{FF2B5EF4-FFF2-40B4-BE49-F238E27FC236}">
+                <a16:creationId xmlns:a16="http://schemas.microsoft.com/office/drawing/2014/main" id="{105651DE-7A54-80F5-05E7-8713E48A3C52}"/>
+              </a:ext>
+            </a:extLst>
+          </p:cNvPr>
+          <p:cNvSpPr>
+            <a:spLocks noGrp="1"/>
+          </p:cNvSpPr>
+          <p:nvPr>
+            <p:ph type="title"/>
+          </p:nvPr>
+        </p:nvSpPr>
+        <p:spPr>
+          <a:xfrm>
+            <a:off x="309371" y="-82171"/>
+            <a:ext cx="11160253" cy="1527048"/>
+          </a:xfrm>
+        </p:spPr>
+        <p:txBody>
+          <a:bodyPr vert="horz" lIns="91440" tIns="45720" rIns="91440" bIns="45720" rtlCol="0" anchor="b">
+            <a:normAutofit/>
+          </a:bodyPr>
+          <a:lstStyle/>
+          <a:p>
+            <a:pPr algn="ctr" rtl="0"/>
+            <a:r>
+              <a:rPr lang="en-US" sz="3400" b="1" i="0" kern="1200" dirty="0">
+                <a:effectLst/>
+                <a:latin typeface="+mj-lt"/>
+                <a:ea typeface="+mj-ea"/>
+                <a:cs typeface="+mj-cs"/>
+              </a:rPr>
+              <a:t>Architectural design of the selected solution </a:t>
+            </a:r>
+            <a:br>
+              <a:rPr lang="en-US" sz="3400" b="1" i="0" kern="1200" dirty="0">
+                <a:effectLst/>
+                <a:latin typeface="+mj-lt"/>
+                <a:ea typeface="+mj-ea"/>
+                <a:cs typeface="+mj-cs"/>
+              </a:rPr>
+            </a:br>
+            <a:r>
+              <a:rPr lang="en-US" sz="3400" b="1" i="0" kern="1200" dirty="0">
+                <a:effectLst/>
+                <a:latin typeface="+mj-lt"/>
+                <a:ea typeface="+mj-ea"/>
+                <a:cs typeface="+mj-cs"/>
+              </a:rPr>
+              <a:t>Debug unit</a:t>
+            </a:r>
+            <a:endParaRPr lang="en-US" sz="3400" b="1" kern="1200" dirty="0">
+              <a:latin typeface="+mj-lt"/>
+              <a:ea typeface="+mj-ea"/>
+              <a:cs typeface="+mj-cs"/>
+            </a:endParaRPr>
+          </a:p>
+        </p:txBody>
+      </p:sp>
+      <p:sp>
+        <p:nvSpPr>
+          <p:cNvPr id="4" name="מציין מיקום תוכן 6">
+            <a:extLst>
+              <a:ext uri="{FF2B5EF4-FFF2-40B4-BE49-F238E27FC236}">
+                <a16:creationId xmlns:a16="http://schemas.microsoft.com/office/drawing/2014/main" id="{DDFDACDF-6880-2325-0162-DF459F29B52B}"/>
+              </a:ext>
+            </a:extLst>
+          </p:cNvPr>
+          <p:cNvSpPr>
+            <a:spLocks noGrp="1"/>
+          </p:cNvSpPr>
+          <p:nvPr>
+            <p:ph idx="1"/>
+          </p:nvPr>
+        </p:nvSpPr>
+        <p:spPr>
+          <a:xfrm>
+            <a:off x="137160" y="1344168"/>
+            <a:ext cx="6648981" cy="5318336"/>
+          </a:xfrm>
+        </p:spPr>
+        <p:txBody>
+          <a:bodyPr>
+            <a:normAutofit/>
+          </a:bodyPr>
+          <a:lstStyle/>
+          <a:p>
+            <a:r>
+              <a:rPr lang="en-US" sz="1800" dirty="0">
+                <a:effectLst/>
+                <a:latin typeface="Arial" panose="020B0604020202020204" pitchFamily="34" charset="0"/>
+                <a:ea typeface="Times New Roman" panose="02020603050405020304" pitchFamily="18" charset="0"/>
+                <a:cs typeface="Arial" panose="020B0604020202020204" pitchFamily="34" charset="0"/>
+              </a:rPr>
+              <a:t>29 circuit points </a:t>
+            </a:r>
+            <a:r>
+              <a:rPr lang="en-US" sz="1800" dirty="0"/>
+              <a:t>across various pipeline stages and control/data paths were connected to a </a:t>
+            </a:r>
+            <a:r>
+              <a:rPr lang="en-US" sz="1800" b="1" dirty="0"/>
+              <a:t>32-input multiplexer system</a:t>
+            </a:r>
+            <a:r>
+              <a:rPr lang="en-US" sz="1800" dirty="0"/>
+              <a:t>.</a:t>
+            </a:r>
+          </a:p>
+          <a:p>
+            <a:r>
+              <a:rPr lang="en-US" sz="1800" dirty="0"/>
+              <a:t> This externally controlled MUX allowed users to select and observe specific signals dynamically, enabling real-time inspection of key Datapath and memory elements such as ALU results, fetched opcodes, register values, memory addresses, and read/write data.</a:t>
+            </a:r>
+          </a:p>
+          <a:p>
+            <a:pPr marL="0" indent="0">
+              <a:buNone/>
+            </a:pPr>
+            <a:endParaRPr lang="en-US" sz="1800" b="1" dirty="0"/>
+          </a:p>
+          <a:p>
+            <a:pPr marL="0" indent="0">
+              <a:buNone/>
+            </a:pPr>
+            <a:r>
+              <a:rPr lang="en-US" sz="1800" b="1" dirty="0"/>
+              <a:t>Physical Design – Layout:</a:t>
+            </a:r>
+            <a:endParaRPr lang="en-US" sz="1800" dirty="0"/>
+          </a:p>
+          <a:p>
+            <a:r>
+              <a:rPr lang="en-US" sz="1800" dirty="0"/>
+              <a:t>Pin count reduced by approximately 250.</a:t>
+            </a:r>
+          </a:p>
+          <a:p>
+            <a:r>
+              <a:rPr lang="en-US" sz="1800" dirty="0"/>
+              <a:t>Resulted in a smaller design.</a:t>
+            </a:r>
+          </a:p>
+          <a:p>
+            <a:pPr rtl="0"/>
+            <a:endParaRPr lang="he-IL" sz="1800" dirty="0"/>
+          </a:p>
+        </p:txBody>
+      </p:sp>
+      <p:pic>
+        <p:nvPicPr>
+          <p:cNvPr id="2" name="Picture 1">
+            <a:extLst>
+              <a:ext uri="{FF2B5EF4-FFF2-40B4-BE49-F238E27FC236}">
+                <a16:creationId xmlns:a16="http://schemas.microsoft.com/office/drawing/2014/main" id="{59969BAB-1802-8768-D1B9-1CC4AE22F5D6}"/>
+              </a:ext>
+            </a:extLst>
+          </p:cNvPr>
+          <p:cNvPicPr>
+            <a:picLocks noChangeAspect="1"/>
+          </p:cNvPicPr>
+          <p:nvPr/>
+        </p:nvPicPr>
+        <p:blipFill>
+          <a:blip r:embed="rId2"/>
+          <a:stretch>
+            <a:fillRect/>
+          </a:stretch>
+        </p:blipFill>
+        <p:spPr>
+          <a:xfrm>
+            <a:off x="6827083" y="2722650"/>
+            <a:ext cx="5323975" cy="4096512"/>
+          </a:xfrm>
+          <a:prstGeom prst="rect">
+            <a:avLst/>
+          </a:prstGeom>
+        </p:spPr>
+      </p:pic>
+      <p:sp>
+        <p:nvSpPr>
+          <p:cNvPr id="19" name="Rectangle 18">
+            <a:extLst>
+              <a:ext uri="{FF2B5EF4-FFF2-40B4-BE49-F238E27FC236}">
+                <a16:creationId xmlns:a16="http://schemas.microsoft.com/office/drawing/2014/main" id="{E37B4F63-032E-AB0D-0EBB-54C8F6CE0695}"/>
+              </a:ext>
+            </a:extLst>
+          </p:cNvPr>
+          <p:cNvSpPr/>
+          <p:nvPr/>
+        </p:nvSpPr>
+        <p:spPr>
+          <a:xfrm>
+            <a:off x="1462167" y="1195602"/>
+            <a:ext cx="10729833" cy="1053885"/>
+          </a:xfrm>
+          <a:prstGeom prst="rect">
+            <a:avLst/>
+          </a:prstGeom>
+        </p:spPr>
+        <p:style>
+          <a:lnRef idx="0">
+            <a:schemeClr val="dk1">
+              <a:alpha val="0"/>
+              <a:hueOff val="0"/>
+              <a:satOff val="0"/>
+              <a:lumOff val="0"/>
+              <a:alphaOff val="0"/>
+            </a:schemeClr>
+          </a:lnRef>
+          <a:fillRef idx="0">
+            <a:schemeClr val="lt1">
+              <a:alpha val="0"/>
+              <a:hueOff val="0"/>
+              <a:satOff val="0"/>
+              <a:lumOff val="0"/>
+              <a:alphaOff val="0"/>
+            </a:schemeClr>
+          </a:fillRef>
+          <a:effectRef idx="0">
+            <a:schemeClr val="lt1">
+              <a:alpha val="0"/>
+              <a:hueOff val="0"/>
+              <a:satOff val="0"/>
+              <a:lumOff val="0"/>
+              <a:alphaOff val="0"/>
+            </a:schemeClr>
+          </a:effectRef>
+          <a:fontRef idx="minor">
+            <a:schemeClr val="tx1">
+              <a:hueOff val="0"/>
+              <a:satOff val="0"/>
+              <a:lumOff val="0"/>
+              <a:alphaOff val="0"/>
+            </a:schemeClr>
+          </a:fontRef>
+        </p:style>
+        <p:txBody>
+          <a:bodyPr/>
+          <a:lstStyle/>
+          <a:p>
+            <a:endParaRPr lang="en-IL"/>
+          </a:p>
+        </p:txBody>
+      </p:sp>
+    </p:spTree>
+    <p:extLst>
+      <p:ext uri="{BB962C8B-B14F-4D97-AF65-F5344CB8AC3E}">
+        <p14:creationId xmlns:p14="http://schemas.microsoft.com/office/powerpoint/2010/main" val="4249683908"/>
+      </p:ext>
+    </p:extLst>
+  </p:cSld>
+  <p:clrMapOvr>
+    <a:masterClrMapping/>
+  </p:clrMapOvr>
+</p:sld>
+</file>
+
+<file path=ppt/slides/slide15.xml><?xml version="1.0" encoding="utf-8"?>
 <p:sld xmlns:a="http://schemas.openxmlformats.org/drawingml/2006/main" xmlns:r="http://schemas.openxmlformats.org/officeDocument/2006/relationships" xmlns:p="http://schemas.openxmlformats.org/presentationml/2006/main">
   <p:cSld>
     <p:spTree>
@@ -10747,7 +15171,7 @@
 </p:sld>
 </file>
 
-<file path=ppt/slides/slide11.xml><?xml version="1.0" encoding="utf-8"?>
+<file path=ppt/slides/slide16.xml><?xml version="1.0" encoding="utf-8"?>
 <p:sld xmlns:a="http://schemas.openxmlformats.org/drawingml/2006/main" xmlns:r="http://schemas.openxmlformats.org/officeDocument/2006/relationships" xmlns:p="http://schemas.openxmlformats.org/presentationml/2006/main">
   <p:cSld>
     <p:spTree>
@@ -10960,7 +15384,7 @@
 </p:sld>
 </file>
 
-<file path=ppt/slides/slide12.xml><?xml version="1.0" encoding="utf-8"?>
+<file path=ppt/slides/slide17.xml><?xml version="1.0" encoding="utf-8"?>
 <p:sld xmlns:a="http://schemas.openxmlformats.org/drawingml/2006/main" xmlns:r="http://schemas.openxmlformats.org/officeDocument/2006/relationships" xmlns:p="http://schemas.openxmlformats.org/presentationml/2006/main">
   <p:cSld>
     <p:spTree>
@@ -11216,7 +15640,7 @@
 </p:sld>
 </file>
 
-<file path=ppt/slides/slide13.xml><?xml version="1.0" encoding="utf-8"?>
+<file path=ppt/slides/slide18.xml><?xml version="1.0" encoding="utf-8"?>
 <p:sld xmlns:a="http://schemas.openxmlformats.org/drawingml/2006/main" xmlns:r="http://schemas.openxmlformats.org/officeDocument/2006/relationships" xmlns:p="http://schemas.openxmlformats.org/presentationml/2006/main">
   <p:cSld>
     <p:spTree>
@@ -11456,7 +15880,7 @@
 </p:sld>
 </file>
 
-<file path=ppt/slides/slide14.xml><?xml version="1.0" encoding="utf-8"?>
+<file path=ppt/slides/slide19.xml><?xml version="1.0" encoding="utf-8"?>
 <p:sld xmlns:a="http://schemas.openxmlformats.org/drawingml/2006/main" xmlns:r="http://schemas.openxmlformats.org/officeDocument/2006/relationships" xmlns:p="http://schemas.openxmlformats.org/presentationml/2006/main">
   <p:cSld>
     <p:spTree>
@@ -11662,15 +16086,7 @@
           <a:p>
             <a:r>
               <a:rPr lang="en-US" dirty="0"/>
-              <a:t>Clock Tree Synthesis (CTS) followed, creating a balanced network with 1.3 ns skew for proper synchronization (with a test and try to </a:t>
-            </a:r>
-            <a:r>
-              <a:rPr lang="en-US" dirty="0" err="1"/>
-              <a:t>rudce</a:t>
-            </a:r>
-            <a:r>
-              <a:rPr lang="en-US" dirty="0"/>
-              <a:t> </a:t>
+              <a:t>Clock Tree Synthesis (CTS) followed, creating a balanced network with 1.3 ns skew for proper synchronization (with a test and try to reduce </a:t>
             </a:r>
             <a:r>
               <a:rPr lang="en-US" dirty="0" err="1"/>
@@ -11715,7 +16131,7 @@
 </p:sld>
 </file>
 
-<file path=ppt/slides/slide15.xml><?xml version="1.0" encoding="utf-8"?>
+<file path=ppt/slides/slide2.xml><?xml version="1.0" encoding="utf-8"?>
 <p:sld xmlns:a="http://schemas.openxmlformats.org/drawingml/2006/main" xmlns:r="http://schemas.openxmlformats.org/officeDocument/2006/relationships" xmlns:p="http://schemas.openxmlformats.org/presentationml/2006/main">
   <p:cSld>
     <p:spTree>
@@ -11723,7 +16139,7 @@
         <p:cNvPr id="1" name="">
           <a:extLst>
             <a:ext uri="{FF2B5EF4-FFF2-40B4-BE49-F238E27FC236}">
-              <a16:creationId xmlns:a16="http://schemas.microsoft.com/office/drawing/2014/main" id="{5F3D9C39-63B9-0FF5-4A6F-A4FD45A12489}"/>
+              <a16:creationId xmlns:a16="http://schemas.microsoft.com/office/drawing/2014/main" id="{67DE582A-B816-B5E2-A91B-C56EDA8821EE}"/>
             </a:ext>
           </a:extLst>
         </p:cNvPr>
@@ -11743,7 +16159,7 @@
           <p:cNvPr id="19" name="Rectangle 18">
             <a:extLst>
               <a:ext uri="{FF2B5EF4-FFF2-40B4-BE49-F238E27FC236}">
-                <a16:creationId xmlns:a16="http://schemas.microsoft.com/office/drawing/2014/main" id="{5815323F-93A0-E92B-52C2-55C1E42850F2}"/>
+                <a16:creationId xmlns:a16="http://schemas.microsoft.com/office/drawing/2014/main" id="{7C4C55D4-3308-3EA0-7B77-FC2396C235CC}"/>
               </a:ext>
             </a:extLst>
           </p:cNvPr>
@@ -11809,7 +16225,7 @@
           <p:cNvPr id="7" name="כותרת 1">
             <a:extLst>
               <a:ext uri="{FF2B5EF4-FFF2-40B4-BE49-F238E27FC236}">
-                <a16:creationId xmlns:a16="http://schemas.microsoft.com/office/drawing/2014/main" id="{81E3FA5E-AC7A-8383-79E5-CAF6A87499E6}"/>
+                <a16:creationId xmlns:a16="http://schemas.microsoft.com/office/drawing/2014/main" id="{79C6818C-99F7-98C5-1B6D-58B48E415932}"/>
               </a:ext>
             </a:extLst>
           </p:cNvPr>
@@ -11822,19 +16238,26 @@
         </p:nvSpPr>
         <p:spPr>
           <a:xfrm>
-            <a:off x="288544" y="0"/>
+            <a:off x="591312" y="328549"/>
             <a:ext cx="10515600" cy="1325563"/>
           </a:xfrm>
         </p:spPr>
         <p:txBody>
-          <a:bodyPr/>
+          <a:bodyPr>
+            <a:normAutofit/>
+          </a:bodyPr>
           <a:lstStyle/>
           <a:p>
-            <a:r>
-              <a:rPr lang="en-US" b="1" dirty="0"/>
-              <a:t>STA Check:</a:t>
-            </a:r>
-            <a:endParaRPr lang="he-IL" b="1" dirty="0"/>
+            <a:pPr rtl="0"/>
+            <a:r>
+              <a:rPr lang="en-US" b="1" dirty="0">
+                <a:cs typeface="Arial" panose="020B0604020202020204" pitchFamily="34" charset="0"/>
+              </a:rPr>
+              <a:t>Agenda</a:t>
+            </a:r>
+            <a:endParaRPr lang="he-IL" b="1" dirty="0">
+              <a:cs typeface="Arial" panose="020B0604020202020204" pitchFamily="34" charset="0"/>
+            </a:endParaRPr>
           </a:p>
         </p:txBody>
       </p:sp>
@@ -11843,7 +16266,7 @@
           <p:cNvPr id="8" name="מציין מיקום תוכן 2">
             <a:extLst>
               <a:ext uri="{FF2B5EF4-FFF2-40B4-BE49-F238E27FC236}">
-                <a16:creationId xmlns:a16="http://schemas.microsoft.com/office/drawing/2014/main" id="{7A9C9526-C3E4-681C-E07B-146EF2B7BF71}"/>
+                <a16:creationId xmlns:a16="http://schemas.microsoft.com/office/drawing/2014/main" id="{01CF4E00-C42F-FA9F-F2B6-510A0DD033DD}"/>
               </a:ext>
             </a:extLst>
           </p:cNvPr>
@@ -11856,8 +16279,8 @@
         </p:nvSpPr>
         <p:spPr>
           <a:xfrm>
-            <a:off x="71120" y="1195602"/>
-            <a:ext cx="12049760" cy="5573712"/>
+            <a:off x="591312" y="1789049"/>
+            <a:ext cx="10515600" cy="4351338"/>
           </a:xfrm>
         </p:spPr>
         <p:txBody>
@@ -11866,118 +16289,65 @@
           </a:bodyPr>
           <a:lstStyle/>
           <a:p>
-            <a:r>
+            <a:pPr rtl="0"/>
+            <a:r>
+              <a:rPr lang="en-US" b="0" i="0" dirty="0">
+                <a:effectLst/>
+                <a:cs typeface="Arial" panose="020B0604020202020204" pitchFamily="34" charset="0"/>
+              </a:rPr>
+              <a:t>Background.</a:t>
+            </a:r>
+          </a:p>
+          <a:p>
+            <a:pPr rtl="0"/>
+            <a:r>
+              <a:rPr lang="en-US" b="0" i="0" dirty="0">
+                <a:effectLst/>
+                <a:cs typeface="Arial" panose="020B0604020202020204" pitchFamily="34" charset="0"/>
+              </a:rPr>
+              <a:t> Project definition and goals.</a:t>
+            </a:r>
+          </a:p>
+          <a:p>
+            <a:pPr rtl="0"/>
+            <a:r>
+              <a:rPr lang="en-US" b="0" i="0" dirty="0">
+                <a:effectLst/>
+                <a:cs typeface="Arial" panose="020B0604020202020204" pitchFamily="34" charset="0"/>
+              </a:rPr>
+              <a:t> Alternative solutions.</a:t>
+            </a:r>
+          </a:p>
+          <a:p>
+            <a:pPr rtl="0"/>
+            <a:r>
+              <a:rPr lang="en-US" b="0" i="0" dirty="0">
+                <a:effectLst/>
+                <a:cs typeface="Arial" panose="020B0604020202020204" pitchFamily="34" charset="0"/>
+              </a:rPr>
+              <a:t> Architectural design of the selected solution.</a:t>
+            </a:r>
+          </a:p>
+          <a:p>
+            <a:pPr rtl="0"/>
+            <a:r>
+              <a:rPr lang="en-US" dirty="0">
+                <a:cs typeface="Arial" panose="020B0604020202020204" pitchFamily="34" charset="0"/>
+              </a:rPr>
+              <a:t>Back-end flow.</a:t>
+            </a:r>
+          </a:p>
+          <a:p>
+            <a:pPr rtl="0"/>
+            <a:r>
+              <a:rPr lang="en-US" dirty="0">
+                <a:cs typeface="Arial" panose="020B0604020202020204" pitchFamily="34" charset="0"/>
+              </a:rPr>
+              <a:t>Results</a:t>
+            </a:r>
+            <a:br>
               <a:rPr lang="en-US" dirty="0"/>
-              <a:t>Using </a:t>
-            </a:r>
-            <a:r>
-              <a:rPr lang="en-IL" b="1" dirty="0" err="1"/>
-              <a:t>PrimeTime</a:t>
-            </a:r>
-            <a:r>
-              <a:rPr lang="en-IL" dirty="0"/>
-              <a:t> tool</a:t>
-            </a:r>
-            <a:r>
-              <a:rPr lang="en-US" dirty="0"/>
-              <a:t> &amp; </a:t>
-            </a:r>
-            <a:r>
-              <a:rPr lang="en-IL" dirty="0"/>
-              <a:t>Tower Design Kit</a:t>
-            </a:r>
-            <a:r>
-              <a:rPr lang="en-US" dirty="0"/>
-              <a:t>, for </a:t>
-            </a:r>
-            <a:r>
-              <a:rPr lang="en-IL" dirty="0"/>
-              <a:t>timing violations in the design</a:t>
-            </a:r>
-            <a:r>
-              <a:rPr lang="en-US" dirty="0"/>
-              <a:t> &amp; trying to achieve maximum working frequency.</a:t>
-            </a:r>
-          </a:p>
-          <a:p>
-            <a:r>
-              <a:rPr lang="en-IL" dirty="0"/>
-              <a:t>By using slightly modified scripts</a:t>
-            </a:r>
-            <a:r>
-              <a:rPr lang="en-US" dirty="0"/>
-              <a:t> (adaptive to our design and </a:t>
-            </a:r>
-            <a:r>
-              <a:rPr lang="en-US" dirty="0" err="1"/>
-              <a:t>libares</a:t>
-            </a:r>
-            <a:r>
-              <a:rPr lang="en-US" dirty="0"/>
-              <a:t>)</a:t>
-            </a:r>
-            <a:r>
-              <a:rPr lang="en-IL" dirty="0"/>
-              <a:t>, </a:t>
-            </a:r>
-            <a:r>
-              <a:rPr lang="en-IL" dirty="0" err="1"/>
-              <a:t>PrimeTime</a:t>
-            </a:r>
-            <a:r>
-              <a:rPr lang="en-IL" dirty="0"/>
-              <a:t> verifies </a:t>
-            </a:r>
-            <a:r>
-              <a:rPr lang="en-IL" b="1" dirty="0"/>
-              <a:t>setup and hold constraints</a:t>
-            </a:r>
-            <a:r>
-              <a:rPr lang="en-IL" dirty="0"/>
-              <a:t>, </a:t>
-            </a:r>
-            <a:r>
-              <a:rPr lang="en-IL" b="1" dirty="0"/>
-              <a:t>path delays</a:t>
-            </a:r>
-            <a:r>
-              <a:rPr lang="en-IL" dirty="0"/>
-              <a:t>, and </a:t>
-            </a:r>
-            <a:r>
-              <a:rPr lang="en-IL" b="1" dirty="0"/>
-              <a:t>critical corner cases</a:t>
-            </a:r>
-            <a:r>
-              <a:rPr lang="en-IL" dirty="0"/>
-              <a:t>.</a:t>
-            </a:r>
-          </a:p>
-          <a:p>
-            <a:r>
-              <a:rPr lang="en-IL" dirty="0"/>
-              <a:t>This process enables us to </a:t>
-            </a:r>
-            <a:r>
-              <a:rPr lang="en-IL" b="1" dirty="0"/>
-              <a:t>debug timing issues</a:t>
-            </a:r>
-            <a:r>
-              <a:rPr lang="en-IL" dirty="0"/>
-              <a:t> and adjust the </a:t>
-            </a:r>
-            <a:r>
-              <a:rPr lang="en-IL" b="1" dirty="0"/>
-              <a:t>operating frequency</a:t>
-            </a:r>
-            <a:r>
-              <a:rPr lang="en-IL" dirty="0"/>
-              <a:t> </a:t>
-            </a:r>
-            <a:r>
-              <a:rPr lang="en-US" dirty="0"/>
-              <a:t>after each design/clock change.</a:t>
-            </a:r>
+            </a:br>
             <a:endParaRPr lang="he-IL" dirty="0"/>
           </a:p>
         </p:txBody>
@@ -11985,7 +16355,7 @@
     </p:spTree>
     <p:extLst>
       <p:ext uri="{BB962C8B-B14F-4D97-AF65-F5344CB8AC3E}">
-        <p14:creationId xmlns:p14="http://schemas.microsoft.com/office/powerpoint/2010/main" val="182786622"/>
+        <p14:creationId xmlns:p14="http://schemas.microsoft.com/office/powerpoint/2010/main" val="2615003805"/>
       </p:ext>
     </p:extLst>
   </p:cSld>
@@ -11995,159 +16365,7 @@
 </p:sld>
 </file>
 
-<file path=ppt/slides/slide16.xml><?xml version="1.0" encoding="utf-8"?>
-<p:sld xmlns:a="http://schemas.openxmlformats.org/drawingml/2006/main" xmlns:r="http://schemas.openxmlformats.org/officeDocument/2006/relationships" xmlns:p="http://schemas.openxmlformats.org/presentationml/2006/main">
-  <p:cSld>
-    <p:spTree>
-      <p:nvGrpSpPr>
-        <p:cNvPr id="1" name=""/>
-        <p:cNvGrpSpPr/>
-        <p:nvPr/>
-      </p:nvGrpSpPr>
-      <p:grpSpPr>
-        <a:xfrm>
-          <a:off x="0" y="0"/>
-          <a:ext cx="0" cy="0"/>
-          <a:chOff x="0" y="0"/>
-          <a:chExt cx="0" cy="0"/>
-        </a:xfrm>
-      </p:grpSpPr>
-      <p:sp>
-        <p:nvSpPr>
-          <p:cNvPr id="2" name="Title 1">
-            <a:extLst>
-              <a:ext uri="{FF2B5EF4-FFF2-40B4-BE49-F238E27FC236}">
-                <a16:creationId xmlns:a16="http://schemas.microsoft.com/office/drawing/2014/main" id="{1BDC20F6-9510-7273-65C7-D27F01B8CAA7}"/>
-              </a:ext>
-            </a:extLst>
-          </p:cNvPr>
-          <p:cNvSpPr>
-            <a:spLocks noGrp="1"/>
-          </p:cNvSpPr>
-          <p:nvPr>
-            <p:ph type="title"/>
-          </p:nvPr>
-        </p:nvSpPr>
-        <p:spPr>
-          <a:xfrm>
-            <a:off x="187960" y="182245"/>
-            <a:ext cx="10515600" cy="1325563"/>
-          </a:xfrm>
-        </p:spPr>
-        <p:txBody>
-          <a:bodyPr/>
-          <a:lstStyle/>
-          <a:p>
-            <a:r>
-              <a:rPr lang="en-US" dirty="0"/>
-              <a:t>Challenges &amp; problems</a:t>
-            </a:r>
-            <a:endParaRPr lang="en-IL" dirty="0"/>
-          </a:p>
-        </p:txBody>
-      </p:sp>
-      <p:sp>
-        <p:nvSpPr>
-          <p:cNvPr id="3" name="Content Placeholder 2">
-            <a:extLst>
-              <a:ext uri="{FF2B5EF4-FFF2-40B4-BE49-F238E27FC236}">
-                <a16:creationId xmlns:a16="http://schemas.microsoft.com/office/drawing/2014/main" id="{0B09C33B-B383-9E8F-BBD4-E3C71A600F03}"/>
-              </a:ext>
-            </a:extLst>
-          </p:cNvPr>
-          <p:cNvSpPr>
-            <a:spLocks noGrp="1"/>
-          </p:cNvSpPr>
-          <p:nvPr>
-            <p:ph idx="1"/>
-          </p:nvPr>
-        </p:nvSpPr>
-        <p:spPr>
-          <a:xfrm>
-            <a:off x="187960" y="1432560"/>
-            <a:ext cx="11165840" cy="4744403"/>
-          </a:xfrm>
-        </p:spPr>
-        <p:txBody>
-          <a:bodyPr/>
-          <a:lstStyle/>
-          <a:p>
-            <a:r>
-              <a:rPr lang="en-IL" dirty="0"/>
-              <a:t>Design Size</a:t>
-            </a:r>
-            <a:r>
-              <a:rPr lang="en-US" dirty="0"/>
-              <a:t> was getting a lot bigger due to the initial debug unit planning, </a:t>
-            </a:r>
-            <a:r>
-              <a:rPr lang="en-IL" dirty="0"/>
-              <a:t>creating a high-density &amp; complex design</a:t>
-            </a:r>
-            <a:r>
-              <a:rPr lang="en-US" dirty="0"/>
-              <a:t>.</a:t>
-            </a:r>
-          </a:p>
-          <a:p>
-            <a:pPr marL="0" indent="0">
-              <a:buNone/>
-            </a:pPr>
-            <a:r>
-              <a:rPr lang="en-US" dirty="0"/>
-              <a:t> 	-We had to re-plan, and used a common solution used in the real           		world, adding a mux to the debug unit outputs, </a:t>
-            </a:r>
-            <a:r>
-              <a:rPr lang="en-IL" dirty="0"/>
-              <a:t>reducing the </a:t>
-            </a:r>
-            <a:r>
-              <a:rPr lang="en-US" dirty="0"/>
-              <a:t>			design size by ~ %60.</a:t>
-            </a:r>
-          </a:p>
-          <a:p>
-            <a:r>
-              <a:rPr lang="en-US" dirty="0"/>
-              <a:t> Inconsistencies between tools used in different back-end manuals, </a:t>
-            </a:r>
-            <a:r>
-              <a:rPr lang="en-IL" dirty="0"/>
-              <a:t>This limitation was shown during our attempt to use PrimeTime (as guided in the long manual) within a project originally structured using the short manual</a:t>
-            </a:r>
-            <a:r>
-              <a:rPr lang="en-US" dirty="0"/>
-              <a:t>, causing us to create a new script ( with Goel help).</a:t>
-            </a:r>
-          </a:p>
-          <a:p>
-            <a:pPr marL="0" indent="0">
-              <a:buNone/>
-            </a:pPr>
-            <a:endParaRPr lang="en-IL" dirty="0"/>
-          </a:p>
-          <a:p>
-            <a:endParaRPr lang="en-US" dirty="0"/>
-          </a:p>
-          <a:p>
-            <a:endParaRPr lang="en-US" dirty="0"/>
-          </a:p>
-        </p:txBody>
-      </p:sp>
-    </p:spTree>
-    <p:extLst>
-      <p:ext uri="{BB962C8B-B14F-4D97-AF65-F5344CB8AC3E}">
-        <p14:creationId xmlns:p14="http://schemas.microsoft.com/office/powerpoint/2010/main" val="1945658646"/>
-      </p:ext>
-    </p:extLst>
-  </p:cSld>
-  <p:clrMapOvr>
-    <a:masterClrMapping/>
-  </p:clrMapOvr>
-</p:sld>
-</file>
-
-<file path=ppt/slides/slide17.xml><?xml version="1.0" encoding="utf-8"?>
+<file path=ppt/slides/slide20.xml><?xml version="1.0" encoding="utf-8"?>
 <p:sld xmlns:a="http://schemas.openxmlformats.org/drawingml/2006/main" xmlns:r="http://schemas.openxmlformats.org/officeDocument/2006/relationships" xmlns:p="http://schemas.openxmlformats.org/presentationml/2006/main">
   <p:cSld>
     <p:spTree>
@@ -12155,7 +16373,7 @@
         <p:cNvPr id="1" name="">
           <a:extLst>
             <a:ext uri="{FF2B5EF4-FFF2-40B4-BE49-F238E27FC236}">
-              <a16:creationId xmlns:a16="http://schemas.microsoft.com/office/drawing/2014/main" id="{648D26A9-770B-7FE7-5C4D-448A704631E7}"/>
+              <a16:creationId xmlns:a16="http://schemas.microsoft.com/office/drawing/2014/main" id="{5F3D9C39-63B9-0FF5-4A6F-A4FD45A12489}"/>
             </a:ext>
           </a:extLst>
         </p:cNvPr>
@@ -12175,7 +16393,7 @@
           <p:cNvPr id="19" name="Rectangle 18">
             <a:extLst>
               <a:ext uri="{FF2B5EF4-FFF2-40B4-BE49-F238E27FC236}">
-                <a16:creationId xmlns:a16="http://schemas.microsoft.com/office/drawing/2014/main" id="{7C519156-EFB1-D309-E35A-A5789BA1C7EA}"/>
+                <a16:creationId xmlns:a16="http://schemas.microsoft.com/office/drawing/2014/main" id="{5815323F-93A0-E92B-52C2-55C1E42850F2}"/>
               </a:ext>
             </a:extLst>
           </p:cNvPr>
@@ -12241,6 +16459,422 @@
           <p:cNvPr id="7" name="כותרת 1">
             <a:extLst>
               <a:ext uri="{FF2B5EF4-FFF2-40B4-BE49-F238E27FC236}">
+                <a16:creationId xmlns:a16="http://schemas.microsoft.com/office/drawing/2014/main" id="{81E3FA5E-AC7A-8383-79E5-CAF6A87499E6}"/>
+              </a:ext>
+            </a:extLst>
+          </p:cNvPr>
+          <p:cNvSpPr>
+            <a:spLocks noGrp="1"/>
+          </p:cNvSpPr>
+          <p:nvPr>
+            <p:ph type="title"/>
+          </p:nvPr>
+        </p:nvSpPr>
+        <p:spPr>
+          <a:xfrm>
+            <a:off x="288544" y="0"/>
+            <a:ext cx="10515600" cy="1325563"/>
+          </a:xfrm>
+        </p:spPr>
+        <p:txBody>
+          <a:bodyPr/>
+          <a:lstStyle/>
+          <a:p>
+            <a:r>
+              <a:rPr lang="en-US" b="1" dirty="0"/>
+              <a:t>STA Check:</a:t>
+            </a:r>
+            <a:endParaRPr lang="he-IL" b="1" dirty="0"/>
+          </a:p>
+        </p:txBody>
+      </p:sp>
+      <p:sp>
+        <p:nvSpPr>
+          <p:cNvPr id="8" name="מציין מיקום תוכן 2">
+            <a:extLst>
+              <a:ext uri="{FF2B5EF4-FFF2-40B4-BE49-F238E27FC236}">
+                <a16:creationId xmlns:a16="http://schemas.microsoft.com/office/drawing/2014/main" id="{7A9C9526-C3E4-681C-E07B-146EF2B7BF71}"/>
+              </a:ext>
+            </a:extLst>
+          </p:cNvPr>
+          <p:cNvSpPr>
+            <a:spLocks noGrp="1"/>
+          </p:cNvSpPr>
+          <p:nvPr>
+            <p:ph idx="1"/>
+          </p:nvPr>
+        </p:nvSpPr>
+        <p:spPr>
+          <a:xfrm>
+            <a:off x="71120" y="1195602"/>
+            <a:ext cx="12049760" cy="5573712"/>
+          </a:xfrm>
+        </p:spPr>
+        <p:txBody>
+          <a:bodyPr>
+            <a:normAutofit/>
+          </a:bodyPr>
+          <a:lstStyle/>
+          <a:p>
+            <a:r>
+              <a:rPr lang="en-US" dirty="0"/>
+              <a:t>Using </a:t>
+            </a:r>
+            <a:r>
+              <a:rPr lang="en-IL" b="1" dirty="0"/>
+              <a:t>PrimeTime</a:t>
+            </a:r>
+            <a:r>
+              <a:rPr lang="en-IL" dirty="0"/>
+              <a:t> tool</a:t>
+            </a:r>
+            <a:r>
+              <a:rPr lang="en-US" dirty="0"/>
+              <a:t> &amp; </a:t>
+            </a:r>
+            <a:r>
+              <a:rPr lang="en-IL" dirty="0"/>
+              <a:t>Tower Design Kit</a:t>
+            </a:r>
+            <a:r>
+              <a:rPr lang="en-US" dirty="0"/>
+              <a:t>, for </a:t>
+            </a:r>
+            <a:r>
+              <a:rPr lang="en-IL" dirty="0"/>
+              <a:t>timing violations in the design</a:t>
+            </a:r>
+            <a:r>
+              <a:rPr lang="en-US" dirty="0"/>
+              <a:t> &amp; trying to achieve maximum working frequency.</a:t>
+            </a:r>
+          </a:p>
+          <a:p>
+            <a:r>
+              <a:rPr lang="en-IL" dirty="0"/>
+              <a:t>By using slightly modified scripts</a:t>
+            </a:r>
+            <a:r>
+              <a:rPr lang="en-US" dirty="0"/>
+              <a:t> (adaptive to our design and libraries)</a:t>
+            </a:r>
+            <a:r>
+              <a:rPr lang="en-IL" dirty="0"/>
+              <a:t>, PrimeTime verifies </a:t>
+            </a:r>
+            <a:r>
+              <a:rPr lang="en-IL" b="1" dirty="0"/>
+              <a:t>setup and hold constraints</a:t>
+            </a:r>
+            <a:r>
+              <a:rPr lang="en-IL" dirty="0"/>
+              <a:t>, </a:t>
+            </a:r>
+            <a:r>
+              <a:rPr lang="en-IL" b="1" dirty="0"/>
+              <a:t>path delays</a:t>
+            </a:r>
+            <a:r>
+              <a:rPr lang="en-IL" dirty="0"/>
+              <a:t>, and </a:t>
+            </a:r>
+            <a:r>
+              <a:rPr lang="en-IL" b="1" dirty="0"/>
+              <a:t>critical corner cases</a:t>
+            </a:r>
+            <a:r>
+              <a:rPr lang="en-IL" dirty="0"/>
+              <a:t>.</a:t>
+            </a:r>
+          </a:p>
+          <a:p>
+            <a:r>
+              <a:rPr lang="en-IL" dirty="0"/>
+              <a:t>This process enables us to </a:t>
+            </a:r>
+            <a:r>
+              <a:rPr lang="en-IL" b="1" dirty="0"/>
+              <a:t>debug timing issues</a:t>
+            </a:r>
+            <a:r>
+              <a:rPr lang="en-IL" dirty="0"/>
+              <a:t> and adjust the </a:t>
+            </a:r>
+            <a:r>
+              <a:rPr lang="en-IL" b="1" dirty="0"/>
+              <a:t>operating frequency</a:t>
+            </a:r>
+            <a:r>
+              <a:rPr lang="en-IL" dirty="0"/>
+              <a:t> </a:t>
+            </a:r>
+            <a:r>
+              <a:rPr lang="en-US" dirty="0"/>
+              <a:t>after each design/clock change.</a:t>
+            </a:r>
+            <a:endParaRPr lang="he-IL" dirty="0"/>
+          </a:p>
+        </p:txBody>
+      </p:sp>
+    </p:spTree>
+    <p:extLst>
+      <p:ext uri="{BB962C8B-B14F-4D97-AF65-F5344CB8AC3E}">
+        <p14:creationId xmlns:p14="http://schemas.microsoft.com/office/powerpoint/2010/main" val="182786622"/>
+      </p:ext>
+    </p:extLst>
+  </p:cSld>
+  <p:clrMapOvr>
+    <a:masterClrMapping/>
+  </p:clrMapOvr>
+</p:sld>
+</file>
+
+<file path=ppt/slides/slide21.xml><?xml version="1.0" encoding="utf-8"?>
+<p:sld xmlns:a="http://schemas.openxmlformats.org/drawingml/2006/main" xmlns:r="http://schemas.openxmlformats.org/officeDocument/2006/relationships" xmlns:p="http://schemas.openxmlformats.org/presentationml/2006/main">
+  <p:cSld>
+    <p:spTree>
+      <p:nvGrpSpPr>
+        <p:cNvPr id="1" name=""/>
+        <p:cNvGrpSpPr/>
+        <p:nvPr/>
+      </p:nvGrpSpPr>
+      <p:grpSpPr>
+        <a:xfrm>
+          <a:off x="0" y="0"/>
+          <a:ext cx="0" cy="0"/>
+          <a:chOff x="0" y="0"/>
+          <a:chExt cx="0" cy="0"/>
+        </a:xfrm>
+      </p:grpSpPr>
+      <p:sp>
+        <p:nvSpPr>
+          <p:cNvPr id="2" name="Title 1">
+            <a:extLst>
+              <a:ext uri="{FF2B5EF4-FFF2-40B4-BE49-F238E27FC236}">
+                <a16:creationId xmlns:a16="http://schemas.microsoft.com/office/drawing/2014/main" id="{1BDC20F6-9510-7273-65C7-D27F01B8CAA7}"/>
+              </a:ext>
+            </a:extLst>
+          </p:cNvPr>
+          <p:cNvSpPr>
+            <a:spLocks noGrp="1"/>
+          </p:cNvSpPr>
+          <p:nvPr>
+            <p:ph type="title"/>
+          </p:nvPr>
+        </p:nvSpPr>
+        <p:spPr>
+          <a:xfrm>
+            <a:off x="187960" y="182245"/>
+            <a:ext cx="10515600" cy="1325563"/>
+          </a:xfrm>
+        </p:spPr>
+        <p:txBody>
+          <a:bodyPr/>
+          <a:lstStyle/>
+          <a:p>
+            <a:r>
+              <a:rPr lang="en-US" dirty="0"/>
+              <a:t>Challenges &amp; problems</a:t>
+            </a:r>
+            <a:endParaRPr lang="en-IL" dirty="0"/>
+          </a:p>
+        </p:txBody>
+      </p:sp>
+      <p:sp>
+        <p:nvSpPr>
+          <p:cNvPr id="3" name="Content Placeholder 2">
+            <a:extLst>
+              <a:ext uri="{FF2B5EF4-FFF2-40B4-BE49-F238E27FC236}">
+                <a16:creationId xmlns:a16="http://schemas.microsoft.com/office/drawing/2014/main" id="{0B09C33B-B383-9E8F-BBD4-E3C71A600F03}"/>
+              </a:ext>
+            </a:extLst>
+          </p:cNvPr>
+          <p:cNvSpPr>
+            <a:spLocks noGrp="1"/>
+          </p:cNvSpPr>
+          <p:nvPr>
+            <p:ph idx="1"/>
+          </p:nvPr>
+        </p:nvSpPr>
+        <p:spPr>
+          <a:xfrm>
+            <a:off x="187960" y="1432560"/>
+            <a:ext cx="11165840" cy="4744403"/>
+          </a:xfrm>
+        </p:spPr>
+        <p:txBody>
+          <a:bodyPr/>
+          <a:lstStyle/>
+          <a:p>
+            <a:r>
+              <a:rPr lang="en-IL" dirty="0"/>
+              <a:t>Design Size</a:t>
+            </a:r>
+            <a:r>
+              <a:rPr lang="en-US" dirty="0"/>
+              <a:t> was getting a lot bigger due to the initial debug unit planning, </a:t>
+            </a:r>
+            <a:r>
+              <a:rPr lang="en-IL" dirty="0"/>
+              <a:t>creating a high-density &amp; complex design</a:t>
+            </a:r>
+            <a:r>
+              <a:rPr lang="en-US" dirty="0"/>
+              <a:t>.</a:t>
+            </a:r>
+          </a:p>
+          <a:p>
+            <a:pPr marL="0" indent="0">
+              <a:buNone/>
+            </a:pPr>
+            <a:r>
+              <a:rPr lang="en-US" dirty="0"/>
+              <a:t> 	-We had to re-plan, and used a common solution used in the real           		world, adding a mux to the debug unit outputs, </a:t>
+            </a:r>
+            <a:r>
+              <a:rPr lang="en-IL" dirty="0"/>
+              <a:t>reducing the </a:t>
+            </a:r>
+            <a:r>
+              <a:rPr lang="en-US" dirty="0"/>
+              <a:t>			design size by ~ %60.</a:t>
+            </a:r>
+          </a:p>
+          <a:p>
+            <a:r>
+              <a:rPr lang="en-US" dirty="0"/>
+              <a:t> Inconsistencies between tools used in different back-end manuals, </a:t>
+            </a:r>
+            <a:r>
+              <a:rPr lang="en-IL" dirty="0"/>
+              <a:t>This limitation was shown during our attempt to use PrimeTime (as guided in the long manual) within a project originally structured using the short manual</a:t>
+            </a:r>
+            <a:r>
+              <a:rPr lang="en-US" dirty="0"/>
+              <a:t>, causing us to create a new script ( with Goel help).</a:t>
+            </a:r>
+          </a:p>
+          <a:p>
+            <a:pPr marL="0" indent="0">
+              <a:buNone/>
+            </a:pPr>
+            <a:endParaRPr lang="en-IL" dirty="0"/>
+          </a:p>
+          <a:p>
+            <a:endParaRPr lang="en-US" dirty="0"/>
+          </a:p>
+          <a:p>
+            <a:endParaRPr lang="en-US" dirty="0"/>
+          </a:p>
+        </p:txBody>
+      </p:sp>
+    </p:spTree>
+    <p:extLst>
+      <p:ext uri="{BB962C8B-B14F-4D97-AF65-F5344CB8AC3E}">
+        <p14:creationId xmlns:p14="http://schemas.microsoft.com/office/powerpoint/2010/main" val="1945658646"/>
+      </p:ext>
+    </p:extLst>
+  </p:cSld>
+  <p:clrMapOvr>
+    <a:masterClrMapping/>
+  </p:clrMapOvr>
+</p:sld>
+</file>
+
+<file path=ppt/slides/slide22.xml><?xml version="1.0" encoding="utf-8"?>
+<p:sld xmlns:a="http://schemas.openxmlformats.org/drawingml/2006/main" xmlns:r="http://schemas.openxmlformats.org/officeDocument/2006/relationships" xmlns:p="http://schemas.openxmlformats.org/presentationml/2006/main">
+  <p:cSld>
+    <p:spTree>
+      <p:nvGrpSpPr>
+        <p:cNvPr id="1" name="">
+          <a:extLst>
+            <a:ext uri="{FF2B5EF4-FFF2-40B4-BE49-F238E27FC236}">
+              <a16:creationId xmlns:a16="http://schemas.microsoft.com/office/drawing/2014/main" id="{648D26A9-770B-7FE7-5C4D-448A704631E7}"/>
+            </a:ext>
+          </a:extLst>
+        </p:cNvPr>
+        <p:cNvGrpSpPr/>
+        <p:nvPr/>
+      </p:nvGrpSpPr>
+      <p:grpSpPr>
+        <a:xfrm>
+          <a:off x="0" y="0"/>
+          <a:ext cx="0" cy="0"/>
+          <a:chOff x="0" y="0"/>
+          <a:chExt cx="0" cy="0"/>
+        </a:xfrm>
+      </p:grpSpPr>
+      <p:sp>
+        <p:nvSpPr>
+          <p:cNvPr id="19" name="Rectangle 18">
+            <a:extLst>
+              <a:ext uri="{FF2B5EF4-FFF2-40B4-BE49-F238E27FC236}">
+                <a16:creationId xmlns:a16="http://schemas.microsoft.com/office/drawing/2014/main" id="{7C519156-EFB1-D309-E35A-A5789BA1C7EA}"/>
+              </a:ext>
+            </a:extLst>
+          </p:cNvPr>
+          <p:cNvSpPr/>
+          <p:nvPr/>
+        </p:nvSpPr>
+        <p:spPr>
+          <a:xfrm>
+            <a:off x="1462167" y="1195602"/>
+            <a:ext cx="10729833" cy="1053885"/>
+          </a:xfrm>
+          <a:prstGeom prst="rect">
+            <a:avLst/>
+          </a:prstGeom>
+        </p:spPr>
+        <p:style>
+          <a:lnRef idx="0">
+            <a:schemeClr val="dk1">
+              <a:alpha val="0"/>
+              <a:hueOff val="0"/>
+              <a:satOff val="0"/>
+              <a:lumOff val="0"/>
+              <a:alphaOff val="0"/>
+            </a:schemeClr>
+          </a:lnRef>
+          <a:fillRef idx="0">
+            <a:schemeClr val="lt1">
+              <a:alpha val="0"/>
+              <a:hueOff val="0"/>
+              <a:satOff val="0"/>
+              <a:lumOff val="0"/>
+              <a:alphaOff val="0"/>
+            </a:schemeClr>
+          </a:fillRef>
+          <a:effectRef idx="0">
+            <a:schemeClr val="lt1">
+              <a:alpha val="0"/>
+              <a:hueOff val="0"/>
+              <a:satOff val="0"/>
+              <a:lumOff val="0"/>
+              <a:alphaOff val="0"/>
+            </a:schemeClr>
+          </a:effectRef>
+          <a:fontRef idx="minor">
+            <a:schemeClr val="tx1">
+              <a:hueOff val="0"/>
+              <a:satOff val="0"/>
+              <a:lumOff val="0"/>
+              <a:alphaOff val="0"/>
+            </a:schemeClr>
+          </a:fontRef>
+        </p:style>
+        <p:txBody>
+          <a:bodyPr/>
+          <a:lstStyle/>
+          <a:p>
+            <a:endParaRPr lang="en-IL"/>
+          </a:p>
+        </p:txBody>
+      </p:sp>
+      <p:sp>
+        <p:nvSpPr>
+          <p:cNvPr id="7" name="כותרת 1">
+            <a:extLst>
+              <a:ext uri="{FF2B5EF4-FFF2-40B4-BE49-F238E27FC236}">
                 <a16:creationId xmlns:a16="http://schemas.microsoft.com/office/drawing/2014/main" id="{39599E60-7759-B32D-4A17-86A0BFAD8CB0}"/>
               </a:ext>
             </a:extLst>
@@ -12378,7 +17012,7 @@
 </p:sld>
 </file>
 
-<file path=ppt/slides/slide18.xml><?xml version="1.0" encoding="utf-8"?>
+<file path=ppt/slides/slide23.xml><?xml version="1.0" encoding="utf-8"?>
 <p:sld xmlns:a="http://schemas.openxmlformats.org/drawingml/2006/main" xmlns:r="http://schemas.openxmlformats.org/officeDocument/2006/relationships" xmlns:p="http://schemas.openxmlformats.org/presentationml/2006/main">
   <p:cSld>
     <p:spTree>
@@ -12687,8 +17321,8 @@
         </p:nvSpPr>
         <p:spPr>
           <a:xfrm>
-            <a:off x="2359152" y="6376035"/>
-            <a:ext cx="7476744" cy="167005"/>
+            <a:off x="4003040" y="6484779"/>
+            <a:ext cx="7399528" cy="167005"/>
           </a:xfrm>
           <a:prstGeom prst="rect">
             <a:avLst/>
@@ -12740,7 +17374,7 @@
 </p:sld>
 </file>
 
-<file path=ppt/slides/slide19.xml><?xml version="1.0" encoding="utf-8"?>
+<file path=ppt/slides/slide24.xml><?xml version="1.0" encoding="utf-8"?>
 <p:sld xmlns:a="http://schemas.openxmlformats.org/drawingml/2006/main" xmlns:r="http://schemas.openxmlformats.org/officeDocument/2006/relationships" xmlns:p="http://schemas.openxmlformats.org/presentationml/2006/main">
   <p:cSld>
     <p:spTree>
@@ -12916,241 +17550,7 @@
 </p:sld>
 </file>
 
-<file path=ppt/slides/slide2.xml><?xml version="1.0" encoding="utf-8"?>
-<p:sld xmlns:a="http://schemas.openxmlformats.org/drawingml/2006/main" xmlns:r="http://schemas.openxmlformats.org/officeDocument/2006/relationships" xmlns:p="http://schemas.openxmlformats.org/presentationml/2006/main">
-  <p:cSld>
-    <p:spTree>
-      <p:nvGrpSpPr>
-        <p:cNvPr id="1" name="">
-          <a:extLst>
-            <a:ext uri="{FF2B5EF4-FFF2-40B4-BE49-F238E27FC236}">
-              <a16:creationId xmlns:a16="http://schemas.microsoft.com/office/drawing/2014/main" id="{67DE582A-B816-B5E2-A91B-C56EDA8821EE}"/>
-            </a:ext>
-          </a:extLst>
-        </p:cNvPr>
-        <p:cNvGrpSpPr/>
-        <p:nvPr/>
-      </p:nvGrpSpPr>
-      <p:grpSpPr>
-        <a:xfrm>
-          <a:off x="0" y="0"/>
-          <a:ext cx="0" cy="0"/>
-          <a:chOff x="0" y="0"/>
-          <a:chExt cx="0" cy="0"/>
-        </a:xfrm>
-      </p:grpSpPr>
-      <p:sp>
-        <p:nvSpPr>
-          <p:cNvPr id="19" name="Rectangle 18">
-            <a:extLst>
-              <a:ext uri="{FF2B5EF4-FFF2-40B4-BE49-F238E27FC236}">
-                <a16:creationId xmlns:a16="http://schemas.microsoft.com/office/drawing/2014/main" id="{7C4C55D4-3308-3EA0-7B77-FC2396C235CC}"/>
-              </a:ext>
-            </a:extLst>
-          </p:cNvPr>
-          <p:cNvSpPr/>
-          <p:nvPr/>
-        </p:nvSpPr>
-        <p:spPr>
-          <a:xfrm>
-            <a:off x="1462167" y="1195602"/>
-            <a:ext cx="10729833" cy="1053885"/>
-          </a:xfrm>
-          <a:prstGeom prst="rect">
-            <a:avLst/>
-          </a:prstGeom>
-        </p:spPr>
-        <p:style>
-          <a:lnRef idx="0">
-            <a:schemeClr val="dk1">
-              <a:alpha val="0"/>
-              <a:hueOff val="0"/>
-              <a:satOff val="0"/>
-              <a:lumOff val="0"/>
-              <a:alphaOff val="0"/>
-            </a:schemeClr>
-          </a:lnRef>
-          <a:fillRef idx="0">
-            <a:schemeClr val="lt1">
-              <a:alpha val="0"/>
-              <a:hueOff val="0"/>
-              <a:satOff val="0"/>
-              <a:lumOff val="0"/>
-              <a:alphaOff val="0"/>
-            </a:schemeClr>
-          </a:fillRef>
-          <a:effectRef idx="0">
-            <a:schemeClr val="lt1">
-              <a:alpha val="0"/>
-              <a:hueOff val="0"/>
-              <a:satOff val="0"/>
-              <a:lumOff val="0"/>
-              <a:alphaOff val="0"/>
-            </a:schemeClr>
-          </a:effectRef>
-          <a:fontRef idx="minor">
-            <a:schemeClr val="tx1">
-              <a:hueOff val="0"/>
-              <a:satOff val="0"/>
-              <a:lumOff val="0"/>
-              <a:alphaOff val="0"/>
-            </a:schemeClr>
-          </a:fontRef>
-        </p:style>
-        <p:txBody>
-          <a:bodyPr/>
-          <a:lstStyle/>
-          <a:p>
-            <a:endParaRPr lang="en-IL"/>
-          </a:p>
-        </p:txBody>
-      </p:sp>
-      <p:sp>
-        <p:nvSpPr>
-          <p:cNvPr id="7" name="כותרת 1">
-            <a:extLst>
-              <a:ext uri="{FF2B5EF4-FFF2-40B4-BE49-F238E27FC236}">
-                <a16:creationId xmlns:a16="http://schemas.microsoft.com/office/drawing/2014/main" id="{79C6818C-99F7-98C5-1B6D-58B48E415932}"/>
-              </a:ext>
-            </a:extLst>
-          </p:cNvPr>
-          <p:cNvSpPr>
-            <a:spLocks noGrp="1"/>
-          </p:cNvSpPr>
-          <p:nvPr>
-            <p:ph type="title"/>
-          </p:nvPr>
-        </p:nvSpPr>
-        <p:spPr>
-          <a:xfrm>
-            <a:off x="591312" y="328549"/>
-            <a:ext cx="10515600" cy="1325563"/>
-          </a:xfrm>
-        </p:spPr>
-        <p:txBody>
-          <a:bodyPr>
-            <a:normAutofit/>
-          </a:bodyPr>
-          <a:lstStyle/>
-          <a:p>
-            <a:pPr rtl="0"/>
-            <a:r>
-              <a:rPr lang="en-US" b="1" dirty="0">
-                <a:cs typeface="Arial" panose="020B0604020202020204" pitchFamily="34" charset="0"/>
-              </a:rPr>
-              <a:t>Agenda</a:t>
-            </a:r>
-            <a:endParaRPr lang="he-IL" b="1" dirty="0">
-              <a:cs typeface="Arial" panose="020B0604020202020204" pitchFamily="34" charset="0"/>
-            </a:endParaRPr>
-          </a:p>
-        </p:txBody>
-      </p:sp>
-      <p:sp>
-        <p:nvSpPr>
-          <p:cNvPr id="8" name="מציין מיקום תוכן 2">
-            <a:extLst>
-              <a:ext uri="{FF2B5EF4-FFF2-40B4-BE49-F238E27FC236}">
-                <a16:creationId xmlns:a16="http://schemas.microsoft.com/office/drawing/2014/main" id="{01CF4E00-C42F-FA9F-F2B6-510A0DD033DD}"/>
-              </a:ext>
-            </a:extLst>
-          </p:cNvPr>
-          <p:cNvSpPr>
-            <a:spLocks noGrp="1"/>
-          </p:cNvSpPr>
-          <p:nvPr>
-            <p:ph idx="1"/>
-          </p:nvPr>
-        </p:nvSpPr>
-        <p:spPr>
-          <a:xfrm>
-            <a:off x="591312" y="1789049"/>
-            <a:ext cx="10515600" cy="4351338"/>
-          </a:xfrm>
-        </p:spPr>
-        <p:txBody>
-          <a:bodyPr>
-            <a:normAutofit/>
-          </a:bodyPr>
-          <a:lstStyle/>
-          <a:p>
-            <a:pPr rtl="0"/>
-            <a:r>
-              <a:rPr lang="en-US" b="0" i="0" dirty="0">
-                <a:effectLst/>
-                <a:cs typeface="Arial" panose="020B0604020202020204" pitchFamily="34" charset="0"/>
-              </a:rPr>
-              <a:t>Background.</a:t>
-            </a:r>
-          </a:p>
-          <a:p>
-            <a:pPr rtl="0"/>
-            <a:r>
-              <a:rPr lang="en-US" b="0" i="0" dirty="0">
-                <a:effectLst/>
-                <a:cs typeface="Arial" panose="020B0604020202020204" pitchFamily="34" charset="0"/>
-              </a:rPr>
-              <a:t> Project definition and goals.</a:t>
-            </a:r>
-          </a:p>
-          <a:p>
-            <a:pPr rtl="0"/>
-            <a:r>
-              <a:rPr lang="en-US" b="0" i="0" dirty="0">
-                <a:effectLst/>
-                <a:cs typeface="Arial" panose="020B0604020202020204" pitchFamily="34" charset="0"/>
-              </a:rPr>
-              <a:t> Alternative solutions.</a:t>
-            </a:r>
-          </a:p>
-          <a:p>
-            <a:pPr rtl="0"/>
-            <a:r>
-              <a:rPr lang="en-US" b="0" i="0" dirty="0">
-                <a:effectLst/>
-                <a:cs typeface="Arial" panose="020B0604020202020204" pitchFamily="34" charset="0"/>
-              </a:rPr>
-              <a:t> Architectural design of the selected solution.</a:t>
-            </a:r>
-          </a:p>
-          <a:p>
-            <a:pPr rtl="0"/>
-            <a:r>
-              <a:rPr lang="en-US" dirty="0">
-                <a:cs typeface="Arial" panose="020B0604020202020204" pitchFamily="34" charset="0"/>
-              </a:rPr>
-              <a:t>Back-end flow.</a:t>
-            </a:r>
-          </a:p>
-          <a:p>
-            <a:pPr rtl="0"/>
-            <a:r>
-              <a:rPr lang="en-US" dirty="0">
-                <a:cs typeface="Arial" panose="020B0604020202020204" pitchFamily="34" charset="0"/>
-              </a:rPr>
-              <a:t>Results</a:t>
-            </a:r>
-            <a:br>
-              <a:rPr lang="en-US" dirty="0"/>
-            </a:br>
-            <a:endParaRPr lang="he-IL" dirty="0"/>
-          </a:p>
-        </p:txBody>
-      </p:sp>
-    </p:spTree>
-    <p:extLst>
-      <p:ext uri="{BB962C8B-B14F-4D97-AF65-F5344CB8AC3E}">
-        <p14:creationId xmlns:p14="http://schemas.microsoft.com/office/powerpoint/2010/main" val="2615003805"/>
-      </p:ext>
-    </p:extLst>
-  </p:cSld>
-  <p:clrMapOvr>
-    <a:masterClrMapping/>
-  </p:clrMapOvr>
-</p:sld>
-</file>
-
-<file path=ppt/slides/slide20.xml><?xml version="1.0" encoding="utf-8"?>
+<file path=ppt/slides/slide25.xml><?xml version="1.0" encoding="utf-8"?>
 <p:sld xmlns:a="http://schemas.openxmlformats.org/drawingml/2006/main" xmlns:r="http://schemas.openxmlformats.org/officeDocument/2006/relationships" xmlns:p="http://schemas.openxmlformats.org/presentationml/2006/main">
   <p:cSld>
     <p:spTree>
@@ -13475,7 +17875,7 @@
 </p:sld>
 </file>
 
-<file path=ppt/slides/slide21.xml><?xml version="1.0" encoding="utf-8"?>
+<file path=ppt/slides/slide26.xml><?xml version="1.0" encoding="utf-8"?>
 <p:sld xmlns:a="http://schemas.openxmlformats.org/drawingml/2006/main" xmlns:r="http://schemas.openxmlformats.org/officeDocument/2006/relationships" xmlns:p="http://schemas.openxmlformats.org/presentationml/2006/main">
   <p:cSld>
     <p:bg>
@@ -15378,42 +19778,6 @@
           </a:p>
         </p:txBody>
       </p:sp>
-      <p:pic>
-        <p:nvPicPr>
-          <p:cNvPr id="2" name="Picture 1">
-            <a:extLst>
-              <a:ext uri="{FF2B5EF4-FFF2-40B4-BE49-F238E27FC236}">
-                <a16:creationId xmlns:a16="http://schemas.microsoft.com/office/drawing/2014/main" id="{28C2F408-61EA-A90B-BD9C-F2F42F8C4DCC}"/>
-              </a:ext>
-            </a:extLst>
-          </p:cNvPr>
-          <p:cNvPicPr>
-            <a:picLocks noChangeAspect="1"/>
-          </p:cNvPicPr>
-          <p:nvPr/>
-        </p:nvPicPr>
-        <p:blipFill>
-          <a:blip r:embed="rId2" cstate="print">
-            <a:extLst>
-              <a:ext uri="{28A0092B-C50C-407E-A947-70E740481C1C}">
-                <a14:useLocalDpi xmlns:a14="http://schemas.microsoft.com/office/drawing/2010/main" val="0"/>
-              </a:ext>
-            </a:extLst>
-          </a:blip>
-          <a:stretch>
-            <a:fillRect/>
-          </a:stretch>
-        </p:blipFill>
-        <p:spPr>
-          <a:xfrm>
-            <a:off x="2679931" y="2407196"/>
-            <a:ext cx="6638821" cy="4130764"/>
-          </a:xfrm>
-          <a:prstGeom prst="rect">
-            <a:avLst/>
-          </a:prstGeom>
-        </p:spPr>
-      </p:pic>
       <p:sp>
         <p:nvSpPr>
           <p:cNvPr id="4" name="מציין מיקום תוכן 6">
@@ -15468,6 +19832,507 @@
           </a:p>
         </p:txBody>
       </p:sp>
+      <p:cxnSp>
+        <p:nvCxnSpPr>
+          <p:cNvPr id="3" name="Straight Arrow Connector 2">
+            <a:extLst>
+              <a:ext uri="{FF2B5EF4-FFF2-40B4-BE49-F238E27FC236}">
+                <a16:creationId xmlns:a16="http://schemas.microsoft.com/office/drawing/2014/main" id="{4F122833-CBE7-05D3-2ACA-AEDC79686255}"/>
+              </a:ext>
+            </a:extLst>
+          </p:cNvPr>
+          <p:cNvCxnSpPr>
+            <a:cxnSpLocks/>
+            <a:stCxn id="6" idx="6"/>
+            <a:endCxn id="9" idx="2"/>
+          </p:cNvCxnSpPr>
+          <p:nvPr/>
+        </p:nvCxnSpPr>
+        <p:spPr>
+          <a:xfrm>
+            <a:off x="4127017" y="4195778"/>
+            <a:ext cx="1211668" cy="13757"/>
+          </a:xfrm>
+          <a:prstGeom prst="straightConnector1">
+            <a:avLst/>
+          </a:prstGeom>
+          <a:ln w="50800">
+            <a:solidFill>
+              <a:srgbClr val="FF0000"/>
+            </a:solidFill>
+            <a:headEnd type="triangle"/>
+            <a:tailEnd type="triangle"/>
+          </a:ln>
+        </p:spPr>
+        <p:style>
+          <a:lnRef idx="2">
+            <a:schemeClr val="accent1"/>
+          </a:lnRef>
+          <a:fillRef idx="0">
+            <a:schemeClr val="accent1"/>
+          </a:fillRef>
+          <a:effectRef idx="1">
+            <a:schemeClr val="accent1"/>
+          </a:effectRef>
+          <a:fontRef idx="minor">
+            <a:schemeClr val="tx1"/>
+          </a:fontRef>
+        </p:style>
+      </p:cxnSp>
+      <p:sp>
+        <p:nvSpPr>
+          <p:cNvPr id="5" name="TextBox 4">
+            <a:extLst>
+              <a:ext uri="{FF2B5EF4-FFF2-40B4-BE49-F238E27FC236}">
+                <a16:creationId xmlns:a16="http://schemas.microsoft.com/office/drawing/2014/main" id="{3C610FE0-9176-9D7E-D66F-E9FBAF3F4EBD}"/>
+              </a:ext>
+            </a:extLst>
+          </p:cNvPr>
+          <p:cNvSpPr txBox="1"/>
+          <p:nvPr/>
+        </p:nvSpPr>
+        <p:spPr>
+          <a:xfrm rot="2976614">
+            <a:off x="1138507" y="3227964"/>
+            <a:ext cx="1472578" cy="369332"/>
+          </a:xfrm>
+          <a:prstGeom prst="rect">
+            <a:avLst/>
+          </a:prstGeom>
+          <a:noFill/>
+        </p:spPr>
+        <p:txBody>
+          <a:bodyPr wrap="square" rtlCol="0">
+            <a:spAutoFit/>
+          </a:bodyPr>
+          <a:lstStyle/>
+          <a:p>
+            <a:pPr algn="ctr"/>
+            <a:r>
+              <a:rPr lang="en-US" b="1" dirty="0"/>
+              <a:t>Restart</a:t>
+            </a:r>
+            <a:endParaRPr lang="en-IL" b="1" dirty="0"/>
+          </a:p>
+        </p:txBody>
+      </p:sp>
+      <p:sp>
+        <p:nvSpPr>
+          <p:cNvPr id="6" name="Oval 5">
+            <a:extLst>
+              <a:ext uri="{FF2B5EF4-FFF2-40B4-BE49-F238E27FC236}">
+                <a16:creationId xmlns:a16="http://schemas.microsoft.com/office/drawing/2014/main" id="{9380E173-4171-3090-D1BD-D79746C7F60F}"/>
+              </a:ext>
+            </a:extLst>
+          </p:cNvPr>
+          <p:cNvSpPr/>
+          <p:nvPr/>
+        </p:nvSpPr>
+        <p:spPr>
+          <a:xfrm>
+            <a:off x="1800802" y="3796798"/>
+            <a:ext cx="2326215" cy="797959"/>
+          </a:xfrm>
+          <a:prstGeom prst="ellipse">
+            <a:avLst/>
+          </a:prstGeom>
+          <a:ln w="50800">
+            <a:solidFill>
+              <a:schemeClr val="accent3">
+                <a:lumMod val="60000"/>
+                <a:lumOff val="40000"/>
+              </a:schemeClr>
+            </a:solidFill>
+          </a:ln>
+        </p:spPr>
+        <p:style>
+          <a:lnRef idx="2">
+            <a:schemeClr val="dk1"/>
+          </a:lnRef>
+          <a:fillRef idx="1">
+            <a:schemeClr val="lt1"/>
+          </a:fillRef>
+          <a:effectRef idx="0">
+            <a:schemeClr val="dk1"/>
+          </a:effectRef>
+          <a:fontRef idx="minor">
+            <a:schemeClr val="dk1"/>
+          </a:fontRef>
+        </p:style>
+        <p:txBody>
+          <a:bodyPr rtlCol="0" anchor="ctr"/>
+          <a:lstStyle/>
+          <a:p>
+            <a:pPr algn="ctr"/>
+            <a:r>
+              <a:rPr lang="en-US" b="1" dirty="0"/>
+              <a:t>Loading data &amp; instructions</a:t>
+            </a:r>
+            <a:endParaRPr lang="en-IL" b="1" dirty="0"/>
+          </a:p>
+        </p:txBody>
+      </p:sp>
+      <p:cxnSp>
+        <p:nvCxnSpPr>
+          <p:cNvPr id="8" name="Straight Arrow Connector 7">
+            <a:extLst>
+              <a:ext uri="{FF2B5EF4-FFF2-40B4-BE49-F238E27FC236}">
+                <a16:creationId xmlns:a16="http://schemas.microsoft.com/office/drawing/2014/main" id="{26308986-435E-D56C-A4C1-6EC76C06027F}"/>
+              </a:ext>
+            </a:extLst>
+          </p:cNvPr>
+          <p:cNvCxnSpPr>
+            <a:cxnSpLocks/>
+            <a:endCxn id="6" idx="1"/>
+          </p:cNvCxnSpPr>
+          <p:nvPr/>
+        </p:nvCxnSpPr>
+        <p:spPr>
+          <a:xfrm>
+            <a:off x="1527425" y="3195816"/>
+            <a:ext cx="614043" cy="717840"/>
+          </a:xfrm>
+          <a:prstGeom prst="straightConnector1">
+            <a:avLst/>
+          </a:prstGeom>
+          <a:ln w="50800">
+            <a:solidFill>
+              <a:srgbClr val="FF0000"/>
+            </a:solidFill>
+            <a:tailEnd type="triangle"/>
+          </a:ln>
+        </p:spPr>
+        <p:style>
+          <a:lnRef idx="2">
+            <a:schemeClr val="accent1"/>
+          </a:lnRef>
+          <a:fillRef idx="0">
+            <a:schemeClr val="accent1"/>
+          </a:fillRef>
+          <a:effectRef idx="1">
+            <a:schemeClr val="accent1"/>
+          </a:effectRef>
+          <a:fontRef idx="minor">
+            <a:schemeClr val="tx1"/>
+          </a:fontRef>
+        </p:style>
+      </p:cxnSp>
+      <p:sp>
+        <p:nvSpPr>
+          <p:cNvPr id="9" name="Oval 8">
+            <a:extLst>
+              <a:ext uri="{FF2B5EF4-FFF2-40B4-BE49-F238E27FC236}">
+                <a16:creationId xmlns:a16="http://schemas.microsoft.com/office/drawing/2014/main" id="{1C48644B-1506-376E-C25A-9CA78AE249CB}"/>
+              </a:ext>
+            </a:extLst>
+          </p:cNvPr>
+          <p:cNvSpPr/>
+          <p:nvPr/>
+        </p:nvSpPr>
+        <p:spPr>
+          <a:xfrm>
+            <a:off x="5338685" y="3810555"/>
+            <a:ext cx="1889792" cy="797959"/>
+          </a:xfrm>
+          <a:prstGeom prst="ellipse">
+            <a:avLst/>
+          </a:prstGeom>
+          <a:ln w="50800">
+            <a:solidFill>
+              <a:schemeClr val="accent3">
+                <a:lumMod val="60000"/>
+                <a:lumOff val="40000"/>
+              </a:schemeClr>
+            </a:solidFill>
+          </a:ln>
+        </p:spPr>
+        <p:style>
+          <a:lnRef idx="2">
+            <a:schemeClr val="dk1"/>
+          </a:lnRef>
+          <a:fillRef idx="1">
+            <a:schemeClr val="lt1"/>
+          </a:fillRef>
+          <a:effectRef idx="0">
+            <a:schemeClr val="dk1"/>
+          </a:effectRef>
+          <a:fontRef idx="minor">
+            <a:schemeClr val="dk1"/>
+          </a:fontRef>
+        </p:style>
+        <p:txBody>
+          <a:bodyPr rtlCol="0" anchor="ctr"/>
+          <a:lstStyle/>
+          <a:p>
+            <a:pPr algn="ctr"/>
+            <a:r>
+              <a:rPr lang="en-US" b="1" dirty="0"/>
+              <a:t>Processor</a:t>
+            </a:r>
+          </a:p>
+          <a:p>
+            <a:pPr algn="ctr"/>
+            <a:r>
+              <a:rPr lang="en-US" b="1" dirty="0"/>
+              <a:t>running</a:t>
+            </a:r>
+            <a:endParaRPr lang="en-IL" b="1" dirty="0"/>
+          </a:p>
+        </p:txBody>
+      </p:sp>
+      <p:sp>
+        <p:nvSpPr>
+          <p:cNvPr id="10" name="Oval 9">
+            <a:extLst>
+              <a:ext uri="{FF2B5EF4-FFF2-40B4-BE49-F238E27FC236}">
+                <a16:creationId xmlns:a16="http://schemas.microsoft.com/office/drawing/2014/main" id="{57D082AD-66C0-5A52-A070-A0B0211DF07C}"/>
+              </a:ext>
+            </a:extLst>
+          </p:cNvPr>
+          <p:cNvSpPr/>
+          <p:nvPr/>
+        </p:nvSpPr>
+        <p:spPr>
+          <a:xfrm>
+            <a:off x="8380756" y="3796798"/>
+            <a:ext cx="1090392" cy="797959"/>
+          </a:xfrm>
+          <a:prstGeom prst="ellipse">
+            <a:avLst/>
+          </a:prstGeom>
+          <a:ln w="50800">
+            <a:solidFill>
+              <a:schemeClr val="accent3">
+                <a:lumMod val="60000"/>
+                <a:lumOff val="40000"/>
+              </a:schemeClr>
+            </a:solidFill>
+          </a:ln>
+        </p:spPr>
+        <p:style>
+          <a:lnRef idx="2">
+            <a:schemeClr val="dk1"/>
+          </a:lnRef>
+          <a:fillRef idx="1">
+            <a:schemeClr val="lt1"/>
+          </a:fillRef>
+          <a:effectRef idx="0">
+            <a:schemeClr val="dk1"/>
+          </a:effectRef>
+          <a:fontRef idx="minor">
+            <a:schemeClr val="dk1"/>
+          </a:fontRef>
+        </p:style>
+        <p:txBody>
+          <a:bodyPr rtlCol="0" anchor="ctr"/>
+          <a:lstStyle/>
+          <a:p>
+            <a:pPr algn="ctr"/>
+            <a:r>
+              <a:rPr lang="en-US" b="1" dirty="0"/>
+              <a:t>End</a:t>
+            </a:r>
+            <a:endParaRPr lang="en-IL" b="1" dirty="0"/>
+          </a:p>
+        </p:txBody>
+      </p:sp>
+      <p:cxnSp>
+        <p:nvCxnSpPr>
+          <p:cNvPr id="11" name="Straight Arrow Connector 10">
+            <a:extLst>
+              <a:ext uri="{FF2B5EF4-FFF2-40B4-BE49-F238E27FC236}">
+                <a16:creationId xmlns:a16="http://schemas.microsoft.com/office/drawing/2014/main" id="{6D270F15-E0F6-5F8D-F98F-B2DDAC4280B3}"/>
+              </a:ext>
+            </a:extLst>
+          </p:cNvPr>
+          <p:cNvCxnSpPr>
+            <a:cxnSpLocks/>
+            <a:stCxn id="9" idx="6"/>
+            <a:endCxn id="10" idx="2"/>
+          </p:cNvCxnSpPr>
+          <p:nvPr/>
+        </p:nvCxnSpPr>
+        <p:spPr>
+          <a:xfrm flipV="1">
+            <a:off x="7228477" y="4195778"/>
+            <a:ext cx="1152279" cy="13757"/>
+          </a:xfrm>
+          <a:prstGeom prst="straightConnector1">
+            <a:avLst/>
+          </a:prstGeom>
+          <a:ln w="50800">
+            <a:solidFill>
+              <a:srgbClr val="FF0000"/>
+            </a:solidFill>
+            <a:tailEnd type="triangle"/>
+          </a:ln>
+        </p:spPr>
+        <p:style>
+          <a:lnRef idx="2">
+            <a:schemeClr val="accent1"/>
+          </a:lnRef>
+          <a:fillRef idx="0">
+            <a:schemeClr val="accent1"/>
+          </a:fillRef>
+          <a:effectRef idx="1">
+            <a:schemeClr val="accent1"/>
+          </a:effectRef>
+          <a:fontRef idx="minor">
+            <a:schemeClr val="tx1"/>
+          </a:fontRef>
+        </p:style>
+      </p:cxnSp>
+      <p:cxnSp>
+        <p:nvCxnSpPr>
+          <p:cNvPr id="12" name="Connector: Elbow 11">
+            <a:extLst>
+              <a:ext uri="{FF2B5EF4-FFF2-40B4-BE49-F238E27FC236}">
+                <a16:creationId xmlns:a16="http://schemas.microsoft.com/office/drawing/2014/main" id="{EEFD2DAE-6F51-B306-4AA1-B3960686B9B0}"/>
+              </a:ext>
+            </a:extLst>
+          </p:cNvPr>
+          <p:cNvCxnSpPr>
+            <a:cxnSpLocks/>
+            <a:stCxn id="10" idx="0"/>
+            <a:endCxn id="6" idx="0"/>
+          </p:cNvCxnSpPr>
+          <p:nvPr/>
+        </p:nvCxnSpPr>
+        <p:spPr>
+          <a:xfrm rot="16200000" flipV="1">
+            <a:off x="5944931" y="815777"/>
+            <a:ext cx="12700" cy="5962042"/>
+          </a:xfrm>
+          <a:prstGeom prst="bentConnector3">
+            <a:avLst>
+              <a:gd name="adj1" fmla="val 1800000"/>
+            </a:avLst>
+          </a:prstGeom>
+          <a:ln w="50800">
+            <a:solidFill>
+              <a:srgbClr val="FF0000"/>
+            </a:solidFill>
+            <a:tailEnd type="triangle"/>
+          </a:ln>
+        </p:spPr>
+        <p:style>
+          <a:lnRef idx="2">
+            <a:schemeClr val="accent1"/>
+          </a:lnRef>
+          <a:fillRef idx="0">
+            <a:schemeClr val="accent1"/>
+          </a:fillRef>
+          <a:effectRef idx="1">
+            <a:schemeClr val="accent1"/>
+          </a:effectRef>
+          <a:fontRef idx="minor">
+            <a:schemeClr val="tx1"/>
+          </a:fontRef>
+        </p:style>
+      </p:cxnSp>
+      <p:sp>
+        <p:nvSpPr>
+          <p:cNvPr id="13" name="Oval 12">
+            <a:extLst>
+              <a:ext uri="{FF2B5EF4-FFF2-40B4-BE49-F238E27FC236}">
+                <a16:creationId xmlns:a16="http://schemas.microsoft.com/office/drawing/2014/main" id="{DFD4997D-6F4E-4525-6905-7A50FAC649AA}"/>
+              </a:ext>
+            </a:extLst>
+          </p:cNvPr>
+          <p:cNvSpPr/>
+          <p:nvPr/>
+        </p:nvSpPr>
+        <p:spPr>
+          <a:xfrm>
+            <a:off x="5631522" y="5508365"/>
+            <a:ext cx="1304118" cy="797959"/>
+          </a:xfrm>
+          <a:prstGeom prst="ellipse">
+            <a:avLst/>
+          </a:prstGeom>
+          <a:ln w="50800">
+            <a:solidFill>
+              <a:schemeClr val="accent3">
+                <a:lumMod val="60000"/>
+                <a:lumOff val="40000"/>
+              </a:schemeClr>
+            </a:solidFill>
+          </a:ln>
+        </p:spPr>
+        <p:style>
+          <a:lnRef idx="2">
+            <a:schemeClr val="dk1"/>
+          </a:lnRef>
+          <a:fillRef idx="1">
+            <a:schemeClr val="lt1"/>
+          </a:fillRef>
+          <a:effectRef idx="0">
+            <a:schemeClr val="dk1"/>
+          </a:effectRef>
+          <a:fontRef idx="minor">
+            <a:schemeClr val="dk1"/>
+          </a:fontRef>
+        </p:style>
+        <p:txBody>
+          <a:bodyPr rtlCol="0" anchor="ctr"/>
+          <a:lstStyle/>
+          <a:p>
+            <a:pPr algn="ctr"/>
+            <a:r>
+              <a:rPr lang="en-US" b="1" dirty="0"/>
+              <a:t>Debug</a:t>
+            </a:r>
+            <a:endParaRPr lang="en-IL" b="1" dirty="0"/>
+          </a:p>
+        </p:txBody>
+      </p:sp>
+      <p:cxnSp>
+        <p:nvCxnSpPr>
+          <p:cNvPr id="14" name="Straight Arrow Connector 13">
+            <a:extLst>
+              <a:ext uri="{FF2B5EF4-FFF2-40B4-BE49-F238E27FC236}">
+                <a16:creationId xmlns:a16="http://schemas.microsoft.com/office/drawing/2014/main" id="{4C4F9CFD-2DBC-D93F-AA1B-BBE7F72D1C38}"/>
+              </a:ext>
+            </a:extLst>
+          </p:cNvPr>
+          <p:cNvCxnSpPr>
+            <a:cxnSpLocks/>
+            <a:stCxn id="9" idx="4"/>
+            <a:endCxn id="13" idx="0"/>
+          </p:cNvCxnSpPr>
+          <p:nvPr/>
+        </p:nvCxnSpPr>
+        <p:spPr>
+          <a:xfrm>
+            <a:off x="6283581" y="4608514"/>
+            <a:ext cx="0" cy="899851"/>
+          </a:xfrm>
+          <a:prstGeom prst="straightConnector1">
+            <a:avLst/>
+          </a:prstGeom>
+          <a:ln w="50800">
+            <a:solidFill>
+              <a:srgbClr val="FF0000"/>
+            </a:solidFill>
+            <a:headEnd type="triangle"/>
+            <a:tailEnd type="triangle"/>
+          </a:ln>
+        </p:spPr>
+        <p:style>
+          <a:lnRef idx="2">
+            <a:schemeClr val="accent1"/>
+          </a:lnRef>
+          <a:fillRef idx="0">
+            <a:schemeClr val="accent1"/>
+          </a:fillRef>
+          <a:effectRef idx="1">
+            <a:schemeClr val="accent1"/>
+          </a:effectRef>
+          <a:fontRef idx="minor">
+            <a:schemeClr val="tx1"/>
+          </a:fontRef>
+        </p:style>
+      </p:cxnSp>
     </p:spTree>
     <p:extLst>
       <p:ext uri="{BB962C8B-B14F-4D97-AF65-F5344CB8AC3E}">
@@ -15486,13 +20351,7 @@
   <p:cSld>
     <p:spTree>
       <p:nvGrpSpPr>
-        <p:cNvPr id="1" name="">
-          <a:extLst>
-            <a:ext uri="{FF2B5EF4-FFF2-40B4-BE49-F238E27FC236}">
-              <a16:creationId xmlns:a16="http://schemas.microsoft.com/office/drawing/2014/main" id="{D2C61F88-3BAB-58EE-9FAB-8F01F5D91652}"/>
-            </a:ext>
-          </a:extLst>
-        </p:cNvPr>
+        <p:cNvPr id="1" name=""/>
         <p:cNvGrpSpPr/>
         <p:nvPr/>
       </p:nvGrpSpPr>
@@ -15506,76 +20365,10 @@
       </p:grpSpPr>
       <p:sp>
         <p:nvSpPr>
-          <p:cNvPr id="19" name="Rectangle 18">
-            <a:extLst>
-              <a:ext uri="{FF2B5EF4-FFF2-40B4-BE49-F238E27FC236}">
-                <a16:creationId xmlns:a16="http://schemas.microsoft.com/office/drawing/2014/main" id="{6BAFA957-C9B3-68A9-AADE-16914AA10ED0}"/>
-              </a:ext>
-            </a:extLst>
-          </p:cNvPr>
-          <p:cNvSpPr/>
-          <p:nvPr/>
-        </p:nvSpPr>
-        <p:spPr>
-          <a:xfrm>
-            <a:off x="1462167" y="1195602"/>
-            <a:ext cx="10729833" cy="1053885"/>
-          </a:xfrm>
-          <a:prstGeom prst="rect">
-            <a:avLst/>
-          </a:prstGeom>
-        </p:spPr>
-        <p:style>
-          <a:lnRef idx="0">
-            <a:schemeClr val="dk1">
-              <a:alpha val="0"/>
-              <a:hueOff val="0"/>
-              <a:satOff val="0"/>
-              <a:lumOff val="0"/>
-              <a:alphaOff val="0"/>
-            </a:schemeClr>
-          </a:lnRef>
-          <a:fillRef idx="0">
-            <a:schemeClr val="lt1">
-              <a:alpha val="0"/>
-              <a:hueOff val="0"/>
-              <a:satOff val="0"/>
-              <a:lumOff val="0"/>
-              <a:alphaOff val="0"/>
-            </a:schemeClr>
-          </a:fillRef>
-          <a:effectRef idx="0">
-            <a:schemeClr val="lt1">
-              <a:alpha val="0"/>
-              <a:hueOff val="0"/>
-              <a:satOff val="0"/>
-              <a:lumOff val="0"/>
-              <a:alphaOff val="0"/>
-            </a:schemeClr>
-          </a:effectRef>
-          <a:fontRef idx="minor">
-            <a:schemeClr val="tx1">
-              <a:hueOff val="0"/>
-              <a:satOff val="0"/>
-              <a:lumOff val="0"/>
-              <a:alphaOff val="0"/>
-            </a:schemeClr>
-          </a:fontRef>
-        </p:style>
-        <p:txBody>
-          <a:bodyPr/>
-          <a:lstStyle/>
-          <a:p>
-            <a:endParaRPr lang="en-IL"/>
-          </a:p>
-        </p:txBody>
-      </p:sp>
-      <p:sp>
-        <p:nvSpPr>
-          <p:cNvPr id="7" name="כותרת 1">
-            <a:extLst>
-              <a:ext uri="{FF2B5EF4-FFF2-40B4-BE49-F238E27FC236}">
-                <a16:creationId xmlns:a16="http://schemas.microsoft.com/office/drawing/2014/main" id="{730E07F0-C612-DC2C-9D3E-354DB3D6D052}"/>
+          <p:cNvPr id="2" name="Title 1">
+            <a:extLst>
+              <a:ext uri="{FF2B5EF4-FFF2-40B4-BE49-F238E27FC236}">
+                <a16:creationId xmlns:a16="http://schemas.microsoft.com/office/drawing/2014/main" id="{B59B2EF6-FE1C-7582-E87F-BB54E2800A13}"/>
               </a:ext>
             </a:extLst>
           </p:cNvPr>
@@ -15588,69 +20381,29 @@
         </p:nvSpPr>
         <p:spPr>
           <a:xfrm>
-            <a:off x="305349" y="603066"/>
-            <a:ext cx="10319512" cy="592536"/>
+            <a:off x="252984" y="282829"/>
+            <a:ext cx="11686032" cy="1325563"/>
           </a:xfrm>
         </p:spPr>
         <p:txBody>
-          <a:bodyPr vert="horz" lIns="91440" tIns="45720" rIns="91440" bIns="45720" rtlCol="0" anchor="b">
-            <a:normAutofit fontScale="90000"/>
-          </a:bodyPr>
+          <a:bodyPr/>
           <a:lstStyle/>
           <a:p>
-            <a:pPr algn="ctr" rtl="0"/>
-            <a:r>
-              <a:rPr lang="en-US" sz="3200" b="1" i="0" kern="1200" dirty="0">
-                <a:solidFill>
-                  <a:schemeClr val="tx1"/>
-                </a:solidFill>
-                <a:effectLst/>
-                <a:latin typeface="+mj-lt"/>
-                <a:ea typeface="+mj-ea"/>
-                <a:cs typeface="+mj-cs"/>
-              </a:rPr>
-              <a:t>Architectural design of the selected solution </a:t>
-            </a:r>
-            <a:br>
-              <a:rPr lang="en-US" sz="3200" b="1" i="0" kern="1200" dirty="0">
-                <a:solidFill>
-                  <a:schemeClr val="tx1"/>
-                </a:solidFill>
-                <a:effectLst/>
-                <a:latin typeface="+mj-lt"/>
-                <a:ea typeface="+mj-ea"/>
-                <a:cs typeface="+mj-cs"/>
-              </a:rPr>
-            </a:br>
-            <a:r>
-              <a:rPr lang="en-US" sz="3200" b="1" i="0" kern="1200" dirty="0">
-                <a:solidFill>
-                  <a:schemeClr val="tx1"/>
-                </a:solidFill>
-                <a:effectLst/>
-                <a:latin typeface="+mj-lt"/>
-                <a:ea typeface="+mj-ea"/>
-                <a:cs typeface="+mj-cs"/>
-              </a:rPr>
-              <a:t>Debug unit</a:t>
-            </a:r>
-            <a:endParaRPr lang="en-US" sz="3200" b="1" kern="1200" dirty="0">
-              <a:solidFill>
-                <a:schemeClr val="tx1"/>
-              </a:solidFill>
-              <a:latin typeface="+mj-lt"/>
-              <a:ea typeface="+mj-ea"/>
-              <a:cs typeface="+mj-cs"/>
-            </a:endParaRPr>
+            <a:pPr algn="ctr"/>
+            <a:r>
+              <a:rPr lang="en-US" dirty="0"/>
+              <a:t>Master design – FPJA memory problem &amp; solution</a:t>
+            </a:r>
+            <a:endParaRPr lang="en-IL" dirty="0"/>
           </a:p>
         </p:txBody>
       </p:sp>
       <p:sp>
         <p:nvSpPr>
-          <p:cNvPr id="4" name="מציין מיקום תוכן 6">
-            <a:extLst>
-              <a:ext uri="{FF2B5EF4-FFF2-40B4-BE49-F238E27FC236}">
-                <a16:creationId xmlns:a16="http://schemas.microsoft.com/office/drawing/2014/main" id="{4BC64C74-4EC7-1C8B-6DC3-E240DEE7BF71}"/>
+          <p:cNvPr id="3" name="Content Placeholder 2">
+            <a:extLst>
+              <a:ext uri="{FF2B5EF4-FFF2-40B4-BE49-F238E27FC236}">
+                <a16:creationId xmlns:a16="http://schemas.microsoft.com/office/drawing/2014/main" id="{8EFB32D5-5707-148C-6D76-DC3EB1E61EAB}"/>
               </a:ext>
             </a:extLst>
           </p:cNvPr>
@@ -15661,62 +20414,58 @@
             <p:ph idx="1"/>
           </p:nvPr>
         </p:nvSpPr>
-        <p:spPr>
-          <a:xfrm>
-            <a:off x="0" y="1195602"/>
-            <a:ext cx="12283440" cy="5662398"/>
-          </a:xfrm>
-        </p:spPr>
+        <p:spPr/>
         <p:txBody>
-          <a:bodyPr>
-            <a:normAutofit/>
-          </a:bodyPr>
+          <a:bodyPr/>
           <a:lstStyle/>
           <a:p>
-            <a:r>
-              <a:rPr lang="en-US" sz="2400" dirty="0">
-                <a:effectLst/>
-                <a:latin typeface="Arial" panose="020B0604020202020204" pitchFamily="34" charset="0"/>
-                <a:ea typeface="Times New Roman" panose="02020603050405020304" pitchFamily="18" charset="0"/>
-                <a:cs typeface="Arial" panose="020B0604020202020204" pitchFamily="34" charset="0"/>
-              </a:rPr>
-              <a:t>27 circuit points </a:t>
-            </a:r>
+            <a:pPr marL="0" indent="0">
+              <a:buNone/>
+            </a:pPr>
+            <a:r>
+              <a:rPr lang="en-US" b="1" dirty="0"/>
+              <a:t>Problem:</a:t>
+            </a:r>
+          </a:p>
+          <a:p>
             <a:r>
               <a:rPr lang="en-US" dirty="0"/>
-              <a:t>across various pipeline stages and control/data paths were connected to a </a:t>
-            </a:r>
+              <a:t>Compilation failed - FBJA memory is not detected by the synthesis tool, causing the design to fail compilation.</a:t>
+            </a:r>
+          </a:p>
+          <a:p>
+            <a:endParaRPr lang="en-US" dirty="0"/>
+          </a:p>
+          <a:p>
+            <a:pPr marL="0" indent="0">
+              <a:buNone/>
+            </a:pPr>
             <a:r>
               <a:rPr lang="en-US" b="1" dirty="0"/>
-              <a:t>32-input multiplexer system</a:t>
-            </a:r>
+              <a:t>Solution:</a:t>
+            </a:r>
+          </a:p>
+          <a:p>
             <a:r>
               <a:rPr lang="en-US" dirty="0"/>
-              <a:t>.</a:t>
-            </a:r>
-          </a:p>
-          <a:p>
+              <a:t>Virtual FBJA memory – </a:t>
+            </a:r>
+            <a:r>
+              <a:rPr lang="en-US" dirty="0" err="1"/>
+              <a:t>altsyncram.v</a:t>
+            </a:r>
             <a:r>
               <a:rPr lang="en-US" dirty="0"/>
-              <a:t> This externally controlled MUX allowed users to select and observe specific signals dynamically, enabling real-time inspection of key Datapath and memory elements such as ALU results, fetched opcodes, register values, memory addresses, and read/write data.</a:t>
-            </a:r>
-            <a:endParaRPr lang="en-US" sz="2400" dirty="0">
-              <a:effectLst/>
-              <a:latin typeface="Arial" panose="020B0604020202020204" pitchFamily="34" charset="0"/>
-              <a:ea typeface="Times New Roman" panose="02020603050405020304" pitchFamily="18" charset="0"/>
-              <a:cs typeface="Arial" panose="020B0604020202020204" pitchFamily="34" charset="0"/>
-            </a:endParaRPr>
-          </a:p>
-          <a:p>
-            <a:pPr rtl="0"/>
-            <a:endParaRPr lang="he-IL" sz="2000" dirty="0"/>
+              <a:t> file.</a:t>
+            </a:r>
+            <a:endParaRPr lang="en-IL" dirty="0"/>
           </a:p>
         </p:txBody>
       </p:sp>
     </p:spTree>
     <p:extLst>
       <p:ext uri="{BB962C8B-B14F-4D97-AF65-F5344CB8AC3E}">
-        <p14:creationId xmlns:p14="http://schemas.microsoft.com/office/powerpoint/2010/main" val="1144604091"/>
+        <p14:creationId xmlns:p14="http://schemas.microsoft.com/office/powerpoint/2010/main" val="1063348007"/>
       </p:ext>
     </p:extLst>
   </p:cSld>

--- a/Presintaions and Reports/Final presntaion VLSI.pptx
+++ b/Presintaions and Reports/Final presntaion VLSI.pptx
@@ -5,7 +5,7 @@
     <p:sldMasterId id="2147483648" r:id="rId1"/>
   </p:sldMasterIdLst>
   <p:notesMasterIdLst>
-    <p:notesMasterId r:id="rId28"/>
+    <p:notesMasterId r:id="rId25"/>
   </p:notesMasterIdLst>
   <p:sldIdLst>
     <p:sldId id="257" r:id="rId2"/>
@@ -15,25 +15,22 @@
     <p:sldId id="296" r:id="rId6"/>
     <p:sldId id="297" r:id="rId7"/>
     <p:sldId id="300" r:id="rId8"/>
-    <p:sldId id="298" r:id="rId9"/>
-    <p:sldId id="316" r:id="rId10"/>
-    <p:sldId id="317" r:id="rId11"/>
-    <p:sldId id="315" r:id="rId12"/>
-    <p:sldId id="314" r:id="rId13"/>
-    <p:sldId id="299" r:id="rId14"/>
-    <p:sldId id="313" r:id="rId15"/>
-    <p:sldId id="304" r:id="rId16"/>
-    <p:sldId id="309" r:id="rId17"/>
-    <p:sldId id="301" r:id="rId18"/>
-    <p:sldId id="310" r:id="rId19"/>
-    <p:sldId id="311" r:id="rId20"/>
-    <p:sldId id="312" r:id="rId21"/>
-    <p:sldId id="302" r:id="rId22"/>
-    <p:sldId id="303" r:id="rId23"/>
-    <p:sldId id="305" r:id="rId24"/>
-    <p:sldId id="306" r:id="rId25"/>
-    <p:sldId id="307" r:id="rId26"/>
-    <p:sldId id="308" r:id="rId27"/>
+    <p:sldId id="309" r:id="rId9"/>
+    <p:sldId id="315" r:id="rId10"/>
+    <p:sldId id="314" r:id="rId11"/>
+    <p:sldId id="298" r:id="rId12"/>
+    <p:sldId id="299" r:id="rId13"/>
+    <p:sldId id="304" r:id="rId14"/>
+    <p:sldId id="301" r:id="rId15"/>
+    <p:sldId id="310" r:id="rId16"/>
+    <p:sldId id="311" r:id="rId17"/>
+    <p:sldId id="312" r:id="rId18"/>
+    <p:sldId id="302" r:id="rId19"/>
+    <p:sldId id="303" r:id="rId20"/>
+    <p:sldId id="305" r:id="rId21"/>
+    <p:sldId id="306" r:id="rId22"/>
+    <p:sldId id="307" r:id="rId23"/>
+    <p:sldId id="308" r:id="rId24"/>
   </p:sldIdLst>
   <p:sldSz cx="12192000" cy="6858000"/>
   <p:notesSz cx="6858000" cy="9144000"/>
@@ -3399,7 +3396,7 @@
           <a:p>
             <a:fld id="{00968C3E-619B-4AA5-B3D1-45D581164E23}" type="datetimeFigureOut">
               <a:rPr lang="en-IL" smtClean="0"/>
-              <a:t>27/06/2025</a:t>
+              <a:t>28/06/2025</a:t>
             </a:fld>
             <a:endParaRPr lang="en-IL"/>
           </a:p>
@@ -3732,7 +3729,7 @@
           <a:p>
             <a:fld id="{DBE48960-B9A4-412F-A6E0-8A918D6AEC5C}" type="slidenum">
               <a:rPr lang="en-IL" smtClean="0"/>
-              <a:t>15</a:t>
+              <a:t>13</a:t>
             </a:fld>
             <a:endParaRPr lang="en-IL"/>
           </a:p>
@@ -3900,7 +3897,7 @@
           <a:p>
             <a:fld id="{4C1E25F6-6904-4FC1-8C19-2CBB5B46E60E}" type="datetimeFigureOut">
               <a:rPr lang="en-IL" smtClean="0"/>
-              <a:t>27/06/2025</a:t>
+              <a:t>28/06/2025</a:t>
             </a:fld>
             <a:endParaRPr lang="en-IL"/>
           </a:p>
@@ -4100,7 +4097,7 @@
           <a:p>
             <a:fld id="{4C1E25F6-6904-4FC1-8C19-2CBB5B46E60E}" type="datetimeFigureOut">
               <a:rPr lang="en-IL" smtClean="0"/>
-              <a:t>27/06/2025</a:t>
+              <a:t>28/06/2025</a:t>
             </a:fld>
             <a:endParaRPr lang="en-IL"/>
           </a:p>
@@ -4310,7 +4307,7 @@
           <a:p>
             <a:fld id="{4C1E25F6-6904-4FC1-8C19-2CBB5B46E60E}" type="datetimeFigureOut">
               <a:rPr lang="en-IL" smtClean="0"/>
-              <a:t>27/06/2025</a:t>
+              <a:t>28/06/2025</a:t>
             </a:fld>
             <a:endParaRPr lang="en-IL"/>
           </a:p>
@@ -4510,7 +4507,7 @@
           <a:p>
             <a:fld id="{4C1E25F6-6904-4FC1-8C19-2CBB5B46E60E}" type="datetimeFigureOut">
               <a:rPr lang="en-IL" smtClean="0"/>
-              <a:t>27/06/2025</a:t>
+              <a:t>28/06/2025</a:t>
             </a:fld>
             <a:endParaRPr lang="en-IL"/>
           </a:p>
@@ -4786,7 +4783,7 @@
           <a:p>
             <a:fld id="{4C1E25F6-6904-4FC1-8C19-2CBB5B46E60E}" type="datetimeFigureOut">
               <a:rPr lang="en-IL" smtClean="0"/>
-              <a:t>27/06/2025</a:t>
+              <a:t>28/06/2025</a:t>
             </a:fld>
             <a:endParaRPr lang="en-IL"/>
           </a:p>
@@ -5054,7 +5051,7 @@
           <a:p>
             <a:fld id="{4C1E25F6-6904-4FC1-8C19-2CBB5B46E60E}" type="datetimeFigureOut">
               <a:rPr lang="en-IL" smtClean="0"/>
-              <a:t>27/06/2025</a:t>
+              <a:t>28/06/2025</a:t>
             </a:fld>
             <a:endParaRPr lang="en-IL"/>
           </a:p>
@@ -5469,7 +5466,7 @@
           <a:p>
             <a:fld id="{4C1E25F6-6904-4FC1-8C19-2CBB5B46E60E}" type="datetimeFigureOut">
               <a:rPr lang="en-IL" smtClean="0"/>
-              <a:t>27/06/2025</a:t>
+              <a:t>28/06/2025</a:t>
             </a:fld>
             <a:endParaRPr lang="en-IL"/>
           </a:p>
@@ -5611,7 +5608,7 @@
           <a:p>
             <a:fld id="{4C1E25F6-6904-4FC1-8C19-2CBB5B46E60E}" type="datetimeFigureOut">
               <a:rPr lang="en-IL" smtClean="0"/>
-              <a:t>27/06/2025</a:t>
+              <a:t>28/06/2025</a:t>
             </a:fld>
             <a:endParaRPr lang="en-IL"/>
           </a:p>
@@ -5724,7 +5721,7 @@
           <a:p>
             <a:fld id="{4C1E25F6-6904-4FC1-8C19-2CBB5B46E60E}" type="datetimeFigureOut">
               <a:rPr lang="en-IL" smtClean="0"/>
-              <a:t>27/06/2025</a:t>
+              <a:t>28/06/2025</a:t>
             </a:fld>
             <a:endParaRPr lang="en-IL"/>
           </a:p>
@@ -6037,7 +6034,7 @@
           <a:p>
             <a:fld id="{4C1E25F6-6904-4FC1-8C19-2CBB5B46E60E}" type="datetimeFigureOut">
               <a:rPr lang="en-IL" smtClean="0"/>
-              <a:t>27/06/2025</a:t>
+              <a:t>28/06/2025</a:t>
             </a:fld>
             <a:endParaRPr lang="en-IL"/>
           </a:p>
@@ -6326,7 +6323,7 @@
           <a:p>
             <a:fld id="{4C1E25F6-6904-4FC1-8C19-2CBB5B46E60E}" type="datetimeFigureOut">
               <a:rPr lang="en-IL" smtClean="0"/>
-              <a:t>27/06/2025</a:t>
+              <a:t>28/06/2025</a:t>
             </a:fld>
             <a:endParaRPr lang="en-IL"/>
           </a:p>
@@ -6569,7 +6566,7 @@
           <a:p>
             <a:fld id="{4C1E25F6-6904-4FC1-8C19-2CBB5B46E60E}" type="datetimeFigureOut">
               <a:rPr lang="en-IL" smtClean="0"/>
-              <a:t>27/06/2025</a:t>
+              <a:t>28/06/2025</a:t>
             </a:fld>
             <a:endParaRPr lang="en-IL"/>
           </a:p>
@@ -7337,1152 +7334,6 @@
           <p:cNvPr id="2" name="Title 1">
             <a:extLst>
               <a:ext uri="{FF2B5EF4-FFF2-40B4-BE49-F238E27FC236}">
-                <a16:creationId xmlns:a16="http://schemas.microsoft.com/office/drawing/2014/main" id="{8D2FE8EA-F5F7-E2F7-4D1D-F63705B7FDEE}"/>
-              </a:ext>
-            </a:extLst>
-          </p:cNvPr>
-          <p:cNvSpPr>
-            <a:spLocks noGrp="1"/>
-          </p:cNvSpPr>
-          <p:nvPr>
-            <p:ph type="title"/>
-          </p:nvPr>
-        </p:nvSpPr>
-        <p:spPr>
-          <a:xfrm>
-            <a:off x="100584" y="-235174"/>
-            <a:ext cx="11990832" cy="1325563"/>
-          </a:xfrm>
-        </p:spPr>
-        <p:txBody>
-          <a:bodyPr/>
-          <a:lstStyle/>
-          <a:p>
-            <a:pPr algn="ctr"/>
-            <a:r>
-              <a:rPr lang="en-US" dirty="0"/>
-              <a:t>Master design - Simulation with virtual FBJA memory</a:t>
-            </a:r>
-            <a:endParaRPr lang="en-IL" dirty="0"/>
-          </a:p>
-        </p:txBody>
-      </p:sp>
-      <p:pic>
-        <p:nvPicPr>
-          <p:cNvPr id="4" name="Picture 3">
-            <a:extLst>
-              <a:ext uri="{FF2B5EF4-FFF2-40B4-BE49-F238E27FC236}">
-                <a16:creationId xmlns:a16="http://schemas.microsoft.com/office/drawing/2014/main" id="{0B0C38C8-3984-BD0D-C2AD-E997EF03C71B}"/>
-              </a:ext>
-            </a:extLst>
-          </p:cNvPr>
-          <p:cNvPicPr>
-            <a:picLocks noChangeAspect="1"/>
-          </p:cNvPicPr>
-          <p:nvPr/>
-        </p:nvPicPr>
-        <p:blipFill>
-          <a:blip r:embed="rId2"/>
-          <a:stretch>
-            <a:fillRect/>
-          </a:stretch>
-        </p:blipFill>
-        <p:spPr>
-          <a:xfrm>
-            <a:off x="0" y="693019"/>
-            <a:ext cx="12192000" cy="3445843"/>
-          </a:xfrm>
-          <a:prstGeom prst="rect">
-            <a:avLst/>
-          </a:prstGeom>
-        </p:spPr>
-      </p:pic>
-      <p:pic>
-        <p:nvPicPr>
-          <p:cNvPr id="5" name="Picture 4">
-            <a:extLst>
-              <a:ext uri="{FF2B5EF4-FFF2-40B4-BE49-F238E27FC236}">
-                <a16:creationId xmlns:a16="http://schemas.microsoft.com/office/drawing/2014/main" id="{7DA96D5D-0DA8-F545-3184-0E5453DA350F}"/>
-              </a:ext>
-            </a:extLst>
-          </p:cNvPr>
-          <p:cNvPicPr>
-            <a:picLocks noChangeAspect="1"/>
-          </p:cNvPicPr>
-          <p:nvPr/>
-        </p:nvPicPr>
-        <p:blipFill>
-          <a:blip r:embed="rId3"/>
-          <a:stretch>
-            <a:fillRect/>
-          </a:stretch>
-        </p:blipFill>
-        <p:spPr>
-          <a:xfrm>
-            <a:off x="0" y="4138862"/>
-            <a:ext cx="12192000" cy="2719137"/>
-          </a:xfrm>
-          <a:prstGeom prst="rect">
-            <a:avLst/>
-          </a:prstGeom>
-        </p:spPr>
-      </p:pic>
-      <p:sp>
-        <p:nvSpPr>
-          <p:cNvPr id="6" name="TextBox 5">
-            <a:extLst>
-              <a:ext uri="{FF2B5EF4-FFF2-40B4-BE49-F238E27FC236}">
-                <a16:creationId xmlns:a16="http://schemas.microsoft.com/office/drawing/2014/main" id="{C769BD03-D2E7-96F1-6013-9D74C49A485D}"/>
-              </a:ext>
-            </a:extLst>
-          </p:cNvPr>
-          <p:cNvSpPr txBox="1"/>
-          <p:nvPr/>
-        </p:nvSpPr>
-        <p:spPr>
-          <a:xfrm>
-            <a:off x="4732020" y="4944432"/>
-            <a:ext cx="3081528" cy="369332"/>
-          </a:xfrm>
-          <a:prstGeom prst="rect">
-            <a:avLst/>
-          </a:prstGeom>
-          <a:noFill/>
-        </p:spPr>
-        <p:txBody>
-          <a:bodyPr wrap="square" rtlCol="0">
-            <a:spAutoFit/>
-          </a:bodyPr>
-          <a:lstStyle/>
-          <a:p>
-            <a:pPr algn="ctr"/>
-            <a:r>
-              <a:rPr lang="en-US" dirty="0">
-                <a:solidFill>
-                  <a:srgbClr val="FF0000"/>
-                </a:solidFill>
-              </a:rPr>
-              <a:t>Master design simulation </a:t>
-            </a:r>
-            <a:endParaRPr lang="en-IL" dirty="0">
-              <a:solidFill>
-                <a:srgbClr val="FF0000"/>
-              </a:solidFill>
-            </a:endParaRPr>
-          </a:p>
-        </p:txBody>
-      </p:sp>
-      <p:sp>
-        <p:nvSpPr>
-          <p:cNvPr id="7" name="TextBox 6">
-            <a:extLst>
-              <a:ext uri="{FF2B5EF4-FFF2-40B4-BE49-F238E27FC236}">
-                <a16:creationId xmlns:a16="http://schemas.microsoft.com/office/drawing/2014/main" id="{FDA2758A-8B91-AE74-9B90-6903DB025B6F}"/>
-              </a:ext>
-            </a:extLst>
-          </p:cNvPr>
-          <p:cNvSpPr txBox="1"/>
-          <p:nvPr/>
-        </p:nvSpPr>
-        <p:spPr>
-          <a:xfrm>
-            <a:off x="4654296" y="1695416"/>
-            <a:ext cx="3064764" cy="646331"/>
-          </a:xfrm>
-          <a:prstGeom prst="rect">
-            <a:avLst/>
-          </a:prstGeom>
-          <a:noFill/>
-        </p:spPr>
-        <p:txBody>
-          <a:bodyPr wrap="square" rtlCol="0">
-            <a:spAutoFit/>
-          </a:bodyPr>
-          <a:lstStyle/>
-          <a:p>
-            <a:pPr algn="ctr"/>
-            <a:r>
-              <a:rPr lang="en-US" dirty="0">
-                <a:solidFill>
-                  <a:srgbClr val="FF0000"/>
-                </a:solidFill>
-              </a:rPr>
-              <a:t>Our design simulation with  virtual FBJA memory</a:t>
-            </a:r>
-            <a:endParaRPr lang="en-IL" dirty="0">
-              <a:solidFill>
-                <a:srgbClr val="FF0000"/>
-              </a:solidFill>
-            </a:endParaRPr>
-          </a:p>
-        </p:txBody>
-      </p:sp>
-    </p:spTree>
-    <p:extLst>
-      <p:ext uri="{BB962C8B-B14F-4D97-AF65-F5344CB8AC3E}">
-        <p14:creationId xmlns:p14="http://schemas.microsoft.com/office/powerpoint/2010/main" val="2895925358"/>
-      </p:ext>
-    </p:extLst>
-  </p:cSld>
-  <p:clrMapOvr>
-    <a:masterClrMapping/>
-  </p:clrMapOvr>
-</p:sld>
-</file>
-
-<file path=ppt/slides/slide11.xml><?xml version="1.0" encoding="utf-8"?>
-<p:sld xmlns:a="http://schemas.openxmlformats.org/drawingml/2006/main" xmlns:r="http://schemas.openxmlformats.org/officeDocument/2006/relationships" xmlns:p="http://schemas.openxmlformats.org/presentationml/2006/main">
-  <p:cSld>
-    <p:spTree>
-      <p:nvGrpSpPr>
-        <p:cNvPr id="1" name=""/>
-        <p:cNvGrpSpPr/>
-        <p:nvPr/>
-      </p:nvGrpSpPr>
-      <p:grpSpPr>
-        <a:xfrm>
-          <a:off x="0" y="0"/>
-          <a:ext cx="0" cy="0"/>
-          <a:chOff x="0" y="0"/>
-          <a:chExt cx="0" cy="0"/>
-        </a:xfrm>
-      </p:grpSpPr>
-      <p:sp>
-        <p:nvSpPr>
-          <p:cNvPr id="2" name="Title 1">
-            <a:extLst>
-              <a:ext uri="{FF2B5EF4-FFF2-40B4-BE49-F238E27FC236}">
-                <a16:creationId xmlns:a16="http://schemas.microsoft.com/office/drawing/2014/main" id="{3D43D382-BC5B-C62C-F230-01DDFF54044F}"/>
-              </a:ext>
-            </a:extLst>
-          </p:cNvPr>
-          <p:cNvSpPr>
-            <a:spLocks noGrp="1"/>
-          </p:cNvSpPr>
-          <p:nvPr>
-            <p:ph type="title"/>
-          </p:nvPr>
-        </p:nvSpPr>
-        <p:spPr/>
-        <p:txBody>
-          <a:bodyPr>
-            <a:normAutofit fontScale="90000"/>
-          </a:bodyPr>
-          <a:lstStyle/>
-          <a:p>
-            <a:pPr algn="ctr"/>
-            <a:r>
-              <a:rPr lang="en-US" b="1" dirty="0"/>
-              <a:t>Architectural design of the selected solution </a:t>
-            </a:r>
-            <a:br>
-              <a:rPr lang="en-US" b="1" dirty="0"/>
-            </a:br>
-            <a:r>
-              <a:rPr lang="en-US" b="1" dirty="0"/>
-              <a:t>instruction memory</a:t>
-            </a:r>
-            <a:endParaRPr lang="en-IL" b="1" dirty="0"/>
-          </a:p>
-        </p:txBody>
-      </p:sp>
-      <p:sp>
-        <p:nvSpPr>
-          <p:cNvPr id="4" name="Rectangle 3">
-            <a:extLst>
-              <a:ext uri="{FF2B5EF4-FFF2-40B4-BE49-F238E27FC236}">
-                <a16:creationId xmlns:a16="http://schemas.microsoft.com/office/drawing/2014/main" id="{0ECD80A8-4CAF-5FD9-A403-EE833407A210}"/>
-              </a:ext>
-            </a:extLst>
-          </p:cNvPr>
-          <p:cNvSpPr/>
-          <p:nvPr/>
-        </p:nvSpPr>
-        <p:spPr>
-          <a:xfrm>
-            <a:off x="7085457" y="2275713"/>
-            <a:ext cx="781050" cy="542925"/>
-          </a:xfrm>
-          <a:prstGeom prst="rect">
-            <a:avLst/>
-          </a:prstGeom>
-          <a:ln w="60325">
-            <a:solidFill>
-              <a:srgbClr val="FF0000"/>
-            </a:solidFill>
-          </a:ln>
-        </p:spPr>
-        <p:style>
-          <a:lnRef idx="2">
-            <a:schemeClr val="dk1"/>
-          </a:lnRef>
-          <a:fillRef idx="1">
-            <a:schemeClr val="lt1"/>
-          </a:fillRef>
-          <a:effectRef idx="0">
-            <a:schemeClr val="dk1"/>
-          </a:effectRef>
-          <a:fontRef idx="minor">
-            <a:schemeClr val="dk1"/>
-          </a:fontRef>
-        </p:style>
-        <p:txBody>
-          <a:bodyPr rtlCol="0" anchor="ctr"/>
-          <a:lstStyle/>
-          <a:p>
-            <a:pPr algn="ctr"/>
-            <a:endParaRPr lang="en-IL"/>
-          </a:p>
-        </p:txBody>
-      </p:sp>
-      <p:sp>
-        <p:nvSpPr>
-          <p:cNvPr id="5" name="Rectangle 4">
-            <a:extLst>
-              <a:ext uri="{FF2B5EF4-FFF2-40B4-BE49-F238E27FC236}">
-                <a16:creationId xmlns:a16="http://schemas.microsoft.com/office/drawing/2014/main" id="{DE4C520F-699A-96CA-C841-1E20C63B69CD}"/>
-              </a:ext>
-            </a:extLst>
-          </p:cNvPr>
-          <p:cNvSpPr/>
-          <p:nvPr/>
-        </p:nvSpPr>
-        <p:spPr>
-          <a:xfrm>
-            <a:off x="7085457" y="3104769"/>
-            <a:ext cx="781050" cy="542925"/>
-          </a:xfrm>
-          <a:prstGeom prst="rect">
-            <a:avLst/>
-          </a:prstGeom>
-          <a:ln w="60325">
-            <a:solidFill>
-              <a:srgbClr val="FF0000"/>
-            </a:solidFill>
-          </a:ln>
-        </p:spPr>
-        <p:style>
-          <a:lnRef idx="2">
-            <a:schemeClr val="dk1"/>
-          </a:lnRef>
-          <a:fillRef idx="1">
-            <a:schemeClr val="lt1"/>
-          </a:fillRef>
-          <a:effectRef idx="0">
-            <a:schemeClr val="dk1"/>
-          </a:effectRef>
-          <a:fontRef idx="minor">
-            <a:schemeClr val="dk1"/>
-          </a:fontRef>
-        </p:style>
-        <p:txBody>
-          <a:bodyPr rtlCol="0" anchor="ctr"/>
-          <a:lstStyle/>
-          <a:p>
-            <a:pPr algn="ctr"/>
-            <a:endParaRPr lang="en-IL"/>
-          </a:p>
-        </p:txBody>
-      </p:sp>
-      <p:sp>
-        <p:nvSpPr>
-          <p:cNvPr id="6" name="Rectangle 5">
-            <a:extLst>
-              <a:ext uri="{FF2B5EF4-FFF2-40B4-BE49-F238E27FC236}">
-                <a16:creationId xmlns:a16="http://schemas.microsoft.com/office/drawing/2014/main" id="{906293FE-4B8B-2DD5-5AAB-D2B872195144}"/>
-              </a:ext>
-            </a:extLst>
-          </p:cNvPr>
-          <p:cNvSpPr/>
-          <p:nvPr/>
-        </p:nvSpPr>
-        <p:spPr>
-          <a:xfrm>
-            <a:off x="7085457" y="3933825"/>
-            <a:ext cx="781050" cy="542925"/>
-          </a:xfrm>
-          <a:prstGeom prst="rect">
-            <a:avLst/>
-          </a:prstGeom>
-          <a:ln w="60325">
-            <a:solidFill>
-              <a:srgbClr val="FF0000"/>
-            </a:solidFill>
-          </a:ln>
-        </p:spPr>
-        <p:style>
-          <a:lnRef idx="2">
-            <a:schemeClr val="dk1"/>
-          </a:lnRef>
-          <a:fillRef idx="1">
-            <a:schemeClr val="lt1"/>
-          </a:fillRef>
-          <a:effectRef idx="0">
-            <a:schemeClr val="dk1"/>
-          </a:effectRef>
-          <a:fontRef idx="minor">
-            <a:schemeClr val="dk1"/>
-          </a:fontRef>
-        </p:style>
-        <p:txBody>
-          <a:bodyPr rtlCol="0" anchor="ctr"/>
-          <a:lstStyle/>
-          <a:p>
-            <a:pPr algn="ctr"/>
-            <a:endParaRPr lang="en-IL"/>
-          </a:p>
-        </p:txBody>
-      </p:sp>
-      <p:sp>
-        <p:nvSpPr>
-          <p:cNvPr id="7" name="Rectangle 6">
-            <a:extLst>
-              <a:ext uri="{FF2B5EF4-FFF2-40B4-BE49-F238E27FC236}">
-                <a16:creationId xmlns:a16="http://schemas.microsoft.com/office/drawing/2014/main" id="{8EC6F6BE-FEF1-B62D-621E-32440F402D7B}"/>
-              </a:ext>
-            </a:extLst>
-          </p:cNvPr>
-          <p:cNvSpPr/>
-          <p:nvPr/>
-        </p:nvSpPr>
-        <p:spPr>
-          <a:xfrm>
-            <a:off x="7085457" y="4762881"/>
-            <a:ext cx="781050" cy="542925"/>
-          </a:xfrm>
-          <a:prstGeom prst="rect">
-            <a:avLst/>
-          </a:prstGeom>
-          <a:ln w="60325">
-            <a:solidFill>
-              <a:srgbClr val="FF0000"/>
-            </a:solidFill>
-          </a:ln>
-        </p:spPr>
-        <p:style>
-          <a:lnRef idx="2">
-            <a:schemeClr val="dk1"/>
-          </a:lnRef>
-          <a:fillRef idx="1">
-            <a:schemeClr val="lt1"/>
-          </a:fillRef>
-          <a:effectRef idx="0">
-            <a:schemeClr val="dk1"/>
-          </a:effectRef>
-          <a:fontRef idx="minor">
-            <a:schemeClr val="dk1"/>
-          </a:fontRef>
-        </p:style>
-        <p:txBody>
-          <a:bodyPr rtlCol="0" anchor="ctr"/>
-          <a:lstStyle/>
-          <a:p>
-            <a:pPr algn="ctr"/>
-            <a:endParaRPr lang="en-IL"/>
-          </a:p>
-        </p:txBody>
-      </p:sp>
-      <p:cxnSp>
-        <p:nvCxnSpPr>
-          <p:cNvPr id="8" name="Straight Connector 7">
-            <a:extLst>
-              <a:ext uri="{FF2B5EF4-FFF2-40B4-BE49-F238E27FC236}">
-                <a16:creationId xmlns:a16="http://schemas.microsoft.com/office/drawing/2014/main" id="{9692A87E-8EA1-E0AA-7F1F-0D8ADB544943}"/>
-              </a:ext>
-            </a:extLst>
-          </p:cNvPr>
-          <p:cNvCxnSpPr>
-            <a:stCxn id="4" idx="3"/>
-          </p:cNvCxnSpPr>
-          <p:nvPr/>
-        </p:nvCxnSpPr>
-        <p:spPr>
-          <a:xfrm flipV="1">
-            <a:off x="7866507" y="2547175"/>
-            <a:ext cx="664845" cy="1"/>
-          </a:xfrm>
-          <a:prstGeom prst="line">
-            <a:avLst/>
-          </a:prstGeom>
-        </p:spPr>
-        <p:style>
-          <a:lnRef idx="2">
-            <a:schemeClr val="dk1"/>
-          </a:lnRef>
-          <a:fillRef idx="0">
-            <a:schemeClr val="dk1"/>
-          </a:fillRef>
-          <a:effectRef idx="1">
-            <a:schemeClr val="dk1"/>
-          </a:effectRef>
-          <a:fontRef idx="minor">
-            <a:schemeClr val="tx1"/>
-          </a:fontRef>
-        </p:style>
-      </p:cxnSp>
-      <p:cxnSp>
-        <p:nvCxnSpPr>
-          <p:cNvPr id="9" name="Straight Connector 8">
-            <a:extLst>
-              <a:ext uri="{FF2B5EF4-FFF2-40B4-BE49-F238E27FC236}">
-                <a16:creationId xmlns:a16="http://schemas.microsoft.com/office/drawing/2014/main" id="{7A45B93E-2F1E-6CF7-DEDC-B970A398B792}"/>
-              </a:ext>
-            </a:extLst>
-          </p:cNvPr>
-          <p:cNvCxnSpPr/>
-          <p:nvPr/>
-        </p:nvCxnSpPr>
-        <p:spPr>
-          <a:xfrm flipV="1">
-            <a:off x="7866506" y="3376231"/>
-            <a:ext cx="664845" cy="1"/>
-          </a:xfrm>
-          <a:prstGeom prst="line">
-            <a:avLst/>
-          </a:prstGeom>
-        </p:spPr>
-        <p:style>
-          <a:lnRef idx="2">
-            <a:schemeClr val="dk1"/>
-          </a:lnRef>
-          <a:fillRef idx="0">
-            <a:schemeClr val="dk1"/>
-          </a:fillRef>
-          <a:effectRef idx="1">
-            <a:schemeClr val="dk1"/>
-          </a:effectRef>
-          <a:fontRef idx="minor">
-            <a:schemeClr val="tx1"/>
-          </a:fontRef>
-        </p:style>
-      </p:cxnSp>
-      <p:cxnSp>
-        <p:nvCxnSpPr>
-          <p:cNvPr id="10" name="Straight Connector 9">
-            <a:extLst>
-              <a:ext uri="{FF2B5EF4-FFF2-40B4-BE49-F238E27FC236}">
-                <a16:creationId xmlns:a16="http://schemas.microsoft.com/office/drawing/2014/main" id="{4C458ABC-2021-ACE0-00F6-065AE56869C5}"/>
-              </a:ext>
-            </a:extLst>
-          </p:cNvPr>
-          <p:cNvCxnSpPr/>
-          <p:nvPr/>
-        </p:nvCxnSpPr>
-        <p:spPr>
-          <a:xfrm flipV="1">
-            <a:off x="7866506" y="4205287"/>
-            <a:ext cx="664845" cy="1"/>
-          </a:xfrm>
-          <a:prstGeom prst="line">
-            <a:avLst/>
-          </a:prstGeom>
-        </p:spPr>
-        <p:style>
-          <a:lnRef idx="2">
-            <a:schemeClr val="dk1"/>
-          </a:lnRef>
-          <a:fillRef idx="0">
-            <a:schemeClr val="dk1"/>
-          </a:fillRef>
-          <a:effectRef idx="1">
-            <a:schemeClr val="dk1"/>
-          </a:effectRef>
-          <a:fontRef idx="minor">
-            <a:schemeClr val="tx1"/>
-          </a:fontRef>
-        </p:style>
-      </p:cxnSp>
-      <p:cxnSp>
-        <p:nvCxnSpPr>
-          <p:cNvPr id="11" name="Straight Connector 10">
-            <a:extLst>
-              <a:ext uri="{FF2B5EF4-FFF2-40B4-BE49-F238E27FC236}">
-                <a16:creationId xmlns:a16="http://schemas.microsoft.com/office/drawing/2014/main" id="{1456982A-39B4-3DDB-9ACD-BD7E7FEC11D2}"/>
-              </a:ext>
-            </a:extLst>
-          </p:cNvPr>
-          <p:cNvCxnSpPr/>
-          <p:nvPr/>
-        </p:nvCxnSpPr>
-        <p:spPr>
-          <a:xfrm flipV="1">
-            <a:off x="7866506" y="5034343"/>
-            <a:ext cx="664845" cy="1"/>
-          </a:xfrm>
-          <a:prstGeom prst="line">
-            <a:avLst/>
-          </a:prstGeom>
-        </p:spPr>
-        <p:style>
-          <a:lnRef idx="2">
-            <a:schemeClr val="dk1"/>
-          </a:lnRef>
-          <a:fillRef idx="0">
-            <a:schemeClr val="dk1"/>
-          </a:fillRef>
-          <a:effectRef idx="1">
-            <a:schemeClr val="dk1"/>
-          </a:effectRef>
-          <a:fontRef idx="minor">
-            <a:schemeClr val="tx1"/>
-          </a:fontRef>
-        </p:style>
-      </p:cxnSp>
-      <p:cxnSp>
-        <p:nvCxnSpPr>
-          <p:cNvPr id="12" name="Straight Connector 11">
-            <a:extLst>
-              <a:ext uri="{FF2B5EF4-FFF2-40B4-BE49-F238E27FC236}">
-                <a16:creationId xmlns:a16="http://schemas.microsoft.com/office/drawing/2014/main" id="{A047770A-9E7B-6403-A36F-2F4B48477002}"/>
-              </a:ext>
-            </a:extLst>
-          </p:cNvPr>
-          <p:cNvCxnSpPr>
-            <a:cxnSpLocks/>
-          </p:cNvCxnSpPr>
-          <p:nvPr/>
-        </p:nvCxnSpPr>
-        <p:spPr>
-          <a:xfrm>
-            <a:off x="8531351" y="2547175"/>
-            <a:ext cx="0" cy="2487168"/>
-          </a:xfrm>
-          <a:prstGeom prst="line">
-            <a:avLst/>
-          </a:prstGeom>
-        </p:spPr>
-        <p:style>
-          <a:lnRef idx="2">
-            <a:schemeClr val="dk1"/>
-          </a:lnRef>
-          <a:fillRef idx="0">
-            <a:schemeClr val="dk1"/>
-          </a:fillRef>
-          <a:effectRef idx="1">
-            <a:schemeClr val="dk1"/>
-          </a:effectRef>
-          <a:fontRef idx="minor">
-            <a:schemeClr val="tx1"/>
-          </a:fontRef>
-        </p:style>
-      </p:cxnSp>
-      <p:cxnSp>
-        <p:nvCxnSpPr>
-          <p:cNvPr id="13" name="Straight Connector 12">
-            <a:extLst>
-              <a:ext uri="{FF2B5EF4-FFF2-40B4-BE49-F238E27FC236}">
-                <a16:creationId xmlns:a16="http://schemas.microsoft.com/office/drawing/2014/main" id="{4797F37E-5E4D-DE57-1FC2-4A799E94C0BD}"/>
-              </a:ext>
-            </a:extLst>
-          </p:cNvPr>
-          <p:cNvCxnSpPr/>
-          <p:nvPr/>
-        </p:nvCxnSpPr>
-        <p:spPr>
-          <a:xfrm flipV="1">
-            <a:off x="8531351" y="3790759"/>
-            <a:ext cx="664845" cy="1"/>
-          </a:xfrm>
-          <a:prstGeom prst="line">
-            <a:avLst/>
-          </a:prstGeom>
-        </p:spPr>
-        <p:style>
-          <a:lnRef idx="2">
-            <a:schemeClr val="dk1"/>
-          </a:lnRef>
-          <a:fillRef idx="0">
-            <a:schemeClr val="dk1"/>
-          </a:fillRef>
-          <a:effectRef idx="1">
-            <a:schemeClr val="dk1"/>
-          </a:effectRef>
-          <a:fontRef idx="minor">
-            <a:schemeClr val="tx1"/>
-          </a:fontRef>
-        </p:style>
-      </p:cxnSp>
-      <p:cxnSp>
-        <p:nvCxnSpPr>
-          <p:cNvPr id="14" name="Straight Arrow Connector 13">
-            <a:extLst>
-              <a:ext uri="{FF2B5EF4-FFF2-40B4-BE49-F238E27FC236}">
-                <a16:creationId xmlns:a16="http://schemas.microsoft.com/office/drawing/2014/main" id="{2D71289D-07A3-04DF-ADD6-FDDB398FB63A}"/>
-              </a:ext>
-            </a:extLst>
-          </p:cNvPr>
-          <p:cNvCxnSpPr/>
-          <p:nvPr/>
-        </p:nvCxnSpPr>
-        <p:spPr>
-          <a:xfrm>
-            <a:off x="9423215" y="3790758"/>
-            <a:ext cx="777240" cy="0"/>
-          </a:xfrm>
-          <a:prstGeom prst="straightConnector1">
-            <a:avLst/>
-          </a:prstGeom>
-          <a:ln w="53975">
-            <a:solidFill>
-              <a:schemeClr val="accent4"/>
-            </a:solidFill>
-            <a:tailEnd type="triangle"/>
-          </a:ln>
-        </p:spPr>
-        <p:style>
-          <a:lnRef idx="2">
-            <a:schemeClr val="accent1"/>
-          </a:lnRef>
-          <a:fillRef idx="0">
-            <a:schemeClr val="accent1"/>
-          </a:fillRef>
-          <a:effectRef idx="1">
-            <a:schemeClr val="accent1"/>
-          </a:effectRef>
-          <a:fontRef idx="minor">
-            <a:schemeClr val="tx1"/>
-          </a:fontRef>
-        </p:style>
-      </p:cxnSp>
-      <p:sp>
-        <p:nvSpPr>
-          <p:cNvPr id="15" name="Rectangle 14">
-            <a:extLst>
-              <a:ext uri="{FF2B5EF4-FFF2-40B4-BE49-F238E27FC236}">
-                <a16:creationId xmlns:a16="http://schemas.microsoft.com/office/drawing/2014/main" id="{EEDF871E-31B5-D3D9-FAA4-327012C2DCE5}"/>
-              </a:ext>
-            </a:extLst>
-          </p:cNvPr>
-          <p:cNvSpPr/>
-          <p:nvPr/>
-        </p:nvSpPr>
-        <p:spPr>
-          <a:xfrm>
-            <a:off x="10371582" y="3511751"/>
-            <a:ext cx="781050" cy="542925"/>
-          </a:xfrm>
-          <a:prstGeom prst="rect">
-            <a:avLst/>
-          </a:prstGeom>
-          <a:ln w="60325">
-            <a:solidFill>
-              <a:schemeClr val="accent3">
-                <a:lumMod val="60000"/>
-                <a:lumOff val="40000"/>
-              </a:schemeClr>
-            </a:solidFill>
-          </a:ln>
-        </p:spPr>
-        <p:style>
-          <a:lnRef idx="2">
-            <a:schemeClr val="dk1"/>
-          </a:lnRef>
-          <a:fillRef idx="1">
-            <a:schemeClr val="lt1"/>
-          </a:fillRef>
-          <a:effectRef idx="0">
-            <a:schemeClr val="dk1"/>
-          </a:effectRef>
-          <a:fontRef idx="minor">
-            <a:schemeClr val="dk1"/>
-          </a:fontRef>
-        </p:style>
-        <p:txBody>
-          <a:bodyPr rtlCol="0" anchor="ctr"/>
-          <a:lstStyle/>
-          <a:p>
-            <a:pPr algn="ctr"/>
-            <a:endParaRPr lang="en-IL"/>
-          </a:p>
-        </p:txBody>
-      </p:sp>
-      <p:cxnSp>
-        <p:nvCxnSpPr>
-          <p:cNvPr id="16" name="Straight Connector 15">
-            <a:extLst>
-              <a:ext uri="{FF2B5EF4-FFF2-40B4-BE49-F238E27FC236}">
-                <a16:creationId xmlns:a16="http://schemas.microsoft.com/office/drawing/2014/main" id="{B099D348-5663-86BD-892E-4CB501388AFC}"/>
-              </a:ext>
-            </a:extLst>
-          </p:cNvPr>
-          <p:cNvCxnSpPr>
-            <a:stCxn id="15" idx="3"/>
-          </p:cNvCxnSpPr>
-          <p:nvPr/>
-        </p:nvCxnSpPr>
-        <p:spPr>
-          <a:xfrm flipV="1">
-            <a:off x="11152632" y="3783213"/>
-            <a:ext cx="664845" cy="1"/>
-          </a:xfrm>
-          <a:prstGeom prst="line">
-            <a:avLst/>
-          </a:prstGeom>
-        </p:spPr>
-        <p:style>
-          <a:lnRef idx="2">
-            <a:schemeClr val="dk1"/>
-          </a:lnRef>
-          <a:fillRef idx="0">
-            <a:schemeClr val="dk1"/>
-          </a:fillRef>
-          <a:effectRef idx="1">
-            <a:schemeClr val="dk1"/>
-          </a:effectRef>
-          <a:fontRef idx="minor">
-            <a:schemeClr val="tx1"/>
-          </a:fontRef>
-        </p:style>
-      </p:cxnSp>
-      <p:sp>
-        <p:nvSpPr>
-          <p:cNvPr id="17" name="TextBox 16">
-            <a:extLst>
-              <a:ext uri="{FF2B5EF4-FFF2-40B4-BE49-F238E27FC236}">
-                <a16:creationId xmlns:a16="http://schemas.microsoft.com/office/drawing/2014/main" id="{BA83E0E2-EDCB-2508-D9BA-3A6FD1366D2A}"/>
-              </a:ext>
-            </a:extLst>
-          </p:cNvPr>
-          <p:cNvSpPr txBox="1"/>
-          <p:nvPr/>
-        </p:nvSpPr>
-        <p:spPr>
-          <a:xfrm>
-            <a:off x="8055817" y="2183904"/>
-            <a:ext cx="286223" cy="369332"/>
-          </a:xfrm>
-          <a:prstGeom prst="rect">
-            <a:avLst/>
-          </a:prstGeom>
-          <a:noFill/>
-        </p:spPr>
-        <p:txBody>
-          <a:bodyPr wrap="square" rtlCol="0">
-            <a:spAutoFit/>
-          </a:bodyPr>
-          <a:lstStyle/>
-          <a:p>
-            <a:pPr algn="ctr"/>
-            <a:r>
-              <a:rPr lang="en-US" b="1" dirty="0"/>
-              <a:t>8</a:t>
-            </a:r>
-            <a:endParaRPr lang="en-IL" b="1" dirty="0"/>
-          </a:p>
-        </p:txBody>
-      </p:sp>
-      <p:sp>
-        <p:nvSpPr>
-          <p:cNvPr id="18" name="TextBox 17">
-            <a:extLst>
-              <a:ext uri="{FF2B5EF4-FFF2-40B4-BE49-F238E27FC236}">
-                <a16:creationId xmlns:a16="http://schemas.microsoft.com/office/drawing/2014/main" id="{B9128F90-D1D8-46FE-27AE-9E6728F69201}"/>
-              </a:ext>
-            </a:extLst>
-          </p:cNvPr>
-          <p:cNvSpPr txBox="1"/>
-          <p:nvPr/>
-        </p:nvSpPr>
-        <p:spPr>
-          <a:xfrm>
-            <a:off x="8055817" y="3006899"/>
-            <a:ext cx="286223" cy="369332"/>
-          </a:xfrm>
-          <a:prstGeom prst="rect">
-            <a:avLst/>
-          </a:prstGeom>
-          <a:noFill/>
-        </p:spPr>
-        <p:txBody>
-          <a:bodyPr wrap="square" rtlCol="0">
-            <a:spAutoFit/>
-          </a:bodyPr>
-          <a:lstStyle/>
-          <a:p>
-            <a:pPr algn="ctr"/>
-            <a:r>
-              <a:rPr lang="en-US" b="1" dirty="0"/>
-              <a:t>8</a:t>
-            </a:r>
-            <a:endParaRPr lang="en-IL" b="1" dirty="0"/>
-          </a:p>
-        </p:txBody>
-      </p:sp>
-      <p:sp>
-        <p:nvSpPr>
-          <p:cNvPr id="19" name="TextBox 18">
-            <a:extLst>
-              <a:ext uri="{FF2B5EF4-FFF2-40B4-BE49-F238E27FC236}">
-                <a16:creationId xmlns:a16="http://schemas.microsoft.com/office/drawing/2014/main" id="{E8B981DD-19C2-3B78-A602-FEFC48D5965F}"/>
-              </a:ext>
-            </a:extLst>
-          </p:cNvPr>
-          <p:cNvSpPr txBox="1"/>
-          <p:nvPr/>
-        </p:nvSpPr>
-        <p:spPr>
-          <a:xfrm>
-            <a:off x="8055817" y="3864158"/>
-            <a:ext cx="286223" cy="369332"/>
-          </a:xfrm>
-          <a:prstGeom prst="rect">
-            <a:avLst/>
-          </a:prstGeom>
-          <a:noFill/>
-        </p:spPr>
-        <p:txBody>
-          <a:bodyPr wrap="square" rtlCol="0">
-            <a:spAutoFit/>
-          </a:bodyPr>
-          <a:lstStyle/>
-          <a:p>
-            <a:pPr algn="ctr"/>
-            <a:r>
-              <a:rPr lang="en-US" b="1" dirty="0"/>
-              <a:t>8</a:t>
-            </a:r>
-            <a:endParaRPr lang="en-IL" b="1" dirty="0"/>
-          </a:p>
-        </p:txBody>
-      </p:sp>
-      <p:sp>
-        <p:nvSpPr>
-          <p:cNvPr id="20" name="TextBox 19">
-            <a:extLst>
-              <a:ext uri="{FF2B5EF4-FFF2-40B4-BE49-F238E27FC236}">
-                <a16:creationId xmlns:a16="http://schemas.microsoft.com/office/drawing/2014/main" id="{41BDD879-5726-78B5-3287-AEDCD14B7A68}"/>
-              </a:ext>
-            </a:extLst>
-          </p:cNvPr>
-          <p:cNvSpPr txBox="1"/>
-          <p:nvPr/>
-        </p:nvSpPr>
-        <p:spPr>
-          <a:xfrm>
-            <a:off x="8055817" y="4693213"/>
-            <a:ext cx="286223" cy="369332"/>
-          </a:xfrm>
-          <a:prstGeom prst="rect">
-            <a:avLst/>
-          </a:prstGeom>
-          <a:noFill/>
-        </p:spPr>
-        <p:txBody>
-          <a:bodyPr wrap="square" rtlCol="0">
-            <a:spAutoFit/>
-          </a:bodyPr>
-          <a:lstStyle/>
-          <a:p>
-            <a:pPr algn="ctr"/>
-            <a:r>
-              <a:rPr lang="en-US" b="1" dirty="0"/>
-              <a:t>8</a:t>
-            </a:r>
-            <a:endParaRPr lang="en-IL" b="1" dirty="0"/>
-          </a:p>
-        </p:txBody>
-      </p:sp>
-      <p:sp>
-        <p:nvSpPr>
-          <p:cNvPr id="21" name="TextBox 20">
-            <a:extLst>
-              <a:ext uri="{FF2B5EF4-FFF2-40B4-BE49-F238E27FC236}">
-                <a16:creationId xmlns:a16="http://schemas.microsoft.com/office/drawing/2014/main" id="{7D69B603-BF19-92B3-F55B-5950CC212EBC}"/>
-              </a:ext>
-            </a:extLst>
-          </p:cNvPr>
-          <p:cNvSpPr txBox="1"/>
-          <p:nvPr/>
-        </p:nvSpPr>
-        <p:spPr>
-          <a:xfrm>
-            <a:off x="8647557" y="3470343"/>
-            <a:ext cx="475535" cy="369332"/>
-          </a:xfrm>
-          <a:prstGeom prst="rect">
-            <a:avLst/>
-          </a:prstGeom>
-          <a:noFill/>
-        </p:spPr>
-        <p:txBody>
-          <a:bodyPr wrap="square" rtlCol="0">
-            <a:spAutoFit/>
-          </a:bodyPr>
-          <a:lstStyle/>
-          <a:p>
-            <a:pPr algn="ctr"/>
-            <a:r>
-              <a:rPr lang="en-US" b="1" dirty="0"/>
-              <a:t>32</a:t>
-            </a:r>
-            <a:endParaRPr lang="en-IL" b="1" dirty="0"/>
-          </a:p>
-        </p:txBody>
-      </p:sp>
-      <p:sp>
-        <p:nvSpPr>
-          <p:cNvPr id="22" name="TextBox 21">
-            <a:extLst>
-              <a:ext uri="{FF2B5EF4-FFF2-40B4-BE49-F238E27FC236}">
-                <a16:creationId xmlns:a16="http://schemas.microsoft.com/office/drawing/2014/main" id="{93687304-0FC0-9B11-92A6-D069446CCE53}"/>
-              </a:ext>
-            </a:extLst>
-          </p:cNvPr>
-          <p:cNvSpPr txBox="1"/>
-          <p:nvPr/>
-        </p:nvSpPr>
-        <p:spPr>
-          <a:xfrm>
-            <a:off x="11248960" y="3455387"/>
-            <a:ext cx="475535" cy="369332"/>
-          </a:xfrm>
-          <a:prstGeom prst="rect">
-            <a:avLst/>
-          </a:prstGeom>
-          <a:noFill/>
-        </p:spPr>
-        <p:txBody>
-          <a:bodyPr wrap="square" rtlCol="0">
-            <a:spAutoFit/>
-          </a:bodyPr>
-          <a:lstStyle/>
-          <a:p>
-            <a:pPr algn="ctr"/>
-            <a:r>
-              <a:rPr lang="en-US" b="1" dirty="0"/>
-              <a:t>32</a:t>
-            </a:r>
-            <a:endParaRPr lang="en-IL" b="1" dirty="0"/>
-          </a:p>
-        </p:txBody>
-      </p:sp>
-      <p:sp>
-        <p:nvSpPr>
-          <p:cNvPr id="23" name="TextBox 22">
-            <a:extLst>
-              <a:ext uri="{FF2B5EF4-FFF2-40B4-BE49-F238E27FC236}">
-                <a16:creationId xmlns:a16="http://schemas.microsoft.com/office/drawing/2014/main" id="{DF6892E4-80E7-17BA-0D00-D8F246431137}"/>
-              </a:ext>
-            </a:extLst>
-          </p:cNvPr>
-          <p:cNvSpPr txBox="1"/>
-          <p:nvPr/>
-        </p:nvSpPr>
-        <p:spPr>
-          <a:xfrm>
-            <a:off x="448056" y="2183904"/>
-            <a:ext cx="4890150" cy="2308324"/>
-          </a:xfrm>
-          <a:prstGeom prst="rect">
-            <a:avLst/>
-          </a:prstGeom>
-          <a:noFill/>
-        </p:spPr>
-        <p:txBody>
-          <a:bodyPr wrap="square" rtlCol="0">
-            <a:spAutoFit/>
-          </a:bodyPr>
-          <a:lstStyle/>
-          <a:p>
-            <a:pPr marL="285750" indent="-285750">
-              <a:buFont typeface="Arial" panose="020B0604020202020204" pitchFamily="34" charset="0"/>
-              <a:buChar char="•"/>
-            </a:pPr>
-            <a:r>
-              <a:rPr lang="en-US" b="1" dirty="0"/>
-              <a:t>Data Size:</a:t>
-            </a:r>
-            <a:r>
-              <a:rPr lang="en-US" dirty="0"/>
-              <a:t> 2048 bits.</a:t>
-            </a:r>
-          </a:p>
-          <a:p>
-            <a:pPr marL="285750" indent="-285750">
-              <a:buFont typeface="Arial" panose="020B0604020202020204" pitchFamily="34" charset="0"/>
-              <a:buChar char="•"/>
-            </a:pPr>
-            <a:endParaRPr lang="en-US" dirty="0"/>
-          </a:p>
-          <a:p>
-            <a:pPr marL="285750" indent="-285750">
-              <a:buFont typeface="Arial" panose="020B0604020202020204" pitchFamily="34" charset="0"/>
-              <a:buChar char="•"/>
-            </a:pPr>
-            <a:r>
-              <a:rPr lang="en-US" b="1" dirty="0"/>
-              <a:t>I/O Width:</a:t>
-            </a:r>
-            <a:r>
-              <a:rPr lang="en-US" dirty="0"/>
-              <a:t> 32 bits (4 bytes, corresponding to the instruction length).</a:t>
-            </a:r>
-          </a:p>
-          <a:p>
-            <a:pPr marL="285750" indent="-285750">
-              <a:buFont typeface="Arial" panose="020B0604020202020204" pitchFamily="34" charset="0"/>
-              <a:buChar char="•"/>
-            </a:pPr>
-            <a:endParaRPr lang="en-US" dirty="0"/>
-          </a:p>
-          <a:p>
-            <a:pPr marL="285750" indent="-285750">
-              <a:buFont typeface="Arial" panose="020B0604020202020204" pitchFamily="34" charset="0"/>
-              <a:buChar char="•"/>
-            </a:pPr>
-            <a:r>
-              <a:rPr lang="en-US" b="1" dirty="0"/>
-              <a:t>Memory Access:</a:t>
-            </a:r>
-            <a:r>
-              <a:rPr lang="en-US" dirty="0"/>
-              <a:t> Simultaneous read/write operations at two addresses in parallel.</a:t>
-            </a:r>
-          </a:p>
-          <a:p>
-            <a:pPr marL="285750" indent="-285750">
-              <a:buFont typeface="Arial" panose="020B0604020202020204" pitchFamily="34" charset="0"/>
-              <a:buChar char="•"/>
-            </a:pPr>
-            <a:endParaRPr lang="en-IL" dirty="0"/>
-          </a:p>
-        </p:txBody>
-      </p:sp>
-    </p:spTree>
-    <p:extLst>
-      <p:ext uri="{BB962C8B-B14F-4D97-AF65-F5344CB8AC3E}">
-        <p14:creationId xmlns:p14="http://schemas.microsoft.com/office/powerpoint/2010/main" val="1868634386"/>
-      </p:ext>
-    </p:extLst>
-  </p:cSld>
-  <p:clrMapOvr>
-    <a:masterClrMapping/>
-  </p:clrMapOvr>
-</p:sld>
-</file>
-
-<file path=ppt/slides/slide12.xml><?xml version="1.0" encoding="utf-8"?>
-<p:sld xmlns:a="http://schemas.openxmlformats.org/drawingml/2006/main" xmlns:r="http://schemas.openxmlformats.org/officeDocument/2006/relationships" xmlns:p="http://schemas.openxmlformats.org/presentationml/2006/main">
-  <p:cSld>
-    <p:spTree>
-      <p:nvGrpSpPr>
-        <p:cNvPr id="1" name=""/>
-        <p:cNvGrpSpPr/>
-        <p:nvPr/>
-      </p:nvGrpSpPr>
-      <p:grpSpPr>
-        <a:xfrm>
-          <a:off x="0" y="0"/>
-          <a:ext cx="0" cy="0"/>
-          <a:chOff x="0" y="0"/>
-          <a:chExt cx="0" cy="0"/>
-        </a:xfrm>
-      </p:grpSpPr>
-      <p:sp>
-        <p:nvSpPr>
-          <p:cNvPr id="2" name="Title 1">
-            <a:extLst>
-              <a:ext uri="{FF2B5EF4-FFF2-40B4-BE49-F238E27FC236}">
                 <a16:creationId xmlns:a16="http://schemas.microsoft.com/office/drawing/2014/main" id="{12D1F0E2-E905-1905-987B-035BC7503B05}"/>
               </a:ext>
             </a:extLst>
@@ -11035,23 +9886,15 @@
 </p:sld>
 </file>
 
-<file path=ppt/slides/slide13.xml><?xml version="1.0" encoding="utf-8"?>
+<file path=ppt/slides/slide11.xml><?xml version="1.0" encoding="utf-8"?>
 <p:sld xmlns:a="http://schemas.openxmlformats.org/drawingml/2006/main" xmlns:r="http://schemas.openxmlformats.org/officeDocument/2006/relationships" xmlns:p="http://schemas.openxmlformats.org/presentationml/2006/main">
   <p:cSld>
-    <p:bg>
-      <p:bgPr>
-        <a:solidFill>
-          <a:schemeClr val="bg1"/>
-        </a:solidFill>
-        <a:effectLst/>
-      </p:bgPr>
-    </p:bg>
     <p:spTree>
       <p:nvGrpSpPr>
         <p:cNvPr id="1" name="">
           <a:extLst>
             <a:ext uri="{FF2B5EF4-FFF2-40B4-BE49-F238E27FC236}">
-              <a16:creationId xmlns:a16="http://schemas.microsoft.com/office/drawing/2014/main" id="{D2C61F88-3BAB-58EE-9FAB-8F01F5D91652}"/>
+              <a16:creationId xmlns:a16="http://schemas.microsoft.com/office/drawing/2014/main" id="{6E2DAE38-2085-090A-23FD-4082FCDE93E9}"/>
             </a:ext>
           </a:extLst>
         </p:cNvPr>
@@ -11066,231 +9909,12 @@
           <a:chExt cx="0" cy="0"/>
         </a:xfrm>
       </p:grpSpPr>
-      <p:sp useBgFill="1">
-        <p:nvSpPr>
-          <p:cNvPr id="24" name="Rectangle 23">
-            <a:extLst>
-              <a:ext uri="{FF2B5EF4-FFF2-40B4-BE49-F238E27FC236}">
-                <a16:creationId xmlns:a16="http://schemas.microsoft.com/office/drawing/2014/main" id="{37B65277-82C6-6D08-6DCA-4A7DCC3B7136}"/>
-              </a:ext>
-              <a:ext uri="{C183D7F6-B498-43B3-948B-1728B52AA6E4}">
-                <adec:decorative xmlns:adec="http://schemas.microsoft.com/office/drawing/2017/decorative" val="1"/>
-              </a:ext>
-            </a:extLst>
-          </p:cNvPr>
-          <p:cNvSpPr>
-            <a:spLocks noGrp="1" noRot="1" noChangeAspect="1" noMove="1" noResize="1" noEditPoints="1" noAdjustHandles="1" noChangeArrowheads="1" noChangeShapeType="1" noTextEdit="1"/>
-          </p:cNvSpPr>
-          <p:nvPr>
-            <p:extLst>
-              <p:ext uri="{386F3935-93C4-4BCD-93E2-E3B085C9AB24}">
-                <p16:designElem xmlns:p16="http://schemas.microsoft.com/office/powerpoint/2015/main" val="1"/>
-              </p:ext>
-            </p:extLst>
-          </p:nvPr>
-        </p:nvSpPr>
-        <p:spPr>
-          <a:xfrm>
-            <a:off x="0" y="0"/>
-            <a:ext cx="12192000" cy="6858000"/>
-          </a:xfrm>
-          <a:prstGeom prst="rect">
-            <a:avLst/>
-          </a:prstGeom>
-          <a:ln w="12700" cap="flat" cmpd="sng" algn="ctr">
-            <a:noFill/>
-            <a:prstDash val="solid"/>
-            <a:miter lim="800000"/>
-          </a:ln>
-          <a:effectLst/>
-          <a:extLst>
-            <a:ext uri="{91240B29-F687-4F45-9708-019B960494DF}">
-              <a14:hiddenLine xmlns:a14="http://schemas.microsoft.com/office/drawing/2010/main" w="12700" cap="flat" cmpd="sng" algn="ctr">
-                <a:solidFill>
-                  <a:schemeClr val="accent1">
-                    <a:shade val="15000"/>
-                  </a:schemeClr>
-                </a:solidFill>
-                <a:prstDash val="solid"/>
-                <a:miter lim="800000"/>
-              </a14:hiddenLine>
-            </a:ext>
-          </a:extLst>
-        </p:spPr>
-        <p:style>
-          <a:lnRef idx="2">
-            <a:schemeClr val="accent1">
-              <a:shade val="15000"/>
-            </a:schemeClr>
-          </a:lnRef>
-          <a:fillRef idx="1">
-            <a:schemeClr val="accent1"/>
-          </a:fillRef>
-          <a:effectRef idx="0">
-            <a:schemeClr val="accent1"/>
-          </a:effectRef>
-          <a:fontRef idx="minor">
-            <a:schemeClr val="lt1"/>
-          </a:fontRef>
-        </p:style>
-        <p:txBody>
-          <a:bodyPr rtlCol="0" anchor="ctr"/>
-          <a:lstStyle/>
-          <a:p>
-            <a:pPr algn="ctr"/>
-            <a:endParaRPr lang="en-US"/>
-          </a:p>
-        </p:txBody>
-      </p:sp>
-      <p:sp>
-        <p:nvSpPr>
-          <p:cNvPr id="7" name="כותרת 1">
-            <a:extLst>
-              <a:ext uri="{FF2B5EF4-FFF2-40B4-BE49-F238E27FC236}">
-                <a16:creationId xmlns:a16="http://schemas.microsoft.com/office/drawing/2014/main" id="{730E07F0-C612-DC2C-9D3E-354DB3D6D052}"/>
-              </a:ext>
-            </a:extLst>
-          </p:cNvPr>
-          <p:cNvSpPr>
-            <a:spLocks noGrp="1"/>
-          </p:cNvSpPr>
-          <p:nvPr>
-            <p:ph type="title"/>
-          </p:nvPr>
-        </p:nvSpPr>
-        <p:spPr>
-          <a:xfrm>
-            <a:off x="466344" y="7872"/>
-            <a:ext cx="10729832" cy="1527048"/>
-          </a:xfrm>
-        </p:spPr>
-        <p:txBody>
-          <a:bodyPr vert="horz" lIns="91440" tIns="45720" rIns="91440" bIns="45720" rtlCol="0" anchor="b">
-            <a:normAutofit/>
-          </a:bodyPr>
-          <a:lstStyle/>
-          <a:p>
-            <a:pPr algn="ctr" rtl="0"/>
-            <a:r>
-              <a:rPr lang="en-US" sz="3400" b="1" i="0" kern="1200" dirty="0">
-                <a:effectLst/>
-                <a:latin typeface="+mj-lt"/>
-                <a:ea typeface="+mj-ea"/>
-                <a:cs typeface="+mj-cs"/>
-              </a:rPr>
-              <a:t>Architectural design of the first solution </a:t>
-            </a:r>
-            <a:br>
-              <a:rPr lang="en-US" sz="3400" b="1" i="0" kern="1200" dirty="0">
-                <a:effectLst/>
-                <a:latin typeface="+mj-lt"/>
-                <a:ea typeface="+mj-ea"/>
-                <a:cs typeface="+mj-cs"/>
-              </a:rPr>
-            </a:br>
-            <a:r>
-              <a:rPr lang="en-US" sz="3400" b="1" i="0" kern="1200" dirty="0">
-                <a:effectLst/>
-                <a:latin typeface="+mj-lt"/>
-                <a:ea typeface="+mj-ea"/>
-                <a:cs typeface="+mj-cs"/>
-              </a:rPr>
-              <a:t>Debug unit</a:t>
-            </a:r>
-            <a:endParaRPr lang="en-US" sz="3400" b="1" kern="1200" dirty="0">
-              <a:latin typeface="+mj-lt"/>
-              <a:ea typeface="+mj-ea"/>
-              <a:cs typeface="+mj-cs"/>
-            </a:endParaRPr>
-          </a:p>
-        </p:txBody>
-      </p:sp>
-      <p:sp>
-        <p:nvSpPr>
-          <p:cNvPr id="4" name="מציין מיקום תוכן 6">
-            <a:extLst>
-              <a:ext uri="{FF2B5EF4-FFF2-40B4-BE49-F238E27FC236}">
-                <a16:creationId xmlns:a16="http://schemas.microsoft.com/office/drawing/2014/main" id="{4BC64C74-4EC7-1C8B-6DC3-E240DEE7BF71}"/>
-              </a:ext>
-            </a:extLst>
-          </p:cNvPr>
-          <p:cNvSpPr>
-            <a:spLocks noGrp="1"/>
-          </p:cNvSpPr>
-          <p:nvPr>
-            <p:ph idx="1"/>
-          </p:nvPr>
-        </p:nvSpPr>
-        <p:spPr>
-          <a:xfrm>
-            <a:off x="402336" y="2002536"/>
-            <a:ext cx="5862396" cy="4096512"/>
-          </a:xfrm>
-        </p:spPr>
-        <p:txBody>
-          <a:bodyPr>
-            <a:normAutofit/>
-          </a:bodyPr>
-          <a:lstStyle/>
-          <a:p>
-            <a:r>
-              <a:rPr lang="en-US" sz="1800" dirty="0"/>
-              <a:t>All relevant debug outputs were connected directly to the RISC-V module.</a:t>
-            </a:r>
-          </a:p>
-          <a:p>
-            <a:r>
-              <a:rPr lang="en-US" sz="1800" dirty="0"/>
-              <a:t>Resulting physical design layout included numerous I/</a:t>
-            </a:r>
-            <a:r>
-              <a:rPr lang="en-US" sz="1800" dirty="0" err="1"/>
-              <a:t>Os</a:t>
-            </a:r>
-            <a:r>
-              <a:rPr lang="en-US" sz="1800" dirty="0"/>
-              <a:t> &amp; big design.</a:t>
-            </a:r>
-            <a:endParaRPr lang="he-IL" sz="1800" dirty="0"/>
-          </a:p>
-        </p:txBody>
-      </p:sp>
-      <p:pic>
-        <p:nvPicPr>
-          <p:cNvPr id="2" name="Picture 1">
-            <a:extLst>
-              <a:ext uri="{FF2B5EF4-FFF2-40B4-BE49-F238E27FC236}">
-                <a16:creationId xmlns:a16="http://schemas.microsoft.com/office/drawing/2014/main" id="{24ECFCB0-4212-4FF4-C1DF-4BCDBD028315}"/>
-              </a:ext>
-            </a:extLst>
-          </p:cNvPr>
-          <p:cNvPicPr>
-            <a:picLocks noChangeAspect="1"/>
-          </p:cNvPicPr>
-          <p:nvPr/>
-        </p:nvPicPr>
-        <p:blipFill>
-          <a:blip r:embed="rId2"/>
-          <a:stretch>
-            <a:fillRect/>
-          </a:stretch>
-        </p:blipFill>
-        <p:spPr>
-          <a:xfrm>
-            <a:off x="7418654" y="2347400"/>
-            <a:ext cx="4681506" cy="4412687"/>
-          </a:xfrm>
-          <a:prstGeom prst="rect">
-            <a:avLst/>
-          </a:prstGeom>
-        </p:spPr>
-      </p:pic>
       <p:sp>
         <p:nvSpPr>
           <p:cNvPr id="19" name="Rectangle 18">
             <a:extLst>
               <a:ext uri="{FF2B5EF4-FFF2-40B4-BE49-F238E27FC236}">
-                <a16:creationId xmlns:a16="http://schemas.microsoft.com/office/drawing/2014/main" id="{6BAFA957-C9B3-68A9-AADE-16914AA10ED0}"/>
+                <a16:creationId xmlns:a16="http://schemas.microsoft.com/office/drawing/2014/main" id="{D0E41B10-4DB8-AFE7-869F-DCBA9005F45D}"/>
               </a:ext>
             </a:extLst>
           </p:cNvPr>
@@ -11347,15 +9971,179 @@
           <a:bodyPr/>
           <a:lstStyle/>
           <a:p>
-            <a:pPr algn="ctr"/>
-            <a:endParaRPr lang="en-IL" dirty="0"/>
+            <a:endParaRPr lang="en-IL"/>
+          </a:p>
+        </p:txBody>
+      </p:sp>
+      <p:sp>
+        <p:nvSpPr>
+          <p:cNvPr id="7" name="כותרת 1">
+            <a:extLst>
+              <a:ext uri="{FF2B5EF4-FFF2-40B4-BE49-F238E27FC236}">
+                <a16:creationId xmlns:a16="http://schemas.microsoft.com/office/drawing/2014/main" id="{B0B15368-BF40-7613-1B99-C84317E25A13}"/>
+              </a:ext>
+            </a:extLst>
+          </p:cNvPr>
+          <p:cNvSpPr>
+            <a:spLocks noGrp="1"/>
+          </p:cNvSpPr>
+          <p:nvPr>
+            <p:ph type="title"/>
+          </p:nvPr>
+        </p:nvSpPr>
+        <p:spPr>
+          <a:xfrm>
+            <a:off x="305349" y="603066"/>
+            <a:ext cx="10319512" cy="592536"/>
+          </a:xfrm>
+        </p:spPr>
+        <p:txBody>
+          <a:bodyPr vert="horz" lIns="91440" tIns="45720" rIns="91440" bIns="45720" rtlCol="0" anchor="b">
+            <a:normAutofit fontScale="90000"/>
+          </a:bodyPr>
+          <a:lstStyle/>
+          <a:p>
+            <a:pPr algn="ctr" rtl="0"/>
+            <a:r>
+              <a:rPr lang="en-US" sz="3200" b="1" i="0" kern="1200" dirty="0">
+                <a:solidFill>
+                  <a:schemeClr val="tx1"/>
+                </a:solidFill>
+                <a:effectLst/>
+                <a:latin typeface="+mj-lt"/>
+                <a:ea typeface="+mj-ea"/>
+                <a:cs typeface="+mj-cs"/>
+              </a:rPr>
+              <a:t>Architectural design of the selected solution </a:t>
+            </a:r>
+            <a:br>
+              <a:rPr lang="en-US" sz="3200" b="1" i="0" kern="1200" dirty="0">
+                <a:solidFill>
+                  <a:schemeClr val="tx1"/>
+                </a:solidFill>
+                <a:effectLst/>
+                <a:latin typeface="+mj-lt"/>
+                <a:ea typeface="+mj-ea"/>
+                <a:cs typeface="+mj-cs"/>
+              </a:rPr>
+            </a:br>
+            <a:r>
+              <a:rPr lang="en-US" sz="3200" b="1" i="0" kern="1200" dirty="0">
+                <a:solidFill>
+                  <a:schemeClr val="tx1"/>
+                </a:solidFill>
+                <a:effectLst/>
+                <a:latin typeface="+mj-lt"/>
+                <a:ea typeface="+mj-ea"/>
+                <a:cs typeface="+mj-cs"/>
+              </a:rPr>
+              <a:t>memory loading mechanism </a:t>
+            </a:r>
+            <a:endParaRPr lang="en-US" sz="3200" b="1" kern="1200" dirty="0">
+              <a:solidFill>
+                <a:schemeClr val="tx1"/>
+              </a:solidFill>
+              <a:latin typeface="+mj-lt"/>
+              <a:ea typeface="+mj-ea"/>
+              <a:cs typeface="+mj-cs"/>
+            </a:endParaRPr>
+          </a:p>
+        </p:txBody>
+      </p:sp>
+      <p:pic>
+        <p:nvPicPr>
+          <p:cNvPr id="2" name="Picture 1">
+            <a:extLst>
+              <a:ext uri="{FF2B5EF4-FFF2-40B4-BE49-F238E27FC236}">
+                <a16:creationId xmlns:a16="http://schemas.microsoft.com/office/drawing/2014/main" id="{28C2F408-61EA-A90B-BD9C-F2F42F8C4DCC}"/>
+              </a:ext>
+            </a:extLst>
+          </p:cNvPr>
+          <p:cNvPicPr>
+            <a:picLocks noChangeAspect="1"/>
+          </p:cNvPicPr>
+          <p:nvPr/>
+        </p:nvPicPr>
+        <p:blipFill>
+          <a:blip r:embed="rId2" cstate="print">
+            <a:extLst>
+              <a:ext uri="{28A0092B-C50C-407E-A947-70E740481C1C}">
+                <a14:useLocalDpi xmlns:a14="http://schemas.microsoft.com/office/drawing/2010/main" val="0"/>
+              </a:ext>
+            </a:extLst>
+          </a:blip>
+          <a:stretch>
+            <a:fillRect/>
+          </a:stretch>
+        </p:blipFill>
+        <p:spPr>
+          <a:xfrm>
+            <a:off x="2679931" y="2407196"/>
+            <a:ext cx="6638821" cy="4130764"/>
+          </a:xfrm>
+          <a:prstGeom prst="rect">
+            <a:avLst/>
+          </a:prstGeom>
+        </p:spPr>
+      </p:pic>
+      <p:sp>
+        <p:nvSpPr>
+          <p:cNvPr id="4" name="מציין מיקום תוכן 6">
+            <a:extLst>
+              <a:ext uri="{FF2B5EF4-FFF2-40B4-BE49-F238E27FC236}">
+                <a16:creationId xmlns:a16="http://schemas.microsoft.com/office/drawing/2014/main" id="{7D8C2738-87B4-87EF-D37D-7E2557077342}"/>
+              </a:ext>
+            </a:extLst>
+          </p:cNvPr>
+          <p:cNvSpPr>
+            <a:spLocks noGrp="1"/>
+          </p:cNvSpPr>
+          <p:nvPr>
+            <p:ph idx="1"/>
+          </p:nvPr>
+        </p:nvSpPr>
+        <p:spPr>
+          <a:xfrm>
+            <a:off x="111206" y="1673352"/>
+            <a:ext cx="11026186" cy="4864608"/>
+          </a:xfrm>
+        </p:spPr>
+        <p:txBody>
+          <a:bodyPr>
+            <a:normAutofit/>
+          </a:bodyPr>
+          <a:lstStyle/>
+          <a:p>
+            <a:pPr rtl="0"/>
+            <a:r>
+              <a:rPr lang="en-US" sz="2400" dirty="0">
+                <a:effectLst/>
+                <a:latin typeface="Arial" panose="020B0604020202020204" pitchFamily="34" charset="0"/>
+                <a:ea typeface="Times New Roman" panose="02020603050405020304" pitchFamily="18" charset="0"/>
+                <a:cs typeface="Arial" panose="020B0604020202020204" pitchFamily="34" charset="0"/>
+              </a:rPr>
+              <a:t>adding 2 input pins (one for data, one for instructions), and taking advantage of the fact that Tower S-RAMs can write to 2 different addresses in parallel.</a:t>
+            </a:r>
+          </a:p>
+          <a:p>
+            <a:pPr rtl="0"/>
+            <a:endParaRPr lang="en-US" sz="2400" dirty="0">
+              <a:effectLst/>
+              <a:latin typeface="Arial" panose="020B0604020202020204" pitchFamily="34" charset="0"/>
+              <a:ea typeface="Times New Roman" panose="02020603050405020304" pitchFamily="18" charset="0"/>
+              <a:cs typeface="Arial" panose="020B0604020202020204" pitchFamily="34" charset="0"/>
+            </a:endParaRPr>
+          </a:p>
+          <a:p>
+            <a:pPr rtl="0"/>
+            <a:endParaRPr lang="he-IL" sz="2000" dirty="0"/>
           </a:p>
         </p:txBody>
       </p:sp>
     </p:spTree>
     <p:extLst>
       <p:ext uri="{BB962C8B-B14F-4D97-AF65-F5344CB8AC3E}">
-        <p14:creationId xmlns:p14="http://schemas.microsoft.com/office/powerpoint/2010/main" val="1144604091"/>
+        <p14:creationId xmlns:p14="http://schemas.microsoft.com/office/powerpoint/2010/main" val="2798516777"/>
       </p:ext>
     </p:extLst>
   </p:cSld>
@@ -11365,23 +10153,15 @@
 </p:sld>
 </file>
 
-<file path=ppt/slides/slide14.xml><?xml version="1.0" encoding="utf-8"?>
+<file path=ppt/slides/slide12.xml><?xml version="1.0" encoding="utf-8"?>
 <p:sld xmlns:a="http://schemas.openxmlformats.org/drawingml/2006/main" xmlns:r="http://schemas.openxmlformats.org/officeDocument/2006/relationships" xmlns:p="http://schemas.openxmlformats.org/presentationml/2006/main">
   <p:cSld>
-    <p:bg>
-      <p:bgPr>
-        <a:solidFill>
-          <a:schemeClr val="bg1"/>
-        </a:solidFill>
-        <a:effectLst/>
-      </p:bgPr>
-    </p:bg>
     <p:spTree>
       <p:nvGrpSpPr>
         <p:cNvPr id="1" name="">
           <a:extLst>
             <a:ext uri="{FF2B5EF4-FFF2-40B4-BE49-F238E27FC236}">
-              <a16:creationId xmlns:a16="http://schemas.microsoft.com/office/drawing/2014/main" id="{B0B9B981-B382-7F65-4466-53FD536A33C2}"/>
+              <a16:creationId xmlns:a16="http://schemas.microsoft.com/office/drawing/2014/main" id="{D2C61F88-3BAB-58EE-9FAB-8F01F5D91652}"/>
             </a:ext>
           </a:extLst>
         </p:cNvPr>
@@ -11396,271 +10176,12 @@
           <a:chExt cx="0" cy="0"/>
         </a:xfrm>
       </p:grpSpPr>
-      <p:sp useBgFill="1">
-        <p:nvSpPr>
-          <p:cNvPr id="24" name="Rectangle 23">
-            <a:extLst>
-              <a:ext uri="{FF2B5EF4-FFF2-40B4-BE49-F238E27FC236}">
-                <a16:creationId xmlns:a16="http://schemas.microsoft.com/office/drawing/2014/main" id="{37B65277-82C6-6D08-6DCA-4A7DCC3B7136}"/>
-              </a:ext>
-              <a:ext uri="{C183D7F6-B498-43B3-948B-1728B52AA6E4}">
-                <adec:decorative xmlns:adec="http://schemas.microsoft.com/office/drawing/2017/decorative" val="1"/>
-              </a:ext>
-            </a:extLst>
-          </p:cNvPr>
-          <p:cNvSpPr>
-            <a:spLocks noGrp="1" noRot="1" noChangeAspect="1" noMove="1" noResize="1" noEditPoints="1" noAdjustHandles="1" noChangeArrowheads="1" noChangeShapeType="1" noTextEdit="1"/>
-          </p:cNvSpPr>
-          <p:nvPr>
-            <p:extLst>
-              <p:ext uri="{386F3935-93C4-4BCD-93E2-E3B085C9AB24}">
-                <p16:designElem xmlns:p16="http://schemas.microsoft.com/office/powerpoint/2015/main" val="1"/>
-              </p:ext>
-            </p:extLst>
-          </p:nvPr>
-        </p:nvSpPr>
-        <p:spPr>
-          <a:xfrm>
-            <a:off x="0" y="0"/>
-            <a:ext cx="12192000" cy="6858000"/>
-          </a:xfrm>
-          <a:prstGeom prst="rect">
-            <a:avLst/>
-          </a:prstGeom>
-          <a:ln w="12700" cap="flat" cmpd="sng" algn="ctr">
-            <a:noFill/>
-            <a:prstDash val="solid"/>
-            <a:miter lim="800000"/>
-          </a:ln>
-          <a:effectLst/>
-          <a:extLst>
-            <a:ext uri="{91240B29-F687-4F45-9708-019B960494DF}">
-              <a14:hiddenLine xmlns:a14="http://schemas.microsoft.com/office/drawing/2010/main" w="12700" cap="flat" cmpd="sng" algn="ctr">
-                <a:solidFill>
-                  <a:schemeClr val="accent1">
-                    <a:shade val="15000"/>
-                  </a:schemeClr>
-                </a:solidFill>
-                <a:prstDash val="solid"/>
-                <a:miter lim="800000"/>
-              </a14:hiddenLine>
-            </a:ext>
-          </a:extLst>
-        </p:spPr>
-        <p:style>
-          <a:lnRef idx="2">
-            <a:schemeClr val="accent1">
-              <a:shade val="15000"/>
-            </a:schemeClr>
-          </a:lnRef>
-          <a:fillRef idx="1">
-            <a:schemeClr val="accent1"/>
-          </a:fillRef>
-          <a:effectRef idx="0">
-            <a:schemeClr val="accent1"/>
-          </a:effectRef>
-          <a:fontRef idx="minor">
-            <a:schemeClr val="lt1"/>
-          </a:fontRef>
-        </p:style>
-        <p:txBody>
-          <a:bodyPr rtlCol="0" anchor="ctr"/>
-          <a:lstStyle/>
-          <a:p>
-            <a:pPr algn="ctr"/>
-            <a:endParaRPr lang="en-US"/>
-          </a:p>
-        </p:txBody>
-      </p:sp>
-      <p:sp>
-        <p:nvSpPr>
-          <p:cNvPr id="7" name="כותרת 1">
-            <a:extLst>
-              <a:ext uri="{FF2B5EF4-FFF2-40B4-BE49-F238E27FC236}">
-                <a16:creationId xmlns:a16="http://schemas.microsoft.com/office/drawing/2014/main" id="{105651DE-7A54-80F5-05E7-8713E48A3C52}"/>
-              </a:ext>
-            </a:extLst>
-          </p:cNvPr>
-          <p:cNvSpPr>
-            <a:spLocks noGrp="1"/>
-          </p:cNvSpPr>
-          <p:nvPr>
-            <p:ph type="title"/>
-          </p:nvPr>
-        </p:nvSpPr>
-        <p:spPr>
-          <a:xfrm>
-            <a:off x="309371" y="-82171"/>
-            <a:ext cx="11160253" cy="1527048"/>
-          </a:xfrm>
-        </p:spPr>
-        <p:txBody>
-          <a:bodyPr vert="horz" lIns="91440" tIns="45720" rIns="91440" bIns="45720" rtlCol="0" anchor="b">
-            <a:normAutofit/>
-          </a:bodyPr>
-          <a:lstStyle/>
-          <a:p>
-            <a:pPr algn="ctr" rtl="0"/>
-            <a:r>
-              <a:rPr lang="en-US" sz="3400" b="1" i="0" kern="1200" dirty="0">
-                <a:effectLst/>
-                <a:latin typeface="+mj-lt"/>
-                <a:ea typeface="+mj-ea"/>
-                <a:cs typeface="+mj-cs"/>
-              </a:rPr>
-              <a:t>Architectural design of the selected solution </a:t>
-            </a:r>
-            <a:br>
-              <a:rPr lang="en-US" sz="3400" b="1" i="0" kern="1200" dirty="0">
-                <a:effectLst/>
-                <a:latin typeface="+mj-lt"/>
-                <a:ea typeface="+mj-ea"/>
-                <a:cs typeface="+mj-cs"/>
-              </a:rPr>
-            </a:br>
-            <a:r>
-              <a:rPr lang="en-US" sz="3400" b="1" i="0" kern="1200" dirty="0">
-                <a:effectLst/>
-                <a:latin typeface="+mj-lt"/>
-                <a:ea typeface="+mj-ea"/>
-                <a:cs typeface="+mj-cs"/>
-              </a:rPr>
-              <a:t>Debug unit</a:t>
-            </a:r>
-            <a:endParaRPr lang="en-US" sz="3400" b="1" kern="1200" dirty="0">
-              <a:latin typeface="+mj-lt"/>
-              <a:ea typeface="+mj-ea"/>
-              <a:cs typeface="+mj-cs"/>
-            </a:endParaRPr>
-          </a:p>
-        </p:txBody>
-      </p:sp>
-      <p:sp>
-        <p:nvSpPr>
-          <p:cNvPr id="4" name="מציין מיקום תוכן 6">
-            <a:extLst>
-              <a:ext uri="{FF2B5EF4-FFF2-40B4-BE49-F238E27FC236}">
-                <a16:creationId xmlns:a16="http://schemas.microsoft.com/office/drawing/2014/main" id="{DDFDACDF-6880-2325-0162-DF459F29B52B}"/>
-              </a:ext>
-            </a:extLst>
-          </p:cNvPr>
-          <p:cNvSpPr>
-            <a:spLocks noGrp="1"/>
-          </p:cNvSpPr>
-          <p:nvPr>
-            <p:ph idx="1"/>
-          </p:nvPr>
-        </p:nvSpPr>
-        <p:spPr>
-          <a:xfrm>
-            <a:off x="137160" y="1344168"/>
-            <a:ext cx="6648981" cy="5318336"/>
-          </a:xfrm>
-        </p:spPr>
-        <p:txBody>
-          <a:bodyPr>
-            <a:normAutofit/>
-          </a:bodyPr>
-          <a:lstStyle/>
-          <a:p>
-            <a:r>
-              <a:rPr lang="en-US" sz="1800" dirty="0">
-                <a:effectLst/>
-                <a:latin typeface="Arial" panose="020B0604020202020204" pitchFamily="34" charset="0"/>
-                <a:ea typeface="Times New Roman" panose="02020603050405020304" pitchFamily="18" charset="0"/>
-                <a:cs typeface="Arial" panose="020B0604020202020204" pitchFamily="34" charset="0"/>
-              </a:rPr>
-              <a:t>29 circuit points </a:t>
-            </a:r>
-            <a:r>
-              <a:rPr lang="en-US" sz="1800" dirty="0"/>
-              <a:t>across various pipeline stages and control/data paths were connected to a </a:t>
-            </a:r>
-            <a:r>
-              <a:rPr lang="en-US" sz="1800" b="1" dirty="0"/>
-              <a:t>32-input multiplexer system</a:t>
-            </a:r>
-            <a:r>
-              <a:rPr lang="en-US" sz="1800" dirty="0"/>
-              <a:t>.</a:t>
-            </a:r>
-          </a:p>
-          <a:p>
-            <a:r>
-              <a:rPr lang="en-US" sz="1800" dirty="0"/>
-              <a:t> This externally controlled MUX allowed users to select and observe specific signals dynamically, enabling real-time inspection of key Datapath and memory elements such as ALU results, fetched opcodes, register values, memory addresses, and read/write data.</a:t>
-            </a:r>
-          </a:p>
-          <a:p>
-            <a:pPr marL="0" indent="0">
-              <a:buNone/>
-            </a:pPr>
-            <a:endParaRPr lang="en-US" sz="1800" b="1" dirty="0"/>
-          </a:p>
-          <a:p>
-            <a:pPr marL="0" indent="0">
-              <a:buNone/>
-            </a:pPr>
-            <a:r>
-              <a:rPr lang="en-US" sz="1800" b="1" dirty="0"/>
-              <a:t>Physical Design – Layout:</a:t>
-            </a:r>
-            <a:endParaRPr lang="en-US" sz="1800" dirty="0"/>
-          </a:p>
-          <a:p>
-            <a:r>
-              <a:rPr lang="en-US" sz="1800" dirty="0"/>
-              <a:t>Pin count reduced by approximately 250.</a:t>
-            </a:r>
-          </a:p>
-          <a:p>
-            <a:r>
-              <a:rPr lang="en-US" sz="1800" dirty="0"/>
-              <a:t>Resulted in a smaller design.</a:t>
-            </a:r>
-          </a:p>
-          <a:p>
-            <a:pPr rtl="0"/>
-            <a:endParaRPr lang="he-IL" sz="1800" dirty="0"/>
-          </a:p>
-        </p:txBody>
-      </p:sp>
-      <p:pic>
-        <p:nvPicPr>
-          <p:cNvPr id="2" name="Picture 1">
-            <a:extLst>
-              <a:ext uri="{FF2B5EF4-FFF2-40B4-BE49-F238E27FC236}">
-                <a16:creationId xmlns:a16="http://schemas.microsoft.com/office/drawing/2014/main" id="{59969BAB-1802-8768-D1B9-1CC4AE22F5D6}"/>
-              </a:ext>
-            </a:extLst>
-          </p:cNvPr>
-          <p:cNvPicPr>
-            <a:picLocks noChangeAspect="1"/>
-          </p:cNvPicPr>
-          <p:nvPr/>
-        </p:nvPicPr>
-        <p:blipFill>
-          <a:blip r:embed="rId2"/>
-          <a:stretch>
-            <a:fillRect/>
-          </a:stretch>
-        </p:blipFill>
-        <p:spPr>
-          <a:xfrm>
-            <a:off x="6827083" y="2722650"/>
-            <a:ext cx="5323975" cy="4096512"/>
-          </a:xfrm>
-          <a:prstGeom prst="rect">
-            <a:avLst/>
-          </a:prstGeom>
-        </p:spPr>
-      </p:pic>
       <p:sp>
         <p:nvSpPr>
           <p:cNvPr id="19" name="Rectangle 18">
             <a:extLst>
               <a:ext uri="{FF2B5EF4-FFF2-40B4-BE49-F238E27FC236}">
-                <a16:creationId xmlns:a16="http://schemas.microsoft.com/office/drawing/2014/main" id="{E37B4F63-032E-AB0D-0EBB-54C8F6CE0695}"/>
+                <a16:creationId xmlns:a16="http://schemas.microsoft.com/office/drawing/2014/main" id="{6BAFA957-C9B3-68A9-AADE-16914AA10ED0}"/>
               </a:ext>
             </a:extLst>
           </p:cNvPr>
@@ -11721,10 +10242,130 @@
           </a:p>
         </p:txBody>
       </p:sp>
+      <p:sp>
+        <p:nvSpPr>
+          <p:cNvPr id="7" name="כותרת 1">
+            <a:extLst>
+              <a:ext uri="{FF2B5EF4-FFF2-40B4-BE49-F238E27FC236}">
+                <a16:creationId xmlns:a16="http://schemas.microsoft.com/office/drawing/2014/main" id="{730E07F0-C612-DC2C-9D3E-354DB3D6D052}"/>
+              </a:ext>
+            </a:extLst>
+          </p:cNvPr>
+          <p:cNvSpPr>
+            <a:spLocks noGrp="1"/>
+          </p:cNvSpPr>
+          <p:nvPr>
+            <p:ph type="title"/>
+          </p:nvPr>
+        </p:nvSpPr>
+        <p:spPr>
+          <a:xfrm>
+            <a:off x="213908" y="0"/>
+            <a:ext cx="11896811" cy="961922"/>
+          </a:xfrm>
+        </p:spPr>
+        <p:txBody>
+          <a:bodyPr vert="horz" lIns="91440" tIns="45720" rIns="91440" bIns="45720" rtlCol="0" anchor="b">
+            <a:normAutofit/>
+          </a:bodyPr>
+          <a:lstStyle/>
+          <a:p>
+            <a:pPr rtl="0"/>
+            <a:r>
+              <a:rPr lang="en-US" sz="3200" b="1" i="0" kern="1200" dirty="0">
+                <a:solidFill>
+                  <a:schemeClr val="tx1"/>
+                </a:solidFill>
+                <a:effectLst/>
+                <a:latin typeface="+mj-lt"/>
+                <a:ea typeface="+mj-ea"/>
+                <a:cs typeface="+mj-cs"/>
+              </a:rPr>
+              <a:t>Architectural design of the selected solution - Debug unit</a:t>
+            </a:r>
+            <a:endParaRPr lang="en-US" sz="3200" b="1" kern="1200" dirty="0">
+              <a:solidFill>
+                <a:schemeClr val="tx1"/>
+              </a:solidFill>
+              <a:latin typeface="+mj-lt"/>
+              <a:ea typeface="+mj-ea"/>
+              <a:cs typeface="+mj-cs"/>
+            </a:endParaRPr>
+          </a:p>
+        </p:txBody>
+      </p:sp>
+      <p:sp>
+        <p:nvSpPr>
+          <p:cNvPr id="4" name="מציין מיקום תוכן 6">
+            <a:extLst>
+              <a:ext uri="{FF2B5EF4-FFF2-40B4-BE49-F238E27FC236}">
+                <a16:creationId xmlns:a16="http://schemas.microsoft.com/office/drawing/2014/main" id="{4BC64C74-4EC7-1C8B-6DC3-E240DEE7BF71}"/>
+              </a:ext>
+            </a:extLst>
+          </p:cNvPr>
+          <p:cNvSpPr>
+            <a:spLocks noGrp="1"/>
+          </p:cNvSpPr>
+          <p:nvPr>
+            <p:ph idx="1"/>
+          </p:nvPr>
+        </p:nvSpPr>
+        <p:spPr>
+          <a:xfrm>
+            <a:off x="0" y="1195602"/>
+            <a:ext cx="12283440" cy="5662398"/>
+          </a:xfrm>
+        </p:spPr>
+        <p:txBody>
+          <a:bodyPr>
+            <a:normAutofit/>
+          </a:bodyPr>
+          <a:lstStyle/>
+          <a:p>
+            <a:r>
+              <a:rPr lang="en-US" sz="2400" dirty="0">
+                <a:effectLst/>
+                <a:latin typeface="Arial" panose="020B0604020202020204" pitchFamily="34" charset="0"/>
+                <a:ea typeface="Times New Roman" panose="02020603050405020304" pitchFamily="18" charset="0"/>
+                <a:cs typeface="Arial" panose="020B0604020202020204" pitchFamily="34" charset="0"/>
+              </a:rPr>
+              <a:t>27 circuit points </a:t>
+            </a:r>
+            <a:r>
+              <a:rPr lang="en-US" dirty="0"/>
+              <a:t>across various pipeline stages and control/data paths were connected to a </a:t>
+            </a:r>
+            <a:r>
+              <a:rPr lang="en-US" b="1" dirty="0"/>
+              <a:t>32-input multiplexer system</a:t>
+            </a:r>
+            <a:r>
+              <a:rPr lang="en-US" dirty="0"/>
+              <a:t>.</a:t>
+            </a:r>
+          </a:p>
+          <a:p>
+            <a:r>
+              <a:rPr lang="en-US" dirty="0"/>
+              <a:t> This externally controlled MUX allowed users to select and observe specific signals dynamically, enabling real-time inspection of key Datapath and memory elements such as ALU results, fetched opcodes, register values, memory addresses, and read/write data.</a:t>
+            </a:r>
+            <a:endParaRPr lang="en-US" sz="2400" dirty="0">
+              <a:effectLst/>
+              <a:latin typeface="Arial" panose="020B0604020202020204" pitchFamily="34" charset="0"/>
+              <a:ea typeface="Times New Roman" panose="02020603050405020304" pitchFamily="18" charset="0"/>
+              <a:cs typeface="Arial" panose="020B0604020202020204" pitchFamily="34" charset="0"/>
+            </a:endParaRPr>
+          </a:p>
+          <a:p>
+            <a:pPr rtl="0"/>
+            <a:endParaRPr lang="he-IL" sz="2000" dirty="0"/>
+          </a:p>
+        </p:txBody>
+      </p:sp>
     </p:spTree>
     <p:extLst>
       <p:ext uri="{BB962C8B-B14F-4D97-AF65-F5344CB8AC3E}">
-        <p14:creationId xmlns:p14="http://schemas.microsoft.com/office/powerpoint/2010/main" val="4249683908"/>
+        <p14:creationId xmlns:p14="http://schemas.microsoft.com/office/powerpoint/2010/main" val="1144604091"/>
       </p:ext>
     </p:extLst>
   </p:cSld>
@@ -11734,7 +10375,7 @@
 </p:sld>
 </file>
 
-<file path=ppt/slides/slide15.xml><?xml version="1.0" encoding="utf-8"?>
+<file path=ppt/slides/slide13.xml><?xml version="1.0" encoding="utf-8"?>
 <p:sld xmlns:a="http://schemas.openxmlformats.org/drawingml/2006/main" xmlns:r="http://schemas.openxmlformats.org/officeDocument/2006/relationships" xmlns:p="http://schemas.openxmlformats.org/presentationml/2006/main">
   <p:cSld>
     <p:spTree>
@@ -15171,7 +13812,7 @@
 </p:sld>
 </file>
 
-<file path=ppt/slides/slide16.xml><?xml version="1.0" encoding="utf-8"?>
+<file path=ppt/slides/slide14.xml><?xml version="1.0" encoding="utf-8"?>
 <p:sld xmlns:a="http://schemas.openxmlformats.org/drawingml/2006/main" xmlns:r="http://schemas.openxmlformats.org/officeDocument/2006/relationships" xmlns:p="http://schemas.openxmlformats.org/presentationml/2006/main">
   <p:cSld>
     <p:spTree>
@@ -15179,7 +13820,7 @@
         <p:cNvPr id="1" name="">
           <a:extLst>
             <a:ext uri="{FF2B5EF4-FFF2-40B4-BE49-F238E27FC236}">
-              <a16:creationId xmlns:a16="http://schemas.microsoft.com/office/drawing/2014/main" id="{3B0B5248-019E-9FD0-FD56-13133099C430}"/>
+              <a16:creationId xmlns:a16="http://schemas.microsoft.com/office/drawing/2014/main" id="{8C85286A-8A90-83D4-4BB0-D4D5DBB9A24C}"/>
             </a:ext>
           </a:extLst>
         </p:cNvPr>
@@ -15199,7 +13840,7 @@
           <p:cNvPr id="19" name="Rectangle 18">
             <a:extLst>
               <a:ext uri="{FF2B5EF4-FFF2-40B4-BE49-F238E27FC236}">
-                <a16:creationId xmlns:a16="http://schemas.microsoft.com/office/drawing/2014/main" id="{305737D5-6CD6-4226-3A0D-CFE8D0D709B3}"/>
+                <a16:creationId xmlns:a16="http://schemas.microsoft.com/office/drawing/2014/main" id="{17280C5B-0895-2E6D-6FC5-3CBAB32D5010}"/>
               </a:ext>
             </a:extLst>
           </p:cNvPr>
@@ -15265,7 +13906,7 @@
           <p:cNvPr id="7" name="כותרת 1">
             <a:extLst>
               <a:ext uri="{FF2B5EF4-FFF2-40B4-BE49-F238E27FC236}">
-                <a16:creationId xmlns:a16="http://schemas.microsoft.com/office/drawing/2014/main" id="{3630A281-BAE8-8227-1FCC-CA48059ACB8E}"/>
+                <a16:creationId xmlns:a16="http://schemas.microsoft.com/office/drawing/2014/main" id="{AC869F22-BB6A-AC23-61A9-F6C5CA568781}"/>
               </a:ext>
             </a:extLst>
           </p:cNvPr>
@@ -15278,46 +13919,35 @@
         </p:nvSpPr>
         <p:spPr>
           <a:xfrm>
-            <a:off x="295189" y="338906"/>
-            <a:ext cx="10319512" cy="592536"/>
+            <a:off x="298704" y="145669"/>
+            <a:ext cx="10515600" cy="1325563"/>
           </a:xfrm>
         </p:spPr>
         <p:txBody>
-          <a:bodyPr vert="horz" lIns="91440" tIns="45720" rIns="91440" bIns="45720" rtlCol="0" anchor="b">
-            <a:normAutofit/>
-          </a:bodyPr>
+          <a:bodyPr/>
           <a:lstStyle/>
           <a:p>
-            <a:pPr rtl="0"/>
-            <a:r>
-              <a:rPr lang="en-US" sz="3200" b="1" i="0" kern="1200" dirty="0">
+            <a:r>
+              <a:rPr lang="en-US" sz="4400" b="1" i="0" kern="1200" dirty="0">
                 <a:solidFill>
                   <a:schemeClr val="tx1"/>
                 </a:solidFill>
                 <a:effectLst/>
-                <a:latin typeface="+mj-lt"/>
                 <a:ea typeface="+mj-ea"/>
                 <a:cs typeface="+mj-cs"/>
               </a:rPr>
-              <a:t>Code &amp; design changes </a:t>
-            </a:r>
-            <a:endParaRPr lang="en-US" sz="3200" b="1" kern="1200" dirty="0">
-              <a:solidFill>
-                <a:schemeClr val="tx1"/>
-              </a:solidFill>
-              <a:latin typeface="+mj-lt"/>
-              <a:ea typeface="+mj-ea"/>
-              <a:cs typeface="+mj-cs"/>
-            </a:endParaRPr>
+              <a:t>Back-end flow:</a:t>
+            </a:r>
+            <a:endParaRPr lang="he-IL" b="1" dirty="0"/>
           </a:p>
         </p:txBody>
       </p:sp>
       <p:sp>
         <p:nvSpPr>
-          <p:cNvPr id="4" name="מציין מיקום תוכן 6">
-            <a:extLst>
-              <a:ext uri="{FF2B5EF4-FFF2-40B4-BE49-F238E27FC236}">
-                <a16:creationId xmlns:a16="http://schemas.microsoft.com/office/drawing/2014/main" id="{8193E70E-2E0A-98AF-6C2F-27F59098FB9D}"/>
+          <p:cNvPr id="8" name="מציין מיקום תוכן 2">
+            <a:extLst>
+              <a:ext uri="{FF2B5EF4-FFF2-40B4-BE49-F238E27FC236}">
+                <a16:creationId xmlns:a16="http://schemas.microsoft.com/office/drawing/2014/main" id="{C9B87499-7495-9CD8-3CA4-53BAA045275B}"/>
               </a:ext>
             </a:extLst>
           </p:cNvPr>
@@ -15330,51 +13960,105 @@
         </p:nvSpPr>
         <p:spPr>
           <a:xfrm>
-            <a:off x="0" y="1195602"/>
-            <a:ext cx="11765280" cy="5662398"/>
+            <a:off x="298704" y="1284288"/>
+            <a:ext cx="11479784" cy="4760912"/>
           </a:xfrm>
         </p:spPr>
         <p:txBody>
-          <a:bodyPr>
-            <a:normAutofit/>
-          </a:bodyPr>
+          <a:bodyPr/>
           <a:lstStyle/>
           <a:p>
             <a:r>
-              <a:rPr lang="en-US" sz="2000" dirty="0"/>
-              <a:t> The original design had FPGA memories integrated into it as the system memory, which created some challenges. </a:t>
-            </a:r>
-          </a:p>
-          <a:p>
-            <a:r>
-              <a:rPr lang="en-US" sz="2000" dirty="0"/>
-              <a:t> We had to integrate some files from FPGA libraries to compile and run the design.</a:t>
-            </a:r>
-          </a:p>
-          <a:p>
-            <a:r>
-              <a:rPr lang="en-US" sz="2000" dirty="0"/>
-              <a:t>The design provided incorrect results whenever running commands with an undeviable-by-4 address, and the fact that the FPGA memories operated upon the clock falling (not rising).</a:t>
-            </a:r>
-          </a:p>
-          <a:p>
-            <a:r>
-              <a:rPr lang="en-US" sz="2000" dirty="0"/>
-              <a:t>During the process of replacing the original memory blocks with Tower SRAMs, modifications were made to both the logical and timing aspects of the design, among the key updates, flip-flops were strategically inserted at critical points in the data path, and in some instances, sequential logic was restructured into purely combinational logic to better align with the new memory interface timing system.</a:t>
-            </a:r>
-          </a:p>
-          <a:p>
-            <a:r>
-              <a:rPr lang="en-US" sz="2000" dirty="0"/>
-              <a:t>Throughout this transition, careful attention was given to preserve all existing functionalities of the system, ensuring that no other parts of the design were adversely affected by the modifications.</a:t>
-            </a:r>
+              <a:rPr lang="en-US" dirty="0"/>
+              <a:t>Using </a:t>
+            </a:r>
+            <a:r>
+              <a:rPr lang="en-IL" dirty="0"/>
+              <a:t>Synopsys Design Vision</a:t>
+            </a:r>
+            <a:r>
+              <a:rPr lang="en-US" dirty="0"/>
+              <a:t> tool &amp; </a:t>
+            </a:r>
+            <a:r>
+              <a:rPr lang="en-IL" dirty="0"/>
+              <a:t>TSMC TSL 108 Tower Design Kit</a:t>
+            </a:r>
+            <a:r>
+              <a:rPr lang="en-US" dirty="0"/>
+              <a:t> for </a:t>
+            </a:r>
+            <a:r>
+              <a:rPr lang="en-US" b="1" u="sng" dirty="0"/>
+              <a:t>Synthesis flow</a:t>
+            </a:r>
+            <a:r>
+              <a:rPr lang="en-US" dirty="0"/>
+              <a:t>, converting </a:t>
+            </a:r>
+            <a:r>
+              <a:rPr lang="en-IL" dirty="0"/>
+              <a:t>the RTL design into a gate-level netlist that matches the target manufacturing process.</a:t>
+            </a:r>
+          </a:p>
+          <a:p>
+            <a:r>
+              <a:rPr lang="en-US" dirty="0"/>
+              <a:t>Using </a:t>
+            </a:r>
+            <a:r>
+              <a:rPr lang="en-IL" dirty="0"/>
+              <a:t>Cadence Innovus</a:t>
+            </a:r>
+            <a:r>
+              <a:rPr lang="en-US" dirty="0"/>
+              <a:t> tool &amp; </a:t>
+            </a:r>
+            <a:r>
+              <a:rPr lang="en-IL" dirty="0"/>
+              <a:t>TSMC TSL 108 Tower Design Kit</a:t>
+            </a:r>
+            <a:r>
+              <a:rPr lang="en-US" dirty="0"/>
+              <a:t> for a short layout flow, transforming a synthesized Verilog design into a complete physical chip layout, while trying to maximize the working frequency.</a:t>
+            </a:r>
+          </a:p>
+          <a:p>
+            <a:r>
+              <a:rPr lang="en-US" dirty="0"/>
+              <a:t>Using </a:t>
+            </a:r>
+            <a:r>
+              <a:rPr lang="en-IL" dirty="0"/>
+              <a:t>PrimeTime </a:t>
+            </a:r>
+            <a:r>
+              <a:rPr lang="en-US" dirty="0"/>
+              <a:t>Tool to verify and debug timing issues, to reach maximum working frequency.</a:t>
+            </a:r>
+          </a:p>
+          <a:p>
+            <a:pPr marL="0" indent="0" algn="l" rtl="0">
+              <a:buNone/>
+            </a:pPr>
+            <a:endParaRPr lang="en-US" dirty="0"/>
+          </a:p>
+          <a:p>
+            <a:pPr marL="0" indent="0" algn="l" rtl="0">
+              <a:buNone/>
+            </a:pPr>
+            <a:endParaRPr lang="en-US" dirty="0"/>
+          </a:p>
+          <a:p>
+            <a:pPr algn="l" rtl="0"/>
+            <a:endParaRPr lang="he-IL" dirty="0"/>
           </a:p>
         </p:txBody>
       </p:sp>
     </p:spTree>
     <p:extLst>
       <p:ext uri="{BB962C8B-B14F-4D97-AF65-F5344CB8AC3E}">
-        <p14:creationId xmlns:p14="http://schemas.microsoft.com/office/powerpoint/2010/main" val="296654255"/>
+        <p14:creationId xmlns:p14="http://schemas.microsoft.com/office/powerpoint/2010/main" val="1862914385"/>
       </p:ext>
     </p:extLst>
   </p:cSld>
@@ -15384,7 +14068,7 @@
 </p:sld>
 </file>
 
-<file path=ppt/slides/slide17.xml><?xml version="1.0" encoding="utf-8"?>
+<file path=ppt/slides/slide15.xml><?xml version="1.0" encoding="utf-8"?>
 <p:sld xmlns:a="http://schemas.openxmlformats.org/drawingml/2006/main" xmlns:r="http://schemas.openxmlformats.org/officeDocument/2006/relationships" xmlns:p="http://schemas.openxmlformats.org/presentationml/2006/main">
   <p:cSld>
     <p:spTree>
@@ -15392,7 +14076,7 @@
         <p:cNvPr id="1" name="">
           <a:extLst>
             <a:ext uri="{FF2B5EF4-FFF2-40B4-BE49-F238E27FC236}">
-              <a16:creationId xmlns:a16="http://schemas.microsoft.com/office/drawing/2014/main" id="{8C85286A-8A90-83D4-4BB0-D4D5DBB9A24C}"/>
+              <a16:creationId xmlns:a16="http://schemas.microsoft.com/office/drawing/2014/main" id="{43EDF613-BE53-C1DD-D15B-C2A4D2FCECB4}"/>
             </a:ext>
           </a:extLst>
         </p:cNvPr>
@@ -15412,7 +14096,7 @@
           <p:cNvPr id="19" name="Rectangle 18">
             <a:extLst>
               <a:ext uri="{FF2B5EF4-FFF2-40B4-BE49-F238E27FC236}">
-                <a16:creationId xmlns:a16="http://schemas.microsoft.com/office/drawing/2014/main" id="{17280C5B-0895-2E6D-6FC5-3CBAB32D5010}"/>
+                <a16:creationId xmlns:a16="http://schemas.microsoft.com/office/drawing/2014/main" id="{24A562B7-CA17-BDF1-4AB6-0B86B5558D83}"/>
               </a:ext>
             </a:extLst>
           </p:cNvPr>
@@ -15478,7 +14162,7 @@
           <p:cNvPr id="7" name="כותרת 1">
             <a:extLst>
               <a:ext uri="{FF2B5EF4-FFF2-40B4-BE49-F238E27FC236}">
-                <a16:creationId xmlns:a16="http://schemas.microsoft.com/office/drawing/2014/main" id="{AC869F22-BB6A-AC23-61A9-F6C5CA568781}"/>
+                <a16:creationId xmlns:a16="http://schemas.microsoft.com/office/drawing/2014/main" id="{A7BABD51-08C1-4016-A7D6-9A537F5BA893}"/>
               </a:ext>
             </a:extLst>
           </p:cNvPr>
@@ -15500,6 +14184,10 @@
           <a:lstStyle/>
           <a:p>
             <a:r>
+              <a:rPr lang="en-US" b="1" dirty="0"/>
+              <a:t>Synthesis flow </a:t>
+            </a:r>
+            <a:r>
               <a:rPr lang="en-US" sz="4400" b="1" i="0" kern="1200" dirty="0">
                 <a:solidFill>
                   <a:schemeClr val="tx1"/>
@@ -15508,7 +14196,7 @@
                 <a:ea typeface="+mj-ea"/>
                 <a:cs typeface="+mj-cs"/>
               </a:rPr>
-              <a:t>Back-end flow:</a:t>
+              <a:t>:</a:t>
             </a:r>
             <a:endParaRPr lang="he-IL" b="1" dirty="0"/>
           </a:p>
@@ -15519,7 +14207,7 @@
           <p:cNvPr id="8" name="מציין מיקום תוכן 2">
             <a:extLst>
               <a:ext uri="{FF2B5EF4-FFF2-40B4-BE49-F238E27FC236}">
-                <a16:creationId xmlns:a16="http://schemas.microsoft.com/office/drawing/2014/main" id="{C9B87499-7495-9CD8-3CA4-53BAA045275B}"/>
+                <a16:creationId xmlns:a16="http://schemas.microsoft.com/office/drawing/2014/main" id="{9C7FAD6F-89B0-D133-5B2D-2F177ADF295B}"/>
               </a:ext>
             </a:extLst>
           </p:cNvPr>
@@ -15572,42 +14260,22 @@
               <a:rPr lang="en-IL" dirty="0"/>
               <a:t>the RTL design into a gate-level netlist that matches the target manufacturing process.</a:t>
             </a:r>
+            <a:endParaRPr lang="en-US" dirty="0"/>
           </a:p>
           <a:p>
             <a:r>
               <a:rPr lang="en-US" dirty="0"/>
-              <a:t>Using </a:t>
+              <a:t> To create an efficient </a:t>
             </a:r>
             <a:r>
               <a:rPr lang="en-IL" dirty="0"/>
-              <a:t>Cadence Innovus</a:t>
+              <a:t>gate-level netlist</a:t>
             </a:r>
             <a:r>
               <a:rPr lang="en-US" dirty="0"/>
-              <a:t> tool &amp; </a:t>
-            </a:r>
-            <a:r>
-              <a:rPr lang="en-IL" dirty="0"/>
-              <a:t>TSMC TSL 108 Tower Design Kit</a:t>
-            </a:r>
-            <a:r>
-              <a:rPr lang="en-US" dirty="0"/>
-              <a:t> for a short layout flow, transforming a synthesized Verilog design into a complete physical chip layout, while trying to maximize the working frequency.</a:t>
-            </a:r>
-          </a:p>
-          <a:p>
-            <a:r>
-              <a:rPr lang="en-US" dirty="0"/>
-              <a:t>Using </a:t>
-            </a:r>
-            <a:r>
-              <a:rPr lang="en-IL" dirty="0"/>
-              <a:t>PrimeTime </a:t>
-            </a:r>
-            <a:r>
-              <a:rPr lang="en-US" dirty="0"/>
-              <a:t>Tool to verify and debug timing issues, to reach maximum working frequency.</a:t>
-            </a:r>
+              <a:t>, we had to parameterize some general-use modules that we integrated into the design (especially muxes), while always checking the design after compile to ensure area and timing efficacy.</a:t>
+            </a:r>
+            <a:endParaRPr lang="en-IL" dirty="0"/>
           </a:p>
           <a:p>
             <a:pPr marL="0" indent="0" algn="l" rtl="0">
@@ -15630,7 +14298,7 @@
     </p:spTree>
     <p:extLst>
       <p:ext uri="{BB962C8B-B14F-4D97-AF65-F5344CB8AC3E}">
-        <p14:creationId xmlns:p14="http://schemas.microsoft.com/office/powerpoint/2010/main" val="1862914385"/>
+        <p14:creationId xmlns:p14="http://schemas.microsoft.com/office/powerpoint/2010/main" val="628777326"/>
       </p:ext>
     </p:extLst>
   </p:cSld>
@@ -15640,7 +14308,7 @@
 </p:sld>
 </file>
 
-<file path=ppt/slides/slide18.xml><?xml version="1.0" encoding="utf-8"?>
+<file path=ppt/slides/slide16.xml><?xml version="1.0" encoding="utf-8"?>
 <p:sld xmlns:a="http://schemas.openxmlformats.org/drawingml/2006/main" xmlns:r="http://schemas.openxmlformats.org/officeDocument/2006/relationships" xmlns:p="http://schemas.openxmlformats.org/presentationml/2006/main">
   <p:cSld>
     <p:spTree>
@@ -15648,7 +14316,7 @@
         <p:cNvPr id="1" name="">
           <a:extLst>
             <a:ext uri="{FF2B5EF4-FFF2-40B4-BE49-F238E27FC236}">
-              <a16:creationId xmlns:a16="http://schemas.microsoft.com/office/drawing/2014/main" id="{43EDF613-BE53-C1DD-D15B-C2A4D2FCECB4}"/>
+              <a16:creationId xmlns:a16="http://schemas.microsoft.com/office/drawing/2014/main" id="{450FB5D4-46B7-1E78-08E6-793DB8534D9B}"/>
             </a:ext>
           </a:extLst>
         </p:cNvPr>
@@ -15668,7 +14336,7 @@
           <p:cNvPr id="19" name="Rectangle 18">
             <a:extLst>
               <a:ext uri="{FF2B5EF4-FFF2-40B4-BE49-F238E27FC236}">
-                <a16:creationId xmlns:a16="http://schemas.microsoft.com/office/drawing/2014/main" id="{24A562B7-CA17-BDF1-4AB6-0B86B5558D83}"/>
+                <a16:creationId xmlns:a16="http://schemas.microsoft.com/office/drawing/2014/main" id="{DE426446-3B2D-285F-DF92-EEF6356656D9}"/>
               </a:ext>
             </a:extLst>
           </p:cNvPr>
@@ -15734,7 +14402,7 @@
           <p:cNvPr id="7" name="כותרת 1">
             <a:extLst>
               <a:ext uri="{FF2B5EF4-FFF2-40B4-BE49-F238E27FC236}">
-                <a16:creationId xmlns:a16="http://schemas.microsoft.com/office/drawing/2014/main" id="{A7BABD51-08C1-4016-A7D6-9A537F5BA893}"/>
+                <a16:creationId xmlns:a16="http://schemas.microsoft.com/office/drawing/2014/main" id="{DF22506C-BA15-E5AB-2BB8-80A50AE5C00C}"/>
               </a:ext>
             </a:extLst>
           </p:cNvPr>
@@ -15747,7 +14415,7 @@
         </p:nvSpPr>
         <p:spPr>
           <a:xfrm>
-            <a:off x="298704" y="145669"/>
+            <a:off x="288544" y="0"/>
             <a:ext cx="10515600" cy="1325563"/>
           </a:xfrm>
         </p:spPr>
@@ -15757,7 +14425,7 @@
           <a:p>
             <a:r>
               <a:rPr lang="en-US" b="1" dirty="0"/>
-              <a:t>Synthesis flow </a:t>
+              <a:t>Layout flow </a:t>
             </a:r>
             <a:r>
               <a:rPr lang="en-US" sz="4400" b="1" i="0" kern="1200" dirty="0">
@@ -15779,7 +14447,7 @@
           <p:cNvPr id="8" name="מציין מיקום תוכן 2">
             <a:extLst>
               <a:ext uri="{FF2B5EF4-FFF2-40B4-BE49-F238E27FC236}">
-                <a16:creationId xmlns:a16="http://schemas.microsoft.com/office/drawing/2014/main" id="{9C7FAD6F-89B0-D133-5B2D-2F177ADF295B}"/>
+                <a16:creationId xmlns:a16="http://schemas.microsoft.com/office/drawing/2014/main" id="{E031BCFC-307C-1E56-59C2-0616F50851DA}"/>
               </a:ext>
             </a:extLst>
           </p:cNvPr>
@@ -15792,12 +14460,14 @@
         </p:nvSpPr>
         <p:spPr>
           <a:xfrm>
-            <a:off x="298704" y="1284288"/>
-            <a:ext cx="11479784" cy="4760912"/>
+            <a:off x="71120" y="1195602"/>
+            <a:ext cx="12049760" cy="5573712"/>
           </a:xfrm>
         </p:spPr>
         <p:txBody>
-          <a:bodyPr/>
+          <a:bodyPr>
+            <a:normAutofit/>
+          </a:bodyPr>
           <a:lstStyle/>
           <a:p>
             <a:r>
@@ -15806,54 +14476,71 @@
             </a:r>
             <a:r>
               <a:rPr lang="en-IL" dirty="0"/>
-              <a:t>Synopsys Design Vision</a:t>
+              <a:t>Cadence </a:t>
+            </a:r>
+            <a:r>
+              <a:rPr lang="en-IL" b="1" u="sng" dirty="0" err="1"/>
+              <a:t>Innovus</a:t>
+            </a:r>
+            <a:r>
+              <a:rPr lang="en-US" b="1" u="sng" dirty="0"/>
+              <a:t> tool &amp; </a:t>
+            </a:r>
+            <a:r>
+              <a:rPr lang="en-IL" b="1" u="sng" dirty="0"/>
+              <a:t>TSMC TSL 108 </a:t>
+            </a:r>
+            <a:r>
+              <a:rPr lang="en-IL" dirty="0"/>
+              <a:t>Tower Design Kit</a:t>
             </a:r>
             <a:r>
               <a:rPr lang="en-US" dirty="0"/>
-              <a:t> tool &amp; </a:t>
-            </a:r>
-            <a:r>
-              <a:rPr lang="en-IL" dirty="0"/>
-              <a:t>TSMC TSL 108 Tower Design Kit</a:t>
-            </a:r>
+              <a:t> for a short layout flow, transforming a synthesized Verilog design into a complete physical chip layout, while trying to maximize the working frequency.</a:t>
+            </a:r>
+          </a:p>
+          <a:p>
             <a:r>
               <a:rPr lang="en-US" dirty="0"/>
-              <a:t> for </a:t>
-            </a:r>
-            <a:r>
-              <a:rPr lang="en-US" b="1" u="sng" dirty="0"/>
-              <a:t>Synthesis flow</a:t>
-            </a:r>
-            <a:r>
-              <a:rPr lang="en-US" dirty="0"/>
-              <a:t>, converting </a:t>
-            </a:r>
-            <a:r>
-              <a:rPr lang="en-IL" dirty="0"/>
-              <a:t>the RTL design into a gate-level netlist that matches the target manufacturing process.</a:t>
-            </a:r>
-            <a:endParaRPr lang="en-US" dirty="0"/>
-          </a:p>
-          <a:p>
-            <a:r>
-              <a:rPr lang="en-US" dirty="0"/>
-              <a:t> To create an efficient </a:t>
-            </a:r>
-            <a:r>
-              <a:rPr lang="en-IL" dirty="0"/>
-              <a:t>gate-level netlist</a:t>
-            </a:r>
-            <a:r>
-              <a:rPr lang="en-US" dirty="0"/>
-              <a:t>, we had to parameterize some general-use modules that we integrated into the design (especially muxes), while always checking the design after compile to ensure area and timing efficacy.</a:t>
-            </a:r>
-            <a:endParaRPr lang="en-IL" dirty="0"/>
-          </a:p>
-          <a:p>
-            <a:pPr marL="0" indent="0" algn="l" rtl="0">
+              <a:t>Floorplan &amp; Power and ground pins  were defined to setup the chip and enable it’s power ring, Standard cells, including Tower SRAMs, were automatically placed with optimization for timing and congestion. </a:t>
+            </a:r>
+          </a:p>
+          <a:p>
+            <a:pPr marL="0" indent="0">
               <a:buNone/>
             </a:pPr>
             <a:endParaRPr lang="en-US" dirty="0"/>
+          </a:p>
+          <a:p>
+            <a:r>
+              <a:rPr lang="en-US" dirty="0"/>
+              <a:t>Clock Tree Synthesis (CTS) followed, creating a balanced network with 1.3 ns skew for proper synchronization (with a test and try to </a:t>
+            </a:r>
+            <a:r>
+              <a:rPr lang="en-US" dirty="0" err="1"/>
+              <a:t>rudce</a:t>
+            </a:r>
+            <a:r>
+              <a:rPr lang="en-US" dirty="0"/>
+              <a:t> </a:t>
+            </a:r>
+            <a:r>
+              <a:rPr lang="en-US" dirty="0" err="1"/>
+              <a:t>clk</a:t>
+            </a:r>
+            <a:r>
+              <a:rPr lang="en-US" dirty="0"/>
+              <a:t> cycle policy).</a:t>
+            </a:r>
+          </a:p>
+          <a:p>
+            <a:endParaRPr lang="en-US" dirty="0"/>
+          </a:p>
+          <a:p>
+            <a:r>
+              <a:rPr lang="en-US" dirty="0"/>
+              <a:t>Finally, after power routing was completed, full signal routing was carried</a:t>
+            </a:r>
           </a:p>
           <a:p>
             <a:pPr marL="0" indent="0" algn="l" rtl="0">
@@ -15870,7 +14557,7 @@
     </p:spTree>
     <p:extLst>
       <p:ext uri="{BB962C8B-B14F-4D97-AF65-F5344CB8AC3E}">
-        <p14:creationId xmlns:p14="http://schemas.microsoft.com/office/powerpoint/2010/main" val="628777326"/>
+        <p14:creationId xmlns:p14="http://schemas.microsoft.com/office/powerpoint/2010/main" val="1965035072"/>
       </p:ext>
     </p:extLst>
   </p:cSld>
@@ -15880,7 +14567,7 @@
 </p:sld>
 </file>
 
-<file path=ppt/slides/slide19.xml><?xml version="1.0" encoding="utf-8"?>
+<file path=ppt/slides/slide17.xml><?xml version="1.0" encoding="utf-8"?>
 <p:sld xmlns:a="http://schemas.openxmlformats.org/drawingml/2006/main" xmlns:r="http://schemas.openxmlformats.org/officeDocument/2006/relationships" xmlns:p="http://schemas.openxmlformats.org/presentationml/2006/main">
   <p:cSld>
     <p:spTree>
@@ -15888,7 +14575,7 @@
         <p:cNvPr id="1" name="">
           <a:extLst>
             <a:ext uri="{FF2B5EF4-FFF2-40B4-BE49-F238E27FC236}">
-              <a16:creationId xmlns:a16="http://schemas.microsoft.com/office/drawing/2014/main" id="{450FB5D4-46B7-1E78-08E6-793DB8534D9B}"/>
+              <a16:creationId xmlns:a16="http://schemas.microsoft.com/office/drawing/2014/main" id="{5F3D9C39-63B9-0FF5-4A6F-A4FD45A12489}"/>
             </a:ext>
           </a:extLst>
         </p:cNvPr>
@@ -15908,7 +14595,7 @@
           <p:cNvPr id="19" name="Rectangle 18">
             <a:extLst>
               <a:ext uri="{FF2B5EF4-FFF2-40B4-BE49-F238E27FC236}">
-                <a16:creationId xmlns:a16="http://schemas.microsoft.com/office/drawing/2014/main" id="{DE426446-3B2D-285F-DF92-EEF6356656D9}"/>
+                <a16:creationId xmlns:a16="http://schemas.microsoft.com/office/drawing/2014/main" id="{5815323F-93A0-E92B-52C2-55C1E42850F2}"/>
               </a:ext>
             </a:extLst>
           </p:cNvPr>
@@ -15974,7 +14661,7 @@
           <p:cNvPr id="7" name="כותרת 1">
             <a:extLst>
               <a:ext uri="{FF2B5EF4-FFF2-40B4-BE49-F238E27FC236}">
-                <a16:creationId xmlns:a16="http://schemas.microsoft.com/office/drawing/2014/main" id="{DF22506C-BA15-E5AB-2BB8-80A50AE5C00C}"/>
+                <a16:creationId xmlns:a16="http://schemas.microsoft.com/office/drawing/2014/main" id="{81E3FA5E-AC7A-8383-79E5-CAF6A87499E6}"/>
               </a:ext>
             </a:extLst>
           </p:cNvPr>
@@ -15997,18 +14684,7 @@
           <a:p>
             <a:r>
               <a:rPr lang="en-US" b="1" dirty="0"/>
-              <a:t>Layout flow </a:t>
-            </a:r>
-            <a:r>
-              <a:rPr lang="en-US" sz="4400" b="1" i="0" kern="1200" dirty="0">
-                <a:solidFill>
-                  <a:schemeClr val="tx1"/>
-                </a:solidFill>
-                <a:effectLst/>
-                <a:ea typeface="+mj-ea"/>
-                <a:cs typeface="+mj-cs"/>
-              </a:rPr>
-              <a:t>:</a:t>
+              <a:t>STA Check:</a:t>
             </a:r>
             <a:endParaRPr lang="he-IL" b="1" dirty="0"/>
           </a:p>
@@ -16019,7 +14695,7 @@
           <p:cNvPr id="8" name="מציין מיקום תוכן 2">
             <a:extLst>
               <a:ext uri="{FF2B5EF4-FFF2-40B4-BE49-F238E27FC236}">
-                <a16:creationId xmlns:a16="http://schemas.microsoft.com/office/drawing/2014/main" id="{E031BCFC-307C-1E56-59C2-0616F50851DA}"/>
+                <a16:creationId xmlns:a16="http://schemas.microsoft.com/office/drawing/2014/main" id="{7A9C9526-C3E4-681C-E07B-146EF2B7BF71}"/>
               </a:ext>
             </a:extLst>
           </p:cNvPr>
@@ -16047,20 +14723,16 @@
               <a:t>Using </a:t>
             </a:r>
             <a:r>
+              <a:rPr lang="en-IL" b="1" dirty="0" err="1"/>
+              <a:t>PrimeTime</a:t>
+            </a:r>
+            <a:r>
               <a:rPr lang="en-IL" dirty="0"/>
-              <a:t>Cadence </a:t>
-            </a:r>
-            <a:r>
-              <a:rPr lang="en-IL" b="1" u="sng" dirty="0" err="1"/>
-              <a:t>Innovus</a:t>
-            </a:r>
-            <a:r>
-              <a:rPr lang="en-US" b="1" u="sng" dirty="0"/>
-              <a:t> tool &amp; </a:t>
-            </a:r>
-            <a:r>
-              <a:rPr lang="en-IL" b="1" u="sng" dirty="0"/>
-              <a:t>TSMC TSL 108 </a:t>
+              <a:t> tool</a:t>
+            </a:r>
+            <a:r>
+              <a:rPr lang="en-US" dirty="0"/>
+              <a:t> &amp; </a:t>
             </a:r>
             <a:r>
               <a:rPr lang="en-IL" dirty="0"/>
@@ -16068,52 +14740,96 @@
             </a:r>
             <a:r>
               <a:rPr lang="en-US" dirty="0"/>
-              <a:t> for a short layout flow, transforming a synthesized Verilog design into a complete physical chip layout, while trying to maximize the working frequency.</a:t>
-            </a:r>
-          </a:p>
-          <a:p>
+              <a:t>, for </a:t>
+            </a:r>
+            <a:r>
+              <a:rPr lang="en-IL" dirty="0"/>
+              <a:t>timing violations in the design</a:t>
+            </a:r>
             <a:r>
               <a:rPr lang="en-US" dirty="0"/>
-              <a:t>Floorplan &amp; Power and ground pins  were defined to setup the chip and enable it’s power ring, Standard cells, including Tower SRAMs, were automatically placed with optimization for timing and congestion. </a:t>
-            </a:r>
-          </a:p>
-          <a:p>
-            <a:pPr marL="0" indent="0">
-              <a:buNone/>
-            </a:pPr>
-            <a:endParaRPr lang="en-US" dirty="0"/>
-          </a:p>
-          <a:p>
+              <a:t> &amp; trying to achieve maximum working frequency.</a:t>
+            </a:r>
+          </a:p>
+          <a:p>
+            <a:r>
+              <a:rPr lang="en-IL" dirty="0"/>
+              <a:t>By using slightly modified scripts</a:t>
+            </a:r>
             <a:r>
               <a:rPr lang="en-US" dirty="0"/>
-              <a:t>Clock Tree Synthesis (CTS) followed, creating a balanced network with 1.3 ns skew for proper synchronization (with a test and try to reduce </a:t>
+              <a:t> (adaptive to our design and </a:t>
             </a:r>
             <a:r>
               <a:rPr lang="en-US" dirty="0" err="1"/>
-              <a:t>clk</a:t>
+              <a:t>libares</a:t>
             </a:r>
             <a:r>
               <a:rPr lang="en-US" dirty="0"/>
-              <a:t> cycle policy).</a:t>
-            </a:r>
-          </a:p>
-          <a:p>
-            <a:endParaRPr lang="en-US" dirty="0"/>
-          </a:p>
-          <a:p>
+              <a:t>)</a:t>
+            </a:r>
+            <a:r>
+              <a:rPr lang="en-IL" dirty="0"/>
+              <a:t>, </a:t>
+            </a:r>
+            <a:r>
+              <a:rPr lang="en-IL" dirty="0" err="1"/>
+              <a:t>PrimeTime</a:t>
+            </a:r>
+            <a:r>
+              <a:rPr lang="en-IL" dirty="0"/>
+              <a:t> verifies </a:t>
+            </a:r>
+            <a:r>
+              <a:rPr lang="en-IL" b="1" dirty="0"/>
+              <a:t>setup and hold constraints</a:t>
+            </a:r>
+            <a:r>
+              <a:rPr lang="en-IL" dirty="0"/>
+              <a:t>, </a:t>
+            </a:r>
+            <a:r>
+              <a:rPr lang="en-IL" b="1" dirty="0"/>
+              <a:t>path delays</a:t>
+            </a:r>
+            <a:r>
+              <a:rPr lang="en-IL" dirty="0"/>
+              <a:t>, and </a:t>
+            </a:r>
+            <a:r>
+              <a:rPr lang="en-IL" b="1" dirty="0"/>
+              <a:t>critical corner cases</a:t>
+            </a:r>
+            <a:r>
+              <a:rPr lang="en-IL" dirty="0"/>
+              <a:t>.</a:t>
+            </a:r>
+          </a:p>
+          <a:p>
+            <a:r>
+              <a:rPr lang="en-IL" dirty="0"/>
+              <a:t>This process enables us to </a:t>
+            </a:r>
+            <a:r>
+              <a:rPr lang="en-IL" b="1" dirty="0"/>
+              <a:t>debug timing issues</a:t>
+            </a:r>
+            <a:r>
+              <a:rPr lang="en-IL" dirty="0"/>
+              <a:t> and adjust the </a:t>
+            </a:r>
+            <a:r>
+              <a:rPr lang="en-IL" b="1" dirty="0"/>
+              <a:t>operating frequency</a:t>
+            </a:r>
+            <a:r>
+              <a:rPr lang="en-IL" dirty="0"/>
+              <a:t> </a:t>
+            </a:r>
             <a:r>
               <a:rPr lang="en-US" dirty="0"/>
-              <a:t>Finally, after power routing was completed, full signal routing was carried</a:t>
-            </a:r>
-          </a:p>
-          <a:p>
-            <a:pPr marL="0" indent="0" algn="l" rtl="0">
-              <a:buNone/>
-            </a:pPr>
-            <a:endParaRPr lang="en-US" dirty="0"/>
-          </a:p>
-          <a:p>
-            <a:pPr algn="l" rtl="0"/>
+              <a:t>after each design/clock change.</a:t>
+            </a:r>
             <a:endParaRPr lang="he-IL" dirty="0"/>
           </a:p>
         </p:txBody>
@@ -16121,7 +14837,7 @@
     </p:spTree>
     <p:extLst>
       <p:ext uri="{BB962C8B-B14F-4D97-AF65-F5344CB8AC3E}">
-        <p14:creationId xmlns:p14="http://schemas.microsoft.com/office/powerpoint/2010/main" val="1965035072"/>
+        <p14:creationId xmlns:p14="http://schemas.microsoft.com/office/powerpoint/2010/main" val="182786622"/>
       </p:ext>
     </p:extLst>
   </p:cSld>
@@ -16131,7 +14847,159 @@
 </p:sld>
 </file>
 
-<file path=ppt/slides/slide2.xml><?xml version="1.0" encoding="utf-8"?>
+<file path=ppt/slides/slide18.xml><?xml version="1.0" encoding="utf-8"?>
+<p:sld xmlns:a="http://schemas.openxmlformats.org/drawingml/2006/main" xmlns:r="http://schemas.openxmlformats.org/officeDocument/2006/relationships" xmlns:p="http://schemas.openxmlformats.org/presentationml/2006/main">
+  <p:cSld>
+    <p:spTree>
+      <p:nvGrpSpPr>
+        <p:cNvPr id="1" name=""/>
+        <p:cNvGrpSpPr/>
+        <p:nvPr/>
+      </p:nvGrpSpPr>
+      <p:grpSpPr>
+        <a:xfrm>
+          <a:off x="0" y="0"/>
+          <a:ext cx="0" cy="0"/>
+          <a:chOff x="0" y="0"/>
+          <a:chExt cx="0" cy="0"/>
+        </a:xfrm>
+      </p:grpSpPr>
+      <p:sp>
+        <p:nvSpPr>
+          <p:cNvPr id="2" name="Title 1">
+            <a:extLst>
+              <a:ext uri="{FF2B5EF4-FFF2-40B4-BE49-F238E27FC236}">
+                <a16:creationId xmlns:a16="http://schemas.microsoft.com/office/drawing/2014/main" id="{1BDC20F6-9510-7273-65C7-D27F01B8CAA7}"/>
+              </a:ext>
+            </a:extLst>
+          </p:cNvPr>
+          <p:cNvSpPr>
+            <a:spLocks noGrp="1"/>
+          </p:cNvSpPr>
+          <p:nvPr>
+            <p:ph type="title"/>
+          </p:nvPr>
+        </p:nvSpPr>
+        <p:spPr>
+          <a:xfrm>
+            <a:off x="187960" y="182245"/>
+            <a:ext cx="10515600" cy="1325563"/>
+          </a:xfrm>
+        </p:spPr>
+        <p:txBody>
+          <a:bodyPr/>
+          <a:lstStyle/>
+          <a:p>
+            <a:r>
+              <a:rPr lang="en-US" dirty="0"/>
+              <a:t>Challenges &amp; problems</a:t>
+            </a:r>
+            <a:endParaRPr lang="en-IL" dirty="0"/>
+          </a:p>
+        </p:txBody>
+      </p:sp>
+      <p:sp>
+        <p:nvSpPr>
+          <p:cNvPr id="3" name="Content Placeholder 2">
+            <a:extLst>
+              <a:ext uri="{FF2B5EF4-FFF2-40B4-BE49-F238E27FC236}">
+                <a16:creationId xmlns:a16="http://schemas.microsoft.com/office/drawing/2014/main" id="{0B09C33B-B383-9E8F-BBD4-E3C71A600F03}"/>
+              </a:ext>
+            </a:extLst>
+          </p:cNvPr>
+          <p:cNvSpPr>
+            <a:spLocks noGrp="1"/>
+          </p:cNvSpPr>
+          <p:nvPr>
+            <p:ph idx="1"/>
+          </p:nvPr>
+        </p:nvSpPr>
+        <p:spPr>
+          <a:xfrm>
+            <a:off x="187960" y="1432560"/>
+            <a:ext cx="11165840" cy="4744403"/>
+          </a:xfrm>
+        </p:spPr>
+        <p:txBody>
+          <a:bodyPr/>
+          <a:lstStyle/>
+          <a:p>
+            <a:r>
+              <a:rPr lang="en-IL" dirty="0"/>
+              <a:t>Design Size</a:t>
+            </a:r>
+            <a:r>
+              <a:rPr lang="en-US" dirty="0"/>
+              <a:t> was getting a lot bigger due to the initial debug unit planning, </a:t>
+            </a:r>
+            <a:r>
+              <a:rPr lang="en-IL" dirty="0"/>
+              <a:t>creating a high-density &amp; complex design</a:t>
+            </a:r>
+            <a:r>
+              <a:rPr lang="en-US" dirty="0"/>
+              <a:t>.</a:t>
+            </a:r>
+          </a:p>
+          <a:p>
+            <a:pPr marL="0" indent="0">
+              <a:buNone/>
+            </a:pPr>
+            <a:r>
+              <a:rPr lang="en-US" dirty="0"/>
+              <a:t> 	-We had to re-plan, and used a common solution used in the real           		world, adding a mux to the debug unit outputs, </a:t>
+            </a:r>
+            <a:r>
+              <a:rPr lang="en-IL" dirty="0"/>
+              <a:t>reducing the </a:t>
+            </a:r>
+            <a:r>
+              <a:rPr lang="en-US" dirty="0"/>
+              <a:t>			design size by ~ %60.</a:t>
+            </a:r>
+          </a:p>
+          <a:p>
+            <a:r>
+              <a:rPr lang="en-US" dirty="0"/>
+              <a:t> Inconsistencies between tools used in different back-end manuals, </a:t>
+            </a:r>
+            <a:r>
+              <a:rPr lang="en-IL" dirty="0"/>
+              <a:t>This limitation was shown during our attempt to use PrimeTime (as guided in the long manual) within a project originally structured using the short manual</a:t>
+            </a:r>
+            <a:r>
+              <a:rPr lang="en-US" dirty="0"/>
+              <a:t>, causing us to create a new script ( with Goel help).</a:t>
+            </a:r>
+          </a:p>
+          <a:p>
+            <a:pPr marL="0" indent="0">
+              <a:buNone/>
+            </a:pPr>
+            <a:endParaRPr lang="en-IL" dirty="0"/>
+          </a:p>
+          <a:p>
+            <a:endParaRPr lang="en-US" dirty="0"/>
+          </a:p>
+          <a:p>
+            <a:endParaRPr lang="en-US" dirty="0"/>
+          </a:p>
+        </p:txBody>
+      </p:sp>
+    </p:spTree>
+    <p:extLst>
+      <p:ext uri="{BB962C8B-B14F-4D97-AF65-F5344CB8AC3E}">
+        <p14:creationId xmlns:p14="http://schemas.microsoft.com/office/powerpoint/2010/main" val="1945658646"/>
+      </p:ext>
+    </p:extLst>
+  </p:cSld>
+  <p:clrMapOvr>
+    <a:masterClrMapping/>
+  </p:clrMapOvr>
+</p:sld>
+</file>
+
+<file path=ppt/slides/slide19.xml><?xml version="1.0" encoding="utf-8"?>
 <p:sld xmlns:a="http://schemas.openxmlformats.org/drawingml/2006/main" xmlns:r="http://schemas.openxmlformats.org/officeDocument/2006/relationships" xmlns:p="http://schemas.openxmlformats.org/presentationml/2006/main">
   <p:cSld>
     <p:spTree>
@@ -16139,7 +15007,7 @@
         <p:cNvPr id="1" name="">
           <a:extLst>
             <a:ext uri="{FF2B5EF4-FFF2-40B4-BE49-F238E27FC236}">
-              <a16:creationId xmlns:a16="http://schemas.microsoft.com/office/drawing/2014/main" id="{67DE582A-B816-B5E2-A91B-C56EDA8821EE}"/>
+              <a16:creationId xmlns:a16="http://schemas.microsoft.com/office/drawing/2014/main" id="{648D26A9-770B-7FE7-5C4D-448A704631E7}"/>
             </a:ext>
           </a:extLst>
         </p:cNvPr>
@@ -16159,7 +15027,7 @@
           <p:cNvPr id="19" name="Rectangle 18">
             <a:extLst>
               <a:ext uri="{FF2B5EF4-FFF2-40B4-BE49-F238E27FC236}">
-                <a16:creationId xmlns:a16="http://schemas.microsoft.com/office/drawing/2014/main" id="{7C4C55D4-3308-3EA0-7B77-FC2396C235CC}"/>
+                <a16:creationId xmlns:a16="http://schemas.microsoft.com/office/drawing/2014/main" id="{7C519156-EFB1-D309-E35A-A5789BA1C7EA}"/>
               </a:ext>
             </a:extLst>
           </p:cNvPr>
@@ -16225,7 +15093,7 @@
           <p:cNvPr id="7" name="כותרת 1">
             <a:extLst>
               <a:ext uri="{FF2B5EF4-FFF2-40B4-BE49-F238E27FC236}">
-                <a16:creationId xmlns:a16="http://schemas.microsoft.com/office/drawing/2014/main" id="{79C6818C-99F7-98C5-1B6D-58B48E415932}"/>
+                <a16:creationId xmlns:a16="http://schemas.microsoft.com/office/drawing/2014/main" id="{39599E60-7759-B32D-4A17-86A0BFAD8CB0}"/>
               </a:ext>
             </a:extLst>
           </p:cNvPr>
@@ -16238,26 +15106,26 @@
         </p:nvSpPr>
         <p:spPr>
           <a:xfrm>
-            <a:off x="591312" y="328549"/>
+            <a:off x="298704" y="145669"/>
             <a:ext cx="10515600" cy="1325563"/>
           </a:xfrm>
         </p:spPr>
         <p:txBody>
-          <a:bodyPr>
-            <a:normAutofit/>
-          </a:bodyPr>
+          <a:bodyPr/>
           <a:lstStyle/>
           <a:p>
-            <a:pPr rtl="0"/>
-            <a:r>
-              <a:rPr lang="en-US" b="1" dirty="0">
-                <a:cs typeface="Arial" panose="020B0604020202020204" pitchFamily="34" charset="0"/>
+            <a:r>
+              <a:rPr lang="en-US" sz="4400" b="1" i="0" kern="1200" dirty="0">
+                <a:solidFill>
+                  <a:schemeClr val="tx1"/>
+                </a:solidFill>
+                <a:effectLst/>
+                <a:ea typeface="+mj-ea"/>
+                <a:cs typeface="+mj-cs"/>
               </a:rPr>
-              <a:t>Agenda</a:t>
-            </a:r>
-            <a:endParaRPr lang="he-IL" b="1" dirty="0">
-              <a:cs typeface="Arial" panose="020B0604020202020204" pitchFamily="34" charset="0"/>
-            </a:endParaRPr>
+              <a:t>Results</a:t>
+            </a:r>
+            <a:endParaRPr lang="he-IL" b="1" dirty="0"/>
           </a:p>
         </p:txBody>
       </p:sp>
@@ -16266,7 +15134,7 @@
           <p:cNvPr id="8" name="מציין מיקום תוכן 2">
             <a:extLst>
               <a:ext uri="{FF2B5EF4-FFF2-40B4-BE49-F238E27FC236}">
-                <a16:creationId xmlns:a16="http://schemas.microsoft.com/office/drawing/2014/main" id="{01CF4E00-C42F-FA9F-F2B6-510A0DD033DD}"/>
+                <a16:creationId xmlns:a16="http://schemas.microsoft.com/office/drawing/2014/main" id="{8D79B8DF-A617-2767-2CE0-53A8FBCAAADE}"/>
               </a:ext>
             </a:extLst>
           </p:cNvPr>
@@ -16279,75 +15147,72 @@
         </p:nvSpPr>
         <p:spPr>
           <a:xfrm>
-            <a:off x="591312" y="1789049"/>
-            <a:ext cx="10515600" cy="4351338"/>
+            <a:off x="234696" y="1782128"/>
+            <a:ext cx="11479784" cy="4760912"/>
           </a:xfrm>
         </p:spPr>
         <p:txBody>
-          <a:bodyPr>
-            <a:normAutofit/>
-          </a:bodyPr>
+          <a:bodyPr/>
           <a:lstStyle/>
           <a:p>
-            <a:pPr rtl="0"/>
-            <a:r>
-              <a:rPr lang="en-US" b="0" i="0" dirty="0">
-                <a:effectLst/>
-                <a:cs typeface="Arial" panose="020B0604020202020204" pitchFamily="34" charset="0"/>
-              </a:rPr>
-              <a:t>Background.</a:t>
-            </a:r>
-          </a:p>
-          <a:p>
-            <a:pPr rtl="0"/>
-            <a:r>
-              <a:rPr lang="en-US" b="0" i="0" dirty="0">
-                <a:effectLst/>
-                <a:cs typeface="Arial" panose="020B0604020202020204" pitchFamily="34" charset="0"/>
-              </a:rPr>
-              <a:t> Project definition and goals.</a:t>
-            </a:r>
-          </a:p>
-          <a:p>
-            <a:pPr rtl="0"/>
-            <a:r>
-              <a:rPr lang="en-US" b="0" i="0" dirty="0">
-                <a:effectLst/>
-                <a:cs typeface="Arial" panose="020B0604020202020204" pitchFamily="34" charset="0"/>
-              </a:rPr>
-              <a:t> Alternative solutions.</a:t>
-            </a:r>
-          </a:p>
-          <a:p>
-            <a:pPr rtl="0"/>
-            <a:r>
-              <a:rPr lang="en-US" b="0" i="0" dirty="0">
-                <a:effectLst/>
-                <a:cs typeface="Arial" panose="020B0604020202020204" pitchFamily="34" charset="0"/>
-              </a:rPr>
-              <a:t> Architectural design of the selected solution.</a:t>
-            </a:r>
-          </a:p>
-          <a:p>
-            <a:pPr rtl="0"/>
-            <a:r>
-              <a:rPr lang="en-US" dirty="0">
-                <a:cs typeface="Arial" panose="020B0604020202020204" pitchFamily="34" charset="0"/>
-              </a:rPr>
-              <a:t>Back-end flow.</a:t>
-            </a:r>
-          </a:p>
-          <a:p>
-            <a:pPr rtl="0"/>
-            <a:r>
-              <a:rPr lang="en-US" dirty="0">
-                <a:cs typeface="Arial" panose="020B0604020202020204" pitchFamily="34" charset="0"/>
-              </a:rPr>
-              <a:t>Results</a:t>
-            </a:r>
-            <a:br>
+            <a:pPr lvl="0"/>
+            <a:r>
               <a:rPr lang="en-US" dirty="0"/>
-            </a:br>
+              <a:t>Maintained RISC-V operations.</a:t>
+            </a:r>
+          </a:p>
+          <a:p>
+            <a:pPr lvl="0"/>
+            <a:r>
+              <a:rPr lang="en-US" dirty="0"/>
+              <a:t>Added support for full memory space access in memory operations (previously, only addresses divisible by 4 were supported).</a:t>
+            </a:r>
+            <a:endParaRPr lang="ar-JO" dirty="0"/>
+          </a:p>
+          <a:p>
+            <a:pPr lvl="0"/>
+            <a:r>
+              <a:rPr lang="en-IL" dirty="0"/>
+              <a:t>A Clock Tree with 1.3ns slac</a:t>
+            </a:r>
+            <a:r>
+              <a:rPr lang="en-US" dirty="0"/>
+              <a:t>k.</a:t>
+            </a:r>
+          </a:p>
+          <a:p>
+            <a:pPr lvl="0"/>
+            <a:r>
+              <a:rPr lang="en-IL" b="1" dirty="0"/>
+              <a:t>166.67 MHz</a:t>
+            </a:r>
+            <a:r>
+              <a:rPr lang="en-US" b="1" dirty="0"/>
+              <a:t> </a:t>
+            </a:r>
+            <a:r>
+              <a:rPr lang="en-US" dirty="0"/>
+              <a:t>working frequency.</a:t>
+            </a:r>
+          </a:p>
+          <a:p>
+            <a:pPr marL="0" lvl="0" indent="0">
+              <a:buNone/>
+            </a:pPr>
+            <a:endParaRPr lang="en-US" dirty="0"/>
+          </a:p>
+          <a:p>
+            <a:pPr lvl="0"/>
+            <a:endParaRPr lang="en-US" dirty="0"/>
+          </a:p>
+          <a:p>
+            <a:pPr marL="0" indent="0" algn="l" rtl="0">
+              <a:buNone/>
+            </a:pPr>
+            <a:endParaRPr lang="en-US" dirty="0"/>
+          </a:p>
+          <a:p>
+            <a:pPr algn="l" rtl="0"/>
             <a:endParaRPr lang="he-IL" dirty="0"/>
           </a:p>
         </p:txBody>
@@ -16355,7 +15220,7 @@
     </p:spTree>
     <p:extLst>
       <p:ext uri="{BB962C8B-B14F-4D97-AF65-F5344CB8AC3E}">
-        <p14:creationId xmlns:p14="http://schemas.microsoft.com/office/powerpoint/2010/main" val="2615003805"/>
+        <p14:creationId xmlns:p14="http://schemas.microsoft.com/office/powerpoint/2010/main" val="1545165814"/>
       </p:ext>
     </p:extLst>
   </p:cSld>
@@ -16365,7 +15230,7 @@
 </p:sld>
 </file>
 
-<file path=ppt/slides/slide20.xml><?xml version="1.0" encoding="utf-8"?>
+<file path=ppt/slides/slide2.xml><?xml version="1.0" encoding="utf-8"?>
 <p:sld xmlns:a="http://schemas.openxmlformats.org/drawingml/2006/main" xmlns:r="http://schemas.openxmlformats.org/officeDocument/2006/relationships" xmlns:p="http://schemas.openxmlformats.org/presentationml/2006/main">
   <p:cSld>
     <p:spTree>
@@ -16373,7 +15238,7 @@
         <p:cNvPr id="1" name="">
           <a:extLst>
             <a:ext uri="{FF2B5EF4-FFF2-40B4-BE49-F238E27FC236}">
-              <a16:creationId xmlns:a16="http://schemas.microsoft.com/office/drawing/2014/main" id="{5F3D9C39-63B9-0FF5-4A6F-A4FD45A12489}"/>
+              <a16:creationId xmlns:a16="http://schemas.microsoft.com/office/drawing/2014/main" id="{67DE582A-B816-B5E2-A91B-C56EDA8821EE}"/>
             </a:ext>
           </a:extLst>
         </p:cNvPr>
@@ -16393,7 +15258,7 @@
           <p:cNvPr id="19" name="Rectangle 18">
             <a:extLst>
               <a:ext uri="{FF2B5EF4-FFF2-40B4-BE49-F238E27FC236}">
-                <a16:creationId xmlns:a16="http://schemas.microsoft.com/office/drawing/2014/main" id="{5815323F-93A0-E92B-52C2-55C1E42850F2}"/>
+                <a16:creationId xmlns:a16="http://schemas.microsoft.com/office/drawing/2014/main" id="{7C4C55D4-3308-3EA0-7B77-FC2396C235CC}"/>
               </a:ext>
             </a:extLst>
           </p:cNvPr>
@@ -16459,7 +15324,7 @@
           <p:cNvPr id="7" name="כותרת 1">
             <a:extLst>
               <a:ext uri="{FF2B5EF4-FFF2-40B4-BE49-F238E27FC236}">
-                <a16:creationId xmlns:a16="http://schemas.microsoft.com/office/drawing/2014/main" id="{81E3FA5E-AC7A-8383-79E5-CAF6A87499E6}"/>
+                <a16:creationId xmlns:a16="http://schemas.microsoft.com/office/drawing/2014/main" id="{79C6818C-99F7-98C5-1B6D-58B48E415932}"/>
               </a:ext>
             </a:extLst>
           </p:cNvPr>
@@ -16472,19 +15337,26 @@
         </p:nvSpPr>
         <p:spPr>
           <a:xfrm>
-            <a:off x="288544" y="0"/>
+            <a:off x="591312" y="328549"/>
             <a:ext cx="10515600" cy="1325563"/>
           </a:xfrm>
         </p:spPr>
         <p:txBody>
-          <a:bodyPr/>
+          <a:bodyPr>
+            <a:normAutofit/>
+          </a:bodyPr>
           <a:lstStyle/>
           <a:p>
-            <a:r>
-              <a:rPr lang="en-US" b="1" dirty="0"/>
-              <a:t>STA Check:</a:t>
-            </a:r>
-            <a:endParaRPr lang="he-IL" b="1" dirty="0"/>
+            <a:pPr rtl="0"/>
+            <a:r>
+              <a:rPr lang="en-US" b="1" dirty="0">
+                <a:cs typeface="Arial" panose="020B0604020202020204" pitchFamily="34" charset="0"/>
+              </a:rPr>
+              <a:t>Agenda</a:t>
+            </a:r>
+            <a:endParaRPr lang="he-IL" b="1" dirty="0">
+              <a:cs typeface="Arial" panose="020B0604020202020204" pitchFamily="34" charset="0"/>
+            </a:endParaRPr>
           </a:p>
         </p:txBody>
       </p:sp>
@@ -16493,7 +15365,7 @@
           <p:cNvPr id="8" name="מציין מיקום תוכן 2">
             <a:extLst>
               <a:ext uri="{FF2B5EF4-FFF2-40B4-BE49-F238E27FC236}">
-                <a16:creationId xmlns:a16="http://schemas.microsoft.com/office/drawing/2014/main" id="{7A9C9526-C3E4-681C-E07B-146EF2B7BF71}"/>
+                <a16:creationId xmlns:a16="http://schemas.microsoft.com/office/drawing/2014/main" id="{01CF4E00-C42F-FA9F-F2B6-510A0DD033DD}"/>
               </a:ext>
             </a:extLst>
           </p:cNvPr>
@@ -16506,8 +15378,8 @@
         </p:nvSpPr>
         <p:spPr>
           <a:xfrm>
-            <a:off x="71120" y="1195602"/>
-            <a:ext cx="12049760" cy="5573712"/>
+            <a:off x="591312" y="1789049"/>
+            <a:ext cx="10515600" cy="4351338"/>
           </a:xfrm>
         </p:spPr>
         <p:txBody>
@@ -16516,102 +15388,65 @@
           </a:bodyPr>
           <a:lstStyle/>
           <a:p>
-            <a:r>
+            <a:pPr rtl="0"/>
+            <a:r>
+              <a:rPr lang="en-US" b="0" i="0" dirty="0">
+                <a:effectLst/>
+                <a:cs typeface="Arial" panose="020B0604020202020204" pitchFamily="34" charset="0"/>
+              </a:rPr>
+              <a:t>Background.</a:t>
+            </a:r>
+          </a:p>
+          <a:p>
+            <a:pPr rtl="0"/>
+            <a:r>
+              <a:rPr lang="en-US" b="0" i="0" dirty="0">
+                <a:effectLst/>
+                <a:cs typeface="Arial" panose="020B0604020202020204" pitchFamily="34" charset="0"/>
+              </a:rPr>
+              <a:t> Project definition and goals.</a:t>
+            </a:r>
+          </a:p>
+          <a:p>
+            <a:pPr rtl="0"/>
+            <a:r>
+              <a:rPr lang="en-US" b="0" i="0" dirty="0">
+                <a:effectLst/>
+                <a:cs typeface="Arial" panose="020B0604020202020204" pitchFamily="34" charset="0"/>
+              </a:rPr>
+              <a:t> Alternative solutions.</a:t>
+            </a:r>
+          </a:p>
+          <a:p>
+            <a:pPr rtl="0"/>
+            <a:r>
+              <a:rPr lang="en-US" b="0" i="0" dirty="0">
+                <a:effectLst/>
+                <a:cs typeface="Arial" panose="020B0604020202020204" pitchFamily="34" charset="0"/>
+              </a:rPr>
+              <a:t> Architectural design of the selected solution.</a:t>
+            </a:r>
+          </a:p>
+          <a:p>
+            <a:pPr rtl="0"/>
+            <a:r>
+              <a:rPr lang="en-US" dirty="0">
+                <a:cs typeface="Arial" panose="020B0604020202020204" pitchFamily="34" charset="0"/>
+              </a:rPr>
+              <a:t>Back-end flow.</a:t>
+            </a:r>
+          </a:p>
+          <a:p>
+            <a:pPr rtl="0"/>
+            <a:r>
+              <a:rPr lang="en-US" dirty="0">
+                <a:cs typeface="Arial" panose="020B0604020202020204" pitchFamily="34" charset="0"/>
+              </a:rPr>
+              <a:t>Results</a:t>
+            </a:r>
+            <a:br>
               <a:rPr lang="en-US" dirty="0"/>
-              <a:t>Using </a:t>
-            </a:r>
-            <a:r>
-              <a:rPr lang="en-IL" b="1" dirty="0"/>
-              <a:t>PrimeTime</a:t>
-            </a:r>
-            <a:r>
-              <a:rPr lang="en-IL" dirty="0"/>
-              <a:t> tool</a:t>
-            </a:r>
-            <a:r>
-              <a:rPr lang="en-US" dirty="0"/>
-              <a:t> &amp; </a:t>
-            </a:r>
-            <a:r>
-              <a:rPr lang="en-IL" dirty="0"/>
-              <a:t>Tower Design Kit</a:t>
-            </a:r>
-            <a:r>
-              <a:rPr lang="en-US" dirty="0"/>
-              <a:t>, for </a:t>
-            </a:r>
-            <a:r>
-              <a:rPr lang="en-IL" dirty="0"/>
-              <a:t>timing violations in the design</a:t>
-            </a:r>
-            <a:r>
-              <a:rPr lang="en-US" dirty="0"/>
-              <a:t> &amp; trying to achieve maximum working frequency.</a:t>
-            </a:r>
-          </a:p>
-          <a:p>
-            <a:r>
-              <a:rPr lang="en-IL" dirty="0"/>
-              <a:t>By using slightly modified scripts</a:t>
-            </a:r>
-            <a:r>
-              <a:rPr lang="en-US" dirty="0"/>
-              <a:t> (adaptive to our design and libraries)</a:t>
-            </a:r>
-            <a:r>
-              <a:rPr lang="en-IL" dirty="0"/>
-              <a:t>, PrimeTime verifies </a:t>
-            </a:r>
-            <a:r>
-              <a:rPr lang="en-IL" b="1" dirty="0"/>
-              <a:t>setup and hold constraints</a:t>
-            </a:r>
-            <a:r>
-              <a:rPr lang="en-IL" dirty="0"/>
-              <a:t>, </a:t>
-            </a:r>
-            <a:r>
-              <a:rPr lang="en-IL" b="1" dirty="0"/>
-              <a:t>path delays</a:t>
-            </a:r>
-            <a:r>
-              <a:rPr lang="en-IL" dirty="0"/>
-              <a:t>, and </a:t>
-            </a:r>
-            <a:r>
-              <a:rPr lang="en-IL" b="1" dirty="0"/>
-              <a:t>critical corner cases</a:t>
-            </a:r>
-            <a:r>
-              <a:rPr lang="en-IL" dirty="0"/>
-              <a:t>.</a:t>
-            </a:r>
-          </a:p>
-          <a:p>
-            <a:r>
-              <a:rPr lang="en-IL" dirty="0"/>
-              <a:t>This process enables us to </a:t>
-            </a:r>
-            <a:r>
-              <a:rPr lang="en-IL" b="1" dirty="0"/>
-              <a:t>debug timing issues</a:t>
-            </a:r>
-            <a:r>
-              <a:rPr lang="en-IL" dirty="0"/>
-              <a:t> and adjust the </a:t>
-            </a:r>
-            <a:r>
-              <a:rPr lang="en-IL" b="1" dirty="0"/>
-              <a:t>operating frequency</a:t>
-            </a:r>
-            <a:r>
-              <a:rPr lang="en-IL" dirty="0"/>
-              <a:t> </a:t>
-            </a:r>
-            <a:r>
-              <a:rPr lang="en-US" dirty="0"/>
-              <a:t>after each design/clock change.</a:t>
-            </a:r>
+            </a:br>
             <a:endParaRPr lang="he-IL" dirty="0"/>
           </a:p>
         </p:txBody>
@@ -16619,7 +15454,7 @@
     </p:spTree>
     <p:extLst>
       <p:ext uri="{BB962C8B-B14F-4D97-AF65-F5344CB8AC3E}">
-        <p14:creationId xmlns:p14="http://schemas.microsoft.com/office/powerpoint/2010/main" val="182786622"/>
+        <p14:creationId xmlns:p14="http://schemas.microsoft.com/office/powerpoint/2010/main" val="2615003805"/>
       </p:ext>
     </p:extLst>
   </p:cSld>
@@ -16629,390 +15464,7 @@
 </p:sld>
 </file>
 
-<file path=ppt/slides/slide21.xml><?xml version="1.0" encoding="utf-8"?>
-<p:sld xmlns:a="http://schemas.openxmlformats.org/drawingml/2006/main" xmlns:r="http://schemas.openxmlformats.org/officeDocument/2006/relationships" xmlns:p="http://schemas.openxmlformats.org/presentationml/2006/main">
-  <p:cSld>
-    <p:spTree>
-      <p:nvGrpSpPr>
-        <p:cNvPr id="1" name=""/>
-        <p:cNvGrpSpPr/>
-        <p:nvPr/>
-      </p:nvGrpSpPr>
-      <p:grpSpPr>
-        <a:xfrm>
-          <a:off x="0" y="0"/>
-          <a:ext cx="0" cy="0"/>
-          <a:chOff x="0" y="0"/>
-          <a:chExt cx="0" cy="0"/>
-        </a:xfrm>
-      </p:grpSpPr>
-      <p:sp>
-        <p:nvSpPr>
-          <p:cNvPr id="2" name="Title 1">
-            <a:extLst>
-              <a:ext uri="{FF2B5EF4-FFF2-40B4-BE49-F238E27FC236}">
-                <a16:creationId xmlns:a16="http://schemas.microsoft.com/office/drawing/2014/main" id="{1BDC20F6-9510-7273-65C7-D27F01B8CAA7}"/>
-              </a:ext>
-            </a:extLst>
-          </p:cNvPr>
-          <p:cNvSpPr>
-            <a:spLocks noGrp="1"/>
-          </p:cNvSpPr>
-          <p:nvPr>
-            <p:ph type="title"/>
-          </p:nvPr>
-        </p:nvSpPr>
-        <p:spPr>
-          <a:xfrm>
-            <a:off x="187960" y="182245"/>
-            <a:ext cx="10515600" cy="1325563"/>
-          </a:xfrm>
-        </p:spPr>
-        <p:txBody>
-          <a:bodyPr/>
-          <a:lstStyle/>
-          <a:p>
-            <a:r>
-              <a:rPr lang="en-US" dirty="0"/>
-              <a:t>Challenges &amp; problems</a:t>
-            </a:r>
-            <a:endParaRPr lang="en-IL" dirty="0"/>
-          </a:p>
-        </p:txBody>
-      </p:sp>
-      <p:sp>
-        <p:nvSpPr>
-          <p:cNvPr id="3" name="Content Placeholder 2">
-            <a:extLst>
-              <a:ext uri="{FF2B5EF4-FFF2-40B4-BE49-F238E27FC236}">
-                <a16:creationId xmlns:a16="http://schemas.microsoft.com/office/drawing/2014/main" id="{0B09C33B-B383-9E8F-BBD4-E3C71A600F03}"/>
-              </a:ext>
-            </a:extLst>
-          </p:cNvPr>
-          <p:cNvSpPr>
-            <a:spLocks noGrp="1"/>
-          </p:cNvSpPr>
-          <p:nvPr>
-            <p:ph idx="1"/>
-          </p:nvPr>
-        </p:nvSpPr>
-        <p:spPr>
-          <a:xfrm>
-            <a:off x="187960" y="1432560"/>
-            <a:ext cx="11165840" cy="4744403"/>
-          </a:xfrm>
-        </p:spPr>
-        <p:txBody>
-          <a:bodyPr/>
-          <a:lstStyle/>
-          <a:p>
-            <a:r>
-              <a:rPr lang="en-IL" dirty="0"/>
-              <a:t>Design Size</a:t>
-            </a:r>
-            <a:r>
-              <a:rPr lang="en-US" dirty="0"/>
-              <a:t> was getting a lot bigger due to the initial debug unit planning, </a:t>
-            </a:r>
-            <a:r>
-              <a:rPr lang="en-IL" dirty="0"/>
-              <a:t>creating a high-density &amp; complex design</a:t>
-            </a:r>
-            <a:r>
-              <a:rPr lang="en-US" dirty="0"/>
-              <a:t>.</a:t>
-            </a:r>
-          </a:p>
-          <a:p>
-            <a:pPr marL="0" indent="0">
-              <a:buNone/>
-            </a:pPr>
-            <a:r>
-              <a:rPr lang="en-US" dirty="0"/>
-              <a:t> 	-We had to re-plan, and used a common solution used in the real           		world, adding a mux to the debug unit outputs, </a:t>
-            </a:r>
-            <a:r>
-              <a:rPr lang="en-IL" dirty="0"/>
-              <a:t>reducing the </a:t>
-            </a:r>
-            <a:r>
-              <a:rPr lang="en-US" dirty="0"/>
-              <a:t>			design size by ~ %60.</a:t>
-            </a:r>
-          </a:p>
-          <a:p>
-            <a:r>
-              <a:rPr lang="en-US" dirty="0"/>
-              <a:t> Inconsistencies between tools used in different back-end manuals, </a:t>
-            </a:r>
-            <a:r>
-              <a:rPr lang="en-IL" dirty="0"/>
-              <a:t>This limitation was shown during our attempt to use PrimeTime (as guided in the long manual) within a project originally structured using the short manual</a:t>
-            </a:r>
-            <a:r>
-              <a:rPr lang="en-US" dirty="0"/>
-              <a:t>, causing us to create a new script ( with Goel help).</a:t>
-            </a:r>
-          </a:p>
-          <a:p>
-            <a:pPr marL="0" indent="0">
-              <a:buNone/>
-            </a:pPr>
-            <a:endParaRPr lang="en-IL" dirty="0"/>
-          </a:p>
-          <a:p>
-            <a:endParaRPr lang="en-US" dirty="0"/>
-          </a:p>
-          <a:p>
-            <a:endParaRPr lang="en-US" dirty="0"/>
-          </a:p>
-        </p:txBody>
-      </p:sp>
-    </p:spTree>
-    <p:extLst>
-      <p:ext uri="{BB962C8B-B14F-4D97-AF65-F5344CB8AC3E}">
-        <p14:creationId xmlns:p14="http://schemas.microsoft.com/office/powerpoint/2010/main" val="1945658646"/>
-      </p:ext>
-    </p:extLst>
-  </p:cSld>
-  <p:clrMapOvr>
-    <a:masterClrMapping/>
-  </p:clrMapOvr>
-</p:sld>
-</file>
-
-<file path=ppt/slides/slide22.xml><?xml version="1.0" encoding="utf-8"?>
-<p:sld xmlns:a="http://schemas.openxmlformats.org/drawingml/2006/main" xmlns:r="http://schemas.openxmlformats.org/officeDocument/2006/relationships" xmlns:p="http://schemas.openxmlformats.org/presentationml/2006/main">
-  <p:cSld>
-    <p:spTree>
-      <p:nvGrpSpPr>
-        <p:cNvPr id="1" name="">
-          <a:extLst>
-            <a:ext uri="{FF2B5EF4-FFF2-40B4-BE49-F238E27FC236}">
-              <a16:creationId xmlns:a16="http://schemas.microsoft.com/office/drawing/2014/main" id="{648D26A9-770B-7FE7-5C4D-448A704631E7}"/>
-            </a:ext>
-          </a:extLst>
-        </p:cNvPr>
-        <p:cNvGrpSpPr/>
-        <p:nvPr/>
-      </p:nvGrpSpPr>
-      <p:grpSpPr>
-        <a:xfrm>
-          <a:off x="0" y="0"/>
-          <a:ext cx="0" cy="0"/>
-          <a:chOff x="0" y="0"/>
-          <a:chExt cx="0" cy="0"/>
-        </a:xfrm>
-      </p:grpSpPr>
-      <p:sp>
-        <p:nvSpPr>
-          <p:cNvPr id="19" name="Rectangle 18">
-            <a:extLst>
-              <a:ext uri="{FF2B5EF4-FFF2-40B4-BE49-F238E27FC236}">
-                <a16:creationId xmlns:a16="http://schemas.microsoft.com/office/drawing/2014/main" id="{7C519156-EFB1-D309-E35A-A5789BA1C7EA}"/>
-              </a:ext>
-            </a:extLst>
-          </p:cNvPr>
-          <p:cNvSpPr/>
-          <p:nvPr/>
-        </p:nvSpPr>
-        <p:spPr>
-          <a:xfrm>
-            <a:off x="1462167" y="1195602"/>
-            <a:ext cx="10729833" cy="1053885"/>
-          </a:xfrm>
-          <a:prstGeom prst="rect">
-            <a:avLst/>
-          </a:prstGeom>
-        </p:spPr>
-        <p:style>
-          <a:lnRef idx="0">
-            <a:schemeClr val="dk1">
-              <a:alpha val="0"/>
-              <a:hueOff val="0"/>
-              <a:satOff val="0"/>
-              <a:lumOff val="0"/>
-              <a:alphaOff val="0"/>
-            </a:schemeClr>
-          </a:lnRef>
-          <a:fillRef idx="0">
-            <a:schemeClr val="lt1">
-              <a:alpha val="0"/>
-              <a:hueOff val="0"/>
-              <a:satOff val="0"/>
-              <a:lumOff val="0"/>
-              <a:alphaOff val="0"/>
-            </a:schemeClr>
-          </a:fillRef>
-          <a:effectRef idx="0">
-            <a:schemeClr val="lt1">
-              <a:alpha val="0"/>
-              <a:hueOff val="0"/>
-              <a:satOff val="0"/>
-              <a:lumOff val="0"/>
-              <a:alphaOff val="0"/>
-            </a:schemeClr>
-          </a:effectRef>
-          <a:fontRef idx="minor">
-            <a:schemeClr val="tx1">
-              <a:hueOff val="0"/>
-              <a:satOff val="0"/>
-              <a:lumOff val="0"/>
-              <a:alphaOff val="0"/>
-            </a:schemeClr>
-          </a:fontRef>
-        </p:style>
-        <p:txBody>
-          <a:bodyPr/>
-          <a:lstStyle/>
-          <a:p>
-            <a:endParaRPr lang="en-IL"/>
-          </a:p>
-        </p:txBody>
-      </p:sp>
-      <p:sp>
-        <p:nvSpPr>
-          <p:cNvPr id="7" name="כותרת 1">
-            <a:extLst>
-              <a:ext uri="{FF2B5EF4-FFF2-40B4-BE49-F238E27FC236}">
-                <a16:creationId xmlns:a16="http://schemas.microsoft.com/office/drawing/2014/main" id="{39599E60-7759-B32D-4A17-86A0BFAD8CB0}"/>
-              </a:ext>
-            </a:extLst>
-          </p:cNvPr>
-          <p:cNvSpPr>
-            <a:spLocks noGrp="1"/>
-          </p:cNvSpPr>
-          <p:nvPr>
-            <p:ph type="title"/>
-          </p:nvPr>
-        </p:nvSpPr>
-        <p:spPr>
-          <a:xfrm>
-            <a:off x="298704" y="145669"/>
-            <a:ext cx="10515600" cy="1325563"/>
-          </a:xfrm>
-        </p:spPr>
-        <p:txBody>
-          <a:bodyPr/>
-          <a:lstStyle/>
-          <a:p>
-            <a:r>
-              <a:rPr lang="en-US" sz="4400" b="1" i="0" kern="1200" dirty="0">
-                <a:solidFill>
-                  <a:schemeClr val="tx1"/>
-                </a:solidFill>
-                <a:effectLst/>
-                <a:ea typeface="+mj-ea"/>
-                <a:cs typeface="+mj-cs"/>
-              </a:rPr>
-              <a:t>Results</a:t>
-            </a:r>
-            <a:endParaRPr lang="he-IL" b="1" dirty="0"/>
-          </a:p>
-        </p:txBody>
-      </p:sp>
-      <p:sp>
-        <p:nvSpPr>
-          <p:cNvPr id="8" name="מציין מיקום תוכן 2">
-            <a:extLst>
-              <a:ext uri="{FF2B5EF4-FFF2-40B4-BE49-F238E27FC236}">
-                <a16:creationId xmlns:a16="http://schemas.microsoft.com/office/drawing/2014/main" id="{8D79B8DF-A617-2767-2CE0-53A8FBCAAADE}"/>
-              </a:ext>
-            </a:extLst>
-          </p:cNvPr>
-          <p:cNvSpPr>
-            <a:spLocks noGrp="1"/>
-          </p:cNvSpPr>
-          <p:nvPr>
-            <p:ph idx="1"/>
-          </p:nvPr>
-        </p:nvSpPr>
-        <p:spPr>
-          <a:xfrm>
-            <a:off x="234696" y="1782128"/>
-            <a:ext cx="11479784" cy="4760912"/>
-          </a:xfrm>
-        </p:spPr>
-        <p:txBody>
-          <a:bodyPr/>
-          <a:lstStyle/>
-          <a:p>
-            <a:pPr lvl="0"/>
-            <a:r>
-              <a:rPr lang="en-US" dirty="0"/>
-              <a:t>Maintained RISC-V operations.</a:t>
-            </a:r>
-          </a:p>
-          <a:p>
-            <a:pPr lvl="0"/>
-            <a:r>
-              <a:rPr lang="en-US" dirty="0"/>
-              <a:t>Added support for full memory space access in memory operations (previously, only addresses divisible by 4 were supported).</a:t>
-            </a:r>
-            <a:endParaRPr lang="ar-JO" dirty="0"/>
-          </a:p>
-          <a:p>
-            <a:pPr lvl="0"/>
-            <a:r>
-              <a:rPr lang="en-IL" dirty="0"/>
-              <a:t>A Clock Tree with 1.3ns slac</a:t>
-            </a:r>
-            <a:r>
-              <a:rPr lang="en-US" dirty="0"/>
-              <a:t>k.</a:t>
-            </a:r>
-          </a:p>
-          <a:p>
-            <a:pPr lvl="0"/>
-            <a:r>
-              <a:rPr lang="en-IL" b="1" dirty="0"/>
-              <a:t>166.67 MHz</a:t>
-            </a:r>
-            <a:r>
-              <a:rPr lang="en-US" b="1" dirty="0"/>
-              <a:t> </a:t>
-            </a:r>
-            <a:r>
-              <a:rPr lang="en-US" dirty="0"/>
-              <a:t>working frequency.</a:t>
-            </a:r>
-          </a:p>
-          <a:p>
-            <a:pPr marL="0" lvl="0" indent="0">
-              <a:buNone/>
-            </a:pPr>
-            <a:endParaRPr lang="en-US" dirty="0"/>
-          </a:p>
-          <a:p>
-            <a:pPr lvl="0"/>
-            <a:endParaRPr lang="en-US" dirty="0"/>
-          </a:p>
-          <a:p>
-            <a:pPr marL="0" indent="0" algn="l" rtl="0">
-              <a:buNone/>
-            </a:pPr>
-            <a:endParaRPr lang="en-US" dirty="0"/>
-          </a:p>
-          <a:p>
-            <a:pPr algn="l" rtl="0"/>
-            <a:endParaRPr lang="he-IL" dirty="0"/>
-          </a:p>
-        </p:txBody>
-      </p:sp>
-    </p:spTree>
-    <p:extLst>
-      <p:ext uri="{BB962C8B-B14F-4D97-AF65-F5344CB8AC3E}">
-        <p14:creationId xmlns:p14="http://schemas.microsoft.com/office/powerpoint/2010/main" val="1545165814"/>
-      </p:ext>
-    </p:extLst>
-  </p:cSld>
-  <p:clrMapOvr>
-    <a:masterClrMapping/>
-  </p:clrMapOvr>
-</p:sld>
-</file>
-
-<file path=ppt/slides/slide23.xml><?xml version="1.0" encoding="utf-8"?>
+<file path=ppt/slides/slide20.xml><?xml version="1.0" encoding="utf-8"?>
 <p:sld xmlns:a="http://schemas.openxmlformats.org/drawingml/2006/main" xmlns:r="http://schemas.openxmlformats.org/officeDocument/2006/relationships" xmlns:p="http://schemas.openxmlformats.org/presentationml/2006/main">
   <p:cSld>
     <p:spTree>
@@ -17321,8 +15773,8 @@
         </p:nvSpPr>
         <p:spPr>
           <a:xfrm>
-            <a:off x="4003040" y="6484779"/>
-            <a:ext cx="7399528" cy="167005"/>
+            <a:off x="2359152" y="6376035"/>
+            <a:ext cx="7476744" cy="167005"/>
           </a:xfrm>
           <a:prstGeom prst="rect">
             <a:avLst/>
@@ -17374,7 +15826,7 @@
 </p:sld>
 </file>
 
-<file path=ppt/slides/slide24.xml><?xml version="1.0" encoding="utf-8"?>
+<file path=ppt/slides/slide21.xml><?xml version="1.0" encoding="utf-8"?>
 <p:sld xmlns:a="http://schemas.openxmlformats.org/drawingml/2006/main" xmlns:r="http://schemas.openxmlformats.org/officeDocument/2006/relationships" xmlns:p="http://schemas.openxmlformats.org/presentationml/2006/main">
   <p:cSld>
     <p:spTree>
@@ -17550,7 +16002,7 @@
 </p:sld>
 </file>
 
-<file path=ppt/slides/slide25.xml><?xml version="1.0" encoding="utf-8"?>
+<file path=ppt/slides/slide22.xml><?xml version="1.0" encoding="utf-8"?>
 <p:sld xmlns:a="http://schemas.openxmlformats.org/drawingml/2006/main" xmlns:r="http://schemas.openxmlformats.org/officeDocument/2006/relationships" xmlns:p="http://schemas.openxmlformats.org/presentationml/2006/main">
   <p:cSld>
     <p:spTree>
@@ -17875,7 +16327,7 @@
 </p:sld>
 </file>
 
-<file path=ppt/slides/slide26.xml><?xml version="1.0" encoding="utf-8"?>
+<file path=ppt/slides/slide23.xml><?xml version="1.0" encoding="utf-8"?>
 <p:sld xmlns:a="http://schemas.openxmlformats.org/drawingml/2006/main" xmlns:r="http://schemas.openxmlformats.org/officeDocument/2006/relationships" xmlns:p="http://schemas.openxmlformats.org/presentationml/2006/main">
   <p:cSld>
     <p:bg>
@@ -19622,7 +18074,7 @@
         <p:cNvPr id="1" name="">
           <a:extLst>
             <a:ext uri="{FF2B5EF4-FFF2-40B4-BE49-F238E27FC236}">
-              <a16:creationId xmlns:a16="http://schemas.microsoft.com/office/drawing/2014/main" id="{6E2DAE38-2085-090A-23FD-4082FCDE93E9}"/>
+              <a16:creationId xmlns:a16="http://schemas.microsoft.com/office/drawing/2014/main" id="{3B0B5248-019E-9FD0-FD56-13133099C430}"/>
             </a:ext>
           </a:extLst>
         </p:cNvPr>
@@ -19642,7 +18094,7 @@
           <p:cNvPr id="19" name="Rectangle 18">
             <a:extLst>
               <a:ext uri="{FF2B5EF4-FFF2-40B4-BE49-F238E27FC236}">
-                <a16:creationId xmlns:a16="http://schemas.microsoft.com/office/drawing/2014/main" id="{D0E41B10-4DB8-AFE7-869F-DCBA9005F45D}"/>
+                <a16:creationId xmlns:a16="http://schemas.microsoft.com/office/drawing/2014/main" id="{305737D5-6CD6-4226-3A0D-CFE8D0D709B3}"/>
               </a:ext>
             </a:extLst>
           </p:cNvPr>
@@ -19708,7 +18160,7 @@
           <p:cNvPr id="7" name="כותרת 1">
             <a:extLst>
               <a:ext uri="{FF2B5EF4-FFF2-40B4-BE49-F238E27FC236}">
-                <a16:creationId xmlns:a16="http://schemas.microsoft.com/office/drawing/2014/main" id="{B0B15368-BF40-7613-1B99-C84317E25A13}"/>
+                <a16:creationId xmlns:a16="http://schemas.microsoft.com/office/drawing/2014/main" id="{3630A281-BAE8-8227-1FCC-CA48059ACB8E}"/>
               </a:ext>
             </a:extLst>
           </p:cNvPr>
@@ -19721,17 +18173,17 @@
         </p:nvSpPr>
         <p:spPr>
           <a:xfrm>
-            <a:off x="305349" y="603066"/>
+            <a:off x="295189" y="338906"/>
             <a:ext cx="10319512" cy="592536"/>
           </a:xfrm>
         </p:spPr>
         <p:txBody>
           <a:bodyPr vert="horz" lIns="91440" tIns="45720" rIns="91440" bIns="45720" rtlCol="0" anchor="b">
-            <a:normAutofit fontScale="90000"/>
+            <a:normAutofit/>
           </a:bodyPr>
           <a:lstStyle/>
           <a:p>
-            <a:pPr algn="ctr" rtl="0"/>
+            <a:pPr rtl="0"/>
             <a:r>
               <a:rPr lang="en-US" sz="3200" b="1" i="0" kern="1200" dirty="0">
                 <a:solidFill>
@@ -19742,30 +18194,7 @@
                 <a:ea typeface="+mj-ea"/>
                 <a:cs typeface="+mj-cs"/>
               </a:rPr>
-              <a:t>Architectural design of the selected solution </a:t>
-            </a:r>
-            <a:br>
-              <a:rPr lang="en-US" sz="3200" b="1" i="0" kern="1200" dirty="0">
-                <a:solidFill>
-                  <a:schemeClr val="tx1"/>
-                </a:solidFill>
-                <a:effectLst/>
-                <a:latin typeface="+mj-lt"/>
-                <a:ea typeface="+mj-ea"/>
-                <a:cs typeface="+mj-cs"/>
-              </a:rPr>
-            </a:br>
-            <a:r>
-              <a:rPr lang="en-US" sz="3200" b="1" i="0" kern="1200" dirty="0">
-                <a:solidFill>
-                  <a:schemeClr val="tx1"/>
-                </a:solidFill>
-                <a:effectLst/>
-                <a:latin typeface="+mj-lt"/>
-                <a:ea typeface="+mj-ea"/>
-                <a:cs typeface="+mj-cs"/>
-              </a:rPr>
-              <a:t>memory loading mechanism </a:t>
+              <a:t>Code &amp; design changes </a:t>
             </a:r>
             <a:endParaRPr lang="en-US" sz="3200" b="1" kern="1200" dirty="0">
               <a:solidFill>
@@ -19783,7 +18212,7 @@
           <p:cNvPr id="4" name="מציין מיקום תוכן 6">
             <a:extLst>
               <a:ext uri="{FF2B5EF4-FFF2-40B4-BE49-F238E27FC236}">
-                <a16:creationId xmlns:a16="http://schemas.microsoft.com/office/drawing/2014/main" id="{7D8C2738-87B4-87EF-D37D-7E2557077342}"/>
+                <a16:creationId xmlns:a16="http://schemas.microsoft.com/office/drawing/2014/main" id="{8193E70E-2E0A-98AF-6C2F-27F59098FB9D}"/>
               </a:ext>
             </a:extLst>
           </p:cNvPr>
@@ -19796,8 +18225,8 @@
         </p:nvSpPr>
         <p:spPr>
           <a:xfrm>
-            <a:off x="111206" y="1673352"/>
-            <a:ext cx="11026186" cy="4864608"/>
+            <a:off x="0" y="1195602"/>
+            <a:ext cx="11765280" cy="5662398"/>
           </a:xfrm>
         </p:spPr>
         <p:txBody>
@@ -19806,537 +18235,41 @@
           </a:bodyPr>
           <a:lstStyle/>
           <a:p>
-            <a:pPr rtl="0"/>
-            <a:r>
-              <a:rPr lang="en-US" sz="2400" dirty="0">
-                <a:effectLst/>
-                <a:latin typeface="Arial" panose="020B0604020202020204" pitchFamily="34" charset="0"/>
-                <a:ea typeface="Times New Roman" panose="02020603050405020304" pitchFamily="18" charset="0"/>
-                <a:cs typeface="Arial" panose="020B0604020202020204" pitchFamily="34" charset="0"/>
-              </a:rPr>
-              <a:t>adding 2 input pins (one for data, one for instructions), and taking advantage of the fact that Tower S-RAMs can write to 2 different addresses in parallel.</a:t>
-            </a:r>
-          </a:p>
-          <a:p>
-            <a:pPr rtl="0"/>
-            <a:endParaRPr lang="en-US" sz="2400" dirty="0">
-              <a:effectLst/>
-              <a:latin typeface="Arial" panose="020B0604020202020204" pitchFamily="34" charset="0"/>
-              <a:ea typeface="Times New Roman" panose="02020603050405020304" pitchFamily="18" charset="0"/>
-              <a:cs typeface="Arial" panose="020B0604020202020204" pitchFamily="34" charset="0"/>
-            </a:endParaRPr>
-          </a:p>
-          <a:p>
-            <a:pPr rtl="0"/>
-            <a:endParaRPr lang="he-IL" sz="2000" dirty="0"/>
+            <a:r>
+              <a:rPr lang="en-US" sz="2000" dirty="0"/>
+              <a:t> The original design had FPGA memories integrated into it as the system memory, which created some challenges. </a:t>
+            </a:r>
+          </a:p>
+          <a:p>
+            <a:r>
+              <a:rPr lang="en-US" sz="2000" dirty="0"/>
+              <a:t> We had to integrate some files from FPGA libraries to compile and run the design.</a:t>
+            </a:r>
+          </a:p>
+          <a:p>
+            <a:r>
+              <a:rPr lang="en-US" sz="2000" dirty="0"/>
+              <a:t>The design provided incorrect results whenever running commands with an undeviable-by-4 address, and the fact that the FPGA memories operated upon the clock falling (not rising).</a:t>
+            </a:r>
+          </a:p>
+          <a:p>
+            <a:r>
+              <a:rPr lang="en-US" sz="2000" dirty="0"/>
+              <a:t>During the process of replacing the original memory blocks with Tower SRAMs, modifications were made to both the logical and timing aspects of the design, among the key updates, flip-flops were strategically inserted at critical points in the data path, and in some instances, sequential logic was restructured into purely combinational logic to better align with the new memory interface timing system.</a:t>
+            </a:r>
+          </a:p>
+          <a:p>
+            <a:r>
+              <a:rPr lang="en-US" sz="2000" dirty="0"/>
+              <a:t>Throughout this transition, careful attention was given to preserve all existing functionalities of the system, ensuring that no other parts of the design were adversely affected by the modifications.</a:t>
+            </a:r>
           </a:p>
         </p:txBody>
       </p:sp>
-      <p:cxnSp>
-        <p:nvCxnSpPr>
-          <p:cNvPr id="3" name="Straight Arrow Connector 2">
-            <a:extLst>
-              <a:ext uri="{FF2B5EF4-FFF2-40B4-BE49-F238E27FC236}">
-                <a16:creationId xmlns:a16="http://schemas.microsoft.com/office/drawing/2014/main" id="{4F122833-CBE7-05D3-2ACA-AEDC79686255}"/>
-              </a:ext>
-            </a:extLst>
-          </p:cNvPr>
-          <p:cNvCxnSpPr>
-            <a:cxnSpLocks/>
-            <a:stCxn id="6" idx="6"/>
-            <a:endCxn id="9" idx="2"/>
-          </p:cNvCxnSpPr>
-          <p:nvPr/>
-        </p:nvCxnSpPr>
-        <p:spPr>
-          <a:xfrm>
-            <a:off x="4127017" y="4195778"/>
-            <a:ext cx="1211668" cy="13757"/>
-          </a:xfrm>
-          <a:prstGeom prst="straightConnector1">
-            <a:avLst/>
-          </a:prstGeom>
-          <a:ln w="50800">
-            <a:solidFill>
-              <a:srgbClr val="FF0000"/>
-            </a:solidFill>
-            <a:headEnd type="triangle"/>
-            <a:tailEnd type="triangle"/>
-          </a:ln>
-        </p:spPr>
-        <p:style>
-          <a:lnRef idx="2">
-            <a:schemeClr val="accent1"/>
-          </a:lnRef>
-          <a:fillRef idx="0">
-            <a:schemeClr val="accent1"/>
-          </a:fillRef>
-          <a:effectRef idx="1">
-            <a:schemeClr val="accent1"/>
-          </a:effectRef>
-          <a:fontRef idx="minor">
-            <a:schemeClr val="tx1"/>
-          </a:fontRef>
-        </p:style>
-      </p:cxnSp>
-      <p:sp>
-        <p:nvSpPr>
-          <p:cNvPr id="5" name="TextBox 4">
-            <a:extLst>
-              <a:ext uri="{FF2B5EF4-FFF2-40B4-BE49-F238E27FC236}">
-                <a16:creationId xmlns:a16="http://schemas.microsoft.com/office/drawing/2014/main" id="{3C610FE0-9176-9D7E-D66F-E9FBAF3F4EBD}"/>
-              </a:ext>
-            </a:extLst>
-          </p:cNvPr>
-          <p:cNvSpPr txBox="1"/>
-          <p:nvPr/>
-        </p:nvSpPr>
-        <p:spPr>
-          <a:xfrm rot="2976614">
-            <a:off x="1138507" y="3227964"/>
-            <a:ext cx="1472578" cy="369332"/>
-          </a:xfrm>
-          <a:prstGeom prst="rect">
-            <a:avLst/>
-          </a:prstGeom>
-          <a:noFill/>
-        </p:spPr>
-        <p:txBody>
-          <a:bodyPr wrap="square" rtlCol="0">
-            <a:spAutoFit/>
-          </a:bodyPr>
-          <a:lstStyle/>
-          <a:p>
-            <a:pPr algn="ctr"/>
-            <a:r>
-              <a:rPr lang="en-US" b="1" dirty="0"/>
-              <a:t>Restart</a:t>
-            </a:r>
-            <a:endParaRPr lang="en-IL" b="1" dirty="0"/>
-          </a:p>
-        </p:txBody>
-      </p:sp>
-      <p:sp>
-        <p:nvSpPr>
-          <p:cNvPr id="6" name="Oval 5">
-            <a:extLst>
-              <a:ext uri="{FF2B5EF4-FFF2-40B4-BE49-F238E27FC236}">
-                <a16:creationId xmlns:a16="http://schemas.microsoft.com/office/drawing/2014/main" id="{9380E173-4171-3090-D1BD-D79746C7F60F}"/>
-              </a:ext>
-            </a:extLst>
-          </p:cNvPr>
-          <p:cNvSpPr/>
-          <p:nvPr/>
-        </p:nvSpPr>
-        <p:spPr>
-          <a:xfrm>
-            <a:off x="1800802" y="3796798"/>
-            <a:ext cx="2326215" cy="797959"/>
-          </a:xfrm>
-          <a:prstGeom prst="ellipse">
-            <a:avLst/>
-          </a:prstGeom>
-          <a:ln w="50800">
-            <a:solidFill>
-              <a:schemeClr val="accent3">
-                <a:lumMod val="60000"/>
-                <a:lumOff val="40000"/>
-              </a:schemeClr>
-            </a:solidFill>
-          </a:ln>
-        </p:spPr>
-        <p:style>
-          <a:lnRef idx="2">
-            <a:schemeClr val="dk1"/>
-          </a:lnRef>
-          <a:fillRef idx="1">
-            <a:schemeClr val="lt1"/>
-          </a:fillRef>
-          <a:effectRef idx="0">
-            <a:schemeClr val="dk1"/>
-          </a:effectRef>
-          <a:fontRef idx="minor">
-            <a:schemeClr val="dk1"/>
-          </a:fontRef>
-        </p:style>
-        <p:txBody>
-          <a:bodyPr rtlCol="0" anchor="ctr"/>
-          <a:lstStyle/>
-          <a:p>
-            <a:pPr algn="ctr"/>
-            <a:r>
-              <a:rPr lang="en-US" b="1" dirty="0"/>
-              <a:t>Loading data &amp; instructions</a:t>
-            </a:r>
-            <a:endParaRPr lang="en-IL" b="1" dirty="0"/>
-          </a:p>
-        </p:txBody>
-      </p:sp>
-      <p:cxnSp>
-        <p:nvCxnSpPr>
-          <p:cNvPr id="8" name="Straight Arrow Connector 7">
-            <a:extLst>
-              <a:ext uri="{FF2B5EF4-FFF2-40B4-BE49-F238E27FC236}">
-                <a16:creationId xmlns:a16="http://schemas.microsoft.com/office/drawing/2014/main" id="{26308986-435E-D56C-A4C1-6EC76C06027F}"/>
-              </a:ext>
-            </a:extLst>
-          </p:cNvPr>
-          <p:cNvCxnSpPr>
-            <a:cxnSpLocks/>
-            <a:endCxn id="6" idx="1"/>
-          </p:cNvCxnSpPr>
-          <p:nvPr/>
-        </p:nvCxnSpPr>
-        <p:spPr>
-          <a:xfrm>
-            <a:off x="1527425" y="3195816"/>
-            <a:ext cx="614043" cy="717840"/>
-          </a:xfrm>
-          <a:prstGeom prst="straightConnector1">
-            <a:avLst/>
-          </a:prstGeom>
-          <a:ln w="50800">
-            <a:solidFill>
-              <a:srgbClr val="FF0000"/>
-            </a:solidFill>
-            <a:tailEnd type="triangle"/>
-          </a:ln>
-        </p:spPr>
-        <p:style>
-          <a:lnRef idx="2">
-            <a:schemeClr val="accent1"/>
-          </a:lnRef>
-          <a:fillRef idx="0">
-            <a:schemeClr val="accent1"/>
-          </a:fillRef>
-          <a:effectRef idx="1">
-            <a:schemeClr val="accent1"/>
-          </a:effectRef>
-          <a:fontRef idx="minor">
-            <a:schemeClr val="tx1"/>
-          </a:fontRef>
-        </p:style>
-      </p:cxnSp>
-      <p:sp>
-        <p:nvSpPr>
-          <p:cNvPr id="9" name="Oval 8">
-            <a:extLst>
-              <a:ext uri="{FF2B5EF4-FFF2-40B4-BE49-F238E27FC236}">
-                <a16:creationId xmlns:a16="http://schemas.microsoft.com/office/drawing/2014/main" id="{1C48644B-1506-376E-C25A-9CA78AE249CB}"/>
-              </a:ext>
-            </a:extLst>
-          </p:cNvPr>
-          <p:cNvSpPr/>
-          <p:nvPr/>
-        </p:nvSpPr>
-        <p:spPr>
-          <a:xfrm>
-            <a:off x="5338685" y="3810555"/>
-            <a:ext cx="1889792" cy="797959"/>
-          </a:xfrm>
-          <a:prstGeom prst="ellipse">
-            <a:avLst/>
-          </a:prstGeom>
-          <a:ln w="50800">
-            <a:solidFill>
-              <a:schemeClr val="accent3">
-                <a:lumMod val="60000"/>
-                <a:lumOff val="40000"/>
-              </a:schemeClr>
-            </a:solidFill>
-          </a:ln>
-        </p:spPr>
-        <p:style>
-          <a:lnRef idx="2">
-            <a:schemeClr val="dk1"/>
-          </a:lnRef>
-          <a:fillRef idx="1">
-            <a:schemeClr val="lt1"/>
-          </a:fillRef>
-          <a:effectRef idx="0">
-            <a:schemeClr val="dk1"/>
-          </a:effectRef>
-          <a:fontRef idx="minor">
-            <a:schemeClr val="dk1"/>
-          </a:fontRef>
-        </p:style>
-        <p:txBody>
-          <a:bodyPr rtlCol="0" anchor="ctr"/>
-          <a:lstStyle/>
-          <a:p>
-            <a:pPr algn="ctr"/>
-            <a:r>
-              <a:rPr lang="en-US" b="1" dirty="0"/>
-              <a:t>Processor</a:t>
-            </a:r>
-          </a:p>
-          <a:p>
-            <a:pPr algn="ctr"/>
-            <a:r>
-              <a:rPr lang="en-US" b="1" dirty="0"/>
-              <a:t>running</a:t>
-            </a:r>
-            <a:endParaRPr lang="en-IL" b="1" dirty="0"/>
-          </a:p>
-        </p:txBody>
-      </p:sp>
-      <p:sp>
-        <p:nvSpPr>
-          <p:cNvPr id="10" name="Oval 9">
-            <a:extLst>
-              <a:ext uri="{FF2B5EF4-FFF2-40B4-BE49-F238E27FC236}">
-                <a16:creationId xmlns:a16="http://schemas.microsoft.com/office/drawing/2014/main" id="{57D082AD-66C0-5A52-A070-A0B0211DF07C}"/>
-              </a:ext>
-            </a:extLst>
-          </p:cNvPr>
-          <p:cNvSpPr/>
-          <p:nvPr/>
-        </p:nvSpPr>
-        <p:spPr>
-          <a:xfrm>
-            <a:off x="8380756" y="3796798"/>
-            <a:ext cx="1090392" cy="797959"/>
-          </a:xfrm>
-          <a:prstGeom prst="ellipse">
-            <a:avLst/>
-          </a:prstGeom>
-          <a:ln w="50800">
-            <a:solidFill>
-              <a:schemeClr val="accent3">
-                <a:lumMod val="60000"/>
-                <a:lumOff val="40000"/>
-              </a:schemeClr>
-            </a:solidFill>
-          </a:ln>
-        </p:spPr>
-        <p:style>
-          <a:lnRef idx="2">
-            <a:schemeClr val="dk1"/>
-          </a:lnRef>
-          <a:fillRef idx="1">
-            <a:schemeClr val="lt1"/>
-          </a:fillRef>
-          <a:effectRef idx="0">
-            <a:schemeClr val="dk1"/>
-          </a:effectRef>
-          <a:fontRef idx="minor">
-            <a:schemeClr val="dk1"/>
-          </a:fontRef>
-        </p:style>
-        <p:txBody>
-          <a:bodyPr rtlCol="0" anchor="ctr"/>
-          <a:lstStyle/>
-          <a:p>
-            <a:pPr algn="ctr"/>
-            <a:r>
-              <a:rPr lang="en-US" b="1" dirty="0"/>
-              <a:t>End</a:t>
-            </a:r>
-            <a:endParaRPr lang="en-IL" b="1" dirty="0"/>
-          </a:p>
-        </p:txBody>
-      </p:sp>
-      <p:cxnSp>
-        <p:nvCxnSpPr>
-          <p:cNvPr id="11" name="Straight Arrow Connector 10">
-            <a:extLst>
-              <a:ext uri="{FF2B5EF4-FFF2-40B4-BE49-F238E27FC236}">
-                <a16:creationId xmlns:a16="http://schemas.microsoft.com/office/drawing/2014/main" id="{6D270F15-E0F6-5F8D-F98F-B2DDAC4280B3}"/>
-              </a:ext>
-            </a:extLst>
-          </p:cNvPr>
-          <p:cNvCxnSpPr>
-            <a:cxnSpLocks/>
-            <a:stCxn id="9" idx="6"/>
-            <a:endCxn id="10" idx="2"/>
-          </p:cNvCxnSpPr>
-          <p:nvPr/>
-        </p:nvCxnSpPr>
-        <p:spPr>
-          <a:xfrm flipV="1">
-            <a:off x="7228477" y="4195778"/>
-            <a:ext cx="1152279" cy="13757"/>
-          </a:xfrm>
-          <a:prstGeom prst="straightConnector1">
-            <a:avLst/>
-          </a:prstGeom>
-          <a:ln w="50800">
-            <a:solidFill>
-              <a:srgbClr val="FF0000"/>
-            </a:solidFill>
-            <a:tailEnd type="triangle"/>
-          </a:ln>
-        </p:spPr>
-        <p:style>
-          <a:lnRef idx="2">
-            <a:schemeClr val="accent1"/>
-          </a:lnRef>
-          <a:fillRef idx="0">
-            <a:schemeClr val="accent1"/>
-          </a:fillRef>
-          <a:effectRef idx="1">
-            <a:schemeClr val="accent1"/>
-          </a:effectRef>
-          <a:fontRef idx="minor">
-            <a:schemeClr val="tx1"/>
-          </a:fontRef>
-        </p:style>
-      </p:cxnSp>
-      <p:cxnSp>
-        <p:nvCxnSpPr>
-          <p:cNvPr id="12" name="Connector: Elbow 11">
-            <a:extLst>
-              <a:ext uri="{FF2B5EF4-FFF2-40B4-BE49-F238E27FC236}">
-                <a16:creationId xmlns:a16="http://schemas.microsoft.com/office/drawing/2014/main" id="{EEFD2DAE-6F51-B306-4AA1-B3960686B9B0}"/>
-              </a:ext>
-            </a:extLst>
-          </p:cNvPr>
-          <p:cNvCxnSpPr>
-            <a:cxnSpLocks/>
-            <a:stCxn id="10" idx="0"/>
-            <a:endCxn id="6" idx="0"/>
-          </p:cNvCxnSpPr>
-          <p:nvPr/>
-        </p:nvCxnSpPr>
-        <p:spPr>
-          <a:xfrm rot="16200000" flipV="1">
-            <a:off x="5944931" y="815777"/>
-            <a:ext cx="12700" cy="5962042"/>
-          </a:xfrm>
-          <a:prstGeom prst="bentConnector3">
-            <a:avLst>
-              <a:gd name="adj1" fmla="val 1800000"/>
-            </a:avLst>
-          </a:prstGeom>
-          <a:ln w="50800">
-            <a:solidFill>
-              <a:srgbClr val="FF0000"/>
-            </a:solidFill>
-            <a:tailEnd type="triangle"/>
-          </a:ln>
-        </p:spPr>
-        <p:style>
-          <a:lnRef idx="2">
-            <a:schemeClr val="accent1"/>
-          </a:lnRef>
-          <a:fillRef idx="0">
-            <a:schemeClr val="accent1"/>
-          </a:fillRef>
-          <a:effectRef idx="1">
-            <a:schemeClr val="accent1"/>
-          </a:effectRef>
-          <a:fontRef idx="minor">
-            <a:schemeClr val="tx1"/>
-          </a:fontRef>
-        </p:style>
-      </p:cxnSp>
-      <p:sp>
-        <p:nvSpPr>
-          <p:cNvPr id="13" name="Oval 12">
-            <a:extLst>
-              <a:ext uri="{FF2B5EF4-FFF2-40B4-BE49-F238E27FC236}">
-                <a16:creationId xmlns:a16="http://schemas.microsoft.com/office/drawing/2014/main" id="{DFD4997D-6F4E-4525-6905-7A50FAC649AA}"/>
-              </a:ext>
-            </a:extLst>
-          </p:cNvPr>
-          <p:cNvSpPr/>
-          <p:nvPr/>
-        </p:nvSpPr>
-        <p:spPr>
-          <a:xfrm>
-            <a:off x="5631522" y="5508365"/>
-            <a:ext cx="1304118" cy="797959"/>
-          </a:xfrm>
-          <a:prstGeom prst="ellipse">
-            <a:avLst/>
-          </a:prstGeom>
-          <a:ln w="50800">
-            <a:solidFill>
-              <a:schemeClr val="accent3">
-                <a:lumMod val="60000"/>
-                <a:lumOff val="40000"/>
-              </a:schemeClr>
-            </a:solidFill>
-          </a:ln>
-        </p:spPr>
-        <p:style>
-          <a:lnRef idx="2">
-            <a:schemeClr val="dk1"/>
-          </a:lnRef>
-          <a:fillRef idx="1">
-            <a:schemeClr val="lt1"/>
-          </a:fillRef>
-          <a:effectRef idx="0">
-            <a:schemeClr val="dk1"/>
-          </a:effectRef>
-          <a:fontRef idx="minor">
-            <a:schemeClr val="dk1"/>
-          </a:fontRef>
-        </p:style>
-        <p:txBody>
-          <a:bodyPr rtlCol="0" anchor="ctr"/>
-          <a:lstStyle/>
-          <a:p>
-            <a:pPr algn="ctr"/>
-            <a:r>
-              <a:rPr lang="en-US" b="1" dirty="0"/>
-              <a:t>Debug</a:t>
-            </a:r>
-            <a:endParaRPr lang="en-IL" b="1" dirty="0"/>
-          </a:p>
-        </p:txBody>
-      </p:sp>
-      <p:cxnSp>
-        <p:nvCxnSpPr>
-          <p:cNvPr id="14" name="Straight Arrow Connector 13">
-            <a:extLst>
-              <a:ext uri="{FF2B5EF4-FFF2-40B4-BE49-F238E27FC236}">
-                <a16:creationId xmlns:a16="http://schemas.microsoft.com/office/drawing/2014/main" id="{4C4F9CFD-2DBC-D93F-AA1B-BBE7F72D1C38}"/>
-              </a:ext>
-            </a:extLst>
-          </p:cNvPr>
-          <p:cNvCxnSpPr>
-            <a:cxnSpLocks/>
-            <a:stCxn id="9" idx="4"/>
-            <a:endCxn id="13" idx="0"/>
-          </p:cNvCxnSpPr>
-          <p:nvPr/>
-        </p:nvCxnSpPr>
-        <p:spPr>
-          <a:xfrm>
-            <a:off x="6283581" y="4608514"/>
-            <a:ext cx="0" cy="899851"/>
-          </a:xfrm>
-          <a:prstGeom prst="straightConnector1">
-            <a:avLst/>
-          </a:prstGeom>
-          <a:ln w="50800">
-            <a:solidFill>
-              <a:srgbClr val="FF0000"/>
-            </a:solidFill>
-            <a:headEnd type="triangle"/>
-            <a:tailEnd type="triangle"/>
-          </a:ln>
-        </p:spPr>
-        <p:style>
-          <a:lnRef idx="2">
-            <a:schemeClr val="accent1"/>
-          </a:lnRef>
-          <a:fillRef idx="0">
-            <a:schemeClr val="accent1"/>
-          </a:fillRef>
-          <a:effectRef idx="1">
-            <a:schemeClr val="accent1"/>
-          </a:effectRef>
-          <a:fontRef idx="minor">
-            <a:schemeClr val="tx1"/>
-          </a:fontRef>
-        </p:style>
-      </p:cxnSp>
     </p:spTree>
     <p:extLst>
       <p:ext uri="{BB962C8B-B14F-4D97-AF65-F5344CB8AC3E}">
-        <p14:creationId xmlns:p14="http://schemas.microsoft.com/office/powerpoint/2010/main" val="2798516777"/>
+        <p14:creationId xmlns:p14="http://schemas.microsoft.com/office/powerpoint/2010/main" val="2755760612"/>
       </p:ext>
     </p:extLst>
   </p:cSld>
@@ -20368,7 +18301,7 @@
           <p:cNvPr id="2" name="Title 1">
             <a:extLst>
               <a:ext uri="{FF2B5EF4-FFF2-40B4-BE49-F238E27FC236}">
-                <a16:creationId xmlns:a16="http://schemas.microsoft.com/office/drawing/2014/main" id="{B59B2EF6-FE1C-7582-E87F-BB54E2800A13}"/>
+                <a16:creationId xmlns:a16="http://schemas.microsoft.com/office/drawing/2014/main" id="{3D43D382-BC5B-C62C-F230-01DDFF54044F}"/>
               </a:ext>
             </a:extLst>
           </p:cNvPr>
@@ -20379,85 +18312,887 @@
             <p:ph type="title"/>
           </p:nvPr>
         </p:nvSpPr>
-        <p:spPr>
-          <a:xfrm>
-            <a:off x="252984" y="282829"/>
-            <a:ext cx="11686032" cy="1325563"/>
-          </a:xfrm>
-        </p:spPr>
+        <p:spPr/>
         <p:txBody>
-          <a:bodyPr/>
+          <a:bodyPr>
+            <a:normAutofit fontScale="90000"/>
+          </a:bodyPr>
           <a:lstStyle/>
           <a:p>
             <a:pPr algn="ctr"/>
             <a:r>
-              <a:rPr lang="en-US" dirty="0"/>
-              <a:t>Master design – FPJA memory problem &amp; solution</a:t>
-            </a:r>
-            <a:endParaRPr lang="en-IL" dirty="0"/>
+              <a:rPr lang="en-US" b="1" dirty="0"/>
+              <a:t>Architectural design of the selected solution </a:t>
+            </a:r>
+            <a:br>
+              <a:rPr lang="en-US" b="1" dirty="0"/>
+            </a:br>
+            <a:r>
+              <a:rPr lang="en-US" b="1" dirty="0"/>
+              <a:t>instruction memory</a:t>
+            </a:r>
+            <a:endParaRPr lang="en-IL" b="1" dirty="0"/>
           </a:p>
         </p:txBody>
       </p:sp>
       <p:sp>
         <p:nvSpPr>
-          <p:cNvPr id="3" name="Content Placeholder 2">
-            <a:extLst>
-              <a:ext uri="{FF2B5EF4-FFF2-40B4-BE49-F238E27FC236}">
-                <a16:creationId xmlns:a16="http://schemas.microsoft.com/office/drawing/2014/main" id="{8EFB32D5-5707-148C-6D76-DC3EB1E61EAB}"/>
-              </a:ext>
-            </a:extLst>
-          </p:cNvPr>
-          <p:cNvSpPr>
-            <a:spLocks noGrp="1"/>
-          </p:cNvSpPr>
-          <p:nvPr>
-            <p:ph idx="1"/>
-          </p:nvPr>
+          <p:cNvPr id="4" name="Rectangle 3">
+            <a:extLst>
+              <a:ext uri="{FF2B5EF4-FFF2-40B4-BE49-F238E27FC236}">
+                <a16:creationId xmlns:a16="http://schemas.microsoft.com/office/drawing/2014/main" id="{0ECD80A8-4CAF-5FD9-A403-EE833407A210}"/>
+              </a:ext>
+            </a:extLst>
+          </p:cNvPr>
+          <p:cNvSpPr/>
+          <p:nvPr/>
         </p:nvSpPr>
-        <p:spPr/>
+        <p:spPr>
+          <a:xfrm>
+            <a:off x="7085457" y="2275713"/>
+            <a:ext cx="781050" cy="542925"/>
+          </a:xfrm>
+          <a:prstGeom prst="rect">
+            <a:avLst/>
+          </a:prstGeom>
+          <a:ln w="60325">
+            <a:solidFill>
+              <a:srgbClr val="FF0000"/>
+            </a:solidFill>
+          </a:ln>
+        </p:spPr>
+        <p:style>
+          <a:lnRef idx="2">
+            <a:schemeClr val="dk1"/>
+          </a:lnRef>
+          <a:fillRef idx="1">
+            <a:schemeClr val="lt1"/>
+          </a:fillRef>
+          <a:effectRef idx="0">
+            <a:schemeClr val="dk1"/>
+          </a:effectRef>
+          <a:fontRef idx="minor">
+            <a:schemeClr val="dk1"/>
+          </a:fontRef>
+        </p:style>
         <p:txBody>
-          <a:bodyPr/>
+          <a:bodyPr rtlCol="0" anchor="ctr"/>
           <a:lstStyle/>
           <a:p>
-            <a:pPr marL="0" indent="0">
-              <a:buNone/>
+            <a:pPr algn="ctr"/>
+            <a:endParaRPr lang="en-IL"/>
+          </a:p>
+        </p:txBody>
+      </p:sp>
+      <p:sp>
+        <p:nvSpPr>
+          <p:cNvPr id="5" name="Rectangle 4">
+            <a:extLst>
+              <a:ext uri="{FF2B5EF4-FFF2-40B4-BE49-F238E27FC236}">
+                <a16:creationId xmlns:a16="http://schemas.microsoft.com/office/drawing/2014/main" id="{DE4C520F-699A-96CA-C841-1E20C63B69CD}"/>
+              </a:ext>
+            </a:extLst>
+          </p:cNvPr>
+          <p:cNvSpPr/>
+          <p:nvPr/>
+        </p:nvSpPr>
+        <p:spPr>
+          <a:xfrm>
+            <a:off x="7085457" y="3104769"/>
+            <a:ext cx="781050" cy="542925"/>
+          </a:xfrm>
+          <a:prstGeom prst="rect">
+            <a:avLst/>
+          </a:prstGeom>
+          <a:ln w="60325">
+            <a:solidFill>
+              <a:srgbClr val="FF0000"/>
+            </a:solidFill>
+          </a:ln>
+        </p:spPr>
+        <p:style>
+          <a:lnRef idx="2">
+            <a:schemeClr val="dk1"/>
+          </a:lnRef>
+          <a:fillRef idx="1">
+            <a:schemeClr val="lt1"/>
+          </a:fillRef>
+          <a:effectRef idx="0">
+            <a:schemeClr val="dk1"/>
+          </a:effectRef>
+          <a:fontRef idx="minor">
+            <a:schemeClr val="dk1"/>
+          </a:fontRef>
+        </p:style>
+        <p:txBody>
+          <a:bodyPr rtlCol="0" anchor="ctr"/>
+          <a:lstStyle/>
+          <a:p>
+            <a:pPr algn="ctr"/>
+            <a:endParaRPr lang="en-IL"/>
+          </a:p>
+        </p:txBody>
+      </p:sp>
+      <p:sp>
+        <p:nvSpPr>
+          <p:cNvPr id="6" name="Rectangle 5">
+            <a:extLst>
+              <a:ext uri="{FF2B5EF4-FFF2-40B4-BE49-F238E27FC236}">
+                <a16:creationId xmlns:a16="http://schemas.microsoft.com/office/drawing/2014/main" id="{906293FE-4B8B-2DD5-5AAB-D2B872195144}"/>
+              </a:ext>
+            </a:extLst>
+          </p:cNvPr>
+          <p:cNvSpPr/>
+          <p:nvPr/>
+        </p:nvSpPr>
+        <p:spPr>
+          <a:xfrm>
+            <a:off x="7085457" y="3933825"/>
+            <a:ext cx="781050" cy="542925"/>
+          </a:xfrm>
+          <a:prstGeom prst="rect">
+            <a:avLst/>
+          </a:prstGeom>
+          <a:ln w="60325">
+            <a:solidFill>
+              <a:srgbClr val="FF0000"/>
+            </a:solidFill>
+          </a:ln>
+        </p:spPr>
+        <p:style>
+          <a:lnRef idx="2">
+            <a:schemeClr val="dk1"/>
+          </a:lnRef>
+          <a:fillRef idx="1">
+            <a:schemeClr val="lt1"/>
+          </a:fillRef>
+          <a:effectRef idx="0">
+            <a:schemeClr val="dk1"/>
+          </a:effectRef>
+          <a:fontRef idx="minor">
+            <a:schemeClr val="dk1"/>
+          </a:fontRef>
+        </p:style>
+        <p:txBody>
+          <a:bodyPr rtlCol="0" anchor="ctr"/>
+          <a:lstStyle/>
+          <a:p>
+            <a:pPr algn="ctr"/>
+            <a:endParaRPr lang="en-IL"/>
+          </a:p>
+        </p:txBody>
+      </p:sp>
+      <p:sp>
+        <p:nvSpPr>
+          <p:cNvPr id="7" name="Rectangle 6">
+            <a:extLst>
+              <a:ext uri="{FF2B5EF4-FFF2-40B4-BE49-F238E27FC236}">
+                <a16:creationId xmlns:a16="http://schemas.microsoft.com/office/drawing/2014/main" id="{8EC6F6BE-FEF1-B62D-621E-32440F402D7B}"/>
+              </a:ext>
+            </a:extLst>
+          </p:cNvPr>
+          <p:cNvSpPr/>
+          <p:nvPr/>
+        </p:nvSpPr>
+        <p:spPr>
+          <a:xfrm>
+            <a:off x="7085457" y="4762881"/>
+            <a:ext cx="781050" cy="542925"/>
+          </a:xfrm>
+          <a:prstGeom prst="rect">
+            <a:avLst/>
+          </a:prstGeom>
+          <a:ln w="60325">
+            <a:solidFill>
+              <a:srgbClr val="FF0000"/>
+            </a:solidFill>
+          </a:ln>
+        </p:spPr>
+        <p:style>
+          <a:lnRef idx="2">
+            <a:schemeClr val="dk1"/>
+          </a:lnRef>
+          <a:fillRef idx="1">
+            <a:schemeClr val="lt1"/>
+          </a:fillRef>
+          <a:effectRef idx="0">
+            <a:schemeClr val="dk1"/>
+          </a:effectRef>
+          <a:fontRef idx="minor">
+            <a:schemeClr val="dk1"/>
+          </a:fontRef>
+        </p:style>
+        <p:txBody>
+          <a:bodyPr rtlCol="0" anchor="ctr"/>
+          <a:lstStyle/>
+          <a:p>
+            <a:pPr algn="ctr"/>
+            <a:endParaRPr lang="en-IL"/>
+          </a:p>
+        </p:txBody>
+      </p:sp>
+      <p:cxnSp>
+        <p:nvCxnSpPr>
+          <p:cNvPr id="8" name="Straight Connector 7">
+            <a:extLst>
+              <a:ext uri="{FF2B5EF4-FFF2-40B4-BE49-F238E27FC236}">
+                <a16:creationId xmlns:a16="http://schemas.microsoft.com/office/drawing/2014/main" id="{9692A87E-8EA1-E0AA-7F1F-0D8ADB544943}"/>
+              </a:ext>
+            </a:extLst>
+          </p:cNvPr>
+          <p:cNvCxnSpPr>
+            <a:stCxn id="4" idx="3"/>
+          </p:cNvCxnSpPr>
+          <p:nvPr/>
+        </p:nvCxnSpPr>
+        <p:spPr>
+          <a:xfrm flipV="1">
+            <a:off x="7866507" y="2547175"/>
+            <a:ext cx="664845" cy="1"/>
+          </a:xfrm>
+          <a:prstGeom prst="line">
+            <a:avLst/>
+          </a:prstGeom>
+        </p:spPr>
+        <p:style>
+          <a:lnRef idx="2">
+            <a:schemeClr val="dk1"/>
+          </a:lnRef>
+          <a:fillRef idx="0">
+            <a:schemeClr val="dk1"/>
+          </a:fillRef>
+          <a:effectRef idx="1">
+            <a:schemeClr val="dk1"/>
+          </a:effectRef>
+          <a:fontRef idx="minor">
+            <a:schemeClr val="tx1"/>
+          </a:fontRef>
+        </p:style>
+      </p:cxnSp>
+      <p:cxnSp>
+        <p:nvCxnSpPr>
+          <p:cNvPr id="9" name="Straight Connector 8">
+            <a:extLst>
+              <a:ext uri="{FF2B5EF4-FFF2-40B4-BE49-F238E27FC236}">
+                <a16:creationId xmlns:a16="http://schemas.microsoft.com/office/drawing/2014/main" id="{7A45B93E-2F1E-6CF7-DEDC-B970A398B792}"/>
+              </a:ext>
+            </a:extLst>
+          </p:cNvPr>
+          <p:cNvCxnSpPr/>
+          <p:nvPr/>
+        </p:nvCxnSpPr>
+        <p:spPr>
+          <a:xfrm flipV="1">
+            <a:off x="7866506" y="3376231"/>
+            <a:ext cx="664845" cy="1"/>
+          </a:xfrm>
+          <a:prstGeom prst="line">
+            <a:avLst/>
+          </a:prstGeom>
+        </p:spPr>
+        <p:style>
+          <a:lnRef idx="2">
+            <a:schemeClr val="dk1"/>
+          </a:lnRef>
+          <a:fillRef idx="0">
+            <a:schemeClr val="dk1"/>
+          </a:fillRef>
+          <a:effectRef idx="1">
+            <a:schemeClr val="dk1"/>
+          </a:effectRef>
+          <a:fontRef idx="minor">
+            <a:schemeClr val="tx1"/>
+          </a:fontRef>
+        </p:style>
+      </p:cxnSp>
+      <p:cxnSp>
+        <p:nvCxnSpPr>
+          <p:cNvPr id="10" name="Straight Connector 9">
+            <a:extLst>
+              <a:ext uri="{FF2B5EF4-FFF2-40B4-BE49-F238E27FC236}">
+                <a16:creationId xmlns:a16="http://schemas.microsoft.com/office/drawing/2014/main" id="{4C458ABC-2021-ACE0-00F6-065AE56869C5}"/>
+              </a:ext>
+            </a:extLst>
+          </p:cNvPr>
+          <p:cNvCxnSpPr/>
+          <p:nvPr/>
+        </p:nvCxnSpPr>
+        <p:spPr>
+          <a:xfrm flipV="1">
+            <a:off x="7866506" y="4205287"/>
+            <a:ext cx="664845" cy="1"/>
+          </a:xfrm>
+          <a:prstGeom prst="line">
+            <a:avLst/>
+          </a:prstGeom>
+        </p:spPr>
+        <p:style>
+          <a:lnRef idx="2">
+            <a:schemeClr val="dk1"/>
+          </a:lnRef>
+          <a:fillRef idx="0">
+            <a:schemeClr val="dk1"/>
+          </a:fillRef>
+          <a:effectRef idx="1">
+            <a:schemeClr val="dk1"/>
+          </a:effectRef>
+          <a:fontRef idx="minor">
+            <a:schemeClr val="tx1"/>
+          </a:fontRef>
+        </p:style>
+      </p:cxnSp>
+      <p:cxnSp>
+        <p:nvCxnSpPr>
+          <p:cNvPr id="11" name="Straight Connector 10">
+            <a:extLst>
+              <a:ext uri="{FF2B5EF4-FFF2-40B4-BE49-F238E27FC236}">
+                <a16:creationId xmlns:a16="http://schemas.microsoft.com/office/drawing/2014/main" id="{1456982A-39B4-3DDB-9ACD-BD7E7FEC11D2}"/>
+              </a:ext>
+            </a:extLst>
+          </p:cNvPr>
+          <p:cNvCxnSpPr/>
+          <p:nvPr/>
+        </p:nvCxnSpPr>
+        <p:spPr>
+          <a:xfrm flipV="1">
+            <a:off x="7866506" y="5034343"/>
+            <a:ext cx="664845" cy="1"/>
+          </a:xfrm>
+          <a:prstGeom prst="line">
+            <a:avLst/>
+          </a:prstGeom>
+        </p:spPr>
+        <p:style>
+          <a:lnRef idx="2">
+            <a:schemeClr val="dk1"/>
+          </a:lnRef>
+          <a:fillRef idx="0">
+            <a:schemeClr val="dk1"/>
+          </a:fillRef>
+          <a:effectRef idx="1">
+            <a:schemeClr val="dk1"/>
+          </a:effectRef>
+          <a:fontRef idx="minor">
+            <a:schemeClr val="tx1"/>
+          </a:fontRef>
+        </p:style>
+      </p:cxnSp>
+      <p:cxnSp>
+        <p:nvCxnSpPr>
+          <p:cNvPr id="12" name="Straight Connector 11">
+            <a:extLst>
+              <a:ext uri="{FF2B5EF4-FFF2-40B4-BE49-F238E27FC236}">
+                <a16:creationId xmlns:a16="http://schemas.microsoft.com/office/drawing/2014/main" id="{A047770A-9E7B-6403-A36F-2F4B48477002}"/>
+              </a:ext>
+            </a:extLst>
+          </p:cNvPr>
+          <p:cNvCxnSpPr>
+            <a:cxnSpLocks/>
+          </p:cNvCxnSpPr>
+          <p:nvPr/>
+        </p:nvCxnSpPr>
+        <p:spPr>
+          <a:xfrm>
+            <a:off x="8531351" y="2547175"/>
+            <a:ext cx="0" cy="2487168"/>
+          </a:xfrm>
+          <a:prstGeom prst="line">
+            <a:avLst/>
+          </a:prstGeom>
+        </p:spPr>
+        <p:style>
+          <a:lnRef idx="2">
+            <a:schemeClr val="dk1"/>
+          </a:lnRef>
+          <a:fillRef idx="0">
+            <a:schemeClr val="dk1"/>
+          </a:fillRef>
+          <a:effectRef idx="1">
+            <a:schemeClr val="dk1"/>
+          </a:effectRef>
+          <a:fontRef idx="minor">
+            <a:schemeClr val="tx1"/>
+          </a:fontRef>
+        </p:style>
+      </p:cxnSp>
+      <p:cxnSp>
+        <p:nvCxnSpPr>
+          <p:cNvPr id="13" name="Straight Connector 12">
+            <a:extLst>
+              <a:ext uri="{FF2B5EF4-FFF2-40B4-BE49-F238E27FC236}">
+                <a16:creationId xmlns:a16="http://schemas.microsoft.com/office/drawing/2014/main" id="{4797F37E-5E4D-DE57-1FC2-4A799E94C0BD}"/>
+              </a:ext>
+            </a:extLst>
+          </p:cNvPr>
+          <p:cNvCxnSpPr/>
+          <p:nvPr/>
+        </p:nvCxnSpPr>
+        <p:spPr>
+          <a:xfrm flipV="1">
+            <a:off x="8531351" y="3790759"/>
+            <a:ext cx="664845" cy="1"/>
+          </a:xfrm>
+          <a:prstGeom prst="line">
+            <a:avLst/>
+          </a:prstGeom>
+        </p:spPr>
+        <p:style>
+          <a:lnRef idx="2">
+            <a:schemeClr val="dk1"/>
+          </a:lnRef>
+          <a:fillRef idx="0">
+            <a:schemeClr val="dk1"/>
+          </a:fillRef>
+          <a:effectRef idx="1">
+            <a:schemeClr val="dk1"/>
+          </a:effectRef>
+          <a:fontRef idx="minor">
+            <a:schemeClr val="tx1"/>
+          </a:fontRef>
+        </p:style>
+      </p:cxnSp>
+      <p:cxnSp>
+        <p:nvCxnSpPr>
+          <p:cNvPr id="14" name="Straight Arrow Connector 13">
+            <a:extLst>
+              <a:ext uri="{FF2B5EF4-FFF2-40B4-BE49-F238E27FC236}">
+                <a16:creationId xmlns:a16="http://schemas.microsoft.com/office/drawing/2014/main" id="{2D71289D-07A3-04DF-ADD6-FDDB398FB63A}"/>
+              </a:ext>
+            </a:extLst>
+          </p:cNvPr>
+          <p:cNvCxnSpPr/>
+          <p:nvPr/>
+        </p:nvCxnSpPr>
+        <p:spPr>
+          <a:xfrm>
+            <a:off x="9423215" y="3790758"/>
+            <a:ext cx="777240" cy="0"/>
+          </a:xfrm>
+          <a:prstGeom prst="straightConnector1">
+            <a:avLst/>
+          </a:prstGeom>
+          <a:ln w="53975">
+            <a:solidFill>
+              <a:schemeClr val="accent4"/>
+            </a:solidFill>
+            <a:tailEnd type="triangle"/>
+          </a:ln>
+        </p:spPr>
+        <p:style>
+          <a:lnRef idx="2">
+            <a:schemeClr val="accent1"/>
+          </a:lnRef>
+          <a:fillRef idx="0">
+            <a:schemeClr val="accent1"/>
+          </a:fillRef>
+          <a:effectRef idx="1">
+            <a:schemeClr val="accent1"/>
+          </a:effectRef>
+          <a:fontRef idx="minor">
+            <a:schemeClr val="tx1"/>
+          </a:fontRef>
+        </p:style>
+      </p:cxnSp>
+      <p:sp>
+        <p:nvSpPr>
+          <p:cNvPr id="15" name="Rectangle 14">
+            <a:extLst>
+              <a:ext uri="{FF2B5EF4-FFF2-40B4-BE49-F238E27FC236}">
+                <a16:creationId xmlns:a16="http://schemas.microsoft.com/office/drawing/2014/main" id="{EEDF871E-31B5-D3D9-FAA4-327012C2DCE5}"/>
+              </a:ext>
+            </a:extLst>
+          </p:cNvPr>
+          <p:cNvSpPr/>
+          <p:nvPr/>
+        </p:nvSpPr>
+        <p:spPr>
+          <a:xfrm>
+            <a:off x="10371582" y="3511751"/>
+            <a:ext cx="781050" cy="542925"/>
+          </a:xfrm>
+          <a:prstGeom prst="rect">
+            <a:avLst/>
+          </a:prstGeom>
+          <a:ln w="60325">
+            <a:solidFill>
+              <a:schemeClr val="accent3">
+                <a:lumMod val="60000"/>
+                <a:lumOff val="40000"/>
+              </a:schemeClr>
+            </a:solidFill>
+          </a:ln>
+        </p:spPr>
+        <p:style>
+          <a:lnRef idx="2">
+            <a:schemeClr val="dk1"/>
+          </a:lnRef>
+          <a:fillRef idx="1">
+            <a:schemeClr val="lt1"/>
+          </a:fillRef>
+          <a:effectRef idx="0">
+            <a:schemeClr val="dk1"/>
+          </a:effectRef>
+          <a:fontRef idx="minor">
+            <a:schemeClr val="dk1"/>
+          </a:fontRef>
+        </p:style>
+        <p:txBody>
+          <a:bodyPr rtlCol="0" anchor="ctr"/>
+          <a:lstStyle/>
+          <a:p>
+            <a:pPr algn="ctr"/>
+            <a:endParaRPr lang="en-IL"/>
+          </a:p>
+        </p:txBody>
+      </p:sp>
+      <p:cxnSp>
+        <p:nvCxnSpPr>
+          <p:cNvPr id="16" name="Straight Connector 15">
+            <a:extLst>
+              <a:ext uri="{FF2B5EF4-FFF2-40B4-BE49-F238E27FC236}">
+                <a16:creationId xmlns:a16="http://schemas.microsoft.com/office/drawing/2014/main" id="{B099D348-5663-86BD-892E-4CB501388AFC}"/>
+              </a:ext>
+            </a:extLst>
+          </p:cNvPr>
+          <p:cNvCxnSpPr>
+            <a:stCxn id="15" idx="3"/>
+          </p:cNvCxnSpPr>
+          <p:nvPr/>
+        </p:nvCxnSpPr>
+        <p:spPr>
+          <a:xfrm flipV="1">
+            <a:off x="11152632" y="3783213"/>
+            <a:ext cx="664845" cy="1"/>
+          </a:xfrm>
+          <a:prstGeom prst="line">
+            <a:avLst/>
+          </a:prstGeom>
+        </p:spPr>
+        <p:style>
+          <a:lnRef idx="2">
+            <a:schemeClr val="dk1"/>
+          </a:lnRef>
+          <a:fillRef idx="0">
+            <a:schemeClr val="dk1"/>
+          </a:fillRef>
+          <a:effectRef idx="1">
+            <a:schemeClr val="dk1"/>
+          </a:effectRef>
+          <a:fontRef idx="minor">
+            <a:schemeClr val="tx1"/>
+          </a:fontRef>
+        </p:style>
+      </p:cxnSp>
+      <p:sp>
+        <p:nvSpPr>
+          <p:cNvPr id="17" name="TextBox 16">
+            <a:extLst>
+              <a:ext uri="{FF2B5EF4-FFF2-40B4-BE49-F238E27FC236}">
+                <a16:creationId xmlns:a16="http://schemas.microsoft.com/office/drawing/2014/main" id="{BA83E0E2-EDCB-2508-D9BA-3A6FD1366D2A}"/>
+              </a:ext>
+            </a:extLst>
+          </p:cNvPr>
+          <p:cNvSpPr txBox="1"/>
+          <p:nvPr/>
+        </p:nvSpPr>
+        <p:spPr>
+          <a:xfrm>
+            <a:off x="8055817" y="2183904"/>
+            <a:ext cx="286223" cy="369332"/>
+          </a:xfrm>
+          <a:prstGeom prst="rect">
+            <a:avLst/>
+          </a:prstGeom>
+          <a:noFill/>
+        </p:spPr>
+        <p:txBody>
+          <a:bodyPr wrap="square" rtlCol="0">
+            <a:spAutoFit/>
+          </a:bodyPr>
+          <a:lstStyle/>
+          <a:p>
+            <a:pPr algn="ctr"/>
+            <a:r>
+              <a:rPr lang="en-US" b="1" dirty="0"/>
+              <a:t>8</a:t>
+            </a:r>
+            <a:endParaRPr lang="en-IL" b="1" dirty="0"/>
+          </a:p>
+        </p:txBody>
+      </p:sp>
+      <p:sp>
+        <p:nvSpPr>
+          <p:cNvPr id="18" name="TextBox 17">
+            <a:extLst>
+              <a:ext uri="{FF2B5EF4-FFF2-40B4-BE49-F238E27FC236}">
+                <a16:creationId xmlns:a16="http://schemas.microsoft.com/office/drawing/2014/main" id="{B9128F90-D1D8-46FE-27AE-9E6728F69201}"/>
+              </a:ext>
+            </a:extLst>
+          </p:cNvPr>
+          <p:cNvSpPr txBox="1"/>
+          <p:nvPr/>
+        </p:nvSpPr>
+        <p:spPr>
+          <a:xfrm>
+            <a:off x="8055817" y="3006899"/>
+            <a:ext cx="286223" cy="369332"/>
+          </a:xfrm>
+          <a:prstGeom prst="rect">
+            <a:avLst/>
+          </a:prstGeom>
+          <a:noFill/>
+        </p:spPr>
+        <p:txBody>
+          <a:bodyPr wrap="square" rtlCol="0">
+            <a:spAutoFit/>
+          </a:bodyPr>
+          <a:lstStyle/>
+          <a:p>
+            <a:pPr algn="ctr"/>
+            <a:r>
+              <a:rPr lang="en-US" b="1" dirty="0"/>
+              <a:t>8</a:t>
+            </a:r>
+            <a:endParaRPr lang="en-IL" b="1" dirty="0"/>
+          </a:p>
+        </p:txBody>
+      </p:sp>
+      <p:sp>
+        <p:nvSpPr>
+          <p:cNvPr id="19" name="TextBox 18">
+            <a:extLst>
+              <a:ext uri="{FF2B5EF4-FFF2-40B4-BE49-F238E27FC236}">
+                <a16:creationId xmlns:a16="http://schemas.microsoft.com/office/drawing/2014/main" id="{E8B981DD-19C2-3B78-A602-FEFC48D5965F}"/>
+              </a:ext>
+            </a:extLst>
+          </p:cNvPr>
+          <p:cNvSpPr txBox="1"/>
+          <p:nvPr/>
+        </p:nvSpPr>
+        <p:spPr>
+          <a:xfrm>
+            <a:off x="8055817" y="3864158"/>
+            <a:ext cx="286223" cy="369332"/>
+          </a:xfrm>
+          <a:prstGeom prst="rect">
+            <a:avLst/>
+          </a:prstGeom>
+          <a:noFill/>
+        </p:spPr>
+        <p:txBody>
+          <a:bodyPr wrap="square" rtlCol="0">
+            <a:spAutoFit/>
+          </a:bodyPr>
+          <a:lstStyle/>
+          <a:p>
+            <a:pPr algn="ctr"/>
+            <a:r>
+              <a:rPr lang="en-US" b="1" dirty="0"/>
+              <a:t>8</a:t>
+            </a:r>
+            <a:endParaRPr lang="en-IL" b="1" dirty="0"/>
+          </a:p>
+        </p:txBody>
+      </p:sp>
+      <p:sp>
+        <p:nvSpPr>
+          <p:cNvPr id="20" name="TextBox 19">
+            <a:extLst>
+              <a:ext uri="{FF2B5EF4-FFF2-40B4-BE49-F238E27FC236}">
+                <a16:creationId xmlns:a16="http://schemas.microsoft.com/office/drawing/2014/main" id="{41BDD879-5726-78B5-3287-AEDCD14B7A68}"/>
+              </a:ext>
+            </a:extLst>
+          </p:cNvPr>
+          <p:cNvSpPr txBox="1"/>
+          <p:nvPr/>
+        </p:nvSpPr>
+        <p:spPr>
+          <a:xfrm>
+            <a:off x="8055817" y="4693213"/>
+            <a:ext cx="286223" cy="369332"/>
+          </a:xfrm>
+          <a:prstGeom prst="rect">
+            <a:avLst/>
+          </a:prstGeom>
+          <a:noFill/>
+        </p:spPr>
+        <p:txBody>
+          <a:bodyPr wrap="square" rtlCol="0">
+            <a:spAutoFit/>
+          </a:bodyPr>
+          <a:lstStyle/>
+          <a:p>
+            <a:pPr algn="ctr"/>
+            <a:r>
+              <a:rPr lang="en-US" b="1" dirty="0"/>
+              <a:t>8</a:t>
+            </a:r>
+            <a:endParaRPr lang="en-IL" b="1" dirty="0"/>
+          </a:p>
+        </p:txBody>
+      </p:sp>
+      <p:sp>
+        <p:nvSpPr>
+          <p:cNvPr id="21" name="TextBox 20">
+            <a:extLst>
+              <a:ext uri="{FF2B5EF4-FFF2-40B4-BE49-F238E27FC236}">
+                <a16:creationId xmlns:a16="http://schemas.microsoft.com/office/drawing/2014/main" id="{7D69B603-BF19-92B3-F55B-5950CC212EBC}"/>
+              </a:ext>
+            </a:extLst>
+          </p:cNvPr>
+          <p:cNvSpPr txBox="1"/>
+          <p:nvPr/>
+        </p:nvSpPr>
+        <p:spPr>
+          <a:xfrm>
+            <a:off x="8647557" y="3470343"/>
+            <a:ext cx="475535" cy="369332"/>
+          </a:xfrm>
+          <a:prstGeom prst="rect">
+            <a:avLst/>
+          </a:prstGeom>
+          <a:noFill/>
+        </p:spPr>
+        <p:txBody>
+          <a:bodyPr wrap="square" rtlCol="0">
+            <a:spAutoFit/>
+          </a:bodyPr>
+          <a:lstStyle/>
+          <a:p>
+            <a:pPr algn="ctr"/>
+            <a:r>
+              <a:rPr lang="en-US" b="1" dirty="0"/>
+              <a:t>32</a:t>
+            </a:r>
+            <a:endParaRPr lang="en-IL" b="1" dirty="0"/>
+          </a:p>
+        </p:txBody>
+      </p:sp>
+      <p:sp>
+        <p:nvSpPr>
+          <p:cNvPr id="22" name="TextBox 21">
+            <a:extLst>
+              <a:ext uri="{FF2B5EF4-FFF2-40B4-BE49-F238E27FC236}">
+                <a16:creationId xmlns:a16="http://schemas.microsoft.com/office/drawing/2014/main" id="{93687304-0FC0-9B11-92A6-D069446CCE53}"/>
+              </a:ext>
+            </a:extLst>
+          </p:cNvPr>
+          <p:cNvSpPr txBox="1"/>
+          <p:nvPr/>
+        </p:nvSpPr>
+        <p:spPr>
+          <a:xfrm>
+            <a:off x="11248960" y="3455387"/>
+            <a:ext cx="475535" cy="369332"/>
+          </a:xfrm>
+          <a:prstGeom prst="rect">
+            <a:avLst/>
+          </a:prstGeom>
+          <a:noFill/>
+        </p:spPr>
+        <p:txBody>
+          <a:bodyPr wrap="square" rtlCol="0">
+            <a:spAutoFit/>
+          </a:bodyPr>
+          <a:lstStyle/>
+          <a:p>
+            <a:pPr algn="ctr"/>
+            <a:r>
+              <a:rPr lang="en-US" b="1" dirty="0"/>
+              <a:t>32</a:t>
+            </a:r>
+            <a:endParaRPr lang="en-IL" b="1" dirty="0"/>
+          </a:p>
+        </p:txBody>
+      </p:sp>
+      <p:sp>
+        <p:nvSpPr>
+          <p:cNvPr id="23" name="TextBox 22">
+            <a:extLst>
+              <a:ext uri="{FF2B5EF4-FFF2-40B4-BE49-F238E27FC236}">
+                <a16:creationId xmlns:a16="http://schemas.microsoft.com/office/drawing/2014/main" id="{DF6892E4-80E7-17BA-0D00-D8F246431137}"/>
+              </a:ext>
+            </a:extLst>
+          </p:cNvPr>
+          <p:cNvSpPr txBox="1"/>
+          <p:nvPr/>
+        </p:nvSpPr>
+        <p:spPr>
+          <a:xfrm>
+            <a:off x="448056" y="2183904"/>
+            <a:ext cx="4890150" cy="2308324"/>
+          </a:xfrm>
+          <a:prstGeom prst="rect">
+            <a:avLst/>
+          </a:prstGeom>
+          <a:noFill/>
+        </p:spPr>
+        <p:txBody>
+          <a:bodyPr wrap="square" rtlCol="0">
+            <a:spAutoFit/>
+          </a:bodyPr>
+          <a:lstStyle/>
+          <a:p>
+            <a:pPr marL="285750" indent="-285750">
+              <a:buFont typeface="Arial" panose="020B0604020202020204" pitchFamily="34" charset="0"/>
+              <a:buChar char="•"/>
             </a:pPr>
             <a:r>
               <a:rPr lang="en-US" b="1" dirty="0"/>
-              <a:t>Problem:</a:t>
-            </a:r>
-          </a:p>
-          <a:p>
+              <a:t>Data Size:</a:t>
+            </a:r>
             <a:r>
               <a:rPr lang="en-US" dirty="0"/>
-              <a:t>Compilation failed - FBJA memory is not detected by the synthesis tool, causing the design to fail compilation.</a:t>
-            </a:r>
-          </a:p>
-          <a:p>
+              <a:t> 2048 bits.</a:t>
+            </a:r>
+          </a:p>
+          <a:p>
+            <a:pPr marL="285750" indent="-285750">
+              <a:buFont typeface="Arial" panose="020B0604020202020204" pitchFamily="34" charset="0"/>
+              <a:buChar char="•"/>
+            </a:pPr>
             <a:endParaRPr lang="en-US" dirty="0"/>
           </a:p>
           <a:p>
-            <a:pPr marL="0" indent="0">
-              <a:buNone/>
+            <a:pPr marL="285750" indent="-285750">
+              <a:buFont typeface="Arial" panose="020B0604020202020204" pitchFamily="34" charset="0"/>
+              <a:buChar char="•"/>
             </a:pPr>
             <a:r>
               <a:rPr lang="en-US" b="1" dirty="0"/>
-              <a:t>Solution:</a:t>
-            </a:r>
-          </a:p>
-          <a:p>
+              <a:t>I/O Width:</a:t>
+            </a:r>
             <a:r>
               <a:rPr lang="en-US" dirty="0"/>
-              <a:t>Virtual FBJA memory – </a:t>
-            </a:r>
-            <a:r>
-              <a:rPr lang="en-US" dirty="0" err="1"/>
-              <a:t>altsyncram.v</a:t>
+              <a:t> 32 bits (4 bytes, corresponding to the instruction length).</a:t>
+            </a:r>
+          </a:p>
+          <a:p>
+            <a:pPr marL="285750" indent="-285750">
+              <a:buFont typeface="Arial" panose="020B0604020202020204" pitchFamily="34" charset="0"/>
+              <a:buChar char="•"/>
+            </a:pPr>
+            <a:endParaRPr lang="en-US" dirty="0"/>
+          </a:p>
+          <a:p>
+            <a:pPr marL="285750" indent="-285750">
+              <a:buFont typeface="Arial" panose="020B0604020202020204" pitchFamily="34" charset="0"/>
+              <a:buChar char="•"/>
+            </a:pPr>
+            <a:r>
+              <a:rPr lang="en-US" b="1" dirty="0"/>
+              <a:t>Memory Access:</a:t>
             </a:r>
             <a:r>
               <a:rPr lang="en-US" dirty="0"/>
-              <a:t> file.</a:t>
-            </a:r>
+              <a:t> Simultaneous read/write operations at two addresses in parallel.</a:t>
+            </a:r>
+          </a:p>
+          <a:p>
+            <a:pPr marL="285750" indent="-285750">
+              <a:buFont typeface="Arial" panose="020B0604020202020204" pitchFamily="34" charset="0"/>
+              <a:buChar char="•"/>
+            </a:pPr>
             <a:endParaRPr lang="en-IL" dirty="0"/>
           </a:p>
         </p:txBody>
@@ -20465,7 +19200,7 @@
     </p:spTree>
     <p:extLst>
       <p:ext uri="{BB962C8B-B14F-4D97-AF65-F5344CB8AC3E}">
-        <p14:creationId xmlns:p14="http://schemas.microsoft.com/office/powerpoint/2010/main" val="1063348007"/>
+        <p14:creationId xmlns:p14="http://schemas.microsoft.com/office/powerpoint/2010/main" val="1868634386"/>
       </p:ext>
     </p:extLst>
   </p:cSld>
